--- a/Lecture Slides/COACH A01 - Introduction.pptx
+++ b/Lecture Slides/COACH A01 - Introduction.pptx
@@ -24,6 +24,7 @@
     <p:sldId id="269" r:id="rId20"/>
     <p:sldId id="270" r:id="rId21"/>
     <p:sldId id="271" r:id="rId22"/>
+    <p:sldId id="272" r:id="rId23"/>
   </p:sldIdLst>
   <p:sldSz cy="5143500" cx="9144000"/>
   <p:notesSz cx="6858000" cy="9144000"/>
@@ -819,7 +820,7 @@
       </p:grpSpPr>
       <p:sp>
         <p:nvSpPr>
-          <p:cNvPr id="96" name="Google Shape;96;gf157d98dbb_1_0:notes"/>
+          <p:cNvPr id="96" name="Google Shape;96;gf157d98dbb_0_133:notes"/>
           <p:cNvSpPr/>
           <p:nvPr>
             <p:ph idx="2" type="sldImg"/>
@@ -854,7 +855,7 @@
       </p:sp>
       <p:sp>
         <p:nvSpPr>
-          <p:cNvPr id="97" name="Google Shape;97;gf157d98dbb_1_0:notes"/>
+          <p:cNvPr id="97" name="Google Shape;97;gf157d98dbb_0_133:notes"/>
           <p:cNvSpPr txBox="1"/>
           <p:nvPr>
             <p:ph idx="1" type="body"/>
@@ -904,7 +905,7 @@
   <p:cSld>
     <p:spTree>
       <p:nvGrpSpPr>
-        <p:cNvPr id="102" name="Shape 102"/>
+        <p:cNvPr id="103" name="Shape 103"/>
         <p:cNvGrpSpPr/>
         <p:nvPr/>
       </p:nvGrpSpPr>
@@ -918,7 +919,7 @@
       </p:grpSpPr>
       <p:sp>
         <p:nvSpPr>
-          <p:cNvPr id="103" name="Google Shape;103;gf157d98dbb_1_7:notes"/>
+          <p:cNvPr id="104" name="Google Shape;104;gf157d98dbb_1_0:notes"/>
           <p:cNvSpPr/>
           <p:nvPr>
             <p:ph idx="2" type="sldImg"/>
@@ -953,7 +954,7 @@
       </p:sp>
       <p:sp>
         <p:nvSpPr>
-          <p:cNvPr id="104" name="Google Shape;104;gf157d98dbb_1_7:notes"/>
+          <p:cNvPr id="105" name="Google Shape;105;gf157d98dbb_1_0:notes"/>
           <p:cNvSpPr txBox="1"/>
           <p:nvPr>
             <p:ph idx="1" type="body"/>
@@ -1003,7 +1004,7 @@
   <p:cSld>
     <p:spTree>
       <p:nvGrpSpPr>
-        <p:cNvPr id="109" name="Shape 109"/>
+        <p:cNvPr id="110" name="Shape 110"/>
         <p:cNvGrpSpPr/>
         <p:nvPr/>
       </p:nvGrpSpPr>
@@ -1017,7 +1018,7 @@
       </p:grpSpPr>
       <p:sp>
         <p:nvSpPr>
-          <p:cNvPr id="110" name="Google Shape;110;gf157d98dbb_1_14:notes"/>
+          <p:cNvPr id="111" name="Google Shape;111;gf157d98dbb_1_7:notes"/>
           <p:cNvSpPr/>
           <p:nvPr>
             <p:ph idx="2" type="sldImg"/>
@@ -1052,7 +1053,7 @@
       </p:sp>
       <p:sp>
         <p:nvSpPr>
-          <p:cNvPr id="111" name="Google Shape;111;gf157d98dbb_1_14:notes"/>
+          <p:cNvPr id="112" name="Google Shape;112;gf157d98dbb_1_7:notes"/>
           <p:cNvSpPr txBox="1"/>
           <p:nvPr>
             <p:ph idx="1" type="body"/>
@@ -1102,7 +1103,7 @@
   <p:cSld>
     <p:spTree>
       <p:nvGrpSpPr>
-        <p:cNvPr id="116" name="Shape 116"/>
+        <p:cNvPr id="117" name="Shape 117"/>
         <p:cNvGrpSpPr/>
         <p:nvPr/>
       </p:nvGrpSpPr>
@@ -1116,7 +1117,7 @@
       </p:grpSpPr>
       <p:sp>
         <p:nvSpPr>
-          <p:cNvPr id="117" name="Google Shape;117;gf157d98dbb_1_20:notes"/>
+          <p:cNvPr id="118" name="Google Shape;118;gf157d98dbb_1_14:notes"/>
           <p:cNvSpPr/>
           <p:nvPr>
             <p:ph idx="2" type="sldImg"/>
@@ -1151,7 +1152,7 @@
       </p:sp>
       <p:sp>
         <p:nvSpPr>
-          <p:cNvPr id="118" name="Google Shape;118;gf157d98dbb_1_20:notes"/>
+          <p:cNvPr id="119" name="Google Shape;119;gf157d98dbb_1_14:notes"/>
           <p:cNvSpPr txBox="1"/>
           <p:nvPr>
             <p:ph idx="1" type="body"/>
@@ -1201,7 +1202,7 @@
   <p:cSld>
     <p:spTree>
       <p:nvGrpSpPr>
-        <p:cNvPr id="123" name="Shape 123"/>
+        <p:cNvPr id="124" name="Shape 124"/>
         <p:cNvGrpSpPr/>
         <p:nvPr/>
       </p:nvGrpSpPr>
@@ -1215,7 +1216,7 @@
       </p:grpSpPr>
       <p:sp>
         <p:nvSpPr>
-          <p:cNvPr id="124" name="Google Shape;124;gf157d98dbb_1_32:notes"/>
+          <p:cNvPr id="125" name="Google Shape;125;gf157d98dbb_1_20:notes"/>
           <p:cNvSpPr/>
           <p:nvPr>
             <p:ph idx="2" type="sldImg"/>
@@ -1250,7 +1251,7 @@
       </p:sp>
       <p:sp>
         <p:nvSpPr>
-          <p:cNvPr id="125" name="Google Shape;125;gf157d98dbb_1_32:notes"/>
+          <p:cNvPr id="126" name="Google Shape;126;gf157d98dbb_1_20:notes"/>
           <p:cNvSpPr txBox="1"/>
           <p:nvPr>
             <p:ph idx="1" type="body"/>
@@ -1300,7 +1301,7 @@
   <p:cSld>
     <p:spTree>
       <p:nvGrpSpPr>
-        <p:cNvPr id="130" name="Shape 130"/>
+        <p:cNvPr id="131" name="Shape 131"/>
         <p:cNvGrpSpPr/>
         <p:nvPr/>
       </p:nvGrpSpPr>
@@ -1314,7 +1315,7 @@
       </p:grpSpPr>
       <p:sp>
         <p:nvSpPr>
-          <p:cNvPr id="131" name="Google Shape;131;gf157d98db7_0_0:notes"/>
+          <p:cNvPr id="132" name="Google Shape;132;gf157d98dbb_1_32:notes"/>
           <p:cNvSpPr/>
           <p:nvPr>
             <p:ph idx="2" type="sldImg"/>
@@ -1349,7 +1350,7 @@
       </p:sp>
       <p:sp>
         <p:nvSpPr>
-          <p:cNvPr id="132" name="Google Shape;132;gf157d98db7_0_0:notes"/>
+          <p:cNvPr id="133" name="Google Shape;133;gf157d98dbb_1_32:notes"/>
           <p:cNvSpPr txBox="1"/>
           <p:nvPr>
             <p:ph idx="1" type="body"/>
@@ -1399,7 +1400,7 @@
   <p:cSld>
     <p:spTree>
       <p:nvGrpSpPr>
-        <p:cNvPr id="136" name="Shape 136"/>
+        <p:cNvPr id="138" name="Shape 138"/>
         <p:cNvGrpSpPr/>
         <p:nvPr/>
       </p:nvGrpSpPr>
@@ -1413,7 +1414,7 @@
       </p:grpSpPr>
       <p:sp>
         <p:nvSpPr>
-          <p:cNvPr id="137" name="Google Shape;137;gf157d98db7_0_5:notes"/>
+          <p:cNvPr id="139" name="Google Shape;139;gf157d98db7_0_0:notes"/>
           <p:cNvSpPr/>
           <p:nvPr>
             <p:ph idx="2" type="sldImg"/>
@@ -1448,7 +1449,106 @@
       </p:sp>
       <p:sp>
         <p:nvSpPr>
-          <p:cNvPr id="138" name="Google Shape;138;gf157d98db7_0_5:notes"/>
+          <p:cNvPr id="140" name="Google Shape;140;gf157d98db7_0_0:notes"/>
+          <p:cNvSpPr txBox="1"/>
+          <p:nvPr>
+            <p:ph idx="1" type="body"/>
+          </p:nvPr>
+        </p:nvSpPr>
+        <p:spPr>
+          <a:xfrm>
+            <a:off x="685800" y="4343400"/>
+            <a:ext cx="5486400" cy="4114800"/>
+          </a:xfrm>
+          <a:prstGeom prst="rect">
+            <a:avLst/>
+          </a:prstGeom>
+        </p:spPr>
+        <p:txBody>
+          <a:bodyPr anchorCtr="0" anchor="t" bIns="91425" lIns="91425" spcFirstLastPara="1" rIns="91425" wrap="square" tIns="91425">
+            <a:noAutofit/>
+          </a:bodyPr>
+          <a:lstStyle/>
+          <a:p>
+            <a:pPr indent="0" lvl="0" marL="0" rtl="0" algn="l">
+              <a:spcBef>
+                <a:spcPts val="0"/>
+              </a:spcBef>
+              <a:spcAft>
+                <a:spcPts val="0"/>
+              </a:spcAft>
+              <a:buNone/>
+            </a:pPr>
+            <a:r>
+              <a:t/>
+            </a:r>
+            <a:endParaRPr/>
+          </a:p>
+        </p:txBody>
+      </p:sp>
+    </p:spTree>
+  </p:cSld>
+  <p:clrMapOvr>
+    <a:masterClrMapping/>
+  </p:clrMapOvr>
+</p:notes>
+</file>
+
+<file path=ppt/notesSlides/notesSlide17.xml><?xml version="1.0" encoding="utf-8"?>
+<p:notes xmlns:a="http://schemas.openxmlformats.org/drawingml/2006/main" xmlns:r="http://schemas.openxmlformats.org/officeDocument/2006/relationships" xmlns:mc="http://schemas.openxmlformats.org/markup-compatibility/2006" xmlns:mv="urn:schemas-microsoft-com:mac:vml" xmlns:p="http://schemas.openxmlformats.org/presentationml/2006/main" xmlns:c="http://schemas.openxmlformats.org/drawingml/2006/chart" xmlns:dgm="http://schemas.openxmlformats.org/drawingml/2006/diagram" xmlns:o="urn:schemas-microsoft-com:office:office" xmlns:v="urn:schemas-microsoft-com:vml" xmlns:pvml="urn:schemas-microsoft-com:office:powerpoint" xmlns:com="http://schemas.openxmlformats.org/drawingml/2006/compatibility" xmlns:p14="http://schemas.microsoft.com/office/powerpoint/2010/main" xmlns:p15="http://schemas.microsoft.com/office/powerpoint/2012/main" xmlns:ahyp="http://schemas.microsoft.com/office/drawing/2018/hyperlinkcolor" showMasterPhAnim="0" showMasterSp="0">
+  <p:cSld>
+    <p:spTree>
+      <p:nvGrpSpPr>
+        <p:cNvPr id="144" name="Shape 144"/>
+        <p:cNvGrpSpPr/>
+        <p:nvPr/>
+      </p:nvGrpSpPr>
+      <p:grpSpPr>
+        <a:xfrm>
+          <a:off x="0" y="0"/>
+          <a:ext cx="0" cy="0"/>
+          <a:chOff x="0" y="0"/>
+          <a:chExt cx="0" cy="0"/>
+        </a:xfrm>
+      </p:grpSpPr>
+      <p:sp>
+        <p:nvSpPr>
+          <p:cNvPr id="145" name="Google Shape;145;gf157d98db7_0_5:notes"/>
+          <p:cNvSpPr/>
+          <p:nvPr>
+            <p:ph idx="2" type="sldImg"/>
+          </p:nvPr>
+        </p:nvSpPr>
+        <p:spPr>
+          <a:xfrm>
+            <a:off x="381300" y="685800"/>
+            <a:ext cx="6096000" cy="3429000"/>
+          </a:xfrm>
+          <a:custGeom>
+            <a:rect b="b" l="l" r="r" t="t"/>
+            <a:pathLst>
+              <a:path extrusionOk="0" h="120000" w="120000">
+                <a:moveTo>
+                  <a:pt x="0" y="0"/>
+                </a:moveTo>
+                <a:lnTo>
+                  <a:pt x="120000" y="0"/>
+                </a:lnTo>
+                <a:lnTo>
+                  <a:pt x="120000" y="120000"/>
+                </a:lnTo>
+                <a:lnTo>
+                  <a:pt x="0" y="120000"/>
+                </a:lnTo>
+                <a:close/>
+              </a:path>
+            </a:pathLst>
+          </a:custGeom>
+        </p:spPr>
+      </p:sp>
+      <p:sp>
+        <p:nvSpPr>
+          <p:cNvPr id="146" name="Google Shape;146;gf157d98db7_0_5:notes"/>
           <p:cNvSpPr txBox="1"/>
           <p:nvPr>
             <p:ph idx="1" type="body"/>
@@ -1908,7 +2008,7 @@
       </p:grpSpPr>
       <p:sp>
         <p:nvSpPr>
-          <p:cNvPr id="67" name="Google Shape;67;g11aa75bb97b_1_0:notes"/>
+          <p:cNvPr id="67" name="Google Shape;67;g2902d17f377_0_0:notes"/>
           <p:cNvSpPr/>
           <p:nvPr>
             <p:ph idx="2" type="sldImg"/>
@@ -1943,7 +2043,7 @@
       </p:sp>
       <p:sp>
         <p:nvSpPr>
-          <p:cNvPr id="68" name="Google Shape;68;g11aa75bb97b_1_0:notes"/>
+          <p:cNvPr id="68" name="Google Shape;68;g2902d17f377_0_0:notes"/>
           <p:cNvSpPr txBox="1"/>
           <p:nvPr>
             <p:ph idx="1" type="body"/>
@@ -1993,7 +2093,7 @@
   <p:cSld>
     <p:spTree>
       <p:nvGrpSpPr>
-        <p:cNvPr id="73" name="Shape 73"/>
+        <p:cNvPr id="74" name="Shape 74"/>
         <p:cNvGrpSpPr/>
         <p:nvPr/>
       </p:nvGrpSpPr>
@@ -2007,7 +2107,7 @@
       </p:grpSpPr>
       <p:sp>
         <p:nvSpPr>
-          <p:cNvPr id="74" name="Google Shape;74;gf5a9b1405f_1_0:notes"/>
+          <p:cNvPr id="75" name="Google Shape;75;g11aa75bb97b_1_0:notes"/>
           <p:cNvSpPr/>
           <p:nvPr>
             <p:ph idx="2" type="sldImg"/>
@@ -2042,7 +2142,7 @@
       </p:sp>
       <p:sp>
         <p:nvSpPr>
-          <p:cNvPr id="75" name="Google Shape;75;gf5a9b1405f_1_0:notes"/>
+          <p:cNvPr id="76" name="Google Shape;76;g11aa75bb97b_1_0:notes"/>
           <p:cNvSpPr txBox="1"/>
           <p:nvPr>
             <p:ph idx="1" type="body"/>
@@ -2092,7 +2192,7 @@
   <p:cSld>
     <p:spTree>
       <p:nvGrpSpPr>
-        <p:cNvPr id="80" name="Shape 80"/>
+        <p:cNvPr id="81" name="Shape 81"/>
         <p:cNvGrpSpPr/>
         <p:nvPr/>
       </p:nvGrpSpPr>
@@ -2106,7 +2206,7 @@
       </p:grpSpPr>
       <p:sp>
         <p:nvSpPr>
-          <p:cNvPr id="81" name="Google Shape;81;gdb5ccdfa64_0_0:notes"/>
+          <p:cNvPr id="82" name="Google Shape;82;gf5a9b1405f_1_0:notes"/>
           <p:cNvSpPr/>
           <p:nvPr>
             <p:ph idx="2" type="sldImg"/>
@@ -2141,7 +2241,7 @@
       </p:sp>
       <p:sp>
         <p:nvSpPr>
-          <p:cNvPr id="82" name="Google Shape;82;gdb5ccdfa64_0_0:notes"/>
+          <p:cNvPr id="83" name="Google Shape;83;gf5a9b1405f_1_0:notes"/>
           <p:cNvSpPr txBox="1"/>
           <p:nvPr>
             <p:ph idx="1" type="body"/>
@@ -2191,7 +2291,7 @@
   <p:cSld>
     <p:spTree>
       <p:nvGrpSpPr>
-        <p:cNvPr id="87" name="Shape 87"/>
+        <p:cNvPr id="88" name="Shape 88"/>
         <p:cNvGrpSpPr/>
         <p:nvPr/>
       </p:nvGrpSpPr>
@@ -2205,7 +2305,7 @@
       </p:grpSpPr>
       <p:sp>
         <p:nvSpPr>
-          <p:cNvPr id="88" name="Google Shape;88;gf157d98dbb_0_133:notes"/>
+          <p:cNvPr id="89" name="Google Shape;89;gdb5ccdfa64_0_0:notes"/>
           <p:cNvSpPr/>
           <p:nvPr>
             <p:ph idx="2" type="sldImg"/>
@@ -2240,7 +2340,7 @@
       </p:sp>
       <p:sp>
         <p:nvSpPr>
-          <p:cNvPr id="89" name="Google Shape;89;gf157d98dbb_0_133:notes"/>
+          <p:cNvPr id="90" name="Google Shape;90;gdb5ccdfa64_0_0:notes"/>
           <p:cNvSpPr txBox="1"/>
           <p:nvPr>
             <p:ph idx="1" type="body"/>
@@ -5747,7 +5847,77 @@
             </a:pPr>
             <a:r>
               <a:rPr lang="en"/>
-              <a:t>Course Language</a:t>
+              <a:t>No Oral or Written Exam [1]</a:t>
+            </a:r>
+            <a:endParaRPr/>
+          </a:p>
+        </p:txBody>
+      </p:sp>
+      <p:pic>
+        <p:nvPicPr>
+          <p:cNvPr id="100" name="Google Shape;100;p17"/>
+          <p:cNvPicPr preferRelativeResize="0"/>
+          <p:nvPr/>
+        </p:nvPicPr>
+        <p:blipFill>
+          <a:blip r:embed="rId3">
+            <a:alphaModFix/>
+          </a:blip>
+          <a:stretch>
+            <a:fillRect/>
+          </a:stretch>
+        </p:blipFill>
+        <p:spPr>
+          <a:xfrm>
+            <a:off x="2743200" y="914400"/>
+            <a:ext cx="3657601" cy="3649596"/>
+          </a:xfrm>
+          <a:prstGeom prst="rect">
+            <a:avLst/>
+          </a:prstGeom>
+          <a:noFill/>
+          <a:ln>
+            <a:noFill/>
+          </a:ln>
+        </p:spPr>
+      </p:pic>
+      <p:sp>
+        <p:nvSpPr>
+          <p:cNvPr id="101" name="Google Shape;101;p17"/>
+          <p:cNvSpPr txBox="1"/>
+          <p:nvPr/>
+        </p:nvSpPr>
+        <p:spPr>
+          <a:xfrm>
+            <a:off x="0" y="4233672"/>
+            <a:ext cx="8229600" cy="914400"/>
+          </a:xfrm>
+          <a:prstGeom prst="rect">
+            <a:avLst/>
+          </a:prstGeom>
+          <a:noFill/>
+          <a:ln>
+            <a:noFill/>
+          </a:ln>
+        </p:spPr>
+        <p:txBody>
+          <a:bodyPr anchorCtr="0" anchor="b" bIns="91425" lIns="91425" spcFirstLastPara="1" rIns="91425" wrap="square" tIns="91425">
+            <a:noAutofit/>
+          </a:bodyPr>
+          <a:lstStyle/>
+          <a:p>
+            <a:pPr indent="0" lvl="0" marL="0" rtl="0" algn="l">
+              <a:spcBef>
+                <a:spcPts val="0"/>
+              </a:spcBef>
+              <a:spcAft>
+                <a:spcPts val="0"/>
+              </a:spcAft>
+              <a:buNone/>
+            </a:pPr>
+            <a:r>
+              <a:rPr lang="en"/>
+              <a:t>[1] You still have to register for the course</a:t>
             </a:r>
             <a:endParaRPr/>
           </a:p>
@@ -5755,7 +5925,7 @@
       </p:sp>
       <p:sp>
         <p:nvSpPr>
-          <p:cNvPr id="100" name="Google Shape;100;p17"/>
+          <p:cNvPr id="102" name="Google Shape;102;p17"/>
           <p:cNvSpPr txBox="1"/>
           <p:nvPr>
             <p:ph idx="12" type="sldNum"/>
@@ -5806,7 +5976,7 @@
                 <a:solidFill>
                   <a:schemeClr val="hlink"/>
                 </a:solidFill>
-                <a:hlinkClick r:id="rId3"/>
+                <a:hlinkClick r:id="rId4"/>
               </a:rPr>
               <a:t>https://profriehle.com</a:t>
             </a:r>
@@ -5817,155 +5987,6 @@
                 </a:solidFill>
               </a:rPr>
               <a:t> </a:t>
-            </a:r>
-            <a:endParaRPr/>
-          </a:p>
-        </p:txBody>
-      </p:sp>
-      <p:sp>
-        <p:nvSpPr>
-          <p:cNvPr id="101" name="Google Shape;101;p17"/>
-          <p:cNvSpPr txBox="1"/>
-          <p:nvPr>
-            <p:ph idx="1" type="body"/>
-          </p:nvPr>
-        </p:nvSpPr>
-        <p:spPr>
-          <a:xfrm>
-            <a:off x="274320" y="914400"/>
-            <a:ext cx="8595300" cy="4114800"/>
-          </a:xfrm>
-          <a:prstGeom prst="rect">
-            <a:avLst/>
-          </a:prstGeom>
-        </p:spPr>
-        <p:txBody>
-          <a:bodyPr anchorCtr="0" anchor="t" bIns="0" lIns="0" spcFirstLastPara="1" rIns="0" wrap="square" tIns="0">
-            <a:noAutofit/>
-          </a:bodyPr>
-          <a:lstStyle/>
-          <a:p>
-            <a:pPr indent="0" lvl="0" marL="0" rtl="0" algn="l">
-              <a:spcBef>
-                <a:spcPts val="0"/>
-              </a:spcBef>
-              <a:spcAft>
-                <a:spcPts val="0"/>
-              </a:spcAft>
-              <a:buClr>
-                <a:schemeClr val="dk1"/>
-              </a:buClr>
-              <a:buSzPts val="1100"/>
-              <a:buFont typeface="Arial"/>
-              <a:buNone/>
-            </a:pPr>
-            <a:r>
-              <a:rPr b="1" lang="en"/>
-              <a:t>Class</a:t>
-            </a:r>
-            <a:endParaRPr b="1"/>
-          </a:p>
-          <a:p>
-            <a:pPr indent="-342900" lvl="0" marL="457200" rtl="0" algn="l">
-              <a:spcBef>
-                <a:spcPts val="1200"/>
-              </a:spcBef>
-              <a:spcAft>
-                <a:spcPts val="0"/>
-              </a:spcAft>
-              <a:buSzPts val="1800"/>
-              <a:buChar char="●"/>
-            </a:pPr>
-            <a:r>
-              <a:rPr lang="en"/>
-              <a:t>Lecturer: English</a:t>
-            </a:r>
-            <a:endParaRPr/>
-          </a:p>
-          <a:p>
-            <a:pPr indent="-342900" lvl="0" marL="457200" rtl="0" algn="l">
-              <a:spcBef>
-                <a:spcPts val="0"/>
-              </a:spcBef>
-              <a:spcAft>
-                <a:spcPts val="0"/>
-              </a:spcAft>
-              <a:buSzPts val="1800"/>
-              <a:buChar char="●"/>
-            </a:pPr>
-            <a:r>
-              <a:rPr lang="en"/>
-              <a:t>Student: Choice of German or English</a:t>
-            </a:r>
-            <a:endParaRPr/>
-          </a:p>
-          <a:p>
-            <a:pPr indent="0" lvl="0" marL="0" rtl="0" algn="l">
-              <a:spcBef>
-                <a:spcPts val="1200"/>
-              </a:spcBef>
-              <a:spcAft>
-                <a:spcPts val="0"/>
-              </a:spcAft>
-              <a:buClr>
-                <a:schemeClr val="dk1"/>
-              </a:buClr>
-              <a:buSzPts val="1100"/>
-              <a:buFont typeface="Arial"/>
-              <a:buNone/>
-            </a:pPr>
-            <a:r>
-              <a:rPr b="1" lang="en"/>
-              <a:t>Project</a:t>
-            </a:r>
-            <a:endParaRPr b="1"/>
-          </a:p>
-          <a:p>
-            <a:pPr indent="-342900" lvl="0" marL="457200" rtl="0" algn="l">
-              <a:spcBef>
-                <a:spcPts val="1200"/>
-              </a:spcBef>
-              <a:spcAft>
-                <a:spcPts val="0"/>
-              </a:spcAft>
-              <a:buSzPts val="1800"/>
-              <a:buChar char="●"/>
-            </a:pPr>
-            <a:r>
-              <a:rPr lang="en"/>
-              <a:t>AMOS team: German or English</a:t>
-            </a:r>
-            <a:endParaRPr/>
-          </a:p>
-          <a:p>
-            <a:pPr indent="-342900" lvl="0" marL="457200" rtl="0" algn="l">
-              <a:spcBef>
-                <a:spcPts val="0"/>
-              </a:spcBef>
-              <a:spcAft>
-                <a:spcPts val="0"/>
-              </a:spcAft>
-              <a:buSzPts val="1800"/>
-              <a:buChar char="●"/>
-            </a:pPr>
-            <a:r>
-              <a:rPr lang="en"/>
-              <a:t>Homework: Choice of German or English</a:t>
-            </a:r>
-            <a:endParaRPr/>
-          </a:p>
-          <a:p>
-            <a:pPr indent="0" lvl="0" marL="0" rtl="0" algn="l">
-              <a:spcBef>
-                <a:spcPts val="1200"/>
-              </a:spcBef>
-              <a:spcAft>
-                <a:spcPts val="1200"/>
-              </a:spcAft>
-              <a:buNone/>
-            </a:pPr>
-            <a:r>
-              <a:t/>
             </a:r>
             <a:endParaRPr/>
           </a:p>
@@ -5984,7 +6005,7 @@
   <p:cSld>
     <p:spTree>
       <p:nvGrpSpPr>
-        <p:cNvPr id="105" name="Shape 105"/>
+        <p:cNvPr id="106" name="Shape 106"/>
         <p:cNvGrpSpPr/>
         <p:nvPr/>
       </p:nvGrpSpPr>
@@ -5998,7 +6019,7 @@
       </p:grpSpPr>
       <p:sp>
         <p:nvSpPr>
-          <p:cNvPr id="106" name="Google Shape;106;p18"/>
+          <p:cNvPr id="107" name="Google Shape;107;p18"/>
           <p:cNvSpPr txBox="1"/>
           <p:nvPr>
             <p:ph type="title"/>
@@ -6030,143 +6051,7 @@
             </a:pPr>
             <a:r>
               <a:rPr lang="en"/>
-              <a:t>Course Organization</a:t>
-            </a:r>
-            <a:endParaRPr/>
-          </a:p>
-        </p:txBody>
-      </p:sp>
-      <p:sp>
-        <p:nvSpPr>
-          <p:cNvPr id="107" name="Google Shape;107;p18"/>
-          <p:cNvSpPr txBox="1"/>
-          <p:nvPr>
-            <p:ph idx="1" type="body"/>
-          </p:nvPr>
-        </p:nvSpPr>
-        <p:spPr>
-          <a:xfrm>
-            <a:off x="274320" y="914400"/>
-            <a:ext cx="8595300" cy="4114800"/>
-          </a:xfrm>
-          <a:prstGeom prst="rect">
-            <a:avLst/>
-          </a:prstGeom>
-        </p:spPr>
-        <p:txBody>
-          <a:bodyPr anchorCtr="0" anchor="t" bIns="0" lIns="0" spcFirstLastPara="1" rIns="0" wrap="square" tIns="0">
-            <a:noAutofit/>
-          </a:bodyPr>
-          <a:lstStyle/>
-          <a:p>
-            <a:pPr indent="0" lvl="0" marL="0" rtl="0" algn="l">
-              <a:spcBef>
-                <a:spcPts val="0"/>
-              </a:spcBef>
-              <a:spcAft>
-                <a:spcPts val="0"/>
-              </a:spcAft>
-              <a:buClr>
-                <a:schemeClr val="dk1"/>
-              </a:buClr>
-              <a:buSzPts val="1100"/>
-              <a:buFont typeface="Arial"/>
-              <a:buNone/>
-            </a:pPr>
-            <a:r>
-              <a:rPr b="1" lang="en"/>
-              <a:t>Course organization</a:t>
-            </a:r>
-            <a:endParaRPr b="1"/>
-          </a:p>
-          <a:p>
-            <a:pPr indent="-342900" lvl="0" marL="457200" rtl="0" algn="l">
-              <a:spcBef>
-                <a:spcPts val="1200"/>
-              </a:spcBef>
-              <a:spcAft>
-                <a:spcPts val="0"/>
-              </a:spcAft>
-              <a:buSzPts val="1800"/>
-              <a:buChar char="●"/>
-            </a:pPr>
-            <a:r>
-              <a:rPr lang="en"/>
-              <a:t>See </a:t>
-            </a:r>
-            <a:r>
-              <a:rPr lang="en" u="sng">
-                <a:solidFill>
-                  <a:schemeClr val="hlink"/>
-                </a:solidFill>
-                <a:hlinkClick r:id="rId3"/>
-              </a:rPr>
-              <a:t>https://coach.uni1.de</a:t>
-            </a:r>
-            <a:r>
-              <a:rPr lang="en"/>
-              <a:t>  </a:t>
-            </a:r>
-            <a:endParaRPr/>
-          </a:p>
-          <a:p>
-            <a:pPr indent="0" lvl="0" marL="0" rtl="0" algn="l">
-              <a:spcBef>
-                <a:spcPts val="1200"/>
-              </a:spcBef>
-              <a:spcAft>
-                <a:spcPts val="0"/>
-              </a:spcAft>
-              <a:buClr>
-                <a:schemeClr val="dk1"/>
-              </a:buClr>
-              <a:buSzPts val="1100"/>
-              <a:buFont typeface="Arial"/>
-              <a:buNone/>
-            </a:pPr>
-            <a:r>
-              <a:rPr b="1" lang="en"/>
-              <a:t>Course schedule</a:t>
-            </a:r>
-            <a:endParaRPr b="1"/>
-          </a:p>
-          <a:p>
-            <a:pPr indent="-342900" lvl="0" marL="457200" rtl="0" algn="l">
-              <a:spcBef>
-                <a:spcPts val="1200"/>
-              </a:spcBef>
-              <a:spcAft>
-                <a:spcPts val="0"/>
-              </a:spcAft>
-              <a:buSzPts val="1800"/>
-              <a:buChar char="●"/>
-            </a:pPr>
-            <a:r>
-              <a:rPr lang="en"/>
-              <a:t>See </a:t>
-            </a:r>
-            <a:r>
-              <a:rPr b="1" lang="en"/>
-              <a:t>Schedule</a:t>
-            </a:r>
-            <a:r>
-              <a:rPr lang="en"/>
-              <a:t> tab on Course organization doc</a:t>
-            </a:r>
-            <a:endParaRPr/>
-          </a:p>
-          <a:p>
-            <a:pPr indent="0" lvl="0" marL="0" rtl="0" algn="l">
-              <a:spcBef>
-                <a:spcPts val="1200"/>
-              </a:spcBef>
-              <a:spcAft>
-                <a:spcPts val="1200"/>
-              </a:spcAft>
-              <a:buNone/>
-            </a:pPr>
-            <a:r>
-              <a:t/>
+              <a:t>Course Language</a:t>
             </a:r>
             <a:endParaRPr/>
           </a:p>
@@ -6225,7 +6110,7 @@
                 <a:solidFill>
                   <a:schemeClr val="hlink"/>
                 </a:solidFill>
-                <a:hlinkClick r:id="rId4"/>
+                <a:hlinkClick r:id="rId3"/>
               </a:rPr>
               <a:t>https://profriehle.com</a:t>
             </a:r>
@@ -6236,6 +6121,155 @@
                 </a:solidFill>
               </a:rPr>
               <a:t> </a:t>
+            </a:r>
+            <a:endParaRPr/>
+          </a:p>
+        </p:txBody>
+      </p:sp>
+      <p:sp>
+        <p:nvSpPr>
+          <p:cNvPr id="109" name="Google Shape;109;p18"/>
+          <p:cNvSpPr txBox="1"/>
+          <p:nvPr>
+            <p:ph idx="1" type="body"/>
+          </p:nvPr>
+        </p:nvSpPr>
+        <p:spPr>
+          <a:xfrm>
+            <a:off x="274320" y="914400"/>
+            <a:ext cx="8595300" cy="4114800"/>
+          </a:xfrm>
+          <a:prstGeom prst="rect">
+            <a:avLst/>
+          </a:prstGeom>
+        </p:spPr>
+        <p:txBody>
+          <a:bodyPr anchorCtr="0" anchor="t" bIns="0" lIns="0" spcFirstLastPara="1" rIns="0" wrap="square" tIns="0">
+            <a:noAutofit/>
+          </a:bodyPr>
+          <a:lstStyle/>
+          <a:p>
+            <a:pPr indent="0" lvl="0" marL="0" rtl="0" algn="l">
+              <a:spcBef>
+                <a:spcPts val="0"/>
+              </a:spcBef>
+              <a:spcAft>
+                <a:spcPts val="0"/>
+              </a:spcAft>
+              <a:buClr>
+                <a:schemeClr val="dk1"/>
+              </a:buClr>
+              <a:buSzPts val="1100"/>
+              <a:buFont typeface="Arial"/>
+              <a:buNone/>
+            </a:pPr>
+            <a:r>
+              <a:rPr b="1" lang="en"/>
+              <a:t>Class</a:t>
+            </a:r>
+            <a:endParaRPr b="1"/>
+          </a:p>
+          <a:p>
+            <a:pPr indent="-342900" lvl="0" marL="457200" rtl="0" algn="l">
+              <a:spcBef>
+                <a:spcPts val="1200"/>
+              </a:spcBef>
+              <a:spcAft>
+                <a:spcPts val="0"/>
+              </a:spcAft>
+              <a:buSzPts val="1800"/>
+              <a:buChar char="●"/>
+            </a:pPr>
+            <a:r>
+              <a:rPr lang="en"/>
+              <a:t>Lecturer: English</a:t>
+            </a:r>
+            <a:endParaRPr/>
+          </a:p>
+          <a:p>
+            <a:pPr indent="-342900" lvl="0" marL="457200" rtl="0" algn="l">
+              <a:spcBef>
+                <a:spcPts val="0"/>
+              </a:spcBef>
+              <a:spcAft>
+                <a:spcPts val="0"/>
+              </a:spcAft>
+              <a:buSzPts val="1800"/>
+              <a:buChar char="●"/>
+            </a:pPr>
+            <a:r>
+              <a:rPr lang="en"/>
+              <a:t>Student: Choice of German or English</a:t>
+            </a:r>
+            <a:endParaRPr/>
+          </a:p>
+          <a:p>
+            <a:pPr indent="0" lvl="0" marL="0" rtl="0" algn="l">
+              <a:spcBef>
+                <a:spcPts val="1200"/>
+              </a:spcBef>
+              <a:spcAft>
+                <a:spcPts val="0"/>
+              </a:spcAft>
+              <a:buClr>
+                <a:schemeClr val="dk1"/>
+              </a:buClr>
+              <a:buSzPts val="1100"/>
+              <a:buFont typeface="Arial"/>
+              <a:buNone/>
+            </a:pPr>
+            <a:r>
+              <a:rPr b="1" lang="en"/>
+              <a:t>Project</a:t>
+            </a:r>
+            <a:endParaRPr b="1"/>
+          </a:p>
+          <a:p>
+            <a:pPr indent="-342900" lvl="0" marL="457200" rtl="0" algn="l">
+              <a:spcBef>
+                <a:spcPts val="1200"/>
+              </a:spcBef>
+              <a:spcAft>
+                <a:spcPts val="0"/>
+              </a:spcAft>
+              <a:buSzPts val="1800"/>
+              <a:buChar char="●"/>
+            </a:pPr>
+            <a:r>
+              <a:rPr lang="en"/>
+              <a:t>AMOS team: German or English</a:t>
+            </a:r>
+            <a:endParaRPr/>
+          </a:p>
+          <a:p>
+            <a:pPr indent="-342900" lvl="0" marL="457200" rtl="0" algn="l">
+              <a:spcBef>
+                <a:spcPts val="0"/>
+              </a:spcBef>
+              <a:spcAft>
+                <a:spcPts val="0"/>
+              </a:spcAft>
+              <a:buSzPts val="1800"/>
+              <a:buChar char="●"/>
+            </a:pPr>
+            <a:r>
+              <a:rPr lang="en"/>
+              <a:t>Homework: Choice of German or English</a:t>
+            </a:r>
+            <a:endParaRPr/>
+          </a:p>
+          <a:p>
+            <a:pPr indent="0" lvl="0" marL="0" rtl="0" algn="l">
+              <a:spcBef>
+                <a:spcPts val="1200"/>
+              </a:spcBef>
+              <a:spcAft>
+                <a:spcPts val="1200"/>
+              </a:spcAft>
+              <a:buNone/>
+            </a:pPr>
+            <a:r>
+              <a:t/>
             </a:r>
             <a:endParaRPr/>
           </a:p>
@@ -6254,7 +6288,7 @@
   <p:cSld>
     <p:spTree>
       <p:nvGrpSpPr>
-        <p:cNvPr id="112" name="Shape 112"/>
+        <p:cNvPr id="113" name="Shape 113"/>
         <p:cNvGrpSpPr/>
         <p:nvPr/>
       </p:nvGrpSpPr>
@@ -6268,7 +6302,7 @@
       </p:grpSpPr>
       <p:sp>
         <p:nvSpPr>
-          <p:cNvPr id="113" name="Google Shape;113;p19"/>
+          <p:cNvPr id="114" name="Google Shape;114;p19"/>
           <p:cNvSpPr txBox="1"/>
           <p:nvPr>
             <p:ph type="title"/>
@@ -6300,7 +6334,7 @@
             </a:pPr>
             <a:r>
               <a:rPr lang="en"/>
-              <a:t>This Semester’s Projects</a:t>
+              <a:t>Course Organization</a:t>
             </a:r>
             <a:endParaRPr/>
           </a:p>
@@ -6308,7 +6342,7 @@
       </p:sp>
       <p:sp>
         <p:nvSpPr>
-          <p:cNvPr id="114" name="Google Shape;114;p19"/>
+          <p:cNvPr id="115" name="Google Shape;115;p19"/>
           <p:cNvSpPr txBox="1"/>
           <p:nvPr>
             <p:ph idx="1" type="body"/>
@@ -6336,17 +6370,18 @@
               <a:spcAft>
                 <a:spcPts val="0"/>
               </a:spcAft>
-              <a:buNone/>
-            </a:pPr>
-            <a:r>
-              <a:rPr lang="en"/>
-              <a:t>A</a:t>
-            </a:r>
-            <a:r>
-              <a:rPr lang="en"/>
-              <a:t>MOS course organization</a:t>
-            </a:r>
-            <a:endParaRPr/>
+              <a:buClr>
+                <a:schemeClr val="dk1"/>
+              </a:buClr>
+              <a:buSzPts val="1100"/>
+              <a:buFont typeface="Arial"/>
+              <a:buNone/>
+            </a:pPr>
+            <a:r>
+              <a:rPr b="1" lang="en"/>
+              <a:t>Course organization</a:t>
+            </a:r>
+            <a:endParaRPr b="1"/>
           </a:p>
           <a:p>
             <a:pPr indent="-342900" lvl="0" marL="457200" rtl="0" algn="l">
@@ -6370,7 +6405,11 @@
                 </a:solidFill>
                 <a:hlinkClick r:id="rId3"/>
               </a:rPr>
-              <a:t>https://amos.uni1.de</a:t>
+              <a:t>https://coach.uni1.de</a:t>
+            </a:r>
+            <a:r>
+              <a:rPr lang="en"/>
+              <a:t>  </a:t>
             </a:r>
             <a:endParaRPr/>
           </a:p>
@@ -6382,13 +6421,18 @@
               <a:spcAft>
                 <a:spcPts val="0"/>
               </a:spcAft>
-              <a:buNone/>
-            </a:pPr>
-            <a:r>
-              <a:rPr lang="en"/>
-              <a:t>Coach to team allocation</a:t>
-            </a:r>
-            <a:endParaRPr/>
+              <a:buClr>
+                <a:schemeClr val="dk1"/>
+              </a:buClr>
+              <a:buSzPts val="1100"/>
+              <a:buFont typeface="Arial"/>
+              <a:buNone/>
+            </a:pPr>
+            <a:r>
+              <a:rPr b="1" lang="en"/>
+              <a:t>Course schedule</a:t>
+            </a:r>
+            <a:endParaRPr b="1"/>
           </a:p>
           <a:p>
             <a:pPr indent="-342900" lvl="0" marL="457200" rtl="0" algn="l">
@@ -6407,11 +6451,26 @@
             </a:r>
             <a:r>
               <a:rPr b="1" lang="en"/>
-              <a:t>Project Teams</a:t>
+              <a:t>Schedule</a:t>
             </a:r>
             <a:r>
               <a:rPr lang="en"/>
-              <a:t> tab on AMOS Course Organization doc </a:t>
+              <a:t> tab on Course organization doc</a:t>
+            </a:r>
+            <a:endParaRPr/>
+          </a:p>
+          <a:p>
+            <a:pPr indent="0" lvl="0" marL="0" rtl="0" algn="l">
+              <a:spcBef>
+                <a:spcPts val="1200"/>
+              </a:spcBef>
+              <a:spcAft>
+                <a:spcPts val="1200"/>
+              </a:spcAft>
+              <a:buNone/>
+            </a:pPr>
+            <a:r>
+              <a:t/>
             </a:r>
             <a:endParaRPr/>
           </a:p>
@@ -6419,7 +6478,7 @@
       </p:sp>
       <p:sp>
         <p:nvSpPr>
-          <p:cNvPr id="115" name="Google Shape;115;p19"/>
+          <p:cNvPr id="116" name="Google Shape;116;p19"/>
           <p:cNvSpPr txBox="1"/>
           <p:nvPr>
             <p:ph idx="12" type="sldNum"/>
@@ -6499,7 +6558,7 @@
   <p:cSld>
     <p:spTree>
       <p:nvGrpSpPr>
-        <p:cNvPr id="119" name="Shape 119"/>
+        <p:cNvPr id="120" name="Shape 120"/>
         <p:cNvGrpSpPr/>
         <p:nvPr/>
       </p:nvGrpSpPr>
@@ -6513,7 +6572,7 @@
       </p:grpSpPr>
       <p:sp>
         <p:nvSpPr>
-          <p:cNvPr id="120" name="Google Shape;120;p20"/>
+          <p:cNvPr id="121" name="Google Shape;121;p20"/>
           <p:cNvSpPr txBox="1"/>
           <p:nvPr>
             <p:ph type="title"/>
@@ -6545,76 +6604,7 @@
             </a:pPr>
             <a:r>
               <a:rPr lang="en"/>
-              <a:t>Work Rhythm</a:t>
-            </a:r>
-            <a:endParaRPr/>
-          </a:p>
-        </p:txBody>
-      </p:sp>
-      <p:sp>
-        <p:nvSpPr>
-          <p:cNvPr id="121" name="Google Shape;121;p20"/>
-          <p:cNvSpPr txBox="1"/>
-          <p:nvPr>
-            <p:ph idx="12" type="sldNum"/>
-          </p:nvPr>
-        </p:nvSpPr>
-        <p:spPr>
-          <a:xfrm>
-            <a:off x="7315202" y="4416550"/>
-            <a:ext cx="1828800" cy="731400"/>
-          </a:xfrm>
-          <a:prstGeom prst="rect">
-            <a:avLst/>
-          </a:prstGeom>
-        </p:spPr>
-        <p:txBody>
-          <a:bodyPr anchorCtr="0" anchor="b" bIns="91425" lIns="91425" spcFirstLastPara="1" rIns="91425" wrap="square" tIns="91425">
-            <a:noAutofit/>
-          </a:bodyPr>
-          <a:lstStyle/>
-          <a:p>
-            <a:pPr indent="0" lvl="0" marL="0" rtl="0" algn="r">
-              <a:spcBef>
-                <a:spcPts val="0"/>
-              </a:spcBef>
-              <a:spcAft>
-                <a:spcPts val="0"/>
-              </a:spcAft>
-              <a:buNone/>
-            </a:pPr>
-            <a:fld id="{00000000-1234-1234-1234-123412341234}" type="slidenum">
-              <a:rPr lang="en"/>
-              <a:t>‹#›</a:t>
-            </a:fld>
-            <a:endParaRPr/>
-          </a:p>
-          <a:p>
-            <a:pPr indent="0" lvl="0" marL="0" rtl="0" algn="r">
-              <a:spcBef>
-                <a:spcPts val="0"/>
-              </a:spcBef>
-              <a:spcAft>
-                <a:spcPts val="0"/>
-              </a:spcAft>
-              <a:buNone/>
-            </a:pPr>
-            <a:r>
-              <a:rPr b="0" lang="en" sz="900" u="sng">
-                <a:solidFill>
-                  <a:schemeClr val="hlink"/>
-                </a:solidFill>
-                <a:hlinkClick r:id="rId3"/>
-              </a:rPr>
-              <a:t>https://profriehle.com</a:t>
-            </a:r>
-            <a:r>
-              <a:rPr b="0" lang="en" sz="900">
-                <a:solidFill>
-                  <a:schemeClr val="dk2"/>
-                </a:solidFill>
-              </a:rPr>
-              <a:t> </a:t>
+              <a:t>This Semester’s Projects</a:t>
             </a:r>
             <a:endParaRPr/>
           </a:p>
@@ -6643,123 +6633,158 @@
           </a:bodyPr>
           <a:lstStyle/>
           <a:p>
+            <a:pPr indent="0" lvl="0" marL="0" rtl="0" algn="l">
+              <a:spcBef>
+                <a:spcPts val="0"/>
+              </a:spcBef>
+              <a:spcAft>
+                <a:spcPts val="0"/>
+              </a:spcAft>
+              <a:buNone/>
+            </a:pPr>
+            <a:r>
+              <a:rPr lang="en"/>
+              <a:t>A</a:t>
+            </a:r>
+            <a:r>
+              <a:rPr lang="en"/>
+              <a:t>MOS course organization</a:t>
+            </a:r>
+            <a:endParaRPr/>
+          </a:p>
+          <a:p>
             <a:pPr indent="-342900" lvl="0" marL="457200" rtl="0" algn="l">
               <a:spcBef>
-                <a:spcPts val="0"/>
+                <a:spcPts val="1200"/>
               </a:spcBef>
               <a:spcAft>
                 <a:spcPts val="0"/>
               </a:spcAft>
               <a:buSzPts val="1800"/>
-              <a:buAutoNum type="arabicPeriod"/>
+              <a:buChar char="●"/>
             </a:pPr>
             <a:r>
               <a:rPr lang="en"/>
-              <a:t>Lecture (class discussion)</a:t>
-            </a:r>
-            <a:endParaRPr/>
-          </a:p>
-          <a:p>
-            <a:pPr indent="-317500" lvl="1" marL="914400" rtl="0" algn="l">
-              <a:spcBef>
-                <a:spcPts val="0"/>
-              </a:spcBef>
-              <a:spcAft>
-                <a:spcPts val="0"/>
-              </a:spcAft>
-              <a:buSzPts val="1400"/>
-              <a:buChar char="○"/>
+              <a:t>See </a:t>
+            </a:r>
+            <a:r>
+              <a:rPr lang="en" u="sng">
+                <a:solidFill>
+                  <a:schemeClr val="hlink"/>
+                </a:solidFill>
+                <a:hlinkClick r:id="rId3"/>
+              </a:rPr>
+              <a:t>https://amos.uni1.de</a:t>
+            </a:r>
+            <a:endParaRPr/>
+          </a:p>
+          <a:p>
+            <a:pPr indent="0" lvl="0" marL="0" rtl="0" algn="l">
+              <a:spcBef>
+                <a:spcPts val="1200"/>
+              </a:spcBef>
+              <a:spcAft>
+                <a:spcPts val="0"/>
+              </a:spcAft>
+              <a:buNone/>
             </a:pPr>
             <a:r>
               <a:rPr lang="en"/>
-              <a:t>Retrospectiv</a:t>
-            </a:r>
+              <a:t>Coach to team allocation</a:t>
+            </a:r>
+            <a:endParaRPr/>
+          </a:p>
+          <a:p>
+            <a:pPr indent="-342900" lvl="0" marL="457200" rtl="0" algn="l">
+              <a:spcBef>
+                <a:spcPts val="1200"/>
+              </a:spcBef>
+              <a:spcAft>
+                <a:spcPts val="0"/>
+              </a:spcAft>
+              <a:buSzPts val="1800"/>
+              <a:buChar char="●"/>
+            </a:pPr>
             <a:r>
               <a:rPr lang="en"/>
-              <a:t>e</a:t>
-            </a:r>
-            <a:endParaRPr/>
-          </a:p>
-          <a:p>
-            <a:pPr indent="-342900" lvl="0" marL="457200" rtl="0" algn="l">
-              <a:spcBef>
-                <a:spcPts val="1000"/>
-              </a:spcBef>
-              <a:spcAft>
-                <a:spcPts val="0"/>
-              </a:spcAft>
-              <a:buSzPts val="1800"/>
-              <a:buAutoNum type="arabicPeriod"/>
-            </a:pPr>
+              <a:t>See </a:t>
+            </a:r>
+            <a:r>
+              <a:rPr b="1" lang="en"/>
+              <a:t>Project Teams</a:t>
+            </a:r>
             <a:r>
               <a:rPr lang="en"/>
-              <a:t>Exercise (team meetings)</a:t>
-            </a:r>
-            <a:endParaRPr/>
-          </a:p>
-          <a:p>
-            <a:pPr indent="-317500" lvl="1" marL="914400" rtl="0" algn="l">
-              <a:spcBef>
-                <a:spcPts val="0"/>
-              </a:spcBef>
-              <a:spcAft>
-                <a:spcPts val="0"/>
-              </a:spcAft>
-              <a:buSzPts val="1400"/>
-              <a:buChar char="○"/>
-            </a:pPr>
-            <a:r>
+              <a:t> tab on AMOS Course Organization doc </a:t>
+            </a:r>
+            <a:endParaRPr/>
+          </a:p>
+        </p:txBody>
+      </p:sp>
+      <p:sp>
+        <p:nvSpPr>
+          <p:cNvPr id="123" name="Google Shape;123;p20"/>
+          <p:cNvSpPr txBox="1"/>
+          <p:nvPr>
+            <p:ph idx="12" type="sldNum"/>
+          </p:nvPr>
+        </p:nvSpPr>
+        <p:spPr>
+          <a:xfrm>
+            <a:off x="7315202" y="4416550"/>
+            <a:ext cx="1828800" cy="731400"/>
+          </a:xfrm>
+          <a:prstGeom prst="rect">
+            <a:avLst/>
+          </a:prstGeom>
+        </p:spPr>
+        <p:txBody>
+          <a:bodyPr anchorCtr="0" anchor="b" bIns="91425" lIns="91425" spcFirstLastPara="1" rIns="91425" wrap="square" tIns="91425">
+            <a:noAutofit/>
+          </a:bodyPr>
+          <a:lstStyle/>
+          <a:p>
+            <a:pPr indent="0" lvl="0" marL="0" rtl="0" algn="r">
+              <a:spcBef>
+                <a:spcPts val="0"/>
+              </a:spcBef>
+              <a:spcAft>
+                <a:spcPts val="0"/>
+              </a:spcAft>
+              <a:buNone/>
+            </a:pPr>
+            <a:fld id="{00000000-1234-1234-1234-123412341234}" type="slidenum">
               <a:rPr lang="en"/>
-              <a:t>AMOS team meeting</a:t>
-            </a:r>
-            <a:endParaRPr/>
-          </a:p>
-          <a:p>
-            <a:pPr indent="-342900" lvl="0" marL="457200" rtl="0" algn="l">
-              <a:spcBef>
-                <a:spcPts val="1000"/>
-              </a:spcBef>
-              <a:spcAft>
-                <a:spcPts val="0"/>
-              </a:spcAft>
-              <a:buSzPts val="1800"/>
-              <a:buAutoNum type="arabicPeriod"/>
-            </a:pPr>
-            <a:r>
-              <a:rPr lang="en"/>
-              <a:t>Homework (self-organized)</a:t>
-            </a:r>
-            <a:endParaRPr/>
-          </a:p>
-          <a:p>
-            <a:pPr indent="-317500" lvl="1" marL="914400" rtl="0" algn="l">
-              <a:spcBef>
-                <a:spcPts val="0"/>
-              </a:spcBef>
-              <a:spcAft>
-                <a:spcPts val="0"/>
-              </a:spcAft>
-              <a:buSzPts val="1400"/>
-              <a:buChar char="○"/>
-            </a:pPr>
-            <a:r>
-              <a:rPr lang="en"/>
-              <a:t>See Course Organization doc</a:t>
-            </a:r>
-            <a:endParaRPr/>
-          </a:p>
-          <a:p>
-            <a:pPr indent="0" lvl="0" marL="0" rtl="0" algn="l">
-              <a:spcBef>
-                <a:spcPts val="1200"/>
-              </a:spcBef>
-              <a:spcAft>
-                <a:spcPts val="1200"/>
-              </a:spcAft>
-              <a:buNone/>
-            </a:pPr>
-            <a:r>
-              <a:t/>
+              <a:t>‹#›</a:t>
+            </a:fld>
+            <a:endParaRPr/>
+          </a:p>
+          <a:p>
+            <a:pPr indent="0" lvl="0" marL="0" rtl="0" algn="r">
+              <a:spcBef>
+                <a:spcPts val="0"/>
+              </a:spcBef>
+              <a:spcAft>
+                <a:spcPts val="0"/>
+              </a:spcAft>
+              <a:buNone/>
+            </a:pPr>
+            <a:r>
+              <a:rPr b="0" lang="en" sz="900" u="sng">
+                <a:solidFill>
+                  <a:schemeClr val="hlink"/>
+                </a:solidFill>
+                <a:hlinkClick r:id="rId4"/>
+              </a:rPr>
+              <a:t>https://profriehle.com</a:t>
+            </a:r>
+            <a:r>
+              <a:rPr b="0" lang="en" sz="900">
+                <a:solidFill>
+                  <a:schemeClr val="dk2"/>
+                </a:solidFill>
+              </a:rPr>
+              <a:t> </a:t>
             </a:r>
             <a:endParaRPr/>
           </a:p>
@@ -6778,7 +6803,7 @@
   <p:cSld>
     <p:spTree>
       <p:nvGrpSpPr>
-        <p:cNvPr id="126" name="Shape 126"/>
+        <p:cNvPr id="127" name="Shape 127"/>
         <p:cNvGrpSpPr/>
         <p:nvPr/>
       </p:nvGrpSpPr>
@@ -6792,7 +6817,7 @@
       </p:grpSpPr>
       <p:sp>
         <p:nvSpPr>
-          <p:cNvPr id="127" name="Google Shape;127;p21"/>
+          <p:cNvPr id="128" name="Google Shape;128;p21"/>
           <p:cNvSpPr txBox="1"/>
           <p:nvPr>
             <p:ph type="title"/>
@@ -6824,220 +6849,7 @@
             </a:pPr>
             <a:r>
               <a:rPr lang="en"/>
-              <a:t>Course Communication</a:t>
-            </a:r>
-            <a:endParaRPr/>
-          </a:p>
-        </p:txBody>
-      </p:sp>
-      <p:sp>
-        <p:nvSpPr>
-          <p:cNvPr id="128" name="Google Shape;128;p21"/>
-          <p:cNvSpPr txBox="1"/>
-          <p:nvPr>
-            <p:ph idx="1" type="body"/>
-          </p:nvPr>
-        </p:nvSpPr>
-        <p:spPr>
-          <a:xfrm>
-            <a:off x="274320" y="914400"/>
-            <a:ext cx="8595300" cy="4114800"/>
-          </a:xfrm>
-          <a:prstGeom prst="rect">
-            <a:avLst/>
-          </a:prstGeom>
-        </p:spPr>
-        <p:txBody>
-          <a:bodyPr anchorCtr="0" anchor="t" bIns="0" lIns="0" spcFirstLastPara="1" rIns="0" wrap="square" tIns="0">
-            <a:noAutofit/>
-          </a:bodyPr>
-          <a:lstStyle/>
-          <a:p>
-            <a:pPr indent="0" lvl="0" marL="0" rtl="0" algn="l">
-              <a:spcBef>
-                <a:spcPts val="0"/>
-              </a:spcBef>
-              <a:spcAft>
-                <a:spcPts val="0"/>
-              </a:spcAft>
-              <a:buNone/>
-            </a:pPr>
-            <a:r>
-              <a:rPr b="1" lang="en"/>
-              <a:t>Announcements</a:t>
-            </a:r>
-            <a:r>
-              <a:rPr lang="en"/>
-              <a:t> are sent by email</a:t>
-            </a:r>
-            <a:endParaRPr/>
-          </a:p>
-          <a:p>
-            <a:pPr indent="-342900" lvl="0" marL="457200" rtl="0" algn="l">
-              <a:spcBef>
-                <a:spcPts val="1200"/>
-              </a:spcBef>
-              <a:spcAft>
-                <a:spcPts val="0"/>
-              </a:spcAft>
-              <a:buSzPts val="1800"/>
-              <a:buChar char="●"/>
-            </a:pPr>
-            <a:r>
-              <a:rPr lang="en"/>
-              <a:t>Through email aliases</a:t>
-            </a:r>
-            <a:endParaRPr/>
-          </a:p>
-          <a:p>
-            <a:pPr indent="-342900" lvl="0" marL="457200" rtl="0" algn="l">
-              <a:spcBef>
-                <a:spcPts val="0"/>
-              </a:spcBef>
-              <a:spcAft>
-                <a:spcPts val="0"/>
-              </a:spcAft>
-              <a:buSzPts val="1800"/>
-              <a:buChar char="●"/>
-            </a:pPr>
-            <a:r>
-              <a:rPr lang="en"/>
-              <a:t>Through course management system</a:t>
-            </a:r>
-            <a:endParaRPr/>
-          </a:p>
-          <a:p>
-            <a:pPr indent="0" lvl="0" marL="0" rtl="0" algn="l">
-              <a:spcBef>
-                <a:spcPts val="1200"/>
-              </a:spcBef>
-              <a:spcAft>
-                <a:spcPts val="0"/>
-              </a:spcAft>
-              <a:buNone/>
-            </a:pPr>
-            <a:r>
-              <a:rPr b="1" lang="en"/>
-              <a:t>Administrative questions</a:t>
-            </a:r>
-            <a:r>
-              <a:rPr lang="en"/>
-              <a:t> to teaching team</a:t>
-            </a:r>
-            <a:endParaRPr/>
-          </a:p>
-          <a:p>
-            <a:pPr indent="-342900" lvl="0" marL="457200" rtl="0" algn="l">
-              <a:spcBef>
-                <a:spcPts val="1200"/>
-              </a:spcBef>
-              <a:spcAft>
-                <a:spcPts val="0"/>
-              </a:spcAft>
-              <a:buSzPts val="1800"/>
-              <a:buChar char="●"/>
-            </a:pPr>
-            <a:r>
-              <a:rPr lang="en"/>
-              <a:t>Please ask your question in the COACH backchannel</a:t>
-            </a:r>
-            <a:endParaRPr/>
-          </a:p>
-          <a:p>
-            <a:pPr indent="-342900" lvl="0" marL="457200" rtl="0" algn="l">
-              <a:spcBef>
-                <a:spcPts val="0"/>
-              </a:spcBef>
-              <a:spcAft>
-                <a:spcPts val="0"/>
-              </a:spcAft>
-              <a:buSzPts val="1800"/>
-              <a:buChar char="●"/>
-            </a:pPr>
-            <a:r>
-              <a:rPr lang="en"/>
-              <a:t>For private questions, use the teaching team email alias</a:t>
-            </a:r>
-            <a:endParaRPr/>
-          </a:p>
-          <a:p>
-            <a:pPr indent="0" lvl="0" marL="0" rtl="0" algn="l">
-              <a:spcBef>
-                <a:spcPts val="1200"/>
-              </a:spcBef>
-              <a:spcAft>
-                <a:spcPts val="0"/>
-              </a:spcAft>
-              <a:buClr>
-                <a:schemeClr val="dk1"/>
-              </a:buClr>
-              <a:buSzPts val="1100"/>
-              <a:buFont typeface="Arial"/>
-              <a:buNone/>
-            </a:pPr>
-            <a:r>
-              <a:rPr lang="en"/>
-              <a:t>Please join the </a:t>
-            </a:r>
-            <a:r>
-              <a:rPr b="1" lang="en"/>
-              <a:t>COACH backchannel</a:t>
-            </a:r>
-            <a:r>
-              <a:rPr lang="en"/>
-              <a:t> on Slack</a:t>
-            </a:r>
-            <a:endParaRPr/>
-          </a:p>
-          <a:p>
-            <a:pPr indent="-342900" lvl="0" marL="457200" rtl="0" algn="l">
-              <a:spcBef>
-                <a:spcPts val="1200"/>
-              </a:spcBef>
-              <a:spcAft>
-                <a:spcPts val="0"/>
-              </a:spcAft>
-              <a:buSzPts val="1800"/>
-              <a:buChar char="●"/>
-            </a:pPr>
-            <a:r>
-              <a:rPr lang="en"/>
-              <a:t>We will invite you to join</a:t>
-            </a:r>
-            <a:endParaRPr/>
-          </a:p>
-          <a:p>
-            <a:pPr indent="0" lvl="0" marL="0" rtl="0" algn="l">
-              <a:spcBef>
-                <a:spcPts val="1200"/>
-              </a:spcBef>
-              <a:spcAft>
-                <a:spcPts val="0"/>
-              </a:spcAft>
-              <a:buClr>
-                <a:schemeClr val="dk1"/>
-              </a:buClr>
-              <a:buSzPts val="1100"/>
-              <a:buFont typeface="Arial"/>
-              <a:buNone/>
-            </a:pPr>
-            <a:r>
-              <a:t/>
-            </a:r>
-            <a:endParaRPr/>
-          </a:p>
-          <a:p>
-            <a:pPr indent="0" lvl="0" marL="0" rtl="0" algn="l">
-              <a:spcBef>
-                <a:spcPts val="1200"/>
-              </a:spcBef>
-              <a:spcAft>
-                <a:spcPts val="1200"/>
-              </a:spcAft>
-              <a:buNone/>
-            </a:pPr>
-            <a:r>
-              <a:t/>
+              <a:t>Work Rhythm</a:t>
             </a:r>
             <a:endParaRPr/>
           </a:p>
@@ -7112,6 +6924,151 @@
           </a:p>
         </p:txBody>
       </p:sp>
+      <p:sp>
+        <p:nvSpPr>
+          <p:cNvPr id="130" name="Google Shape;130;p21"/>
+          <p:cNvSpPr txBox="1"/>
+          <p:nvPr>
+            <p:ph idx="1" type="body"/>
+          </p:nvPr>
+        </p:nvSpPr>
+        <p:spPr>
+          <a:xfrm>
+            <a:off x="274320" y="914400"/>
+            <a:ext cx="8595300" cy="4114800"/>
+          </a:xfrm>
+          <a:prstGeom prst="rect">
+            <a:avLst/>
+          </a:prstGeom>
+        </p:spPr>
+        <p:txBody>
+          <a:bodyPr anchorCtr="0" anchor="t" bIns="0" lIns="0" spcFirstLastPara="1" rIns="0" wrap="square" tIns="0">
+            <a:noAutofit/>
+          </a:bodyPr>
+          <a:lstStyle/>
+          <a:p>
+            <a:pPr indent="-342900" lvl="0" marL="457200" rtl="0" algn="l">
+              <a:spcBef>
+                <a:spcPts val="0"/>
+              </a:spcBef>
+              <a:spcAft>
+                <a:spcPts val="0"/>
+              </a:spcAft>
+              <a:buSzPts val="1800"/>
+              <a:buAutoNum type="arabicPeriod"/>
+            </a:pPr>
+            <a:r>
+              <a:rPr lang="en"/>
+              <a:t>Lecture (class discussion)</a:t>
+            </a:r>
+            <a:endParaRPr/>
+          </a:p>
+          <a:p>
+            <a:pPr indent="-317500" lvl="1" marL="914400" rtl="0" algn="l">
+              <a:spcBef>
+                <a:spcPts val="0"/>
+              </a:spcBef>
+              <a:spcAft>
+                <a:spcPts val="0"/>
+              </a:spcAft>
+              <a:buSzPts val="1400"/>
+              <a:buChar char="○"/>
+            </a:pPr>
+            <a:r>
+              <a:rPr lang="en"/>
+              <a:t>Retrospectiv</a:t>
+            </a:r>
+            <a:r>
+              <a:rPr lang="en"/>
+              <a:t>e</a:t>
+            </a:r>
+            <a:endParaRPr/>
+          </a:p>
+          <a:p>
+            <a:pPr indent="-342900" lvl="0" marL="457200" rtl="0" algn="l">
+              <a:spcBef>
+                <a:spcPts val="1000"/>
+              </a:spcBef>
+              <a:spcAft>
+                <a:spcPts val="0"/>
+              </a:spcAft>
+              <a:buSzPts val="1800"/>
+              <a:buAutoNum type="arabicPeriod"/>
+            </a:pPr>
+            <a:r>
+              <a:rPr lang="en"/>
+              <a:t>Exercise (team meetings)</a:t>
+            </a:r>
+            <a:endParaRPr/>
+          </a:p>
+          <a:p>
+            <a:pPr indent="-317500" lvl="1" marL="914400" rtl="0" algn="l">
+              <a:spcBef>
+                <a:spcPts val="0"/>
+              </a:spcBef>
+              <a:spcAft>
+                <a:spcPts val="0"/>
+              </a:spcAft>
+              <a:buSzPts val="1400"/>
+              <a:buChar char="○"/>
+            </a:pPr>
+            <a:r>
+              <a:rPr lang="en"/>
+              <a:t>AMOS team meeting</a:t>
+            </a:r>
+            <a:endParaRPr/>
+          </a:p>
+          <a:p>
+            <a:pPr indent="-342900" lvl="0" marL="457200" rtl="0" algn="l">
+              <a:spcBef>
+                <a:spcPts val="1000"/>
+              </a:spcBef>
+              <a:spcAft>
+                <a:spcPts val="0"/>
+              </a:spcAft>
+              <a:buSzPts val="1800"/>
+              <a:buAutoNum type="arabicPeriod"/>
+            </a:pPr>
+            <a:r>
+              <a:rPr lang="en"/>
+              <a:t>Homework (self-organized)</a:t>
+            </a:r>
+            <a:endParaRPr/>
+          </a:p>
+          <a:p>
+            <a:pPr indent="-317500" lvl="1" marL="914400" rtl="0" algn="l">
+              <a:spcBef>
+                <a:spcPts val="0"/>
+              </a:spcBef>
+              <a:spcAft>
+                <a:spcPts val="0"/>
+              </a:spcAft>
+              <a:buSzPts val="1400"/>
+              <a:buChar char="○"/>
+            </a:pPr>
+            <a:r>
+              <a:rPr lang="en"/>
+              <a:t>See Course Organization doc</a:t>
+            </a:r>
+            <a:endParaRPr/>
+          </a:p>
+          <a:p>
+            <a:pPr indent="0" lvl="0" marL="0" rtl="0" algn="l">
+              <a:spcBef>
+                <a:spcPts val="1200"/>
+              </a:spcBef>
+              <a:spcAft>
+                <a:spcPts val="1200"/>
+              </a:spcAft>
+              <a:buNone/>
+            </a:pPr>
+            <a:r>
+              <a:t/>
+            </a:r>
+            <a:endParaRPr/>
+          </a:p>
+        </p:txBody>
+      </p:sp>
     </p:spTree>
   </p:cSld>
   <p:clrMapOvr>
@@ -7125,7 +7082,7 @@
   <p:cSld>
     <p:spTree>
       <p:nvGrpSpPr>
-        <p:cNvPr id="133" name="Shape 133"/>
+        <p:cNvPr id="134" name="Shape 134"/>
         <p:cNvGrpSpPr/>
         <p:nvPr/>
       </p:nvGrpSpPr>
@@ -7139,7 +7096,323 @@
       </p:grpSpPr>
       <p:sp>
         <p:nvSpPr>
-          <p:cNvPr id="134" name="Google Shape;134;p22"/>
+          <p:cNvPr id="135" name="Google Shape;135;p22"/>
+          <p:cNvSpPr txBox="1"/>
+          <p:nvPr>
+            <p:ph type="title"/>
+          </p:nvPr>
+        </p:nvSpPr>
+        <p:spPr>
+          <a:xfrm>
+            <a:off x="0" y="0"/>
+            <a:ext cx="9144000" cy="685800"/>
+          </a:xfrm>
+          <a:prstGeom prst="rect">
+            <a:avLst/>
+          </a:prstGeom>
+        </p:spPr>
+        <p:txBody>
+          <a:bodyPr anchorCtr="0" anchor="ctr" bIns="91425" lIns="274300" spcFirstLastPara="1" rIns="91425" wrap="square" tIns="91425">
+            <a:noAutofit/>
+          </a:bodyPr>
+          <a:lstStyle/>
+          <a:p>
+            <a:pPr indent="0" lvl="0" marL="0" rtl="0" algn="l">
+              <a:spcBef>
+                <a:spcPts val="0"/>
+              </a:spcBef>
+              <a:spcAft>
+                <a:spcPts val="0"/>
+              </a:spcAft>
+              <a:buNone/>
+            </a:pPr>
+            <a:r>
+              <a:rPr lang="en"/>
+              <a:t>Course Communication</a:t>
+            </a:r>
+            <a:endParaRPr/>
+          </a:p>
+        </p:txBody>
+      </p:sp>
+      <p:sp>
+        <p:nvSpPr>
+          <p:cNvPr id="136" name="Google Shape;136;p22"/>
+          <p:cNvSpPr txBox="1"/>
+          <p:nvPr>
+            <p:ph idx="1" type="body"/>
+          </p:nvPr>
+        </p:nvSpPr>
+        <p:spPr>
+          <a:xfrm>
+            <a:off x="274320" y="914400"/>
+            <a:ext cx="8595300" cy="4114800"/>
+          </a:xfrm>
+          <a:prstGeom prst="rect">
+            <a:avLst/>
+          </a:prstGeom>
+        </p:spPr>
+        <p:txBody>
+          <a:bodyPr anchorCtr="0" anchor="t" bIns="0" lIns="0" spcFirstLastPara="1" rIns="0" wrap="square" tIns="0">
+            <a:noAutofit/>
+          </a:bodyPr>
+          <a:lstStyle/>
+          <a:p>
+            <a:pPr indent="0" lvl="0" marL="0" rtl="0" algn="l">
+              <a:spcBef>
+                <a:spcPts val="0"/>
+              </a:spcBef>
+              <a:spcAft>
+                <a:spcPts val="0"/>
+              </a:spcAft>
+              <a:buNone/>
+            </a:pPr>
+            <a:r>
+              <a:rPr b="1" lang="en"/>
+              <a:t>Announcements</a:t>
+            </a:r>
+            <a:r>
+              <a:rPr lang="en"/>
+              <a:t> are sent by email</a:t>
+            </a:r>
+            <a:endParaRPr/>
+          </a:p>
+          <a:p>
+            <a:pPr indent="-342900" lvl="0" marL="457200" rtl="0" algn="l">
+              <a:spcBef>
+                <a:spcPts val="1200"/>
+              </a:spcBef>
+              <a:spcAft>
+                <a:spcPts val="0"/>
+              </a:spcAft>
+              <a:buSzPts val="1800"/>
+              <a:buChar char="●"/>
+            </a:pPr>
+            <a:r>
+              <a:rPr lang="en"/>
+              <a:t>Through email aliases</a:t>
+            </a:r>
+            <a:endParaRPr/>
+          </a:p>
+          <a:p>
+            <a:pPr indent="-342900" lvl="0" marL="457200" rtl="0" algn="l">
+              <a:spcBef>
+                <a:spcPts val="0"/>
+              </a:spcBef>
+              <a:spcAft>
+                <a:spcPts val="0"/>
+              </a:spcAft>
+              <a:buSzPts val="1800"/>
+              <a:buChar char="●"/>
+            </a:pPr>
+            <a:r>
+              <a:rPr lang="en"/>
+              <a:t>Through course management system</a:t>
+            </a:r>
+            <a:endParaRPr/>
+          </a:p>
+          <a:p>
+            <a:pPr indent="0" lvl="0" marL="0" rtl="0" algn="l">
+              <a:spcBef>
+                <a:spcPts val="1200"/>
+              </a:spcBef>
+              <a:spcAft>
+                <a:spcPts val="0"/>
+              </a:spcAft>
+              <a:buNone/>
+            </a:pPr>
+            <a:r>
+              <a:rPr b="1" lang="en"/>
+              <a:t>Administrative questions</a:t>
+            </a:r>
+            <a:r>
+              <a:rPr lang="en"/>
+              <a:t> to teaching team</a:t>
+            </a:r>
+            <a:endParaRPr/>
+          </a:p>
+          <a:p>
+            <a:pPr indent="-342900" lvl="0" marL="457200" rtl="0" algn="l">
+              <a:spcBef>
+                <a:spcPts val="1200"/>
+              </a:spcBef>
+              <a:spcAft>
+                <a:spcPts val="0"/>
+              </a:spcAft>
+              <a:buSzPts val="1800"/>
+              <a:buChar char="●"/>
+            </a:pPr>
+            <a:r>
+              <a:rPr lang="en"/>
+              <a:t>Please ask your question in the COACH backchannel</a:t>
+            </a:r>
+            <a:endParaRPr/>
+          </a:p>
+          <a:p>
+            <a:pPr indent="-342900" lvl="0" marL="457200" rtl="0" algn="l">
+              <a:spcBef>
+                <a:spcPts val="0"/>
+              </a:spcBef>
+              <a:spcAft>
+                <a:spcPts val="0"/>
+              </a:spcAft>
+              <a:buSzPts val="1800"/>
+              <a:buChar char="●"/>
+            </a:pPr>
+            <a:r>
+              <a:rPr lang="en"/>
+              <a:t>For private questions, use the teaching team email alias</a:t>
+            </a:r>
+            <a:endParaRPr/>
+          </a:p>
+          <a:p>
+            <a:pPr indent="0" lvl="0" marL="0" rtl="0" algn="l">
+              <a:spcBef>
+                <a:spcPts val="1200"/>
+              </a:spcBef>
+              <a:spcAft>
+                <a:spcPts val="0"/>
+              </a:spcAft>
+              <a:buNone/>
+            </a:pPr>
+            <a:r>
+              <a:t/>
+            </a:r>
+            <a:endParaRPr/>
+          </a:p>
+          <a:p>
+            <a:pPr indent="0" lvl="0" marL="0" rtl="0" algn="l">
+              <a:spcBef>
+                <a:spcPts val="1200"/>
+              </a:spcBef>
+              <a:spcAft>
+                <a:spcPts val="0"/>
+              </a:spcAft>
+              <a:buClr>
+                <a:schemeClr val="dk1"/>
+              </a:buClr>
+              <a:buSzPts val="1100"/>
+              <a:buFont typeface="Arial"/>
+              <a:buNone/>
+            </a:pPr>
+            <a:r>
+              <a:t/>
+            </a:r>
+            <a:endParaRPr/>
+          </a:p>
+          <a:p>
+            <a:pPr indent="0" lvl="0" marL="0" rtl="0" algn="l">
+              <a:spcBef>
+                <a:spcPts val="1200"/>
+              </a:spcBef>
+              <a:spcAft>
+                <a:spcPts val="1200"/>
+              </a:spcAft>
+              <a:buNone/>
+            </a:pPr>
+            <a:r>
+              <a:t/>
+            </a:r>
+            <a:endParaRPr/>
+          </a:p>
+        </p:txBody>
+      </p:sp>
+      <p:sp>
+        <p:nvSpPr>
+          <p:cNvPr id="137" name="Google Shape;137;p22"/>
+          <p:cNvSpPr txBox="1"/>
+          <p:nvPr>
+            <p:ph idx="12" type="sldNum"/>
+          </p:nvPr>
+        </p:nvSpPr>
+        <p:spPr>
+          <a:xfrm>
+            <a:off x="7315202" y="4416550"/>
+            <a:ext cx="1828800" cy="731400"/>
+          </a:xfrm>
+          <a:prstGeom prst="rect">
+            <a:avLst/>
+          </a:prstGeom>
+        </p:spPr>
+        <p:txBody>
+          <a:bodyPr anchorCtr="0" anchor="b" bIns="91425" lIns="91425" spcFirstLastPara="1" rIns="91425" wrap="square" tIns="91425">
+            <a:noAutofit/>
+          </a:bodyPr>
+          <a:lstStyle/>
+          <a:p>
+            <a:pPr indent="0" lvl="0" marL="0" rtl="0" algn="r">
+              <a:spcBef>
+                <a:spcPts val="0"/>
+              </a:spcBef>
+              <a:spcAft>
+                <a:spcPts val="0"/>
+              </a:spcAft>
+              <a:buNone/>
+            </a:pPr>
+            <a:fld id="{00000000-1234-1234-1234-123412341234}" type="slidenum">
+              <a:rPr lang="en"/>
+              <a:t>‹#›</a:t>
+            </a:fld>
+            <a:endParaRPr/>
+          </a:p>
+          <a:p>
+            <a:pPr indent="0" lvl="0" marL="0" rtl="0" algn="r">
+              <a:spcBef>
+                <a:spcPts val="0"/>
+              </a:spcBef>
+              <a:spcAft>
+                <a:spcPts val="0"/>
+              </a:spcAft>
+              <a:buNone/>
+            </a:pPr>
+            <a:r>
+              <a:rPr b="0" lang="en" sz="900" u="sng">
+                <a:solidFill>
+                  <a:schemeClr val="hlink"/>
+                </a:solidFill>
+                <a:hlinkClick r:id="rId3"/>
+              </a:rPr>
+              <a:t>https://profriehle.com</a:t>
+            </a:r>
+            <a:r>
+              <a:rPr b="0" lang="en" sz="900">
+                <a:solidFill>
+                  <a:schemeClr val="dk2"/>
+                </a:solidFill>
+              </a:rPr>
+              <a:t> </a:t>
+            </a:r>
+            <a:endParaRPr/>
+          </a:p>
+        </p:txBody>
+      </p:sp>
+    </p:spTree>
+  </p:cSld>
+  <p:clrMapOvr>
+    <a:masterClrMapping/>
+  </p:clrMapOvr>
+</p:sld>
+</file>
+
+<file path=ppt/slides/slide16.xml><?xml version="1.0" encoding="utf-8"?>
+<p:sld xmlns:a="http://schemas.openxmlformats.org/drawingml/2006/main" xmlns:r="http://schemas.openxmlformats.org/officeDocument/2006/relationships" xmlns:mc="http://schemas.openxmlformats.org/markup-compatibility/2006" xmlns:mv="urn:schemas-microsoft-com:mac:vml" xmlns:p="http://schemas.openxmlformats.org/presentationml/2006/main" xmlns:c="http://schemas.openxmlformats.org/drawingml/2006/chart" xmlns:dgm="http://schemas.openxmlformats.org/drawingml/2006/diagram" xmlns:o="urn:schemas-microsoft-com:office:office" xmlns:v="urn:schemas-microsoft-com:vml" xmlns:pvml="urn:schemas-microsoft-com:office:powerpoint" xmlns:com="http://schemas.openxmlformats.org/drawingml/2006/compatibility" xmlns:p14="http://schemas.microsoft.com/office/powerpoint/2010/main" xmlns:p15="http://schemas.microsoft.com/office/powerpoint/2012/main" xmlns:ahyp="http://schemas.microsoft.com/office/drawing/2018/hyperlinkcolor">
+  <p:cSld>
+    <p:spTree>
+      <p:nvGrpSpPr>
+        <p:cNvPr id="141" name="Shape 141"/>
+        <p:cNvGrpSpPr/>
+        <p:nvPr/>
+      </p:nvGrpSpPr>
+      <p:grpSpPr>
+        <a:xfrm>
+          <a:off x="0" y="0"/>
+          <a:ext cx="0" cy="0"/>
+          <a:chOff x="0" y="0"/>
+          <a:chExt cx="0" cy="0"/>
+        </a:xfrm>
+      </p:grpSpPr>
+      <p:sp>
+        <p:nvSpPr>
+          <p:cNvPr id="142" name="Google Shape;142;p23"/>
           <p:cNvSpPr txBox="1"/>
           <p:nvPr>
             <p:ph type="ctrTitle"/>
@@ -7179,7 +7452,7 @@
       </p:sp>
       <p:sp>
         <p:nvSpPr>
-          <p:cNvPr id="135" name="Google Shape;135;p22"/>
+          <p:cNvPr id="143" name="Google Shape;143;p23"/>
           <p:cNvSpPr txBox="1"/>
           <p:nvPr>
             <p:ph idx="1" type="subTitle"/>
@@ -7304,12 +7577,12 @@
 </p:sld>
 </file>
 
-<file path=ppt/slides/slide16.xml><?xml version="1.0" encoding="utf-8"?>
+<file path=ppt/slides/slide17.xml><?xml version="1.0" encoding="utf-8"?>
 <p:sld xmlns:a="http://schemas.openxmlformats.org/drawingml/2006/main" xmlns:r="http://schemas.openxmlformats.org/officeDocument/2006/relationships" xmlns:mc="http://schemas.openxmlformats.org/markup-compatibility/2006" xmlns:mv="urn:schemas-microsoft-com:mac:vml" xmlns:p="http://schemas.openxmlformats.org/presentationml/2006/main" xmlns:c="http://schemas.openxmlformats.org/drawingml/2006/chart" xmlns:dgm="http://schemas.openxmlformats.org/drawingml/2006/diagram" xmlns:o="urn:schemas-microsoft-com:office:office" xmlns:v="urn:schemas-microsoft-com:vml" xmlns:pvml="urn:schemas-microsoft-com:office:powerpoint" xmlns:com="http://schemas.openxmlformats.org/drawingml/2006/compatibility" xmlns:p14="http://schemas.microsoft.com/office/powerpoint/2010/main" xmlns:p15="http://schemas.microsoft.com/office/powerpoint/2012/main" xmlns:ahyp="http://schemas.microsoft.com/office/drawing/2018/hyperlinkcolor">
   <p:cSld>
     <p:spTree>
       <p:nvGrpSpPr>
-        <p:cNvPr id="139" name="Shape 139"/>
+        <p:cNvPr id="147" name="Shape 147"/>
         <p:cNvGrpSpPr/>
         <p:nvPr/>
       </p:nvGrpSpPr>
@@ -7323,7 +7596,7 @@
       </p:grpSpPr>
       <p:sp>
         <p:nvSpPr>
-          <p:cNvPr id="140" name="Google Shape;140;p23"/>
+          <p:cNvPr id="148" name="Google Shape;148;p24"/>
           <p:cNvSpPr txBox="1"/>
           <p:nvPr>
             <p:ph type="title"/>
@@ -7363,7 +7636,7 @@
       </p:sp>
       <p:sp>
         <p:nvSpPr>
-          <p:cNvPr id="141" name="Google Shape;141;p23"/>
+          <p:cNvPr id="149" name="Google Shape;149;p24"/>
           <p:cNvSpPr txBox="1"/>
           <p:nvPr>
             <p:ph idx="12" type="sldNum"/>
@@ -7432,7 +7705,7 @@
       </p:sp>
       <p:sp>
         <p:nvSpPr>
-          <p:cNvPr id="142" name="Google Shape;142;p23"/>
+          <p:cNvPr id="150" name="Google Shape;150;p24"/>
           <p:cNvSpPr txBox="1"/>
           <p:nvPr>
             <p:ph idx="1" type="body"/>
@@ -7527,7 +7800,7 @@
             </a:pPr>
             <a:r>
               <a:rPr lang="en"/>
-              <a:t>© Copyright 2023 Dirk Riehle, some rights reserved</a:t>
+              <a:t>© Copyright 2024 Dirk Riehle, some rights reserved</a:t>
             </a:r>
             <a:endParaRPr/>
           </a:p>
@@ -8165,37 +8438,9 @@
           </a:p>
         </p:txBody>
       </p:sp>
-      <p:pic>
-        <p:nvPicPr>
-          <p:cNvPr id="57" name="Google Shape;57;p11"/>
-          <p:cNvPicPr preferRelativeResize="0"/>
-          <p:nvPr/>
-        </p:nvPicPr>
-        <p:blipFill>
-          <a:blip r:embed="rId3">
-            <a:alphaModFix/>
-          </a:blip>
-          <a:stretch>
-            <a:fillRect/>
-          </a:stretch>
-        </p:blipFill>
-        <p:spPr>
-          <a:xfrm>
-            <a:off x="274320" y="914400"/>
-            <a:ext cx="8595361" cy="3648253"/>
-          </a:xfrm>
-          <a:prstGeom prst="rect">
-            <a:avLst/>
-          </a:prstGeom>
-          <a:noFill/>
-          <a:ln>
-            <a:noFill/>
-          </a:ln>
-        </p:spPr>
-      </p:pic>
       <p:sp>
         <p:nvSpPr>
-          <p:cNvPr id="58" name="Google Shape;58;p11"/>
+          <p:cNvPr id="57" name="Google Shape;57;p11"/>
           <p:cNvSpPr txBox="1"/>
           <p:nvPr>
             <p:ph idx="12" type="sldNum"/>
@@ -8246,7 +8491,7 @@
                 <a:solidFill>
                   <a:schemeClr val="hlink"/>
                 </a:solidFill>
-                <a:hlinkClick r:id="rId4"/>
+                <a:hlinkClick r:id="rId3"/>
               </a:rPr>
               <a:t>https://profriehle.com</a:t>
             </a:r>
@@ -8262,6 +8507,34 @@
           </a:p>
         </p:txBody>
       </p:sp>
+      <p:pic>
+        <p:nvPicPr>
+          <p:cNvPr id="58" name="Google Shape;58;p11"/>
+          <p:cNvPicPr preferRelativeResize="0"/>
+          <p:nvPr/>
+        </p:nvPicPr>
+        <p:blipFill>
+          <a:blip r:embed="rId4">
+            <a:alphaModFix/>
+          </a:blip>
+          <a:stretch>
+            <a:fillRect/>
+          </a:stretch>
+        </p:blipFill>
+        <p:spPr>
+          <a:xfrm>
+            <a:off x="274320" y="914400"/>
+            <a:ext cx="8595358" cy="3613749"/>
+          </a:xfrm>
+          <a:prstGeom prst="rect">
+            <a:avLst/>
+          </a:prstGeom>
+          <a:noFill/>
+          <a:ln>
+            <a:noFill/>
+          </a:ln>
+        </p:spPr>
+      </p:pic>
     </p:spTree>
   </p:cSld>
   <p:clrMapOvr>
@@ -8411,16 +8684,17 @@
             <a:tbl>
               <a:tblPr>
                 <a:noFill/>
-                <a:tableStyleId>{59BE5A22-A0BA-44D4-940A-1E67AD9CE6E1}</a:tableStyleId>
+                <a:tableStyleId>{20C968D8-F1F3-48B6-8BCA-3403E9FF8CDB}</a:tableStyleId>
               </a:tblPr>
               <a:tblGrid>
-                <a:gridCol w="1719075"/>
-                <a:gridCol w="1719075"/>
-                <a:gridCol w="1719075"/>
-                <a:gridCol w="1719075"/>
-                <a:gridCol w="1719075"/>
+                <a:gridCol w="1432575"/>
+                <a:gridCol w="1432575"/>
+                <a:gridCol w="1432575"/>
+                <a:gridCol w="1432575"/>
+                <a:gridCol w="1432575"/>
+                <a:gridCol w="1432575"/>
               </a:tblGrid>
-              <a:tr h="731525">
+              <a:tr h="609600">
                 <a:tc gridSpan="2" rowSpan="2">
                   <a:txBody>
                     <a:bodyPr/>
@@ -8438,7 +8712,7 @@
                       <a:r>
                         <a:t/>
                       </a:r>
-                      <a:endParaRPr b="1" sz="1800">
+                      <a:endParaRPr b="1">
                         <a:solidFill>
                           <a:schemeClr val="lt1"/>
                         </a:solidFill>
@@ -8485,7 +8759,7 @@
                   </a:tcPr>
                 </a:tc>
                 <a:tc rowSpan="2" hMerge="1"/>
-                <a:tc gridSpan="3">
+                <a:tc gridSpan="4">
                   <a:txBody>
                     <a:bodyPr/>
                     <a:lstStyle/>
@@ -8558,8 +8832,9 @@
                 </a:tc>
                 <a:tc hMerge="1"/>
                 <a:tc hMerge="1"/>
+                <a:tc hMerge="1"/>
               </a:tr>
-              <a:tr h="731525">
+              <a:tr h="609600">
                 <a:tc gridSpan="2" vMerge="1"/>
                 <a:tc hMerge="1" vMerge="1"/>
                 <a:tc>
@@ -8577,29 +8852,38 @@
                         <a:buNone/>
                       </a:pPr>
                       <a:r>
-                        <a:rPr b="1" lang="en" sz="1800">
+                        <a:rPr b="1" lang="en">
                           <a:solidFill>
                             <a:schemeClr val="lt1"/>
                           </a:solidFill>
                         </a:rPr>
                         <a:t>Lecture</a:t>
                       </a:r>
-                      <a:br>
-                        <a:rPr b="1" lang="en" sz="1800">
-                          <a:solidFill>
-                            <a:schemeClr val="lt1"/>
-                          </a:solidFill>
-                        </a:rPr>
-                      </a:br>
+                      <a:endParaRPr b="1">
+                        <a:solidFill>
+                          <a:schemeClr val="lt1"/>
+                        </a:solidFill>
+                      </a:endParaRPr>
+                    </a:p>
+                    <a:p>
+                      <a:pPr indent="0" lvl="0" marL="0" rtl="0" algn="ctr">
+                        <a:spcBef>
+                          <a:spcPts val="0"/>
+                        </a:spcBef>
+                        <a:spcAft>
+                          <a:spcPts val="0"/>
+                        </a:spcAft>
+                        <a:buNone/>
+                      </a:pPr>
                       <a:r>
-                        <a:rPr b="1" lang="en" sz="1800">
+                        <a:rPr b="1" lang="en">
                           <a:solidFill>
                             <a:schemeClr val="lt1"/>
                           </a:solidFill>
                         </a:rPr>
                         <a:t>(2 SWS)</a:t>
                       </a:r>
-                      <a:endParaRPr b="1" sz="1800">
+                      <a:endParaRPr b="1">
                         <a:solidFill>
                           <a:schemeClr val="lt1"/>
                         </a:solidFill>
@@ -8663,33 +8947,104 @@
                         <a:buNone/>
                       </a:pPr>
                       <a:r>
-                        <a:rPr b="1" lang="en" sz="1800">
+                        <a:rPr b="1" lang="en">
                           <a:solidFill>
                             <a:schemeClr val="lt1"/>
                           </a:solidFill>
                         </a:rPr>
                         <a:t>Exercise</a:t>
                       </a:r>
-                      <a:br>
-                        <a:rPr b="1" lang="en" sz="1800">
-                          <a:solidFill>
-                            <a:schemeClr val="lt1"/>
-                          </a:solidFill>
-                        </a:rPr>
-                      </a:br>
+                      <a:endParaRPr b="1">
+                        <a:solidFill>
+                          <a:schemeClr val="lt1"/>
+                        </a:solidFill>
+                      </a:endParaRPr>
+                    </a:p>
+                    <a:p>
+                      <a:pPr indent="0" lvl="0" marL="0" rtl="0" algn="ctr">
+                        <a:spcBef>
+                          <a:spcPts val="0"/>
+                        </a:spcBef>
+                        <a:spcAft>
+                          <a:spcPts val="0"/>
+                        </a:spcAft>
+                        <a:buNone/>
+                      </a:pPr>
                       <a:r>
-                        <a:rPr b="1" lang="en" sz="1800">
+                        <a:rPr b="1" lang="en">
                           <a:solidFill>
                             <a:schemeClr val="lt1"/>
                           </a:solidFill>
                         </a:rPr>
                         <a:t>(2 SWS)</a:t>
                       </a:r>
-                      <a:endParaRPr b="1" sz="1800">
+                      <a:endParaRPr b="1">
                         <a:solidFill>
                           <a:schemeClr val="lt1"/>
                         </a:solidFill>
                       </a:endParaRPr>
+                    </a:p>
+                  </a:txBody>
+                  <a:tcPr marT="91425" marB="91425" marR="91425" marL="91425" anchor="ctr">
+                    <a:lnL cap="flat" cmpd="sng" w="38100">
+                      <a:solidFill>
+                        <a:schemeClr val="lt1"/>
+                      </a:solidFill>
+                      <a:prstDash val="solid"/>
+                      <a:round/>
+                      <a:headEnd len="sm" w="sm" type="none"/>
+                      <a:tailEnd len="sm" w="sm" type="none"/>
+                    </a:lnL>
+                    <a:lnR cap="flat" cmpd="sng" w="38100">
+                      <a:solidFill>
+                        <a:schemeClr val="lt1"/>
+                      </a:solidFill>
+                      <a:prstDash val="solid"/>
+                      <a:round/>
+                      <a:headEnd len="sm" w="sm" type="none"/>
+                      <a:tailEnd len="sm" w="sm" type="none"/>
+                    </a:lnR>
+                    <a:lnT cap="flat" cmpd="sng" w="38100">
+                      <a:solidFill>
+                        <a:schemeClr val="lt1"/>
+                      </a:solidFill>
+                      <a:prstDash val="solid"/>
+                      <a:round/>
+                      <a:headEnd len="sm" w="sm" type="none"/>
+                      <a:tailEnd len="sm" w="sm" type="none"/>
+                    </a:lnT>
+                    <a:lnB cap="flat" cmpd="sng" w="38100">
+                      <a:solidFill>
+                        <a:schemeClr val="lt1"/>
+                      </a:solidFill>
+                      <a:prstDash val="solid"/>
+                      <a:round/>
+                      <a:headEnd len="sm" w="sm" type="none"/>
+                      <a:tailEnd len="sm" w="sm" type="none"/>
+                    </a:lnB>
+                    <a:solidFill>
+                      <a:schemeClr val="lt2"/>
+                    </a:solidFill>
+                  </a:tcPr>
+                </a:tc>
+                <a:tc>
+                  <a:txBody>
+                    <a:bodyPr/>
+                    <a:lstStyle/>
+                    <a:p>
+                      <a:pPr indent="0" lvl="0" marL="0" rtl="0" algn="l">
+                        <a:spcBef>
+                          <a:spcPts val="0"/>
+                        </a:spcBef>
+                        <a:spcAft>
+                          <a:spcPts val="0"/>
+                        </a:spcAft>
+                        <a:buNone/>
+                      </a:pPr>
+                      <a:r>
+                        <a:t/>
+                      </a:r>
+                      <a:endParaRPr/>
                     </a:p>
                   </a:txBody>
                   <a:tcPr marT="91425" marB="91425" marR="91425" marL="91425" anchor="ctr">
@@ -8749,14 +9104,14 @@
                         <a:buNone/>
                       </a:pPr>
                       <a:r>
-                        <a:rPr b="1" lang="en" sz="1800">
+                        <a:rPr b="1" lang="en">
                           <a:solidFill>
                             <a:schemeClr val="lt1"/>
                           </a:solidFill>
                         </a:rPr>
                         <a:t>Total ECTS</a:t>
                       </a:r>
-                      <a:endParaRPr b="1" sz="1800">
+                      <a:endParaRPr b="1">
                         <a:solidFill>
                           <a:schemeClr val="lt1"/>
                         </a:solidFill>
@@ -8806,8 +9161,8 @@
                   </a:tcPr>
                 </a:tc>
               </a:tr>
-              <a:tr h="731525">
-                <a:tc rowSpan="3">
+              <a:tr h="609600">
+                <a:tc rowSpan="4">
                   <a:txBody>
                     <a:bodyPr/>
                     <a:lstStyle/>
@@ -8893,14 +9248,14 @@
                         <a:buNone/>
                       </a:pPr>
                       <a:r>
-                        <a:rPr b="1" lang="en" sz="1800">
+                        <a:rPr b="1" lang="en">
                           <a:solidFill>
                             <a:schemeClr val="lt1"/>
                           </a:solidFill>
                         </a:rPr>
                         <a:t>COACH</a:t>
                       </a:r>
-                      <a:endParaRPr b="1" sz="1800">
+                      <a:endParaRPr b="1">
                         <a:solidFill>
                           <a:schemeClr val="lt1"/>
                         </a:solidFill>
@@ -8964,10 +9319,10 @@
                         <a:buNone/>
                       </a:pPr>
                       <a:r>
-                        <a:rPr b="1" lang="en" sz="1800"/>
+                        <a:rPr b="1" lang="en"/>
                         <a:t>x</a:t>
                       </a:r>
-                      <a:endParaRPr b="1" sz="1800"/>
+                      <a:endParaRPr b="1"/>
                     </a:p>
                   </a:txBody>
                   <a:tcPr marT="91425" marB="91425" marR="91425" marL="91425" anchor="ctr">
@@ -9007,6 +9362,9 @@
                       <a:headEnd len="sm" w="sm" type="none"/>
                       <a:tailEnd len="sm" w="sm" type="none"/>
                     </a:lnB>
+                    <a:solidFill>
+                      <a:schemeClr val="accent1"/>
+                    </a:solidFill>
                   </a:tcPr>
                 </a:tc>
                 <a:tc>
@@ -9024,10 +9382,10 @@
                         <a:buNone/>
                       </a:pPr>
                       <a:r>
-                        <a:rPr b="1" lang="en" sz="1800"/>
+                        <a:rPr b="1" lang="en"/>
                         <a:t>x</a:t>
                       </a:r>
-                      <a:endParaRPr b="1" sz="1800"/>
+                      <a:endParaRPr b="1"/>
                     </a:p>
                   </a:txBody>
                   <a:tcPr marT="91425" marB="91425" marR="91425" marL="91425" anchor="ctr">
@@ -9067,6 +9425,71 @@
                       <a:headEnd len="sm" w="sm" type="none"/>
                       <a:tailEnd len="sm" w="sm" type="none"/>
                     </a:lnB>
+                    <a:solidFill>
+                      <a:schemeClr val="accent1"/>
+                    </a:solidFill>
+                  </a:tcPr>
+                </a:tc>
+                <a:tc>
+                  <a:txBody>
+                    <a:bodyPr/>
+                    <a:lstStyle/>
+                    <a:p>
+                      <a:pPr indent="0" lvl="0" marL="0" rtl="0" algn="l">
+                        <a:spcBef>
+                          <a:spcPts val="0"/>
+                        </a:spcBef>
+                        <a:spcAft>
+                          <a:spcPts val="0"/>
+                        </a:spcAft>
+                        <a:buNone/>
+                      </a:pPr>
+                      <a:r>
+                        <a:t/>
+                      </a:r>
+                      <a:endParaRPr/>
+                    </a:p>
+                  </a:txBody>
+                  <a:tcPr marT="91425" marB="91425" marR="91425" marL="91425" anchor="ctr">
+                    <a:lnL cap="flat" cmpd="sng" w="38100">
+                      <a:solidFill>
+                        <a:schemeClr val="lt1"/>
+                      </a:solidFill>
+                      <a:prstDash val="solid"/>
+                      <a:round/>
+                      <a:headEnd len="sm" w="sm" type="none"/>
+                      <a:tailEnd len="sm" w="sm" type="none"/>
+                    </a:lnL>
+                    <a:lnR cap="flat" cmpd="sng" w="38100">
+                      <a:solidFill>
+                        <a:schemeClr val="lt1"/>
+                      </a:solidFill>
+                      <a:prstDash val="solid"/>
+                      <a:round/>
+                      <a:headEnd len="sm" w="sm" type="none"/>
+                      <a:tailEnd len="sm" w="sm" type="none"/>
+                    </a:lnR>
+                    <a:lnT cap="flat" cmpd="sng" w="38100">
+                      <a:solidFill>
+                        <a:schemeClr val="lt1"/>
+                      </a:solidFill>
+                      <a:prstDash val="solid"/>
+                      <a:round/>
+                      <a:headEnd len="sm" w="sm" type="none"/>
+                      <a:tailEnd len="sm" w="sm" type="none"/>
+                    </a:lnT>
+                    <a:lnB cap="flat" cmpd="sng" w="38100">
+                      <a:solidFill>
+                        <a:schemeClr val="lt1"/>
+                      </a:solidFill>
+                      <a:prstDash val="solid"/>
+                      <a:round/>
+                      <a:headEnd len="sm" w="sm" type="none"/>
+                      <a:tailEnd len="sm" w="sm" type="none"/>
+                    </a:lnB>
+                    <a:solidFill>
+                      <a:schemeClr val="accent1"/>
+                    </a:solidFill>
                   </a:tcPr>
                 </a:tc>
                 <a:tc>
@@ -9084,10 +9507,10 @@
                         <a:buNone/>
                       </a:pPr>
                       <a:r>
-                        <a:rPr b="1" lang="en" sz="1800"/>
+                        <a:rPr b="1" lang="en"/>
                         <a:t>5</a:t>
                       </a:r>
-                      <a:endParaRPr b="1" sz="1800"/>
+                      <a:endParaRPr b="1"/>
                     </a:p>
                   </a:txBody>
                   <a:tcPr marT="91425" marB="91425" marR="91425" marL="91425" anchor="ctr">
@@ -9127,10 +9550,13 @@
                       <a:headEnd len="sm" w="sm" type="none"/>
                       <a:tailEnd len="sm" w="sm" type="none"/>
                     </a:lnB>
+                    <a:solidFill>
+                      <a:schemeClr val="accent1"/>
+                    </a:solidFill>
                   </a:tcPr>
                 </a:tc>
               </a:tr>
-              <a:tr h="731525">
+              <a:tr h="609600">
                 <a:tc vMerge="1"/>
                 <a:tc>
                   <a:txBody>
@@ -9149,7 +9575,7 @@
                       <a:r>
                         <a:t/>
                       </a:r>
-                      <a:endParaRPr b="1" sz="1800">
+                      <a:endParaRPr b="1">
                         <a:solidFill>
                           <a:schemeClr val="lt1"/>
                         </a:solidFill>
@@ -9215,7 +9641,312 @@
                       <a:r>
                         <a:t/>
                       </a:r>
-                      <a:endParaRPr b="1" sz="1800"/>
+                      <a:endParaRPr b="1"/>
+                    </a:p>
+                  </a:txBody>
+                  <a:tcPr marT="91425" marB="91425" marR="91425" marL="91425" anchor="ctr">
+                    <a:lnL cap="flat" cmpd="sng" w="38100">
+                      <a:solidFill>
+                        <a:schemeClr val="lt1"/>
+                      </a:solidFill>
+                      <a:prstDash val="solid"/>
+                      <a:round/>
+                      <a:headEnd len="sm" w="sm" type="none"/>
+                      <a:tailEnd len="sm" w="sm" type="none"/>
+                    </a:lnL>
+                    <a:lnR cap="flat" cmpd="sng" w="38100">
+                      <a:solidFill>
+                        <a:schemeClr val="lt1"/>
+                      </a:solidFill>
+                      <a:prstDash val="solid"/>
+                      <a:round/>
+                      <a:headEnd len="sm" w="sm" type="none"/>
+                      <a:tailEnd len="sm" w="sm" type="none"/>
+                    </a:lnR>
+                    <a:lnT cap="flat" cmpd="sng" w="38100">
+                      <a:solidFill>
+                        <a:schemeClr val="lt1"/>
+                      </a:solidFill>
+                      <a:prstDash val="solid"/>
+                      <a:round/>
+                      <a:headEnd len="sm" w="sm" type="none"/>
+                      <a:tailEnd len="sm" w="sm" type="none"/>
+                    </a:lnT>
+                    <a:lnB cap="flat" cmpd="sng" w="38100">
+                      <a:solidFill>
+                        <a:schemeClr val="lt1"/>
+                      </a:solidFill>
+                      <a:prstDash val="solid"/>
+                      <a:round/>
+                      <a:headEnd len="sm" w="sm" type="none"/>
+                      <a:tailEnd len="sm" w="sm" type="none"/>
+                    </a:lnB>
+                  </a:tcPr>
+                </a:tc>
+                <a:tc>
+                  <a:txBody>
+                    <a:bodyPr/>
+                    <a:lstStyle/>
+                    <a:p>
+                      <a:pPr indent="0" lvl="0" marL="0" rtl="0" algn="ctr">
+                        <a:spcBef>
+                          <a:spcPts val="0"/>
+                        </a:spcBef>
+                        <a:spcAft>
+                          <a:spcPts val="0"/>
+                        </a:spcAft>
+                        <a:buNone/>
+                      </a:pPr>
+                      <a:r>
+                        <a:t/>
+                      </a:r>
+                      <a:endParaRPr b="1"/>
+                    </a:p>
+                  </a:txBody>
+                  <a:tcPr marT="91425" marB="91425" marR="91425" marL="91425" anchor="ctr">
+                    <a:lnL cap="flat" cmpd="sng" w="38100">
+                      <a:solidFill>
+                        <a:schemeClr val="lt1"/>
+                      </a:solidFill>
+                      <a:prstDash val="solid"/>
+                      <a:round/>
+                      <a:headEnd len="sm" w="sm" type="none"/>
+                      <a:tailEnd len="sm" w="sm" type="none"/>
+                    </a:lnL>
+                    <a:lnR cap="flat" cmpd="sng" w="38100">
+                      <a:solidFill>
+                        <a:schemeClr val="lt1"/>
+                      </a:solidFill>
+                      <a:prstDash val="solid"/>
+                      <a:round/>
+                      <a:headEnd len="sm" w="sm" type="none"/>
+                      <a:tailEnd len="sm" w="sm" type="none"/>
+                    </a:lnR>
+                    <a:lnT cap="flat" cmpd="sng" w="38100">
+                      <a:solidFill>
+                        <a:schemeClr val="lt1"/>
+                      </a:solidFill>
+                      <a:prstDash val="solid"/>
+                      <a:round/>
+                      <a:headEnd len="sm" w="sm" type="none"/>
+                      <a:tailEnd len="sm" w="sm" type="none"/>
+                    </a:lnT>
+                    <a:lnB cap="flat" cmpd="sng" w="38100">
+                      <a:solidFill>
+                        <a:schemeClr val="lt1"/>
+                      </a:solidFill>
+                      <a:prstDash val="solid"/>
+                      <a:round/>
+                      <a:headEnd len="sm" w="sm" type="none"/>
+                      <a:tailEnd len="sm" w="sm" type="none"/>
+                    </a:lnB>
+                  </a:tcPr>
+                </a:tc>
+                <a:tc>
+                  <a:txBody>
+                    <a:bodyPr/>
+                    <a:lstStyle/>
+                    <a:p>
+                      <a:pPr indent="0" lvl="0" marL="0" rtl="0" algn="ctr">
+                        <a:spcBef>
+                          <a:spcPts val="0"/>
+                        </a:spcBef>
+                        <a:spcAft>
+                          <a:spcPts val="0"/>
+                        </a:spcAft>
+                        <a:buNone/>
+                      </a:pPr>
+                      <a:r>
+                        <a:t/>
+                      </a:r>
+                      <a:endParaRPr b="1"/>
+                    </a:p>
+                  </a:txBody>
+                  <a:tcPr marT="91425" marB="91425" marR="91425" marL="91425" anchor="ctr">
+                    <a:lnL cap="flat" cmpd="sng" w="38100">
+                      <a:solidFill>
+                        <a:schemeClr val="lt1"/>
+                      </a:solidFill>
+                      <a:prstDash val="solid"/>
+                      <a:round/>
+                      <a:headEnd len="sm" w="sm" type="none"/>
+                      <a:tailEnd len="sm" w="sm" type="none"/>
+                    </a:lnL>
+                    <a:lnR cap="flat" cmpd="sng" w="38100">
+                      <a:solidFill>
+                        <a:schemeClr val="lt1"/>
+                      </a:solidFill>
+                      <a:prstDash val="solid"/>
+                      <a:round/>
+                      <a:headEnd len="sm" w="sm" type="none"/>
+                      <a:tailEnd len="sm" w="sm" type="none"/>
+                    </a:lnR>
+                    <a:lnT cap="flat" cmpd="sng" w="38100">
+                      <a:solidFill>
+                        <a:schemeClr val="lt1"/>
+                      </a:solidFill>
+                      <a:prstDash val="solid"/>
+                      <a:round/>
+                      <a:headEnd len="sm" w="sm" type="none"/>
+                      <a:tailEnd len="sm" w="sm" type="none"/>
+                    </a:lnT>
+                    <a:lnB cap="flat" cmpd="sng" w="38100">
+                      <a:solidFill>
+                        <a:schemeClr val="lt1"/>
+                      </a:solidFill>
+                      <a:prstDash val="solid"/>
+                      <a:round/>
+                      <a:headEnd len="sm" w="sm" type="none"/>
+                      <a:tailEnd len="sm" w="sm" type="none"/>
+                    </a:lnB>
+                  </a:tcPr>
+                </a:tc>
+                <a:tc>
+                  <a:txBody>
+                    <a:bodyPr/>
+                    <a:lstStyle/>
+                    <a:p>
+                      <a:pPr indent="0" lvl="0" marL="0" rtl="0" algn="ctr">
+                        <a:spcBef>
+                          <a:spcPts val="0"/>
+                        </a:spcBef>
+                        <a:spcAft>
+                          <a:spcPts val="0"/>
+                        </a:spcAft>
+                        <a:buNone/>
+                      </a:pPr>
+                      <a:r>
+                        <a:t/>
+                      </a:r>
+                      <a:endParaRPr b="1"/>
+                    </a:p>
+                  </a:txBody>
+                  <a:tcPr marT="91425" marB="91425" marR="91425" marL="91425" anchor="ctr">
+                    <a:lnL cap="flat" cmpd="sng" w="38100">
+                      <a:solidFill>
+                        <a:schemeClr val="lt1"/>
+                      </a:solidFill>
+                      <a:prstDash val="solid"/>
+                      <a:round/>
+                      <a:headEnd len="sm" w="sm" type="none"/>
+                      <a:tailEnd len="sm" w="sm" type="none"/>
+                    </a:lnL>
+                    <a:lnR cap="flat" cmpd="sng" w="38100">
+                      <a:solidFill>
+                        <a:schemeClr val="lt1"/>
+                      </a:solidFill>
+                      <a:prstDash val="solid"/>
+                      <a:round/>
+                      <a:headEnd len="sm" w="sm" type="none"/>
+                      <a:tailEnd len="sm" w="sm" type="none"/>
+                    </a:lnR>
+                    <a:lnT cap="flat" cmpd="sng" w="38100">
+                      <a:solidFill>
+                        <a:schemeClr val="lt1"/>
+                      </a:solidFill>
+                      <a:prstDash val="solid"/>
+                      <a:round/>
+                      <a:headEnd len="sm" w="sm" type="none"/>
+                      <a:tailEnd len="sm" w="sm" type="none"/>
+                    </a:lnT>
+                    <a:lnB cap="flat" cmpd="sng" w="38100">
+                      <a:solidFill>
+                        <a:schemeClr val="lt1"/>
+                      </a:solidFill>
+                      <a:prstDash val="solid"/>
+                      <a:round/>
+                      <a:headEnd len="sm" w="sm" type="none"/>
+                      <a:tailEnd len="sm" w="sm" type="none"/>
+                    </a:lnB>
+                  </a:tcPr>
+                </a:tc>
+              </a:tr>
+              <a:tr h="609600">
+                <a:tc vMerge="1"/>
+                <a:tc>
+                  <a:txBody>
+                    <a:bodyPr/>
+                    <a:lstStyle/>
+                    <a:p>
+                      <a:pPr indent="0" lvl="0" marL="0" rtl="0" algn="ctr">
+                        <a:spcBef>
+                          <a:spcPts val="0"/>
+                        </a:spcBef>
+                        <a:spcAft>
+                          <a:spcPts val="0"/>
+                        </a:spcAft>
+                        <a:buNone/>
+                      </a:pPr>
+                      <a:r>
+                        <a:t/>
+                      </a:r>
+                      <a:endParaRPr b="1">
+                        <a:solidFill>
+                          <a:schemeClr val="lt1"/>
+                        </a:solidFill>
+                      </a:endParaRPr>
+                    </a:p>
+                  </a:txBody>
+                  <a:tcPr marT="91425" marB="91425" marR="91425" marL="91425" anchor="ctr">
+                    <a:lnL cap="flat" cmpd="sng" w="38100">
+                      <a:solidFill>
+                        <a:schemeClr val="lt1"/>
+                      </a:solidFill>
+                      <a:prstDash val="solid"/>
+                      <a:round/>
+                      <a:headEnd len="sm" w="sm" type="none"/>
+                      <a:tailEnd len="sm" w="sm" type="none"/>
+                    </a:lnL>
+                    <a:lnR cap="flat" cmpd="sng" w="38100">
+                      <a:solidFill>
+                        <a:schemeClr val="lt1"/>
+                      </a:solidFill>
+                      <a:prstDash val="solid"/>
+                      <a:round/>
+                      <a:headEnd len="sm" w="sm" type="none"/>
+                      <a:tailEnd len="sm" w="sm" type="none"/>
+                    </a:lnR>
+                    <a:lnT cap="flat" cmpd="sng" w="38100">
+                      <a:solidFill>
+                        <a:schemeClr val="lt1"/>
+                      </a:solidFill>
+                      <a:prstDash val="solid"/>
+                      <a:round/>
+                      <a:headEnd len="sm" w="sm" type="none"/>
+                      <a:tailEnd len="sm" w="sm" type="none"/>
+                    </a:lnT>
+                    <a:lnB cap="flat" cmpd="sng" w="38100">
+                      <a:solidFill>
+                        <a:schemeClr val="lt1"/>
+                      </a:solidFill>
+                      <a:prstDash val="solid"/>
+                      <a:round/>
+                      <a:headEnd len="sm" w="sm" type="none"/>
+                      <a:tailEnd len="sm" w="sm" type="none"/>
+                    </a:lnB>
+                    <a:solidFill>
+                      <a:schemeClr val="lt2"/>
+                    </a:solidFill>
+                  </a:tcPr>
+                </a:tc>
+                <a:tc>
+                  <a:txBody>
+                    <a:bodyPr/>
+                    <a:lstStyle/>
+                    <a:p>
+                      <a:pPr indent="0" lvl="0" marL="0" rtl="0" algn="ctr">
+                        <a:spcBef>
+                          <a:spcPts val="0"/>
+                        </a:spcBef>
+                        <a:spcAft>
+                          <a:spcPts val="0"/>
+                        </a:spcAft>
+                        <a:buNone/>
+                      </a:pPr>
+                      <a:r>
+                        <a:t/>
+                      </a:r>
+                      <a:endParaRPr b="1"/>
                     </a:p>
                   </a:txBody>
                   <a:tcPr marT="91425" marB="91425" marR="91425" marL="91425" anchor="ctr">
@@ -9277,7 +10008,7 @@
                       <a:r>
                         <a:t/>
                       </a:r>
-                      <a:endParaRPr b="1" sz="1800"/>
+                      <a:endParaRPr b="1"/>
                     </a:p>
                   </a:txBody>
                   <a:tcPr marT="91425" marB="91425" marR="91425" marL="91425" anchor="ctr">
@@ -9339,7 +10070,69 @@
                       <a:r>
                         <a:t/>
                       </a:r>
-                      <a:endParaRPr b="1" sz="1800"/>
+                      <a:endParaRPr b="1"/>
+                    </a:p>
+                  </a:txBody>
+                  <a:tcPr marT="91425" marB="91425" marR="91425" marL="91425" anchor="ctr">
+                    <a:lnL cap="flat" cmpd="sng" w="38100">
+                      <a:solidFill>
+                        <a:schemeClr val="lt1"/>
+                      </a:solidFill>
+                      <a:prstDash val="solid"/>
+                      <a:round/>
+                      <a:headEnd len="sm" w="sm" type="none"/>
+                      <a:tailEnd len="sm" w="sm" type="none"/>
+                    </a:lnL>
+                    <a:lnR cap="flat" cmpd="sng" w="38100">
+                      <a:solidFill>
+                        <a:schemeClr val="lt1"/>
+                      </a:solidFill>
+                      <a:prstDash val="solid"/>
+                      <a:round/>
+                      <a:headEnd len="sm" w="sm" type="none"/>
+                      <a:tailEnd len="sm" w="sm" type="none"/>
+                    </a:lnR>
+                    <a:lnT cap="flat" cmpd="sng" w="38100">
+                      <a:solidFill>
+                        <a:schemeClr val="lt1"/>
+                      </a:solidFill>
+                      <a:prstDash val="solid"/>
+                      <a:round/>
+                      <a:headEnd len="sm" w="sm" type="none"/>
+                      <a:tailEnd len="sm" w="sm" type="none"/>
+                    </a:lnT>
+                    <a:lnB cap="flat" cmpd="sng" w="38100">
+                      <a:solidFill>
+                        <a:schemeClr val="lt1"/>
+                      </a:solidFill>
+                      <a:prstDash val="solid"/>
+                      <a:round/>
+                      <a:headEnd len="sm" w="sm" type="none"/>
+                      <a:tailEnd len="sm" w="sm" type="none"/>
+                    </a:lnB>
+                    <a:solidFill>
+                      <a:schemeClr val="accent1"/>
+                    </a:solidFill>
+                  </a:tcPr>
+                </a:tc>
+                <a:tc>
+                  <a:txBody>
+                    <a:bodyPr/>
+                    <a:lstStyle/>
+                    <a:p>
+                      <a:pPr indent="0" lvl="0" marL="0" rtl="0" algn="ctr">
+                        <a:spcBef>
+                          <a:spcPts val="0"/>
+                        </a:spcBef>
+                        <a:spcAft>
+                          <a:spcPts val="0"/>
+                        </a:spcAft>
+                        <a:buNone/>
+                      </a:pPr>
+                      <a:r>
+                        <a:t/>
+                      </a:r>
+                      <a:endParaRPr b="1"/>
                     </a:p>
                   </a:txBody>
                   <a:tcPr marT="91425" marB="91425" marR="91425" marL="91425" anchor="ctr">
@@ -9385,7 +10178,7 @@
                   </a:tcPr>
                 </a:tc>
               </a:tr>
-              <a:tr h="731525">
+              <a:tr h="609600">
                 <a:tc vMerge="1"/>
                 <a:tc>
                   <a:txBody>
@@ -9404,7 +10197,7 @@
                       <a:r>
                         <a:t/>
                       </a:r>
-                      <a:endParaRPr b="1" sz="1800">
+                      <a:endParaRPr b="1">
                         <a:solidFill>
                           <a:schemeClr val="lt1"/>
                         </a:solidFill>
@@ -9470,7 +10263,7 @@
                       <a:r>
                         <a:t/>
                       </a:r>
-                      <a:endParaRPr b="1" sz="1800"/>
+                      <a:endParaRPr b="1"/>
                     </a:p>
                   </a:txBody>
                   <a:tcPr marT="91425" marB="91425" marR="91425" marL="91425" anchor="ctr">
@@ -9529,7 +10322,7 @@
                       <a:r>
                         <a:t/>
                       </a:r>
-                      <a:endParaRPr b="1" sz="1800"/>
+                      <a:endParaRPr b="1"/>
                     </a:p>
                   </a:txBody>
                   <a:tcPr marT="91425" marB="91425" marR="91425" marL="91425" anchor="ctr">
@@ -9588,7 +10381,66 @@
                       <a:r>
                         <a:t/>
                       </a:r>
-                      <a:endParaRPr b="1" sz="1800"/>
+                      <a:endParaRPr b="1"/>
+                    </a:p>
+                  </a:txBody>
+                  <a:tcPr marT="91425" marB="91425" marR="91425" marL="91425" anchor="ctr">
+                    <a:lnL cap="flat" cmpd="sng" w="38100">
+                      <a:solidFill>
+                        <a:schemeClr val="lt1"/>
+                      </a:solidFill>
+                      <a:prstDash val="solid"/>
+                      <a:round/>
+                      <a:headEnd len="sm" w="sm" type="none"/>
+                      <a:tailEnd len="sm" w="sm" type="none"/>
+                    </a:lnL>
+                    <a:lnR cap="flat" cmpd="sng" w="38100">
+                      <a:solidFill>
+                        <a:schemeClr val="lt1"/>
+                      </a:solidFill>
+                      <a:prstDash val="solid"/>
+                      <a:round/>
+                      <a:headEnd len="sm" w="sm" type="none"/>
+                      <a:tailEnd len="sm" w="sm" type="none"/>
+                    </a:lnR>
+                    <a:lnT cap="flat" cmpd="sng" w="38100">
+                      <a:solidFill>
+                        <a:schemeClr val="lt1"/>
+                      </a:solidFill>
+                      <a:prstDash val="solid"/>
+                      <a:round/>
+                      <a:headEnd len="sm" w="sm" type="none"/>
+                      <a:tailEnd len="sm" w="sm" type="none"/>
+                    </a:lnT>
+                    <a:lnB cap="flat" cmpd="sng" w="38100">
+                      <a:solidFill>
+                        <a:schemeClr val="lt1"/>
+                      </a:solidFill>
+                      <a:prstDash val="solid"/>
+                      <a:round/>
+                      <a:headEnd len="sm" w="sm" type="none"/>
+                      <a:tailEnd len="sm" w="sm" type="none"/>
+                    </a:lnB>
+                  </a:tcPr>
+                </a:tc>
+                <a:tc>
+                  <a:txBody>
+                    <a:bodyPr/>
+                    <a:lstStyle/>
+                    <a:p>
+                      <a:pPr indent="0" lvl="0" marL="0" rtl="0" algn="ctr">
+                        <a:spcBef>
+                          <a:spcPts val="0"/>
+                        </a:spcBef>
+                        <a:spcAft>
+                          <a:spcPts val="0"/>
+                        </a:spcAft>
+                        <a:buNone/>
+                      </a:pPr>
+                      <a:r>
+                        <a:t/>
+                      </a:r>
+                      <a:endParaRPr b="1"/>
                     </a:p>
                   </a:txBody>
                   <a:tcPr marT="91425" marB="91425" marR="91425" marL="91425" anchor="ctr">
@@ -9678,7 +10530,7 @@
           </a:prstGeom>
         </p:spPr>
         <p:txBody>
-          <a:bodyPr anchorCtr="0" anchor="ctr" bIns="91425" lIns="274300" spcFirstLastPara="1" rIns="91425" wrap="square" tIns="91425">
+          <a:bodyPr anchorCtr="0" anchor="ctr" bIns="0" lIns="274300" spcFirstLastPara="1" rIns="0" wrap="square" tIns="0">
             <a:noAutofit/>
           </a:bodyPr>
           <a:lstStyle/>
@@ -9694,128 +10546,1980 @@
             </a:pPr>
             <a:r>
               <a:rPr lang="en"/>
-              <a:t>The Two Tasks of a COACH Student</a:t>
+              <a:t>Availability of Modules</a:t>
             </a:r>
             <a:endParaRPr/>
           </a:p>
         </p:txBody>
       </p:sp>
-      <p:sp>
-        <p:nvSpPr>
+      <p:graphicFrame>
+        <p:nvGraphicFramePr>
           <p:cNvPr id="71" name="Google Shape;71;p13"/>
-          <p:cNvSpPr txBox="1"/>
-          <p:nvPr>
-            <p:ph idx="1" type="body"/>
-          </p:nvPr>
-        </p:nvSpPr>
-        <p:spPr>
-          <a:xfrm>
-            <a:off x="274320" y="914400"/>
-            <a:ext cx="8595300" cy="4114800"/>
-          </a:xfrm>
-          <a:prstGeom prst="rect">
-            <a:avLst/>
-          </a:prstGeom>
-        </p:spPr>
-        <p:txBody>
-          <a:bodyPr anchorCtr="0" anchor="t" bIns="0" lIns="0" spcFirstLastPara="1" rIns="0" wrap="square" tIns="0">
-            <a:noAutofit/>
-          </a:bodyPr>
-          <a:lstStyle/>
-          <a:p>
-            <a:pPr indent="0" lvl="0" marL="0" rtl="0" algn="l">
-              <a:spcBef>
-                <a:spcPts val="0"/>
-              </a:spcBef>
-              <a:spcAft>
-                <a:spcPts val="0"/>
-              </a:spcAft>
-              <a:buNone/>
-            </a:pPr>
-            <a:r>
-              <a:rPr lang="en"/>
-              <a:t>As the Scrum Master</a:t>
-            </a:r>
-            <a:endParaRPr/>
-          </a:p>
-          <a:p>
-            <a:pPr indent="-342900" lvl="0" marL="457200" rtl="0" algn="l">
-              <a:spcBef>
-                <a:spcPts val="1200"/>
-              </a:spcBef>
-              <a:spcAft>
-                <a:spcPts val="0"/>
-              </a:spcAft>
-              <a:buSzPts val="1800"/>
-              <a:buChar char="●"/>
-            </a:pPr>
-            <a:r>
-              <a:rPr lang="en"/>
-              <a:t>Coach team using </a:t>
-            </a:r>
-            <a:r>
-              <a:rPr lang="en" u="sng">
-                <a:solidFill>
-                  <a:schemeClr val="hlink"/>
-                </a:solidFill>
-                <a:hlinkClick r:id="rId3"/>
-              </a:rPr>
-              <a:t>agile capabilities timeline</a:t>
-            </a:r>
-            <a:r>
-              <a:rPr lang="en"/>
-              <a:t> (</a:t>
-            </a:r>
-            <a:r>
-              <a:rPr lang="en" u="sng">
-                <a:solidFill>
-                  <a:schemeClr val="hlink"/>
-                </a:solidFill>
-                <a:hlinkClick r:id="rId4"/>
-              </a:rPr>
-              <a:t>explanation</a:t>
-            </a:r>
-            <a:r>
-              <a:rPr lang="en"/>
-              <a:t>)</a:t>
-            </a:r>
-            <a:endParaRPr/>
-          </a:p>
-          <a:p>
-            <a:pPr indent="0" lvl="0" marL="0" rtl="0" algn="l">
-              <a:spcBef>
-                <a:spcPts val="1200"/>
-              </a:spcBef>
-              <a:spcAft>
-                <a:spcPts val="0"/>
-              </a:spcAft>
-              <a:buNone/>
-            </a:pPr>
-            <a:r>
-              <a:rPr lang="en"/>
-              <a:t>As a workshop facilitator</a:t>
-            </a:r>
-            <a:endParaRPr/>
-          </a:p>
-          <a:p>
-            <a:pPr indent="-342900" lvl="0" marL="457200" rtl="0" algn="l">
-              <a:spcBef>
-                <a:spcPts val="1200"/>
-              </a:spcBef>
-              <a:spcAft>
-                <a:spcPts val="0"/>
-              </a:spcAft>
-              <a:buSzPts val="1800"/>
-              <a:buChar char="●"/>
-            </a:pPr>
-            <a:r>
-              <a:rPr lang="en"/>
-              <a:t>Prepare and hold workshop for your AMOS team</a:t>
-            </a:r>
-            <a:endParaRPr/>
-          </a:p>
-        </p:txBody>
-      </p:sp>
+          <p:cNvGraphicFramePr/>
+          <p:nvPr/>
+        </p:nvGraphicFramePr>
+        <p:xfrm>
+          <a:off x="274320" y="914400"/>
+          <a:ext cx="3000000" cy="3000000"/>
+        </p:xfrm>
+        <a:graphic>
+          <a:graphicData uri="http://schemas.openxmlformats.org/drawingml/2006/table">
+            <a:tbl>
+              <a:tblPr>
+                <a:noFill/>
+                <a:tableStyleId>{20C968D8-F1F3-48B6-8BCA-3403E9FF8CDB}</a:tableStyleId>
+              </a:tblPr>
+              <a:tblGrid>
+                <a:gridCol w="1432550"/>
+                <a:gridCol w="1432550"/>
+                <a:gridCol w="1432550"/>
+                <a:gridCol w="1432550"/>
+                <a:gridCol w="1432550"/>
+                <a:gridCol w="1432550"/>
+              </a:tblGrid>
+              <a:tr h="609600">
+                <a:tc>
+                  <a:txBody>
+                    <a:bodyPr/>
+                    <a:lstStyle/>
+                    <a:p>
+                      <a:pPr indent="0" lvl="0" marL="0" rtl="0" algn="ctr">
+                        <a:spcBef>
+                          <a:spcPts val="0"/>
+                        </a:spcBef>
+                        <a:spcAft>
+                          <a:spcPts val="0"/>
+                        </a:spcAft>
+                        <a:buNone/>
+                      </a:pPr>
+                      <a:r>
+                        <a:t/>
+                      </a:r>
+                      <a:endParaRPr b="1"/>
+                    </a:p>
+                  </a:txBody>
+                  <a:tcPr marT="91425" marB="91425" marR="91425" marL="91425" anchor="ctr">
+                    <a:lnL cap="flat" cmpd="sng" w="38100">
+                      <a:solidFill>
+                        <a:schemeClr val="lt1"/>
+                      </a:solidFill>
+                      <a:prstDash val="solid"/>
+                      <a:round/>
+                      <a:headEnd len="sm" w="sm" type="none"/>
+                      <a:tailEnd len="sm" w="sm" type="none"/>
+                    </a:lnL>
+                    <a:lnR cap="flat" cmpd="sng" w="38100">
+                      <a:solidFill>
+                        <a:schemeClr val="lt1"/>
+                      </a:solidFill>
+                      <a:prstDash val="solid"/>
+                      <a:round/>
+                      <a:headEnd len="sm" w="sm" type="none"/>
+                      <a:tailEnd len="sm" w="sm" type="none"/>
+                    </a:lnR>
+                    <a:lnT cap="flat" cmpd="sng" w="38100">
+                      <a:solidFill>
+                        <a:schemeClr val="lt1"/>
+                      </a:solidFill>
+                      <a:prstDash val="solid"/>
+                      <a:round/>
+                      <a:headEnd len="sm" w="sm" type="none"/>
+                      <a:tailEnd len="sm" w="sm" type="none"/>
+                    </a:lnT>
+                    <a:lnB cap="flat" cmpd="sng" w="38100">
+                      <a:solidFill>
+                        <a:schemeClr val="lt1"/>
+                      </a:solidFill>
+                      <a:prstDash val="solid"/>
+                      <a:round/>
+                      <a:headEnd len="sm" w="sm" type="none"/>
+                      <a:tailEnd len="sm" w="sm" type="none"/>
+                    </a:lnB>
+                  </a:tcPr>
+                </a:tc>
+                <a:tc>
+                  <a:txBody>
+                    <a:bodyPr/>
+                    <a:lstStyle/>
+                    <a:p>
+                      <a:pPr indent="0" lvl="0" marL="0" rtl="0" algn="ctr">
+                        <a:spcBef>
+                          <a:spcPts val="0"/>
+                        </a:spcBef>
+                        <a:spcAft>
+                          <a:spcPts val="0"/>
+                        </a:spcAft>
+                        <a:buNone/>
+                      </a:pPr>
+                      <a:r>
+                        <a:t/>
+                      </a:r>
+                      <a:endParaRPr b="1"/>
+                    </a:p>
+                  </a:txBody>
+                  <a:tcPr marT="91425" marB="91425" marR="91425" marL="91425" anchor="ctr">
+                    <a:lnL cap="flat" cmpd="sng" w="38100">
+                      <a:solidFill>
+                        <a:schemeClr val="lt1"/>
+                      </a:solidFill>
+                      <a:prstDash val="solid"/>
+                      <a:round/>
+                      <a:headEnd len="sm" w="sm" type="none"/>
+                      <a:tailEnd len="sm" w="sm" type="none"/>
+                    </a:lnL>
+                    <a:lnR cap="flat" cmpd="sng" w="38100">
+                      <a:solidFill>
+                        <a:schemeClr val="lt1"/>
+                      </a:solidFill>
+                      <a:prstDash val="solid"/>
+                      <a:round/>
+                      <a:headEnd len="sm" w="sm" type="none"/>
+                      <a:tailEnd len="sm" w="sm" type="none"/>
+                    </a:lnR>
+                    <a:lnT cap="flat" cmpd="sng" w="38100">
+                      <a:solidFill>
+                        <a:schemeClr val="lt1"/>
+                      </a:solidFill>
+                      <a:prstDash val="solid"/>
+                      <a:round/>
+                      <a:headEnd len="sm" w="sm" type="none"/>
+                      <a:tailEnd len="sm" w="sm" type="none"/>
+                    </a:lnT>
+                    <a:lnB cap="flat" cmpd="sng" w="38100">
+                      <a:solidFill>
+                        <a:schemeClr val="lt1"/>
+                      </a:solidFill>
+                      <a:prstDash val="solid"/>
+                      <a:round/>
+                      <a:headEnd len="sm" w="sm" type="none"/>
+                      <a:tailEnd len="sm" w="sm" type="none"/>
+                    </a:lnB>
+                  </a:tcPr>
+                </a:tc>
+                <a:tc gridSpan="4">
+                  <a:txBody>
+                    <a:bodyPr/>
+                    <a:lstStyle/>
+                    <a:p>
+                      <a:pPr indent="0" lvl="0" marL="0" rtl="0" algn="ctr">
+                        <a:spcBef>
+                          <a:spcPts val="0"/>
+                        </a:spcBef>
+                        <a:spcAft>
+                          <a:spcPts val="0"/>
+                        </a:spcAft>
+                        <a:buNone/>
+                      </a:pPr>
+                      <a:r>
+                        <a:rPr b="1" lang="en" sz="1800">
+                          <a:solidFill>
+                            <a:schemeClr val="lt1"/>
+                          </a:solidFill>
+                        </a:rPr>
+                        <a:t>University</a:t>
+                      </a:r>
+                      <a:endParaRPr b="1" sz="1800">
+                        <a:solidFill>
+                          <a:schemeClr val="lt1"/>
+                        </a:solidFill>
+                      </a:endParaRPr>
+                    </a:p>
+                  </a:txBody>
+                  <a:tcPr marT="91425" marB="91425" marR="91425" marL="91425" anchor="ctr">
+                    <a:lnL cap="flat" cmpd="sng" w="38100">
+                      <a:solidFill>
+                        <a:schemeClr val="lt1"/>
+                      </a:solidFill>
+                      <a:prstDash val="solid"/>
+                      <a:round/>
+                      <a:headEnd len="sm" w="sm" type="none"/>
+                      <a:tailEnd len="sm" w="sm" type="none"/>
+                    </a:lnL>
+                    <a:lnR cap="flat" cmpd="sng" w="38100">
+                      <a:solidFill>
+                        <a:schemeClr val="lt1"/>
+                      </a:solidFill>
+                      <a:prstDash val="solid"/>
+                      <a:round/>
+                      <a:headEnd len="sm" w="sm" type="none"/>
+                      <a:tailEnd len="sm" w="sm" type="none"/>
+                    </a:lnR>
+                    <a:lnT cap="flat" cmpd="sng" w="38100">
+                      <a:solidFill>
+                        <a:schemeClr val="lt1"/>
+                      </a:solidFill>
+                      <a:prstDash val="solid"/>
+                      <a:round/>
+                      <a:headEnd len="sm" w="sm" type="none"/>
+                      <a:tailEnd len="sm" w="sm" type="none"/>
+                    </a:lnT>
+                    <a:lnB cap="flat" cmpd="sng" w="38100">
+                      <a:solidFill>
+                        <a:schemeClr val="lt1"/>
+                      </a:solidFill>
+                      <a:prstDash val="solid"/>
+                      <a:round/>
+                      <a:headEnd len="sm" w="sm" type="none"/>
+                      <a:tailEnd len="sm" w="sm" type="none"/>
+                    </a:lnB>
+                    <a:solidFill>
+                      <a:schemeClr val="dk2"/>
+                    </a:solidFill>
+                  </a:tcPr>
+                </a:tc>
+                <a:tc hMerge="1"/>
+                <a:tc hMerge="1"/>
+                <a:tc hMerge="1"/>
+              </a:tr>
+              <a:tr h="609600">
+                <a:tc>
+                  <a:txBody>
+                    <a:bodyPr/>
+                    <a:lstStyle/>
+                    <a:p>
+                      <a:pPr indent="0" lvl="0" marL="0" rtl="0" algn="ctr">
+                        <a:spcBef>
+                          <a:spcPts val="0"/>
+                        </a:spcBef>
+                        <a:spcAft>
+                          <a:spcPts val="0"/>
+                        </a:spcAft>
+                        <a:buNone/>
+                      </a:pPr>
+                      <a:r>
+                        <a:t/>
+                      </a:r>
+                      <a:endParaRPr b="1"/>
+                    </a:p>
+                  </a:txBody>
+                  <a:tcPr marT="91425" marB="91425" marR="91425" marL="91425" anchor="ctr">
+                    <a:lnL cap="flat" cmpd="sng" w="38100">
+                      <a:solidFill>
+                        <a:schemeClr val="lt1"/>
+                      </a:solidFill>
+                      <a:prstDash val="solid"/>
+                      <a:round/>
+                      <a:headEnd len="sm" w="sm" type="none"/>
+                      <a:tailEnd len="sm" w="sm" type="none"/>
+                    </a:lnL>
+                    <a:lnR cap="flat" cmpd="sng" w="38100">
+                      <a:solidFill>
+                        <a:schemeClr val="lt1"/>
+                      </a:solidFill>
+                      <a:prstDash val="solid"/>
+                      <a:round/>
+                      <a:headEnd len="sm" w="sm" type="none"/>
+                      <a:tailEnd len="sm" w="sm" type="none"/>
+                    </a:lnR>
+                    <a:lnT cap="flat" cmpd="sng" w="38100">
+                      <a:solidFill>
+                        <a:schemeClr val="lt1"/>
+                      </a:solidFill>
+                      <a:prstDash val="solid"/>
+                      <a:round/>
+                      <a:headEnd len="sm" w="sm" type="none"/>
+                      <a:tailEnd len="sm" w="sm" type="none"/>
+                    </a:lnT>
+                    <a:lnB cap="flat" cmpd="sng" w="38100">
+                      <a:solidFill>
+                        <a:schemeClr val="lt1"/>
+                      </a:solidFill>
+                      <a:prstDash val="solid"/>
+                      <a:round/>
+                      <a:headEnd len="sm" w="sm" type="none"/>
+                      <a:tailEnd len="sm" w="sm" type="none"/>
+                    </a:lnB>
+                  </a:tcPr>
+                </a:tc>
+                <a:tc>
+                  <a:txBody>
+                    <a:bodyPr/>
+                    <a:lstStyle/>
+                    <a:p>
+                      <a:pPr indent="0" lvl="0" marL="0" rtl="0" algn="ctr">
+                        <a:spcBef>
+                          <a:spcPts val="0"/>
+                        </a:spcBef>
+                        <a:spcAft>
+                          <a:spcPts val="0"/>
+                        </a:spcAft>
+                        <a:buNone/>
+                      </a:pPr>
+                      <a:r>
+                        <a:t/>
+                      </a:r>
+                      <a:endParaRPr b="1"/>
+                    </a:p>
+                  </a:txBody>
+                  <a:tcPr marT="91425" marB="91425" marR="91425" marL="91425" anchor="ctr">
+                    <a:lnL cap="flat" cmpd="sng" w="38100">
+                      <a:solidFill>
+                        <a:schemeClr val="lt1"/>
+                      </a:solidFill>
+                      <a:prstDash val="solid"/>
+                      <a:round/>
+                      <a:headEnd len="sm" w="sm" type="none"/>
+                      <a:tailEnd len="sm" w="sm" type="none"/>
+                    </a:lnL>
+                    <a:lnR cap="flat" cmpd="sng" w="38100">
+                      <a:solidFill>
+                        <a:schemeClr val="lt1"/>
+                      </a:solidFill>
+                      <a:prstDash val="solid"/>
+                      <a:round/>
+                      <a:headEnd len="sm" w="sm" type="none"/>
+                      <a:tailEnd len="sm" w="sm" type="none"/>
+                    </a:lnR>
+                    <a:lnT cap="flat" cmpd="sng" w="38100">
+                      <a:solidFill>
+                        <a:schemeClr val="lt1"/>
+                      </a:solidFill>
+                      <a:prstDash val="solid"/>
+                      <a:round/>
+                      <a:headEnd len="sm" w="sm" type="none"/>
+                      <a:tailEnd len="sm" w="sm" type="none"/>
+                    </a:lnT>
+                    <a:lnB cap="flat" cmpd="sng" w="38100">
+                      <a:solidFill>
+                        <a:schemeClr val="lt1"/>
+                      </a:solidFill>
+                      <a:prstDash val="solid"/>
+                      <a:round/>
+                      <a:headEnd len="sm" w="sm" type="none"/>
+                      <a:tailEnd len="sm" w="sm" type="none"/>
+                    </a:lnB>
+                  </a:tcPr>
+                </a:tc>
+                <a:tc>
+                  <a:txBody>
+                    <a:bodyPr/>
+                    <a:lstStyle/>
+                    <a:p>
+                      <a:pPr indent="0" lvl="0" marL="0" rtl="0" algn="ctr">
+                        <a:spcBef>
+                          <a:spcPts val="0"/>
+                        </a:spcBef>
+                        <a:spcAft>
+                          <a:spcPts val="0"/>
+                        </a:spcAft>
+                        <a:buNone/>
+                      </a:pPr>
+                      <a:r>
+                        <a:rPr b="1" lang="en">
+                          <a:solidFill>
+                            <a:schemeClr val="lt1"/>
+                          </a:solidFill>
+                        </a:rPr>
+                        <a:t>Univ. Erlangen</a:t>
+                      </a:r>
+                      <a:endParaRPr b="1">
+                        <a:solidFill>
+                          <a:schemeClr val="lt1"/>
+                        </a:solidFill>
+                      </a:endParaRPr>
+                    </a:p>
+                  </a:txBody>
+                  <a:tcPr marT="91425" marB="91425" marR="91425" marL="91425" anchor="ctr">
+                    <a:lnL cap="flat" cmpd="sng" w="38100">
+                      <a:solidFill>
+                        <a:schemeClr val="lt1"/>
+                      </a:solidFill>
+                      <a:prstDash val="solid"/>
+                      <a:round/>
+                      <a:headEnd len="sm" w="sm" type="none"/>
+                      <a:tailEnd len="sm" w="sm" type="none"/>
+                    </a:lnL>
+                    <a:lnR cap="flat" cmpd="sng" w="38100">
+                      <a:solidFill>
+                        <a:schemeClr val="lt1"/>
+                      </a:solidFill>
+                      <a:prstDash val="solid"/>
+                      <a:round/>
+                      <a:headEnd len="sm" w="sm" type="none"/>
+                      <a:tailEnd len="sm" w="sm" type="none"/>
+                    </a:lnR>
+                    <a:lnT cap="flat" cmpd="sng" w="38100">
+                      <a:solidFill>
+                        <a:schemeClr val="lt1"/>
+                      </a:solidFill>
+                      <a:prstDash val="solid"/>
+                      <a:round/>
+                      <a:headEnd len="sm" w="sm" type="none"/>
+                      <a:tailEnd len="sm" w="sm" type="none"/>
+                    </a:lnT>
+                    <a:lnB cap="flat" cmpd="sng" w="38100">
+                      <a:solidFill>
+                        <a:schemeClr val="lt1"/>
+                      </a:solidFill>
+                      <a:prstDash val="solid"/>
+                      <a:round/>
+                      <a:headEnd len="sm" w="sm" type="none"/>
+                      <a:tailEnd len="sm" w="sm" type="none"/>
+                    </a:lnB>
+                    <a:solidFill>
+                      <a:schemeClr val="lt2"/>
+                    </a:solidFill>
+                  </a:tcPr>
+                </a:tc>
+                <a:tc>
+                  <a:txBody>
+                    <a:bodyPr/>
+                    <a:lstStyle/>
+                    <a:p>
+                      <a:pPr indent="0" lvl="0" marL="0" rtl="0" algn="ctr">
+                        <a:spcBef>
+                          <a:spcPts val="0"/>
+                        </a:spcBef>
+                        <a:spcAft>
+                          <a:spcPts val="0"/>
+                        </a:spcAft>
+                        <a:buNone/>
+                      </a:pPr>
+                      <a:r>
+                        <a:rPr b="1" lang="en">
+                          <a:solidFill>
+                            <a:schemeClr val="lt1"/>
+                          </a:solidFill>
+                        </a:rPr>
+                        <a:t>TU Berlin</a:t>
+                      </a:r>
+                      <a:endParaRPr b="1">
+                        <a:solidFill>
+                          <a:schemeClr val="lt1"/>
+                        </a:solidFill>
+                      </a:endParaRPr>
+                    </a:p>
+                  </a:txBody>
+                  <a:tcPr marT="91425" marB="91425" marR="91425" marL="91425" anchor="ctr">
+                    <a:lnL cap="flat" cmpd="sng" w="38100">
+                      <a:solidFill>
+                        <a:schemeClr val="lt1"/>
+                      </a:solidFill>
+                      <a:prstDash val="solid"/>
+                      <a:round/>
+                      <a:headEnd len="sm" w="sm" type="none"/>
+                      <a:tailEnd len="sm" w="sm" type="none"/>
+                    </a:lnL>
+                    <a:lnR cap="flat" cmpd="sng" w="38100">
+                      <a:solidFill>
+                        <a:schemeClr val="lt1"/>
+                      </a:solidFill>
+                      <a:prstDash val="solid"/>
+                      <a:round/>
+                      <a:headEnd len="sm" w="sm" type="none"/>
+                      <a:tailEnd len="sm" w="sm" type="none"/>
+                    </a:lnR>
+                    <a:lnT cap="flat" cmpd="sng" w="38100">
+                      <a:solidFill>
+                        <a:schemeClr val="lt1"/>
+                      </a:solidFill>
+                      <a:prstDash val="solid"/>
+                      <a:round/>
+                      <a:headEnd len="sm" w="sm" type="none"/>
+                      <a:tailEnd len="sm" w="sm" type="none"/>
+                    </a:lnT>
+                    <a:lnB cap="flat" cmpd="sng" w="38100">
+                      <a:solidFill>
+                        <a:schemeClr val="lt1"/>
+                      </a:solidFill>
+                      <a:prstDash val="solid"/>
+                      <a:round/>
+                      <a:headEnd len="sm" w="sm" type="none"/>
+                      <a:tailEnd len="sm" w="sm" type="none"/>
+                    </a:lnB>
+                    <a:solidFill>
+                      <a:schemeClr val="lt2"/>
+                    </a:solidFill>
+                  </a:tcPr>
+                </a:tc>
+                <a:tc>
+                  <a:txBody>
+                    <a:bodyPr/>
+                    <a:lstStyle/>
+                    <a:p>
+                      <a:pPr indent="0" lvl="0" marL="0" rtl="0" algn="ctr">
+                        <a:spcBef>
+                          <a:spcPts val="0"/>
+                        </a:spcBef>
+                        <a:spcAft>
+                          <a:spcPts val="0"/>
+                        </a:spcAft>
+                        <a:buNone/>
+                      </a:pPr>
+                      <a:r>
+                        <a:rPr b="1" lang="en">
+                          <a:solidFill>
+                            <a:schemeClr val="lt1"/>
+                          </a:solidFill>
+                        </a:rPr>
+                        <a:t>FU Berlin</a:t>
+                      </a:r>
+                      <a:endParaRPr b="1">
+                        <a:solidFill>
+                          <a:schemeClr val="lt1"/>
+                        </a:solidFill>
+                      </a:endParaRPr>
+                    </a:p>
+                  </a:txBody>
+                  <a:tcPr marT="91425" marB="91425" marR="91425" marL="91425" anchor="ctr">
+                    <a:lnL cap="flat" cmpd="sng" w="38100">
+                      <a:solidFill>
+                        <a:schemeClr val="lt1"/>
+                      </a:solidFill>
+                      <a:prstDash val="solid"/>
+                      <a:round/>
+                      <a:headEnd len="sm" w="sm" type="none"/>
+                      <a:tailEnd len="sm" w="sm" type="none"/>
+                    </a:lnL>
+                    <a:lnR cap="flat" cmpd="sng" w="38100">
+                      <a:solidFill>
+                        <a:schemeClr val="lt1"/>
+                      </a:solidFill>
+                      <a:prstDash val="solid"/>
+                      <a:round/>
+                      <a:headEnd len="sm" w="sm" type="none"/>
+                      <a:tailEnd len="sm" w="sm" type="none"/>
+                    </a:lnR>
+                    <a:lnT cap="flat" cmpd="sng" w="38100">
+                      <a:solidFill>
+                        <a:schemeClr val="lt1"/>
+                      </a:solidFill>
+                      <a:prstDash val="solid"/>
+                      <a:round/>
+                      <a:headEnd len="sm" w="sm" type="none"/>
+                      <a:tailEnd len="sm" w="sm" type="none"/>
+                    </a:lnT>
+                    <a:lnB cap="flat" cmpd="sng" w="38100">
+                      <a:solidFill>
+                        <a:schemeClr val="lt1"/>
+                      </a:solidFill>
+                      <a:prstDash val="solid"/>
+                      <a:round/>
+                      <a:headEnd len="sm" w="sm" type="none"/>
+                      <a:tailEnd len="sm" w="sm" type="none"/>
+                    </a:lnB>
+                    <a:solidFill>
+                      <a:schemeClr val="lt2"/>
+                    </a:solidFill>
+                  </a:tcPr>
+                </a:tc>
+                <a:tc>
+                  <a:txBody>
+                    <a:bodyPr/>
+                    <a:lstStyle/>
+                    <a:p>
+                      <a:pPr indent="0" lvl="0" marL="0" rtl="0" algn="ctr">
+                        <a:spcBef>
+                          <a:spcPts val="0"/>
+                        </a:spcBef>
+                        <a:spcAft>
+                          <a:spcPts val="0"/>
+                        </a:spcAft>
+                        <a:buNone/>
+                      </a:pPr>
+                      <a:r>
+                        <a:t/>
+                      </a:r>
+                      <a:endParaRPr b="1">
+                        <a:solidFill>
+                          <a:schemeClr val="lt1"/>
+                        </a:solidFill>
+                      </a:endParaRPr>
+                    </a:p>
+                  </a:txBody>
+                  <a:tcPr marT="91425" marB="91425" marR="91425" marL="91425" anchor="ctr">
+                    <a:lnL cap="flat" cmpd="sng" w="38100">
+                      <a:solidFill>
+                        <a:schemeClr val="lt1"/>
+                      </a:solidFill>
+                      <a:prstDash val="solid"/>
+                      <a:round/>
+                      <a:headEnd len="sm" w="sm" type="none"/>
+                      <a:tailEnd len="sm" w="sm" type="none"/>
+                    </a:lnL>
+                    <a:lnR cap="flat" cmpd="sng" w="38100">
+                      <a:solidFill>
+                        <a:schemeClr val="lt1"/>
+                      </a:solidFill>
+                      <a:prstDash val="solid"/>
+                      <a:round/>
+                      <a:headEnd len="sm" w="sm" type="none"/>
+                      <a:tailEnd len="sm" w="sm" type="none"/>
+                    </a:lnR>
+                    <a:lnT cap="flat" cmpd="sng" w="38100">
+                      <a:solidFill>
+                        <a:schemeClr val="lt1"/>
+                      </a:solidFill>
+                      <a:prstDash val="solid"/>
+                      <a:round/>
+                      <a:headEnd len="sm" w="sm" type="none"/>
+                      <a:tailEnd len="sm" w="sm" type="none"/>
+                    </a:lnT>
+                    <a:lnB cap="flat" cmpd="sng" w="38100">
+                      <a:solidFill>
+                        <a:schemeClr val="lt1"/>
+                      </a:solidFill>
+                      <a:prstDash val="solid"/>
+                      <a:round/>
+                      <a:headEnd len="sm" w="sm" type="none"/>
+                      <a:tailEnd len="sm" w="sm" type="none"/>
+                    </a:lnB>
+                    <a:solidFill>
+                      <a:schemeClr val="lt2"/>
+                    </a:solidFill>
+                  </a:tcPr>
+                </a:tc>
+              </a:tr>
+              <a:tr h="609600">
+                <a:tc rowSpan="4">
+                  <a:txBody>
+                    <a:bodyPr/>
+                    <a:lstStyle/>
+                    <a:p>
+                      <a:pPr indent="0" lvl="0" marL="0" rtl="0" algn="ctr">
+                        <a:spcBef>
+                          <a:spcPts val="0"/>
+                        </a:spcBef>
+                        <a:spcAft>
+                          <a:spcPts val="0"/>
+                        </a:spcAft>
+                        <a:buNone/>
+                      </a:pPr>
+                      <a:r>
+                        <a:rPr b="1" lang="en" sz="1800">
+                          <a:solidFill>
+                            <a:schemeClr val="lt1"/>
+                          </a:solidFill>
+                        </a:rPr>
+                        <a:t>Modules</a:t>
+                      </a:r>
+                      <a:endParaRPr b="1" sz="1800">
+                        <a:solidFill>
+                          <a:schemeClr val="lt1"/>
+                        </a:solidFill>
+                      </a:endParaRPr>
+                    </a:p>
+                  </a:txBody>
+                  <a:tcPr marT="91425" marB="91425" marR="91425" marL="91425" anchor="ctr">
+                    <a:lnL cap="flat" cmpd="sng" w="38100">
+                      <a:solidFill>
+                        <a:schemeClr val="lt1"/>
+                      </a:solidFill>
+                      <a:prstDash val="solid"/>
+                      <a:round/>
+                      <a:headEnd len="sm" w="sm" type="none"/>
+                      <a:tailEnd len="sm" w="sm" type="none"/>
+                    </a:lnL>
+                    <a:lnR cap="flat" cmpd="sng" w="38100">
+                      <a:solidFill>
+                        <a:schemeClr val="lt1"/>
+                      </a:solidFill>
+                      <a:prstDash val="solid"/>
+                      <a:round/>
+                      <a:headEnd len="sm" w="sm" type="none"/>
+                      <a:tailEnd len="sm" w="sm" type="none"/>
+                    </a:lnR>
+                    <a:lnT cap="flat" cmpd="sng" w="38100">
+                      <a:solidFill>
+                        <a:schemeClr val="lt1"/>
+                      </a:solidFill>
+                      <a:prstDash val="solid"/>
+                      <a:round/>
+                      <a:headEnd len="sm" w="sm" type="none"/>
+                      <a:tailEnd len="sm" w="sm" type="none"/>
+                    </a:lnT>
+                    <a:lnB cap="flat" cmpd="sng" w="38100">
+                      <a:solidFill>
+                        <a:schemeClr val="lt1"/>
+                      </a:solidFill>
+                      <a:prstDash val="solid"/>
+                      <a:round/>
+                      <a:headEnd len="sm" w="sm" type="none"/>
+                      <a:tailEnd len="sm" w="sm" type="none"/>
+                    </a:lnB>
+                    <a:solidFill>
+                      <a:schemeClr val="dk2"/>
+                    </a:solidFill>
+                  </a:tcPr>
+                </a:tc>
+                <a:tc>
+                  <a:txBody>
+                    <a:bodyPr/>
+                    <a:lstStyle/>
+                    <a:p>
+                      <a:pPr indent="0" lvl="0" marL="0" rtl="0" algn="ctr">
+                        <a:spcBef>
+                          <a:spcPts val="0"/>
+                        </a:spcBef>
+                        <a:spcAft>
+                          <a:spcPts val="0"/>
+                        </a:spcAft>
+                        <a:buNone/>
+                      </a:pPr>
+                      <a:r>
+                        <a:rPr b="1" lang="en">
+                          <a:solidFill>
+                            <a:schemeClr val="lt1"/>
+                          </a:solidFill>
+                        </a:rPr>
+                        <a:t>COACH</a:t>
+                      </a:r>
+                      <a:endParaRPr b="1">
+                        <a:solidFill>
+                          <a:schemeClr val="lt1"/>
+                        </a:solidFill>
+                      </a:endParaRPr>
+                    </a:p>
+                  </a:txBody>
+                  <a:tcPr marT="91425" marB="91425" marR="0" marL="0" anchor="ctr">
+                    <a:lnL cap="flat" cmpd="sng" w="38100">
+                      <a:solidFill>
+                        <a:schemeClr val="lt1"/>
+                      </a:solidFill>
+                      <a:prstDash val="solid"/>
+                      <a:round/>
+                      <a:headEnd len="sm" w="sm" type="none"/>
+                      <a:tailEnd len="sm" w="sm" type="none"/>
+                    </a:lnL>
+                    <a:lnR cap="flat" cmpd="sng" w="38100">
+                      <a:solidFill>
+                        <a:schemeClr val="lt1"/>
+                      </a:solidFill>
+                      <a:prstDash val="solid"/>
+                      <a:round/>
+                      <a:headEnd len="sm" w="sm" type="none"/>
+                      <a:tailEnd len="sm" w="sm" type="none"/>
+                    </a:lnR>
+                    <a:lnT cap="flat" cmpd="sng" w="38100">
+                      <a:solidFill>
+                        <a:schemeClr val="lt1"/>
+                      </a:solidFill>
+                      <a:prstDash val="solid"/>
+                      <a:round/>
+                      <a:headEnd len="sm" w="sm" type="none"/>
+                      <a:tailEnd len="sm" w="sm" type="none"/>
+                    </a:lnT>
+                    <a:lnB cap="flat" cmpd="sng" w="38100">
+                      <a:solidFill>
+                        <a:schemeClr val="lt1"/>
+                      </a:solidFill>
+                      <a:prstDash val="solid"/>
+                      <a:round/>
+                      <a:headEnd len="sm" w="sm" type="none"/>
+                      <a:tailEnd len="sm" w="sm" type="none"/>
+                    </a:lnB>
+                    <a:solidFill>
+                      <a:schemeClr val="lt2"/>
+                    </a:solidFill>
+                  </a:tcPr>
+                </a:tc>
+                <a:tc>
+                  <a:txBody>
+                    <a:bodyPr/>
+                    <a:lstStyle/>
+                    <a:p>
+                      <a:pPr indent="0" lvl="0" marL="0" rtl="0" algn="ctr">
+                        <a:spcBef>
+                          <a:spcPts val="0"/>
+                        </a:spcBef>
+                        <a:spcAft>
+                          <a:spcPts val="0"/>
+                        </a:spcAft>
+                        <a:buNone/>
+                      </a:pPr>
+                      <a:r>
+                        <a:rPr b="1" lang="en"/>
+                        <a:t>x</a:t>
+                      </a:r>
+                      <a:endParaRPr b="1"/>
+                    </a:p>
+                  </a:txBody>
+                  <a:tcPr marT="91425" marB="91425" marR="91425" marL="91425" anchor="ctr">
+                    <a:lnL cap="flat" cmpd="sng" w="38100">
+                      <a:solidFill>
+                        <a:schemeClr val="lt1"/>
+                      </a:solidFill>
+                      <a:prstDash val="solid"/>
+                      <a:round/>
+                      <a:headEnd len="sm" w="sm" type="none"/>
+                      <a:tailEnd len="sm" w="sm" type="none"/>
+                    </a:lnL>
+                    <a:lnR cap="flat" cmpd="sng" w="38100">
+                      <a:solidFill>
+                        <a:schemeClr val="lt1"/>
+                      </a:solidFill>
+                      <a:prstDash val="solid"/>
+                      <a:round/>
+                      <a:headEnd len="sm" w="sm" type="none"/>
+                      <a:tailEnd len="sm" w="sm" type="none"/>
+                    </a:lnR>
+                    <a:lnT cap="flat" cmpd="sng" w="38100">
+                      <a:solidFill>
+                        <a:schemeClr val="lt1"/>
+                      </a:solidFill>
+                      <a:prstDash val="solid"/>
+                      <a:round/>
+                      <a:headEnd len="sm" w="sm" type="none"/>
+                      <a:tailEnd len="sm" w="sm" type="none"/>
+                    </a:lnT>
+                    <a:lnB cap="flat" cmpd="sng" w="38100">
+                      <a:solidFill>
+                        <a:schemeClr val="lt1"/>
+                      </a:solidFill>
+                      <a:prstDash val="solid"/>
+                      <a:round/>
+                      <a:headEnd len="sm" w="sm" type="none"/>
+                      <a:tailEnd len="sm" w="sm" type="none"/>
+                    </a:lnB>
+                    <a:solidFill>
+                      <a:schemeClr val="accent1"/>
+                    </a:solidFill>
+                  </a:tcPr>
+                </a:tc>
+                <a:tc>
+                  <a:txBody>
+                    <a:bodyPr/>
+                    <a:lstStyle/>
+                    <a:p>
+                      <a:pPr indent="0" lvl="0" marL="0" rtl="0" algn="ctr">
+                        <a:spcBef>
+                          <a:spcPts val="0"/>
+                        </a:spcBef>
+                        <a:spcAft>
+                          <a:spcPts val="0"/>
+                        </a:spcAft>
+                        <a:buNone/>
+                      </a:pPr>
+                      <a:r>
+                        <a:rPr b="1" lang="en"/>
+                        <a:t>– </a:t>
+                      </a:r>
+                      <a:endParaRPr b="1"/>
+                    </a:p>
+                  </a:txBody>
+                  <a:tcPr marT="91425" marB="91425" marR="91425" marL="91425" anchor="ctr">
+                    <a:lnL cap="flat" cmpd="sng" w="38100">
+                      <a:solidFill>
+                        <a:schemeClr val="lt1"/>
+                      </a:solidFill>
+                      <a:prstDash val="solid"/>
+                      <a:round/>
+                      <a:headEnd len="sm" w="sm" type="none"/>
+                      <a:tailEnd len="sm" w="sm" type="none"/>
+                    </a:lnL>
+                    <a:lnR cap="flat" cmpd="sng" w="38100">
+                      <a:solidFill>
+                        <a:schemeClr val="lt1"/>
+                      </a:solidFill>
+                      <a:prstDash val="solid"/>
+                      <a:round/>
+                      <a:headEnd len="sm" w="sm" type="none"/>
+                      <a:tailEnd len="sm" w="sm" type="none"/>
+                    </a:lnR>
+                    <a:lnT cap="flat" cmpd="sng" w="38100">
+                      <a:solidFill>
+                        <a:schemeClr val="lt1"/>
+                      </a:solidFill>
+                      <a:prstDash val="solid"/>
+                      <a:round/>
+                      <a:headEnd len="sm" w="sm" type="none"/>
+                      <a:tailEnd len="sm" w="sm" type="none"/>
+                    </a:lnT>
+                    <a:lnB cap="flat" cmpd="sng" w="38100">
+                      <a:solidFill>
+                        <a:schemeClr val="lt1"/>
+                      </a:solidFill>
+                      <a:prstDash val="solid"/>
+                      <a:round/>
+                      <a:headEnd len="sm" w="sm" type="none"/>
+                      <a:tailEnd len="sm" w="sm" type="none"/>
+                    </a:lnB>
+                    <a:solidFill>
+                      <a:schemeClr val="accent1"/>
+                    </a:solidFill>
+                  </a:tcPr>
+                </a:tc>
+                <a:tc>
+                  <a:txBody>
+                    <a:bodyPr/>
+                    <a:lstStyle/>
+                    <a:p>
+                      <a:pPr indent="0" lvl="0" marL="0" rtl="0" algn="ctr">
+                        <a:spcBef>
+                          <a:spcPts val="0"/>
+                        </a:spcBef>
+                        <a:spcAft>
+                          <a:spcPts val="0"/>
+                        </a:spcAft>
+                        <a:buNone/>
+                      </a:pPr>
+                      <a:r>
+                        <a:rPr b="1" lang="en"/>
+                        <a:t>– </a:t>
+                      </a:r>
+                      <a:endParaRPr b="1"/>
+                    </a:p>
+                  </a:txBody>
+                  <a:tcPr marT="91425" marB="91425" marR="91425" marL="91425" anchor="ctr">
+                    <a:lnL cap="flat" cmpd="sng" w="38100">
+                      <a:solidFill>
+                        <a:schemeClr val="lt1"/>
+                      </a:solidFill>
+                      <a:prstDash val="solid"/>
+                      <a:round/>
+                      <a:headEnd len="sm" w="sm" type="none"/>
+                      <a:tailEnd len="sm" w="sm" type="none"/>
+                    </a:lnL>
+                    <a:lnR cap="flat" cmpd="sng" w="38100">
+                      <a:solidFill>
+                        <a:schemeClr val="lt1"/>
+                      </a:solidFill>
+                      <a:prstDash val="solid"/>
+                      <a:round/>
+                      <a:headEnd len="sm" w="sm" type="none"/>
+                      <a:tailEnd len="sm" w="sm" type="none"/>
+                    </a:lnR>
+                    <a:lnT cap="flat" cmpd="sng" w="38100">
+                      <a:solidFill>
+                        <a:schemeClr val="lt1"/>
+                      </a:solidFill>
+                      <a:prstDash val="solid"/>
+                      <a:round/>
+                      <a:headEnd len="sm" w="sm" type="none"/>
+                      <a:tailEnd len="sm" w="sm" type="none"/>
+                    </a:lnT>
+                    <a:lnB cap="flat" cmpd="sng" w="38100">
+                      <a:solidFill>
+                        <a:schemeClr val="lt1"/>
+                      </a:solidFill>
+                      <a:prstDash val="solid"/>
+                      <a:round/>
+                      <a:headEnd len="sm" w="sm" type="none"/>
+                      <a:tailEnd len="sm" w="sm" type="none"/>
+                    </a:lnB>
+                    <a:solidFill>
+                      <a:schemeClr val="accent1"/>
+                    </a:solidFill>
+                  </a:tcPr>
+                </a:tc>
+                <a:tc>
+                  <a:txBody>
+                    <a:bodyPr/>
+                    <a:lstStyle/>
+                    <a:p>
+                      <a:pPr indent="0" lvl="0" marL="0" rtl="0" algn="ctr">
+                        <a:spcBef>
+                          <a:spcPts val="0"/>
+                        </a:spcBef>
+                        <a:spcAft>
+                          <a:spcPts val="0"/>
+                        </a:spcAft>
+                        <a:buNone/>
+                      </a:pPr>
+                      <a:r>
+                        <a:t/>
+                      </a:r>
+                      <a:endParaRPr b="1"/>
+                    </a:p>
+                  </a:txBody>
+                  <a:tcPr marT="91425" marB="91425" marR="91425" marL="91425" anchor="ctr">
+                    <a:lnL cap="flat" cmpd="sng" w="38100">
+                      <a:solidFill>
+                        <a:schemeClr val="lt1"/>
+                      </a:solidFill>
+                      <a:prstDash val="solid"/>
+                      <a:round/>
+                      <a:headEnd len="sm" w="sm" type="none"/>
+                      <a:tailEnd len="sm" w="sm" type="none"/>
+                    </a:lnL>
+                    <a:lnR cap="flat" cmpd="sng" w="38100">
+                      <a:solidFill>
+                        <a:schemeClr val="lt1"/>
+                      </a:solidFill>
+                      <a:prstDash val="solid"/>
+                      <a:round/>
+                      <a:headEnd len="sm" w="sm" type="none"/>
+                      <a:tailEnd len="sm" w="sm" type="none"/>
+                    </a:lnR>
+                    <a:lnT cap="flat" cmpd="sng" w="38100">
+                      <a:solidFill>
+                        <a:schemeClr val="lt1"/>
+                      </a:solidFill>
+                      <a:prstDash val="solid"/>
+                      <a:round/>
+                      <a:headEnd len="sm" w="sm" type="none"/>
+                      <a:tailEnd len="sm" w="sm" type="none"/>
+                    </a:lnT>
+                    <a:lnB cap="flat" cmpd="sng" w="38100">
+                      <a:solidFill>
+                        <a:schemeClr val="lt1"/>
+                      </a:solidFill>
+                      <a:prstDash val="solid"/>
+                      <a:round/>
+                      <a:headEnd len="sm" w="sm" type="none"/>
+                      <a:tailEnd len="sm" w="sm" type="none"/>
+                    </a:lnB>
+                    <a:solidFill>
+                      <a:schemeClr val="accent1"/>
+                    </a:solidFill>
+                  </a:tcPr>
+                </a:tc>
+              </a:tr>
+              <a:tr h="609600">
+                <a:tc vMerge="1"/>
+                <a:tc>
+                  <a:txBody>
+                    <a:bodyPr/>
+                    <a:lstStyle/>
+                    <a:p>
+                      <a:pPr indent="0" lvl="0" marL="0" rtl="0" algn="ctr">
+                        <a:spcBef>
+                          <a:spcPts val="0"/>
+                        </a:spcBef>
+                        <a:spcAft>
+                          <a:spcPts val="0"/>
+                        </a:spcAft>
+                        <a:buNone/>
+                      </a:pPr>
+                      <a:r>
+                        <a:rPr b="1" lang="en">
+                          <a:solidFill>
+                            <a:schemeClr val="lt1"/>
+                          </a:solidFill>
+                        </a:rPr>
+                        <a:t>AMOS-SM</a:t>
+                      </a:r>
+                      <a:endParaRPr b="1">
+                        <a:solidFill>
+                          <a:schemeClr val="lt1"/>
+                        </a:solidFill>
+                      </a:endParaRPr>
+                    </a:p>
+                  </a:txBody>
+                  <a:tcPr marT="91425" marB="91425" marR="0" marL="0" anchor="ctr">
+                    <a:lnL cap="flat" cmpd="sng" w="38100">
+                      <a:solidFill>
+                        <a:schemeClr val="lt1"/>
+                      </a:solidFill>
+                      <a:prstDash val="solid"/>
+                      <a:round/>
+                      <a:headEnd len="sm" w="sm" type="none"/>
+                      <a:tailEnd len="sm" w="sm" type="none"/>
+                    </a:lnL>
+                    <a:lnR cap="flat" cmpd="sng" w="38100">
+                      <a:solidFill>
+                        <a:schemeClr val="lt1"/>
+                      </a:solidFill>
+                      <a:prstDash val="solid"/>
+                      <a:round/>
+                      <a:headEnd len="sm" w="sm" type="none"/>
+                      <a:tailEnd len="sm" w="sm" type="none"/>
+                    </a:lnR>
+                    <a:lnT cap="flat" cmpd="sng" w="38100">
+                      <a:solidFill>
+                        <a:schemeClr val="lt1"/>
+                      </a:solidFill>
+                      <a:prstDash val="solid"/>
+                      <a:round/>
+                      <a:headEnd len="sm" w="sm" type="none"/>
+                      <a:tailEnd len="sm" w="sm" type="none"/>
+                    </a:lnT>
+                    <a:lnB cap="flat" cmpd="sng" w="38100">
+                      <a:solidFill>
+                        <a:schemeClr val="lt1"/>
+                      </a:solidFill>
+                      <a:prstDash val="solid"/>
+                      <a:round/>
+                      <a:headEnd len="sm" w="sm" type="none"/>
+                      <a:tailEnd len="sm" w="sm" type="none"/>
+                    </a:lnB>
+                    <a:solidFill>
+                      <a:schemeClr val="lt2"/>
+                    </a:solidFill>
+                  </a:tcPr>
+                </a:tc>
+                <a:tc>
+                  <a:txBody>
+                    <a:bodyPr/>
+                    <a:lstStyle/>
+                    <a:p>
+                      <a:pPr indent="0" lvl="0" marL="0" rtl="0" algn="ctr">
+                        <a:spcBef>
+                          <a:spcPts val="0"/>
+                        </a:spcBef>
+                        <a:spcAft>
+                          <a:spcPts val="0"/>
+                        </a:spcAft>
+                        <a:buNone/>
+                      </a:pPr>
+                      <a:r>
+                        <a:rPr b="1" lang="en"/>
+                        <a:t>–</a:t>
+                      </a:r>
+                      <a:endParaRPr b="1"/>
+                    </a:p>
+                  </a:txBody>
+                  <a:tcPr marT="91425" marB="91425" marR="91425" marL="91425" anchor="ctr">
+                    <a:lnL cap="flat" cmpd="sng" w="38100">
+                      <a:solidFill>
+                        <a:schemeClr val="lt1"/>
+                      </a:solidFill>
+                      <a:prstDash val="solid"/>
+                      <a:round/>
+                      <a:headEnd len="sm" w="sm" type="none"/>
+                      <a:tailEnd len="sm" w="sm" type="none"/>
+                    </a:lnL>
+                    <a:lnR cap="flat" cmpd="sng" w="38100">
+                      <a:solidFill>
+                        <a:schemeClr val="lt1"/>
+                      </a:solidFill>
+                      <a:prstDash val="solid"/>
+                      <a:round/>
+                      <a:headEnd len="sm" w="sm" type="none"/>
+                      <a:tailEnd len="sm" w="sm" type="none"/>
+                    </a:lnR>
+                    <a:lnT cap="flat" cmpd="sng" w="38100">
+                      <a:solidFill>
+                        <a:schemeClr val="lt1"/>
+                      </a:solidFill>
+                      <a:prstDash val="solid"/>
+                      <a:round/>
+                      <a:headEnd len="sm" w="sm" type="none"/>
+                      <a:tailEnd len="sm" w="sm" type="none"/>
+                    </a:lnT>
+                    <a:lnB cap="flat" cmpd="sng" w="38100">
+                      <a:solidFill>
+                        <a:schemeClr val="lt1"/>
+                      </a:solidFill>
+                      <a:prstDash val="solid"/>
+                      <a:round/>
+                      <a:headEnd len="sm" w="sm" type="none"/>
+                      <a:tailEnd len="sm" w="sm" type="none"/>
+                    </a:lnB>
+                    <a:solidFill>
+                      <a:schemeClr val="lt1"/>
+                    </a:solidFill>
+                  </a:tcPr>
+                </a:tc>
+                <a:tc>
+                  <a:txBody>
+                    <a:bodyPr/>
+                    <a:lstStyle/>
+                    <a:p>
+                      <a:pPr indent="0" lvl="0" marL="0" rtl="0" algn="ctr">
+                        <a:spcBef>
+                          <a:spcPts val="0"/>
+                        </a:spcBef>
+                        <a:spcAft>
+                          <a:spcPts val="0"/>
+                        </a:spcAft>
+                        <a:buNone/>
+                      </a:pPr>
+                      <a:r>
+                        <a:rPr b="1" lang="en"/>
+                        <a:t>x</a:t>
+                      </a:r>
+                      <a:endParaRPr b="1"/>
+                    </a:p>
+                  </a:txBody>
+                  <a:tcPr marT="91425" marB="91425" marR="91425" marL="91425" anchor="ctr">
+                    <a:lnL cap="flat" cmpd="sng" w="38100">
+                      <a:solidFill>
+                        <a:schemeClr val="lt1"/>
+                      </a:solidFill>
+                      <a:prstDash val="solid"/>
+                      <a:round/>
+                      <a:headEnd len="sm" w="sm" type="none"/>
+                      <a:tailEnd len="sm" w="sm" type="none"/>
+                    </a:lnL>
+                    <a:lnR cap="flat" cmpd="sng" w="38100">
+                      <a:solidFill>
+                        <a:schemeClr val="lt1"/>
+                      </a:solidFill>
+                      <a:prstDash val="solid"/>
+                      <a:round/>
+                      <a:headEnd len="sm" w="sm" type="none"/>
+                      <a:tailEnd len="sm" w="sm" type="none"/>
+                    </a:lnR>
+                    <a:lnT cap="flat" cmpd="sng" w="38100">
+                      <a:solidFill>
+                        <a:schemeClr val="lt1"/>
+                      </a:solidFill>
+                      <a:prstDash val="solid"/>
+                      <a:round/>
+                      <a:headEnd len="sm" w="sm" type="none"/>
+                      <a:tailEnd len="sm" w="sm" type="none"/>
+                    </a:lnT>
+                    <a:lnB cap="flat" cmpd="sng" w="38100">
+                      <a:solidFill>
+                        <a:schemeClr val="lt1"/>
+                      </a:solidFill>
+                      <a:prstDash val="solid"/>
+                      <a:round/>
+                      <a:headEnd len="sm" w="sm" type="none"/>
+                      <a:tailEnd len="sm" w="sm" type="none"/>
+                    </a:lnB>
+                    <a:solidFill>
+                      <a:schemeClr val="lt1"/>
+                    </a:solidFill>
+                  </a:tcPr>
+                </a:tc>
+                <a:tc>
+                  <a:txBody>
+                    <a:bodyPr/>
+                    <a:lstStyle/>
+                    <a:p>
+                      <a:pPr indent="0" lvl="0" marL="0" rtl="0" algn="ctr">
+                        <a:spcBef>
+                          <a:spcPts val="0"/>
+                        </a:spcBef>
+                        <a:spcAft>
+                          <a:spcPts val="0"/>
+                        </a:spcAft>
+                        <a:buNone/>
+                      </a:pPr>
+                      <a:r>
+                        <a:rPr b="1" lang="en"/>
+                        <a:t>–</a:t>
+                      </a:r>
+                      <a:endParaRPr b="1"/>
+                    </a:p>
+                  </a:txBody>
+                  <a:tcPr marT="91425" marB="91425" marR="91425" marL="91425" anchor="ctr">
+                    <a:lnL cap="flat" cmpd="sng" w="38100">
+                      <a:solidFill>
+                        <a:schemeClr val="lt1"/>
+                      </a:solidFill>
+                      <a:prstDash val="solid"/>
+                      <a:round/>
+                      <a:headEnd len="sm" w="sm" type="none"/>
+                      <a:tailEnd len="sm" w="sm" type="none"/>
+                    </a:lnL>
+                    <a:lnR cap="flat" cmpd="sng" w="38100">
+                      <a:solidFill>
+                        <a:schemeClr val="lt1"/>
+                      </a:solidFill>
+                      <a:prstDash val="solid"/>
+                      <a:round/>
+                      <a:headEnd len="sm" w="sm" type="none"/>
+                      <a:tailEnd len="sm" w="sm" type="none"/>
+                    </a:lnR>
+                    <a:lnT cap="flat" cmpd="sng" w="38100">
+                      <a:solidFill>
+                        <a:schemeClr val="lt1"/>
+                      </a:solidFill>
+                      <a:prstDash val="solid"/>
+                      <a:round/>
+                      <a:headEnd len="sm" w="sm" type="none"/>
+                      <a:tailEnd len="sm" w="sm" type="none"/>
+                    </a:lnT>
+                    <a:lnB cap="flat" cmpd="sng" w="38100">
+                      <a:solidFill>
+                        <a:schemeClr val="lt1"/>
+                      </a:solidFill>
+                      <a:prstDash val="solid"/>
+                      <a:round/>
+                      <a:headEnd len="sm" w="sm" type="none"/>
+                      <a:tailEnd len="sm" w="sm" type="none"/>
+                    </a:lnB>
+                    <a:solidFill>
+                      <a:schemeClr val="lt1"/>
+                    </a:solidFill>
+                  </a:tcPr>
+                </a:tc>
+                <a:tc>
+                  <a:txBody>
+                    <a:bodyPr/>
+                    <a:lstStyle/>
+                    <a:p>
+                      <a:pPr indent="0" lvl="0" marL="0" rtl="0" algn="ctr">
+                        <a:spcBef>
+                          <a:spcPts val="0"/>
+                        </a:spcBef>
+                        <a:spcAft>
+                          <a:spcPts val="0"/>
+                        </a:spcAft>
+                        <a:buNone/>
+                      </a:pPr>
+                      <a:r>
+                        <a:t/>
+                      </a:r>
+                      <a:endParaRPr b="1"/>
+                    </a:p>
+                  </a:txBody>
+                  <a:tcPr marT="91425" marB="91425" marR="91425" marL="91425" anchor="ctr">
+                    <a:lnL cap="flat" cmpd="sng" w="38100">
+                      <a:solidFill>
+                        <a:schemeClr val="lt1"/>
+                      </a:solidFill>
+                      <a:prstDash val="solid"/>
+                      <a:round/>
+                      <a:headEnd len="sm" w="sm" type="none"/>
+                      <a:tailEnd len="sm" w="sm" type="none"/>
+                    </a:lnL>
+                    <a:lnR cap="flat" cmpd="sng" w="38100">
+                      <a:solidFill>
+                        <a:schemeClr val="lt1"/>
+                      </a:solidFill>
+                      <a:prstDash val="solid"/>
+                      <a:round/>
+                      <a:headEnd len="sm" w="sm" type="none"/>
+                      <a:tailEnd len="sm" w="sm" type="none"/>
+                    </a:lnR>
+                    <a:lnT cap="flat" cmpd="sng" w="38100">
+                      <a:solidFill>
+                        <a:schemeClr val="lt1"/>
+                      </a:solidFill>
+                      <a:prstDash val="solid"/>
+                      <a:round/>
+                      <a:headEnd len="sm" w="sm" type="none"/>
+                      <a:tailEnd len="sm" w="sm" type="none"/>
+                    </a:lnT>
+                    <a:lnB cap="flat" cmpd="sng" w="38100">
+                      <a:solidFill>
+                        <a:schemeClr val="lt1"/>
+                      </a:solidFill>
+                      <a:prstDash val="solid"/>
+                      <a:round/>
+                      <a:headEnd len="sm" w="sm" type="none"/>
+                      <a:tailEnd len="sm" w="sm" type="none"/>
+                    </a:lnB>
+                    <a:solidFill>
+                      <a:schemeClr val="lt1"/>
+                    </a:solidFill>
+                  </a:tcPr>
+                </a:tc>
+              </a:tr>
+              <a:tr h="609600">
+                <a:tc vMerge="1"/>
+                <a:tc>
+                  <a:txBody>
+                    <a:bodyPr/>
+                    <a:lstStyle/>
+                    <a:p>
+                      <a:pPr indent="0" lvl="0" marL="0" rtl="0" algn="l">
+                        <a:spcBef>
+                          <a:spcPts val="0"/>
+                        </a:spcBef>
+                        <a:spcAft>
+                          <a:spcPts val="0"/>
+                        </a:spcAft>
+                        <a:buNone/>
+                      </a:pPr>
+                      <a:r>
+                        <a:t/>
+                      </a:r>
+                      <a:endParaRPr/>
+                    </a:p>
+                  </a:txBody>
+                  <a:tcPr marT="91425" marB="91425" marR="0" marL="0" anchor="ctr">
+                    <a:lnL cap="flat" cmpd="sng" w="38100">
+                      <a:solidFill>
+                        <a:schemeClr val="lt1"/>
+                      </a:solidFill>
+                      <a:prstDash val="solid"/>
+                      <a:round/>
+                      <a:headEnd len="sm" w="sm" type="none"/>
+                      <a:tailEnd len="sm" w="sm" type="none"/>
+                    </a:lnL>
+                    <a:lnR cap="flat" cmpd="sng" w="38100">
+                      <a:solidFill>
+                        <a:schemeClr val="lt1"/>
+                      </a:solidFill>
+                      <a:prstDash val="solid"/>
+                      <a:round/>
+                      <a:headEnd len="sm" w="sm" type="none"/>
+                      <a:tailEnd len="sm" w="sm" type="none"/>
+                    </a:lnR>
+                    <a:lnT cap="flat" cmpd="sng" w="38100">
+                      <a:solidFill>
+                        <a:schemeClr val="lt1"/>
+                      </a:solidFill>
+                      <a:prstDash val="solid"/>
+                      <a:round/>
+                      <a:headEnd len="sm" w="sm" type="none"/>
+                      <a:tailEnd len="sm" w="sm" type="none"/>
+                    </a:lnT>
+                    <a:lnB cap="flat" cmpd="sng" w="38100">
+                      <a:solidFill>
+                        <a:schemeClr val="lt1"/>
+                      </a:solidFill>
+                      <a:prstDash val="solid"/>
+                      <a:round/>
+                      <a:headEnd len="sm" w="sm" type="none"/>
+                      <a:tailEnd len="sm" w="sm" type="none"/>
+                    </a:lnB>
+                    <a:solidFill>
+                      <a:schemeClr val="lt2"/>
+                    </a:solidFill>
+                  </a:tcPr>
+                </a:tc>
+                <a:tc>
+                  <a:txBody>
+                    <a:bodyPr/>
+                    <a:lstStyle/>
+                    <a:p>
+                      <a:pPr indent="0" lvl="0" marL="0" rtl="0" algn="l">
+                        <a:spcBef>
+                          <a:spcPts val="0"/>
+                        </a:spcBef>
+                        <a:spcAft>
+                          <a:spcPts val="0"/>
+                        </a:spcAft>
+                        <a:buNone/>
+                      </a:pPr>
+                      <a:r>
+                        <a:t/>
+                      </a:r>
+                      <a:endParaRPr/>
+                    </a:p>
+                  </a:txBody>
+                  <a:tcPr marT="91425" marB="91425" marR="91425" marL="91425" anchor="ctr">
+                    <a:lnL cap="flat" cmpd="sng" w="38100">
+                      <a:solidFill>
+                        <a:schemeClr val="lt1"/>
+                      </a:solidFill>
+                      <a:prstDash val="solid"/>
+                      <a:round/>
+                      <a:headEnd len="sm" w="sm" type="none"/>
+                      <a:tailEnd len="sm" w="sm" type="none"/>
+                    </a:lnL>
+                    <a:lnR cap="flat" cmpd="sng" w="38100">
+                      <a:solidFill>
+                        <a:schemeClr val="lt1"/>
+                      </a:solidFill>
+                      <a:prstDash val="solid"/>
+                      <a:round/>
+                      <a:headEnd len="sm" w="sm" type="none"/>
+                      <a:tailEnd len="sm" w="sm" type="none"/>
+                    </a:lnR>
+                    <a:lnT cap="flat" cmpd="sng" w="38100">
+                      <a:solidFill>
+                        <a:schemeClr val="lt1"/>
+                      </a:solidFill>
+                      <a:prstDash val="solid"/>
+                      <a:round/>
+                      <a:headEnd len="sm" w="sm" type="none"/>
+                      <a:tailEnd len="sm" w="sm" type="none"/>
+                    </a:lnT>
+                    <a:lnB cap="flat" cmpd="sng" w="38100">
+                      <a:solidFill>
+                        <a:schemeClr val="lt1"/>
+                      </a:solidFill>
+                      <a:prstDash val="solid"/>
+                      <a:round/>
+                      <a:headEnd len="sm" w="sm" type="none"/>
+                      <a:tailEnd len="sm" w="sm" type="none"/>
+                    </a:lnB>
+                    <a:solidFill>
+                      <a:schemeClr val="accent1"/>
+                    </a:solidFill>
+                  </a:tcPr>
+                </a:tc>
+                <a:tc>
+                  <a:txBody>
+                    <a:bodyPr/>
+                    <a:lstStyle/>
+                    <a:p>
+                      <a:pPr indent="0" lvl="0" marL="0" rtl="0" algn="l">
+                        <a:spcBef>
+                          <a:spcPts val="0"/>
+                        </a:spcBef>
+                        <a:spcAft>
+                          <a:spcPts val="0"/>
+                        </a:spcAft>
+                        <a:buNone/>
+                      </a:pPr>
+                      <a:r>
+                        <a:t/>
+                      </a:r>
+                      <a:endParaRPr/>
+                    </a:p>
+                  </a:txBody>
+                  <a:tcPr marT="91425" marB="91425" marR="91425" marL="91425" anchor="ctr">
+                    <a:lnL cap="flat" cmpd="sng" w="38100">
+                      <a:solidFill>
+                        <a:schemeClr val="lt1"/>
+                      </a:solidFill>
+                      <a:prstDash val="solid"/>
+                      <a:round/>
+                      <a:headEnd len="sm" w="sm" type="none"/>
+                      <a:tailEnd len="sm" w="sm" type="none"/>
+                    </a:lnL>
+                    <a:lnR cap="flat" cmpd="sng" w="38100">
+                      <a:solidFill>
+                        <a:schemeClr val="lt1"/>
+                      </a:solidFill>
+                      <a:prstDash val="solid"/>
+                      <a:round/>
+                      <a:headEnd len="sm" w="sm" type="none"/>
+                      <a:tailEnd len="sm" w="sm" type="none"/>
+                    </a:lnR>
+                    <a:lnT cap="flat" cmpd="sng" w="38100">
+                      <a:solidFill>
+                        <a:schemeClr val="lt1"/>
+                      </a:solidFill>
+                      <a:prstDash val="solid"/>
+                      <a:round/>
+                      <a:headEnd len="sm" w="sm" type="none"/>
+                      <a:tailEnd len="sm" w="sm" type="none"/>
+                    </a:lnT>
+                    <a:lnB cap="flat" cmpd="sng" w="38100">
+                      <a:solidFill>
+                        <a:schemeClr val="lt1"/>
+                      </a:solidFill>
+                      <a:prstDash val="solid"/>
+                      <a:round/>
+                      <a:headEnd len="sm" w="sm" type="none"/>
+                      <a:tailEnd len="sm" w="sm" type="none"/>
+                    </a:lnB>
+                    <a:solidFill>
+                      <a:schemeClr val="accent1"/>
+                    </a:solidFill>
+                  </a:tcPr>
+                </a:tc>
+                <a:tc>
+                  <a:txBody>
+                    <a:bodyPr/>
+                    <a:lstStyle/>
+                    <a:p>
+                      <a:pPr indent="0" lvl="0" marL="0" rtl="0" algn="l">
+                        <a:spcBef>
+                          <a:spcPts val="0"/>
+                        </a:spcBef>
+                        <a:spcAft>
+                          <a:spcPts val="0"/>
+                        </a:spcAft>
+                        <a:buNone/>
+                      </a:pPr>
+                      <a:r>
+                        <a:t/>
+                      </a:r>
+                      <a:endParaRPr/>
+                    </a:p>
+                  </a:txBody>
+                  <a:tcPr marT="91425" marB="91425" marR="91425" marL="91425" anchor="ctr">
+                    <a:lnL cap="flat" cmpd="sng" w="38100">
+                      <a:solidFill>
+                        <a:schemeClr val="lt1"/>
+                      </a:solidFill>
+                      <a:prstDash val="solid"/>
+                      <a:round/>
+                      <a:headEnd len="sm" w="sm" type="none"/>
+                      <a:tailEnd len="sm" w="sm" type="none"/>
+                    </a:lnL>
+                    <a:lnR cap="flat" cmpd="sng" w="38100">
+                      <a:solidFill>
+                        <a:schemeClr val="lt1"/>
+                      </a:solidFill>
+                      <a:prstDash val="solid"/>
+                      <a:round/>
+                      <a:headEnd len="sm" w="sm" type="none"/>
+                      <a:tailEnd len="sm" w="sm" type="none"/>
+                    </a:lnR>
+                    <a:lnT cap="flat" cmpd="sng" w="38100">
+                      <a:solidFill>
+                        <a:schemeClr val="lt1"/>
+                      </a:solidFill>
+                      <a:prstDash val="solid"/>
+                      <a:round/>
+                      <a:headEnd len="sm" w="sm" type="none"/>
+                      <a:tailEnd len="sm" w="sm" type="none"/>
+                    </a:lnT>
+                    <a:lnB cap="flat" cmpd="sng" w="38100">
+                      <a:solidFill>
+                        <a:schemeClr val="lt1"/>
+                      </a:solidFill>
+                      <a:prstDash val="solid"/>
+                      <a:round/>
+                      <a:headEnd len="sm" w="sm" type="none"/>
+                      <a:tailEnd len="sm" w="sm" type="none"/>
+                    </a:lnB>
+                    <a:solidFill>
+                      <a:schemeClr val="accent1"/>
+                    </a:solidFill>
+                  </a:tcPr>
+                </a:tc>
+                <a:tc>
+                  <a:txBody>
+                    <a:bodyPr/>
+                    <a:lstStyle/>
+                    <a:p>
+                      <a:pPr indent="0" lvl="0" marL="0" rtl="0" algn="ctr">
+                        <a:spcBef>
+                          <a:spcPts val="0"/>
+                        </a:spcBef>
+                        <a:spcAft>
+                          <a:spcPts val="0"/>
+                        </a:spcAft>
+                        <a:buNone/>
+                      </a:pPr>
+                      <a:r>
+                        <a:t/>
+                      </a:r>
+                      <a:endParaRPr b="1"/>
+                    </a:p>
+                  </a:txBody>
+                  <a:tcPr marT="91425" marB="91425" marR="91425" marL="91425" anchor="ctr">
+                    <a:lnL cap="flat" cmpd="sng" w="38100">
+                      <a:solidFill>
+                        <a:schemeClr val="lt1"/>
+                      </a:solidFill>
+                      <a:prstDash val="solid"/>
+                      <a:round/>
+                      <a:headEnd len="sm" w="sm" type="none"/>
+                      <a:tailEnd len="sm" w="sm" type="none"/>
+                    </a:lnL>
+                    <a:lnR cap="flat" cmpd="sng" w="38100">
+                      <a:solidFill>
+                        <a:schemeClr val="lt1"/>
+                      </a:solidFill>
+                      <a:prstDash val="solid"/>
+                      <a:round/>
+                      <a:headEnd len="sm" w="sm" type="none"/>
+                      <a:tailEnd len="sm" w="sm" type="none"/>
+                    </a:lnR>
+                    <a:lnT cap="flat" cmpd="sng" w="38100">
+                      <a:solidFill>
+                        <a:schemeClr val="lt1"/>
+                      </a:solidFill>
+                      <a:prstDash val="solid"/>
+                      <a:round/>
+                      <a:headEnd len="sm" w="sm" type="none"/>
+                      <a:tailEnd len="sm" w="sm" type="none"/>
+                    </a:lnT>
+                    <a:lnB cap="flat" cmpd="sng" w="38100">
+                      <a:solidFill>
+                        <a:schemeClr val="lt1"/>
+                      </a:solidFill>
+                      <a:prstDash val="solid"/>
+                      <a:round/>
+                      <a:headEnd len="sm" w="sm" type="none"/>
+                      <a:tailEnd len="sm" w="sm" type="none"/>
+                    </a:lnB>
+                    <a:solidFill>
+                      <a:schemeClr val="accent1"/>
+                    </a:solidFill>
+                  </a:tcPr>
+                </a:tc>
+              </a:tr>
+              <a:tr h="609600">
+                <a:tc vMerge="1"/>
+                <a:tc>
+                  <a:txBody>
+                    <a:bodyPr/>
+                    <a:lstStyle/>
+                    <a:p>
+                      <a:pPr indent="0" lvl="0" marL="0" rtl="0" algn="l">
+                        <a:spcBef>
+                          <a:spcPts val="0"/>
+                        </a:spcBef>
+                        <a:spcAft>
+                          <a:spcPts val="0"/>
+                        </a:spcAft>
+                        <a:buNone/>
+                      </a:pPr>
+                      <a:r>
+                        <a:t/>
+                      </a:r>
+                      <a:endParaRPr/>
+                    </a:p>
+                  </a:txBody>
+                  <a:tcPr marT="91425" marB="91425" marR="0" marL="0" anchor="ctr">
+                    <a:lnL cap="flat" cmpd="sng" w="38100">
+                      <a:solidFill>
+                        <a:schemeClr val="lt1"/>
+                      </a:solidFill>
+                      <a:prstDash val="solid"/>
+                      <a:round/>
+                      <a:headEnd len="sm" w="sm" type="none"/>
+                      <a:tailEnd len="sm" w="sm" type="none"/>
+                    </a:lnL>
+                    <a:lnR cap="flat" cmpd="sng" w="38100">
+                      <a:solidFill>
+                        <a:schemeClr val="lt1"/>
+                      </a:solidFill>
+                      <a:prstDash val="solid"/>
+                      <a:round/>
+                      <a:headEnd len="sm" w="sm" type="none"/>
+                      <a:tailEnd len="sm" w="sm" type="none"/>
+                    </a:lnR>
+                    <a:lnT cap="flat" cmpd="sng" w="38100">
+                      <a:solidFill>
+                        <a:schemeClr val="lt1"/>
+                      </a:solidFill>
+                      <a:prstDash val="solid"/>
+                      <a:round/>
+                      <a:headEnd len="sm" w="sm" type="none"/>
+                      <a:tailEnd len="sm" w="sm" type="none"/>
+                    </a:lnT>
+                    <a:lnB cap="flat" cmpd="sng" w="38100">
+                      <a:solidFill>
+                        <a:schemeClr val="lt1"/>
+                      </a:solidFill>
+                      <a:prstDash val="solid"/>
+                      <a:round/>
+                      <a:headEnd len="sm" w="sm" type="none"/>
+                      <a:tailEnd len="sm" w="sm" type="none"/>
+                    </a:lnB>
+                    <a:solidFill>
+                      <a:schemeClr val="lt2"/>
+                    </a:solidFill>
+                  </a:tcPr>
+                </a:tc>
+                <a:tc>
+                  <a:txBody>
+                    <a:bodyPr/>
+                    <a:lstStyle/>
+                    <a:p>
+                      <a:pPr indent="0" lvl="0" marL="0" rtl="0" algn="l">
+                        <a:spcBef>
+                          <a:spcPts val="0"/>
+                        </a:spcBef>
+                        <a:spcAft>
+                          <a:spcPts val="0"/>
+                        </a:spcAft>
+                        <a:buNone/>
+                      </a:pPr>
+                      <a:r>
+                        <a:t/>
+                      </a:r>
+                      <a:endParaRPr/>
+                    </a:p>
+                  </a:txBody>
+                  <a:tcPr marT="91425" marB="91425" marR="91425" marL="91425" anchor="ctr">
+                    <a:lnL cap="flat" cmpd="sng" w="38100">
+                      <a:solidFill>
+                        <a:schemeClr val="lt1"/>
+                      </a:solidFill>
+                      <a:prstDash val="solid"/>
+                      <a:round/>
+                      <a:headEnd len="sm" w="sm" type="none"/>
+                      <a:tailEnd len="sm" w="sm" type="none"/>
+                    </a:lnL>
+                    <a:lnR cap="flat" cmpd="sng" w="38100">
+                      <a:solidFill>
+                        <a:schemeClr val="lt1"/>
+                      </a:solidFill>
+                      <a:prstDash val="solid"/>
+                      <a:round/>
+                      <a:headEnd len="sm" w="sm" type="none"/>
+                      <a:tailEnd len="sm" w="sm" type="none"/>
+                    </a:lnR>
+                    <a:lnT cap="flat" cmpd="sng" w="38100">
+                      <a:solidFill>
+                        <a:schemeClr val="lt1"/>
+                      </a:solidFill>
+                      <a:prstDash val="solid"/>
+                      <a:round/>
+                      <a:headEnd len="sm" w="sm" type="none"/>
+                      <a:tailEnd len="sm" w="sm" type="none"/>
+                    </a:lnT>
+                    <a:lnB cap="flat" cmpd="sng" w="38100">
+                      <a:solidFill>
+                        <a:schemeClr val="lt1"/>
+                      </a:solidFill>
+                      <a:prstDash val="solid"/>
+                      <a:round/>
+                      <a:headEnd len="sm" w="sm" type="none"/>
+                      <a:tailEnd len="sm" w="sm" type="none"/>
+                    </a:lnB>
+                    <a:solidFill>
+                      <a:schemeClr val="lt1"/>
+                    </a:solidFill>
+                  </a:tcPr>
+                </a:tc>
+                <a:tc>
+                  <a:txBody>
+                    <a:bodyPr/>
+                    <a:lstStyle/>
+                    <a:p>
+                      <a:pPr indent="0" lvl="0" marL="0" rtl="0" algn="l">
+                        <a:spcBef>
+                          <a:spcPts val="0"/>
+                        </a:spcBef>
+                        <a:spcAft>
+                          <a:spcPts val="0"/>
+                        </a:spcAft>
+                        <a:buNone/>
+                      </a:pPr>
+                      <a:r>
+                        <a:t/>
+                      </a:r>
+                      <a:endParaRPr/>
+                    </a:p>
+                  </a:txBody>
+                  <a:tcPr marT="91425" marB="91425" marR="91425" marL="91425" anchor="ctr">
+                    <a:lnL cap="flat" cmpd="sng" w="38100">
+                      <a:solidFill>
+                        <a:schemeClr val="lt1"/>
+                      </a:solidFill>
+                      <a:prstDash val="solid"/>
+                      <a:round/>
+                      <a:headEnd len="sm" w="sm" type="none"/>
+                      <a:tailEnd len="sm" w="sm" type="none"/>
+                    </a:lnL>
+                    <a:lnR cap="flat" cmpd="sng" w="38100">
+                      <a:solidFill>
+                        <a:schemeClr val="lt1"/>
+                      </a:solidFill>
+                      <a:prstDash val="solid"/>
+                      <a:round/>
+                      <a:headEnd len="sm" w="sm" type="none"/>
+                      <a:tailEnd len="sm" w="sm" type="none"/>
+                    </a:lnR>
+                    <a:lnT cap="flat" cmpd="sng" w="38100">
+                      <a:solidFill>
+                        <a:schemeClr val="lt1"/>
+                      </a:solidFill>
+                      <a:prstDash val="solid"/>
+                      <a:round/>
+                      <a:headEnd len="sm" w="sm" type="none"/>
+                      <a:tailEnd len="sm" w="sm" type="none"/>
+                    </a:lnT>
+                    <a:lnB cap="flat" cmpd="sng" w="38100">
+                      <a:solidFill>
+                        <a:schemeClr val="lt1"/>
+                      </a:solidFill>
+                      <a:prstDash val="solid"/>
+                      <a:round/>
+                      <a:headEnd len="sm" w="sm" type="none"/>
+                      <a:tailEnd len="sm" w="sm" type="none"/>
+                    </a:lnB>
+                    <a:solidFill>
+                      <a:schemeClr val="lt1"/>
+                    </a:solidFill>
+                  </a:tcPr>
+                </a:tc>
+                <a:tc>
+                  <a:txBody>
+                    <a:bodyPr/>
+                    <a:lstStyle/>
+                    <a:p>
+                      <a:pPr indent="0" lvl="0" marL="0" rtl="0" algn="l">
+                        <a:spcBef>
+                          <a:spcPts val="0"/>
+                        </a:spcBef>
+                        <a:spcAft>
+                          <a:spcPts val="0"/>
+                        </a:spcAft>
+                        <a:buNone/>
+                      </a:pPr>
+                      <a:r>
+                        <a:t/>
+                      </a:r>
+                      <a:endParaRPr/>
+                    </a:p>
+                  </a:txBody>
+                  <a:tcPr marT="91425" marB="91425" marR="91425" marL="91425" anchor="ctr">
+                    <a:lnL cap="flat" cmpd="sng" w="38100">
+                      <a:solidFill>
+                        <a:schemeClr val="lt1"/>
+                      </a:solidFill>
+                      <a:prstDash val="solid"/>
+                      <a:round/>
+                      <a:headEnd len="sm" w="sm" type="none"/>
+                      <a:tailEnd len="sm" w="sm" type="none"/>
+                    </a:lnL>
+                    <a:lnR cap="flat" cmpd="sng" w="38100">
+                      <a:solidFill>
+                        <a:schemeClr val="lt1"/>
+                      </a:solidFill>
+                      <a:prstDash val="solid"/>
+                      <a:round/>
+                      <a:headEnd len="sm" w="sm" type="none"/>
+                      <a:tailEnd len="sm" w="sm" type="none"/>
+                    </a:lnR>
+                    <a:lnT cap="flat" cmpd="sng" w="38100">
+                      <a:solidFill>
+                        <a:schemeClr val="lt1"/>
+                      </a:solidFill>
+                      <a:prstDash val="solid"/>
+                      <a:round/>
+                      <a:headEnd len="sm" w="sm" type="none"/>
+                      <a:tailEnd len="sm" w="sm" type="none"/>
+                    </a:lnT>
+                    <a:lnB cap="flat" cmpd="sng" w="38100">
+                      <a:solidFill>
+                        <a:schemeClr val="lt1"/>
+                      </a:solidFill>
+                      <a:prstDash val="solid"/>
+                      <a:round/>
+                      <a:headEnd len="sm" w="sm" type="none"/>
+                      <a:tailEnd len="sm" w="sm" type="none"/>
+                    </a:lnB>
+                    <a:solidFill>
+                      <a:schemeClr val="lt1"/>
+                    </a:solidFill>
+                  </a:tcPr>
+                </a:tc>
+                <a:tc>
+                  <a:txBody>
+                    <a:bodyPr/>
+                    <a:lstStyle/>
+                    <a:p>
+                      <a:pPr indent="0" lvl="0" marL="0" rtl="0" algn="ctr">
+                        <a:spcBef>
+                          <a:spcPts val="0"/>
+                        </a:spcBef>
+                        <a:spcAft>
+                          <a:spcPts val="0"/>
+                        </a:spcAft>
+                        <a:buNone/>
+                      </a:pPr>
+                      <a:r>
+                        <a:t/>
+                      </a:r>
+                      <a:endParaRPr b="1"/>
+                    </a:p>
+                  </a:txBody>
+                  <a:tcPr marT="91425" marB="91425" marR="91425" marL="91425" anchor="ctr">
+                    <a:lnL cap="flat" cmpd="sng" w="38100">
+                      <a:solidFill>
+                        <a:schemeClr val="lt1"/>
+                      </a:solidFill>
+                      <a:prstDash val="solid"/>
+                      <a:round/>
+                      <a:headEnd len="sm" w="sm" type="none"/>
+                      <a:tailEnd len="sm" w="sm" type="none"/>
+                    </a:lnL>
+                    <a:lnR cap="flat" cmpd="sng" w="38100">
+                      <a:solidFill>
+                        <a:schemeClr val="lt1"/>
+                      </a:solidFill>
+                      <a:prstDash val="solid"/>
+                      <a:round/>
+                      <a:headEnd len="sm" w="sm" type="none"/>
+                      <a:tailEnd len="sm" w="sm" type="none"/>
+                    </a:lnR>
+                    <a:lnT cap="flat" cmpd="sng" w="38100">
+                      <a:solidFill>
+                        <a:schemeClr val="lt1"/>
+                      </a:solidFill>
+                      <a:prstDash val="solid"/>
+                      <a:round/>
+                      <a:headEnd len="sm" w="sm" type="none"/>
+                      <a:tailEnd len="sm" w="sm" type="none"/>
+                    </a:lnT>
+                    <a:lnB cap="flat" cmpd="sng" w="38100">
+                      <a:solidFill>
+                        <a:schemeClr val="lt1"/>
+                      </a:solidFill>
+                      <a:prstDash val="solid"/>
+                      <a:round/>
+                      <a:headEnd len="sm" w="sm" type="none"/>
+                      <a:tailEnd len="sm" w="sm" type="none"/>
+                    </a:lnB>
+                    <a:solidFill>
+                      <a:schemeClr val="lt1"/>
+                    </a:solidFill>
+                  </a:tcPr>
+                </a:tc>
+              </a:tr>
+            </a:tbl>
+          </a:graphicData>
+        </a:graphic>
+      </p:graphicFrame>
       <p:sp>
         <p:nvSpPr>
           <p:cNvPr id="72" name="Google Shape;72;p13"/>
@@ -9869,7 +12573,7 @@
                 <a:solidFill>
                   <a:schemeClr val="hlink"/>
                 </a:solidFill>
-                <a:hlinkClick r:id="rId5"/>
+                <a:hlinkClick r:id="rId3"/>
               </a:rPr>
               <a:t>https://profriehle.com</a:t>
             </a:r>
@@ -9880,6 +12584,64 @@
                 </a:solidFill>
               </a:rPr>
               <a:t> </a:t>
+            </a:r>
+            <a:endParaRPr/>
+          </a:p>
+        </p:txBody>
+      </p:sp>
+      <p:sp>
+        <p:nvSpPr>
+          <p:cNvPr id="73" name="Google Shape;73;p13"/>
+          <p:cNvSpPr txBox="1"/>
+          <p:nvPr/>
+        </p:nvSpPr>
+        <p:spPr>
+          <a:xfrm>
+            <a:off x="0" y="4233672"/>
+            <a:ext cx="7315200" cy="914400"/>
+          </a:xfrm>
+          <a:prstGeom prst="rect">
+            <a:avLst/>
+          </a:prstGeom>
+          <a:noFill/>
+          <a:ln>
+            <a:noFill/>
+          </a:ln>
+        </p:spPr>
+        <p:txBody>
+          <a:bodyPr anchorCtr="0" anchor="b" bIns="91425" lIns="91425" spcFirstLastPara="1" rIns="91425" wrap="square" tIns="91425">
+            <a:noAutofit/>
+          </a:bodyPr>
+          <a:lstStyle/>
+          <a:p>
+            <a:pPr indent="0" lvl="0" marL="0" rtl="0" algn="l">
+              <a:spcBef>
+                <a:spcPts val="0"/>
+              </a:spcBef>
+              <a:spcAft>
+                <a:spcPts val="0"/>
+              </a:spcAft>
+              <a:buNone/>
+            </a:pPr>
+            <a:r>
+              <a:rPr lang="en"/>
+              <a:t>x = available</a:t>
+            </a:r>
+            <a:endParaRPr/>
+          </a:p>
+          <a:p>
+            <a:pPr indent="0" lvl="0" marL="0" rtl="0" algn="l">
+              <a:spcBef>
+                <a:spcPts val="0"/>
+              </a:spcBef>
+              <a:spcAft>
+                <a:spcPts val="0"/>
+              </a:spcAft>
+              <a:buNone/>
+            </a:pPr>
+            <a:r>
+              <a:rPr lang="en"/>
+              <a:t>– = not available</a:t>
             </a:r>
             <a:endParaRPr/>
           </a:p>
@@ -9898,7 +12660,7 @@
   <p:cSld>
     <p:spTree>
       <p:nvGrpSpPr>
-        <p:cNvPr id="76" name="Shape 76"/>
+        <p:cNvPr id="77" name="Shape 77"/>
         <p:cNvGrpSpPr/>
         <p:nvPr/>
       </p:nvGrpSpPr>
@@ -9910,238 +12672,6 @@
           <a:chExt cx="0" cy="0"/>
         </a:xfrm>
       </p:grpSpPr>
-      <p:sp>
-        <p:nvSpPr>
-          <p:cNvPr id="77" name="Google Shape;77;p14"/>
-          <p:cNvSpPr txBox="1"/>
-          <p:nvPr>
-            <p:ph idx="1" type="body"/>
-          </p:nvPr>
-        </p:nvSpPr>
-        <p:spPr>
-          <a:xfrm>
-            <a:off x="274320" y="914400"/>
-            <a:ext cx="8595300" cy="4114800"/>
-          </a:xfrm>
-          <a:prstGeom prst="rect">
-            <a:avLst/>
-          </a:prstGeom>
-        </p:spPr>
-        <p:txBody>
-          <a:bodyPr anchorCtr="0" anchor="t" bIns="0" lIns="0" spcFirstLastPara="1" rIns="0" wrap="square" tIns="0">
-            <a:noAutofit/>
-          </a:bodyPr>
-          <a:lstStyle/>
-          <a:p>
-            <a:pPr indent="0" lvl="0" marL="0" rtl="0" algn="l">
-              <a:spcBef>
-                <a:spcPts val="0"/>
-              </a:spcBef>
-              <a:spcAft>
-                <a:spcPts val="0"/>
-              </a:spcAft>
-              <a:buNone/>
-            </a:pPr>
-            <a:r>
-              <a:rPr b="1" lang="en"/>
-              <a:t>Scrum Master</a:t>
-            </a:r>
-            <a:r>
-              <a:rPr lang="en"/>
-              <a:t> = 50% of grade</a:t>
-            </a:r>
-            <a:endParaRPr/>
-          </a:p>
-          <a:p>
-            <a:pPr indent="-342900" lvl="0" marL="457200" rtl="0" algn="l">
-              <a:spcBef>
-                <a:spcPts val="1200"/>
-              </a:spcBef>
-              <a:spcAft>
-                <a:spcPts val="0"/>
-              </a:spcAft>
-              <a:buSzPts val="1800"/>
-              <a:buChar char="●"/>
-            </a:pPr>
-            <a:r>
-              <a:rPr lang="en"/>
-              <a:t>Individual contribution to teamwork = 50%</a:t>
-            </a:r>
-            <a:endParaRPr/>
-          </a:p>
-          <a:p>
-            <a:pPr indent="-317500" lvl="1" marL="914400" rtl="0" algn="l">
-              <a:spcBef>
-                <a:spcPts val="0"/>
-              </a:spcBef>
-              <a:spcAft>
-                <a:spcPts val="0"/>
-              </a:spcAft>
-              <a:buSzPts val="1400"/>
-              <a:buChar char="○"/>
-            </a:pPr>
-            <a:r>
-              <a:rPr lang="en"/>
-              <a:t>As measured in team meetings</a:t>
-            </a:r>
-            <a:endParaRPr/>
-          </a:p>
-          <a:p>
-            <a:pPr indent="-317500" lvl="1" marL="914400" rtl="0" algn="l">
-              <a:spcBef>
-                <a:spcPts val="0"/>
-              </a:spcBef>
-              <a:spcAft>
-                <a:spcPts val="0"/>
-              </a:spcAft>
-              <a:buSzPts val="1400"/>
-              <a:buChar char="○"/>
-            </a:pPr>
-            <a:r>
-              <a:rPr lang="en"/>
-              <a:t>Grading scale is [0|1|2|3]</a:t>
-            </a:r>
-            <a:endParaRPr/>
-          </a:p>
-          <a:p>
-            <a:pPr indent="-342900" lvl="0" marL="457200" rtl="0" algn="l">
-              <a:spcBef>
-                <a:spcPts val="0"/>
-              </a:spcBef>
-              <a:spcAft>
-                <a:spcPts val="0"/>
-              </a:spcAft>
-              <a:buSzPts val="1800"/>
-              <a:buChar char="●"/>
-            </a:pPr>
-            <a:r>
-              <a:rPr lang="en"/>
-              <a:t>Independent work = 50%</a:t>
-            </a:r>
-            <a:endParaRPr/>
-          </a:p>
-          <a:p>
-            <a:pPr indent="-317500" lvl="1" marL="914400" rtl="0" algn="l">
-              <a:spcBef>
-                <a:spcPts val="0"/>
-              </a:spcBef>
-              <a:spcAft>
-                <a:spcPts val="0"/>
-              </a:spcAft>
-              <a:buSzPts val="1400"/>
-              <a:buChar char="○"/>
-            </a:pPr>
-            <a:r>
-              <a:rPr lang="en"/>
-              <a:t>As measured by artifacts provided</a:t>
-            </a:r>
-            <a:endParaRPr/>
-          </a:p>
-          <a:p>
-            <a:pPr indent="-317500" lvl="1" marL="914400" rtl="0" algn="l">
-              <a:spcBef>
-                <a:spcPts val="0"/>
-              </a:spcBef>
-              <a:spcAft>
-                <a:spcPts val="0"/>
-              </a:spcAft>
-              <a:buSzPts val="1400"/>
-              <a:buChar char="○"/>
-            </a:pPr>
-            <a:r>
-              <a:rPr lang="en"/>
-              <a:t>Grading scale is [0|1|2|3]</a:t>
-            </a:r>
-            <a:endParaRPr/>
-          </a:p>
-          <a:p>
-            <a:pPr indent="0" lvl="0" marL="0" rtl="0" algn="l">
-              <a:spcBef>
-                <a:spcPts val="1200"/>
-              </a:spcBef>
-              <a:spcAft>
-                <a:spcPts val="0"/>
-              </a:spcAft>
-              <a:buNone/>
-            </a:pPr>
-            <a:r>
-              <a:rPr b="1" lang="en"/>
-              <a:t>Workshop facilitator</a:t>
-            </a:r>
-            <a:r>
-              <a:rPr lang="en"/>
-              <a:t> = 50% of grade</a:t>
-            </a:r>
-            <a:endParaRPr/>
-          </a:p>
-          <a:p>
-            <a:pPr indent="-342900" lvl="0" marL="457200" rtl="0" algn="l">
-              <a:spcBef>
-                <a:spcPts val="1200"/>
-              </a:spcBef>
-              <a:spcAft>
-                <a:spcPts val="0"/>
-              </a:spcAft>
-              <a:buSzPts val="1800"/>
-              <a:buChar char="●"/>
-            </a:pPr>
-            <a:r>
-              <a:rPr lang="en"/>
-              <a:t>Workshop concept (30%)</a:t>
-            </a:r>
-            <a:endParaRPr/>
-          </a:p>
-          <a:p>
-            <a:pPr indent="-342900" lvl="0" marL="457200" rtl="0" algn="l">
-              <a:spcBef>
-                <a:spcPts val="0"/>
-              </a:spcBef>
-              <a:spcAft>
-                <a:spcPts val="0"/>
-              </a:spcAft>
-              <a:buSzPts val="1800"/>
-              <a:buChar char="●"/>
-            </a:pPr>
-            <a:r>
-              <a:rPr lang="en"/>
-              <a:t>Workshop feedback (40%)</a:t>
-            </a:r>
-            <a:endParaRPr/>
-          </a:p>
-          <a:p>
-            <a:pPr indent="-342900" lvl="0" marL="457200" rtl="0" algn="l">
-              <a:spcBef>
-                <a:spcPts val="0"/>
-              </a:spcBef>
-              <a:spcAft>
-                <a:spcPts val="0"/>
-              </a:spcAft>
-              <a:buSzPts val="1800"/>
-              <a:buChar char="●"/>
-            </a:pPr>
-            <a:r>
-              <a:rPr lang="en"/>
-              <a:t>Workshop report (30%)</a:t>
-            </a:r>
-            <a:endParaRPr/>
-          </a:p>
-          <a:p>
-            <a:pPr indent="0" lvl="0" marL="0" rtl="0" algn="l">
-              <a:spcBef>
-                <a:spcPts val="1200"/>
-              </a:spcBef>
-              <a:spcAft>
-                <a:spcPts val="1200"/>
-              </a:spcAft>
-              <a:buNone/>
-            </a:pPr>
-            <a:r>
-              <a:t/>
-            </a:r>
-            <a:endParaRPr/>
-          </a:p>
-        </p:txBody>
-      </p:sp>
       <p:sp>
         <p:nvSpPr>
           <p:cNvPr id="78" name="Google Shape;78;p14"/>
@@ -10176,7 +12706,7 @@
             </a:pPr>
             <a:r>
               <a:rPr lang="en"/>
-              <a:t>Course Grading</a:t>
+              <a:t>The Two Tasks of a COACH Student</a:t>
             </a:r>
             <a:endParaRPr/>
           </a:p>
@@ -10185,6 +12715,122 @@
       <p:sp>
         <p:nvSpPr>
           <p:cNvPr id="79" name="Google Shape;79;p14"/>
+          <p:cNvSpPr txBox="1"/>
+          <p:nvPr>
+            <p:ph idx="1" type="body"/>
+          </p:nvPr>
+        </p:nvSpPr>
+        <p:spPr>
+          <a:xfrm>
+            <a:off x="274320" y="914400"/>
+            <a:ext cx="8595300" cy="4114800"/>
+          </a:xfrm>
+          <a:prstGeom prst="rect">
+            <a:avLst/>
+          </a:prstGeom>
+        </p:spPr>
+        <p:txBody>
+          <a:bodyPr anchorCtr="0" anchor="t" bIns="0" lIns="0" spcFirstLastPara="1" rIns="0" wrap="square" tIns="0">
+            <a:noAutofit/>
+          </a:bodyPr>
+          <a:lstStyle/>
+          <a:p>
+            <a:pPr indent="0" lvl="0" marL="0" rtl="0" algn="l">
+              <a:spcBef>
+                <a:spcPts val="0"/>
+              </a:spcBef>
+              <a:spcAft>
+                <a:spcPts val="0"/>
+              </a:spcAft>
+              <a:buNone/>
+            </a:pPr>
+            <a:r>
+              <a:rPr lang="en"/>
+              <a:t>As the Scrum Master</a:t>
+            </a:r>
+            <a:endParaRPr/>
+          </a:p>
+          <a:p>
+            <a:pPr indent="-342900" lvl="0" marL="457200" rtl="0" algn="l">
+              <a:spcBef>
+                <a:spcPts val="1200"/>
+              </a:spcBef>
+              <a:spcAft>
+                <a:spcPts val="0"/>
+              </a:spcAft>
+              <a:buSzPts val="1800"/>
+              <a:buChar char="●"/>
+            </a:pPr>
+            <a:r>
+              <a:rPr lang="en"/>
+              <a:t>Coach team using </a:t>
+            </a:r>
+            <a:r>
+              <a:rPr lang="en" u="sng">
+                <a:solidFill>
+                  <a:schemeClr val="hlink"/>
+                </a:solidFill>
+                <a:hlinkClick r:id="rId3"/>
+              </a:rPr>
+              <a:t>agile capabilities timeline</a:t>
+            </a:r>
+            <a:r>
+              <a:rPr lang="en"/>
+              <a:t> (</a:t>
+            </a:r>
+            <a:r>
+              <a:rPr lang="en" u="sng">
+                <a:solidFill>
+                  <a:schemeClr val="hlink"/>
+                </a:solidFill>
+                <a:hlinkClick r:id="rId4"/>
+              </a:rPr>
+              <a:t>explanation</a:t>
+            </a:r>
+            <a:r>
+              <a:rPr lang="en"/>
+              <a:t>)</a:t>
+            </a:r>
+            <a:endParaRPr/>
+          </a:p>
+          <a:p>
+            <a:pPr indent="0" lvl="0" marL="0" rtl="0" algn="l">
+              <a:spcBef>
+                <a:spcPts val="1200"/>
+              </a:spcBef>
+              <a:spcAft>
+                <a:spcPts val="0"/>
+              </a:spcAft>
+              <a:buNone/>
+            </a:pPr>
+            <a:r>
+              <a:rPr lang="en"/>
+              <a:t>As a workshop facilitator</a:t>
+            </a:r>
+            <a:endParaRPr/>
+          </a:p>
+          <a:p>
+            <a:pPr indent="-342900" lvl="0" marL="457200" rtl="0" algn="l">
+              <a:spcBef>
+                <a:spcPts val="1200"/>
+              </a:spcBef>
+              <a:spcAft>
+                <a:spcPts val="0"/>
+              </a:spcAft>
+              <a:buSzPts val="1800"/>
+              <a:buChar char="●"/>
+            </a:pPr>
+            <a:r>
+              <a:rPr lang="en"/>
+              <a:t>Prepare and hold workshop for your AMOS team</a:t>
+            </a:r>
+            <a:endParaRPr/>
+          </a:p>
+        </p:txBody>
+      </p:sp>
+      <p:sp>
+        <p:nvSpPr>
+          <p:cNvPr id="80" name="Google Shape;80;p14"/>
           <p:cNvSpPr txBox="1"/>
           <p:nvPr>
             <p:ph idx="12" type="sldNum"/>
@@ -10235,7 +12881,7 @@
                 <a:solidFill>
                   <a:schemeClr val="hlink"/>
                 </a:solidFill>
-                <a:hlinkClick r:id="rId3"/>
+                <a:hlinkClick r:id="rId5"/>
               </a:rPr>
               <a:t>https://profriehle.com</a:t>
             </a:r>
@@ -10264,7 +12910,7 @@
   <p:cSld>
     <p:spTree>
       <p:nvGrpSpPr>
-        <p:cNvPr id="83" name="Shape 83"/>
+        <p:cNvPr id="84" name="Shape 84"/>
         <p:cNvGrpSpPr/>
         <p:nvPr/>
       </p:nvGrpSpPr>
@@ -10276,46 +12922,6 @@
           <a:chExt cx="0" cy="0"/>
         </a:xfrm>
       </p:grpSpPr>
-      <p:sp>
-        <p:nvSpPr>
-          <p:cNvPr id="84" name="Google Shape;84;p15"/>
-          <p:cNvSpPr txBox="1"/>
-          <p:nvPr>
-            <p:ph type="title"/>
-          </p:nvPr>
-        </p:nvSpPr>
-        <p:spPr>
-          <a:xfrm>
-            <a:off x="0" y="0"/>
-            <a:ext cx="9144000" cy="685800"/>
-          </a:xfrm>
-          <a:prstGeom prst="rect">
-            <a:avLst/>
-          </a:prstGeom>
-        </p:spPr>
-        <p:txBody>
-          <a:bodyPr anchorCtr="0" anchor="ctr" bIns="91425" lIns="274300" spcFirstLastPara="1" rIns="91425" wrap="square" tIns="91425">
-            <a:noAutofit/>
-          </a:bodyPr>
-          <a:lstStyle/>
-          <a:p>
-            <a:pPr indent="0" lvl="0" marL="0" rtl="0" algn="l">
-              <a:spcBef>
-                <a:spcPts val="0"/>
-              </a:spcBef>
-              <a:spcAft>
-                <a:spcPts val="0"/>
-              </a:spcAft>
-              <a:buNone/>
-            </a:pPr>
-            <a:r>
-              <a:rPr lang="en"/>
-              <a:t>Receiving a Grade for the Course</a:t>
-            </a:r>
-            <a:endParaRPr/>
-          </a:p>
-        </p:txBody>
-      </p:sp>
       <p:sp>
         <p:nvSpPr>
           <p:cNvPr id="85" name="Google Shape;85;p15"/>
@@ -10346,26 +12952,17 @@
               <a:spcAft>
                 <a:spcPts val="0"/>
               </a:spcAft>
-              <a:buClr>
-                <a:schemeClr val="dk1"/>
-              </a:buClr>
-              <a:buSzPts val="1100"/>
-              <a:buFont typeface="Arial"/>
-              <a:buNone/>
-            </a:pPr>
-            <a:r>
-              <a:rPr lang="en">
-                <a:solidFill>
-                  <a:schemeClr val="dk1"/>
-                </a:solidFill>
-              </a:rPr>
-              <a:t>If you want to receive a grade</a:t>
-            </a:r>
-            <a:endParaRPr>
-              <a:solidFill>
-                <a:schemeClr val="dk1"/>
-              </a:solidFill>
-            </a:endParaRPr>
+              <a:buNone/>
+            </a:pPr>
+            <a:r>
+              <a:rPr b="1" lang="en"/>
+              <a:t>Scrum Master</a:t>
+            </a:r>
+            <a:r>
+              <a:rPr lang="en"/>
+              <a:t> = 50% of grade</a:t>
+            </a:r>
+            <a:endParaRPr/>
           </a:p>
           <a:p>
             <a:pPr indent="-342900" lvl="0" marL="457200" rtl="0" algn="l">
@@ -10375,37 +12972,14 @@
               <a:spcAft>
                 <a:spcPts val="0"/>
               </a:spcAft>
-              <a:buClr>
-                <a:schemeClr val="dk1"/>
-              </a:buClr>
               <a:buSzPts val="1800"/>
               <a:buChar char="●"/>
             </a:pPr>
             <a:r>
-              <a:rPr lang="en">
-                <a:solidFill>
-                  <a:schemeClr val="dk1"/>
-                </a:solidFill>
-              </a:rPr>
-              <a:t>You must register through </a:t>
-            </a:r>
-            <a:r>
               <a:rPr lang="en"/>
-              <a:t>your university’s</a:t>
-            </a:r>
-            <a:r>
-              <a:rPr lang="en">
-                <a:solidFill>
-                  <a:schemeClr val="dk1"/>
-                </a:solidFill>
-              </a:rPr>
-              <a:t> exam registration system</a:t>
-            </a:r>
-            <a:endParaRPr>
-              <a:solidFill>
-                <a:schemeClr val="dk1"/>
-              </a:solidFill>
-            </a:endParaRPr>
+              <a:t>Individual contribution to teamwork = 50%</a:t>
+            </a:r>
+            <a:endParaRPr/>
           </a:p>
           <a:p>
             <a:pPr indent="-317500" lvl="1" marL="914400" rtl="0" algn="l">
@@ -10415,17 +12989,14 @@
               <a:spcAft>
                 <a:spcPts val="0"/>
               </a:spcAft>
-              <a:buClr>
-                <a:schemeClr val="dk2"/>
-              </a:buClr>
               <a:buSzPts val="1400"/>
               <a:buChar char="○"/>
             </a:pPr>
             <a:r>
-              <a:rPr b="1" lang="en" sz="1400"/>
-              <a:t>Your degree program may have split the course into two (VL + UE)</a:t>
-            </a:r>
-            <a:endParaRPr b="1" sz="1400"/>
+              <a:rPr lang="en"/>
+              <a:t>As measured in team meetings</a:t>
+            </a:r>
+            <a:endParaRPr/>
           </a:p>
           <a:p>
             <a:pPr indent="-317500" lvl="1" marL="914400" rtl="0" algn="l">
@@ -10435,21 +13006,31 @@
               <a:spcAft>
                 <a:spcPts val="0"/>
               </a:spcAft>
-              <a:buClr>
-                <a:schemeClr val="dk2"/>
-              </a:buClr>
               <a:buSzPts val="1400"/>
               <a:buChar char="○"/>
             </a:pPr>
             <a:r>
-              <a:rPr b="1" lang="en"/>
-              <a:t>The exam r</a:t>
-            </a:r>
-            <a:r>
-              <a:rPr b="1" lang="en" sz="1400"/>
-              <a:t>egistration system is different from the course management system</a:t>
-            </a:r>
-            <a:endParaRPr b="1" sz="1400"/>
+              <a:rPr lang="en"/>
+              <a:t>Grading scale is [0|1|2|3]</a:t>
+            </a:r>
+            <a:endParaRPr/>
+          </a:p>
+          <a:p>
+            <a:pPr indent="-342900" lvl="0" marL="457200" rtl="0" algn="l">
+              <a:spcBef>
+                <a:spcPts val="0"/>
+              </a:spcBef>
+              <a:spcAft>
+                <a:spcPts val="0"/>
+              </a:spcAft>
+              <a:buSzPts val="1800"/>
+              <a:buChar char="●"/>
+            </a:pPr>
+            <a:r>
+              <a:rPr lang="en"/>
+              <a:t>Independent work = 50%</a:t>
+            </a:r>
+            <a:endParaRPr/>
           </a:p>
           <a:p>
             <a:pPr indent="-317500" lvl="1" marL="914400" rtl="0" algn="l">
@@ -10459,17 +13040,31 @@
               <a:spcAft>
                 <a:spcPts val="0"/>
               </a:spcAft>
-              <a:buClr>
-                <a:schemeClr val="dk2"/>
-              </a:buClr>
               <a:buSzPts val="1400"/>
               <a:buChar char="○"/>
             </a:pPr>
             <a:r>
-              <a:rPr b="1" lang="en" sz="1400"/>
-              <a:t>Please check asap that the course is available in your degree program!</a:t>
-            </a:r>
-            <a:endParaRPr b="1" sz="1400"/>
+              <a:rPr lang="en"/>
+              <a:t>As measured by artifacts provided</a:t>
+            </a:r>
+            <a:endParaRPr/>
+          </a:p>
+          <a:p>
+            <a:pPr indent="-317500" lvl="1" marL="914400" rtl="0" algn="l">
+              <a:spcBef>
+                <a:spcPts val="0"/>
+              </a:spcBef>
+              <a:spcAft>
+                <a:spcPts val="0"/>
+              </a:spcAft>
+              <a:buSzPts val="1400"/>
+              <a:buChar char="○"/>
+            </a:pPr>
+            <a:r>
+              <a:rPr lang="en"/>
+              <a:t>Grading scale is [0|1|2|3]</a:t>
+            </a:r>
+            <a:endParaRPr/>
           </a:p>
           <a:p>
             <a:pPr indent="0" lvl="0" marL="0" rtl="0" algn="l">
@@ -10479,26 +13074,17 @@
               <a:spcAft>
                 <a:spcPts val="0"/>
               </a:spcAft>
-              <a:buClr>
-                <a:schemeClr val="dk1"/>
-              </a:buClr>
-              <a:buSzPts val="1100"/>
-              <a:buFont typeface="Arial"/>
-              <a:buNone/>
-            </a:pPr>
-            <a:r>
-              <a:rPr lang="en">
-                <a:solidFill>
-                  <a:schemeClr val="dk1"/>
-                </a:solidFill>
-              </a:rPr>
-              <a:t>If you cannot register through the exam registration system</a:t>
-            </a:r>
-            <a:endParaRPr>
-              <a:solidFill>
-                <a:schemeClr val="dk1"/>
-              </a:solidFill>
-            </a:endParaRPr>
+              <a:buNone/>
+            </a:pPr>
+            <a:r>
+              <a:rPr b="1" lang="en"/>
+              <a:t>Workshop facilitator</a:t>
+            </a:r>
+            <a:r>
+              <a:rPr lang="en"/>
+              <a:t> = 50% of grade</a:t>
+            </a:r>
+            <a:endParaRPr/>
           </a:p>
           <a:p>
             <a:pPr indent="-342900" lvl="0" marL="457200" rtl="0" algn="l">
@@ -10508,77 +13094,48 @@
               <a:spcAft>
                 <a:spcPts val="0"/>
               </a:spcAft>
-              <a:buClr>
-                <a:schemeClr val="dk1"/>
-              </a:buClr>
               <a:buSzPts val="1800"/>
               <a:buChar char="●"/>
             </a:pPr>
             <a:r>
-              <a:rPr lang="en">
-                <a:solidFill>
-                  <a:schemeClr val="dk1"/>
-                </a:solidFill>
-              </a:rPr>
-              <a:t>Please follow the instructions at </a:t>
-            </a:r>
-            <a:r>
-              <a:rPr lang="en" u="sng">
-                <a:solidFill>
-                  <a:srgbClr val="34A3C5"/>
-                </a:solidFill>
-                <a:hlinkClick r:id="rId3">
-                  <a:extLst>
-                    <a:ext uri="{A12FA001-AC4F-418D-AE19-62706E023703}">
-                      <ahyp:hlinkClr val="tx"/>
-                    </a:ext>
-                  </a:extLst>
-                </a:hlinkClick>
-              </a:rPr>
-              <a:t>https://wp.me/PDU66-2bx</a:t>
-            </a:r>
-            <a:r>
-              <a:rPr lang="en">
-                <a:solidFill>
-                  <a:schemeClr val="dk1"/>
-                </a:solidFill>
-              </a:rPr>
-              <a:t>  </a:t>
-            </a:r>
-            <a:endParaRPr>
-              <a:solidFill>
-                <a:schemeClr val="dk1"/>
-              </a:solidFill>
-            </a:endParaRPr>
-          </a:p>
-          <a:p>
-            <a:pPr indent="0" lvl="0" marL="0" rtl="0" algn="l">
-              <a:spcBef>
-                <a:spcPts val="1200"/>
-              </a:spcBef>
-              <a:spcAft>
-                <a:spcPts val="0"/>
-              </a:spcAft>
-              <a:buClr>
-                <a:schemeClr val="dk1"/>
-              </a:buClr>
-              <a:buSzPts val="1100"/>
-              <a:buFont typeface="Arial"/>
-              <a:buNone/>
-            </a:pPr>
-            <a:r>
-              <a:rPr lang="en">
-                <a:solidFill>
-                  <a:schemeClr val="dk1"/>
-                </a:solidFill>
-              </a:rPr>
-              <a:t>Otherwise: No grade</a:t>
-            </a:r>
-            <a:endParaRPr>
-              <a:solidFill>
-                <a:schemeClr val="dk1"/>
-              </a:solidFill>
-            </a:endParaRPr>
+              <a:rPr lang="en"/>
+              <a:t>Workshop concept (40%)</a:t>
+            </a:r>
+            <a:endParaRPr/>
+          </a:p>
+          <a:p>
+            <a:pPr indent="-342900" lvl="0" marL="457200" rtl="0" algn="l">
+              <a:spcBef>
+                <a:spcPts val="0"/>
+              </a:spcBef>
+              <a:spcAft>
+                <a:spcPts val="0"/>
+              </a:spcAft>
+              <a:buSzPts val="1800"/>
+              <a:buChar char="●"/>
+            </a:pPr>
+            <a:r>
+              <a:rPr lang="en"/>
+              <a:t>Workshop feedback (20%)</a:t>
+            </a:r>
+            <a:endParaRPr/>
+          </a:p>
+          <a:p>
+            <a:pPr indent="-342900" lvl="0" marL="457200" rtl="0" algn="l">
+              <a:spcBef>
+                <a:spcPts val="0"/>
+              </a:spcBef>
+              <a:spcAft>
+                <a:spcPts val="0"/>
+              </a:spcAft>
+              <a:buSzPts val="1800"/>
+              <a:buChar char="●"/>
+            </a:pPr>
+            <a:r>
+              <a:rPr lang="en"/>
+              <a:t>Workshop report (40%)</a:t>
+            </a:r>
+            <a:endParaRPr/>
           </a:p>
           <a:p>
             <a:pPr indent="0" lvl="0" marL="0" rtl="0" algn="l">
@@ -10600,6 +13157,46 @@
       <p:sp>
         <p:nvSpPr>
           <p:cNvPr id="86" name="Google Shape;86;p15"/>
+          <p:cNvSpPr txBox="1"/>
+          <p:nvPr>
+            <p:ph type="title"/>
+          </p:nvPr>
+        </p:nvSpPr>
+        <p:spPr>
+          <a:xfrm>
+            <a:off x="0" y="0"/>
+            <a:ext cx="9144000" cy="685800"/>
+          </a:xfrm>
+          <a:prstGeom prst="rect">
+            <a:avLst/>
+          </a:prstGeom>
+        </p:spPr>
+        <p:txBody>
+          <a:bodyPr anchorCtr="0" anchor="ctr" bIns="91425" lIns="274300" spcFirstLastPara="1" rIns="91425" wrap="square" tIns="91425">
+            <a:noAutofit/>
+          </a:bodyPr>
+          <a:lstStyle/>
+          <a:p>
+            <a:pPr indent="0" lvl="0" marL="0" rtl="0" algn="l">
+              <a:spcBef>
+                <a:spcPts val="0"/>
+              </a:spcBef>
+              <a:spcAft>
+                <a:spcPts val="0"/>
+              </a:spcAft>
+              <a:buNone/>
+            </a:pPr>
+            <a:r>
+              <a:rPr lang="en"/>
+              <a:t>Course Grading</a:t>
+            </a:r>
+            <a:endParaRPr/>
+          </a:p>
+        </p:txBody>
+      </p:sp>
+      <p:sp>
+        <p:nvSpPr>
+          <p:cNvPr id="87" name="Google Shape;87;p15"/>
           <p:cNvSpPr txBox="1"/>
           <p:nvPr>
             <p:ph idx="12" type="sldNum"/>
@@ -10650,7 +13247,7 @@
                 <a:solidFill>
                   <a:schemeClr val="hlink"/>
                 </a:solidFill>
-                <a:hlinkClick r:id="rId4"/>
+                <a:hlinkClick r:id="rId3"/>
               </a:rPr>
               <a:t>https://profriehle.com</a:t>
             </a:r>
@@ -10679,7 +13276,7 @@
   <p:cSld>
     <p:spTree>
       <p:nvGrpSpPr>
-        <p:cNvPr id="90" name="Shape 90"/>
+        <p:cNvPr id="91" name="Shape 91"/>
         <p:cNvGrpSpPr/>
         <p:nvPr/>
       </p:nvGrpSpPr>
@@ -10693,7 +13290,7 @@
       </p:grpSpPr>
       <p:sp>
         <p:nvSpPr>
-          <p:cNvPr id="91" name="Google Shape;91;p16"/>
+          <p:cNvPr id="92" name="Google Shape;92;p16"/>
           <p:cNvSpPr txBox="1"/>
           <p:nvPr>
             <p:ph type="title"/>
@@ -10725,61 +13322,31 @@
             </a:pPr>
             <a:r>
               <a:rPr lang="en"/>
-              <a:t>No Oral or Written Exam [1]</a:t>
+              <a:t>Receiving a Grade for the Course</a:t>
             </a:r>
             <a:endParaRPr/>
           </a:p>
         </p:txBody>
       </p:sp>
-      <p:pic>
-        <p:nvPicPr>
-          <p:cNvPr id="92" name="Google Shape;92;p16"/>
-          <p:cNvPicPr preferRelativeResize="0"/>
-          <p:nvPr/>
-        </p:nvPicPr>
-        <p:blipFill>
-          <a:blip r:embed="rId3">
-            <a:alphaModFix/>
-          </a:blip>
-          <a:stretch>
-            <a:fillRect/>
-          </a:stretch>
-        </p:blipFill>
+      <p:sp>
+        <p:nvSpPr>
+          <p:cNvPr id="93" name="Google Shape;93;p16"/>
+          <p:cNvSpPr txBox="1"/>
+          <p:nvPr>
+            <p:ph idx="1" type="body"/>
+          </p:nvPr>
+        </p:nvSpPr>
         <p:spPr>
           <a:xfrm>
-            <a:off x="2743200" y="914400"/>
-            <a:ext cx="3657601" cy="3649596"/>
+            <a:off x="274320" y="914400"/>
+            <a:ext cx="8595300" cy="4114800"/>
           </a:xfrm>
           <a:prstGeom prst="rect">
             <a:avLst/>
           </a:prstGeom>
-          <a:noFill/>
-          <a:ln>
-            <a:noFill/>
-          </a:ln>
-        </p:spPr>
-      </p:pic>
-      <p:sp>
-        <p:nvSpPr>
-          <p:cNvPr id="93" name="Google Shape;93;p16"/>
-          <p:cNvSpPr txBox="1"/>
-          <p:nvPr/>
-        </p:nvSpPr>
-        <p:spPr>
-          <a:xfrm>
-            <a:off x="0" y="4233672"/>
-            <a:ext cx="8229600" cy="914400"/>
-          </a:xfrm>
-          <a:prstGeom prst="rect">
-            <a:avLst/>
-          </a:prstGeom>
-          <a:noFill/>
-          <a:ln>
-            <a:noFill/>
-          </a:ln>
         </p:spPr>
         <p:txBody>
-          <a:bodyPr anchorCtr="0" anchor="b" bIns="91425" lIns="91425" spcFirstLastPara="1" rIns="91425" wrap="square" tIns="91425">
+          <a:bodyPr anchorCtr="0" anchor="t" bIns="0" lIns="0" spcFirstLastPara="1" rIns="0" wrap="square" tIns="0">
             <a:noAutofit/>
           </a:bodyPr>
           <a:lstStyle/>
@@ -10791,11 +13358,139 @@
               <a:spcAft>
                 <a:spcPts val="0"/>
               </a:spcAft>
+              <a:buClr>
+                <a:schemeClr val="dk1"/>
+              </a:buClr>
+              <a:buSzPts val="1100"/>
+              <a:buFont typeface="Arial"/>
               <a:buNone/>
             </a:pPr>
             <a:r>
               <a:rPr lang="en"/>
-              <a:t>[1] You still have to register for the course</a:t>
+              <a:t>Course registration and exam registration are two separate things</a:t>
+            </a:r>
+            <a:endParaRPr/>
+          </a:p>
+          <a:p>
+            <a:pPr indent="0" lvl="0" marL="0" rtl="0" algn="l">
+              <a:spcBef>
+                <a:spcPts val="1200"/>
+              </a:spcBef>
+              <a:spcAft>
+                <a:spcPts val="0"/>
+              </a:spcAft>
+              <a:buClr>
+                <a:schemeClr val="dk1"/>
+              </a:buClr>
+              <a:buSzPts val="1100"/>
+              <a:buFont typeface="Arial"/>
+              <a:buNone/>
+            </a:pPr>
+            <a:r>
+              <a:rPr lang="en"/>
+              <a:t>If you want to receive a grade</a:t>
+            </a:r>
+            <a:endParaRPr/>
+          </a:p>
+          <a:p>
+            <a:pPr indent="-342900" lvl="0" marL="457200" rtl="0" algn="l">
+              <a:spcBef>
+                <a:spcPts val="1200"/>
+              </a:spcBef>
+              <a:spcAft>
+                <a:spcPts val="0"/>
+              </a:spcAft>
+              <a:buClr>
+                <a:srgbClr val="212121"/>
+              </a:buClr>
+              <a:buSzPts val="1800"/>
+              <a:buChar char="●"/>
+            </a:pPr>
+            <a:r>
+              <a:rPr lang="en">
+                <a:solidFill>
+                  <a:srgbClr val="212121"/>
+                </a:solidFill>
+              </a:rPr>
+              <a:t>You must register through your university’s exam registration system</a:t>
+            </a:r>
+            <a:endParaRPr>
+              <a:solidFill>
+                <a:srgbClr val="212121"/>
+              </a:solidFill>
+            </a:endParaRPr>
+          </a:p>
+          <a:p>
+            <a:pPr indent="-317500" lvl="1" marL="914400" rtl="0" algn="l">
+              <a:spcBef>
+                <a:spcPts val="0"/>
+              </a:spcBef>
+              <a:spcAft>
+                <a:spcPts val="0"/>
+              </a:spcAft>
+              <a:buSzPts val="1400"/>
+              <a:buChar char="○"/>
+            </a:pPr>
+            <a:r>
+              <a:rPr b="1" lang="en"/>
+              <a:t>Your degree program may have split the course into two (VL + UE)</a:t>
+            </a:r>
+            <a:endParaRPr b="1"/>
+          </a:p>
+          <a:p>
+            <a:pPr indent="-317500" lvl="1" marL="914400" rtl="0" algn="l">
+              <a:spcBef>
+                <a:spcPts val="0"/>
+              </a:spcBef>
+              <a:spcAft>
+                <a:spcPts val="0"/>
+              </a:spcAft>
+              <a:buSzPts val="1400"/>
+              <a:buChar char="○"/>
+            </a:pPr>
+            <a:r>
+              <a:rPr b="1" lang="en"/>
+              <a:t>Please check asap that the course is available in your degree program!</a:t>
+            </a:r>
+            <a:endParaRPr b="1">
+              <a:solidFill>
+                <a:srgbClr val="212121"/>
+              </a:solidFill>
+            </a:endParaRPr>
+          </a:p>
+          <a:p>
+            <a:pPr indent="0" lvl="0" marL="0" rtl="0" algn="l">
+              <a:spcBef>
+                <a:spcPts val="1200"/>
+              </a:spcBef>
+              <a:spcAft>
+                <a:spcPts val="0"/>
+              </a:spcAft>
+              <a:buClr>
+                <a:schemeClr val="dk1"/>
+              </a:buClr>
+              <a:buSzPts val="1100"/>
+              <a:buFont typeface="Arial"/>
+              <a:buNone/>
+            </a:pPr>
+            <a:r>
+              <a:rPr lang="en"/>
+              <a:t>Otherwise: No grade</a:t>
+            </a:r>
+            <a:endParaRPr/>
+          </a:p>
+          <a:p>
+            <a:pPr indent="0" lvl="0" marL="0" rtl="0" algn="l">
+              <a:spcBef>
+                <a:spcPts val="1200"/>
+              </a:spcBef>
+              <a:spcAft>
+                <a:spcPts val="1200"/>
+              </a:spcAft>
+              <a:buNone/>
+            </a:pPr>
+            <a:r>
+              <a:t/>
             </a:r>
             <a:endParaRPr/>
           </a:p>
@@ -10854,7 +13549,7 @@
                 <a:solidFill>
                   <a:schemeClr val="hlink"/>
                 </a:solidFill>
-                <a:hlinkClick r:id="rId4"/>
+                <a:hlinkClick r:id="rId3"/>
               </a:rPr>
               <a:t>https://profriehle.com</a:t>
             </a:r>

--- a/Lecture Slides/COACH A01 - Introduction.pptx
+++ b/Lecture Slides/COACH A01 - Introduction.pptx
@@ -25,6 +25,8 @@
     <p:sldId id="270" r:id="rId21"/>
     <p:sldId id="271" r:id="rId22"/>
     <p:sldId id="272" r:id="rId23"/>
+    <p:sldId id="273" r:id="rId24"/>
+    <p:sldId id="274" r:id="rId25"/>
   </p:sldIdLst>
   <p:sldSz cy="5143500" cx="9144000"/>
   <p:notesSz cx="6858000" cy="9144000"/>
@@ -820,7 +822,7 @@
       </p:grpSpPr>
       <p:sp>
         <p:nvSpPr>
-          <p:cNvPr id="96" name="Google Shape;96;gf157d98dbb_0_133:notes"/>
+          <p:cNvPr id="96" name="Google Shape;96;g2a4cd9d8361_0_0:notes"/>
           <p:cNvSpPr/>
           <p:nvPr>
             <p:ph idx="2" type="sldImg"/>
@@ -855,7 +857,7 @@
       </p:sp>
       <p:sp>
         <p:nvSpPr>
-          <p:cNvPr id="97" name="Google Shape;97;gf157d98dbb_0_133:notes"/>
+          <p:cNvPr id="97" name="Google Shape;97;g2a4cd9d8361_0_0:notes"/>
           <p:cNvSpPr txBox="1"/>
           <p:nvPr>
             <p:ph idx="1" type="body"/>
@@ -905,7 +907,7 @@
   <p:cSld>
     <p:spTree>
       <p:nvGrpSpPr>
-        <p:cNvPr id="103" name="Shape 103"/>
+        <p:cNvPr id="102" name="Shape 102"/>
         <p:cNvGrpSpPr/>
         <p:nvPr/>
       </p:nvGrpSpPr>
@@ -919,7 +921,7 @@
       </p:grpSpPr>
       <p:sp>
         <p:nvSpPr>
-          <p:cNvPr id="104" name="Google Shape;104;gf157d98dbb_1_0:notes"/>
+          <p:cNvPr id="103" name="Google Shape;103;gdb5ccdfa64_0_0:notes"/>
           <p:cNvSpPr/>
           <p:nvPr>
             <p:ph idx="2" type="sldImg"/>
@@ -954,7 +956,7 @@
       </p:sp>
       <p:sp>
         <p:nvSpPr>
-          <p:cNvPr id="105" name="Google Shape;105;gf157d98dbb_1_0:notes"/>
+          <p:cNvPr id="104" name="Google Shape;104;gdb5ccdfa64_0_0:notes"/>
           <p:cNvSpPr txBox="1"/>
           <p:nvPr>
             <p:ph idx="1" type="body"/>
@@ -1004,7 +1006,7 @@
   <p:cSld>
     <p:spTree>
       <p:nvGrpSpPr>
-        <p:cNvPr id="110" name="Shape 110"/>
+        <p:cNvPr id="109" name="Shape 109"/>
         <p:cNvGrpSpPr/>
         <p:nvPr/>
       </p:nvGrpSpPr>
@@ -1018,7 +1020,7 @@
       </p:grpSpPr>
       <p:sp>
         <p:nvSpPr>
-          <p:cNvPr id="111" name="Google Shape;111;gf157d98dbb_1_7:notes"/>
+          <p:cNvPr id="110" name="Google Shape;110;gf157d98dbb_0_133:notes"/>
           <p:cNvSpPr/>
           <p:nvPr>
             <p:ph idx="2" type="sldImg"/>
@@ -1053,7 +1055,7 @@
       </p:sp>
       <p:sp>
         <p:nvSpPr>
-          <p:cNvPr id="112" name="Google Shape;112;gf157d98dbb_1_7:notes"/>
+          <p:cNvPr id="111" name="Google Shape;111;gf157d98dbb_0_133:notes"/>
           <p:cNvSpPr txBox="1"/>
           <p:nvPr>
             <p:ph idx="1" type="body"/>
@@ -1117,7 +1119,7 @@
       </p:grpSpPr>
       <p:sp>
         <p:nvSpPr>
-          <p:cNvPr id="118" name="Google Shape;118;gf157d98dbb_1_14:notes"/>
+          <p:cNvPr id="118" name="Google Shape;118;gf157d98dbb_1_0:notes"/>
           <p:cNvSpPr/>
           <p:nvPr>
             <p:ph idx="2" type="sldImg"/>
@@ -1152,7 +1154,7 @@
       </p:sp>
       <p:sp>
         <p:nvSpPr>
-          <p:cNvPr id="119" name="Google Shape;119;gf157d98dbb_1_14:notes"/>
+          <p:cNvPr id="119" name="Google Shape;119;gf157d98dbb_1_0:notes"/>
           <p:cNvSpPr txBox="1"/>
           <p:nvPr>
             <p:ph idx="1" type="body"/>
@@ -1216,7 +1218,7 @@
       </p:grpSpPr>
       <p:sp>
         <p:nvSpPr>
-          <p:cNvPr id="125" name="Google Shape;125;gf157d98dbb_1_20:notes"/>
+          <p:cNvPr id="125" name="Google Shape;125;gf157d98dbb_1_7:notes"/>
           <p:cNvSpPr/>
           <p:nvPr>
             <p:ph idx="2" type="sldImg"/>
@@ -1251,7 +1253,7 @@
       </p:sp>
       <p:sp>
         <p:nvSpPr>
-          <p:cNvPr id="126" name="Google Shape;126;gf157d98dbb_1_20:notes"/>
+          <p:cNvPr id="126" name="Google Shape;126;gf157d98dbb_1_7:notes"/>
           <p:cNvSpPr txBox="1"/>
           <p:nvPr>
             <p:ph idx="1" type="body"/>
@@ -1315,7 +1317,7 @@
       </p:grpSpPr>
       <p:sp>
         <p:nvSpPr>
-          <p:cNvPr id="132" name="Google Shape;132;gf157d98dbb_1_32:notes"/>
+          <p:cNvPr id="132" name="Google Shape;132;gf157d98dbb_1_14:notes"/>
           <p:cNvSpPr/>
           <p:nvPr>
             <p:ph idx="2" type="sldImg"/>
@@ -1350,7 +1352,7 @@
       </p:sp>
       <p:sp>
         <p:nvSpPr>
-          <p:cNvPr id="133" name="Google Shape;133;gf157d98dbb_1_32:notes"/>
+          <p:cNvPr id="133" name="Google Shape;133;gf157d98dbb_1_14:notes"/>
           <p:cNvSpPr txBox="1"/>
           <p:nvPr>
             <p:ph idx="1" type="body"/>
@@ -1414,7 +1416,7 @@
       </p:grpSpPr>
       <p:sp>
         <p:nvSpPr>
-          <p:cNvPr id="139" name="Google Shape;139;gf157d98db7_0_0:notes"/>
+          <p:cNvPr id="139" name="Google Shape;139;gf157d98dbb_1_20:notes"/>
           <p:cNvSpPr/>
           <p:nvPr>
             <p:ph idx="2" type="sldImg"/>
@@ -1449,7 +1451,7 @@
       </p:sp>
       <p:sp>
         <p:nvSpPr>
-          <p:cNvPr id="140" name="Google Shape;140;gf157d98db7_0_0:notes"/>
+          <p:cNvPr id="140" name="Google Shape;140;gf157d98dbb_1_20:notes"/>
           <p:cNvSpPr txBox="1"/>
           <p:nvPr>
             <p:ph idx="1" type="body"/>
@@ -1499,7 +1501,7 @@
   <p:cSld>
     <p:spTree>
       <p:nvGrpSpPr>
-        <p:cNvPr id="144" name="Shape 144"/>
+        <p:cNvPr id="145" name="Shape 145"/>
         <p:cNvGrpSpPr/>
         <p:nvPr/>
       </p:nvGrpSpPr>
@@ -1513,7 +1515,7 @@
       </p:grpSpPr>
       <p:sp>
         <p:nvSpPr>
-          <p:cNvPr id="145" name="Google Shape;145;gf157d98db7_0_5:notes"/>
+          <p:cNvPr id="146" name="Google Shape;146;gf157d98dbb_1_32:notes"/>
           <p:cNvSpPr/>
           <p:nvPr>
             <p:ph idx="2" type="sldImg"/>
@@ -1548,7 +1550,205 @@
       </p:sp>
       <p:sp>
         <p:nvSpPr>
-          <p:cNvPr id="146" name="Google Shape;146;gf157d98db7_0_5:notes"/>
+          <p:cNvPr id="147" name="Google Shape;147;gf157d98dbb_1_32:notes"/>
+          <p:cNvSpPr txBox="1"/>
+          <p:nvPr>
+            <p:ph idx="1" type="body"/>
+          </p:nvPr>
+        </p:nvSpPr>
+        <p:spPr>
+          <a:xfrm>
+            <a:off x="685800" y="4343400"/>
+            <a:ext cx="5486400" cy="4114800"/>
+          </a:xfrm>
+          <a:prstGeom prst="rect">
+            <a:avLst/>
+          </a:prstGeom>
+        </p:spPr>
+        <p:txBody>
+          <a:bodyPr anchorCtr="0" anchor="t" bIns="91425" lIns="91425" spcFirstLastPara="1" rIns="91425" wrap="square" tIns="91425">
+            <a:noAutofit/>
+          </a:bodyPr>
+          <a:lstStyle/>
+          <a:p>
+            <a:pPr indent="0" lvl="0" marL="0" rtl="0" algn="l">
+              <a:spcBef>
+                <a:spcPts val="0"/>
+              </a:spcBef>
+              <a:spcAft>
+                <a:spcPts val="0"/>
+              </a:spcAft>
+              <a:buNone/>
+            </a:pPr>
+            <a:r>
+              <a:t/>
+            </a:r>
+            <a:endParaRPr/>
+          </a:p>
+        </p:txBody>
+      </p:sp>
+    </p:spTree>
+  </p:cSld>
+  <p:clrMapOvr>
+    <a:masterClrMapping/>
+  </p:clrMapOvr>
+</p:notes>
+</file>
+
+<file path=ppt/notesSlides/notesSlide18.xml><?xml version="1.0" encoding="utf-8"?>
+<p:notes xmlns:a="http://schemas.openxmlformats.org/drawingml/2006/main" xmlns:r="http://schemas.openxmlformats.org/officeDocument/2006/relationships" xmlns:mc="http://schemas.openxmlformats.org/markup-compatibility/2006" xmlns:mv="urn:schemas-microsoft-com:mac:vml" xmlns:p="http://schemas.openxmlformats.org/presentationml/2006/main" xmlns:c="http://schemas.openxmlformats.org/drawingml/2006/chart" xmlns:dgm="http://schemas.openxmlformats.org/drawingml/2006/diagram" xmlns:o="urn:schemas-microsoft-com:office:office" xmlns:v="urn:schemas-microsoft-com:vml" xmlns:pvml="urn:schemas-microsoft-com:office:powerpoint" xmlns:com="http://schemas.openxmlformats.org/drawingml/2006/compatibility" xmlns:p14="http://schemas.microsoft.com/office/powerpoint/2010/main" xmlns:p15="http://schemas.microsoft.com/office/powerpoint/2012/main" xmlns:ahyp="http://schemas.microsoft.com/office/drawing/2018/hyperlinkcolor" showMasterPhAnim="0" showMasterSp="0">
+  <p:cSld>
+    <p:spTree>
+      <p:nvGrpSpPr>
+        <p:cNvPr id="152" name="Shape 152"/>
+        <p:cNvGrpSpPr/>
+        <p:nvPr/>
+      </p:nvGrpSpPr>
+      <p:grpSpPr>
+        <a:xfrm>
+          <a:off x="0" y="0"/>
+          <a:ext cx="0" cy="0"/>
+          <a:chOff x="0" y="0"/>
+          <a:chExt cx="0" cy="0"/>
+        </a:xfrm>
+      </p:grpSpPr>
+      <p:sp>
+        <p:nvSpPr>
+          <p:cNvPr id="153" name="Google Shape;153;gf157d98db7_0_0:notes"/>
+          <p:cNvSpPr/>
+          <p:nvPr>
+            <p:ph idx="2" type="sldImg"/>
+          </p:nvPr>
+        </p:nvSpPr>
+        <p:spPr>
+          <a:xfrm>
+            <a:off x="381300" y="685800"/>
+            <a:ext cx="6096000" cy="3429000"/>
+          </a:xfrm>
+          <a:custGeom>
+            <a:rect b="b" l="l" r="r" t="t"/>
+            <a:pathLst>
+              <a:path extrusionOk="0" h="120000" w="120000">
+                <a:moveTo>
+                  <a:pt x="0" y="0"/>
+                </a:moveTo>
+                <a:lnTo>
+                  <a:pt x="120000" y="0"/>
+                </a:lnTo>
+                <a:lnTo>
+                  <a:pt x="120000" y="120000"/>
+                </a:lnTo>
+                <a:lnTo>
+                  <a:pt x="0" y="120000"/>
+                </a:lnTo>
+                <a:close/>
+              </a:path>
+            </a:pathLst>
+          </a:custGeom>
+        </p:spPr>
+      </p:sp>
+      <p:sp>
+        <p:nvSpPr>
+          <p:cNvPr id="154" name="Google Shape;154;gf157d98db7_0_0:notes"/>
+          <p:cNvSpPr txBox="1"/>
+          <p:nvPr>
+            <p:ph idx="1" type="body"/>
+          </p:nvPr>
+        </p:nvSpPr>
+        <p:spPr>
+          <a:xfrm>
+            <a:off x="685800" y="4343400"/>
+            <a:ext cx="5486400" cy="4114800"/>
+          </a:xfrm>
+          <a:prstGeom prst="rect">
+            <a:avLst/>
+          </a:prstGeom>
+        </p:spPr>
+        <p:txBody>
+          <a:bodyPr anchorCtr="0" anchor="t" bIns="91425" lIns="91425" spcFirstLastPara="1" rIns="91425" wrap="square" tIns="91425">
+            <a:noAutofit/>
+          </a:bodyPr>
+          <a:lstStyle/>
+          <a:p>
+            <a:pPr indent="0" lvl="0" marL="0" rtl="0" algn="l">
+              <a:spcBef>
+                <a:spcPts val="0"/>
+              </a:spcBef>
+              <a:spcAft>
+                <a:spcPts val="0"/>
+              </a:spcAft>
+              <a:buNone/>
+            </a:pPr>
+            <a:r>
+              <a:t/>
+            </a:r>
+            <a:endParaRPr/>
+          </a:p>
+        </p:txBody>
+      </p:sp>
+    </p:spTree>
+  </p:cSld>
+  <p:clrMapOvr>
+    <a:masterClrMapping/>
+  </p:clrMapOvr>
+</p:notes>
+</file>
+
+<file path=ppt/notesSlides/notesSlide19.xml><?xml version="1.0" encoding="utf-8"?>
+<p:notes xmlns:a="http://schemas.openxmlformats.org/drawingml/2006/main" xmlns:r="http://schemas.openxmlformats.org/officeDocument/2006/relationships" xmlns:mc="http://schemas.openxmlformats.org/markup-compatibility/2006" xmlns:mv="urn:schemas-microsoft-com:mac:vml" xmlns:p="http://schemas.openxmlformats.org/presentationml/2006/main" xmlns:c="http://schemas.openxmlformats.org/drawingml/2006/chart" xmlns:dgm="http://schemas.openxmlformats.org/drawingml/2006/diagram" xmlns:o="urn:schemas-microsoft-com:office:office" xmlns:v="urn:schemas-microsoft-com:vml" xmlns:pvml="urn:schemas-microsoft-com:office:powerpoint" xmlns:com="http://schemas.openxmlformats.org/drawingml/2006/compatibility" xmlns:p14="http://schemas.microsoft.com/office/powerpoint/2010/main" xmlns:p15="http://schemas.microsoft.com/office/powerpoint/2012/main" xmlns:ahyp="http://schemas.microsoft.com/office/drawing/2018/hyperlinkcolor" showMasterPhAnim="0" showMasterSp="0">
+  <p:cSld>
+    <p:spTree>
+      <p:nvGrpSpPr>
+        <p:cNvPr id="158" name="Shape 158"/>
+        <p:cNvGrpSpPr/>
+        <p:nvPr/>
+      </p:nvGrpSpPr>
+      <p:grpSpPr>
+        <a:xfrm>
+          <a:off x="0" y="0"/>
+          <a:ext cx="0" cy="0"/>
+          <a:chOff x="0" y="0"/>
+          <a:chExt cx="0" cy="0"/>
+        </a:xfrm>
+      </p:grpSpPr>
+      <p:sp>
+        <p:nvSpPr>
+          <p:cNvPr id="159" name="Google Shape;159;gf157d98db7_0_5:notes"/>
+          <p:cNvSpPr/>
+          <p:nvPr>
+            <p:ph idx="2" type="sldImg"/>
+          </p:nvPr>
+        </p:nvSpPr>
+        <p:spPr>
+          <a:xfrm>
+            <a:off x="381300" y="685800"/>
+            <a:ext cx="6096000" cy="3429000"/>
+          </a:xfrm>
+          <a:custGeom>
+            <a:rect b="b" l="l" r="r" t="t"/>
+            <a:pathLst>
+              <a:path extrusionOk="0" h="120000" w="120000">
+                <a:moveTo>
+                  <a:pt x="0" y="0"/>
+                </a:moveTo>
+                <a:lnTo>
+                  <a:pt x="120000" y="0"/>
+                </a:lnTo>
+                <a:lnTo>
+                  <a:pt x="120000" y="120000"/>
+                </a:lnTo>
+                <a:lnTo>
+                  <a:pt x="0" y="120000"/>
+                </a:lnTo>
+                <a:close/>
+              </a:path>
+            </a:pathLst>
+          </a:custGeom>
+        </p:spPr>
+      </p:sp>
+      <p:sp>
+        <p:nvSpPr>
+          <p:cNvPr id="160" name="Google Shape;160;gf157d98db7_0_5:notes"/>
           <p:cNvSpPr txBox="1"/>
           <p:nvPr>
             <p:ph idx="1" type="body"/>
@@ -2206,7 +2406,7 @@
       </p:grpSpPr>
       <p:sp>
         <p:nvSpPr>
-          <p:cNvPr id="82" name="Google Shape;82;gf5a9b1405f_1_0:notes"/>
+          <p:cNvPr id="82" name="Google Shape;82;g2e6d6088977_0_0:notes"/>
           <p:cNvSpPr/>
           <p:nvPr>
             <p:ph idx="2" type="sldImg"/>
@@ -2241,7 +2441,7 @@
       </p:sp>
       <p:sp>
         <p:nvSpPr>
-          <p:cNvPr id="83" name="Google Shape;83;gf5a9b1405f_1_0:notes"/>
+          <p:cNvPr id="83" name="Google Shape;83;g2e6d6088977_0_0:notes"/>
           <p:cNvSpPr txBox="1"/>
           <p:nvPr>
             <p:ph idx="1" type="body"/>
@@ -2305,7 +2505,7 @@
       </p:grpSpPr>
       <p:sp>
         <p:nvSpPr>
-          <p:cNvPr id="89" name="Google Shape;89;gdb5ccdfa64_0_0:notes"/>
+          <p:cNvPr id="89" name="Google Shape;89;gf5a9b1405f_1_0:notes"/>
           <p:cNvSpPr/>
           <p:nvPr>
             <p:ph idx="2" type="sldImg"/>
@@ -2340,7 +2540,7 @@
       </p:sp>
       <p:sp>
         <p:nvSpPr>
-          <p:cNvPr id="90" name="Google Shape;90;gdb5ccdfa64_0_0:notes"/>
+          <p:cNvPr id="90" name="Google Shape;90;gf5a9b1405f_1_0:notes"/>
           <p:cNvSpPr txBox="1"/>
           <p:nvPr>
             <p:ph idx="1" type="body"/>
@@ -5716,7 +5916,7 @@
             </a:pPr>
             <a:r>
               <a:rPr lang="en"/>
-              <a:t>Dirk Riehle, Univ. Erlangen</a:t>
+              <a:t>Dirk Riehle, FAU Erlangen</a:t>
             </a:r>
             <a:endParaRPr/>
           </a:p>
@@ -5847,6 +6047,537 @@
             </a:pPr>
             <a:r>
               <a:rPr lang="en"/>
+              <a:t>Additional Rules</a:t>
+            </a:r>
+            <a:endParaRPr/>
+          </a:p>
+        </p:txBody>
+      </p:sp>
+      <p:sp>
+        <p:nvSpPr>
+          <p:cNvPr id="100" name="Google Shape;100;p17"/>
+          <p:cNvSpPr txBox="1"/>
+          <p:nvPr>
+            <p:ph idx="1" type="body"/>
+          </p:nvPr>
+        </p:nvSpPr>
+        <p:spPr>
+          <a:xfrm>
+            <a:off x="274320" y="914400"/>
+            <a:ext cx="8595300" cy="4114800"/>
+          </a:xfrm>
+          <a:prstGeom prst="rect">
+            <a:avLst/>
+          </a:prstGeom>
+        </p:spPr>
+        <p:txBody>
+          <a:bodyPr anchorCtr="0" anchor="t" bIns="0" lIns="0" spcFirstLastPara="1" rIns="0" wrap="square" tIns="0">
+            <a:noAutofit/>
+          </a:bodyPr>
+          <a:lstStyle/>
+          <a:p>
+            <a:pPr indent="0" lvl="0" marL="0" rtl="0" algn="l">
+              <a:spcBef>
+                <a:spcPts val="0"/>
+              </a:spcBef>
+              <a:spcAft>
+                <a:spcPts val="0"/>
+              </a:spcAft>
+              <a:buNone/>
+            </a:pPr>
+            <a:r>
+              <a:rPr lang="en"/>
+              <a:t>To pass the course, you must</a:t>
+            </a:r>
+            <a:endParaRPr/>
+          </a:p>
+          <a:p>
+            <a:pPr indent="-342900" lvl="0" marL="457200" rtl="0" algn="l">
+              <a:spcBef>
+                <a:spcPts val="1200"/>
+              </a:spcBef>
+              <a:spcAft>
+                <a:spcPts val="0"/>
+              </a:spcAft>
+              <a:buSzPts val="1800"/>
+              <a:buChar char="●"/>
+            </a:pPr>
+            <a:r>
+              <a:rPr lang="en"/>
+              <a:t>Participate in (all) project team meetings</a:t>
+            </a:r>
+            <a:endParaRPr/>
+          </a:p>
+          <a:p>
+            <a:pPr indent="-342900" lvl="0" marL="457200" rtl="0" algn="l">
+              <a:spcBef>
+                <a:spcPts val="0"/>
+              </a:spcBef>
+              <a:spcAft>
+                <a:spcPts val="0"/>
+              </a:spcAft>
+              <a:buSzPts val="1800"/>
+              <a:buChar char="●"/>
+            </a:pPr>
+            <a:r>
+              <a:rPr lang="en"/>
+              <a:t>Participate</a:t>
+            </a:r>
+            <a:r>
+              <a:rPr lang="en"/>
+              <a:t> in (all) weekly retrospectives (class sessions)</a:t>
+            </a:r>
+            <a:endParaRPr/>
+          </a:p>
+          <a:p>
+            <a:pPr indent="-342900" lvl="0" marL="457200" rtl="0" algn="l">
+              <a:spcBef>
+                <a:spcPts val="0"/>
+              </a:spcBef>
+              <a:spcAft>
+                <a:spcPts val="0"/>
+              </a:spcAft>
+              <a:buSzPts val="1800"/>
+              <a:buChar char="●"/>
+            </a:pPr>
+            <a:r>
+              <a:rPr lang="en"/>
+              <a:t>Perform the workshop and report about it</a:t>
+            </a:r>
+            <a:endParaRPr/>
+          </a:p>
+          <a:p>
+            <a:pPr indent="0" lvl="0" marL="0" rtl="0" algn="l">
+              <a:spcBef>
+                <a:spcPts val="1200"/>
+              </a:spcBef>
+              <a:spcAft>
+                <a:spcPts val="1200"/>
+              </a:spcAft>
+              <a:buNone/>
+            </a:pPr>
+            <a:r>
+              <a:t/>
+            </a:r>
+            <a:endParaRPr/>
+          </a:p>
+        </p:txBody>
+      </p:sp>
+      <p:sp>
+        <p:nvSpPr>
+          <p:cNvPr id="101" name="Google Shape;101;p17"/>
+          <p:cNvSpPr txBox="1"/>
+          <p:nvPr>
+            <p:ph idx="12" type="sldNum"/>
+          </p:nvPr>
+        </p:nvSpPr>
+        <p:spPr>
+          <a:xfrm>
+            <a:off x="7315202" y="4416550"/>
+            <a:ext cx="1828800" cy="731400"/>
+          </a:xfrm>
+          <a:prstGeom prst="rect">
+            <a:avLst/>
+          </a:prstGeom>
+        </p:spPr>
+        <p:txBody>
+          <a:bodyPr anchorCtr="0" anchor="b" bIns="91425" lIns="91425" spcFirstLastPara="1" rIns="91425" wrap="square" tIns="91425">
+            <a:noAutofit/>
+          </a:bodyPr>
+          <a:lstStyle/>
+          <a:p>
+            <a:pPr indent="0" lvl="0" marL="0" rtl="0" algn="r">
+              <a:spcBef>
+                <a:spcPts val="0"/>
+              </a:spcBef>
+              <a:spcAft>
+                <a:spcPts val="0"/>
+              </a:spcAft>
+              <a:buNone/>
+            </a:pPr>
+            <a:fld id="{00000000-1234-1234-1234-123412341234}" type="slidenum">
+              <a:rPr lang="en"/>
+              <a:t>‹#›</a:t>
+            </a:fld>
+            <a:endParaRPr/>
+          </a:p>
+          <a:p>
+            <a:pPr indent="0" lvl="0" marL="0" rtl="0" algn="r">
+              <a:spcBef>
+                <a:spcPts val="0"/>
+              </a:spcBef>
+              <a:spcAft>
+                <a:spcPts val="0"/>
+              </a:spcAft>
+              <a:buNone/>
+            </a:pPr>
+            <a:r>
+              <a:rPr b="0" lang="en" sz="900" u="sng">
+                <a:solidFill>
+                  <a:schemeClr val="hlink"/>
+                </a:solidFill>
+                <a:hlinkClick r:id="rId3"/>
+              </a:rPr>
+              <a:t>https://profriehle.com</a:t>
+            </a:r>
+            <a:r>
+              <a:rPr b="0" lang="en" sz="900">
+                <a:solidFill>
+                  <a:schemeClr val="dk2"/>
+                </a:solidFill>
+              </a:rPr>
+              <a:t> </a:t>
+            </a:r>
+            <a:endParaRPr/>
+          </a:p>
+        </p:txBody>
+      </p:sp>
+    </p:spTree>
+  </p:cSld>
+  <p:clrMapOvr>
+    <a:masterClrMapping/>
+  </p:clrMapOvr>
+</p:sld>
+</file>
+
+<file path=ppt/slides/slide11.xml><?xml version="1.0" encoding="utf-8"?>
+<p:sld xmlns:a="http://schemas.openxmlformats.org/drawingml/2006/main" xmlns:r="http://schemas.openxmlformats.org/officeDocument/2006/relationships" xmlns:mc="http://schemas.openxmlformats.org/markup-compatibility/2006" xmlns:mv="urn:schemas-microsoft-com:mac:vml" xmlns:p="http://schemas.openxmlformats.org/presentationml/2006/main" xmlns:c="http://schemas.openxmlformats.org/drawingml/2006/chart" xmlns:dgm="http://schemas.openxmlformats.org/drawingml/2006/diagram" xmlns:o="urn:schemas-microsoft-com:office:office" xmlns:v="urn:schemas-microsoft-com:vml" xmlns:pvml="urn:schemas-microsoft-com:office:powerpoint" xmlns:com="http://schemas.openxmlformats.org/drawingml/2006/compatibility" xmlns:p14="http://schemas.microsoft.com/office/powerpoint/2010/main" xmlns:p15="http://schemas.microsoft.com/office/powerpoint/2012/main" xmlns:ahyp="http://schemas.microsoft.com/office/drawing/2018/hyperlinkcolor">
+  <p:cSld>
+    <p:spTree>
+      <p:nvGrpSpPr>
+        <p:cNvPr id="105" name="Shape 105"/>
+        <p:cNvGrpSpPr/>
+        <p:nvPr/>
+      </p:nvGrpSpPr>
+      <p:grpSpPr>
+        <a:xfrm>
+          <a:off x="0" y="0"/>
+          <a:ext cx="0" cy="0"/>
+          <a:chOff x="0" y="0"/>
+          <a:chExt cx="0" cy="0"/>
+        </a:xfrm>
+      </p:grpSpPr>
+      <p:sp>
+        <p:nvSpPr>
+          <p:cNvPr id="106" name="Google Shape;106;p18"/>
+          <p:cNvSpPr txBox="1"/>
+          <p:nvPr>
+            <p:ph type="title"/>
+          </p:nvPr>
+        </p:nvSpPr>
+        <p:spPr>
+          <a:xfrm>
+            <a:off x="0" y="0"/>
+            <a:ext cx="9144000" cy="685800"/>
+          </a:xfrm>
+          <a:prstGeom prst="rect">
+            <a:avLst/>
+          </a:prstGeom>
+        </p:spPr>
+        <p:txBody>
+          <a:bodyPr anchorCtr="0" anchor="ctr" bIns="91425" lIns="274300" spcFirstLastPara="1" rIns="91425" wrap="square" tIns="91425">
+            <a:noAutofit/>
+          </a:bodyPr>
+          <a:lstStyle/>
+          <a:p>
+            <a:pPr indent="0" lvl="0" marL="0" rtl="0" algn="l">
+              <a:spcBef>
+                <a:spcPts val="0"/>
+              </a:spcBef>
+              <a:spcAft>
+                <a:spcPts val="0"/>
+              </a:spcAft>
+              <a:buNone/>
+            </a:pPr>
+            <a:r>
+              <a:rPr lang="en"/>
+              <a:t>Receiving a Grade for the Course</a:t>
+            </a:r>
+            <a:endParaRPr/>
+          </a:p>
+        </p:txBody>
+      </p:sp>
+      <p:sp>
+        <p:nvSpPr>
+          <p:cNvPr id="107" name="Google Shape;107;p18"/>
+          <p:cNvSpPr txBox="1"/>
+          <p:nvPr>
+            <p:ph idx="1" type="body"/>
+          </p:nvPr>
+        </p:nvSpPr>
+        <p:spPr>
+          <a:xfrm>
+            <a:off x="274320" y="914400"/>
+            <a:ext cx="8595300" cy="4114800"/>
+          </a:xfrm>
+          <a:prstGeom prst="rect">
+            <a:avLst/>
+          </a:prstGeom>
+        </p:spPr>
+        <p:txBody>
+          <a:bodyPr anchorCtr="0" anchor="t" bIns="0" lIns="0" spcFirstLastPara="1" rIns="0" wrap="square" tIns="0">
+            <a:noAutofit/>
+          </a:bodyPr>
+          <a:lstStyle/>
+          <a:p>
+            <a:pPr indent="0" lvl="0" marL="0" rtl="0" algn="l">
+              <a:spcBef>
+                <a:spcPts val="0"/>
+              </a:spcBef>
+              <a:spcAft>
+                <a:spcPts val="0"/>
+              </a:spcAft>
+              <a:buClr>
+                <a:schemeClr val="dk1"/>
+              </a:buClr>
+              <a:buSzPts val="1100"/>
+              <a:buFont typeface="Arial"/>
+              <a:buNone/>
+            </a:pPr>
+            <a:r>
+              <a:rPr lang="en"/>
+              <a:t>Course management and exam registration are two separate things</a:t>
+            </a:r>
+            <a:endParaRPr/>
+          </a:p>
+          <a:p>
+            <a:pPr indent="0" lvl="0" marL="0" rtl="0" algn="l">
+              <a:spcBef>
+                <a:spcPts val="1200"/>
+              </a:spcBef>
+              <a:spcAft>
+                <a:spcPts val="0"/>
+              </a:spcAft>
+              <a:buClr>
+                <a:schemeClr val="dk1"/>
+              </a:buClr>
+              <a:buSzPts val="1100"/>
+              <a:buFont typeface="Arial"/>
+              <a:buNone/>
+            </a:pPr>
+            <a:r>
+              <a:rPr lang="en"/>
+              <a:t>If you want to receive a grade</a:t>
+            </a:r>
+            <a:endParaRPr/>
+          </a:p>
+          <a:p>
+            <a:pPr indent="-342900" lvl="0" marL="457200" rtl="0" algn="l">
+              <a:spcBef>
+                <a:spcPts val="1200"/>
+              </a:spcBef>
+              <a:spcAft>
+                <a:spcPts val="0"/>
+              </a:spcAft>
+              <a:buSzPts val="1800"/>
+              <a:buChar char="●"/>
+            </a:pPr>
+            <a:r>
+              <a:rPr lang="en"/>
+              <a:t>You must register through your university’s exam registration system</a:t>
+            </a:r>
+            <a:endParaRPr/>
+          </a:p>
+          <a:p>
+            <a:pPr indent="-317500" lvl="1" marL="914400" rtl="0" algn="l">
+              <a:spcBef>
+                <a:spcPts val="0"/>
+              </a:spcBef>
+              <a:spcAft>
+                <a:spcPts val="0"/>
+              </a:spcAft>
+              <a:buSzPts val="1400"/>
+              <a:buChar char="○"/>
+            </a:pPr>
+            <a:r>
+              <a:rPr lang="en"/>
+              <a:t>Your degree program may have split the course into two (VL + UE)</a:t>
+            </a:r>
+            <a:endParaRPr/>
+          </a:p>
+          <a:p>
+            <a:pPr indent="-317500" lvl="1" marL="914400" rtl="0" algn="l">
+              <a:spcBef>
+                <a:spcPts val="0"/>
+              </a:spcBef>
+              <a:spcAft>
+                <a:spcPts val="0"/>
+              </a:spcAft>
+              <a:buSzPts val="1400"/>
+              <a:buChar char="○"/>
+            </a:pPr>
+            <a:r>
+              <a:rPr lang="en"/>
+              <a:t>Please check asap that the course is available in your degree program!</a:t>
+            </a:r>
+            <a:endParaRPr/>
+          </a:p>
+          <a:p>
+            <a:pPr indent="0" lvl="0" marL="0" rtl="0" algn="l">
+              <a:spcBef>
+                <a:spcPts val="1200"/>
+              </a:spcBef>
+              <a:spcAft>
+                <a:spcPts val="0"/>
+              </a:spcAft>
+              <a:buClr>
+                <a:schemeClr val="dk1"/>
+              </a:buClr>
+              <a:buSzPts val="1100"/>
+              <a:buFont typeface="Arial"/>
+              <a:buNone/>
+            </a:pPr>
+            <a:r>
+              <a:rPr lang="en"/>
+              <a:t>Otherwise: No grade</a:t>
+            </a:r>
+            <a:endParaRPr/>
+          </a:p>
+          <a:p>
+            <a:pPr indent="0" lvl="0" marL="0" rtl="0" algn="l">
+              <a:spcBef>
+                <a:spcPts val="1200"/>
+              </a:spcBef>
+              <a:spcAft>
+                <a:spcPts val="1200"/>
+              </a:spcAft>
+              <a:buNone/>
+            </a:pPr>
+            <a:r>
+              <a:t/>
+            </a:r>
+            <a:endParaRPr/>
+          </a:p>
+        </p:txBody>
+      </p:sp>
+      <p:sp>
+        <p:nvSpPr>
+          <p:cNvPr id="108" name="Google Shape;108;p18"/>
+          <p:cNvSpPr txBox="1"/>
+          <p:nvPr>
+            <p:ph idx="12" type="sldNum"/>
+          </p:nvPr>
+        </p:nvSpPr>
+        <p:spPr>
+          <a:xfrm>
+            <a:off x="7315202" y="4416550"/>
+            <a:ext cx="1828800" cy="731400"/>
+          </a:xfrm>
+          <a:prstGeom prst="rect">
+            <a:avLst/>
+          </a:prstGeom>
+        </p:spPr>
+        <p:txBody>
+          <a:bodyPr anchorCtr="0" anchor="b" bIns="91425" lIns="91425" spcFirstLastPara="1" rIns="91425" wrap="square" tIns="91425">
+            <a:noAutofit/>
+          </a:bodyPr>
+          <a:lstStyle/>
+          <a:p>
+            <a:pPr indent="0" lvl="0" marL="0" rtl="0" algn="r">
+              <a:spcBef>
+                <a:spcPts val="0"/>
+              </a:spcBef>
+              <a:spcAft>
+                <a:spcPts val="0"/>
+              </a:spcAft>
+              <a:buNone/>
+            </a:pPr>
+            <a:fld id="{00000000-1234-1234-1234-123412341234}" type="slidenum">
+              <a:rPr lang="en"/>
+              <a:t>‹#›</a:t>
+            </a:fld>
+            <a:endParaRPr/>
+          </a:p>
+          <a:p>
+            <a:pPr indent="0" lvl="0" marL="0" rtl="0" algn="r">
+              <a:spcBef>
+                <a:spcPts val="0"/>
+              </a:spcBef>
+              <a:spcAft>
+                <a:spcPts val="0"/>
+              </a:spcAft>
+              <a:buNone/>
+            </a:pPr>
+            <a:r>
+              <a:rPr b="0" lang="en" sz="900" u="sng">
+                <a:solidFill>
+                  <a:schemeClr val="hlink"/>
+                </a:solidFill>
+                <a:hlinkClick r:id="rId3"/>
+              </a:rPr>
+              <a:t>https://profriehle.com</a:t>
+            </a:r>
+            <a:r>
+              <a:rPr b="0" lang="en" sz="900">
+                <a:solidFill>
+                  <a:schemeClr val="dk2"/>
+                </a:solidFill>
+              </a:rPr>
+              <a:t> </a:t>
+            </a:r>
+            <a:endParaRPr/>
+          </a:p>
+        </p:txBody>
+      </p:sp>
+    </p:spTree>
+  </p:cSld>
+  <p:clrMapOvr>
+    <a:masterClrMapping/>
+  </p:clrMapOvr>
+</p:sld>
+</file>
+
+<file path=ppt/slides/slide12.xml><?xml version="1.0" encoding="utf-8"?>
+<p:sld xmlns:a="http://schemas.openxmlformats.org/drawingml/2006/main" xmlns:r="http://schemas.openxmlformats.org/officeDocument/2006/relationships" xmlns:mc="http://schemas.openxmlformats.org/markup-compatibility/2006" xmlns:mv="urn:schemas-microsoft-com:mac:vml" xmlns:p="http://schemas.openxmlformats.org/presentationml/2006/main" xmlns:c="http://schemas.openxmlformats.org/drawingml/2006/chart" xmlns:dgm="http://schemas.openxmlformats.org/drawingml/2006/diagram" xmlns:o="urn:schemas-microsoft-com:office:office" xmlns:v="urn:schemas-microsoft-com:vml" xmlns:pvml="urn:schemas-microsoft-com:office:powerpoint" xmlns:com="http://schemas.openxmlformats.org/drawingml/2006/compatibility" xmlns:p14="http://schemas.microsoft.com/office/powerpoint/2010/main" xmlns:p15="http://schemas.microsoft.com/office/powerpoint/2012/main" xmlns:ahyp="http://schemas.microsoft.com/office/drawing/2018/hyperlinkcolor">
+  <p:cSld>
+    <p:spTree>
+      <p:nvGrpSpPr>
+        <p:cNvPr id="112" name="Shape 112"/>
+        <p:cNvGrpSpPr/>
+        <p:nvPr/>
+      </p:nvGrpSpPr>
+      <p:grpSpPr>
+        <a:xfrm>
+          <a:off x="0" y="0"/>
+          <a:ext cx="0" cy="0"/>
+          <a:chOff x="0" y="0"/>
+          <a:chExt cx="0" cy="0"/>
+        </a:xfrm>
+      </p:grpSpPr>
+      <p:sp>
+        <p:nvSpPr>
+          <p:cNvPr id="113" name="Google Shape;113;p19"/>
+          <p:cNvSpPr txBox="1"/>
+          <p:nvPr>
+            <p:ph type="title"/>
+          </p:nvPr>
+        </p:nvSpPr>
+        <p:spPr>
+          <a:xfrm>
+            <a:off x="0" y="0"/>
+            <a:ext cx="9144000" cy="685800"/>
+          </a:xfrm>
+          <a:prstGeom prst="rect">
+            <a:avLst/>
+          </a:prstGeom>
+        </p:spPr>
+        <p:txBody>
+          <a:bodyPr anchorCtr="0" anchor="ctr" bIns="91425" lIns="274300" spcFirstLastPara="1" rIns="91425" wrap="square" tIns="91425">
+            <a:noAutofit/>
+          </a:bodyPr>
+          <a:lstStyle/>
+          <a:p>
+            <a:pPr indent="0" lvl="0" marL="0" rtl="0" algn="l">
+              <a:spcBef>
+                <a:spcPts val="0"/>
+              </a:spcBef>
+              <a:spcAft>
+                <a:spcPts val="0"/>
+              </a:spcAft>
+              <a:buNone/>
+            </a:pPr>
+            <a:r>
+              <a:rPr lang="en"/>
               <a:t>No Oral or Written Exam [1]</a:t>
             </a:r>
             <a:endParaRPr/>
@@ -5855,7 +6586,7 @@
       </p:sp>
       <p:pic>
         <p:nvPicPr>
-          <p:cNvPr id="100" name="Google Shape;100;p17"/>
+          <p:cNvPr id="114" name="Google Shape;114;p19"/>
           <p:cNvPicPr preferRelativeResize="0"/>
           <p:nvPr/>
         </p:nvPicPr>
@@ -5883,7 +6614,7 @@
       </p:pic>
       <p:sp>
         <p:nvSpPr>
-          <p:cNvPr id="101" name="Google Shape;101;p17"/>
+          <p:cNvPr id="115" name="Google Shape;115;p19"/>
           <p:cNvSpPr txBox="1"/>
           <p:nvPr/>
         </p:nvSpPr>
@@ -5918,559 +6649,6 @@
             <a:r>
               <a:rPr lang="en"/>
               <a:t>[1] You still have to register for the course</a:t>
-            </a:r>
-            <a:endParaRPr/>
-          </a:p>
-        </p:txBody>
-      </p:sp>
-      <p:sp>
-        <p:nvSpPr>
-          <p:cNvPr id="102" name="Google Shape;102;p17"/>
-          <p:cNvSpPr txBox="1"/>
-          <p:nvPr>
-            <p:ph idx="12" type="sldNum"/>
-          </p:nvPr>
-        </p:nvSpPr>
-        <p:spPr>
-          <a:xfrm>
-            <a:off x="7315202" y="4416550"/>
-            <a:ext cx="1828800" cy="731400"/>
-          </a:xfrm>
-          <a:prstGeom prst="rect">
-            <a:avLst/>
-          </a:prstGeom>
-        </p:spPr>
-        <p:txBody>
-          <a:bodyPr anchorCtr="0" anchor="b" bIns="91425" lIns="91425" spcFirstLastPara="1" rIns="91425" wrap="square" tIns="91425">
-            <a:noAutofit/>
-          </a:bodyPr>
-          <a:lstStyle/>
-          <a:p>
-            <a:pPr indent="0" lvl="0" marL="0" rtl="0" algn="r">
-              <a:spcBef>
-                <a:spcPts val="0"/>
-              </a:spcBef>
-              <a:spcAft>
-                <a:spcPts val="0"/>
-              </a:spcAft>
-              <a:buNone/>
-            </a:pPr>
-            <a:fld id="{00000000-1234-1234-1234-123412341234}" type="slidenum">
-              <a:rPr lang="en"/>
-              <a:t>‹#›</a:t>
-            </a:fld>
-            <a:endParaRPr/>
-          </a:p>
-          <a:p>
-            <a:pPr indent="0" lvl="0" marL="0" rtl="0" algn="r">
-              <a:spcBef>
-                <a:spcPts val="0"/>
-              </a:spcBef>
-              <a:spcAft>
-                <a:spcPts val="0"/>
-              </a:spcAft>
-              <a:buNone/>
-            </a:pPr>
-            <a:r>
-              <a:rPr b="0" lang="en" sz="900" u="sng">
-                <a:solidFill>
-                  <a:schemeClr val="hlink"/>
-                </a:solidFill>
-                <a:hlinkClick r:id="rId4"/>
-              </a:rPr>
-              <a:t>https://profriehle.com</a:t>
-            </a:r>
-            <a:r>
-              <a:rPr b="0" lang="en" sz="900">
-                <a:solidFill>
-                  <a:schemeClr val="dk2"/>
-                </a:solidFill>
-              </a:rPr>
-              <a:t> </a:t>
-            </a:r>
-            <a:endParaRPr/>
-          </a:p>
-        </p:txBody>
-      </p:sp>
-    </p:spTree>
-  </p:cSld>
-  <p:clrMapOvr>
-    <a:masterClrMapping/>
-  </p:clrMapOvr>
-</p:sld>
-</file>
-
-<file path=ppt/slides/slide11.xml><?xml version="1.0" encoding="utf-8"?>
-<p:sld xmlns:a="http://schemas.openxmlformats.org/drawingml/2006/main" xmlns:r="http://schemas.openxmlformats.org/officeDocument/2006/relationships" xmlns:mc="http://schemas.openxmlformats.org/markup-compatibility/2006" xmlns:mv="urn:schemas-microsoft-com:mac:vml" xmlns:p="http://schemas.openxmlformats.org/presentationml/2006/main" xmlns:c="http://schemas.openxmlformats.org/drawingml/2006/chart" xmlns:dgm="http://schemas.openxmlformats.org/drawingml/2006/diagram" xmlns:o="urn:schemas-microsoft-com:office:office" xmlns:v="urn:schemas-microsoft-com:vml" xmlns:pvml="urn:schemas-microsoft-com:office:powerpoint" xmlns:com="http://schemas.openxmlformats.org/drawingml/2006/compatibility" xmlns:p14="http://schemas.microsoft.com/office/powerpoint/2010/main" xmlns:p15="http://schemas.microsoft.com/office/powerpoint/2012/main" xmlns:ahyp="http://schemas.microsoft.com/office/drawing/2018/hyperlinkcolor">
-  <p:cSld>
-    <p:spTree>
-      <p:nvGrpSpPr>
-        <p:cNvPr id="106" name="Shape 106"/>
-        <p:cNvGrpSpPr/>
-        <p:nvPr/>
-      </p:nvGrpSpPr>
-      <p:grpSpPr>
-        <a:xfrm>
-          <a:off x="0" y="0"/>
-          <a:ext cx="0" cy="0"/>
-          <a:chOff x="0" y="0"/>
-          <a:chExt cx="0" cy="0"/>
-        </a:xfrm>
-      </p:grpSpPr>
-      <p:sp>
-        <p:nvSpPr>
-          <p:cNvPr id="107" name="Google Shape;107;p18"/>
-          <p:cNvSpPr txBox="1"/>
-          <p:nvPr>
-            <p:ph type="title"/>
-          </p:nvPr>
-        </p:nvSpPr>
-        <p:spPr>
-          <a:xfrm>
-            <a:off x="0" y="0"/>
-            <a:ext cx="9144000" cy="685800"/>
-          </a:xfrm>
-          <a:prstGeom prst="rect">
-            <a:avLst/>
-          </a:prstGeom>
-        </p:spPr>
-        <p:txBody>
-          <a:bodyPr anchorCtr="0" anchor="ctr" bIns="91425" lIns="274300" spcFirstLastPara="1" rIns="91425" wrap="square" tIns="91425">
-            <a:noAutofit/>
-          </a:bodyPr>
-          <a:lstStyle/>
-          <a:p>
-            <a:pPr indent="0" lvl="0" marL="0" rtl="0" algn="l">
-              <a:spcBef>
-                <a:spcPts val="0"/>
-              </a:spcBef>
-              <a:spcAft>
-                <a:spcPts val="0"/>
-              </a:spcAft>
-              <a:buNone/>
-            </a:pPr>
-            <a:r>
-              <a:rPr lang="en"/>
-              <a:t>Course Language</a:t>
-            </a:r>
-            <a:endParaRPr/>
-          </a:p>
-        </p:txBody>
-      </p:sp>
-      <p:sp>
-        <p:nvSpPr>
-          <p:cNvPr id="108" name="Google Shape;108;p18"/>
-          <p:cNvSpPr txBox="1"/>
-          <p:nvPr>
-            <p:ph idx="12" type="sldNum"/>
-          </p:nvPr>
-        </p:nvSpPr>
-        <p:spPr>
-          <a:xfrm>
-            <a:off x="7315202" y="4416550"/>
-            <a:ext cx="1828800" cy="731400"/>
-          </a:xfrm>
-          <a:prstGeom prst="rect">
-            <a:avLst/>
-          </a:prstGeom>
-        </p:spPr>
-        <p:txBody>
-          <a:bodyPr anchorCtr="0" anchor="b" bIns="91425" lIns="91425" spcFirstLastPara="1" rIns="91425" wrap="square" tIns="91425">
-            <a:noAutofit/>
-          </a:bodyPr>
-          <a:lstStyle/>
-          <a:p>
-            <a:pPr indent="0" lvl="0" marL="0" rtl="0" algn="r">
-              <a:spcBef>
-                <a:spcPts val="0"/>
-              </a:spcBef>
-              <a:spcAft>
-                <a:spcPts val="0"/>
-              </a:spcAft>
-              <a:buNone/>
-            </a:pPr>
-            <a:fld id="{00000000-1234-1234-1234-123412341234}" type="slidenum">
-              <a:rPr lang="en"/>
-              <a:t>‹#›</a:t>
-            </a:fld>
-            <a:endParaRPr/>
-          </a:p>
-          <a:p>
-            <a:pPr indent="0" lvl="0" marL="0" rtl="0" algn="r">
-              <a:spcBef>
-                <a:spcPts val="0"/>
-              </a:spcBef>
-              <a:spcAft>
-                <a:spcPts val="0"/>
-              </a:spcAft>
-              <a:buNone/>
-            </a:pPr>
-            <a:r>
-              <a:rPr b="0" lang="en" sz="900" u="sng">
-                <a:solidFill>
-                  <a:schemeClr val="hlink"/>
-                </a:solidFill>
-                <a:hlinkClick r:id="rId3"/>
-              </a:rPr>
-              <a:t>https://profriehle.com</a:t>
-            </a:r>
-            <a:r>
-              <a:rPr b="0" lang="en" sz="900">
-                <a:solidFill>
-                  <a:schemeClr val="dk2"/>
-                </a:solidFill>
-              </a:rPr>
-              <a:t> </a:t>
-            </a:r>
-            <a:endParaRPr/>
-          </a:p>
-        </p:txBody>
-      </p:sp>
-      <p:sp>
-        <p:nvSpPr>
-          <p:cNvPr id="109" name="Google Shape;109;p18"/>
-          <p:cNvSpPr txBox="1"/>
-          <p:nvPr>
-            <p:ph idx="1" type="body"/>
-          </p:nvPr>
-        </p:nvSpPr>
-        <p:spPr>
-          <a:xfrm>
-            <a:off x="274320" y="914400"/>
-            <a:ext cx="8595300" cy="4114800"/>
-          </a:xfrm>
-          <a:prstGeom prst="rect">
-            <a:avLst/>
-          </a:prstGeom>
-        </p:spPr>
-        <p:txBody>
-          <a:bodyPr anchorCtr="0" anchor="t" bIns="0" lIns="0" spcFirstLastPara="1" rIns="0" wrap="square" tIns="0">
-            <a:noAutofit/>
-          </a:bodyPr>
-          <a:lstStyle/>
-          <a:p>
-            <a:pPr indent="0" lvl="0" marL="0" rtl="0" algn="l">
-              <a:spcBef>
-                <a:spcPts val="0"/>
-              </a:spcBef>
-              <a:spcAft>
-                <a:spcPts val="0"/>
-              </a:spcAft>
-              <a:buClr>
-                <a:schemeClr val="dk1"/>
-              </a:buClr>
-              <a:buSzPts val="1100"/>
-              <a:buFont typeface="Arial"/>
-              <a:buNone/>
-            </a:pPr>
-            <a:r>
-              <a:rPr b="1" lang="en"/>
-              <a:t>Class</a:t>
-            </a:r>
-            <a:endParaRPr b="1"/>
-          </a:p>
-          <a:p>
-            <a:pPr indent="-342900" lvl="0" marL="457200" rtl="0" algn="l">
-              <a:spcBef>
-                <a:spcPts val="1200"/>
-              </a:spcBef>
-              <a:spcAft>
-                <a:spcPts val="0"/>
-              </a:spcAft>
-              <a:buSzPts val="1800"/>
-              <a:buChar char="●"/>
-            </a:pPr>
-            <a:r>
-              <a:rPr lang="en"/>
-              <a:t>Lecturer: English</a:t>
-            </a:r>
-            <a:endParaRPr/>
-          </a:p>
-          <a:p>
-            <a:pPr indent="-342900" lvl="0" marL="457200" rtl="0" algn="l">
-              <a:spcBef>
-                <a:spcPts val="0"/>
-              </a:spcBef>
-              <a:spcAft>
-                <a:spcPts val="0"/>
-              </a:spcAft>
-              <a:buSzPts val="1800"/>
-              <a:buChar char="●"/>
-            </a:pPr>
-            <a:r>
-              <a:rPr lang="en"/>
-              <a:t>Student: Choice of German or English</a:t>
-            </a:r>
-            <a:endParaRPr/>
-          </a:p>
-          <a:p>
-            <a:pPr indent="0" lvl="0" marL="0" rtl="0" algn="l">
-              <a:spcBef>
-                <a:spcPts val="1200"/>
-              </a:spcBef>
-              <a:spcAft>
-                <a:spcPts val="0"/>
-              </a:spcAft>
-              <a:buClr>
-                <a:schemeClr val="dk1"/>
-              </a:buClr>
-              <a:buSzPts val="1100"/>
-              <a:buFont typeface="Arial"/>
-              <a:buNone/>
-            </a:pPr>
-            <a:r>
-              <a:rPr b="1" lang="en"/>
-              <a:t>Project</a:t>
-            </a:r>
-            <a:endParaRPr b="1"/>
-          </a:p>
-          <a:p>
-            <a:pPr indent="-342900" lvl="0" marL="457200" rtl="0" algn="l">
-              <a:spcBef>
-                <a:spcPts val="1200"/>
-              </a:spcBef>
-              <a:spcAft>
-                <a:spcPts val="0"/>
-              </a:spcAft>
-              <a:buSzPts val="1800"/>
-              <a:buChar char="●"/>
-            </a:pPr>
-            <a:r>
-              <a:rPr lang="en"/>
-              <a:t>AMOS team: German or English</a:t>
-            </a:r>
-            <a:endParaRPr/>
-          </a:p>
-          <a:p>
-            <a:pPr indent="-342900" lvl="0" marL="457200" rtl="0" algn="l">
-              <a:spcBef>
-                <a:spcPts val="0"/>
-              </a:spcBef>
-              <a:spcAft>
-                <a:spcPts val="0"/>
-              </a:spcAft>
-              <a:buSzPts val="1800"/>
-              <a:buChar char="●"/>
-            </a:pPr>
-            <a:r>
-              <a:rPr lang="en"/>
-              <a:t>Homework: Choice of German or English</a:t>
-            </a:r>
-            <a:endParaRPr/>
-          </a:p>
-          <a:p>
-            <a:pPr indent="0" lvl="0" marL="0" rtl="0" algn="l">
-              <a:spcBef>
-                <a:spcPts val="1200"/>
-              </a:spcBef>
-              <a:spcAft>
-                <a:spcPts val="1200"/>
-              </a:spcAft>
-              <a:buNone/>
-            </a:pPr>
-            <a:r>
-              <a:t/>
-            </a:r>
-            <a:endParaRPr/>
-          </a:p>
-        </p:txBody>
-      </p:sp>
-    </p:spTree>
-  </p:cSld>
-  <p:clrMapOvr>
-    <a:masterClrMapping/>
-  </p:clrMapOvr>
-</p:sld>
-</file>
-
-<file path=ppt/slides/slide12.xml><?xml version="1.0" encoding="utf-8"?>
-<p:sld xmlns:a="http://schemas.openxmlformats.org/drawingml/2006/main" xmlns:r="http://schemas.openxmlformats.org/officeDocument/2006/relationships" xmlns:mc="http://schemas.openxmlformats.org/markup-compatibility/2006" xmlns:mv="urn:schemas-microsoft-com:mac:vml" xmlns:p="http://schemas.openxmlformats.org/presentationml/2006/main" xmlns:c="http://schemas.openxmlformats.org/drawingml/2006/chart" xmlns:dgm="http://schemas.openxmlformats.org/drawingml/2006/diagram" xmlns:o="urn:schemas-microsoft-com:office:office" xmlns:v="urn:schemas-microsoft-com:vml" xmlns:pvml="urn:schemas-microsoft-com:office:powerpoint" xmlns:com="http://schemas.openxmlformats.org/drawingml/2006/compatibility" xmlns:p14="http://schemas.microsoft.com/office/powerpoint/2010/main" xmlns:p15="http://schemas.microsoft.com/office/powerpoint/2012/main" xmlns:ahyp="http://schemas.microsoft.com/office/drawing/2018/hyperlinkcolor">
-  <p:cSld>
-    <p:spTree>
-      <p:nvGrpSpPr>
-        <p:cNvPr id="113" name="Shape 113"/>
-        <p:cNvGrpSpPr/>
-        <p:nvPr/>
-      </p:nvGrpSpPr>
-      <p:grpSpPr>
-        <a:xfrm>
-          <a:off x="0" y="0"/>
-          <a:ext cx="0" cy="0"/>
-          <a:chOff x="0" y="0"/>
-          <a:chExt cx="0" cy="0"/>
-        </a:xfrm>
-      </p:grpSpPr>
-      <p:sp>
-        <p:nvSpPr>
-          <p:cNvPr id="114" name="Google Shape;114;p19"/>
-          <p:cNvSpPr txBox="1"/>
-          <p:nvPr>
-            <p:ph type="title"/>
-          </p:nvPr>
-        </p:nvSpPr>
-        <p:spPr>
-          <a:xfrm>
-            <a:off x="0" y="0"/>
-            <a:ext cx="9144000" cy="685800"/>
-          </a:xfrm>
-          <a:prstGeom prst="rect">
-            <a:avLst/>
-          </a:prstGeom>
-        </p:spPr>
-        <p:txBody>
-          <a:bodyPr anchorCtr="0" anchor="ctr" bIns="91425" lIns="274300" spcFirstLastPara="1" rIns="91425" wrap="square" tIns="91425">
-            <a:noAutofit/>
-          </a:bodyPr>
-          <a:lstStyle/>
-          <a:p>
-            <a:pPr indent="0" lvl="0" marL="0" rtl="0" algn="l">
-              <a:spcBef>
-                <a:spcPts val="0"/>
-              </a:spcBef>
-              <a:spcAft>
-                <a:spcPts val="0"/>
-              </a:spcAft>
-              <a:buNone/>
-            </a:pPr>
-            <a:r>
-              <a:rPr lang="en"/>
-              <a:t>Course Organization</a:t>
-            </a:r>
-            <a:endParaRPr/>
-          </a:p>
-        </p:txBody>
-      </p:sp>
-      <p:sp>
-        <p:nvSpPr>
-          <p:cNvPr id="115" name="Google Shape;115;p19"/>
-          <p:cNvSpPr txBox="1"/>
-          <p:nvPr>
-            <p:ph idx="1" type="body"/>
-          </p:nvPr>
-        </p:nvSpPr>
-        <p:spPr>
-          <a:xfrm>
-            <a:off x="274320" y="914400"/>
-            <a:ext cx="8595300" cy="4114800"/>
-          </a:xfrm>
-          <a:prstGeom prst="rect">
-            <a:avLst/>
-          </a:prstGeom>
-        </p:spPr>
-        <p:txBody>
-          <a:bodyPr anchorCtr="0" anchor="t" bIns="0" lIns="0" spcFirstLastPara="1" rIns="0" wrap="square" tIns="0">
-            <a:noAutofit/>
-          </a:bodyPr>
-          <a:lstStyle/>
-          <a:p>
-            <a:pPr indent="0" lvl="0" marL="0" rtl="0" algn="l">
-              <a:spcBef>
-                <a:spcPts val="0"/>
-              </a:spcBef>
-              <a:spcAft>
-                <a:spcPts val="0"/>
-              </a:spcAft>
-              <a:buClr>
-                <a:schemeClr val="dk1"/>
-              </a:buClr>
-              <a:buSzPts val="1100"/>
-              <a:buFont typeface="Arial"/>
-              <a:buNone/>
-            </a:pPr>
-            <a:r>
-              <a:rPr b="1" lang="en"/>
-              <a:t>Course organization</a:t>
-            </a:r>
-            <a:endParaRPr b="1"/>
-          </a:p>
-          <a:p>
-            <a:pPr indent="-342900" lvl="0" marL="457200" rtl="0" algn="l">
-              <a:spcBef>
-                <a:spcPts val="1200"/>
-              </a:spcBef>
-              <a:spcAft>
-                <a:spcPts val="0"/>
-              </a:spcAft>
-              <a:buSzPts val="1800"/>
-              <a:buChar char="●"/>
-            </a:pPr>
-            <a:r>
-              <a:rPr lang="en"/>
-              <a:t>See </a:t>
-            </a:r>
-            <a:r>
-              <a:rPr lang="en" u="sng">
-                <a:solidFill>
-                  <a:schemeClr val="hlink"/>
-                </a:solidFill>
-                <a:hlinkClick r:id="rId3"/>
-              </a:rPr>
-              <a:t>https://coach.uni1.de</a:t>
-            </a:r>
-            <a:r>
-              <a:rPr lang="en"/>
-              <a:t>  </a:t>
-            </a:r>
-            <a:endParaRPr/>
-          </a:p>
-          <a:p>
-            <a:pPr indent="0" lvl="0" marL="0" rtl="0" algn="l">
-              <a:spcBef>
-                <a:spcPts val="1200"/>
-              </a:spcBef>
-              <a:spcAft>
-                <a:spcPts val="0"/>
-              </a:spcAft>
-              <a:buClr>
-                <a:schemeClr val="dk1"/>
-              </a:buClr>
-              <a:buSzPts val="1100"/>
-              <a:buFont typeface="Arial"/>
-              <a:buNone/>
-            </a:pPr>
-            <a:r>
-              <a:rPr b="1" lang="en"/>
-              <a:t>Course schedule</a:t>
-            </a:r>
-            <a:endParaRPr b="1"/>
-          </a:p>
-          <a:p>
-            <a:pPr indent="-342900" lvl="0" marL="457200" rtl="0" algn="l">
-              <a:spcBef>
-                <a:spcPts val="1200"/>
-              </a:spcBef>
-              <a:spcAft>
-                <a:spcPts val="0"/>
-              </a:spcAft>
-              <a:buSzPts val="1800"/>
-              <a:buChar char="●"/>
-            </a:pPr>
-            <a:r>
-              <a:rPr lang="en"/>
-              <a:t>See </a:t>
-            </a:r>
-            <a:r>
-              <a:rPr b="1" lang="en"/>
-              <a:t>Schedule</a:t>
-            </a:r>
-            <a:r>
-              <a:rPr lang="en"/>
-              <a:t> tab on Course organization doc</a:t>
-            </a:r>
-            <a:endParaRPr/>
-          </a:p>
-          <a:p>
-            <a:pPr indent="0" lvl="0" marL="0" rtl="0" algn="l">
-              <a:spcBef>
-                <a:spcPts val="1200"/>
-              </a:spcBef>
-              <a:spcAft>
-                <a:spcPts val="1200"/>
-              </a:spcAft>
-              <a:buNone/>
-            </a:pPr>
-            <a:r>
-              <a:t/>
             </a:r>
             <a:endParaRPr/>
           </a:p>
@@ -6604,7 +6782,7 @@
             </a:pPr>
             <a:r>
               <a:rPr lang="en"/>
-              <a:t>This Semester’s Projects</a:t>
+              <a:t>Course Language</a:t>
             </a:r>
             <a:endParaRPr/>
           </a:p>
@@ -6613,6 +6791,75 @@
       <p:sp>
         <p:nvSpPr>
           <p:cNvPr id="122" name="Google Shape;122;p20"/>
+          <p:cNvSpPr txBox="1"/>
+          <p:nvPr>
+            <p:ph idx="12" type="sldNum"/>
+          </p:nvPr>
+        </p:nvSpPr>
+        <p:spPr>
+          <a:xfrm>
+            <a:off x="7315202" y="4416550"/>
+            <a:ext cx="1828800" cy="731400"/>
+          </a:xfrm>
+          <a:prstGeom prst="rect">
+            <a:avLst/>
+          </a:prstGeom>
+        </p:spPr>
+        <p:txBody>
+          <a:bodyPr anchorCtr="0" anchor="b" bIns="91425" lIns="91425" spcFirstLastPara="1" rIns="91425" wrap="square" tIns="91425">
+            <a:noAutofit/>
+          </a:bodyPr>
+          <a:lstStyle/>
+          <a:p>
+            <a:pPr indent="0" lvl="0" marL="0" rtl="0" algn="r">
+              <a:spcBef>
+                <a:spcPts val="0"/>
+              </a:spcBef>
+              <a:spcAft>
+                <a:spcPts val="0"/>
+              </a:spcAft>
+              <a:buNone/>
+            </a:pPr>
+            <a:fld id="{00000000-1234-1234-1234-123412341234}" type="slidenum">
+              <a:rPr lang="en"/>
+              <a:t>‹#›</a:t>
+            </a:fld>
+            <a:endParaRPr/>
+          </a:p>
+          <a:p>
+            <a:pPr indent="0" lvl="0" marL="0" rtl="0" algn="r">
+              <a:spcBef>
+                <a:spcPts val="0"/>
+              </a:spcBef>
+              <a:spcAft>
+                <a:spcPts val="0"/>
+              </a:spcAft>
+              <a:buNone/>
+            </a:pPr>
+            <a:r>
+              <a:rPr b="0" lang="en" sz="900" u="sng">
+                <a:solidFill>
+                  <a:schemeClr val="hlink"/>
+                </a:solidFill>
+                <a:hlinkClick r:id="rId3"/>
+              </a:rPr>
+              <a:t>https://profriehle.com</a:t>
+            </a:r>
+            <a:r>
+              <a:rPr b="0" lang="en" sz="900">
+                <a:solidFill>
+                  <a:schemeClr val="dk2"/>
+                </a:solidFill>
+              </a:rPr>
+              <a:t> </a:t>
+            </a:r>
+            <a:endParaRPr/>
+          </a:p>
+        </p:txBody>
+      </p:sp>
+      <p:sp>
+        <p:nvSpPr>
+          <p:cNvPr id="123" name="Google Shape;123;p20"/>
           <p:cNvSpPr txBox="1"/>
           <p:nvPr>
             <p:ph idx="1" type="body"/>
@@ -6640,15 +6887,16 @@
               <a:spcAft>
                 <a:spcPts val="0"/>
               </a:spcAft>
+              <a:buClr>
+                <a:schemeClr val="dk1"/>
+              </a:buClr>
+              <a:buSzPts val="1100"/>
+              <a:buFont typeface="Arial"/>
               <a:buNone/>
             </a:pPr>
             <a:r>
               <a:rPr lang="en"/>
-              <a:t>A</a:t>
-            </a:r>
-            <a:r>
-              <a:rPr lang="en"/>
-              <a:t>MOS course organization</a:t>
+              <a:t>Class</a:t>
             </a:r>
             <a:endParaRPr/>
           </a:p>
@@ -6665,39 +6913,14 @@
             </a:pPr>
             <a:r>
               <a:rPr lang="en"/>
-              <a:t>See </a:t>
-            </a:r>
-            <a:r>
-              <a:rPr lang="en" u="sng">
-                <a:solidFill>
-                  <a:schemeClr val="hlink"/>
-                </a:solidFill>
-                <a:hlinkClick r:id="rId3"/>
-              </a:rPr>
-              <a:t>https://amos.uni1.de</a:t>
-            </a:r>
-            <a:endParaRPr/>
-          </a:p>
-          <a:p>
-            <a:pPr indent="0" lvl="0" marL="0" rtl="0" algn="l">
-              <a:spcBef>
-                <a:spcPts val="1200"/>
-              </a:spcBef>
-              <a:spcAft>
-                <a:spcPts val="0"/>
-              </a:spcAft>
-              <a:buNone/>
-            </a:pPr>
-            <a:r>
-              <a:rPr lang="en"/>
-              <a:t>Coach to team allocation</a:t>
+              <a:t>Lecturer: English</a:t>
             </a:r>
             <a:endParaRPr/>
           </a:p>
           <a:p>
             <a:pPr indent="-342900" lvl="0" marL="457200" rtl="0" algn="l">
               <a:spcBef>
-                <a:spcPts val="1200"/>
+                <a:spcPts val="0"/>
               </a:spcBef>
               <a:spcAft>
                 <a:spcPts val="0"/>
@@ -6707,84 +6930,77 @@
             </a:pPr>
             <a:r>
               <a:rPr lang="en"/>
-              <a:t>See </a:t>
-            </a:r>
-            <a:r>
-              <a:rPr b="1" lang="en"/>
-              <a:t>Project Teams</a:t>
-            </a:r>
+              <a:t>Student: Choice of German or English</a:t>
+            </a:r>
+            <a:endParaRPr/>
+          </a:p>
+          <a:p>
+            <a:pPr indent="0" lvl="0" marL="0" rtl="0" algn="l">
+              <a:spcBef>
+                <a:spcPts val="1200"/>
+              </a:spcBef>
+              <a:spcAft>
+                <a:spcPts val="0"/>
+              </a:spcAft>
+              <a:buClr>
+                <a:schemeClr val="dk1"/>
+              </a:buClr>
+              <a:buSzPts val="1100"/>
+              <a:buFont typeface="Arial"/>
+              <a:buNone/>
+            </a:pPr>
             <a:r>
               <a:rPr lang="en"/>
-              <a:t> tab on AMOS Course Organization doc </a:t>
-            </a:r>
-            <a:endParaRPr/>
-          </a:p>
-        </p:txBody>
-      </p:sp>
-      <p:sp>
-        <p:nvSpPr>
-          <p:cNvPr id="123" name="Google Shape;123;p20"/>
-          <p:cNvSpPr txBox="1"/>
-          <p:nvPr>
-            <p:ph idx="12" type="sldNum"/>
-          </p:nvPr>
-        </p:nvSpPr>
-        <p:spPr>
-          <a:xfrm>
-            <a:off x="7315202" y="4416550"/>
-            <a:ext cx="1828800" cy="731400"/>
-          </a:xfrm>
-          <a:prstGeom prst="rect">
-            <a:avLst/>
-          </a:prstGeom>
-        </p:spPr>
-        <p:txBody>
-          <a:bodyPr anchorCtr="0" anchor="b" bIns="91425" lIns="91425" spcFirstLastPara="1" rIns="91425" wrap="square" tIns="91425">
-            <a:noAutofit/>
-          </a:bodyPr>
-          <a:lstStyle/>
-          <a:p>
-            <a:pPr indent="0" lvl="0" marL="0" rtl="0" algn="r">
-              <a:spcBef>
-                <a:spcPts val="0"/>
-              </a:spcBef>
-              <a:spcAft>
-                <a:spcPts val="0"/>
-              </a:spcAft>
-              <a:buNone/>
-            </a:pPr>
-            <a:fld id="{00000000-1234-1234-1234-123412341234}" type="slidenum">
+              <a:t>Project</a:t>
+            </a:r>
+            <a:endParaRPr/>
+          </a:p>
+          <a:p>
+            <a:pPr indent="-342900" lvl="0" marL="457200" rtl="0" algn="l">
+              <a:spcBef>
+                <a:spcPts val="1200"/>
+              </a:spcBef>
+              <a:spcAft>
+                <a:spcPts val="0"/>
+              </a:spcAft>
+              <a:buSzPts val="1800"/>
+              <a:buChar char="●"/>
+            </a:pPr>
+            <a:r>
               <a:rPr lang="en"/>
-              <a:t>‹#›</a:t>
-            </a:fld>
-            <a:endParaRPr/>
-          </a:p>
-          <a:p>
-            <a:pPr indent="0" lvl="0" marL="0" rtl="0" algn="r">
-              <a:spcBef>
-                <a:spcPts val="0"/>
-              </a:spcBef>
-              <a:spcAft>
-                <a:spcPts val="0"/>
-              </a:spcAft>
-              <a:buNone/>
-            </a:pPr>
-            <a:r>
-              <a:rPr b="0" lang="en" sz="900" u="sng">
-                <a:solidFill>
-                  <a:schemeClr val="hlink"/>
-                </a:solidFill>
-                <a:hlinkClick r:id="rId4"/>
-              </a:rPr>
-              <a:t>https://profriehle.com</a:t>
-            </a:r>
-            <a:r>
-              <a:rPr b="0" lang="en" sz="900">
-                <a:solidFill>
-                  <a:schemeClr val="dk2"/>
-                </a:solidFill>
-              </a:rPr>
-              <a:t> </a:t>
+              <a:t>AMOS team: German or English</a:t>
+            </a:r>
+            <a:endParaRPr/>
+          </a:p>
+          <a:p>
+            <a:pPr indent="-342900" lvl="0" marL="457200" rtl="0" algn="l">
+              <a:spcBef>
+                <a:spcPts val="0"/>
+              </a:spcBef>
+              <a:spcAft>
+                <a:spcPts val="0"/>
+              </a:spcAft>
+              <a:buSzPts val="1800"/>
+              <a:buChar char="●"/>
+            </a:pPr>
+            <a:r>
+              <a:rPr lang="en"/>
+              <a:t>Homework: Choice of German or English</a:t>
+            </a:r>
+            <a:endParaRPr/>
+          </a:p>
+          <a:p>
+            <a:pPr indent="0" lvl="0" marL="0" rtl="0" algn="l">
+              <a:spcBef>
+                <a:spcPts val="1200"/>
+              </a:spcBef>
+              <a:spcAft>
+                <a:spcPts val="1200"/>
+              </a:spcAft>
+              <a:buNone/>
+            </a:pPr>
+            <a:r>
+              <a:t/>
             </a:r>
             <a:endParaRPr/>
           </a:p>
@@ -6849,7 +7065,7 @@
             </a:pPr>
             <a:r>
               <a:rPr lang="en"/>
-              <a:t>Work Rhythm</a:t>
+              <a:t>Course Organization</a:t>
             </a:r>
             <a:endParaRPr/>
           </a:p>
@@ -6858,6 +7074,134 @@
       <p:sp>
         <p:nvSpPr>
           <p:cNvPr id="129" name="Google Shape;129;p21"/>
+          <p:cNvSpPr txBox="1"/>
+          <p:nvPr>
+            <p:ph idx="1" type="body"/>
+          </p:nvPr>
+        </p:nvSpPr>
+        <p:spPr>
+          <a:xfrm>
+            <a:off x="274320" y="914400"/>
+            <a:ext cx="8595300" cy="4114800"/>
+          </a:xfrm>
+          <a:prstGeom prst="rect">
+            <a:avLst/>
+          </a:prstGeom>
+        </p:spPr>
+        <p:txBody>
+          <a:bodyPr anchorCtr="0" anchor="t" bIns="0" lIns="0" spcFirstLastPara="1" rIns="0" wrap="square" tIns="0">
+            <a:noAutofit/>
+          </a:bodyPr>
+          <a:lstStyle/>
+          <a:p>
+            <a:pPr indent="0" lvl="0" marL="0" rtl="0" algn="l">
+              <a:spcBef>
+                <a:spcPts val="0"/>
+              </a:spcBef>
+              <a:spcAft>
+                <a:spcPts val="0"/>
+              </a:spcAft>
+              <a:buClr>
+                <a:schemeClr val="dk1"/>
+              </a:buClr>
+              <a:buSzPts val="1100"/>
+              <a:buFont typeface="Arial"/>
+              <a:buNone/>
+            </a:pPr>
+            <a:r>
+              <a:rPr lang="en"/>
+              <a:t>Course organization</a:t>
+            </a:r>
+            <a:endParaRPr/>
+          </a:p>
+          <a:p>
+            <a:pPr indent="-342900" lvl="0" marL="457200" rtl="0" algn="l">
+              <a:spcBef>
+                <a:spcPts val="1200"/>
+              </a:spcBef>
+              <a:spcAft>
+                <a:spcPts val="0"/>
+              </a:spcAft>
+              <a:buSzPts val="1800"/>
+              <a:buChar char="●"/>
+            </a:pPr>
+            <a:r>
+              <a:rPr lang="en"/>
+              <a:t>See </a:t>
+            </a:r>
+            <a:r>
+              <a:rPr lang="en" u="sng">
+                <a:solidFill>
+                  <a:schemeClr val="hlink"/>
+                </a:solidFill>
+                <a:hlinkClick r:id="rId3"/>
+              </a:rPr>
+              <a:t>https://coach.uni1.de</a:t>
+            </a:r>
+            <a:r>
+              <a:rPr lang="en"/>
+              <a:t>  </a:t>
+            </a:r>
+            <a:endParaRPr/>
+          </a:p>
+          <a:p>
+            <a:pPr indent="0" lvl="0" marL="0" rtl="0" algn="l">
+              <a:spcBef>
+                <a:spcPts val="1200"/>
+              </a:spcBef>
+              <a:spcAft>
+                <a:spcPts val="0"/>
+              </a:spcAft>
+              <a:buClr>
+                <a:schemeClr val="dk1"/>
+              </a:buClr>
+              <a:buSzPts val="1100"/>
+              <a:buFont typeface="Arial"/>
+              <a:buNone/>
+            </a:pPr>
+            <a:r>
+              <a:rPr lang="en"/>
+              <a:t>Course schedule</a:t>
+            </a:r>
+            <a:endParaRPr/>
+          </a:p>
+          <a:p>
+            <a:pPr indent="-342900" lvl="0" marL="457200" rtl="0" algn="l">
+              <a:spcBef>
+                <a:spcPts val="1200"/>
+              </a:spcBef>
+              <a:spcAft>
+                <a:spcPts val="0"/>
+              </a:spcAft>
+              <a:buSzPts val="1800"/>
+              <a:buChar char="●"/>
+            </a:pPr>
+            <a:r>
+              <a:rPr lang="en"/>
+              <a:t>See Schedule tab on Course organization doc</a:t>
+            </a:r>
+            <a:endParaRPr/>
+          </a:p>
+          <a:p>
+            <a:pPr indent="0" lvl="0" marL="0" rtl="0" algn="l">
+              <a:spcBef>
+                <a:spcPts val="1200"/>
+              </a:spcBef>
+              <a:spcAft>
+                <a:spcPts val="1200"/>
+              </a:spcAft>
+              <a:buNone/>
+            </a:pPr>
+            <a:r>
+              <a:t/>
+            </a:r>
+            <a:endParaRPr/>
+          </a:p>
+        </p:txBody>
+      </p:sp>
+      <p:sp>
+        <p:nvSpPr>
+          <p:cNvPr id="130" name="Google Shape;130;p21"/>
           <p:cNvSpPr txBox="1"/>
           <p:nvPr>
             <p:ph idx="12" type="sldNum"/>
@@ -6908,7 +7252,7 @@
                 <a:solidFill>
                   <a:schemeClr val="hlink"/>
                 </a:solidFill>
-                <a:hlinkClick r:id="rId3"/>
+                <a:hlinkClick r:id="rId4"/>
               </a:rPr>
               <a:t>https://profriehle.com</a:t>
             </a:r>
@@ -6919,151 +7263,6 @@
                 </a:solidFill>
               </a:rPr>
               <a:t> </a:t>
-            </a:r>
-            <a:endParaRPr/>
-          </a:p>
-        </p:txBody>
-      </p:sp>
-      <p:sp>
-        <p:nvSpPr>
-          <p:cNvPr id="130" name="Google Shape;130;p21"/>
-          <p:cNvSpPr txBox="1"/>
-          <p:nvPr>
-            <p:ph idx="1" type="body"/>
-          </p:nvPr>
-        </p:nvSpPr>
-        <p:spPr>
-          <a:xfrm>
-            <a:off x="274320" y="914400"/>
-            <a:ext cx="8595300" cy="4114800"/>
-          </a:xfrm>
-          <a:prstGeom prst="rect">
-            <a:avLst/>
-          </a:prstGeom>
-        </p:spPr>
-        <p:txBody>
-          <a:bodyPr anchorCtr="0" anchor="t" bIns="0" lIns="0" spcFirstLastPara="1" rIns="0" wrap="square" tIns="0">
-            <a:noAutofit/>
-          </a:bodyPr>
-          <a:lstStyle/>
-          <a:p>
-            <a:pPr indent="-342900" lvl="0" marL="457200" rtl="0" algn="l">
-              <a:spcBef>
-                <a:spcPts val="0"/>
-              </a:spcBef>
-              <a:spcAft>
-                <a:spcPts val="0"/>
-              </a:spcAft>
-              <a:buSzPts val="1800"/>
-              <a:buAutoNum type="arabicPeriod"/>
-            </a:pPr>
-            <a:r>
-              <a:rPr lang="en"/>
-              <a:t>Lecture (class discussion)</a:t>
-            </a:r>
-            <a:endParaRPr/>
-          </a:p>
-          <a:p>
-            <a:pPr indent="-317500" lvl="1" marL="914400" rtl="0" algn="l">
-              <a:spcBef>
-                <a:spcPts val="0"/>
-              </a:spcBef>
-              <a:spcAft>
-                <a:spcPts val="0"/>
-              </a:spcAft>
-              <a:buSzPts val="1400"/>
-              <a:buChar char="○"/>
-            </a:pPr>
-            <a:r>
-              <a:rPr lang="en"/>
-              <a:t>Retrospectiv</a:t>
-            </a:r>
-            <a:r>
-              <a:rPr lang="en"/>
-              <a:t>e</a:t>
-            </a:r>
-            <a:endParaRPr/>
-          </a:p>
-          <a:p>
-            <a:pPr indent="-342900" lvl="0" marL="457200" rtl="0" algn="l">
-              <a:spcBef>
-                <a:spcPts val="1000"/>
-              </a:spcBef>
-              <a:spcAft>
-                <a:spcPts val="0"/>
-              </a:spcAft>
-              <a:buSzPts val="1800"/>
-              <a:buAutoNum type="arabicPeriod"/>
-            </a:pPr>
-            <a:r>
-              <a:rPr lang="en"/>
-              <a:t>Exercise (team meetings)</a:t>
-            </a:r>
-            <a:endParaRPr/>
-          </a:p>
-          <a:p>
-            <a:pPr indent="-317500" lvl="1" marL="914400" rtl="0" algn="l">
-              <a:spcBef>
-                <a:spcPts val="0"/>
-              </a:spcBef>
-              <a:spcAft>
-                <a:spcPts val="0"/>
-              </a:spcAft>
-              <a:buSzPts val="1400"/>
-              <a:buChar char="○"/>
-            </a:pPr>
-            <a:r>
-              <a:rPr lang="en"/>
-              <a:t>AMOS team meeting</a:t>
-            </a:r>
-            <a:endParaRPr/>
-          </a:p>
-          <a:p>
-            <a:pPr indent="-342900" lvl="0" marL="457200" rtl="0" algn="l">
-              <a:spcBef>
-                <a:spcPts val="1000"/>
-              </a:spcBef>
-              <a:spcAft>
-                <a:spcPts val="0"/>
-              </a:spcAft>
-              <a:buSzPts val="1800"/>
-              <a:buAutoNum type="arabicPeriod"/>
-            </a:pPr>
-            <a:r>
-              <a:rPr lang="en"/>
-              <a:t>Homework (self-organized)</a:t>
-            </a:r>
-            <a:endParaRPr/>
-          </a:p>
-          <a:p>
-            <a:pPr indent="-317500" lvl="1" marL="914400" rtl="0" algn="l">
-              <a:spcBef>
-                <a:spcPts val="0"/>
-              </a:spcBef>
-              <a:spcAft>
-                <a:spcPts val="0"/>
-              </a:spcAft>
-              <a:buSzPts val="1400"/>
-              <a:buChar char="○"/>
-            </a:pPr>
-            <a:r>
-              <a:rPr lang="en"/>
-              <a:t>See Course Organization doc</a:t>
-            </a:r>
-            <a:endParaRPr/>
-          </a:p>
-          <a:p>
-            <a:pPr indent="0" lvl="0" marL="0" rtl="0" algn="l">
-              <a:spcBef>
-                <a:spcPts val="1200"/>
-              </a:spcBef>
-              <a:spcAft>
-                <a:spcPts val="1200"/>
-              </a:spcAft>
-              <a:buNone/>
-            </a:pPr>
-            <a:r>
-              <a:t/>
             </a:r>
             <a:endParaRPr/>
           </a:p>
@@ -7128,7 +7327,7 @@
             </a:pPr>
             <a:r>
               <a:rPr lang="en"/>
-              <a:t>Course Communication</a:t>
+              <a:t>This Semester’s Projects</a:t>
             </a:r>
             <a:endParaRPr/>
           </a:p>
@@ -7167,12 +7366,8 @@
               <a:buNone/>
             </a:pPr>
             <a:r>
-              <a:rPr b="1" lang="en"/>
-              <a:t>Announcements</a:t>
-            </a:r>
-            <a:r>
               <a:rPr lang="en"/>
-              <a:t> are sent by email</a:t>
+              <a:t>AMOS course organization</a:t>
             </a:r>
             <a:endParaRPr/>
           </a:p>
@@ -7189,14 +7384,43 @@
             </a:pPr>
             <a:r>
               <a:rPr lang="en"/>
-              <a:t>Through email aliases</a:t>
+              <a:t>See </a:t>
+            </a:r>
+            <a:r>
+              <a:rPr lang="en" u="sng">
+                <a:solidFill>
+                  <a:schemeClr val="hlink"/>
+                </a:solidFill>
+                <a:hlinkClick r:id="rId3"/>
+              </a:rPr>
+              <a:t>https://uni1.de/amos/index</a:t>
+            </a:r>
+            <a:r>
+              <a:rPr lang="en"/>
+              <a:t> </a:t>
+            </a:r>
+            <a:endParaRPr/>
+          </a:p>
+          <a:p>
+            <a:pPr indent="0" lvl="0" marL="0" rtl="0" algn="l">
+              <a:spcBef>
+                <a:spcPts val="1200"/>
+              </a:spcBef>
+              <a:spcAft>
+                <a:spcPts val="0"/>
+              </a:spcAft>
+              <a:buNone/>
+            </a:pPr>
+            <a:r>
+              <a:rPr lang="en"/>
+              <a:t>Coach to team allocation</a:t>
             </a:r>
             <a:endParaRPr/>
           </a:p>
           <a:p>
             <a:pPr indent="-342900" lvl="0" marL="457200" rtl="0" algn="l">
               <a:spcBef>
-                <a:spcPts val="0"/>
+                <a:spcPts val="1200"/>
               </a:spcBef>
               <a:spcAft>
                 <a:spcPts val="0"/>
@@ -7206,111 +7430,7 @@
             </a:pPr>
             <a:r>
               <a:rPr lang="en"/>
-              <a:t>Through course management system</a:t>
-            </a:r>
-            <a:endParaRPr/>
-          </a:p>
-          <a:p>
-            <a:pPr indent="0" lvl="0" marL="0" rtl="0" algn="l">
-              <a:spcBef>
-                <a:spcPts val="1200"/>
-              </a:spcBef>
-              <a:spcAft>
-                <a:spcPts val="0"/>
-              </a:spcAft>
-              <a:buNone/>
-            </a:pPr>
-            <a:r>
-              <a:rPr b="1" lang="en"/>
-              <a:t>Administrative questions</a:t>
-            </a:r>
-            <a:r>
-              <a:rPr lang="en"/>
-              <a:t> to teaching team</a:t>
-            </a:r>
-            <a:endParaRPr/>
-          </a:p>
-          <a:p>
-            <a:pPr indent="-342900" lvl="0" marL="457200" rtl="0" algn="l">
-              <a:spcBef>
-                <a:spcPts val="1200"/>
-              </a:spcBef>
-              <a:spcAft>
-                <a:spcPts val="0"/>
-              </a:spcAft>
-              <a:buSzPts val="1800"/>
-              <a:buChar char="●"/>
-            </a:pPr>
-            <a:r>
-              <a:rPr lang="en"/>
-              <a:t>Please ask your question in the COACH backchannel</a:t>
-            </a:r>
-            <a:endParaRPr/>
-          </a:p>
-          <a:p>
-            <a:pPr indent="-342900" lvl="0" marL="457200" rtl="0" algn="l">
-              <a:spcBef>
-                <a:spcPts val="0"/>
-              </a:spcBef>
-              <a:spcAft>
-                <a:spcPts val="0"/>
-              </a:spcAft>
-              <a:buSzPts val="1800"/>
-              <a:buChar char="●"/>
-            </a:pPr>
-            <a:r>
-              <a:rPr lang="en"/>
-              <a:t>For private questions, use the teaching team email alias</a:t>
-            </a:r>
-            <a:endParaRPr/>
-          </a:p>
-          <a:p>
-            <a:pPr indent="0" lvl="0" marL="0" rtl="0" algn="l">
-              <a:spcBef>
-                <a:spcPts val="1200"/>
-              </a:spcBef>
-              <a:spcAft>
-                <a:spcPts val="0"/>
-              </a:spcAft>
-              <a:buNone/>
-            </a:pPr>
-            <a:r>
-              <a:t/>
-            </a:r>
-            <a:endParaRPr/>
-          </a:p>
-          <a:p>
-            <a:pPr indent="0" lvl="0" marL="0" rtl="0" algn="l">
-              <a:spcBef>
-                <a:spcPts val="1200"/>
-              </a:spcBef>
-              <a:spcAft>
-                <a:spcPts val="0"/>
-              </a:spcAft>
-              <a:buClr>
-                <a:schemeClr val="dk1"/>
-              </a:buClr>
-              <a:buSzPts val="1100"/>
-              <a:buFont typeface="Arial"/>
-              <a:buNone/>
-            </a:pPr>
-            <a:r>
-              <a:t/>
-            </a:r>
-            <a:endParaRPr/>
-          </a:p>
-          <a:p>
-            <a:pPr indent="0" lvl="0" marL="0" rtl="0" algn="l">
-              <a:spcBef>
-                <a:spcPts val="1200"/>
-              </a:spcBef>
-              <a:spcAft>
-                <a:spcPts val="1200"/>
-              </a:spcAft>
-              <a:buNone/>
-            </a:pPr>
-            <a:r>
-              <a:t/>
+              <a:t>By email</a:t>
             </a:r>
             <a:endParaRPr/>
           </a:p>
@@ -7369,7 +7489,7 @@
                 <a:solidFill>
                   <a:schemeClr val="hlink"/>
                 </a:solidFill>
-                <a:hlinkClick r:id="rId3"/>
+                <a:hlinkClick r:id="rId4"/>
               </a:rPr>
               <a:t>https://profriehle.com</a:t>
             </a:r>
@@ -7415,6 +7535,543 @@
           <p:cNvPr id="142" name="Google Shape;142;p23"/>
           <p:cNvSpPr txBox="1"/>
           <p:nvPr>
+            <p:ph type="title"/>
+          </p:nvPr>
+        </p:nvSpPr>
+        <p:spPr>
+          <a:xfrm>
+            <a:off x="0" y="0"/>
+            <a:ext cx="9144000" cy="685800"/>
+          </a:xfrm>
+          <a:prstGeom prst="rect">
+            <a:avLst/>
+          </a:prstGeom>
+        </p:spPr>
+        <p:txBody>
+          <a:bodyPr anchorCtr="0" anchor="ctr" bIns="91425" lIns="274300" spcFirstLastPara="1" rIns="91425" wrap="square" tIns="91425">
+            <a:noAutofit/>
+          </a:bodyPr>
+          <a:lstStyle/>
+          <a:p>
+            <a:pPr indent="0" lvl="0" marL="0" rtl="0" algn="l">
+              <a:spcBef>
+                <a:spcPts val="0"/>
+              </a:spcBef>
+              <a:spcAft>
+                <a:spcPts val="0"/>
+              </a:spcAft>
+              <a:buNone/>
+            </a:pPr>
+            <a:r>
+              <a:rPr lang="en"/>
+              <a:t>Work Rhythm</a:t>
+            </a:r>
+            <a:endParaRPr/>
+          </a:p>
+        </p:txBody>
+      </p:sp>
+      <p:sp>
+        <p:nvSpPr>
+          <p:cNvPr id="143" name="Google Shape;143;p23"/>
+          <p:cNvSpPr txBox="1"/>
+          <p:nvPr>
+            <p:ph idx="12" type="sldNum"/>
+          </p:nvPr>
+        </p:nvSpPr>
+        <p:spPr>
+          <a:xfrm>
+            <a:off x="7315202" y="4416550"/>
+            <a:ext cx="1828800" cy="731400"/>
+          </a:xfrm>
+          <a:prstGeom prst="rect">
+            <a:avLst/>
+          </a:prstGeom>
+        </p:spPr>
+        <p:txBody>
+          <a:bodyPr anchorCtr="0" anchor="b" bIns="91425" lIns="91425" spcFirstLastPara="1" rIns="91425" wrap="square" tIns="91425">
+            <a:noAutofit/>
+          </a:bodyPr>
+          <a:lstStyle/>
+          <a:p>
+            <a:pPr indent="0" lvl="0" marL="0" rtl="0" algn="r">
+              <a:spcBef>
+                <a:spcPts val="0"/>
+              </a:spcBef>
+              <a:spcAft>
+                <a:spcPts val="0"/>
+              </a:spcAft>
+              <a:buNone/>
+            </a:pPr>
+            <a:fld id="{00000000-1234-1234-1234-123412341234}" type="slidenum">
+              <a:rPr lang="en"/>
+              <a:t>‹#›</a:t>
+            </a:fld>
+            <a:endParaRPr/>
+          </a:p>
+          <a:p>
+            <a:pPr indent="0" lvl="0" marL="0" rtl="0" algn="r">
+              <a:spcBef>
+                <a:spcPts val="0"/>
+              </a:spcBef>
+              <a:spcAft>
+                <a:spcPts val="0"/>
+              </a:spcAft>
+              <a:buNone/>
+            </a:pPr>
+            <a:r>
+              <a:rPr b="0" lang="en" sz="900" u="sng">
+                <a:solidFill>
+                  <a:schemeClr val="hlink"/>
+                </a:solidFill>
+                <a:hlinkClick r:id="rId3"/>
+              </a:rPr>
+              <a:t>https://profriehle.com</a:t>
+            </a:r>
+            <a:r>
+              <a:rPr b="0" lang="en" sz="900">
+                <a:solidFill>
+                  <a:schemeClr val="dk2"/>
+                </a:solidFill>
+              </a:rPr>
+              <a:t> </a:t>
+            </a:r>
+            <a:endParaRPr/>
+          </a:p>
+        </p:txBody>
+      </p:sp>
+      <p:sp>
+        <p:nvSpPr>
+          <p:cNvPr id="144" name="Google Shape;144;p23"/>
+          <p:cNvSpPr txBox="1"/>
+          <p:nvPr>
+            <p:ph idx="1" type="body"/>
+          </p:nvPr>
+        </p:nvSpPr>
+        <p:spPr>
+          <a:xfrm>
+            <a:off x="274320" y="914400"/>
+            <a:ext cx="8595300" cy="4114800"/>
+          </a:xfrm>
+          <a:prstGeom prst="rect">
+            <a:avLst/>
+          </a:prstGeom>
+        </p:spPr>
+        <p:txBody>
+          <a:bodyPr anchorCtr="0" anchor="t" bIns="0" lIns="0" spcFirstLastPara="1" rIns="0" wrap="square" tIns="0">
+            <a:noAutofit/>
+          </a:bodyPr>
+          <a:lstStyle/>
+          <a:p>
+            <a:pPr indent="-342900" lvl="0" marL="457200" rtl="0" algn="l">
+              <a:spcBef>
+                <a:spcPts val="0"/>
+              </a:spcBef>
+              <a:spcAft>
+                <a:spcPts val="0"/>
+              </a:spcAft>
+              <a:buSzPts val="1800"/>
+              <a:buAutoNum type="arabicPeriod"/>
+            </a:pPr>
+            <a:r>
+              <a:rPr lang="en"/>
+              <a:t>Lecture (class discussion)</a:t>
+            </a:r>
+            <a:endParaRPr/>
+          </a:p>
+          <a:p>
+            <a:pPr indent="-317500" lvl="1" marL="914400" rtl="0" algn="l">
+              <a:spcBef>
+                <a:spcPts val="0"/>
+              </a:spcBef>
+              <a:spcAft>
+                <a:spcPts val="0"/>
+              </a:spcAft>
+              <a:buSzPts val="1400"/>
+              <a:buChar char="○"/>
+            </a:pPr>
+            <a:r>
+              <a:rPr lang="en"/>
+              <a:t>Retrospectiv</a:t>
+            </a:r>
+            <a:r>
+              <a:rPr lang="en"/>
+              <a:t>e</a:t>
+            </a:r>
+            <a:endParaRPr/>
+          </a:p>
+          <a:p>
+            <a:pPr indent="-342900" lvl="0" marL="457200" rtl="0" algn="l">
+              <a:spcBef>
+                <a:spcPts val="1000"/>
+              </a:spcBef>
+              <a:spcAft>
+                <a:spcPts val="0"/>
+              </a:spcAft>
+              <a:buSzPts val="1800"/>
+              <a:buAutoNum type="arabicPeriod"/>
+            </a:pPr>
+            <a:r>
+              <a:rPr lang="en"/>
+              <a:t>Exercise (team meetings)</a:t>
+            </a:r>
+            <a:endParaRPr/>
+          </a:p>
+          <a:p>
+            <a:pPr indent="-317500" lvl="1" marL="914400" rtl="0" algn="l">
+              <a:spcBef>
+                <a:spcPts val="0"/>
+              </a:spcBef>
+              <a:spcAft>
+                <a:spcPts val="0"/>
+              </a:spcAft>
+              <a:buSzPts val="1400"/>
+              <a:buChar char="○"/>
+            </a:pPr>
+            <a:r>
+              <a:rPr lang="en"/>
+              <a:t>AMOS team meeting</a:t>
+            </a:r>
+            <a:endParaRPr/>
+          </a:p>
+          <a:p>
+            <a:pPr indent="-342900" lvl="0" marL="457200" rtl="0" algn="l">
+              <a:spcBef>
+                <a:spcPts val="1000"/>
+              </a:spcBef>
+              <a:spcAft>
+                <a:spcPts val="0"/>
+              </a:spcAft>
+              <a:buSzPts val="1800"/>
+              <a:buAutoNum type="arabicPeriod"/>
+            </a:pPr>
+            <a:r>
+              <a:rPr lang="en"/>
+              <a:t>Homework (self-organized)</a:t>
+            </a:r>
+            <a:endParaRPr/>
+          </a:p>
+          <a:p>
+            <a:pPr indent="-317500" lvl="1" marL="914400" rtl="0" algn="l">
+              <a:spcBef>
+                <a:spcPts val="0"/>
+              </a:spcBef>
+              <a:spcAft>
+                <a:spcPts val="0"/>
+              </a:spcAft>
+              <a:buSzPts val="1400"/>
+              <a:buChar char="○"/>
+            </a:pPr>
+            <a:r>
+              <a:rPr lang="en"/>
+              <a:t>See Course Organization doc</a:t>
+            </a:r>
+            <a:endParaRPr/>
+          </a:p>
+          <a:p>
+            <a:pPr indent="0" lvl="0" marL="0" rtl="0" algn="l">
+              <a:spcBef>
+                <a:spcPts val="1200"/>
+              </a:spcBef>
+              <a:spcAft>
+                <a:spcPts val="1200"/>
+              </a:spcAft>
+              <a:buNone/>
+            </a:pPr>
+            <a:r>
+              <a:t/>
+            </a:r>
+            <a:endParaRPr/>
+          </a:p>
+        </p:txBody>
+      </p:sp>
+    </p:spTree>
+  </p:cSld>
+  <p:clrMapOvr>
+    <a:masterClrMapping/>
+  </p:clrMapOvr>
+</p:sld>
+</file>
+
+<file path=ppt/slides/slide17.xml><?xml version="1.0" encoding="utf-8"?>
+<p:sld xmlns:a="http://schemas.openxmlformats.org/drawingml/2006/main" xmlns:r="http://schemas.openxmlformats.org/officeDocument/2006/relationships" xmlns:mc="http://schemas.openxmlformats.org/markup-compatibility/2006" xmlns:mv="urn:schemas-microsoft-com:mac:vml" xmlns:p="http://schemas.openxmlformats.org/presentationml/2006/main" xmlns:c="http://schemas.openxmlformats.org/drawingml/2006/chart" xmlns:dgm="http://schemas.openxmlformats.org/drawingml/2006/diagram" xmlns:o="urn:schemas-microsoft-com:office:office" xmlns:v="urn:schemas-microsoft-com:vml" xmlns:pvml="urn:schemas-microsoft-com:office:powerpoint" xmlns:com="http://schemas.openxmlformats.org/drawingml/2006/compatibility" xmlns:p14="http://schemas.microsoft.com/office/powerpoint/2010/main" xmlns:p15="http://schemas.microsoft.com/office/powerpoint/2012/main" xmlns:ahyp="http://schemas.microsoft.com/office/drawing/2018/hyperlinkcolor">
+  <p:cSld>
+    <p:spTree>
+      <p:nvGrpSpPr>
+        <p:cNvPr id="148" name="Shape 148"/>
+        <p:cNvGrpSpPr/>
+        <p:nvPr/>
+      </p:nvGrpSpPr>
+      <p:grpSpPr>
+        <a:xfrm>
+          <a:off x="0" y="0"/>
+          <a:ext cx="0" cy="0"/>
+          <a:chOff x="0" y="0"/>
+          <a:chExt cx="0" cy="0"/>
+        </a:xfrm>
+      </p:grpSpPr>
+      <p:sp>
+        <p:nvSpPr>
+          <p:cNvPr id="149" name="Google Shape;149;p24"/>
+          <p:cNvSpPr txBox="1"/>
+          <p:nvPr>
+            <p:ph type="title"/>
+          </p:nvPr>
+        </p:nvSpPr>
+        <p:spPr>
+          <a:xfrm>
+            <a:off x="0" y="0"/>
+            <a:ext cx="9144000" cy="685800"/>
+          </a:xfrm>
+          <a:prstGeom prst="rect">
+            <a:avLst/>
+          </a:prstGeom>
+        </p:spPr>
+        <p:txBody>
+          <a:bodyPr anchorCtr="0" anchor="ctr" bIns="91425" lIns="274300" spcFirstLastPara="1" rIns="91425" wrap="square" tIns="91425">
+            <a:noAutofit/>
+          </a:bodyPr>
+          <a:lstStyle/>
+          <a:p>
+            <a:pPr indent="0" lvl="0" marL="0" rtl="0" algn="l">
+              <a:spcBef>
+                <a:spcPts val="0"/>
+              </a:spcBef>
+              <a:spcAft>
+                <a:spcPts val="0"/>
+              </a:spcAft>
+              <a:buNone/>
+            </a:pPr>
+            <a:r>
+              <a:rPr lang="en"/>
+              <a:t>Course Communication</a:t>
+            </a:r>
+            <a:endParaRPr/>
+          </a:p>
+        </p:txBody>
+      </p:sp>
+      <p:sp>
+        <p:nvSpPr>
+          <p:cNvPr id="150" name="Google Shape;150;p24"/>
+          <p:cNvSpPr txBox="1"/>
+          <p:nvPr>
+            <p:ph idx="1" type="body"/>
+          </p:nvPr>
+        </p:nvSpPr>
+        <p:spPr>
+          <a:xfrm>
+            <a:off x="274320" y="914400"/>
+            <a:ext cx="8595300" cy="4114800"/>
+          </a:xfrm>
+          <a:prstGeom prst="rect">
+            <a:avLst/>
+          </a:prstGeom>
+        </p:spPr>
+        <p:txBody>
+          <a:bodyPr anchorCtr="0" anchor="t" bIns="0" lIns="0" spcFirstLastPara="1" rIns="0" wrap="square" tIns="0">
+            <a:noAutofit/>
+          </a:bodyPr>
+          <a:lstStyle/>
+          <a:p>
+            <a:pPr indent="0" lvl="0" marL="0" rtl="0" algn="l">
+              <a:spcBef>
+                <a:spcPts val="0"/>
+              </a:spcBef>
+              <a:spcAft>
+                <a:spcPts val="0"/>
+              </a:spcAft>
+              <a:buNone/>
+            </a:pPr>
+            <a:r>
+              <a:rPr lang="en"/>
+              <a:t>Announcements are sent by email</a:t>
+            </a:r>
+            <a:endParaRPr/>
+          </a:p>
+          <a:p>
+            <a:pPr indent="-342900" lvl="0" marL="457200" rtl="0" algn="l">
+              <a:spcBef>
+                <a:spcPts val="1200"/>
+              </a:spcBef>
+              <a:spcAft>
+                <a:spcPts val="0"/>
+              </a:spcAft>
+              <a:buSzPts val="1800"/>
+              <a:buChar char="●"/>
+            </a:pPr>
+            <a:r>
+              <a:rPr lang="en"/>
+              <a:t>Through email aliases</a:t>
+            </a:r>
+            <a:endParaRPr/>
+          </a:p>
+          <a:p>
+            <a:pPr indent="-342900" lvl="0" marL="457200" rtl="0" algn="l">
+              <a:spcBef>
+                <a:spcPts val="0"/>
+              </a:spcBef>
+              <a:spcAft>
+                <a:spcPts val="0"/>
+              </a:spcAft>
+              <a:buSzPts val="1800"/>
+              <a:buChar char="●"/>
+            </a:pPr>
+            <a:r>
+              <a:rPr lang="en"/>
+              <a:t>Through course management system</a:t>
+            </a:r>
+            <a:endParaRPr/>
+          </a:p>
+          <a:p>
+            <a:pPr indent="0" lvl="0" marL="0" rtl="0" algn="l">
+              <a:spcBef>
+                <a:spcPts val="1200"/>
+              </a:spcBef>
+              <a:spcAft>
+                <a:spcPts val="0"/>
+              </a:spcAft>
+              <a:buNone/>
+            </a:pPr>
+            <a:r>
+              <a:rPr lang="en"/>
+              <a:t>Administrative questions to teaching team</a:t>
+            </a:r>
+            <a:endParaRPr/>
+          </a:p>
+          <a:p>
+            <a:pPr indent="-342900" lvl="0" marL="457200" rtl="0" algn="l">
+              <a:spcBef>
+                <a:spcPts val="1200"/>
+              </a:spcBef>
+              <a:spcAft>
+                <a:spcPts val="0"/>
+              </a:spcAft>
+              <a:buSzPts val="1800"/>
+              <a:buChar char="●"/>
+            </a:pPr>
+            <a:r>
+              <a:rPr lang="en"/>
+              <a:t>Please ask your question in the COACH backchannel</a:t>
+            </a:r>
+            <a:endParaRPr/>
+          </a:p>
+          <a:p>
+            <a:pPr indent="-342900" lvl="0" marL="457200" rtl="0" algn="l">
+              <a:spcBef>
+                <a:spcPts val="0"/>
+              </a:spcBef>
+              <a:spcAft>
+                <a:spcPts val="0"/>
+              </a:spcAft>
+              <a:buSzPts val="1800"/>
+              <a:buChar char="●"/>
+            </a:pPr>
+            <a:r>
+              <a:rPr lang="en"/>
+              <a:t>For private questions, use the teaching team email alias</a:t>
+            </a:r>
+            <a:endParaRPr/>
+          </a:p>
+        </p:txBody>
+      </p:sp>
+      <p:sp>
+        <p:nvSpPr>
+          <p:cNvPr id="151" name="Google Shape;151;p24"/>
+          <p:cNvSpPr txBox="1"/>
+          <p:nvPr>
+            <p:ph idx="12" type="sldNum"/>
+          </p:nvPr>
+        </p:nvSpPr>
+        <p:spPr>
+          <a:xfrm>
+            <a:off x="7315202" y="4416550"/>
+            <a:ext cx="1828800" cy="731400"/>
+          </a:xfrm>
+          <a:prstGeom prst="rect">
+            <a:avLst/>
+          </a:prstGeom>
+        </p:spPr>
+        <p:txBody>
+          <a:bodyPr anchorCtr="0" anchor="b" bIns="91425" lIns="91425" spcFirstLastPara="1" rIns="91425" wrap="square" tIns="91425">
+            <a:noAutofit/>
+          </a:bodyPr>
+          <a:lstStyle/>
+          <a:p>
+            <a:pPr indent="0" lvl="0" marL="0" rtl="0" algn="r">
+              <a:spcBef>
+                <a:spcPts val="0"/>
+              </a:spcBef>
+              <a:spcAft>
+                <a:spcPts val="0"/>
+              </a:spcAft>
+              <a:buNone/>
+            </a:pPr>
+            <a:fld id="{00000000-1234-1234-1234-123412341234}" type="slidenum">
+              <a:rPr lang="en"/>
+              <a:t>‹#›</a:t>
+            </a:fld>
+            <a:endParaRPr/>
+          </a:p>
+          <a:p>
+            <a:pPr indent="0" lvl="0" marL="0" rtl="0" algn="r">
+              <a:spcBef>
+                <a:spcPts val="0"/>
+              </a:spcBef>
+              <a:spcAft>
+                <a:spcPts val="0"/>
+              </a:spcAft>
+              <a:buNone/>
+            </a:pPr>
+            <a:r>
+              <a:rPr b="0" lang="en" sz="900" u="sng">
+                <a:solidFill>
+                  <a:schemeClr val="hlink"/>
+                </a:solidFill>
+                <a:hlinkClick r:id="rId3"/>
+              </a:rPr>
+              <a:t>https://profriehle.com</a:t>
+            </a:r>
+            <a:r>
+              <a:rPr b="0" lang="en" sz="900">
+                <a:solidFill>
+                  <a:schemeClr val="dk2"/>
+                </a:solidFill>
+              </a:rPr>
+              <a:t> </a:t>
+            </a:r>
+            <a:endParaRPr/>
+          </a:p>
+        </p:txBody>
+      </p:sp>
+    </p:spTree>
+  </p:cSld>
+  <p:clrMapOvr>
+    <a:masterClrMapping/>
+  </p:clrMapOvr>
+</p:sld>
+</file>
+
+<file path=ppt/slides/slide18.xml><?xml version="1.0" encoding="utf-8"?>
+<p:sld xmlns:a="http://schemas.openxmlformats.org/drawingml/2006/main" xmlns:r="http://schemas.openxmlformats.org/officeDocument/2006/relationships" xmlns:mc="http://schemas.openxmlformats.org/markup-compatibility/2006" xmlns:mv="urn:schemas-microsoft-com:mac:vml" xmlns:p="http://schemas.openxmlformats.org/presentationml/2006/main" xmlns:c="http://schemas.openxmlformats.org/drawingml/2006/chart" xmlns:dgm="http://schemas.openxmlformats.org/drawingml/2006/diagram" xmlns:o="urn:schemas-microsoft-com:office:office" xmlns:v="urn:schemas-microsoft-com:vml" xmlns:pvml="urn:schemas-microsoft-com:office:powerpoint" xmlns:com="http://schemas.openxmlformats.org/drawingml/2006/compatibility" xmlns:p14="http://schemas.microsoft.com/office/powerpoint/2010/main" xmlns:p15="http://schemas.microsoft.com/office/powerpoint/2012/main" xmlns:ahyp="http://schemas.microsoft.com/office/drawing/2018/hyperlinkcolor">
+  <p:cSld>
+    <p:spTree>
+      <p:nvGrpSpPr>
+        <p:cNvPr id="155" name="Shape 155"/>
+        <p:cNvGrpSpPr/>
+        <p:nvPr/>
+      </p:nvGrpSpPr>
+      <p:grpSpPr>
+        <a:xfrm>
+          <a:off x="0" y="0"/>
+          <a:ext cx="0" cy="0"/>
+          <a:chOff x="0" y="0"/>
+          <a:chExt cx="0" cy="0"/>
+        </a:xfrm>
+      </p:grpSpPr>
+      <p:sp>
+        <p:nvSpPr>
+          <p:cNvPr id="156" name="Google Shape;156;p25"/>
+          <p:cNvSpPr txBox="1"/>
+          <p:nvPr>
             <p:ph type="ctrTitle"/>
           </p:nvPr>
         </p:nvSpPr>
@@ -7452,7 +8109,7 @@
       </p:sp>
       <p:sp>
         <p:nvSpPr>
-          <p:cNvPr id="143" name="Google Shape;143;p23"/>
+          <p:cNvPr id="157" name="Google Shape;157;p25"/>
           <p:cNvSpPr txBox="1"/>
           <p:nvPr>
             <p:ph idx="1" type="subTitle"/>
@@ -7577,12 +8234,12 @@
 </p:sld>
 </file>
 
-<file path=ppt/slides/slide17.xml><?xml version="1.0" encoding="utf-8"?>
+<file path=ppt/slides/slide19.xml><?xml version="1.0" encoding="utf-8"?>
 <p:sld xmlns:a="http://schemas.openxmlformats.org/drawingml/2006/main" xmlns:r="http://schemas.openxmlformats.org/officeDocument/2006/relationships" xmlns:mc="http://schemas.openxmlformats.org/markup-compatibility/2006" xmlns:mv="urn:schemas-microsoft-com:mac:vml" xmlns:p="http://schemas.openxmlformats.org/presentationml/2006/main" xmlns:c="http://schemas.openxmlformats.org/drawingml/2006/chart" xmlns:dgm="http://schemas.openxmlformats.org/drawingml/2006/diagram" xmlns:o="urn:schemas-microsoft-com:office:office" xmlns:v="urn:schemas-microsoft-com:vml" xmlns:pvml="urn:schemas-microsoft-com:office:powerpoint" xmlns:com="http://schemas.openxmlformats.org/drawingml/2006/compatibility" xmlns:p14="http://schemas.microsoft.com/office/powerpoint/2010/main" xmlns:p15="http://schemas.microsoft.com/office/powerpoint/2012/main" xmlns:ahyp="http://schemas.microsoft.com/office/drawing/2018/hyperlinkcolor">
   <p:cSld>
     <p:spTree>
       <p:nvGrpSpPr>
-        <p:cNvPr id="147" name="Shape 147"/>
+        <p:cNvPr id="161" name="Shape 161"/>
         <p:cNvGrpSpPr/>
         <p:nvPr/>
       </p:nvGrpSpPr>
@@ -7596,7 +8253,7 @@
       </p:grpSpPr>
       <p:sp>
         <p:nvSpPr>
-          <p:cNvPr id="148" name="Google Shape;148;p24"/>
+          <p:cNvPr id="162" name="Google Shape;162;p26"/>
           <p:cNvSpPr txBox="1"/>
           <p:nvPr>
             <p:ph type="title"/>
@@ -7636,7 +8293,7 @@
       </p:sp>
       <p:sp>
         <p:nvSpPr>
-          <p:cNvPr id="149" name="Google Shape;149;p24"/>
+          <p:cNvPr id="163" name="Google Shape;163;p26"/>
           <p:cNvSpPr txBox="1"/>
           <p:nvPr>
             <p:ph idx="12" type="sldNum"/>
@@ -7705,7 +8362,7 @@
       </p:sp>
       <p:sp>
         <p:nvSpPr>
-          <p:cNvPr id="150" name="Google Shape;150;p24"/>
+          <p:cNvPr id="164" name="Google Shape;164;p26"/>
           <p:cNvSpPr txBox="1"/>
           <p:nvPr>
             <p:ph idx="1" type="body"/>
@@ -7919,10 +8576,10 @@
               <a:buNone/>
             </a:pPr>
             <a:r>
-              <a:rPr b="1" lang="en"/>
+              <a:rPr lang="en"/>
               <a:t>Learning objectives</a:t>
             </a:r>
-            <a:endParaRPr b="1"/>
+            <a:endParaRPr/>
           </a:p>
           <a:p>
             <a:pPr indent="-342900" lvl="0" marL="457200" rtl="0" algn="l">
@@ -8003,10 +8660,10 @@
               <a:buNone/>
             </a:pPr>
             <a:r>
-              <a:rPr b="1" lang="en"/>
+              <a:rPr lang="en"/>
               <a:t>Project objectives</a:t>
             </a:r>
-            <a:endParaRPr b="1"/>
+            <a:endParaRPr/>
           </a:p>
           <a:p>
             <a:pPr indent="-342900" lvl="0" marL="457200" rtl="0" algn="l">
@@ -8198,10 +8855,10 @@
               <a:buNone/>
             </a:pPr>
             <a:r>
-              <a:rPr b="1" lang="en"/>
+              <a:rPr lang="en"/>
               <a:t>Prerequisites</a:t>
             </a:r>
-            <a:endParaRPr b="1"/>
+            <a:endParaRPr/>
           </a:p>
           <a:p>
             <a:pPr indent="-342900" lvl="0" marL="457200" rtl="0" algn="l">
@@ -8231,10 +8888,10 @@
               <a:buNone/>
             </a:pPr>
             <a:r>
-              <a:rPr b="1" lang="en"/>
+              <a:rPr lang="en"/>
               <a:t>Required skills</a:t>
             </a:r>
-            <a:endParaRPr b="1"/>
+            <a:endParaRPr/>
           </a:p>
           <a:p>
             <a:pPr indent="-342900" lvl="0" marL="457200" rtl="0" algn="l">
@@ -8249,7 +8906,7 @@
             </a:pPr>
             <a:r>
               <a:rPr lang="en"/>
-              <a:t>Willingness to apply social competence in project setting</a:t>
+              <a:t>Willingness to apply social competence in project</a:t>
             </a:r>
             <a:endParaRPr/>
           </a:p>
@@ -8288,6 +8945,23 @@
             <a:endParaRPr/>
           </a:p>
           <a:p>
+            <a:pPr indent="-342900" lvl="0" marL="457200" rtl="0" algn="l">
+              <a:spcBef>
+                <a:spcPts val="0"/>
+              </a:spcBef>
+              <a:spcAft>
+                <a:spcPts val="0"/>
+              </a:spcAft>
+              <a:buSzPts val="1800"/>
+              <a:buChar char="●"/>
+            </a:pPr>
+            <a:r>
+              <a:rPr lang="en"/>
+              <a:t>Ability to be hands-on if necessary</a:t>
+            </a:r>
+            <a:endParaRPr/>
+          </a:p>
+          <a:p>
             <a:pPr indent="0" lvl="0" marL="0" rtl="0" algn="l">
               <a:spcBef>
                 <a:spcPts val="1200"/>
@@ -8298,7 +8972,8 @@
               <a:buNone/>
             </a:pPr>
             <a:r>
-              <a:t/>
+              <a:rPr lang="en"/>
+              <a:t>Be a servant-leader</a:t>
             </a:r>
             <a:endParaRPr/>
           </a:p>
@@ -8684,7 +9359,7 @@
             <a:tbl>
               <a:tblPr>
                 <a:noFill/>
-                <a:tableStyleId>{20C968D8-F1F3-48B6-8BCA-3403E9FF8CDB}</a:tableStyleId>
+                <a:tableStyleId>{FC6A0DF2-C06D-4A33-A880-A92D56615C44}</a:tableStyleId>
               </a:tblPr>
               <a:tblGrid>
                 <a:gridCol w="1432575"/>
@@ -8774,14 +9449,14 @@
                         <a:buNone/>
                       </a:pPr>
                       <a:r>
-                        <a:rPr b="1" lang="en" sz="1800">
+                        <a:rPr b="1" lang="en">
                           <a:solidFill>
                             <a:schemeClr val="lt1"/>
                           </a:solidFill>
                         </a:rPr>
                         <a:t>Courses (Lehrveranstaltungen)</a:t>
                       </a:r>
-                      <a:endParaRPr b="1" sz="1800">
+                      <a:endParaRPr b="1">
                         <a:solidFill>
                           <a:schemeClr val="lt1"/>
                         </a:solidFill>
@@ -9177,14 +9852,14 @@
                         <a:buNone/>
                       </a:pPr>
                       <a:r>
-                        <a:rPr b="1" lang="en" sz="1800">
+                        <a:rPr b="1" lang="en">
                           <a:solidFill>
                             <a:schemeClr val="lt1"/>
                           </a:solidFill>
                         </a:rPr>
                         <a:t>Modules</a:t>
                       </a:r>
-                      <a:endParaRPr b="1" sz="1800">
+                      <a:endParaRPr b="1">
                         <a:solidFill>
                           <a:schemeClr val="lt1"/>
                         </a:solidFill>
@@ -10567,7 +11242,7 @@
             <a:tbl>
               <a:tblPr>
                 <a:noFill/>
-                <a:tableStyleId>{20C968D8-F1F3-48B6-8BCA-3403E9FF8CDB}</a:tableStyleId>
+                <a:tableStyleId>{FC6A0DF2-C06D-4A33-A880-A92D56615C44}</a:tableStyleId>
               </a:tblPr>
               <a:tblGrid>
                 <a:gridCol w="1432550"/>
@@ -10711,14 +11386,14 @@
                         <a:buNone/>
                       </a:pPr>
                       <a:r>
-                        <a:rPr b="1" lang="en" sz="1800">
+                        <a:rPr b="1" lang="en">
                           <a:solidFill>
                             <a:schemeClr val="lt1"/>
                           </a:solidFill>
                         </a:rPr>
                         <a:t>University</a:t>
                       </a:r>
-                      <a:endParaRPr b="1" sz="1800">
+                      <a:endParaRPr b="1">
                         <a:solidFill>
                           <a:schemeClr val="lt1"/>
                         </a:solidFill>
@@ -10910,7 +11585,15 @@
                             <a:schemeClr val="lt1"/>
                           </a:solidFill>
                         </a:rPr>
-                        <a:t>Univ. Erlangen</a:t>
+                        <a:t>FAU</a:t>
+                      </a:r>
+                      <a:r>
+                        <a:rPr b="1" lang="en">
+                          <a:solidFill>
+                            <a:schemeClr val="lt1"/>
+                          </a:solidFill>
+                        </a:rPr>
+                        <a:t> Erlangen</a:t>
                       </a:r>
                       <a:endParaRPr b="1">
                         <a:solidFill>
@@ -11186,14 +11869,14 @@
                         <a:buNone/>
                       </a:pPr>
                       <a:r>
-                        <a:rPr b="1" lang="en" sz="1800">
+                        <a:rPr b="1" lang="en">
                           <a:solidFill>
                             <a:schemeClr val="lt1"/>
                           </a:solidFill>
                         </a:rPr>
                         <a:t>Modules</a:t>
                       </a:r>
-                      <a:endParaRPr b="1" sz="1800">
+                      <a:endParaRPr b="1">
                         <a:solidFill>
                           <a:schemeClr val="lt1"/>
                         </a:solidFill>
@@ -12927,6 +13610,46 @@
           <p:cNvPr id="85" name="Google Shape;85;p15"/>
           <p:cNvSpPr txBox="1"/>
           <p:nvPr>
+            <p:ph type="title"/>
+          </p:nvPr>
+        </p:nvSpPr>
+        <p:spPr>
+          <a:xfrm>
+            <a:off x="0" y="0"/>
+            <a:ext cx="9144000" cy="685800"/>
+          </a:xfrm>
+          <a:prstGeom prst="rect">
+            <a:avLst/>
+          </a:prstGeom>
+        </p:spPr>
+        <p:txBody>
+          <a:bodyPr anchorCtr="0" anchor="ctr" bIns="91425" lIns="274300" spcFirstLastPara="1" rIns="91425" wrap="square" tIns="91425">
+            <a:noAutofit/>
+          </a:bodyPr>
+          <a:lstStyle/>
+          <a:p>
+            <a:pPr indent="0" lvl="0" marL="0" rtl="0" algn="l">
+              <a:spcBef>
+                <a:spcPts val="0"/>
+              </a:spcBef>
+              <a:spcAft>
+                <a:spcPts val="0"/>
+              </a:spcAft>
+              <a:buNone/>
+            </a:pPr>
+            <a:r>
+              <a:rPr lang="en"/>
+              <a:t>Holding Your Workshop</a:t>
+            </a:r>
+            <a:endParaRPr/>
+          </a:p>
+        </p:txBody>
+      </p:sp>
+      <p:sp>
+        <p:nvSpPr>
+          <p:cNvPr id="86" name="Google Shape;86;p15"/>
+          <p:cNvSpPr txBox="1"/>
+          <p:nvPr>
             <p:ph idx="1" type="body"/>
           </p:nvPr>
         </p:nvSpPr>
@@ -12955,12 +13678,8 @@
               <a:buNone/>
             </a:pPr>
             <a:r>
-              <a:rPr b="1" lang="en"/>
-              <a:t>Scrum Master</a:t>
-            </a:r>
-            <a:r>
               <a:rPr lang="en"/>
-              <a:t> = 50% of grade</a:t>
+              <a:t>The workshop date is set in the AMOS course schedule</a:t>
             </a:r>
             <a:endParaRPr/>
           </a:p>
@@ -12977,218 +13696,23 @@
             </a:pPr>
             <a:r>
               <a:rPr lang="en"/>
-              <a:t>Individual contribution to teamwork = 50%</a:t>
-            </a:r>
-            <a:endParaRPr/>
-          </a:p>
-          <a:p>
-            <a:pPr indent="-317500" lvl="1" marL="914400" rtl="0" algn="l">
-              <a:spcBef>
-                <a:spcPts val="0"/>
-              </a:spcBef>
-              <a:spcAft>
-                <a:spcPts val="0"/>
-              </a:spcAft>
-              <a:buSzPts val="1400"/>
-              <a:buChar char="○"/>
+              <a:t>AMOS students are required to be there</a:t>
+            </a:r>
+            <a:endParaRPr/>
+          </a:p>
+          <a:p>
+            <a:pPr indent="0" lvl="0" marL="0" rtl="0" algn="l">
+              <a:spcBef>
+                <a:spcPts val="1200"/>
+              </a:spcBef>
+              <a:spcAft>
+                <a:spcPts val="1200"/>
+              </a:spcAft>
+              <a:buNone/>
             </a:pPr>
             <a:r>
               <a:rPr lang="en"/>
-              <a:t>As measured in team meetings</a:t>
-            </a:r>
-            <a:endParaRPr/>
-          </a:p>
-          <a:p>
-            <a:pPr indent="-317500" lvl="1" marL="914400" rtl="0" algn="l">
-              <a:spcBef>
-                <a:spcPts val="0"/>
-              </a:spcBef>
-              <a:spcAft>
-                <a:spcPts val="0"/>
-              </a:spcAft>
-              <a:buSzPts val="1400"/>
-              <a:buChar char="○"/>
-            </a:pPr>
-            <a:r>
-              <a:rPr lang="en"/>
-              <a:t>Grading scale is [0|1|2|3]</a:t>
-            </a:r>
-            <a:endParaRPr/>
-          </a:p>
-          <a:p>
-            <a:pPr indent="-342900" lvl="0" marL="457200" rtl="0" algn="l">
-              <a:spcBef>
-                <a:spcPts val="0"/>
-              </a:spcBef>
-              <a:spcAft>
-                <a:spcPts val="0"/>
-              </a:spcAft>
-              <a:buSzPts val="1800"/>
-              <a:buChar char="●"/>
-            </a:pPr>
-            <a:r>
-              <a:rPr lang="en"/>
-              <a:t>Independent work = 50%</a:t>
-            </a:r>
-            <a:endParaRPr/>
-          </a:p>
-          <a:p>
-            <a:pPr indent="-317500" lvl="1" marL="914400" rtl="0" algn="l">
-              <a:spcBef>
-                <a:spcPts val="0"/>
-              </a:spcBef>
-              <a:spcAft>
-                <a:spcPts val="0"/>
-              </a:spcAft>
-              <a:buSzPts val="1400"/>
-              <a:buChar char="○"/>
-            </a:pPr>
-            <a:r>
-              <a:rPr lang="en"/>
-              <a:t>As measured by artifacts provided</a:t>
-            </a:r>
-            <a:endParaRPr/>
-          </a:p>
-          <a:p>
-            <a:pPr indent="-317500" lvl="1" marL="914400" rtl="0" algn="l">
-              <a:spcBef>
-                <a:spcPts val="0"/>
-              </a:spcBef>
-              <a:spcAft>
-                <a:spcPts val="0"/>
-              </a:spcAft>
-              <a:buSzPts val="1400"/>
-              <a:buChar char="○"/>
-            </a:pPr>
-            <a:r>
-              <a:rPr lang="en"/>
-              <a:t>Grading scale is [0|1|2|3]</a:t>
-            </a:r>
-            <a:endParaRPr/>
-          </a:p>
-          <a:p>
-            <a:pPr indent="0" lvl="0" marL="0" rtl="0" algn="l">
-              <a:spcBef>
-                <a:spcPts val="1200"/>
-              </a:spcBef>
-              <a:spcAft>
-                <a:spcPts val="0"/>
-              </a:spcAft>
-              <a:buNone/>
-            </a:pPr>
-            <a:r>
-              <a:rPr b="1" lang="en"/>
-              <a:t>Workshop facilitator</a:t>
-            </a:r>
-            <a:r>
-              <a:rPr lang="en"/>
-              <a:t> = 50% of grade</a:t>
-            </a:r>
-            <a:endParaRPr/>
-          </a:p>
-          <a:p>
-            <a:pPr indent="-342900" lvl="0" marL="457200" rtl="0" algn="l">
-              <a:spcBef>
-                <a:spcPts val="1200"/>
-              </a:spcBef>
-              <a:spcAft>
-                <a:spcPts val="0"/>
-              </a:spcAft>
-              <a:buSzPts val="1800"/>
-              <a:buChar char="●"/>
-            </a:pPr>
-            <a:r>
-              <a:rPr lang="en"/>
-              <a:t>Workshop concept (40%)</a:t>
-            </a:r>
-            <a:endParaRPr/>
-          </a:p>
-          <a:p>
-            <a:pPr indent="-342900" lvl="0" marL="457200" rtl="0" algn="l">
-              <a:spcBef>
-                <a:spcPts val="0"/>
-              </a:spcBef>
-              <a:spcAft>
-                <a:spcPts val="0"/>
-              </a:spcAft>
-              <a:buSzPts val="1800"/>
-              <a:buChar char="●"/>
-            </a:pPr>
-            <a:r>
-              <a:rPr lang="en"/>
-              <a:t>Workshop feedback (20%)</a:t>
-            </a:r>
-            <a:endParaRPr/>
-          </a:p>
-          <a:p>
-            <a:pPr indent="-342900" lvl="0" marL="457200" rtl="0" algn="l">
-              <a:spcBef>
-                <a:spcPts val="0"/>
-              </a:spcBef>
-              <a:spcAft>
-                <a:spcPts val="0"/>
-              </a:spcAft>
-              <a:buSzPts val="1800"/>
-              <a:buChar char="●"/>
-            </a:pPr>
-            <a:r>
-              <a:rPr lang="en"/>
-              <a:t>Workshop report (40%)</a:t>
-            </a:r>
-            <a:endParaRPr/>
-          </a:p>
-          <a:p>
-            <a:pPr indent="0" lvl="0" marL="0" rtl="0" algn="l">
-              <a:spcBef>
-                <a:spcPts val="1200"/>
-              </a:spcBef>
-              <a:spcAft>
-                <a:spcPts val="1200"/>
-              </a:spcAft>
-              <a:buNone/>
-            </a:pPr>
-            <a:r>
-              <a:t/>
-            </a:r>
-            <a:endParaRPr/>
-          </a:p>
-        </p:txBody>
-      </p:sp>
-      <p:sp>
-        <p:nvSpPr>
-          <p:cNvPr id="86" name="Google Shape;86;p15"/>
-          <p:cNvSpPr txBox="1"/>
-          <p:nvPr>
-            <p:ph type="title"/>
-          </p:nvPr>
-        </p:nvSpPr>
-        <p:spPr>
-          <a:xfrm>
-            <a:off x="0" y="0"/>
-            <a:ext cx="9144000" cy="685800"/>
-          </a:xfrm>
-          <a:prstGeom prst="rect">
-            <a:avLst/>
-          </a:prstGeom>
-        </p:spPr>
-        <p:txBody>
-          <a:bodyPr anchorCtr="0" anchor="ctr" bIns="91425" lIns="274300" spcFirstLastPara="1" rIns="91425" wrap="square" tIns="91425">
-            <a:noAutofit/>
-          </a:bodyPr>
-          <a:lstStyle/>
-          <a:p>
-            <a:pPr indent="0" lvl="0" marL="0" rtl="0" algn="l">
-              <a:spcBef>
-                <a:spcPts val="0"/>
-              </a:spcBef>
-              <a:spcAft>
-                <a:spcPts val="0"/>
-              </a:spcAft>
-              <a:buNone/>
-            </a:pPr>
-            <a:r>
-              <a:rPr lang="en"/>
-              <a:t>Course Grading</a:t>
+              <a:t>You are responsible for reminding and managing students</a:t>
             </a:r>
             <a:endParaRPr/>
           </a:p>
@@ -13293,6 +13817,219 @@
           <p:cNvPr id="92" name="Google Shape;92;p16"/>
           <p:cNvSpPr txBox="1"/>
           <p:nvPr>
+            <p:ph idx="1" type="body"/>
+          </p:nvPr>
+        </p:nvSpPr>
+        <p:spPr>
+          <a:xfrm>
+            <a:off x="274320" y="914400"/>
+            <a:ext cx="8595300" cy="4114800"/>
+          </a:xfrm>
+          <a:prstGeom prst="rect">
+            <a:avLst/>
+          </a:prstGeom>
+        </p:spPr>
+        <p:txBody>
+          <a:bodyPr anchorCtr="0" anchor="t" bIns="0" lIns="0" spcFirstLastPara="1" rIns="0" wrap="square" tIns="0">
+            <a:noAutofit/>
+          </a:bodyPr>
+          <a:lstStyle/>
+          <a:p>
+            <a:pPr indent="0" lvl="0" marL="0" rtl="0" algn="l">
+              <a:spcBef>
+                <a:spcPts val="0"/>
+              </a:spcBef>
+              <a:spcAft>
+                <a:spcPts val="0"/>
+              </a:spcAft>
+              <a:buNone/>
+            </a:pPr>
+            <a:r>
+              <a:rPr lang="en"/>
+              <a:t>Scrum Master = 50% of grade</a:t>
+            </a:r>
+            <a:endParaRPr/>
+          </a:p>
+          <a:p>
+            <a:pPr indent="-342900" lvl="0" marL="457200" rtl="0" algn="l">
+              <a:spcBef>
+                <a:spcPts val="1200"/>
+              </a:spcBef>
+              <a:spcAft>
+                <a:spcPts val="0"/>
+              </a:spcAft>
+              <a:buSzPts val="1800"/>
+              <a:buChar char="●"/>
+            </a:pPr>
+            <a:r>
+              <a:rPr lang="en"/>
+              <a:t>Individual contribution to teamwork = 50%</a:t>
+            </a:r>
+            <a:endParaRPr/>
+          </a:p>
+          <a:p>
+            <a:pPr indent="-317500" lvl="1" marL="914400" rtl="0" algn="l">
+              <a:spcBef>
+                <a:spcPts val="0"/>
+              </a:spcBef>
+              <a:spcAft>
+                <a:spcPts val="0"/>
+              </a:spcAft>
+              <a:buSzPts val="1400"/>
+              <a:buChar char="○"/>
+            </a:pPr>
+            <a:r>
+              <a:rPr lang="en"/>
+              <a:t>As measured in team meetings</a:t>
+            </a:r>
+            <a:endParaRPr/>
+          </a:p>
+          <a:p>
+            <a:pPr indent="-317500" lvl="1" marL="914400" rtl="0" algn="l">
+              <a:spcBef>
+                <a:spcPts val="0"/>
+              </a:spcBef>
+              <a:spcAft>
+                <a:spcPts val="0"/>
+              </a:spcAft>
+              <a:buSzPts val="1400"/>
+              <a:buChar char="○"/>
+            </a:pPr>
+            <a:r>
+              <a:rPr lang="en"/>
+              <a:t>Grading scale is [0|1|2|3]</a:t>
+            </a:r>
+            <a:endParaRPr/>
+          </a:p>
+          <a:p>
+            <a:pPr indent="-342900" lvl="0" marL="457200" rtl="0" algn="l">
+              <a:spcBef>
+                <a:spcPts val="1000"/>
+              </a:spcBef>
+              <a:spcAft>
+                <a:spcPts val="0"/>
+              </a:spcAft>
+              <a:buSzPts val="1800"/>
+              <a:buChar char="●"/>
+            </a:pPr>
+            <a:r>
+              <a:rPr lang="en"/>
+              <a:t>Independent work = 50%</a:t>
+            </a:r>
+            <a:endParaRPr/>
+          </a:p>
+          <a:p>
+            <a:pPr indent="-317500" lvl="1" marL="914400" rtl="0" algn="l">
+              <a:spcBef>
+                <a:spcPts val="0"/>
+              </a:spcBef>
+              <a:spcAft>
+                <a:spcPts val="0"/>
+              </a:spcAft>
+              <a:buSzPts val="1400"/>
+              <a:buChar char="○"/>
+            </a:pPr>
+            <a:r>
+              <a:rPr lang="en"/>
+              <a:t>As measured by artifacts provided</a:t>
+            </a:r>
+            <a:endParaRPr/>
+          </a:p>
+          <a:p>
+            <a:pPr indent="-317500" lvl="1" marL="914400" rtl="0" algn="l">
+              <a:spcBef>
+                <a:spcPts val="0"/>
+              </a:spcBef>
+              <a:spcAft>
+                <a:spcPts val="0"/>
+              </a:spcAft>
+              <a:buSzPts val="1400"/>
+              <a:buChar char="○"/>
+            </a:pPr>
+            <a:r>
+              <a:rPr lang="en"/>
+              <a:t>Grading scale is [0|1|2|3]</a:t>
+            </a:r>
+            <a:endParaRPr/>
+          </a:p>
+          <a:p>
+            <a:pPr indent="0" lvl="0" marL="0" rtl="0" algn="l">
+              <a:spcBef>
+                <a:spcPts val="1200"/>
+              </a:spcBef>
+              <a:spcAft>
+                <a:spcPts val="0"/>
+              </a:spcAft>
+              <a:buNone/>
+            </a:pPr>
+            <a:r>
+              <a:rPr lang="en"/>
+              <a:t>Workshop facilitator</a:t>
+            </a:r>
+            <a:r>
+              <a:rPr lang="en"/>
+              <a:t> = 50% of grade</a:t>
+            </a:r>
+            <a:endParaRPr/>
+          </a:p>
+          <a:p>
+            <a:pPr indent="-342900" lvl="0" marL="457200" rtl="0" algn="l">
+              <a:spcBef>
+                <a:spcPts val="1200"/>
+              </a:spcBef>
+              <a:spcAft>
+                <a:spcPts val="0"/>
+              </a:spcAft>
+              <a:buSzPts val="1800"/>
+              <a:buChar char="●"/>
+            </a:pPr>
+            <a:r>
+              <a:rPr lang="en"/>
+              <a:t>Workshop concept (40%)</a:t>
+            </a:r>
+            <a:endParaRPr/>
+          </a:p>
+          <a:p>
+            <a:pPr indent="-342900" lvl="0" marL="457200" rtl="0" algn="l">
+              <a:spcBef>
+                <a:spcPts val="0"/>
+              </a:spcBef>
+              <a:spcAft>
+                <a:spcPts val="0"/>
+              </a:spcAft>
+              <a:buSzPts val="1800"/>
+              <a:buChar char="●"/>
+            </a:pPr>
+            <a:r>
+              <a:rPr lang="en"/>
+              <a:t>Workshop feedback (20%)</a:t>
+            </a:r>
+            <a:endParaRPr/>
+          </a:p>
+          <a:p>
+            <a:pPr indent="-342900" lvl="0" marL="457200" rtl="0" algn="l">
+              <a:spcBef>
+                <a:spcPts val="0"/>
+              </a:spcBef>
+              <a:spcAft>
+                <a:spcPts val="0"/>
+              </a:spcAft>
+              <a:buSzPts val="1800"/>
+              <a:buChar char="●"/>
+            </a:pPr>
+            <a:r>
+              <a:rPr lang="en"/>
+              <a:t>Workshop report (40%)</a:t>
+            </a:r>
+            <a:endParaRPr/>
+          </a:p>
+        </p:txBody>
+      </p:sp>
+      <p:sp>
+        <p:nvSpPr>
+          <p:cNvPr id="93" name="Google Shape;93;p16"/>
+          <p:cNvSpPr txBox="1"/>
+          <p:nvPr>
             <p:ph type="title"/>
           </p:nvPr>
         </p:nvSpPr>
@@ -13322,175 +14059,7 @@
             </a:pPr>
             <a:r>
               <a:rPr lang="en"/>
-              <a:t>Receiving a Grade for the Course</a:t>
-            </a:r>
-            <a:endParaRPr/>
-          </a:p>
-        </p:txBody>
-      </p:sp>
-      <p:sp>
-        <p:nvSpPr>
-          <p:cNvPr id="93" name="Google Shape;93;p16"/>
-          <p:cNvSpPr txBox="1"/>
-          <p:nvPr>
-            <p:ph idx="1" type="body"/>
-          </p:nvPr>
-        </p:nvSpPr>
-        <p:spPr>
-          <a:xfrm>
-            <a:off x="274320" y="914400"/>
-            <a:ext cx="8595300" cy="4114800"/>
-          </a:xfrm>
-          <a:prstGeom prst="rect">
-            <a:avLst/>
-          </a:prstGeom>
-        </p:spPr>
-        <p:txBody>
-          <a:bodyPr anchorCtr="0" anchor="t" bIns="0" lIns="0" spcFirstLastPara="1" rIns="0" wrap="square" tIns="0">
-            <a:noAutofit/>
-          </a:bodyPr>
-          <a:lstStyle/>
-          <a:p>
-            <a:pPr indent="0" lvl="0" marL="0" rtl="0" algn="l">
-              <a:spcBef>
-                <a:spcPts val="0"/>
-              </a:spcBef>
-              <a:spcAft>
-                <a:spcPts val="0"/>
-              </a:spcAft>
-              <a:buClr>
-                <a:schemeClr val="dk1"/>
-              </a:buClr>
-              <a:buSzPts val="1100"/>
-              <a:buFont typeface="Arial"/>
-              <a:buNone/>
-            </a:pPr>
-            <a:r>
-              <a:rPr lang="en"/>
-              <a:t>Course registration and exam registration are two separate things</a:t>
-            </a:r>
-            <a:endParaRPr/>
-          </a:p>
-          <a:p>
-            <a:pPr indent="0" lvl="0" marL="0" rtl="0" algn="l">
-              <a:spcBef>
-                <a:spcPts val="1200"/>
-              </a:spcBef>
-              <a:spcAft>
-                <a:spcPts val="0"/>
-              </a:spcAft>
-              <a:buClr>
-                <a:schemeClr val="dk1"/>
-              </a:buClr>
-              <a:buSzPts val="1100"/>
-              <a:buFont typeface="Arial"/>
-              <a:buNone/>
-            </a:pPr>
-            <a:r>
-              <a:rPr lang="en"/>
-              <a:t>If you want to receive a grade</a:t>
-            </a:r>
-            <a:endParaRPr/>
-          </a:p>
-          <a:p>
-            <a:pPr indent="-342900" lvl="0" marL="457200" rtl="0" algn="l">
-              <a:spcBef>
-                <a:spcPts val="1200"/>
-              </a:spcBef>
-              <a:spcAft>
-                <a:spcPts val="0"/>
-              </a:spcAft>
-              <a:buClr>
-                <a:srgbClr val="212121"/>
-              </a:buClr>
-              <a:buSzPts val="1800"/>
-              <a:buChar char="●"/>
-            </a:pPr>
-            <a:r>
-              <a:rPr lang="en">
-                <a:solidFill>
-                  <a:srgbClr val="212121"/>
-                </a:solidFill>
-              </a:rPr>
-              <a:t>You must register through your university’s exam registration system</a:t>
-            </a:r>
-            <a:endParaRPr>
-              <a:solidFill>
-                <a:srgbClr val="212121"/>
-              </a:solidFill>
-            </a:endParaRPr>
-          </a:p>
-          <a:p>
-            <a:pPr indent="-317500" lvl="1" marL="914400" rtl="0" algn="l">
-              <a:spcBef>
-                <a:spcPts val="0"/>
-              </a:spcBef>
-              <a:spcAft>
-                <a:spcPts val="0"/>
-              </a:spcAft>
-              <a:buSzPts val="1400"/>
-              <a:buChar char="○"/>
-            </a:pPr>
-            <a:r>
-              <a:rPr b="1" lang="en"/>
-              <a:t>Your degree program may have split the course into two (VL + UE)</a:t>
-            </a:r>
-            <a:endParaRPr b="1"/>
-          </a:p>
-          <a:p>
-            <a:pPr indent="-317500" lvl="1" marL="914400" rtl="0" algn="l">
-              <a:spcBef>
-                <a:spcPts val="0"/>
-              </a:spcBef>
-              <a:spcAft>
-                <a:spcPts val="0"/>
-              </a:spcAft>
-              <a:buSzPts val="1400"/>
-              <a:buChar char="○"/>
-            </a:pPr>
-            <a:r>
-              <a:rPr b="1" lang="en"/>
-              <a:t>Please check asap that the course is available in your degree program!</a:t>
-            </a:r>
-            <a:endParaRPr b="1">
-              <a:solidFill>
-                <a:srgbClr val="212121"/>
-              </a:solidFill>
-            </a:endParaRPr>
-          </a:p>
-          <a:p>
-            <a:pPr indent="0" lvl="0" marL="0" rtl="0" algn="l">
-              <a:spcBef>
-                <a:spcPts val="1200"/>
-              </a:spcBef>
-              <a:spcAft>
-                <a:spcPts val="0"/>
-              </a:spcAft>
-              <a:buClr>
-                <a:schemeClr val="dk1"/>
-              </a:buClr>
-              <a:buSzPts val="1100"/>
-              <a:buFont typeface="Arial"/>
-              <a:buNone/>
-            </a:pPr>
-            <a:r>
-              <a:rPr lang="en"/>
-              <a:t>Otherwise: No grade</a:t>
-            </a:r>
-            <a:endParaRPr/>
-          </a:p>
-          <a:p>
-            <a:pPr indent="0" lvl="0" marL="0" rtl="0" algn="l">
-              <a:spcBef>
-                <a:spcPts val="1200"/>
-              </a:spcBef>
-              <a:spcAft>
-                <a:spcPts val="1200"/>
-              </a:spcAft>
-              <a:buNone/>
-            </a:pPr>
-            <a:r>
-              <a:t/>
+              <a:t>Course Grading</a:t>
             </a:r>
             <a:endParaRPr/>
           </a:p>

--- a/Lecture Slides/COACH A01 - Introduction.pptx
+++ b/Lecture Slides/COACH A01 - Introduction.pptx
@@ -7136,11 +7136,11 @@
                 </a:solidFill>
                 <a:hlinkClick r:id="rId3"/>
               </a:rPr>
-              <a:t>https://coach.uni1.de</a:t>
+              <a:t>https://uni1.de/coach/index</a:t>
             </a:r>
             <a:r>
               <a:rPr lang="en"/>
-              <a:t>  </a:t>
+              <a:t> </a:t>
             </a:r>
             <a:endParaRPr/>
           </a:p>
@@ -8594,7 +8594,7 @@
             </a:pPr>
             <a:r>
               <a:rPr lang="en"/>
-              <a:t>Learn to coach agile methods teams</a:t>
+              <a:t>Learn to coach agile teams</a:t>
             </a:r>
             <a:endParaRPr/>
           </a:p>
@@ -9359,7 +9359,7 @@
             <a:tbl>
               <a:tblPr>
                 <a:noFill/>
-                <a:tableStyleId>{FC6A0DF2-C06D-4A33-A880-A92D56615C44}</a:tableStyleId>
+                <a:tableStyleId>{CCA6CEB4-5765-42C4-B45B-978D5D584A35}</a:tableStyleId>
               </a:tblPr>
               <a:tblGrid>
                 <a:gridCol w="1432575"/>
@@ -11242,7 +11242,7 @@
             <a:tbl>
               <a:tblPr>
                 <a:noFill/>
-                <a:tableStyleId>{FC6A0DF2-C06D-4A33-A880-A92D56615C44}</a:tableStyleId>
+                <a:tableStyleId>{CCA6CEB4-5765-42C4-B45B-978D5D584A35}</a:tableStyleId>
               </a:tblPr>
               <a:tblGrid>
                 <a:gridCol w="1432550"/>

--- a/Lecture Slides/COACH A01 - Introduction.pptx
+++ b/Lecture Slides/COACH A01 - Introduction.pptx
@@ -27,6 +27,8 @@
     <p:sldId id="272" r:id="rId23"/>
     <p:sldId id="273" r:id="rId24"/>
     <p:sldId id="274" r:id="rId25"/>
+    <p:sldId id="275" r:id="rId26"/>
+    <p:sldId id="276" r:id="rId27"/>
   </p:sldIdLst>
   <p:sldSz cy="5143500" cx="9144000"/>
   <p:notesSz cx="6858000" cy="9144000"/>
@@ -709,7 +711,7 @@
   <p:cSld>
     <p:spTree>
       <p:nvGrpSpPr>
-        <p:cNvPr id="32" name="Shape 32"/>
+        <p:cNvPr id="47" name="Shape 47"/>
         <p:cNvGrpSpPr/>
         <p:nvPr/>
       </p:nvGrpSpPr>
@@ -723,7 +725,7 @@
       </p:grpSpPr>
       <p:sp>
         <p:nvSpPr>
-          <p:cNvPr id="33" name="Google Shape;33;g180a3d02d78_1_27:notes"/>
+          <p:cNvPr id="48" name="Google Shape;48;g180a3d02d78_1_27:notes"/>
           <p:cNvSpPr/>
           <p:nvPr>
             <p:ph idx="2" type="sldImg"/>
@@ -758,7 +760,7 @@
       </p:sp>
       <p:sp>
         <p:nvSpPr>
-          <p:cNvPr id="34" name="Google Shape;34;g180a3d02d78_1_27:notes"/>
+          <p:cNvPr id="49" name="Google Shape;49;g180a3d02d78_1_27:notes"/>
           <p:cNvSpPr txBox="1"/>
           <p:nvPr>
             <p:ph idx="1" type="body"/>
@@ -808,7 +810,7 @@
   <p:cSld>
     <p:spTree>
       <p:nvGrpSpPr>
-        <p:cNvPr id="95" name="Shape 95"/>
+        <p:cNvPr id="111" name="Shape 111"/>
         <p:cNvGrpSpPr/>
         <p:nvPr/>
       </p:nvGrpSpPr>
@@ -822,7 +824,7 @@
       </p:grpSpPr>
       <p:sp>
         <p:nvSpPr>
-          <p:cNvPr id="96" name="Google Shape;96;g2a4cd9d8361_0_0:notes"/>
+          <p:cNvPr id="112" name="Google Shape;112;g3850aa21cf1_0_0:notes"/>
           <p:cNvSpPr/>
           <p:nvPr>
             <p:ph idx="2" type="sldImg"/>
@@ -857,7 +859,7 @@
       </p:sp>
       <p:sp>
         <p:nvSpPr>
-          <p:cNvPr id="97" name="Google Shape;97;g2a4cd9d8361_0_0:notes"/>
+          <p:cNvPr id="113" name="Google Shape;113;g3850aa21cf1_0_0:notes"/>
           <p:cNvSpPr txBox="1"/>
           <p:nvPr>
             <p:ph idx="1" type="body"/>
@@ -907,7 +909,7 @@
   <p:cSld>
     <p:spTree>
       <p:nvGrpSpPr>
-        <p:cNvPr id="102" name="Shape 102"/>
+        <p:cNvPr id="118" name="Shape 118"/>
         <p:cNvGrpSpPr/>
         <p:nvPr/>
       </p:nvGrpSpPr>
@@ -921,7 +923,7 @@
       </p:grpSpPr>
       <p:sp>
         <p:nvSpPr>
-          <p:cNvPr id="103" name="Google Shape;103;gdb5ccdfa64_0_0:notes"/>
+          <p:cNvPr id="119" name="Google Shape;119;g36c5758db35_0_0:notes"/>
           <p:cNvSpPr/>
           <p:nvPr>
             <p:ph idx="2" type="sldImg"/>
@@ -956,7 +958,7 @@
       </p:sp>
       <p:sp>
         <p:nvSpPr>
-          <p:cNvPr id="104" name="Google Shape;104;gdb5ccdfa64_0_0:notes"/>
+          <p:cNvPr id="120" name="Google Shape;120;g36c5758db35_0_0:notes"/>
           <p:cNvSpPr txBox="1"/>
           <p:nvPr>
             <p:ph idx="1" type="body"/>
@@ -1006,7 +1008,7 @@
   <p:cSld>
     <p:spTree>
       <p:nvGrpSpPr>
-        <p:cNvPr id="109" name="Shape 109"/>
+        <p:cNvPr id="126" name="Shape 126"/>
         <p:cNvGrpSpPr/>
         <p:nvPr/>
       </p:nvGrpSpPr>
@@ -1020,7 +1022,7 @@
       </p:grpSpPr>
       <p:sp>
         <p:nvSpPr>
-          <p:cNvPr id="110" name="Google Shape;110;gf157d98dbb_0_133:notes"/>
+          <p:cNvPr id="127" name="Google Shape;127;g2a4cd9d8361_0_0:notes"/>
           <p:cNvSpPr/>
           <p:nvPr>
             <p:ph idx="2" type="sldImg"/>
@@ -1055,7 +1057,7 @@
       </p:sp>
       <p:sp>
         <p:nvSpPr>
-          <p:cNvPr id="111" name="Google Shape;111;gf157d98dbb_0_133:notes"/>
+          <p:cNvPr id="128" name="Google Shape;128;g2a4cd9d8361_0_0:notes"/>
           <p:cNvSpPr txBox="1"/>
           <p:nvPr>
             <p:ph idx="1" type="body"/>
@@ -1105,7 +1107,7 @@
   <p:cSld>
     <p:spTree>
       <p:nvGrpSpPr>
-        <p:cNvPr id="117" name="Shape 117"/>
+        <p:cNvPr id="133" name="Shape 133"/>
         <p:cNvGrpSpPr/>
         <p:nvPr/>
       </p:nvGrpSpPr>
@@ -1119,7 +1121,7 @@
       </p:grpSpPr>
       <p:sp>
         <p:nvSpPr>
-          <p:cNvPr id="118" name="Google Shape;118;gf157d98dbb_1_0:notes"/>
+          <p:cNvPr id="134" name="Google Shape;134;gdb5ccdfa64_0_0:notes"/>
           <p:cNvSpPr/>
           <p:nvPr>
             <p:ph idx="2" type="sldImg"/>
@@ -1154,7 +1156,7 @@
       </p:sp>
       <p:sp>
         <p:nvSpPr>
-          <p:cNvPr id="119" name="Google Shape;119;gf157d98dbb_1_0:notes"/>
+          <p:cNvPr id="135" name="Google Shape;135;gdb5ccdfa64_0_0:notes"/>
           <p:cNvSpPr txBox="1"/>
           <p:nvPr>
             <p:ph idx="1" type="body"/>
@@ -1204,7 +1206,7 @@
   <p:cSld>
     <p:spTree>
       <p:nvGrpSpPr>
-        <p:cNvPr id="124" name="Shape 124"/>
+        <p:cNvPr id="140" name="Shape 140"/>
         <p:cNvGrpSpPr/>
         <p:nvPr/>
       </p:nvGrpSpPr>
@@ -1218,7 +1220,7 @@
       </p:grpSpPr>
       <p:sp>
         <p:nvSpPr>
-          <p:cNvPr id="125" name="Google Shape;125;gf157d98dbb_1_7:notes"/>
+          <p:cNvPr id="141" name="Google Shape;141;gf157d98dbb_0_133:notes"/>
           <p:cNvSpPr/>
           <p:nvPr>
             <p:ph idx="2" type="sldImg"/>
@@ -1253,7 +1255,7 @@
       </p:sp>
       <p:sp>
         <p:nvSpPr>
-          <p:cNvPr id="126" name="Google Shape;126;gf157d98dbb_1_7:notes"/>
+          <p:cNvPr id="142" name="Google Shape;142;gf157d98dbb_0_133:notes"/>
           <p:cNvSpPr txBox="1"/>
           <p:nvPr>
             <p:ph idx="1" type="body"/>
@@ -1303,7 +1305,7 @@
   <p:cSld>
     <p:spTree>
       <p:nvGrpSpPr>
-        <p:cNvPr id="131" name="Shape 131"/>
+        <p:cNvPr id="148" name="Shape 148"/>
         <p:cNvGrpSpPr/>
         <p:nvPr/>
       </p:nvGrpSpPr>
@@ -1317,7 +1319,7 @@
       </p:grpSpPr>
       <p:sp>
         <p:nvSpPr>
-          <p:cNvPr id="132" name="Google Shape;132;gf157d98dbb_1_14:notes"/>
+          <p:cNvPr id="149" name="Google Shape;149;gf157d98dbb_1_0:notes"/>
           <p:cNvSpPr/>
           <p:nvPr>
             <p:ph idx="2" type="sldImg"/>
@@ -1352,7 +1354,7 @@
       </p:sp>
       <p:sp>
         <p:nvSpPr>
-          <p:cNvPr id="133" name="Google Shape;133;gf157d98dbb_1_14:notes"/>
+          <p:cNvPr id="150" name="Google Shape;150;gf157d98dbb_1_0:notes"/>
           <p:cNvSpPr txBox="1"/>
           <p:nvPr>
             <p:ph idx="1" type="body"/>
@@ -1402,7 +1404,7 @@
   <p:cSld>
     <p:spTree>
       <p:nvGrpSpPr>
-        <p:cNvPr id="138" name="Shape 138"/>
+        <p:cNvPr id="155" name="Shape 155"/>
         <p:cNvGrpSpPr/>
         <p:nvPr/>
       </p:nvGrpSpPr>
@@ -1416,7 +1418,7 @@
       </p:grpSpPr>
       <p:sp>
         <p:nvSpPr>
-          <p:cNvPr id="139" name="Google Shape;139;gf157d98dbb_1_20:notes"/>
+          <p:cNvPr id="156" name="Google Shape;156;gf157d98dbb_1_7:notes"/>
           <p:cNvSpPr/>
           <p:nvPr>
             <p:ph idx="2" type="sldImg"/>
@@ -1451,7 +1453,7 @@
       </p:sp>
       <p:sp>
         <p:nvSpPr>
-          <p:cNvPr id="140" name="Google Shape;140;gf157d98dbb_1_20:notes"/>
+          <p:cNvPr id="157" name="Google Shape;157;gf157d98dbb_1_7:notes"/>
           <p:cNvSpPr txBox="1"/>
           <p:nvPr>
             <p:ph idx="1" type="body"/>
@@ -1501,7 +1503,7 @@
   <p:cSld>
     <p:spTree>
       <p:nvGrpSpPr>
-        <p:cNvPr id="145" name="Shape 145"/>
+        <p:cNvPr id="162" name="Shape 162"/>
         <p:cNvGrpSpPr/>
         <p:nvPr/>
       </p:nvGrpSpPr>
@@ -1515,7 +1517,7 @@
       </p:grpSpPr>
       <p:sp>
         <p:nvSpPr>
-          <p:cNvPr id="146" name="Google Shape;146;gf157d98dbb_1_32:notes"/>
+          <p:cNvPr id="163" name="Google Shape;163;gf157d98dbb_1_14:notes"/>
           <p:cNvSpPr/>
           <p:nvPr>
             <p:ph idx="2" type="sldImg"/>
@@ -1550,7 +1552,7 @@
       </p:sp>
       <p:sp>
         <p:nvSpPr>
-          <p:cNvPr id="147" name="Google Shape;147;gf157d98dbb_1_32:notes"/>
+          <p:cNvPr id="164" name="Google Shape;164;gf157d98dbb_1_14:notes"/>
           <p:cNvSpPr txBox="1"/>
           <p:nvPr>
             <p:ph idx="1" type="body"/>
@@ -1600,7 +1602,7 @@
   <p:cSld>
     <p:spTree>
       <p:nvGrpSpPr>
-        <p:cNvPr id="152" name="Shape 152"/>
+        <p:cNvPr id="169" name="Shape 169"/>
         <p:cNvGrpSpPr/>
         <p:nvPr/>
       </p:nvGrpSpPr>
@@ -1614,7 +1616,7 @@
       </p:grpSpPr>
       <p:sp>
         <p:nvSpPr>
-          <p:cNvPr id="153" name="Google Shape;153;gf157d98db7_0_0:notes"/>
+          <p:cNvPr id="170" name="Google Shape;170;gf157d98dbb_1_20:notes"/>
           <p:cNvSpPr/>
           <p:nvPr>
             <p:ph idx="2" type="sldImg"/>
@@ -1649,7 +1651,7 @@
       </p:sp>
       <p:sp>
         <p:nvSpPr>
-          <p:cNvPr id="154" name="Google Shape;154;gf157d98db7_0_0:notes"/>
+          <p:cNvPr id="171" name="Google Shape;171;gf157d98dbb_1_20:notes"/>
           <p:cNvSpPr txBox="1"/>
           <p:nvPr>
             <p:ph idx="1" type="body"/>
@@ -1699,7 +1701,7 @@
   <p:cSld>
     <p:spTree>
       <p:nvGrpSpPr>
-        <p:cNvPr id="158" name="Shape 158"/>
+        <p:cNvPr id="176" name="Shape 176"/>
         <p:cNvGrpSpPr/>
         <p:nvPr/>
       </p:nvGrpSpPr>
@@ -1713,7 +1715,7 @@
       </p:grpSpPr>
       <p:sp>
         <p:nvSpPr>
-          <p:cNvPr id="159" name="Google Shape;159;gf157d98db7_0_5:notes"/>
+          <p:cNvPr id="177" name="Google Shape;177;gf157d98dbb_1_32:notes"/>
           <p:cNvSpPr/>
           <p:nvPr>
             <p:ph idx="2" type="sldImg"/>
@@ -1748,7 +1750,7 @@
       </p:sp>
       <p:sp>
         <p:nvSpPr>
-          <p:cNvPr id="160" name="Google Shape;160;gf157d98db7_0_5:notes"/>
+          <p:cNvPr id="178" name="Google Shape;178;gf157d98dbb_1_32:notes"/>
           <p:cNvSpPr txBox="1"/>
           <p:nvPr>
             <p:ph idx="1" type="body"/>
@@ -1798,7 +1800,7 @@
   <p:cSld>
     <p:spTree>
       <p:nvGrpSpPr>
-        <p:cNvPr id="38" name="Shape 38"/>
+        <p:cNvPr id="53" name="Shape 53"/>
         <p:cNvGrpSpPr/>
         <p:nvPr/>
       </p:nvGrpSpPr>
@@ -1812,7 +1814,7 @@
       </p:grpSpPr>
       <p:sp>
         <p:nvSpPr>
-          <p:cNvPr id="39" name="Google Shape;39;gf157d98dbb_0_71:notes"/>
+          <p:cNvPr id="54" name="Google Shape;54;gf157d98dbb_0_71:notes"/>
           <p:cNvSpPr/>
           <p:nvPr>
             <p:ph idx="2" type="sldImg"/>
@@ -1847,7 +1849,7 @@
       </p:sp>
       <p:sp>
         <p:nvSpPr>
-          <p:cNvPr id="40" name="Google Shape;40;gf157d98dbb_0_71:notes"/>
+          <p:cNvPr id="55" name="Google Shape;55;gf157d98dbb_0_71:notes"/>
           <p:cNvSpPr txBox="1"/>
           <p:nvPr>
             <p:ph idx="1" type="body"/>
@@ -1892,12 +1894,12 @@
 </p:notes>
 </file>
 
-<file path=ppt/notesSlides/notesSlide3.xml><?xml version="1.0" encoding="utf-8"?>
+<file path=ppt/notesSlides/notesSlide20.xml><?xml version="1.0" encoding="utf-8"?>
 <p:notes xmlns:a="http://schemas.openxmlformats.org/drawingml/2006/main" xmlns:r="http://schemas.openxmlformats.org/officeDocument/2006/relationships" xmlns:mc="http://schemas.openxmlformats.org/markup-compatibility/2006" xmlns:mv="urn:schemas-microsoft-com:mac:vml" xmlns:p="http://schemas.openxmlformats.org/presentationml/2006/main" xmlns:c="http://schemas.openxmlformats.org/drawingml/2006/chart" xmlns:dgm="http://schemas.openxmlformats.org/drawingml/2006/diagram" xmlns:o="urn:schemas-microsoft-com:office:office" xmlns:v="urn:schemas-microsoft-com:vml" xmlns:pvml="urn:schemas-microsoft-com:office:powerpoint" xmlns:com="http://schemas.openxmlformats.org/drawingml/2006/compatibility" xmlns:p14="http://schemas.microsoft.com/office/powerpoint/2010/main" xmlns:p15="http://schemas.microsoft.com/office/powerpoint/2012/main" xmlns:ahyp="http://schemas.microsoft.com/office/drawing/2018/hyperlinkcolor" showMasterPhAnim="0" showMasterSp="0">
   <p:cSld>
     <p:spTree>
       <p:nvGrpSpPr>
-        <p:cNvPr id="45" name="Shape 45"/>
+        <p:cNvPr id="183" name="Shape 183"/>
         <p:cNvGrpSpPr/>
         <p:nvPr/>
       </p:nvGrpSpPr>
@@ -1911,7 +1913,7 @@
       </p:grpSpPr>
       <p:sp>
         <p:nvSpPr>
-          <p:cNvPr id="46" name="Google Shape;46;gf157d98dbb_0_77:notes"/>
+          <p:cNvPr id="184" name="Google Shape;184;gf157d98db7_0_0:notes"/>
           <p:cNvSpPr/>
           <p:nvPr>
             <p:ph idx="2" type="sldImg"/>
@@ -1946,7 +1948,7 @@
       </p:sp>
       <p:sp>
         <p:nvSpPr>
-          <p:cNvPr id="47" name="Google Shape;47;gf157d98dbb_0_77:notes"/>
+          <p:cNvPr id="185" name="Google Shape;185;gf157d98db7_0_0:notes"/>
           <p:cNvSpPr txBox="1"/>
           <p:nvPr>
             <p:ph idx="1" type="body"/>
@@ -1991,12 +1993,12 @@
 </p:notes>
 </file>
 
-<file path=ppt/notesSlides/notesSlide4.xml><?xml version="1.0" encoding="utf-8"?>
+<file path=ppt/notesSlides/notesSlide21.xml><?xml version="1.0" encoding="utf-8"?>
 <p:notes xmlns:a="http://schemas.openxmlformats.org/drawingml/2006/main" xmlns:r="http://schemas.openxmlformats.org/officeDocument/2006/relationships" xmlns:mc="http://schemas.openxmlformats.org/markup-compatibility/2006" xmlns:mv="urn:schemas-microsoft-com:mac:vml" xmlns:p="http://schemas.openxmlformats.org/presentationml/2006/main" xmlns:c="http://schemas.openxmlformats.org/drawingml/2006/chart" xmlns:dgm="http://schemas.openxmlformats.org/drawingml/2006/diagram" xmlns:o="urn:schemas-microsoft-com:office:office" xmlns:v="urn:schemas-microsoft-com:vml" xmlns:pvml="urn:schemas-microsoft-com:office:powerpoint" xmlns:com="http://schemas.openxmlformats.org/drawingml/2006/compatibility" xmlns:p14="http://schemas.microsoft.com/office/powerpoint/2010/main" xmlns:p15="http://schemas.microsoft.com/office/powerpoint/2012/main" xmlns:ahyp="http://schemas.microsoft.com/office/drawing/2018/hyperlinkcolor" showMasterPhAnim="0" showMasterSp="0">
   <p:cSld>
     <p:spTree>
       <p:nvGrpSpPr>
-        <p:cNvPr id="52" name="Shape 52"/>
+        <p:cNvPr id="189" name="Shape 189"/>
         <p:cNvGrpSpPr/>
         <p:nvPr/>
       </p:nvGrpSpPr>
@@ -2010,7 +2012,7 @@
       </p:grpSpPr>
       <p:sp>
         <p:nvSpPr>
-          <p:cNvPr id="53" name="Google Shape;53;g16318dae7dc_0_22:notes"/>
+          <p:cNvPr id="190" name="Google Shape;190;gf157d98db7_0_5:notes"/>
           <p:cNvSpPr/>
           <p:nvPr>
             <p:ph idx="2" type="sldImg"/>
@@ -2045,7 +2047,7 @@
       </p:sp>
       <p:sp>
         <p:nvSpPr>
-          <p:cNvPr id="54" name="Google Shape;54;g16318dae7dc_0_22:notes"/>
+          <p:cNvPr id="191" name="Google Shape;191;gf157d98db7_0_5:notes"/>
           <p:cNvSpPr txBox="1"/>
           <p:nvPr>
             <p:ph idx="1" type="body"/>
@@ -2090,12 +2092,12 @@
 </p:notes>
 </file>
 
-<file path=ppt/notesSlides/notesSlide5.xml><?xml version="1.0" encoding="utf-8"?>
+<file path=ppt/notesSlides/notesSlide3.xml><?xml version="1.0" encoding="utf-8"?>
 <p:notes xmlns:a="http://schemas.openxmlformats.org/drawingml/2006/main" xmlns:r="http://schemas.openxmlformats.org/officeDocument/2006/relationships" xmlns:mc="http://schemas.openxmlformats.org/markup-compatibility/2006" xmlns:mv="urn:schemas-microsoft-com:mac:vml" xmlns:p="http://schemas.openxmlformats.org/presentationml/2006/main" xmlns:c="http://schemas.openxmlformats.org/drawingml/2006/chart" xmlns:dgm="http://schemas.openxmlformats.org/drawingml/2006/diagram" xmlns:o="urn:schemas-microsoft-com:office:office" xmlns:v="urn:schemas-microsoft-com:vml" xmlns:pvml="urn:schemas-microsoft-com:office:powerpoint" xmlns:com="http://schemas.openxmlformats.org/drawingml/2006/compatibility" xmlns:p14="http://schemas.microsoft.com/office/powerpoint/2010/main" xmlns:p15="http://schemas.microsoft.com/office/powerpoint/2012/main" xmlns:ahyp="http://schemas.microsoft.com/office/drawing/2018/hyperlinkcolor" showMasterPhAnim="0" showMasterSp="0">
   <p:cSld>
     <p:spTree>
       <p:nvGrpSpPr>
-        <p:cNvPr id="59" name="Shape 59"/>
+        <p:cNvPr id="60" name="Shape 60"/>
         <p:cNvGrpSpPr/>
         <p:nvPr/>
       </p:nvGrpSpPr>
@@ -2109,7 +2111,7 @@
       </p:grpSpPr>
       <p:sp>
         <p:nvSpPr>
-          <p:cNvPr id="60" name="Google Shape;60;gf157d98dbb_0_83:notes"/>
+          <p:cNvPr id="61" name="Google Shape;61;gf157d98dbb_0_77:notes"/>
           <p:cNvSpPr/>
           <p:nvPr>
             <p:ph idx="2" type="sldImg"/>
@@ -2144,7 +2146,7 @@
       </p:sp>
       <p:sp>
         <p:nvSpPr>
-          <p:cNvPr id="61" name="Google Shape;61;gf157d98dbb_0_83:notes"/>
+          <p:cNvPr id="62" name="Google Shape;62;gf157d98dbb_0_77:notes"/>
           <p:cNvSpPr txBox="1"/>
           <p:nvPr>
             <p:ph idx="1" type="body"/>
@@ -2189,12 +2191,12 @@
 </p:notes>
 </file>
 
-<file path=ppt/notesSlides/notesSlide6.xml><?xml version="1.0" encoding="utf-8"?>
+<file path=ppt/notesSlides/notesSlide4.xml><?xml version="1.0" encoding="utf-8"?>
 <p:notes xmlns:a="http://schemas.openxmlformats.org/drawingml/2006/main" xmlns:r="http://schemas.openxmlformats.org/officeDocument/2006/relationships" xmlns:mc="http://schemas.openxmlformats.org/markup-compatibility/2006" xmlns:mv="urn:schemas-microsoft-com:mac:vml" xmlns:p="http://schemas.openxmlformats.org/presentationml/2006/main" xmlns:c="http://schemas.openxmlformats.org/drawingml/2006/chart" xmlns:dgm="http://schemas.openxmlformats.org/drawingml/2006/diagram" xmlns:o="urn:schemas-microsoft-com:office:office" xmlns:v="urn:schemas-microsoft-com:vml" xmlns:pvml="urn:schemas-microsoft-com:office:powerpoint" xmlns:com="http://schemas.openxmlformats.org/drawingml/2006/compatibility" xmlns:p14="http://schemas.microsoft.com/office/powerpoint/2010/main" xmlns:p15="http://schemas.microsoft.com/office/powerpoint/2012/main" xmlns:ahyp="http://schemas.microsoft.com/office/drawing/2018/hyperlinkcolor" showMasterPhAnim="0" showMasterSp="0">
   <p:cSld>
     <p:spTree>
       <p:nvGrpSpPr>
-        <p:cNvPr id="66" name="Shape 66"/>
+        <p:cNvPr id="67" name="Shape 67"/>
         <p:cNvGrpSpPr/>
         <p:nvPr/>
       </p:nvGrpSpPr>
@@ -2208,7 +2210,7 @@
       </p:grpSpPr>
       <p:sp>
         <p:nvSpPr>
-          <p:cNvPr id="67" name="Google Shape;67;g2902d17f377_0_0:notes"/>
+          <p:cNvPr id="68" name="Google Shape;68;g16318dae7dc_0_22:notes"/>
           <p:cNvSpPr/>
           <p:nvPr>
             <p:ph idx="2" type="sldImg"/>
@@ -2243,7 +2245,7 @@
       </p:sp>
       <p:sp>
         <p:nvSpPr>
-          <p:cNvPr id="68" name="Google Shape;68;g2902d17f377_0_0:notes"/>
+          <p:cNvPr id="69" name="Google Shape;69;g16318dae7dc_0_22:notes"/>
           <p:cNvSpPr txBox="1"/>
           <p:nvPr>
             <p:ph idx="1" type="body"/>
@@ -2288,7 +2290,7 @@
 </p:notes>
 </file>
 
-<file path=ppt/notesSlides/notesSlide7.xml><?xml version="1.0" encoding="utf-8"?>
+<file path=ppt/notesSlides/notesSlide5.xml><?xml version="1.0" encoding="utf-8"?>
 <p:notes xmlns:a="http://schemas.openxmlformats.org/drawingml/2006/main" xmlns:r="http://schemas.openxmlformats.org/officeDocument/2006/relationships" xmlns:mc="http://schemas.openxmlformats.org/markup-compatibility/2006" xmlns:mv="urn:schemas-microsoft-com:mac:vml" xmlns:p="http://schemas.openxmlformats.org/presentationml/2006/main" xmlns:c="http://schemas.openxmlformats.org/drawingml/2006/chart" xmlns:dgm="http://schemas.openxmlformats.org/drawingml/2006/diagram" xmlns:o="urn:schemas-microsoft-com:office:office" xmlns:v="urn:schemas-microsoft-com:vml" xmlns:pvml="urn:schemas-microsoft-com:office:powerpoint" xmlns:com="http://schemas.openxmlformats.org/drawingml/2006/compatibility" xmlns:p14="http://schemas.microsoft.com/office/powerpoint/2010/main" xmlns:p15="http://schemas.microsoft.com/office/powerpoint/2012/main" xmlns:ahyp="http://schemas.microsoft.com/office/drawing/2018/hyperlinkcolor" showMasterPhAnim="0" showMasterSp="0">
   <p:cSld>
     <p:spTree>
@@ -2307,7 +2309,7 @@
       </p:grpSpPr>
       <p:sp>
         <p:nvSpPr>
-          <p:cNvPr id="75" name="Google Shape;75;g11aa75bb97b_1_0:notes"/>
+          <p:cNvPr id="75" name="Google Shape;75;gf157d98dbb_0_83:notes"/>
           <p:cNvSpPr/>
           <p:nvPr>
             <p:ph idx="2" type="sldImg"/>
@@ -2342,7 +2344,7 @@
       </p:sp>
       <p:sp>
         <p:nvSpPr>
-          <p:cNvPr id="76" name="Google Shape;76;g11aa75bb97b_1_0:notes"/>
+          <p:cNvPr id="76" name="Google Shape;76;gf157d98dbb_0_83:notes"/>
           <p:cNvSpPr txBox="1"/>
           <p:nvPr>
             <p:ph idx="1" type="body"/>
@@ -2387,7 +2389,7 @@
 </p:notes>
 </file>
 
-<file path=ppt/notesSlides/notesSlide8.xml><?xml version="1.0" encoding="utf-8"?>
+<file path=ppt/notesSlides/notesSlide6.xml><?xml version="1.0" encoding="utf-8"?>
 <p:notes xmlns:a="http://schemas.openxmlformats.org/drawingml/2006/main" xmlns:r="http://schemas.openxmlformats.org/officeDocument/2006/relationships" xmlns:mc="http://schemas.openxmlformats.org/markup-compatibility/2006" xmlns:mv="urn:schemas-microsoft-com:mac:vml" xmlns:p="http://schemas.openxmlformats.org/presentationml/2006/main" xmlns:c="http://schemas.openxmlformats.org/drawingml/2006/chart" xmlns:dgm="http://schemas.openxmlformats.org/drawingml/2006/diagram" xmlns:o="urn:schemas-microsoft-com:office:office" xmlns:v="urn:schemas-microsoft-com:vml" xmlns:pvml="urn:schemas-microsoft-com:office:powerpoint" xmlns:com="http://schemas.openxmlformats.org/drawingml/2006/compatibility" xmlns:p14="http://schemas.microsoft.com/office/powerpoint/2010/main" xmlns:p15="http://schemas.microsoft.com/office/powerpoint/2012/main" xmlns:ahyp="http://schemas.microsoft.com/office/drawing/2018/hyperlinkcolor" showMasterPhAnim="0" showMasterSp="0">
   <p:cSld>
     <p:spTree>
@@ -2406,7 +2408,7 @@
       </p:grpSpPr>
       <p:sp>
         <p:nvSpPr>
-          <p:cNvPr id="82" name="Google Shape;82;g2e6d6088977_0_0:notes"/>
+          <p:cNvPr id="82" name="Google Shape;82;g2902d17f377_0_0:notes"/>
           <p:cNvSpPr/>
           <p:nvPr>
             <p:ph idx="2" type="sldImg"/>
@@ -2441,7 +2443,7 @@
       </p:sp>
       <p:sp>
         <p:nvSpPr>
-          <p:cNvPr id="83" name="Google Shape;83;g2e6d6088977_0_0:notes"/>
+          <p:cNvPr id="83" name="Google Shape;83;g2902d17f377_0_0:notes"/>
           <p:cNvSpPr txBox="1"/>
           <p:nvPr>
             <p:ph idx="1" type="body"/>
@@ -2486,12 +2488,12 @@
 </p:notes>
 </file>
 
-<file path=ppt/notesSlides/notesSlide9.xml><?xml version="1.0" encoding="utf-8"?>
+<file path=ppt/notesSlides/notesSlide7.xml><?xml version="1.0" encoding="utf-8"?>
 <p:notes xmlns:a="http://schemas.openxmlformats.org/drawingml/2006/main" xmlns:r="http://schemas.openxmlformats.org/officeDocument/2006/relationships" xmlns:mc="http://schemas.openxmlformats.org/markup-compatibility/2006" xmlns:mv="urn:schemas-microsoft-com:mac:vml" xmlns:p="http://schemas.openxmlformats.org/presentationml/2006/main" xmlns:c="http://schemas.openxmlformats.org/drawingml/2006/chart" xmlns:dgm="http://schemas.openxmlformats.org/drawingml/2006/diagram" xmlns:o="urn:schemas-microsoft-com:office:office" xmlns:v="urn:schemas-microsoft-com:vml" xmlns:pvml="urn:schemas-microsoft-com:office:powerpoint" xmlns:com="http://schemas.openxmlformats.org/drawingml/2006/compatibility" xmlns:p14="http://schemas.microsoft.com/office/powerpoint/2010/main" xmlns:p15="http://schemas.microsoft.com/office/powerpoint/2012/main" xmlns:ahyp="http://schemas.microsoft.com/office/drawing/2018/hyperlinkcolor" showMasterPhAnim="0" showMasterSp="0">
   <p:cSld>
     <p:spTree>
       <p:nvGrpSpPr>
-        <p:cNvPr id="88" name="Shape 88"/>
+        <p:cNvPr id="89" name="Shape 89"/>
         <p:cNvGrpSpPr/>
         <p:nvPr/>
       </p:nvGrpSpPr>
@@ -2505,7 +2507,7 @@
       </p:grpSpPr>
       <p:sp>
         <p:nvSpPr>
-          <p:cNvPr id="89" name="Google Shape;89;gf5a9b1405f_1_0:notes"/>
+          <p:cNvPr id="90" name="Google Shape;90;g11aa75bb97b_1_0:notes"/>
           <p:cNvSpPr/>
           <p:nvPr>
             <p:ph idx="2" type="sldImg"/>
@@ -2540,7 +2542,205 @@
       </p:sp>
       <p:sp>
         <p:nvSpPr>
-          <p:cNvPr id="90" name="Google Shape;90;gf5a9b1405f_1_0:notes"/>
+          <p:cNvPr id="91" name="Google Shape;91;g11aa75bb97b_1_0:notes"/>
+          <p:cNvSpPr txBox="1"/>
+          <p:nvPr>
+            <p:ph idx="1" type="body"/>
+          </p:nvPr>
+        </p:nvSpPr>
+        <p:spPr>
+          <a:xfrm>
+            <a:off x="685800" y="4343400"/>
+            <a:ext cx="5486400" cy="4114800"/>
+          </a:xfrm>
+          <a:prstGeom prst="rect">
+            <a:avLst/>
+          </a:prstGeom>
+        </p:spPr>
+        <p:txBody>
+          <a:bodyPr anchorCtr="0" anchor="t" bIns="91425" lIns="91425" spcFirstLastPara="1" rIns="91425" wrap="square" tIns="91425">
+            <a:noAutofit/>
+          </a:bodyPr>
+          <a:lstStyle/>
+          <a:p>
+            <a:pPr indent="0" lvl="0" marL="0" rtl="0" algn="l">
+              <a:spcBef>
+                <a:spcPts val="0"/>
+              </a:spcBef>
+              <a:spcAft>
+                <a:spcPts val="0"/>
+              </a:spcAft>
+              <a:buNone/>
+            </a:pPr>
+            <a:r>
+              <a:t/>
+            </a:r>
+            <a:endParaRPr/>
+          </a:p>
+        </p:txBody>
+      </p:sp>
+    </p:spTree>
+  </p:cSld>
+  <p:clrMapOvr>
+    <a:masterClrMapping/>
+  </p:clrMapOvr>
+</p:notes>
+</file>
+
+<file path=ppt/notesSlides/notesSlide8.xml><?xml version="1.0" encoding="utf-8"?>
+<p:notes xmlns:a="http://schemas.openxmlformats.org/drawingml/2006/main" xmlns:r="http://schemas.openxmlformats.org/officeDocument/2006/relationships" xmlns:mc="http://schemas.openxmlformats.org/markup-compatibility/2006" xmlns:mv="urn:schemas-microsoft-com:mac:vml" xmlns:p="http://schemas.openxmlformats.org/presentationml/2006/main" xmlns:c="http://schemas.openxmlformats.org/drawingml/2006/chart" xmlns:dgm="http://schemas.openxmlformats.org/drawingml/2006/diagram" xmlns:o="urn:schemas-microsoft-com:office:office" xmlns:v="urn:schemas-microsoft-com:vml" xmlns:pvml="urn:schemas-microsoft-com:office:powerpoint" xmlns:com="http://schemas.openxmlformats.org/drawingml/2006/compatibility" xmlns:p14="http://schemas.microsoft.com/office/powerpoint/2010/main" xmlns:p15="http://schemas.microsoft.com/office/powerpoint/2012/main" xmlns:ahyp="http://schemas.microsoft.com/office/drawing/2018/hyperlinkcolor" showMasterPhAnim="0" showMasterSp="0">
+  <p:cSld>
+    <p:spTree>
+      <p:nvGrpSpPr>
+        <p:cNvPr id="96" name="Shape 96"/>
+        <p:cNvGrpSpPr/>
+        <p:nvPr/>
+      </p:nvGrpSpPr>
+      <p:grpSpPr>
+        <a:xfrm>
+          <a:off x="0" y="0"/>
+          <a:ext cx="0" cy="0"/>
+          <a:chOff x="0" y="0"/>
+          <a:chExt cx="0" cy="0"/>
+        </a:xfrm>
+      </p:grpSpPr>
+      <p:sp>
+        <p:nvSpPr>
+          <p:cNvPr id="97" name="Google Shape;97;g2e6d6088977_0_0:notes"/>
+          <p:cNvSpPr/>
+          <p:nvPr>
+            <p:ph idx="2" type="sldImg"/>
+          </p:nvPr>
+        </p:nvSpPr>
+        <p:spPr>
+          <a:xfrm>
+            <a:off x="381300" y="685800"/>
+            <a:ext cx="6096000" cy="3429000"/>
+          </a:xfrm>
+          <a:custGeom>
+            <a:rect b="b" l="l" r="r" t="t"/>
+            <a:pathLst>
+              <a:path extrusionOk="0" h="120000" w="120000">
+                <a:moveTo>
+                  <a:pt x="0" y="0"/>
+                </a:moveTo>
+                <a:lnTo>
+                  <a:pt x="120000" y="0"/>
+                </a:lnTo>
+                <a:lnTo>
+                  <a:pt x="120000" y="120000"/>
+                </a:lnTo>
+                <a:lnTo>
+                  <a:pt x="0" y="120000"/>
+                </a:lnTo>
+                <a:close/>
+              </a:path>
+            </a:pathLst>
+          </a:custGeom>
+        </p:spPr>
+      </p:sp>
+      <p:sp>
+        <p:nvSpPr>
+          <p:cNvPr id="98" name="Google Shape;98;g2e6d6088977_0_0:notes"/>
+          <p:cNvSpPr txBox="1"/>
+          <p:nvPr>
+            <p:ph idx="1" type="body"/>
+          </p:nvPr>
+        </p:nvSpPr>
+        <p:spPr>
+          <a:xfrm>
+            <a:off x="685800" y="4343400"/>
+            <a:ext cx="5486400" cy="4114800"/>
+          </a:xfrm>
+          <a:prstGeom prst="rect">
+            <a:avLst/>
+          </a:prstGeom>
+        </p:spPr>
+        <p:txBody>
+          <a:bodyPr anchorCtr="0" anchor="t" bIns="91425" lIns="91425" spcFirstLastPara="1" rIns="91425" wrap="square" tIns="91425">
+            <a:noAutofit/>
+          </a:bodyPr>
+          <a:lstStyle/>
+          <a:p>
+            <a:pPr indent="0" lvl="0" marL="0" rtl="0" algn="l">
+              <a:spcBef>
+                <a:spcPts val="0"/>
+              </a:spcBef>
+              <a:spcAft>
+                <a:spcPts val="0"/>
+              </a:spcAft>
+              <a:buNone/>
+            </a:pPr>
+            <a:r>
+              <a:t/>
+            </a:r>
+            <a:endParaRPr/>
+          </a:p>
+        </p:txBody>
+      </p:sp>
+    </p:spTree>
+  </p:cSld>
+  <p:clrMapOvr>
+    <a:masterClrMapping/>
+  </p:clrMapOvr>
+</p:notes>
+</file>
+
+<file path=ppt/notesSlides/notesSlide9.xml><?xml version="1.0" encoding="utf-8"?>
+<p:notes xmlns:a="http://schemas.openxmlformats.org/drawingml/2006/main" xmlns:r="http://schemas.openxmlformats.org/officeDocument/2006/relationships" xmlns:mc="http://schemas.openxmlformats.org/markup-compatibility/2006" xmlns:mv="urn:schemas-microsoft-com:mac:vml" xmlns:p="http://schemas.openxmlformats.org/presentationml/2006/main" xmlns:c="http://schemas.openxmlformats.org/drawingml/2006/chart" xmlns:dgm="http://schemas.openxmlformats.org/drawingml/2006/diagram" xmlns:o="urn:schemas-microsoft-com:office:office" xmlns:v="urn:schemas-microsoft-com:vml" xmlns:pvml="urn:schemas-microsoft-com:office:powerpoint" xmlns:com="http://schemas.openxmlformats.org/drawingml/2006/compatibility" xmlns:p14="http://schemas.microsoft.com/office/powerpoint/2010/main" xmlns:p15="http://schemas.microsoft.com/office/powerpoint/2012/main" xmlns:ahyp="http://schemas.microsoft.com/office/drawing/2018/hyperlinkcolor" showMasterPhAnim="0" showMasterSp="0">
+  <p:cSld>
+    <p:spTree>
+      <p:nvGrpSpPr>
+        <p:cNvPr id="103" name="Shape 103"/>
+        <p:cNvGrpSpPr/>
+        <p:nvPr/>
+      </p:nvGrpSpPr>
+      <p:grpSpPr>
+        <a:xfrm>
+          <a:off x="0" y="0"/>
+          <a:ext cx="0" cy="0"/>
+          <a:chOff x="0" y="0"/>
+          <a:chExt cx="0" cy="0"/>
+        </a:xfrm>
+      </p:grpSpPr>
+      <p:sp>
+        <p:nvSpPr>
+          <p:cNvPr id="104" name="Google Shape;104;gf5a9b1405f_1_0:notes"/>
+          <p:cNvSpPr/>
+          <p:nvPr>
+            <p:ph idx="2" type="sldImg"/>
+          </p:nvPr>
+        </p:nvSpPr>
+        <p:spPr>
+          <a:xfrm>
+            <a:off x="381300" y="685800"/>
+            <a:ext cx="6096000" cy="3429000"/>
+          </a:xfrm>
+          <a:custGeom>
+            <a:rect b="b" l="l" r="r" t="t"/>
+            <a:pathLst>
+              <a:path extrusionOk="0" h="120000" w="120000">
+                <a:moveTo>
+                  <a:pt x="0" y="0"/>
+                </a:moveTo>
+                <a:lnTo>
+                  <a:pt x="120000" y="0"/>
+                </a:lnTo>
+                <a:lnTo>
+                  <a:pt x="120000" y="120000"/>
+                </a:lnTo>
+                <a:lnTo>
+                  <a:pt x="0" y="120000"/>
+                </a:lnTo>
+                <a:close/>
+              </a:path>
+            </a:pathLst>
+          </a:custGeom>
+        </p:spPr>
+      </p:sp>
+      <p:sp>
+        <p:nvSpPr>
+          <p:cNvPr id="105" name="Google Shape;105;gf5a9b1405f_1_0:notes"/>
           <p:cNvSpPr txBox="1"/>
           <p:nvPr>
             <p:ph idx="1" type="body"/>
@@ -2887,49 +3087,150 @@
           <a:p/>
         </p:txBody>
       </p:sp>
-      <p:sp>
-        <p:nvSpPr>
+      <p:grpSp>
+        <p:nvGrpSpPr>
           <p:cNvPr id="12" name="Google Shape;12;p2"/>
-          <p:cNvSpPr/>
+          <p:cNvGrpSpPr/>
           <p:nvPr/>
-        </p:nvSpPr>
-        <p:spPr>
+        </p:nvGrpSpPr>
+        <p:grpSpPr>
           <a:xfrm>
             <a:off x="0" y="2388810"/>
             <a:ext cx="9144000" cy="183000"/>
+            <a:chOff x="0" y="2388810"/>
+            <a:chExt cx="9144000" cy="183000"/>
           </a:xfrm>
-          <a:prstGeom prst="rect">
-            <a:avLst/>
-          </a:prstGeom>
-          <a:solidFill>
-            <a:schemeClr val="accent6"/>
-          </a:solidFill>
-          <a:ln>
-            <a:noFill/>
-          </a:ln>
-        </p:spPr>
-        <p:txBody>
-          <a:bodyPr anchorCtr="0" anchor="ctr" bIns="91425" lIns="91425" spcFirstLastPara="1" rIns="91425" wrap="square" tIns="91425">
-            <a:noAutofit/>
-          </a:bodyPr>
-          <a:lstStyle/>
-          <a:p>
-            <a:pPr indent="0" lvl="0" marL="0" rtl="0" algn="l">
-              <a:spcBef>
-                <a:spcPts val="0"/>
-              </a:spcBef>
-              <a:spcAft>
-                <a:spcPts val="0"/>
-              </a:spcAft>
-              <a:buNone/>
-            </a:pPr>
-            <a:r>
-              <a:t/>
-            </a:r>
-            <a:endParaRPr/>
-          </a:p>
-        </p:txBody>
-      </p:sp>
+        </p:grpSpPr>
+        <p:sp>
+          <p:nvSpPr>
+            <p:cNvPr id="13" name="Google Shape;13;p2"/>
+            <p:cNvSpPr/>
+            <p:nvPr/>
+          </p:nvSpPr>
+          <p:spPr>
+            <a:xfrm>
+              <a:off x="0" y="2388810"/>
+              <a:ext cx="914400" cy="183000"/>
+            </a:xfrm>
+            <a:prstGeom prst="rect">
+              <a:avLst/>
+            </a:prstGeom>
+            <a:solidFill>
+              <a:schemeClr val="accent2"/>
+            </a:solidFill>
+            <a:ln>
+              <a:noFill/>
+            </a:ln>
+          </p:spPr>
+          <p:txBody>
+            <a:bodyPr anchorCtr="0" anchor="ctr" bIns="91425" lIns="91425" spcFirstLastPara="1" rIns="91425" wrap="square" tIns="91425">
+              <a:noAutofit/>
+            </a:bodyPr>
+            <a:lstStyle/>
+            <a:p>
+              <a:pPr indent="0" lvl="0" marL="0" rtl="0" algn="l">
+                <a:spcBef>
+                  <a:spcPts val="0"/>
+                </a:spcBef>
+                <a:spcAft>
+                  <a:spcPts val="0"/>
+                </a:spcAft>
+                <a:buNone/>
+              </a:pPr>
+              <a:r>
+                <a:t/>
+              </a:r>
+              <a:endParaRPr/>
+            </a:p>
+          </p:txBody>
+        </p:sp>
+        <p:sp>
+          <p:nvSpPr>
+            <p:cNvPr id="14" name="Google Shape;14;p2"/>
+            <p:cNvSpPr/>
+            <p:nvPr/>
+          </p:nvSpPr>
+          <p:spPr>
+            <a:xfrm>
+              <a:off x="914400" y="2388810"/>
+              <a:ext cx="1828800" cy="183000"/>
+            </a:xfrm>
+            <a:prstGeom prst="rect">
+              <a:avLst/>
+            </a:prstGeom>
+            <a:solidFill>
+              <a:schemeClr val="accent3"/>
+            </a:solidFill>
+            <a:ln>
+              <a:noFill/>
+            </a:ln>
+          </p:spPr>
+          <p:txBody>
+            <a:bodyPr anchorCtr="0" anchor="ctr" bIns="91425" lIns="91425" spcFirstLastPara="1" rIns="91425" wrap="square" tIns="91425">
+              <a:noAutofit/>
+            </a:bodyPr>
+            <a:lstStyle/>
+            <a:p>
+              <a:pPr indent="0" lvl="0" marL="0" rtl="0" algn="l">
+                <a:spcBef>
+                  <a:spcPts val="0"/>
+                </a:spcBef>
+                <a:spcAft>
+                  <a:spcPts val="0"/>
+                </a:spcAft>
+                <a:buNone/>
+              </a:pPr>
+              <a:r>
+                <a:t/>
+              </a:r>
+              <a:endParaRPr/>
+            </a:p>
+          </p:txBody>
+        </p:sp>
+        <p:sp>
+          <p:nvSpPr>
+            <p:cNvPr id="15" name="Google Shape;15;p2"/>
+            <p:cNvSpPr/>
+            <p:nvPr/>
+          </p:nvSpPr>
+          <p:spPr>
+            <a:xfrm>
+              <a:off x="2743200" y="2388810"/>
+              <a:ext cx="6400800" cy="183000"/>
+            </a:xfrm>
+            <a:prstGeom prst="rect">
+              <a:avLst/>
+            </a:prstGeom>
+            <a:solidFill>
+              <a:schemeClr val="accent4"/>
+            </a:solidFill>
+            <a:ln>
+              <a:noFill/>
+            </a:ln>
+          </p:spPr>
+          <p:txBody>
+            <a:bodyPr anchorCtr="0" anchor="ctr" bIns="91425" lIns="91425" spcFirstLastPara="1" rIns="91425" wrap="square" tIns="91425">
+              <a:noAutofit/>
+            </a:bodyPr>
+            <a:lstStyle/>
+            <a:p>
+              <a:pPr indent="0" lvl="0" marL="0" rtl="0" algn="l">
+                <a:spcBef>
+                  <a:spcPts val="0"/>
+                </a:spcBef>
+                <a:spcAft>
+                  <a:spcPts val="0"/>
+                </a:spcAft>
+                <a:buNone/>
+              </a:pPr>
+              <a:r>
+                <a:t/>
+              </a:r>
+              <a:endParaRPr/>
+            </a:p>
+          </p:txBody>
+        </p:sp>
+      </p:grpSp>
     </p:spTree>
   </p:cSld>
   <p:clrMapOvr>
@@ -2943,7 +3244,7 @@
   <p:cSld name="SECTION_HEADER">
     <p:spTree>
       <p:nvGrpSpPr>
-        <p:cNvPr id="13" name="Shape 13"/>
+        <p:cNvPr id="16" name="Shape 16"/>
         <p:cNvGrpSpPr/>
         <p:nvPr/>
       </p:nvGrpSpPr>
@@ -2957,7 +3258,7 @@
       </p:grpSpPr>
       <p:sp>
         <p:nvSpPr>
-          <p:cNvPr id="14" name="Google Shape;14;p3"/>
+          <p:cNvPr id="17" name="Google Shape;17;p3"/>
           <p:cNvSpPr txBox="1"/>
           <p:nvPr>
             <p:ph type="title"/>
@@ -3080,49 +3381,150 @@
           <a:p/>
         </p:txBody>
       </p:sp>
-      <p:sp>
-        <p:nvSpPr>
-          <p:cNvPr id="15" name="Google Shape;15;p3"/>
-          <p:cNvSpPr/>
+      <p:grpSp>
+        <p:nvGrpSpPr>
+          <p:cNvPr id="18" name="Google Shape;18;p3"/>
+          <p:cNvGrpSpPr/>
           <p:nvPr/>
-        </p:nvSpPr>
-        <p:spPr>
+        </p:nvGrpSpPr>
+        <p:grpSpPr>
           <a:xfrm>
-            <a:off x="0" y="2386584"/>
+            <a:off x="0" y="2432304"/>
             <a:ext cx="9144000" cy="91500"/>
+            <a:chOff x="0" y="2386584"/>
+            <a:chExt cx="9144000" cy="91500"/>
           </a:xfrm>
-          <a:prstGeom prst="rect">
-            <a:avLst/>
-          </a:prstGeom>
-          <a:solidFill>
-            <a:schemeClr val="accent6"/>
-          </a:solidFill>
-          <a:ln>
-            <a:noFill/>
-          </a:ln>
-        </p:spPr>
-        <p:txBody>
-          <a:bodyPr anchorCtr="0" anchor="ctr" bIns="91425" lIns="91425" spcFirstLastPara="1" rIns="91425" wrap="square" tIns="91425">
-            <a:noAutofit/>
-          </a:bodyPr>
-          <a:lstStyle/>
-          <a:p>
-            <a:pPr indent="0" lvl="0" marL="0" rtl="0" algn="l">
-              <a:spcBef>
-                <a:spcPts val="0"/>
-              </a:spcBef>
-              <a:spcAft>
-                <a:spcPts val="0"/>
-              </a:spcAft>
-              <a:buNone/>
-            </a:pPr>
-            <a:r>
-              <a:t/>
-            </a:r>
-            <a:endParaRPr/>
-          </a:p>
-        </p:txBody>
-      </p:sp>
+        </p:grpSpPr>
+        <p:sp>
+          <p:nvSpPr>
+            <p:cNvPr id="19" name="Google Shape;19;p3"/>
+            <p:cNvSpPr/>
+            <p:nvPr/>
+          </p:nvSpPr>
+          <p:spPr>
+            <a:xfrm>
+              <a:off x="0" y="2386584"/>
+              <a:ext cx="914400" cy="91500"/>
+            </a:xfrm>
+            <a:prstGeom prst="rect">
+              <a:avLst/>
+            </a:prstGeom>
+            <a:solidFill>
+              <a:schemeClr val="accent2"/>
+            </a:solidFill>
+            <a:ln>
+              <a:noFill/>
+            </a:ln>
+          </p:spPr>
+          <p:txBody>
+            <a:bodyPr anchorCtr="0" anchor="ctr" bIns="91425" lIns="91425" spcFirstLastPara="1" rIns="91425" wrap="square" tIns="91425">
+              <a:noAutofit/>
+            </a:bodyPr>
+            <a:lstStyle/>
+            <a:p>
+              <a:pPr indent="0" lvl="0" marL="0" rtl="0" algn="l">
+                <a:spcBef>
+                  <a:spcPts val="0"/>
+                </a:spcBef>
+                <a:spcAft>
+                  <a:spcPts val="0"/>
+                </a:spcAft>
+                <a:buNone/>
+              </a:pPr>
+              <a:r>
+                <a:t/>
+              </a:r>
+              <a:endParaRPr/>
+            </a:p>
+          </p:txBody>
+        </p:sp>
+        <p:sp>
+          <p:nvSpPr>
+            <p:cNvPr id="20" name="Google Shape;20;p3"/>
+            <p:cNvSpPr/>
+            <p:nvPr/>
+          </p:nvSpPr>
+          <p:spPr>
+            <a:xfrm>
+              <a:off x="914400" y="2386584"/>
+              <a:ext cx="1828800" cy="91500"/>
+            </a:xfrm>
+            <a:prstGeom prst="rect">
+              <a:avLst/>
+            </a:prstGeom>
+            <a:solidFill>
+              <a:schemeClr val="accent3"/>
+            </a:solidFill>
+            <a:ln>
+              <a:noFill/>
+            </a:ln>
+          </p:spPr>
+          <p:txBody>
+            <a:bodyPr anchorCtr="0" anchor="ctr" bIns="91425" lIns="91425" spcFirstLastPara="1" rIns="91425" wrap="square" tIns="91425">
+              <a:noAutofit/>
+            </a:bodyPr>
+            <a:lstStyle/>
+            <a:p>
+              <a:pPr indent="0" lvl="0" marL="0" rtl="0" algn="l">
+                <a:spcBef>
+                  <a:spcPts val="0"/>
+                </a:spcBef>
+                <a:spcAft>
+                  <a:spcPts val="0"/>
+                </a:spcAft>
+                <a:buNone/>
+              </a:pPr>
+              <a:r>
+                <a:t/>
+              </a:r>
+              <a:endParaRPr/>
+            </a:p>
+          </p:txBody>
+        </p:sp>
+        <p:sp>
+          <p:nvSpPr>
+            <p:cNvPr id="21" name="Google Shape;21;p3"/>
+            <p:cNvSpPr/>
+            <p:nvPr/>
+          </p:nvSpPr>
+          <p:spPr>
+            <a:xfrm>
+              <a:off x="2743200" y="2386584"/>
+              <a:ext cx="6400800" cy="91500"/>
+            </a:xfrm>
+            <a:prstGeom prst="rect">
+              <a:avLst/>
+            </a:prstGeom>
+            <a:solidFill>
+              <a:schemeClr val="accent4"/>
+            </a:solidFill>
+            <a:ln>
+              <a:noFill/>
+            </a:ln>
+          </p:spPr>
+          <p:txBody>
+            <a:bodyPr anchorCtr="0" anchor="ctr" bIns="91425" lIns="91425" spcFirstLastPara="1" rIns="91425" wrap="square" tIns="91425">
+              <a:noAutofit/>
+            </a:bodyPr>
+            <a:lstStyle/>
+            <a:p>
+              <a:pPr indent="0" lvl="0" marL="0" rtl="0" algn="l">
+                <a:spcBef>
+                  <a:spcPts val="0"/>
+                </a:spcBef>
+                <a:spcAft>
+                  <a:spcPts val="0"/>
+                </a:spcAft>
+                <a:buNone/>
+              </a:pPr>
+              <a:r>
+                <a:t/>
+              </a:r>
+              <a:endParaRPr/>
+            </a:p>
+          </p:txBody>
+        </p:sp>
+      </p:grpSp>
     </p:spTree>
   </p:cSld>
   <p:clrMapOvr>
@@ -3136,7 +3538,7 @@
   <p:cSld name="TITLE_AND_BODY">
     <p:spTree>
       <p:nvGrpSpPr>
-        <p:cNvPr id="16" name="Shape 16"/>
+        <p:cNvPr id="22" name="Shape 22"/>
         <p:cNvGrpSpPr/>
         <p:nvPr/>
       </p:nvGrpSpPr>
@@ -3150,7 +3552,7 @@
       </p:grpSpPr>
       <p:sp>
         <p:nvSpPr>
-          <p:cNvPr id="17" name="Google Shape;17;p4"/>
+          <p:cNvPr id="23" name="Google Shape;23;p4"/>
           <p:cNvSpPr txBox="1"/>
           <p:nvPr>
             <p:ph type="title"/>
@@ -3275,7 +3677,7 @@
       </p:sp>
       <p:sp>
         <p:nvSpPr>
-          <p:cNvPr id="18" name="Google Shape;18;p4"/>
+          <p:cNvPr id="24" name="Google Shape;24;p4"/>
           <p:cNvSpPr txBox="1"/>
           <p:nvPr>
             <p:ph idx="1" type="body"/>
@@ -3400,7 +3802,7 @@
       </p:sp>
       <p:sp>
         <p:nvSpPr>
-          <p:cNvPr id="19" name="Google Shape;19;p4"/>
+          <p:cNvPr id="25" name="Google Shape;25;p4"/>
           <p:cNvSpPr txBox="1"/>
           <p:nvPr>
             <p:ph idx="12" type="sldNum"/>
@@ -3420,7 +3822,7 @@
             <a:noAutofit/>
           </a:bodyPr>
           <a:lstStyle>
-            <a:lvl1pPr lvl="0">
+            <a:lvl1pPr lvl="0" rtl="0">
               <a:buNone/>
               <a:defRPr>
                 <a:solidFill>
@@ -3428,7 +3830,7 @@
                 </a:solidFill>
               </a:defRPr>
             </a:lvl1pPr>
-            <a:lvl2pPr lvl="1">
+            <a:lvl2pPr lvl="1" rtl="0">
               <a:buNone/>
               <a:defRPr>
                 <a:solidFill>
@@ -3436,7 +3838,7 @@
                 </a:solidFill>
               </a:defRPr>
             </a:lvl2pPr>
-            <a:lvl3pPr lvl="2">
+            <a:lvl3pPr lvl="2" rtl="0">
               <a:buNone/>
               <a:defRPr>
                 <a:solidFill>
@@ -3444,7 +3846,7 @@
                 </a:solidFill>
               </a:defRPr>
             </a:lvl3pPr>
-            <a:lvl4pPr lvl="3">
+            <a:lvl4pPr lvl="3" rtl="0">
               <a:buNone/>
               <a:defRPr>
                 <a:solidFill>
@@ -3452,7 +3854,7 @@
                 </a:solidFill>
               </a:defRPr>
             </a:lvl4pPr>
-            <a:lvl5pPr lvl="4">
+            <a:lvl5pPr lvl="4" rtl="0">
               <a:buNone/>
               <a:defRPr>
                 <a:solidFill>
@@ -3460,7 +3862,7 @@
                 </a:solidFill>
               </a:defRPr>
             </a:lvl5pPr>
-            <a:lvl6pPr lvl="5">
+            <a:lvl6pPr lvl="5" rtl="0">
               <a:buNone/>
               <a:defRPr>
                 <a:solidFill>
@@ -3468,7 +3870,7 @@
                 </a:solidFill>
               </a:defRPr>
             </a:lvl6pPr>
-            <a:lvl7pPr lvl="6">
+            <a:lvl7pPr lvl="6" rtl="0">
               <a:buNone/>
               <a:defRPr>
                 <a:solidFill>
@@ -3476,7 +3878,7 @@
                 </a:solidFill>
               </a:defRPr>
             </a:lvl7pPr>
-            <a:lvl8pPr lvl="7">
+            <a:lvl8pPr lvl="7" rtl="0">
               <a:buNone/>
               <a:defRPr>
                 <a:solidFill>
@@ -3484,7 +3886,7 @@
                 </a:solidFill>
               </a:defRPr>
             </a:lvl8pPr>
-            <a:lvl9pPr lvl="8">
+            <a:lvl9pPr lvl="8" rtl="0">
               <a:buNone/>
               <a:defRPr>
                 <a:solidFill>
@@ -3526,7 +3928,7 @@
                 </a:solidFill>
                 <a:hlinkClick r:id="rId2"/>
               </a:rPr>
-              <a:t>https://profriehle.com</a:t>
+              <a:t>https://oss.cs.fau.de</a:t>
             </a:r>
             <a:r>
               <a:rPr b="0" lang="en" sz="900">
@@ -3536,53 +3938,158 @@
               </a:rPr>
               <a:t> </a:t>
             </a:r>
-            <a:endParaRPr/>
+            <a:endParaRPr b="0" sz="900">
+              <a:solidFill>
+                <a:schemeClr val="dk2"/>
+              </a:solidFill>
+            </a:endParaRPr>
           </a:p>
         </p:txBody>
       </p:sp>
-      <p:sp>
-        <p:nvSpPr>
-          <p:cNvPr id="20" name="Google Shape;20;p4"/>
-          <p:cNvSpPr/>
+      <p:grpSp>
+        <p:nvGrpSpPr>
+          <p:cNvPr id="26" name="Google Shape;26;p4"/>
+          <p:cNvGrpSpPr/>
           <p:nvPr/>
-        </p:nvSpPr>
-        <p:spPr>
+        </p:nvGrpSpPr>
+        <p:grpSpPr>
           <a:xfrm>
             <a:off x="0" y="685800"/>
             <a:ext cx="9144000" cy="91500"/>
+            <a:chOff x="0" y="2386584"/>
+            <a:chExt cx="9144000" cy="91500"/>
           </a:xfrm>
-          <a:prstGeom prst="rect">
-            <a:avLst/>
-          </a:prstGeom>
-          <a:solidFill>
-            <a:schemeClr val="accent6"/>
-          </a:solidFill>
-          <a:ln>
-            <a:noFill/>
-          </a:ln>
-        </p:spPr>
-        <p:txBody>
-          <a:bodyPr anchorCtr="0" anchor="ctr" bIns="91425" lIns="91425" spcFirstLastPara="1" rIns="91425" wrap="square" tIns="91425">
-            <a:noAutofit/>
-          </a:bodyPr>
-          <a:lstStyle/>
-          <a:p>
-            <a:pPr indent="0" lvl="0" marL="0" rtl="0" algn="l">
-              <a:spcBef>
-                <a:spcPts val="0"/>
-              </a:spcBef>
-              <a:spcAft>
-                <a:spcPts val="0"/>
-              </a:spcAft>
-              <a:buNone/>
-            </a:pPr>
-            <a:r>
-              <a:t/>
-            </a:r>
-            <a:endParaRPr/>
-          </a:p>
-        </p:txBody>
-      </p:sp>
+        </p:grpSpPr>
+        <p:sp>
+          <p:nvSpPr>
+            <p:cNvPr id="27" name="Google Shape;27;p4"/>
+            <p:cNvSpPr/>
+            <p:nvPr/>
+          </p:nvSpPr>
+          <p:spPr>
+            <a:xfrm>
+              <a:off x="0" y="2386584"/>
+              <a:ext cx="914400" cy="91500"/>
+            </a:xfrm>
+            <a:prstGeom prst="rect">
+              <a:avLst/>
+            </a:prstGeom>
+            <a:solidFill>
+              <a:schemeClr val="accent2"/>
+            </a:solidFill>
+            <a:ln>
+              <a:noFill/>
+            </a:ln>
+          </p:spPr>
+          <p:txBody>
+            <a:bodyPr anchorCtr="0" anchor="ctr" bIns="91425" lIns="91425" spcFirstLastPara="1" rIns="91425" wrap="square" tIns="91425">
+              <a:noAutofit/>
+            </a:bodyPr>
+            <a:lstStyle/>
+            <a:p>
+              <a:pPr indent="0" lvl="0" marL="0" rtl="0" algn="l">
+                <a:spcBef>
+                  <a:spcPts val="0"/>
+                </a:spcBef>
+                <a:spcAft>
+                  <a:spcPts val="0"/>
+                </a:spcAft>
+                <a:buNone/>
+              </a:pPr>
+              <a:r>
+                <a:t/>
+              </a:r>
+              <a:endParaRPr/>
+            </a:p>
+          </p:txBody>
+        </p:sp>
+        <p:sp>
+          <p:nvSpPr>
+            <p:cNvPr id="28" name="Google Shape;28;p4"/>
+            <p:cNvSpPr/>
+            <p:nvPr/>
+          </p:nvSpPr>
+          <p:spPr>
+            <a:xfrm>
+              <a:off x="914400" y="2386584"/>
+              <a:ext cx="1828800" cy="91500"/>
+            </a:xfrm>
+            <a:prstGeom prst="rect">
+              <a:avLst/>
+            </a:prstGeom>
+            <a:solidFill>
+              <a:schemeClr val="accent3"/>
+            </a:solidFill>
+            <a:ln>
+              <a:noFill/>
+            </a:ln>
+          </p:spPr>
+          <p:txBody>
+            <a:bodyPr anchorCtr="0" anchor="ctr" bIns="91425" lIns="91425" spcFirstLastPara="1" rIns="91425" wrap="square" tIns="91425">
+              <a:noAutofit/>
+            </a:bodyPr>
+            <a:lstStyle/>
+            <a:p>
+              <a:pPr indent="0" lvl="0" marL="0" rtl="0" algn="l">
+                <a:spcBef>
+                  <a:spcPts val="0"/>
+                </a:spcBef>
+                <a:spcAft>
+                  <a:spcPts val="0"/>
+                </a:spcAft>
+                <a:buNone/>
+              </a:pPr>
+              <a:r>
+                <a:t/>
+              </a:r>
+              <a:endParaRPr/>
+            </a:p>
+          </p:txBody>
+        </p:sp>
+        <p:sp>
+          <p:nvSpPr>
+            <p:cNvPr id="29" name="Google Shape;29;p4"/>
+            <p:cNvSpPr/>
+            <p:nvPr/>
+          </p:nvSpPr>
+          <p:spPr>
+            <a:xfrm>
+              <a:off x="2743200" y="2386584"/>
+              <a:ext cx="6400800" cy="91500"/>
+            </a:xfrm>
+            <a:prstGeom prst="rect">
+              <a:avLst/>
+            </a:prstGeom>
+            <a:solidFill>
+              <a:schemeClr val="accent4"/>
+            </a:solidFill>
+            <a:ln>
+              <a:noFill/>
+            </a:ln>
+          </p:spPr>
+          <p:txBody>
+            <a:bodyPr anchorCtr="0" anchor="ctr" bIns="91425" lIns="91425" spcFirstLastPara="1" rIns="91425" wrap="square" tIns="91425">
+              <a:noAutofit/>
+            </a:bodyPr>
+            <a:lstStyle/>
+            <a:p>
+              <a:pPr indent="0" lvl="0" marL="0" rtl="0" algn="l">
+                <a:spcBef>
+                  <a:spcPts val="0"/>
+                </a:spcBef>
+                <a:spcAft>
+                  <a:spcPts val="0"/>
+                </a:spcAft>
+                <a:buNone/>
+              </a:pPr>
+              <a:r>
+                <a:t/>
+              </a:r>
+              <a:endParaRPr/>
+            </a:p>
+          </p:txBody>
+        </p:sp>
+      </p:grpSp>
     </p:spTree>
   </p:cSld>
   <p:clrMapOvr>
@@ -3596,7 +4103,7 @@
   <p:cSld name="TITLE_AND_TWO_COLUMNS">
     <p:spTree>
       <p:nvGrpSpPr>
-        <p:cNvPr id="21" name="Shape 21"/>
+        <p:cNvPr id="30" name="Shape 30"/>
         <p:cNvGrpSpPr/>
         <p:nvPr/>
       </p:nvGrpSpPr>
@@ -3610,7 +4117,7 @@
       </p:grpSpPr>
       <p:sp>
         <p:nvSpPr>
-          <p:cNvPr id="22" name="Google Shape;22;p5"/>
+          <p:cNvPr id="31" name="Google Shape;31;p5"/>
           <p:cNvSpPr txBox="1"/>
           <p:nvPr>
             <p:ph type="title"/>
@@ -3738,7 +4245,7 @@
       </p:sp>
       <p:sp>
         <p:nvSpPr>
-          <p:cNvPr id="23" name="Google Shape;23;p5"/>
+          <p:cNvPr id="32" name="Google Shape;32;p5"/>
           <p:cNvSpPr txBox="1"/>
           <p:nvPr>
             <p:ph idx="1" type="body"/>
@@ -3863,7 +4370,7 @@
       </p:sp>
       <p:sp>
         <p:nvSpPr>
-          <p:cNvPr id="24" name="Google Shape;24;p5"/>
+          <p:cNvPr id="33" name="Google Shape;33;p5"/>
           <p:cNvSpPr txBox="1"/>
           <p:nvPr>
             <p:ph idx="2" type="body"/>
@@ -3988,7 +4495,7 @@
       </p:sp>
       <p:sp>
         <p:nvSpPr>
-          <p:cNvPr id="25" name="Google Shape;25;p5"/>
+          <p:cNvPr id="34" name="Google Shape;34;p5"/>
           <p:cNvSpPr txBox="1"/>
           <p:nvPr>
             <p:ph idx="12" type="sldNum"/>
@@ -4105,6 +4612,11 @@
               <a:spcAft>
                 <a:spcPts val="0"/>
               </a:spcAft>
+              <a:buClr>
+                <a:schemeClr val="dk1"/>
+              </a:buClr>
+              <a:buSzPts val="1100"/>
+              <a:buFont typeface="Arial"/>
               <a:buNone/>
             </a:pPr>
             <a:r>
@@ -4114,63 +4626,160 @@
                 </a:solidFill>
                 <a:hlinkClick r:id="rId2"/>
               </a:rPr>
-              <a:t>https://profriehle.com</a:t>
-            </a:r>
-            <a:r>
-              <a:rPr b="0" lang="en" sz="900">
-                <a:solidFill>
-                  <a:schemeClr val="dk2"/>
-                </a:solidFill>
-              </a:rPr>
-              <a:t> </a:t>
-            </a:r>
-            <a:endParaRPr/>
+              <a:t>https://oss.cs.fau.de</a:t>
+            </a:r>
+            <a:endParaRPr>
+              <a:solidFill>
+                <a:schemeClr val="dk2"/>
+              </a:solidFill>
+            </a:endParaRPr>
           </a:p>
         </p:txBody>
       </p:sp>
-      <p:sp>
-        <p:nvSpPr>
-          <p:cNvPr id="26" name="Google Shape;26;p5"/>
-          <p:cNvSpPr/>
+      <p:grpSp>
+        <p:nvGrpSpPr>
+          <p:cNvPr id="35" name="Google Shape;35;p5"/>
+          <p:cNvGrpSpPr/>
           <p:nvPr/>
-        </p:nvSpPr>
-        <p:spPr>
+        </p:nvGrpSpPr>
+        <p:grpSpPr>
           <a:xfrm>
             <a:off x="0" y="685800"/>
             <a:ext cx="9144000" cy="91500"/>
+            <a:chOff x="0" y="2386584"/>
+            <a:chExt cx="9144000" cy="91500"/>
           </a:xfrm>
-          <a:prstGeom prst="rect">
-            <a:avLst/>
-          </a:prstGeom>
-          <a:solidFill>
-            <a:schemeClr val="accent6"/>
-          </a:solidFill>
-          <a:ln>
-            <a:noFill/>
-          </a:ln>
-        </p:spPr>
-        <p:txBody>
-          <a:bodyPr anchorCtr="0" anchor="ctr" bIns="91425" lIns="91425" spcFirstLastPara="1" rIns="91425" wrap="square" tIns="91425">
-            <a:noAutofit/>
-          </a:bodyPr>
-          <a:lstStyle/>
-          <a:p>
-            <a:pPr indent="0" lvl="0" marL="0" rtl="0" algn="l">
-              <a:spcBef>
-                <a:spcPts val="0"/>
-              </a:spcBef>
-              <a:spcAft>
-                <a:spcPts val="0"/>
-              </a:spcAft>
-              <a:buNone/>
-            </a:pPr>
-            <a:r>
-              <a:t/>
-            </a:r>
-            <a:endParaRPr/>
-          </a:p>
-        </p:txBody>
-      </p:sp>
+        </p:grpSpPr>
+        <p:sp>
+          <p:nvSpPr>
+            <p:cNvPr id="36" name="Google Shape;36;p5"/>
+            <p:cNvSpPr/>
+            <p:nvPr/>
+          </p:nvSpPr>
+          <p:spPr>
+            <a:xfrm>
+              <a:off x="0" y="2386584"/>
+              <a:ext cx="914400" cy="91500"/>
+            </a:xfrm>
+            <a:prstGeom prst="rect">
+              <a:avLst/>
+            </a:prstGeom>
+            <a:solidFill>
+              <a:schemeClr val="accent2"/>
+            </a:solidFill>
+            <a:ln>
+              <a:noFill/>
+            </a:ln>
+          </p:spPr>
+          <p:txBody>
+            <a:bodyPr anchorCtr="0" anchor="ctr" bIns="91425" lIns="91425" spcFirstLastPara="1" rIns="91425" wrap="square" tIns="91425">
+              <a:noAutofit/>
+            </a:bodyPr>
+            <a:lstStyle/>
+            <a:p>
+              <a:pPr indent="0" lvl="0" marL="0" rtl="0" algn="l">
+                <a:spcBef>
+                  <a:spcPts val="0"/>
+                </a:spcBef>
+                <a:spcAft>
+                  <a:spcPts val="0"/>
+                </a:spcAft>
+                <a:buNone/>
+              </a:pPr>
+              <a:r>
+                <a:t/>
+              </a:r>
+              <a:endParaRPr/>
+            </a:p>
+          </p:txBody>
+        </p:sp>
+        <p:sp>
+          <p:nvSpPr>
+            <p:cNvPr id="37" name="Google Shape;37;p5"/>
+            <p:cNvSpPr/>
+            <p:nvPr/>
+          </p:nvSpPr>
+          <p:spPr>
+            <a:xfrm>
+              <a:off x="914400" y="2386584"/>
+              <a:ext cx="1828800" cy="91500"/>
+            </a:xfrm>
+            <a:prstGeom prst="rect">
+              <a:avLst/>
+            </a:prstGeom>
+            <a:solidFill>
+              <a:schemeClr val="accent3"/>
+            </a:solidFill>
+            <a:ln>
+              <a:noFill/>
+            </a:ln>
+          </p:spPr>
+          <p:txBody>
+            <a:bodyPr anchorCtr="0" anchor="ctr" bIns="91425" lIns="91425" spcFirstLastPara="1" rIns="91425" wrap="square" tIns="91425">
+              <a:noAutofit/>
+            </a:bodyPr>
+            <a:lstStyle/>
+            <a:p>
+              <a:pPr indent="0" lvl="0" marL="0" rtl="0" algn="l">
+                <a:spcBef>
+                  <a:spcPts val="0"/>
+                </a:spcBef>
+                <a:spcAft>
+                  <a:spcPts val="0"/>
+                </a:spcAft>
+                <a:buNone/>
+              </a:pPr>
+              <a:r>
+                <a:t/>
+              </a:r>
+              <a:endParaRPr/>
+            </a:p>
+          </p:txBody>
+        </p:sp>
+        <p:sp>
+          <p:nvSpPr>
+            <p:cNvPr id="38" name="Google Shape;38;p5"/>
+            <p:cNvSpPr/>
+            <p:nvPr/>
+          </p:nvSpPr>
+          <p:spPr>
+            <a:xfrm>
+              <a:off x="2743200" y="2386584"/>
+              <a:ext cx="6400800" cy="91500"/>
+            </a:xfrm>
+            <a:prstGeom prst="rect">
+              <a:avLst/>
+            </a:prstGeom>
+            <a:solidFill>
+              <a:schemeClr val="accent4"/>
+            </a:solidFill>
+            <a:ln>
+              <a:noFill/>
+            </a:ln>
+          </p:spPr>
+          <p:txBody>
+            <a:bodyPr anchorCtr="0" anchor="ctr" bIns="91425" lIns="91425" spcFirstLastPara="1" rIns="91425" wrap="square" tIns="91425">
+              <a:noAutofit/>
+            </a:bodyPr>
+            <a:lstStyle/>
+            <a:p>
+              <a:pPr indent="0" lvl="0" marL="0" rtl="0" algn="l">
+                <a:spcBef>
+                  <a:spcPts val="0"/>
+                </a:spcBef>
+                <a:spcAft>
+                  <a:spcPts val="0"/>
+                </a:spcAft>
+                <a:buNone/>
+              </a:pPr>
+              <a:r>
+                <a:t/>
+              </a:r>
+              <a:endParaRPr/>
+            </a:p>
+          </p:txBody>
+        </p:sp>
+      </p:grpSp>
     </p:spTree>
   </p:cSld>
   <p:clrMapOvr>
@@ -4184,7 +4793,7 @@
   <p:cSld name="TITLE_ONLY">
     <p:spTree>
       <p:nvGrpSpPr>
-        <p:cNvPr id="27" name="Shape 27"/>
+        <p:cNvPr id="39" name="Shape 39"/>
         <p:cNvGrpSpPr/>
         <p:nvPr/>
       </p:nvGrpSpPr>
@@ -4198,7 +4807,7 @@
       </p:grpSpPr>
       <p:sp>
         <p:nvSpPr>
-          <p:cNvPr id="28" name="Google Shape;28;p6"/>
+          <p:cNvPr id="40" name="Google Shape;40;p6"/>
           <p:cNvSpPr txBox="1"/>
           <p:nvPr>
             <p:ph type="title"/>
@@ -4323,7 +4932,7 @@
       </p:sp>
       <p:sp>
         <p:nvSpPr>
-          <p:cNvPr id="29" name="Google Shape;29;p6"/>
+          <p:cNvPr id="41" name="Google Shape;41;p6"/>
           <p:cNvSpPr txBox="1"/>
           <p:nvPr>
             <p:ph idx="12" type="sldNum"/>
@@ -4449,7 +5058,7 @@
                 </a:solidFill>
                 <a:hlinkClick r:id="rId2"/>
               </a:rPr>
-              <a:t>https://profriehle.com</a:t>
+              <a:t>https://oss.cs.fau.de</a:t>
             </a:r>
             <a:r>
               <a:rPr b="0" lang="en" sz="900">
@@ -4459,53 +5068,158 @@
               </a:rPr>
               <a:t> </a:t>
             </a:r>
-            <a:endParaRPr/>
+            <a:endParaRPr>
+              <a:solidFill>
+                <a:schemeClr val="dk2"/>
+              </a:solidFill>
+            </a:endParaRPr>
           </a:p>
         </p:txBody>
       </p:sp>
-      <p:sp>
-        <p:nvSpPr>
-          <p:cNvPr id="30" name="Google Shape;30;p6"/>
-          <p:cNvSpPr/>
+      <p:grpSp>
+        <p:nvGrpSpPr>
+          <p:cNvPr id="42" name="Google Shape;42;p6"/>
+          <p:cNvGrpSpPr/>
           <p:nvPr/>
-        </p:nvSpPr>
-        <p:spPr>
+        </p:nvGrpSpPr>
+        <p:grpSpPr>
           <a:xfrm>
             <a:off x="0" y="685800"/>
             <a:ext cx="9144000" cy="91500"/>
+            <a:chOff x="0" y="2386584"/>
+            <a:chExt cx="9144000" cy="91500"/>
           </a:xfrm>
-          <a:prstGeom prst="rect">
-            <a:avLst/>
-          </a:prstGeom>
-          <a:solidFill>
-            <a:schemeClr val="accent6"/>
-          </a:solidFill>
-          <a:ln>
-            <a:noFill/>
-          </a:ln>
-        </p:spPr>
-        <p:txBody>
-          <a:bodyPr anchorCtr="0" anchor="ctr" bIns="91425" lIns="91425" spcFirstLastPara="1" rIns="91425" wrap="square" tIns="91425">
-            <a:noAutofit/>
-          </a:bodyPr>
-          <a:lstStyle/>
-          <a:p>
-            <a:pPr indent="0" lvl="0" marL="0" rtl="0" algn="l">
-              <a:spcBef>
-                <a:spcPts val="0"/>
-              </a:spcBef>
-              <a:spcAft>
-                <a:spcPts val="0"/>
-              </a:spcAft>
-              <a:buNone/>
-            </a:pPr>
-            <a:r>
-              <a:t/>
-            </a:r>
-            <a:endParaRPr/>
-          </a:p>
-        </p:txBody>
-      </p:sp>
+        </p:grpSpPr>
+        <p:sp>
+          <p:nvSpPr>
+            <p:cNvPr id="43" name="Google Shape;43;p6"/>
+            <p:cNvSpPr/>
+            <p:nvPr/>
+          </p:nvSpPr>
+          <p:spPr>
+            <a:xfrm>
+              <a:off x="0" y="2386584"/>
+              <a:ext cx="914400" cy="91500"/>
+            </a:xfrm>
+            <a:prstGeom prst="rect">
+              <a:avLst/>
+            </a:prstGeom>
+            <a:solidFill>
+              <a:schemeClr val="accent2"/>
+            </a:solidFill>
+            <a:ln>
+              <a:noFill/>
+            </a:ln>
+          </p:spPr>
+          <p:txBody>
+            <a:bodyPr anchorCtr="0" anchor="ctr" bIns="91425" lIns="91425" spcFirstLastPara="1" rIns="91425" wrap="square" tIns="91425">
+              <a:noAutofit/>
+            </a:bodyPr>
+            <a:lstStyle/>
+            <a:p>
+              <a:pPr indent="0" lvl="0" marL="0" rtl="0" algn="l">
+                <a:spcBef>
+                  <a:spcPts val="0"/>
+                </a:spcBef>
+                <a:spcAft>
+                  <a:spcPts val="0"/>
+                </a:spcAft>
+                <a:buNone/>
+              </a:pPr>
+              <a:r>
+                <a:t/>
+              </a:r>
+              <a:endParaRPr/>
+            </a:p>
+          </p:txBody>
+        </p:sp>
+        <p:sp>
+          <p:nvSpPr>
+            <p:cNvPr id="44" name="Google Shape;44;p6"/>
+            <p:cNvSpPr/>
+            <p:nvPr/>
+          </p:nvSpPr>
+          <p:spPr>
+            <a:xfrm>
+              <a:off x="914400" y="2386584"/>
+              <a:ext cx="1828800" cy="91500"/>
+            </a:xfrm>
+            <a:prstGeom prst="rect">
+              <a:avLst/>
+            </a:prstGeom>
+            <a:solidFill>
+              <a:schemeClr val="accent3"/>
+            </a:solidFill>
+            <a:ln>
+              <a:noFill/>
+            </a:ln>
+          </p:spPr>
+          <p:txBody>
+            <a:bodyPr anchorCtr="0" anchor="ctr" bIns="91425" lIns="91425" spcFirstLastPara="1" rIns="91425" wrap="square" tIns="91425">
+              <a:noAutofit/>
+            </a:bodyPr>
+            <a:lstStyle/>
+            <a:p>
+              <a:pPr indent="0" lvl="0" marL="0" rtl="0" algn="l">
+                <a:spcBef>
+                  <a:spcPts val="0"/>
+                </a:spcBef>
+                <a:spcAft>
+                  <a:spcPts val="0"/>
+                </a:spcAft>
+                <a:buNone/>
+              </a:pPr>
+              <a:r>
+                <a:t/>
+              </a:r>
+              <a:endParaRPr/>
+            </a:p>
+          </p:txBody>
+        </p:sp>
+        <p:sp>
+          <p:nvSpPr>
+            <p:cNvPr id="45" name="Google Shape;45;p6"/>
+            <p:cNvSpPr/>
+            <p:nvPr/>
+          </p:nvSpPr>
+          <p:spPr>
+            <a:xfrm>
+              <a:off x="2743200" y="2386584"/>
+              <a:ext cx="6400800" cy="91500"/>
+            </a:xfrm>
+            <a:prstGeom prst="rect">
+              <a:avLst/>
+            </a:prstGeom>
+            <a:solidFill>
+              <a:schemeClr val="accent4"/>
+            </a:solidFill>
+            <a:ln>
+              <a:noFill/>
+            </a:ln>
+          </p:spPr>
+          <p:txBody>
+            <a:bodyPr anchorCtr="0" anchor="ctr" bIns="91425" lIns="91425" spcFirstLastPara="1" rIns="91425" wrap="square" tIns="91425">
+              <a:noAutofit/>
+            </a:bodyPr>
+            <a:lstStyle/>
+            <a:p>
+              <a:pPr indent="0" lvl="0" marL="0" rtl="0" algn="l">
+                <a:spcBef>
+                  <a:spcPts val="0"/>
+                </a:spcBef>
+                <a:spcAft>
+                  <a:spcPts val="0"/>
+                </a:spcAft>
+                <a:buNone/>
+              </a:pPr>
+              <a:r>
+                <a:t/>
+              </a:r>
+              <a:endParaRPr/>
+            </a:p>
+          </p:txBody>
+        </p:sp>
+      </p:grpSp>
     </p:spTree>
   </p:cSld>
   <p:clrMapOvr>
@@ -4519,7 +5233,7 @@
   <p:cSld name="BLANK">
     <p:spTree>
       <p:nvGrpSpPr>
-        <p:cNvPr id="31" name="Shape 31"/>
+        <p:cNvPr id="46" name="Shape 46"/>
         <p:cNvGrpSpPr/>
         <p:nvPr/>
       </p:nvGrpSpPr>
@@ -5106,7 +5820,7 @@
                 </a:solidFill>
                 <a:hlinkClick r:id="rId1"/>
               </a:rPr>
-              <a:t>https://profriehle.com</a:t>
+              <a:t>https://oss.cs.fau.de</a:t>
             </a:r>
             <a:r>
               <a:rPr b="0" lang="en" sz="900"/>
@@ -5825,7 +6539,7 @@
   <p:cSld>
     <p:spTree>
       <p:nvGrpSpPr>
-        <p:cNvPr id="35" name="Shape 35"/>
+        <p:cNvPr id="50" name="Shape 50"/>
         <p:cNvGrpSpPr/>
         <p:nvPr/>
       </p:nvGrpSpPr>
@@ -5839,7 +6553,7 @@
       </p:grpSpPr>
       <p:sp>
         <p:nvSpPr>
-          <p:cNvPr id="36" name="Google Shape;36;p8"/>
+          <p:cNvPr id="51" name="Google Shape;51;p8"/>
           <p:cNvSpPr txBox="1"/>
           <p:nvPr>
             <p:ph type="ctrTitle"/>
@@ -5879,7 +6593,7 @@
       </p:sp>
       <p:sp>
         <p:nvSpPr>
-          <p:cNvPr id="37" name="Google Shape;37;p8"/>
+          <p:cNvPr id="52" name="Google Shape;52;p8"/>
           <p:cNvSpPr txBox="1"/>
           <p:nvPr>
             <p:ph idx="1" type="subTitle"/>
@@ -6001,7 +6715,7 @@
   <p:cSld>
     <p:spTree>
       <p:nvGrpSpPr>
-        <p:cNvPr id="98" name="Shape 98"/>
+        <p:cNvPr id="114" name="Shape 114"/>
         <p:cNvGrpSpPr/>
         <p:nvPr/>
       </p:nvGrpSpPr>
@@ -6015,7 +6729,7 @@
       </p:grpSpPr>
       <p:sp>
         <p:nvSpPr>
-          <p:cNvPr id="99" name="Google Shape;99;p17"/>
+          <p:cNvPr id="115" name="Google Shape;115;p17"/>
           <p:cNvSpPr txBox="1"/>
           <p:nvPr>
             <p:ph type="title"/>
@@ -6047,7 +6761,7 @@
             </a:pPr>
             <a:r>
               <a:rPr lang="en"/>
-              <a:t>Additional Rules</a:t>
+              <a:t>Artifacts of Independent Work</a:t>
             </a:r>
             <a:endParaRPr/>
           </a:p>
@@ -6055,7 +6769,7 @@
       </p:sp>
       <p:sp>
         <p:nvSpPr>
-          <p:cNvPr id="100" name="Google Shape;100;p17"/>
+          <p:cNvPr id="116" name="Google Shape;116;p17"/>
           <p:cNvSpPr txBox="1"/>
           <p:nvPr>
             <p:ph idx="1" type="body"/>
@@ -6076,9 +6790,60 @@
           </a:bodyPr>
           <a:lstStyle/>
           <a:p>
+            <a:pPr indent="-342900" lvl="0" marL="457200" rtl="0" algn="l">
+              <a:spcBef>
+                <a:spcPts val="0"/>
+              </a:spcBef>
+              <a:spcAft>
+                <a:spcPts val="0"/>
+              </a:spcAft>
+              <a:buSzPts val="1800"/>
+              <a:buAutoNum type="arabicPeriod"/>
+            </a:pPr>
+            <a:r>
+              <a:rPr lang="en"/>
+              <a:t>Impediments backlog</a:t>
+            </a:r>
+            <a:endParaRPr/>
+          </a:p>
+          <a:p>
+            <a:pPr indent="-342900" lvl="0" marL="457200" rtl="0" algn="l">
+              <a:spcBef>
+                <a:spcPts val="0"/>
+              </a:spcBef>
+              <a:spcAft>
+                <a:spcPts val="0"/>
+              </a:spcAft>
+              <a:buSzPts val="1800"/>
+              <a:buAutoNum type="arabicPeriod"/>
+            </a:pPr>
+            <a:r>
+              <a:rPr lang="en"/>
+              <a:t>Retrospective boards</a:t>
+            </a:r>
+            <a:endParaRPr/>
+          </a:p>
+          <a:p>
+            <a:pPr indent="-342900" lvl="0" marL="457200" rtl="0" algn="l">
+              <a:spcBef>
+                <a:spcPts val="0"/>
+              </a:spcBef>
+              <a:spcAft>
+                <a:spcPts val="0"/>
+              </a:spcAft>
+              <a:buSzPts val="1800"/>
+              <a:buAutoNum type="arabicPeriod"/>
+            </a:pPr>
+            <a:r>
+              <a:rPr lang="en"/>
+              <a:t>Team meeting emails</a:t>
+            </a:r>
+            <a:endParaRPr/>
+          </a:p>
+          <a:p>
             <a:pPr indent="0" lvl="0" marL="0" rtl="0" algn="l">
               <a:spcBef>
-                <a:spcPts val="0"/>
+                <a:spcPts val="1200"/>
               </a:spcBef>
               <a:spcAft>
                 <a:spcPts val="0"/>
@@ -6087,7 +6852,7 @@
             </a:pPr>
             <a:r>
               <a:rPr lang="en"/>
-              <a:t>To pass the course, you must</a:t>
+              <a:t>Not this semester</a:t>
             </a:r>
             <a:endParaRPr/>
           </a:p>
@@ -6100,11 +6865,11 @@
                 <a:spcPts val="0"/>
               </a:spcAft>
               <a:buSzPts val="1800"/>
-              <a:buChar char="●"/>
+              <a:buAutoNum type="arabicPeriod" startAt="4"/>
             </a:pPr>
             <a:r>
               <a:rPr lang="en"/>
-              <a:t>Participate in (all) project team meetings</a:t>
+              <a:t>Capabilities timeline</a:t>
             </a:r>
             <a:endParaRPr/>
           </a:p>
@@ -6117,47 +6882,11 @@
                 <a:spcPts val="0"/>
               </a:spcAft>
               <a:buSzPts val="1800"/>
-              <a:buChar char="●"/>
+              <a:buAutoNum type="arabicPeriod" startAt="4"/>
             </a:pPr>
             <a:r>
               <a:rPr lang="en"/>
-              <a:t>Participate</a:t>
-            </a:r>
-            <a:r>
-              <a:rPr lang="en"/>
-              <a:t> in (all) weekly retrospectives (class sessions)</a:t>
-            </a:r>
-            <a:endParaRPr/>
-          </a:p>
-          <a:p>
-            <a:pPr indent="-342900" lvl="0" marL="457200" rtl="0" algn="l">
-              <a:spcBef>
-                <a:spcPts val="0"/>
-              </a:spcBef>
-              <a:spcAft>
-                <a:spcPts val="0"/>
-              </a:spcAft>
-              <a:buSzPts val="1800"/>
-              <a:buChar char="●"/>
-            </a:pPr>
-            <a:r>
-              <a:rPr lang="en"/>
-              <a:t>Perform the workshop and report about it</a:t>
-            </a:r>
-            <a:endParaRPr/>
-          </a:p>
-          <a:p>
-            <a:pPr indent="0" lvl="0" marL="0" rtl="0" algn="l">
-              <a:spcBef>
-                <a:spcPts val="1200"/>
-              </a:spcBef>
-              <a:spcAft>
-                <a:spcPts val="1200"/>
-              </a:spcAft>
-              <a:buNone/>
-            </a:pPr>
-            <a:r>
-              <a:t/>
+              <a:t>Development velocity</a:t>
             </a:r>
             <a:endParaRPr/>
           </a:p>
@@ -6165,7 +6894,7 @@
       </p:sp>
       <p:sp>
         <p:nvSpPr>
-          <p:cNvPr id="101" name="Google Shape;101;p17"/>
+          <p:cNvPr id="117" name="Google Shape;117;p17"/>
           <p:cNvSpPr txBox="1"/>
           <p:nvPr>
             <p:ph idx="12" type="sldNum"/>
@@ -6218,7 +6947,7 @@
                 </a:solidFill>
                 <a:hlinkClick r:id="rId3"/>
               </a:rPr>
-              <a:t>https://profriehle.com</a:t>
+              <a:t>https://oss.cs.fau.de</a:t>
             </a:r>
             <a:r>
               <a:rPr b="0" lang="en" sz="900">
@@ -6228,7 +6957,11 @@
               </a:rPr>
               <a:t> </a:t>
             </a:r>
-            <a:endParaRPr/>
+            <a:endParaRPr b="0" sz="900">
+              <a:solidFill>
+                <a:schemeClr val="dk2"/>
+              </a:solidFill>
+            </a:endParaRPr>
           </a:p>
         </p:txBody>
       </p:sp>
@@ -6245,7 +6978,7 @@
   <p:cSld>
     <p:spTree>
       <p:nvGrpSpPr>
-        <p:cNvPr id="105" name="Shape 105"/>
+        <p:cNvPr id="121" name="Shape 121"/>
         <p:cNvGrpSpPr/>
         <p:nvPr/>
       </p:nvGrpSpPr>
@@ -6259,7 +6992,7 @@
       </p:grpSpPr>
       <p:sp>
         <p:nvSpPr>
-          <p:cNvPr id="106" name="Google Shape;106;p18"/>
+          <p:cNvPr id="122" name="Google Shape;122;p18"/>
           <p:cNvSpPr txBox="1"/>
           <p:nvPr>
             <p:ph type="title"/>
@@ -6291,7 +7024,7 @@
             </a:pPr>
             <a:r>
               <a:rPr lang="en"/>
-              <a:t>Receiving a Grade for the Course</a:t>
+              <a:t>Course Management System</a:t>
             </a:r>
             <a:endParaRPr/>
           </a:p>
@@ -6299,7 +7032,7 @@
       </p:sp>
       <p:sp>
         <p:nvSpPr>
-          <p:cNvPr id="107" name="Google Shape;107;p18"/>
+          <p:cNvPr id="123" name="Google Shape;123;p18"/>
           <p:cNvSpPr txBox="1"/>
           <p:nvPr>
             <p:ph idx="1" type="body"/>
@@ -6327,16 +7060,24 @@
               <a:spcAft>
                 <a:spcPts val="0"/>
               </a:spcAft>
-              <a:buClr>
-                <a:schemeClr val="dk1"/>
-              </a:buClr>
-              <a:buSzPts val="1100"/>
-              <a:buFont typeface="Arial"/>
               <a:buNone/>
             </a:pPr>
             <a:r>
               <a:rPr lang="en"/>
-              <a:t>Course management and exam registration are two separate things</a:t>
+              <a:t>Please sign up on </a:t>
+            </a:r>
+            <a:r>
+              <a:rPr lang="en" u="sng">
+                <a:solidFill>
+                  <a:schemeClr val="hlink"/>
+                </a:solidFill>
+                <a:hlinkClick r:id="rId3"/>
+              </a:rPr>
+              <a:t>https://myc.uni1.de</a:t>
+            </a:r>
+            <a:r>
+              <a:rPr lang="en"/>
+              <a:t> for the course [1]</a:t>
             </a:r>
             <a:endParaRPr/>
           </a:p>
@@ -6348,88 +7089,11 @@
               <a:spcAft>
                 <a:spcPts val="0"/>
               </a:spcAft>
-              <a:buClr>
-                <a:schemeClr val="dk1"/>
-              </a:buClr>
-              <a:buSzPts val="1100"/>
-              <a:buFont typeface="Arial"/>
               <a:buNone/>
             </a:pPr>
             <a:r>
               <a:rPr lang="en"/>
-              <a:t>If you want to receive a grade</a:t>
-            </a:r>
-            <a:endParaRPr/>
-          </a:p>
-          <a:p>
-            <a:pPr indent="-342900" lvl="0" marL="457200" rtl="0" algn="l">
-              <a:spcBef>
-                <a:spcPts val="1200"/>
-              </a:spcBef>
-              <a:spcAft>
-                <a:spcPts val="0"/>
-              </a:spcAft>
-              <a:buSzPts val="1800"/>
-              <a:buChar char="●"/>
-            </a:pPr>
-            <a:r>
-              <a:rPr lang="en"/>
-              <a:t>You must register through your university’s exam registration system</a:t>
-            </a:r>
-            <a:endParaRPr/>
-          </a:p>
-          <a:p>
-            <a:pPr indent="-317500" lvl="1" marL="914400" rtl="0" algn="l">
-              <a:spcBef>
-                <a:spcPts val="0"/>
-              </a:spcBef>
-              <a:spcAft>
-                <a:spcPts val="0"/>
-              </a:spcAft>
-              <a:buSzPts val="1400"/>
-              <a:buChar char="○"/>
-            </a:pPr>
-            <a:r>
-              <a:rPr lang="en"/>
-              <a:t>Your degree program may have split the course into two (VL + UE)</a:t>
-            </a:r>
-            <a:endParaRPr/>
-          </a:p>
-          <a:p>
-            <a:pPr indent="-317500" lvl="1" marL="914400" rtl="0" algn="l">
-              <a:spcBef>
-                <a:spcPts val="0"/>
-              </a:spcBef>
-              <a:spcAft>
-                <a:spcPts val="0"/>
-              </a:spcAft>
-              <a:buSzPts val="1400"/>
-              <a:buChar char="○"/>
-            </a:pPr>
-            <a:r>
-              <a:rPr lang="en"/>
-              <a:t>Please check asap that the course is available in your degree program!</a:t>
-            </a:r>
-            <a:endParaRPr/>
-          </a:p>
-          <a:p>
-            <a:pPr indent="0" lvl="0" marL="0" rtl="0" algn="l">
-              <a:spcBef>
-                <a:spcPts val="1200"/>
-              </a:spcBef>
-              <a:spcAft>
-                <a:spcPts val="0"/>
-              </a:spcAft>
-              <a:buClr>
-                <a:schemeClr val="dk1"/>
-              </a:buClr>
-              <a:buSzPts val="1100"/>
-              <a:buFont typeface="Arial"/>
-              <a:buNone/>
-            </a:pPr>
-            <a:r>
-              <a:rPr lang="en"/>
-              <a:t>Otherwise: No grade</a:t>
+              <a:t>Make sure your first and last name match your university credentials</a:t>
             </a:r>
             <a:endParaRPr/>
           </a:p>
@@ -6452,7 +7116,7 @@
       </p:sp>
       <p:sp>
         <p:nvSpPr>
-          <p:cNvPr id="108" name="Google Shape;108;p18"/>
+          <p:cNvPr id="124" name="Google Shape;124;p18"/>
           <p:cNvSpPr txBox="1"/>
           <p:nvPr>
             <p:ph idx="12" type="sldNum"/>
@@ -6503,9 +7167,9 @@
                 <a:solidFill>
                   <a:schemeClr val="hlink"/>
                 </a:solidFill>
-                <a:hlinkClick r:id="rId3"/>
+                <a:hlinkClick r:id="rId4"/>
               </a:rPr>
-              <a:t>https://profriehle.com</a:t>
+              <a:t>https://oss.cs.fau.de</a:t>
             </a:r>
             <a:r>
               <a:rPr b="0" lang="en" sz="900">
@@ -6514,6 +7178,73 @@
                 </a:solidFill>
               </a:rPr>
               <a:t> </a:t>
+            </a:r>
+            <a:endParaRPr b="0" sz="900">
+              <a:solidFill>
+                <a:schemeClr val="dk2"/>
+              </a:solidFill>
+            </a:endParaRPr>
+          </a:p>
+        </p:txBody>
+      </p:sp>
+      <p:sp>
+        <p:nvSpPr>
+          <p:cNvPr id="125" name="Google Shape;125;p18"/>
+          <p:cNvSpPr txBox="1"/>
+          <p:nvPr/>
+        </p:nvSpPr>
+        <p:spPr>
+          <a:xfrm>
+            <a:off x="0" y="4233672"/>
+            <a:ext cx="7315200" cy="914400"/>
+          </a:xfrm>
+          <a:prstGeom prst="rect">
+            <a:avLst/>
+          </a:prstGeom>
+          <a:noFill/>
+          <a:ln>
+            <a:noFill/>
+          </a:ln>
+        </p:spPr>
+        <p:txBody>
+          <a:bodyPr anchorCtr="0" anchor="b" bIns="91425" lIns="91425" spcFirstLastPara="1" rIns="91425" wrap="square" tIns="91425">
+            <a:noAutofit/>
+          </a:bodyPr>
+          <a:lstStyle/>
+          <a:p>
+            <a:pPr indent="0" lvl="0" marL="0" rtl="0" algn="l">
+              <a:spcBef>
+                <a:spcPts val="0"/>
+              </a:spcBef>
+              <a:spcAft>
+                <a:spcPts val="0"/>
+              </a:spcAft>
+              <a:buNone/>
+            </a:pPr>
+            <a:r>
+              <a:rPr lang="en">
+                <a:solidFill>
+                  <a:schemeClr val="dk1"/>
+                </a:solidFill>
+              </a:rPr>
+              <a:t>[1] Please use your university email address; do not use GMX or </a:t>
+            </a:r>
+            <a:r>
+              <a:rPr lang="en" u="sng">
+                <a:solidFill>
+                  <a:schemeClr val="hlink"/>
+                </a:solidFill>
+                <a:hlinkClick r:id="rId5"/>
+              </a:rPr>
+              <a:t>web.de</a:t>
+            </a:r>
+            <a:r>
+              <a:rPr lang="en">
+                <a:solidFill>
+                  <a:schemeClr val="dk1"/>
+                </a:solidFill>
+              </a:rPr>
+              <a:t> email addresses</a:t>
             </a:r>
             <a:endParaRPr/>
           </a:p>
@@ -6532,7 +7263,7 @@
   <p:cSld>
     <p:spTree>
       <p:nvGrpSpPr>
-        <p:cNvPr id="112" name="Shape 112"/>
+        <p:cNvPr id="129" name="Shape 129"/>
         <p:cNvGrpSpPr/>
         <p:nvPr/>
       </p:nvGrpSpPr>
@@ -6546,7 +7277,7 @@
       </p:grpSpPr>
       <p:sp>
         <p:nvSpPr>
-          <p:cNvPr id="113" name="Google Shape;113;p19"/>
+          <p:cNvPr id="130" name="Google Shape;130;p19"/>
           <p:cNvSpPr txBox="1"/>
           <p:nvPr>
             <p:ph type="title"/>
@@ -6578,6 +7309,545 @@
             </a:pPr>
             <a:r>
               <a:rPr lang="en"/>
+              <a:t>Additional Rules</a:t>
+            </a:r>
+            <a:endParaRPr/>
+          </a:p>
+        </p:txBody>
+      </p:sp>
+      <p:sp>
+        <p:nvSpPr>
+          <p:cNvPr id="131" name="Google Shape;131;p19"/>
+          <p:cNvSpPr txBox="1"/>
+          <p:nvPr>
+            <p:ph idx="1" type="body"/>
+          </p:nvPr>
+        </p:nvSpPr>
+        <p:spPr>
+          <a:xfrm>
+            <a:off x="274320" y="914400"/>
+            <a:ext cx="8595300" cy="4114800"/>
+          </a:xfrm>
+          <a:prstGeom prst="rect">
+            <a:avLst/>
+          </a:prstGeom>
+        </p:spPr>
+        <p:txBody>
+          <a:bodyPr anchorCtr="0" anchor="t" bIns="0" lIns="0" spcFirstLastPara="1" rIns="0" wrap="square" tIns="0">
+            <a:noAutofit/>
+          </a:bodyPr>
+          <a:lstStyle/>
+          <a:p>
+            <a:pPr indent="0" lvl="0" marL="0" rtl="0" algn="l">
+              <a:spcBef>
+                <a:spcPts val="0"/>
+              </a:spcBef>
+              <a:spcAft>
+                <a:spcPts val="0"/>
+              </a:spcAft>
+              <a:buNone/>
+            </a:pPr>
+            <a:r>
+              <a:rPr lang="en"/>
+              <a:t>To pass the course, you must</a:t>
+            </a:r>
+            <a:endParaRPr/>
+          </a:p>
+          <a:p>
+            <a:pPr indent="-342900" lvl="0" marL="457200" rtl="0" algn="l">
+              <a:spcBef>
+                <a:spcPts val="1200"/>
+              </a:spcBef>
+              <a:spcAft>
+                <a:spcPts val="0"/>
+              </a:spcAft>
+              <a:buSzPts val="1800"/>
+              <a:buChar char="●"/>
+            </a:pPr>
+            <a:r>
+              <a:rPr lang="en"/>
+              <a:t>Participate in (all) project team meetings</a:t>
+            </a:r>
+            <a:endParaRPr/>
+          </a:p>
+          <a:p>
+            <a:pPr indent="-342900" lvl="0" marL="457200" rtl="0" algn="l">
+              <a:spcBef>
+                <a:spcPts val="0"/>
+              </a:spcBef>
+              <a:spcAft>
+                <a:spcPts val="0"/>
+              </a:spcAft>
+              <a:buSzPts val="1800"/>
+              <a:buChar char="●"/>
+            </a:pPr>
+            <a:r>
+              <a:rPr lang="en"/>
+              <a:t>Participate</a:t>
+            </a:r>
+            <a:r>
+              <a:rPr lang="en"/>
+              <a:t> in (all) weekly retrospectives (class sessions)</a:t>
+            </a:r>
+            <a:endParaRPr/>
+          </a:p>
+          <a:p>
+            <a:pPr indent="-342900" lvl="0" marL="457200" rtl="0" algn="l">
+              <a:spcBef>
+                <a:spcPts val="0"/>
+              </a:spcBef>
+              <a:spcAft>
+                <a:spcPts val="0"/>
+              </a:spcAft>
+              <a:buSzPts val="1800"/>
+              <a:buChar char="●"/>
+            </a:pPr>
+            <a:r>
+              <a:rPr lang="en"/>
+              <a:t>Perform the workshop and report about it</a:t>
+            </a:r>
+            <a:endParaRPr/>
+          </a:p>
+          <a:p>
+            <a:pPr indent="0" lvl="0" marL="0" rtl="0" algn="l">
+              <a:spcBef>
+                <a:spcPts val="1200"/>
+              </a:spcBef>
+              <a:spcAft>
+                <a:spcPts val="1200"/>
+              </a:spcAft>
+              <a:buNone/>
+            </a:pPr>
+            <a:r>
+              <a:t/>
+            </a:r>
+            <a:endParaRPr/>
+          </a:p>
+        </p:txBody>
+      </p:sp>
+      <p:sp>
+        <p:nvSpPr>
+          <p:cNvPr id="132" name="Google Shape;132;p19"/>
+          <p:cNvSpPr txBox="1"/>
+          <p:nvPr>
+            <p:ph idx="12" type="sldNum"/>
+          </p:nvPr>
+        </p:nvSpPr>
+        <p:spPr>
+          <a:xfrm>
+            <a:off x="7315202" y="4416550"/>
+            <a:ext cx="1828800" cy="731400"/>
+          </a:xfrm>
+          <a:prstGeom prst="rect">
+            <a:avLst/>
+          </a:prstGeom>
+        </p:spPr>
+        <p:txBody>
+          <a:bodyPr anchorCtr="0" anchor="b" bIns="91425" lIns="91425" spcFirstLastPara="1" rIns="91425" wrap="square" tIns="91425">
+            <a:noAutofit/>
+          </a:bodyPr>
+          <a:lstStyle/>
+          <a:p>
+            <a:pPr indent="0" lvl="0" marL="0" rtl="0" algn="r">
+              <a:spcBef>
+                <a:spcPts val="0"/>
+              </a:spcBef>
+              <a:spcAft>
+                <a:spcPts val="0"/>
+              </a:spcAft>
+              <a:buNone/>
+            </a:pPr>
+            <a:fld id="{00000000-1234-1234-1234-123412341234}" type="slidenum">
+              <a:rPr lang="en"/>
+              <a:t>‹#›</a:t>
+            </a:fld>
+            <a:endParaRPr/>
+          </a:p>
+          <a:p>
+            <a:pPr indent="0" lvl="0" marL="0" rtl="0" algn="r">
+              <a:spcBef>
+                <a:spcPts val="0"/>
+              </a:spcBef>
+              <a:spcAft>
+                <a:spcPts val="0"/>
+              </a:spcAft>
+              <a:buNone/>
+            </a:pPr>
+            <a:r>
+              <a:rPr b="0" lang="en" sz="900" u="sng">
+                <a:solidFill>
+                  <a:schemeClr val="hlink"/>
+                </a:solidFill>
+                <a:hlinkClick r:id="rId3"/>
+              </a:rPr>
+              <a:t>https://oss.cs.fau.de</a:t>
+            </a:r>
+            <a:r>
+              <a:rPr b="0" lang="en" sz="900">
+                <a:solidFill>
+                  <a:schemeClr val="dk2"/>
+                </a:solidFill>
+              </a:rPr>
+              <a:t> </a:t>
+            </a:r>
+            <a:endParaRPr b="0" sz="900">
+              <a:solidFill>
+                <a:schemeClr val="dk2"/>
+              </a:solidFill>
+            </a:endParaRPr>
+          </a:p>
+        </p:txBody>
+      </p:sp>
+    </p:spTree>
+  </p:cSld>
+  <p:clrMapOvr>
+    <a:masterClrMapping/>
+  </p:clrMapOvr>
+</p:sld>
+</file>
+
+<file path=ppt/slides/slide13.xml><?xml version="1.0" encoding="utf-8"?>
+<p:sld xmlns:a="http://schemas.openxmlformats.org/drawingml/2006/main" xmlns:r="http://schemas.openxmlformats.org/officeDocument/2006/relationships" xmlns:mc="http://schemas.openxmlformats.org/markup-compatibility/2006" xmlns:mv="urn:schemas-microsoft-com:mac:vml" xmlns:p="http://schemas.openxmlformats.org/presentationml/2006/main" xmlns:c="http://schemas.openxmlformats.org/drawingml/2006/chart" xmlns:dgm="http://schemas.openxmlformats.org/drawingml/2006/diagram" xmlns:o="urn:schemas-microsoft-com:office:office" xmlns:v="urn:schemas-microsoft-com:vml" xmlns:pvml="urn:schemas-microsoft-com:office:powerpoint" xmlns:com="http://schemas.openxmlformats.org/drawingml/2006/compatibility" xmlns:p14="http://schemas.microsoft.com/office/powerpoint/2010/main" xmlns:p15="http://schemas.microsoft.com/office/powerpoint/2012/main" xmlns:ahyp="http://schemas.microsoft.com/office/drawing/2018/hyperlinkcolor">
+  <p:cSld>
+    <p:spTree>
+      <p:nvGrpSpPr>
+        <p:cNvPr id="136" name="Shape 136"/>
+        <p:cNvGrpSpPr/>
+        <p:nvPr/>
+      </p:nvGrpSpPr>
+      <p:grpSpPr>
+        <a:xfrm>
+          <a:off x="0" y="0"/>
+          <a:ext cx="0" cy="0"/>
+          <a:chOff x="0" y="0"/>
+          <a:chExt cx="0" cy="0"/>
+        </a:xfrm>
+      </p:grpSpPr>
+      <p:sp>
+        <p:nvSpPr>
+          <p:cNvPr id="137" name="Google Shape;137;p20"/>
+          <p:cNvSpPr txBox="1"/>
+          <p:nvPr>
+            <p:ph type="title"/>
+          </p:nvPr>
+        </p:nvSpPr>
+        <p:spPr>
+          <a:xfrm>
+            <a:off x="0" y="0"/>
+            <a:ext cx="9144000" cy="685800"/>
+          </a:xfrm>
+          <a:prstGeom prst="rect">
+            <a:avLst/>
+          </a:prstGeom>
+        </p:spPr>
+        <p:txBody>
+          <a:bodyPr anchorCtr="0" anchor="ctr" bIns="91425" lIns="274300" spcFirstLastPara="1" rIns="91425" wrap="square" tIns="91425">
+            <a:noAutofit/>
+          </a:bodyPr>
+          <a:lstStyle/>
+          <a:p>
+            <a:pPr indent="0" lvl="0" marL="0" rtl="0" algn="l">
+              <a:spcBef>
+                <a:spcPts val="0"/>
+              </a:spcBef>
+              <a:spcAft>
+                <a:spcPts val="0"/>
+              </a:spcAft>
+              <a:buNone/>
+            </a:pPr>
+            <a:r>
+              <a:rPr lang="en"/>
+              <a:t>Receiving a Grade for the Course</a:t>
+            </a:r>
+            <a:endParaRPr/>
+          </a:p>
+        </p:txBody>
+      </p:sp>
+      <p:sp>
+        <p:nvSpPr>
+          <p:cNvPr id="138" name="Google Shape;138;p20"/>
+          <p:cNvSpPr txBox="1"/>
+          <p:nvPr>
+            <p:ph idx="1" type="body"/>
+          </p:nvPr>
+        </p:nvSpPr>
+        <p:spPr>
+          <a:xfrm>
+            <a:off x="274320" y="914400"/>
+            <a:ext cx="8595300" cy="4114800"/>
+          </a:xfrm>
+          <a:prstGeom prst="rect">
+            <a:avLst/>
+          </a:prstGeom>
+        </p:spPr>
+        <p:txBody>
+          <a:bodyPr anchorCtr="0" anchor="t" bIns="0" lIns="0" spcFirstLastPara="1" rIns="0" wrap="square" tIns="0">
+            <a:noAutofit/>
+          </a:bodyPr>
+          <a:lstStyle/>
+          <a:p>
+            <a:pPr indent="0" lvl="0" marL="0" rtl="0" algn="l">
+              <a:spcBef>
+                <a:spcPts val="0"/>
+              </a:spcBef>
+              <a:spcAft>
+                <a:spcPts val="0"/>
+              </a:spcAft>
+              <a:buClr>
+                <a:schemeClr val="dk1"/>
+              </a:buClr>
+              <a:buSzPts val="1100"/>
+              <a:buFont typeface="Arial"/>
+              <a:buNone/>
+            </a:pPr>
+            <a:r>
+              <a:rPr lang="en"/>
+              <a:t>Course management and exam registration are two separate things</a:t>
+            </a:r>
+            <a:endParaRPr/>
+          </a:p>
+          <a:p>
+            <a:pPr indent="0" lvl="0" marL="0" rtl="0" algn="l">
+              <a:spcBef>
+                <a:spcPts val="1200"/>
+              </a:spcBef>
+              <a:spcAft>
+                <a:spcPts val="0"/>
+              </a:spcAft>
+              <a:buClr>
+                <a:schemeClr val="dk1"/>
+              </a:buClr>
+              <a:buSzPts val="1100"/>
+              <a:buFont typeface="Arial"/>
+              <a:buNone/>
+            </a:pPr>
+            <a:r>
+              <a:rPr lang="en"/>
+              <a:t>If you want to receive a grade</a:t>
+            </a:r>
+            <a:endParaRPr/>
+          </a:p>
+          <a:p>
+            <a:pPr indent="-342900" lvl="0" marL="457200" rtl="0" algn="l">
+              <a:spcBef>
+                <a:spcPts val="1200"/>
+              </a:spcBef>
+              <a:spcAft>
+                <a:spcPts val="0"/>
+              </a:spcAft>
+              <a:buSzPts val="1800"/>
+              <a:buChar char="●"/>
+            </a:pPr>
+            <a:r>
+              <a:rPr lang="en"/>
+              <a:t>You must register through your university’s exam registration system</a:t>
+            </a:r>
+            <a:endParaRPr/>
+          </a:p>
+          <a:p>
+            <a:pPr indent="-317500" lvl="1" marL="914400" rtl="0" algn="l">
+              <a:spcBef>
+                <a:spcPts val="0"/>
+              </a:spcBef>
+              <a:spcAft>
+                <a:spcPts val="0"/>
+              </a:spcAft>
+              <a:buSzPts val="1400"/>
+              <a:buChar char="○"/>
+            </a:pPr>
+            <a:r>
+              <a:rPr lang="en"/>
+              <a:t>Your degree program may have split the course into two (VL + UE)</a:t>
+            </a:r>
+            <a:endParaRPr/>
+          </a:p>
+          <a:p>
+            <a:pPr indent="-317500" lvl="1" marL="914400" rtl="0" algn="l">
+              <a:spcBef>
+                <a:spcPts val="0"/>
+              </a:spcBef>
+              <a:spcAft>
+                <a:spcPts val="0"/>
+              </a:spcAft>
+              <a:buSzPts val="1400"/>
+              <a:buChar char="○"/>
+            </a:pPr>
+            <a:r>
+              <a:rPr lang="en"/>
+              <a:t>Please check asap that the course is available in your degree program!</a:t>
+            </a:r>
+            <a:endParaRPr/>
+          </a:p>
+          <a:p>
+            <a:pPr indent="0" lvl="0" marL="0" rtl="0" algn="l">
+              <a:spcBef>
+                <a:spcPts val="1200"/>
+              </a:spcBef>
+              <a:spcAft>
+                <a:spcPts val="0"/>
+              </a:spcAft>
+              <a:buClr>
+                <a:schemeClr val="dk1"/>
+              </a:buClr>
+              <a:buSzPts val="1100"/>
+              <a:buFont typeface="Arial"/>
+              <a:buNone/>
+            </a:pPr>
+            <a:r>
+              <a:rPr lang="en"/>
+              <a:t>Otherwise: No grade</a:t>
+            </a:r>
+            <a:endParaRPr/>
+          </a:p>
+          <a:p>
+            <a:pPr indent="0" lvl="0" marL="0" rtl="0" algn="l">
+              <a:spcBef>
+                <a:spcPts val="1200"/>
+              </a:spcBef>
+              <a:spcAft>
+                <a:spcPts val="1200"/>
+              </a:spcAft>
+              <a:buNone/>
+            </a:pPr>
+            <a:r>
+              <a:t/>
+            </a:r>
+            <a:endParaRPr/>
+          </a:p>
+        </p:txBody>
+      </p:sp>
+      <p:sp>
+        <p:nvSpPr>
+          <p:cNvPr id="139" name="Google Shape;139;p20"/>
+          <p:cNvSpPr txBox="1"/>
+          <p:nvPr>
+            <p:ph idx="12" type="sldNum"/>
+          </p:nvPr>
+        </p:nvSpPr>
+        <p:spPr>
+          <a:xfrm>
+            <a:off x="7315202" y="4416550"/>
+            <a:ext cx="1828800" cy="731400"/>
+          </a:xfrm>
+          <a:prstGeom prst="rect">
+            <a:avLst/>
+          </a:prstGeom>
+        </p:spPr>
+        <p:txBody>
+          <a:bodyPr anchorCtr="0" anchor="b" bIns="91425" lIns="91425" spcFirstLastPara="1" rIns="91425" wrap="square" tIns="91425">
+            <a:noAutofit/>
+          </a:bodyPr>
+          <a:lstStyle/>
+          <a:p>
+            <a:pPr indent="0" lvl="0" marL="0" rtl="0" algn="r">
+              <a:spcBef>
+                <a:spcPts val="0"/>
+              </a:spcBef>
+              <a:spcAft>
+                <a:spcPts val="0"/>
+              </a:spcAft>
+              <a:buNone/>
+            </a:pPr>
+            <a:fld id="{00000000-1234-1234-1234-123412341234}" type="slidenum">
+              <a:rPr lang="en"/>
+              <a:t>‹#›</a:t>
+            </a:fld>
+            <a:endParaRPr/>
+          </a:p>
+          <a:p>
+            <a:pPr indent="0" lvl="0" marL="0" rtl="0" algn="r">
+              <a:spcBef>
+                <a:spcPts val="0"/>
+              </a:spcBef>
+              <a:spcAft>
+                <a:spcPts val="0"/>
+              </a:spcAft>
+              <a:buNone/>
+            </a:pPr>
+            <a:r>
+              <a:rPr b="0" lang="en" sz="900" u="sng">
+                <a:solidFill>
+                  <a:schemeClr val="hlink"/>
+                </a:solidFill>
+                <a:hlinkClick r:id="rId3"/>
+              </a:rPr>
+              <a:t>https://oss.cs.fau.de</a:t>
+            </a:r>
+            <a:r>
+              <a:rPr b="0" lang="en" sz="900">
+                <a:solidFill>
+                  <a:schemeClr val="dk2"/>
+                </a:solidFill>
+              </a:rPr>
+              <a:t> </a:t>
+            </a:r>
+            <a:endParaRPr b="0" sz="900">
+              <a:solidFill>
+                <a:schemeClr val="dk2"/>
+              </a:solidFill>
+            </a:endParaRPr>
+          </a:p>
+        </p:txBody>
+      </p:sp>
+    </p:spTree>
+  </p:cSld>
+  <p:clrMapOvr>
+    <a:masterClrMapping/>
+  </p:clrMapOvr>
+</p:sld>
+</file>
+
+<file path=ppt/slides/slide14.xml><?xml version="1.0" encoding="utf-8"?>
+<p:sld xmlns:a="http://schemas.openxmlformats.org/drawingml/2006/main" xmlns:r="http://schemas.openxmlformats.org/officeDocument/2006/relationships" xmlns:mc="http://schemas.openxmlformats.org/markup-compatibility/2006" xmlns:mv="urn:schemas-microsoft-com:mac:vml" xmlns:p="http://schemas.openxmlformats.org/presentationml/2006/main" xmlns:c="http://schemas.openxmlformats.org/drawingml/2006/chart" xmlns:dgm="http://schemas.openxmlformats.org/drawingml/2006/diagram" xmlns:o="urn:schemas-microsoft-com:office:office" xmlns:v="urn:schemas-microsoft-com:vml" xmlns:pvml="urn:schemas-microsoft-com:office:powerpoint" xmlns:com="http://schemas.openxmlformats.org/drawingml/2006/compatibility" xmlns:p14="http://schemas.microsoft.com/office/powerpoint/2010/main" xmlns:p15="http://schemas.microsoft.com/office/powerpoint/2012/main" xmlns:ahyp="http://schemas.microsoft.com/office/drawing/2018/hyperlinkcolor">
+  <p:cSld>
+    <p:spTree>
+      <p:nvGrpSpPr>
+        <p:cNvPr id="143" name="Shape 143"/>
+        <p:cNvGrpSpPr/>
+        <p:nvPr/>
+      </p:nvGrpSpPr>
+      <p:grpSpPr>
+        <a:xfrm>
+          <a:off x="0" y="0"/>
+          <a:ext cx="0" cy="0"/>
+          <a:chOff x="0" y="0"/>
+          <a:chExt cx="0" cy="0"/>
+        </a:xfrm>
+      </p:grpSpPr>
+      <p:sp>
+        <p:nvSpPr>
+          <p:cNvPr id="144" name="Google Shape;144;p21"/>
+          <p:cNvSpPr txBox="1"/>
+          <p:nvPr>
+            <p:ph type="title"/>
+          </p:nvPr>
+        </p:nvSpPr>
+        <p:spPr>
+          <a:xfrm>
+            <a:off x="0" y="0"/>
+            <a:ext cx="9144000" cy="685800"/>
+          </a:xfrm>
+          <a:prstGeom prst="rect">
+            <a:avLst/>
+          </a:prstGeom>
+        </p:spPr>
+        <p:txBody>
+          <a:bodyPr anchorCtr="0" anchor="ctr" bIns="91425" lIns="274300" spcFirstLastPara="1" rIns="91425" wrap="square" tIns="91425">
+            <a:noAutofit/>
+          </a:bodyPr>
+          <a:lstStyle/>
+          <a:p>
+            <a:pPr indent="0" lvl="0" marL="0" rtl="0" algn="l">
+              <a:spcBef>
+                <a:spcPts val="0"/>
+              </a:spcBef>
+              <a:spcAft>
+                <a:spcPts val="0"/>
+              </a:spcAft>
+              <a:buNone/>
+            </a:pPr>
+            <a:r>
+              <a:rPr lang="en"/>
               <a:t>No Oral or Written Exam [1]</a:t>
             </a:r>
             <a:endParaRPr/>
@@ -6586,7 +7856,7 @@
       </p:sp>
       <p:pic>
         <p:nvPicPr>
-          <p:cNvPr id="114" name="Google Shape;114;p19"/>
+          <p:cNvPr id="145" name="Google Shape;145;p21"/>
           <p:cNvPicPr preferRelativeResize="0"/>
           <p:nvPr/>
         </p:nvPicPr>
@@ -6614,7 +7884,7 @@
       </p:pic>
       <p:sp>
         <p:nvSpPr>
-          <p:cNvPr id="115" name="Google Shape;115;p19"/>
+          <p:cNvPr id="146" name="Google Shape;146;p21"/>
           <p:cNvSpPr txBox="1"/>
           <p:nvPr/>
         </p:nvSpPr>
@@ -6656,7 +7926,7 @@
       </p:sp>
       <p:sp>
         <p:nvSpPr>
-          <p:cNvPr id="116" name="Google Shape;116;p19"/>
+          <p:cNvPr id="147" name="Google Shape;147;p21"/>
           <p:cNvSpPr txBox="1"/>
           <p:nvPr>
             <p:ph idx="12" type="sldNum"/>
@@ -6709,7 +7979,7 @@
                 </a:solidFill>
                 <a:hlinkClick r:id="rId4"/>
               </a:rPr>
-              <a:t>https://profriehle.com</a:t>
+              <a:t>https://oss.cs.fau.de</a:t>
             </a:r>
             <a:r>
               <a:rPr b="0" lang="en" sz="900">
@@ -6719,7 +7989,11 @@
               </a:rPr>
               <a:t> </a:t>
             </a:r>
-            <a:endParaRPr/>
+            <a:endParaRPr b="0" sz="900">
+              <a:solidFill>
+                <a:schemeClr val="dk2"/>
+              </a:solidFill>
+            </a:endParaRPr>
           </a:p>
         </p:txBody>
       </p:sp>
@@ -6731,12 +8005,12 @@
 </p:sld>
 </file>
 
-<file path=ppt/slides/slide13.xml><?xml version="1.0" encoding="utf-8"?>
+<file path=ppt/slides/slide15.xml><?xml version="1.0" encoding="utf-8"?>
 <p:sld xmlns:a="http://schemas.openxmlformats.org/drawingml/2006/main" xmlns:r="http://schemas.openxmlformats.org/officeDocument/2006/relationships" xmlns:mc="http://schemas.openxmlformats.org/markup-compatibility/2006" xmlns:mv="urn:schemas-microsoft-com:mac:vml" xmlns:p="http://schemas.openxmlformats.org/presentationml/2006/main" xmlns:c="http://schemas.openxmlformats.org/drawingml/2006/chart" xmlns:dgm="http://schemas.openxmlformats.org/drawingml/2006/diagram" xmlns:o="urn:schemas-microsoft-com:office:office" xmlns:v="urn:schemas-microsoft-com:vml" xmlns:pvml="urn:schemas-microsoft-com:office:powerpoint" xmlns:com="http://schemas.openxmlformats.org/drawingml/2006/compatibility" xmlns:p14="http://schemas.microsoft.com/office/powerpoint/2010/main" xmlns:p15="http://schemas.microsoft.com/office/powerpoint/2012/main" xmlns:ahyp="http://schemas.microsoft.com/office/drawing/2018/hyperlinkcolor">
   <p:cSld>
     <p:spTree>
       <p:nvGrpSpPr>
-        <p:cNvPr id="120" name="Shape 120"/>
+        <p:cNvPr id="151" name="Shape 151"/>
         <p:cNvGrpSpPr/>
         <p:nvPr/>
       </p:nvGrpSpPr>
@@ -6750,7 +8024,7 @@
       </p:grpSpPr>
       <p:sp>
         <p:nvSpPr>
-          <p:cNvPr id="121" name="Google Shape;121;p20"/>
+          <p:cNvPr id="152" name="Google Shape;152;p22"/>
           <p:cNvSpPr txBox="1"/>
           <p:nvPr>
             <p:ph type="title"/>
@@ -6790,7 +8064,7 @@
       </p:sp>
       <p:sp>
         <p:nvSpPr>
-          <p:cNvPr id="122" name="Google Shape;122;p20"/>
+          <p:cNvPr id="153" name="Google Shape;153;p22"/>
           <p:cNvSpPr txBox="1"/>
           <p:nvPr>
             <p:ph idx="12" type="sldNum"/>
@@ -6843,7 +8117,7 @@
                 </a:solidFill>
                 <a:hlinkClick r:id="rId3"/>
               </a:rPr>
-              <a:t>https://profriehle.com</a:t>
+              <a:t>https://oss.cs.fau.de</a:t>
             </a:r>
             <a:r>
               <a:rPr b="0" lang="en" sz="900">
@@ -6853,13 +8127,17 @@
               </a:rPr>
               <a:t> </a:t>
             </a:r>
-            <a:endParaRPr/>
+            <a:endParaRPr b="0" sz="900">
+              <a:solidFill>
+                <a:schemeClr val="dk2"/>
+              </a:solidFill>
+            </a:endParaRPr>
           </a:p>
         </p:txBody>
       </p:sp>
       <p:sp>
         <p:nvSpPr>
-          <p:cNvPr id="123" name="Google Shape;123;p20"/>
+          <p:cNvPr id="154" name="Google Shape;154;p22"/>
           <p:cNvSpPr txBox="1"/>
           <p:nvPr>
             <p:ph idx="1" type="body"/>
@@ -7014,12 +8292,12 @@
 </p:sld>
 </file>
 
-<file path=ppt/slides/slide14.xml><?xml version="1.0" encoding="utf-8"?>
+<file path=ppt/slides/slide16.xml><?xml version="1.0" encoding="utf-8"?>
 <p:sld xmlns:a="http://schemas.openxmlformats.org/drawingml/2006/main" xmlns:r="http://schemas.openxmlformats.org/officeDocument/2006/relationships" xmlns:mc="http://schemas.openxmlformats.org/markup-compatibility/2006" xmlns:mv="urn:schemas-microsoft-com:mac:vml" xmlns:p="http://schemas.openxmlformats.org/presentationml/2006/main" xmlns:c="http://schemas.openxmlformats.org/drawingml/2006/chart" xmlns:dgm="http://schemas.openxmlformats.org/drawingml/2006/diagram" xmlns:o="urn:schemas-microsoft-com:office:office" xmlns:v="urn:schemas-microsoft-com:vml" xmlns:pvml="urn:schemas-microsoft-com:office:powerpoint" xmlns:com="http://schemas.openxmlformats.org/drawingml/2006/compatibility" xmlns:p14="http://schemas.microsoft.com/office/powerpoint/2010/main" xmlns:p15="http://schemas.microsoft.com/office/powerpoint/2012/main" xmlns:ahyp="http://schemas.microsoft.com/office/drawing/2018/hyperlinkcolor">
   <p:cSld>
     <p:spTree>
       <p:nvGrpSpPr>
-        <p:cNvPr id="127" name="Shape 127"/>
+        <p:cNvPr id="158" name="Shape 158"/>
         <p:cNvGrpSpPr/>
         <p:nvPr/>
       </p:nvGrpSpPr>
@@ -7033,7 +8311,7 @@
       </p:grpSpPr>
       <p:sp>
         <p:nvSpPr>
-          <p:cNvPr id="128" name="Google Shape;128;p21"/>
+          <p:cNvPr id="159" name="Google Shape;159;p23"/>
           <p:cNvSpPr txBox="1"/>
           <p:nvPr>
             <p:ph type="title"/>
@@ -7073,7 +8351,7 @@
       </p:sp>
       <p:sp>
         <p:nvSpPr>
-          <p:cNvPr id="129" name="Google Shape;129;p21"/>
+          <p:cNvPr id="160" name="Google Shape;160;p23"/>
           <p:cNvSpPr txBox="1"/>
           <p:nvPr>
             <p:ph idx="1" type="body"/>
@@ -7136,7 +8414,7 @@
                 </a:solidFill>
                 <a:hlinkClick r:id="rId3"/>
               </a:rPr>
-              <a:t>https://uni1.de/coach/index</a:t>
+              <a:t>https://coach.uni1.de</a:t>
             </a:r>
             <a:r>
               <a:rPr lang="en"/>
@@ -7201,7 +8479,7 @@
       </p:sp>
       <p:sp>
         <p:nvSpPr>
-          <p:cNvPr id="130" name="Google Shape;130;p21"/>
+          <p:cNvPr id="161" name="Google Shape;161;p23"/>
           <p:cNvSpPr txBox="1"/>
           <p:nvPr>
             <p:ph idx="12" type="sldNum"/>
@@ -7254,7 +8532,7 @@
                 </a:solidFill>
                 <a:hlinkClick r:id="rId4"/>
               </a:rPr>
-              <a:t>https://profriehle.com</a:t>
+              <a:t>https://oss.cs.fau.de</a:t>
             </a:r>
             <a:r>
               <a:rPr b="0" lang="en" sz="900">
@@ -7264,7 +8542,11 @@
               </a:rPr>
               <a:t> </a:t>
             </a:r>
-            <a:endParaRPr/>
+            <a:endParaRPr b="0" sz="900">
+              <a:solidFill>
+                <a:schemeClr val="dk2"/>
+              </a:solidFill>
+            </a:endParaRPr>
           </a:p>
         </p:txBody>
       </p:sp>
@@ -7276,12 +8558,12 @@
 </p:sld>
 </file>
 
-<file path=ppt/slides/slide15.xml><?xml version="1.0" encoding="utf-8"?>
+<file path=ppt/slides/slide17.xml><?xml version="1.0" encoding="utf-8"?>
 <p:sld xmlns:a="http://schemas.openxmlformats.org/drawingml/2006/main" xmlns:r="http://schemas.openxmlformats.org/officeDocument/2006/relationships" xmlns:mc="http://schemas.openxmlformats.org/markup-compatibility/2006" xmlns:mv="urn:schemas-microsoft-com:mac:vml" xmlns:p="http://schemas.openxmlformats.org/presentationml/2006/main" xmlns:c="http://schemas.openxmlformats.org/drawingml/2006/chart" xmlns:dgm="http://schemas.openxmlformats.org/drawingml/2006/diagram" xmlns:o="urn:schemas-microsoft-com:office:office" xmlns:v="urn:schemas-microsoft-com:vml" xmlns:pvml="urn:schemas-microsoft-com:office:powerpoint" xmlns:com="http://schemas.openxmlformats.org/drawingml/2006/compatibility" xmlns:p14="http://schemas.microsoft.com/office/powerpoint/2010/main" xmlns:p15="http://schemas.microsoft.com/office/powerpoint/2012/main" xmlns:ahyp="http://schemas.microsoft.com/office/drawing/2018/hyperlinkcolor">
   <p:cSld>
     <p:spTree>
       <p:nvGrpSpPr>
-        <p:cNvPr id="134" name="Shape 134"/>
+        <p:cNvPr id="165" name="Shape 165"/>
         <p:cNvGrpSpPr/>
         <p:nvPr/>
       </p:nvGrpSpPr>
@@ -7295,7 +8577,7 @@
       </p:grpSpPr>
       <p:sp>
         <p:nvSpPr>
-          <p:cNvPr id="135" name="Google Shape;135;p22"/>
+          <p:cNvPr id="166" name="Google Shape;166;p24"/>
           <p:cNvSpPr txBox="1"/>
           <p:nvPr>
             <p:ph type="title"/>
@@ -7335,7 +8617,7 @@
       </p:sp>
       <p:sp>
         <p:nvSpPr>
-          <p:cNvPr id="136" name="Google Shape;136;p22"/>
+          <p:cNvPr id="167" name="Google Shape;167;p24"/>
           <p:cNvSpPr txBox="1"/>
           <p:nvPr>
             <p:ph idx="1" type="body"/>
@@ -7393,7 +8675,7 @@
                 </a:solidFill>
                 <a:hlinkClick r:id="rId3"/>
               </a:rPr>
-              <a:t>https://uni1.de/amos/index</a:t>
+              <a:t>https://amos.uni1.de</a:t>
             </a:r>
             <a:r>
               <a:rPr lang="en"/>
@@ -7438,7 +8720,7 @@
       </p:sp>
       <p:sp>
         <p:nvSpPr>
-          <p:cNvPr id="137" name="Google Shape;137;p22"/>
+          <p:cNvPr id="168" name="Google Shape;168;p24"/>
           <p:cNvSpPr txBox="1"/>
           <p:nvPr>
             <p:ph idx="12" type="sldNum"/>
@@ -7491,7 +8773,7 @@
                 </a:solidFill>
                 <a:hlinkClick r:id="rId4"/>
               </a:rPr>
-              <a:t>https://profriehle.com</a:t>
+              <a:t>https://oss.cs.fau.de</a:t>
             </a:r>
             <a:r>
               <a:rPr b="0" lang="en" sz="900">
@@ -7501,7 +8783,11 @@
               </a:rPr>
               <a:t> </a:t>
             </a:r>
-            <a:endParaRPr/>
+            <a:endParaRPr b="0" sz="900">
+              <a:solidFill>
+                <a:schemeClr val="dk2"/>
+              </a:solidFill>
+            </a:endParaRPr>
           </a:p>
         </p:txBody>
       </p:sp>
@@ -7513,12 +8799,12 @@
 </p:sld>
 </file>
 
-<file path=ppt/slides/slide16.xml><?xml version="1.0" encoding="utf-8"?>
+<file path=ppt/slides/slide18.xml><?xml version="1.0" encoding="utf-8"?>
 <p:sld xmlns:a="http://schemas.openxmlformats.org/drawingml/2006/main" xmlns:r="http://schemas.openxmlformats.org/officeDocument/2006/relationships" xmlns:mc="http://schemas.openxmlformats.org/markup-compatibility/2006" xmlns:mv="urn:schemas-microsoft-com:mac:vml" xmlns:p="http://schemas.openxmlformats.org/presentationml/2006/main" xmlns:c="http://schemas.openxmlformats.org/drawingml/2006/chart" xmlns:dgm="http://schemas.openxmlformats.org/drawingml/2006/diagram" xmlns:o="urn:schemas-microsoft-com:office:office" xmlns:v="urn:schemas-microsoft-com:vml" xmlns:pvml="urn:schemas-microsoft-com:office:powerpoint" xmlns:com="http://schemas.openxmlformats.org/drawingml/2006/compatibility" xmlns:p14="http://schemas.microsoft.com/office/powerpoint/2010/main" xmlns:p15="http://schemas.microsoft.com/office/powerpoint/2012/main" xmlns:ahyp="http://schemas.microsoft.com/office/drawing/2018/hyperlinkcolor">
   <p:cSld>
     <p:spTree>
       <p:nvGrpSpPr>
-        <p:cNvPr id="141" name="Shape 141"/>
+        <p:cNvPr id="172" name="Shape 172"/>
         <p:cNvGrpSpPr/>
         <p:nvPr/>
       </p:nvGrpSpPr>
@@ -7532,7 +8818,7 @@
       </p:grpSpPr>
       <p:sp>
         <p:nvSpPr>
-          <p:cNvPr id="142" name="Google Shape;142;p23"/>
+          <p:cNvPr id="173" name="Google Shape;173;p25"/>
           <p:cNvSpPr txBox="1"/>
           <p:nvPr>
             <p:ph type="title"/>
@@ -7572,7 +8858,7 @@
       </p:sp>
       <p:sp>
         <p:nvSpPr>
-          <p:cNvPr id="143" name="Google Shape;143;p23"/>
+          <p:cNvPr id="174" name="Google Shape;174;p25"/>
           <p:cNvSpPr txBox="1"/>
           <p:nvPr>
             <p:ph idx="12" type="sldNum"/>
@@ -7625,7 +8911,7 @@
                 </a:solidFill>
                 <a:hlinkClick r:id="rId3"/>
               </a:rPr>
-              <a:t>https://profriehle.com</a:t>
+              <a:t>https://oss.cs.fau.de</a:t>
             </a:r>
             <a:r>
               <a:rPr b="0" lang="en" sz="900">
@@ -7635,13 +8921,17 @@
               </a:rPr>
               <a:t> </a:t>
             </a:r>
-            <a:endParaRPr/>
+            <a:endParaRPr b="0" sz="900">
+              <a:solidFill>
+                <a:schemeClr val="dk2"/>
+              </a:solidFill>
+            </a:endParaRPr>
           </a:p>
         </p:txBody>
       </p:sp>
       <p:sp>
         <p:nvSpPr>
-          <p:cNvPr id="144" name="Google Shape;144;p23"/>
+          <p:cNvPr id="175" name="Google Shape;175;p25"/>
           <p:cNvSpPr txBox="1"/>
           <p:nvPr>
             <p:ph idx="1" type="body"/>
@@ -7792,12 +9082,12 @@
 </p:sld>
 </file>
 
-<file path=ppt/slides/slide17.xml><?xml version="1.0" encoding="utf-8"?>
+<file path=ppt/slides/slide19.xml><?xml version="1.0" encoding="utf-8"?>
 <p:sld xmlns:a="http://schemas.openxmlformats.org/drawingml/2006/main" xmlns:r="http://schemas.openxmlformats.org/officeDocument/2006/relationships" xmlns:mc="http://schemas.openxmlformats.org/markup-compatibility/2006" xmlns:mv="urn:schemas-microsoft-com:mac:vml" xmlns:p="http://schemas.openxmlformats.org/presentationml/2006/main" xmlns:c="http://schemas.openxmlformats.org/drawingml/2006/chart" xmlns:dgm="http://schemas.openxmlformats.org/drawingml/2006/diagram" xmlns:o="urn:schemas-microsoft-com:office:office" xmlns:v="urn:schemas-microsoft-com:vml" xmlns:pvml="urn:schemas-microsoft-com:office:powerpoint" xmlns:com="http://schemas.openxmlformats.org/drawingml/2006/compatibility" xmlns:p14="http://schemas.microsoft.com/office/powerpoint/2010/main" xmlns:p15="http://schemas.microsoft.com/office/powerpoint/2012/main" xmlns:ahyp="http://schemas.microsoft.com/office/drawing/2018/hyperlinkcolor">
   <p:cSld>
     <p:spTree>
       <p:nvGrpSpPr>
-        <p:cNvPr id="148" name="Shape 148"/>
+        <p:cNvPr id="179" name="Shape 179"/>
         <p:cNvGrpSpPr/>
         <p:nvPr/>
       </p:nvGrpSpPr>
@@ -7811,7 +9101,7 @@
       </p:grpSpPr>
       <p:sp>
         <p:nvSpPr>
-          <p:cNvPr id="149" name="Google Shape;149;p24"/>
+          <p:cNvPr id="180" name="Google Shape;180;p26"/>
           <p:cNvSpPr txBox="1"/>
           <p:nvPr>
             <p:ph type="title"/>
@@ -7851,7 +9141,7 @@
       </p:sp>
       <p:sp>
         <p:nvSpPr>
-          <p:cNvPr id="150" name="Google Shape;150;p24"/>
+          <p:cNvPr id="181" name="Google Shape;181;p26"/>
           <p:cNvSpPr txBox="1"/>
           <p:nvPr>
             <p:ph idx="1" type="body"/>
@@ -7975,7 +9265,7 @@
       </p:sp>
       <p:sp>
         <p:nvSpPr>
-          <p:cNvPr id="151" name="Google Shape;151;p24"/>
+          <p:cNvPr id="182" name="Google Shape;182;p26"/>
           <p:cNvSpPr txBox="1"/>
           <p:nvPr>
             <p:ph idx="12" type="sldNum"/>
@@ -8028,7 +9318,7 @@
                 </a:solidFill>
                 <a:hlinkClick r:id="rId3"/>
               </a:rPr>
-              <a:t>https://profriehle.com</a:t>
+              <a:t>https://oss.cs.fau.de</a:t>
             </a:r>
             <a:r>
               <a:rPr b="0" lang="en" sz="900">
@@ -8038,7 +9328,11 @@
               </a:rPr>
               <a:t> </a:t>
             </a:r>
-            <a:endParaRPr/>
+            <a:endParaRPr b="0" sz="900">
+              <a:solidFill>
+                <a:schemeClr val="dk2"/>
+              </a:solidFill>
+            </a:endParaRPr>
           </a:p>
         </p:txBody>
       </p:sp>
@@ -8050,12 +9344,12 @@
 </p:sld>
 </file>
 
-<file path=ppt/slides/slide18.xml><?xml version="1.0" encoding="utf-8"?>
+<file path=ppt/slides/slide2.xml><?xml version="1.0" encoding="utf-8"?>
 <p:sld xmlns:a="http://schemas.openxmlformats.org/drawingml/2006/main" xmlns:r="http://schemas.openxmlformats.org/officeDocument/2006/relationships" xmlns:mc="http://schemas.openxmlformats.org/markup-compatibility/2006" xmlns:mv="urn:schemas-microsoft-com:mac:vml" xmlns:p="http://schemas.openxmlformats.org/presentationml/2006/main" xmlns:c="http://schemas.openxmlformats.org/drawingml/2006/chart" xmlns:dgm="http://schemas.openxmlformats.org/drawingml/2006/diagram" xmlns:o="urn:schemas-microsoft-com:office:office" xmlns:v="urn:schemas-microsoft-com:vml" xmlns:pvml="urn:schemas-microsoft-com:office:powerpoint" xmlns:com="http://schemas.openxmlformats.org/drawingml/2006/compatibility" xmlns:p14="http://schemas.microsoft.com/office/powerpoint/2010/main" xmlns:p15="http://schemas.microsoft.com/office/powerpoint/2012/main" xmlns:ahyp="http://schemas.microsoft.com/office/drawing/2018/hyperlinkcolor">
   <p:cSld>
     <p:spTree>
       <p:nvGrpSpPr>
-        <p:cNvPr id="155" name="Shape 155"/>
+        <p:cNvPr id="56" name="Shape 56"/>
         <p:cNvGrpSpPr/>
         <p:nvPr/>
       </p:nvGrpSpPr>
@@ -8069,7 +9363,286 @@
       </p:grpSpPr>
       <p:sp>
         <p:nvSpPr>
-          <p:cNvPr id="156" name="Google Shape;156;p25"/>
+          <p:cNvPr id="57" name="Google Shape;57;p9"/>
+          <p:cNvSpPr txBox="1"/>
+          <p:nvPr>
+            <p:ph type="title"/>
+          </p:nvPr>
+        </p:nvSpPr>
+        <p:spPr>
+          <a:xfrm>
+            <a:off x="0" y="0"/>
+            <a:ext cx="9144000" cy="685800"/>
+          </a:xfrm>
+          <a:prstGeom prst="rect">
+            <a:avLst/>
+          </a:prstGeom>
+        </p:spPr>
+        <p:txBody>
+          <a:bodyPr anchorCtr="0" anchor="ctr" bIns="91425" lIns="274300" spcFirstLastPara="1" rIns="91425" wrap="square" tIns="91425">
+            <a:noAutofit/>
+          </a:bodyPr>
+          <a:lstStyle/>
+          <a:p>
+            <a:pPr indent="0" lvl="0" marL="0" rtl="0" algn="l">
+              <a:spcBef>
+                <a:spcPts val="0"/>
+              </a:spcBef>
+              <a:spcAft>
+                <a:spcPts val="0"/>
+              </a:spcAft>
+              <a:buNone/>
+            </a:pPr>
+            <a:r>
+              <a:rPr lang="en"/>
+              <a:t>Course Goals</a:t>
+            </a:r>
+            <a:endParaRPr/>
+          </a:p>
+        </p:txBody>
+      </p:sp>
+      <p:sp>
+        <p:nvSpPr>
+          <p:cNvPr id="58" name="Google Shape;58;p9"/>
+          <p:cNvSpPr txBox="1"/>
+          <p:nvPr>
+            <p:ph idx="1" type="body"/>
+          </p:nvPr>
+        </p:nvSpPr>
+        <p:spPr>
+          <a:xfrm>
+            <a:off x="274320" y="914400"/>
+            <a:ext cx="8595300" cy="4114800"/>
+          </a:xfrm>
+          <a:prstGeom prst="rect">
+            <a:avLst/>
+          </a:prstGeom>
+        </p:spPr>
+        <p:txBody>
+          <a:bodyPr anchorCtr="0" anchor="t" bIns="0" lIns="0" spcFirstLastPara="1" rIns="0" wrap="square" tIns="0">
+            <a:noAutofit/>
+          </a:bodyPr>
+          <a:lstStyle/>
+          <a:p>
+            <a:pPr indent="0" lvl="0" marL="0" rtl="0" algn="l">
+              <a:spcBef>
+                <a:spcPts val="0"/>
+              </a:spcBef>
+              <a:spcAft>
+                <a:spcPts val="0"/>
+              </a:spcAft>
+              <a:buNone/>
+            </a:pPr>
+            <a:r>
+              <a:rPr lang="en"/>
+              <a:t>Learning objectives</a:t>
+            </a:r>
+            <a:endParaRPr/>
+          </a:p>
+          <a:p>
+            <a:pPr indent="-342900" lvl="0" marL="457200" rtl="0" algn="l">
+              <a:spcBef>
+                <a:spcPts val="1200"/>
+              </a:spcBef>
+              <a:spcAft>
+                <a:spcPts val="0"/>
+              </a:spcAft>
+              <a:buSzPts val="1800"/>
+              <a:buChar char="●"/>
+            </a:pPr>
+            <a:r>
+              <a:rPr lang="en"/>
+              <a:t>Learn to coach agile teams</a:t>
+            </a:r>
+            <a:endParaRPr/>
+          </a:p>
+          <a:p>
+            <a:pPr indent="-317500" lvl="1" marL="914400" rtl="0" algn="l">
+              <a:spcBef>
+                <a:spcPts val="0"/>
+              </a:spcBef>
+              <a:spcAft>
+                <a:spcPts val="0"/>
+              </a:spcAft>
+              <a:buSzPts val="1400"/>
+              <a:buChar char="○"/>
+            </a:pPr>
+            <a:r>
+              <a:rPr lang="en"/>
+              <a:t>Understand the role of the Scrum Master</a:t>
+            </a:r>
+            <a:endParaRPr/>
+          </a:p>
+          <a:p>
+            <a:pPr indent="-317500" lvl="1" marL="914400" rtl="0" algn="l">
+              <a:spcBef>
+                <a:spcPts val="0"/>
+              </a:spcBef>
+              <a:spcAft>
+                <a:spcPts val="0"/>
+              </a:spcAft>
+              <a:buSzPts val="1400"/>
+              <a:buChar char="○"/>
+            </a:pPr>
+            <a:r>
+              <a:rPr lang="en"/>
+              <a:t>Understand agile coaching</a:t>
+            </a:r>
+            <a:endParaRPr/>
+          </a:p>
+          <a:p>
+            <a:pPr indent="-317500" lvl="1" marL="914400" rtl="0" algn="l">
+              <a:spcBef>
+                <a:spcPts val="0"/>
+              </a:spcBef>
+              <a:spcAft>
+                <a:spcPts val="0"/>
+              </a:spcAft>
+              <a:buSzPts val="1400"/>
+              <a:buChar char="○"/>
+            </a:pPr>
+            <a:r>
+              <a:rPr lang="en"/>
+              <a:t>Understand coaching people and teams</a:t>
+            </a:r>
+            <a:endParaRPr/>
+          </a:p>
+          <a:p>
+            <a:pPr indent="0" lvl="0" marL="0" rtl="0" algn="l">
+              <a:spcBef>
+                <a:spcPts val="1200"/>
+              </a:spcBef>
+              <a:spcAft>
+                <a:spcPts val="0"/>
+              </a:spcAft>
+              <a:buNone/>
+            </a:pPr>
+            <a:r>
+              <a:rPr lang="en"/>
+              <a:t>Project objectives</a:t>
+            </a:r>
+            <a:endParaRPr/>
+          </a:p>
+          <a:p>
+            <a:pPr indent="-342900" lvl="0" marL="457200" rtl="0" algn="l">
+              <a:spcBef>
+                <a:spcPts val="1200"/>
+              </a:spcBef>
+              <a:spcAft>
+                <a:spcPts val="0"/>
+              </a:spcAft>
+              <a:buSzPts val="1800"/>
+              <a:buChar char="●"/>
+            </a:pPr>
+            <a:r>
+              <a:rPr lang="en"/>
+              <a:t>Help one AMOS project perform well</a:t>
+            </a:r>
+            <a:endParaRPr/>
+          </a:p>
+        </p:txBody>
+      </p:sp>
+      <p:sp>
+        <p:nvSpPr>
+          <p:cNvPr id="59" name="Google Shape;59;p9"/>
+          <p:cNvSpPr txBox="1"/>
+          <p:nvPr>
+            <p:ph idx="12" type="sldNum"/>
+          </p:nvPr>
+        </p:nvSpPr>
+        <p:spPr>
+          <a:xfrm>
+            <a:off x="7315202" y="4416550"/>
+            <a:ext cx="1828800" cy="731400"/>
+          </a:xfrm>
+          <a:prstGeom prst="rect">
+            <a:avLst/>
+          </a:prstGeom>
+        </p:spPr>
+        <p:txBody>
+          <a:bodyPr anchorCtr="0" anchor="b" bIns="91425" lIns="91425" spcFirstLastPara="1" rIns="91425" wrap="square" tIns="91425">
+            <a:noAutofit/>
+          </a:bodyPr>
+          <a:lstStyle/>
+          <a:p>
+            <a:pPr indent="0" lvl="0" marL="0" rtl="0" algn="r">
+              <a:spcBef>
+                <a:spcPts val="0"/>
+              </a:spcBef>
+              <a:spcAft>
+                <a:spcPts val="0"/>
+              </a:spcAft>
+              <a:buNone/>
+            </a:pPr>
+            <a:fld id="{00000000-1234-1234-1234-123412341234}" type="slidenum">
+              <a:rPr lang="en"/>
+              <a:t>‹#›</a:t>
+            </a:fld>
+            <a:endParaRPr/>
+          </a:p>
+          <a:p>
+            <a:pPr indent="0" lvl="0" marL="0" rtl="0" algn="r">
+              <a:spcBef>
+                <a:spcPts val="0"/>
+              </a:spcBef>
+              <a:spcAft>
+                <a:spcPts val="0"/>
+              </a:spcAft>
+              <a:buNone/>
+            </a:pPr>
+            <a:r>
+              <a:rPr b="0" lang="en" sz="900" u="sng">
+                <a:solidFill>
+                  <a:schemeClr val="hlink"/>
+                </a:solidFill>
+                <a:hlinkClick r:id="rId3"/>
+              </a:rPr>
+              <a:t>https://oss.cs.fau.de</a:t>
+            </a:r>
+            <a:r>
+              <a:rPr b="0" lang="en" sz="900">
+                <a:solidFill>
+                  <a:schemeClr val="dk2"/>
+                </a:solidFill>
+              </a:rPr>
+              <a:t> </a:t>
+            </a:r>
+            <a:endParaRPr b="0" sz="900">
+              <a:solidFill>
+                <a:schemeClr val="dk2"/>
+              </a:solidFill>
+            </a:endParaRPr>
+          </a:p>
+        </p:txBody>
+      </p:sp>
+    </p:spTree>
+  </p:cSld>
+  <p:clrMapOvr>
+    <a:masterClrMapping/>
+  </p:clrMapOvr>
+</p:sld>
+</file>
+
+<file path=ppt/slides/slide20.xml><?xml version="1.0" encoding="utf-8"?>
+<p:sld xmlns:a="http://schemas.openxmlformats.org/drawingml/2006/main" xmlns:r="http://schemas.openxmlformats.org/officeDocument/2006/relationships" xmlns:mc="http://schemas.openxmlformats.org/markup-compatibility/2006" xmlns:mv="urn:schemas-microsoft-com:mac:vml" xmlns:p="http://schemas.openxmlformats.org/presentationml/2006/main" xmlns:c="http://schemas.openxmlformats.org/drawingml/2006/chart" xmlns:dgm="http://schemas.openxmlformats.org/drawingml/2006/diagram" xmlns:o="urn:schemas-microsoft-com:office:office" xmlns:v="urn:schemas-microsoft-com:vml" xmlns:pvml="urn:schemas-microsoft-com:office:powerpoint" xmlns:com="http://schemas.openxmlformats.org/drawingml/2006/compatibility" xmlns:p14="http://schemas.microsoft.com/office/powerpoint/2010/main" xmlns:p15="http://schemas.microsoft.com/office/powerpoint/2012/main" xmlns:ahyp="http://schemas.microsoft.com/office/drawing/2018/hyperlinkcolor">
+  <p:cSld>
+    <p:spTree>
+      <p:nvGrpSpPr>
+        <p:cNvPr id="186" name="Shape 186"/>
+        <p:cNvGrpSpPr/>
+        <p:nvPr/>
+      </p:nvGrpSpPr>
+      <p:grpSpPr>
+        <a:xfrm>
+          <a:off x="0" y="0"/>
+          <a:ext cx="0" cy="0"/>
+          <a:chOff x="0" y="0"/>
+          <a:chExt cx="0" cy="0"/>
+        </a:xfrm>
+      </p:grpSpPr>
+      <p:sp>
+        <p:nvSpPr>
+          <p:cNvPr id="187" name="Google Shape;187;p27"/>
           <p:cNvSpPr txBox="1"/>
           <p:nvPr>
             <p:ph type="ctrTitle"/>
@@ -8109,7 +9682,7 @@
       </p:sp>
       <p:sp>
         <p:nvSpPr>
-          <p:cNvPr id="157" name="Google Shape;157;p25"/>
+          <p:cNvPr id="188" name="Google Shape;188;p27"/>
           <p:cNvSpPr txBox="1"/>
           <p:nvPr>
             <p:ph idx="1" type="subTitle"/>
@@ -8234,12 +9807,12 @@
 </p:sld>
 </file>
 
-<file path=ppt/slides/slide19.xml><?xml version="1.0" encoding="utf-8"?>
+<file path=ppt/slides/slide21.xml><?xml version="1.0" encoding="utf-8"?>
 <p:sld xmlns:a="http://schemas.openxmlformats.org/drawingml/2006/main" xmlns:r="http://schemas.openxmlformats.org/officeDocument/2006/relationships" xmlns:mc="http://schemas.openxmlformats.org/markup-compatibility/2006" xmlns:mv="urn:schemas-microsoft-com:mac:vml" xmlns:p="http://schemas.openxmlformats.org/presentationml/2006/main" xmlns:c="http://schemas.openxmlformats.org/drawingml/2006/chart" xmlns:dgm="http://schemas.openxmlformats.org/drawingml/2006/diagram" xmlns:o="urn:schemas-microsoft-com:office:office" xmlns:v="urn:schemas-microsoft-com:vml" xmlns:pvml="urn:schemas-microsoft-com:office:powerpoint" xmlns:com="http://schemas.openxmlformats.org/drawingml/2006/compatibility" xmlns:p14="http://schemas.microsoft.com/office/powerpoint/2010/main" xmlns:p15="http://schemas.microsoft.com/office/powerpoint/2012/main" xmlns:ahyp="http://schemas.microsoft.com/office/drawing/2018/hyperlinkcolor">
   <p:cSld>
     <p:spTree>
       <p:nvGrpSpPr>
-        <p:cNvPr id="161" name="Shape 161"/>
+        <p:cNvPr id="192" name="Shape 192"/>
         <p:cNvGrpSpPr/>
         <p:nvPr/>
       </p:nvGrpSpPr>
@@ -8253,7 +9826,7 @@
       </p:grpSpPr>
       <p:sp>
         <p:nvSpPr>
-          <p:cNvPr id="162" name="Google Shape;162;p26"/>
+          <p:cNvPr id="193" name="Google Shape;193;p28"/>
           <p:cNvSpPr txBox="1"/>
           <p:nvPr>
             <p:ph type="title"/>
@@ -8293,7 +9866,7 @@
       </p:sp>
       <p:sp>
         <p:nvSpPr>
-          <p:cNvPr id="163" name="Google Shape;163;p26"/>
+          <p:cNvPr id="194" name="Google Shape;194;p28"/>
           <p:cNvSpPr txBox="1"/>
           <p:nvPr>
             <p:ph idx="12" type="sldNum"/>
@@ -8346,7 +9919,7 @@
                 </a:solidFill>
                 <a:hlinkClick r:id="rId3"/>
               </a:rPr>
-              <a:t>https://profriehle.com</a:t>
+              <a:t>https://oss.cs.fau.de</a:t>
             </a:r>
             <a:r>
               <a:rPr b="0" lang="en" sz="900">
@@ -8356,13 +9929,17 @@
               </a:rPr>
               <a:t> </a:t>
             </a:r>
-            <a:endParaRPr/>
+            <a:endParaRPr b="0" sz="900">
+              <a:solidFill>
+                <a:schemeClr val="dk2"/>
+              </a:solidFill>
+            </a:endParaRPr>
           </a:p>
         </p:txBody>
       </p:sp>
       <p:sp>
         <p:nvSpPr>
-          <p:cNvPr id="164" name="Google Shape;164;p26"/>
+          <p:cNvPr id="195" name="Google Shape;195;p28"/>
           <p:cNvSpPr txBox="1"/>
           <p:nvPr>
             <p:ph idx="1" type="body"/>
@@ -8486,12 +10063,12 @@
 </p:sld>
 </file>
 
-<file path=ppt/slides/slide2.xml><?xml version="1.0" encoding="utf-8"?>
+<file path=ppt/slides/slide3.xml><?xml version="1.0" encoding="utf-8"?>
 <p:sld xmlns:a="http://schemas.openxmlformats.org/drawingml/2006/main" xmlns:r="http://schemas.openxmlformats.org/officeDocument/2006/relationships" xmlns:mc="http://schemas.openxmlformats.org/markup-compatibility/2006" xmlns:mv="urn:schemas-microsoft-com:mac:vml" xmlns:p="http://schemas.openxmlformats.org/presentationml/2006/main" xmlns:c="http://schemas.openxmlformats.org/drawingml/2006/chart" xmlns:dgm="http://schemas.openxmlformats.org/drawingml/2006/diagram" xmlns:o="urn:schemas-microsoft-com:office:office" xmlns:v="urn:schemas-microsoft-com:vml" xmlns:pvml="urn:schemas-microsoft-com:office:powerpoint" xmlns:com="http://schemas.openxmlformats.org/drawingml/2006/compatibility" xmlns:p14="http://schemas.microsoft.com/office/powerpoint/2010/main" xmlns:p15="http://schemas.microsoft.com/office/powerpoint/2012/main" xmlns:ahyp="http://schemas.microsoft.com/office/drawing/2018/hyperlinkcolor">
   <p:cSld>
     <p:spTree>
       <p:nvGrpSpPr>
-        <p:cNvPr id="41" name="Shape 41"/>
+        <p:cNvPr id="63" name="Shape 63"/>
         <p:cNvGrpSpPr/>
         <p:nvPr/>
       </p:nvGrpSpPr>
@@ -8505,7 +10082,7 @@
       </p:grpSpPr>
       <p:sp>
         <p:nvSpPr>
-          <p:cNvPr id="42" name="Google Shape;42;p9"/>
+          <p:cNvPr id="64" name="Google Shape;64;p10"/>
           <p:cNvSpPr txBox="1"/>
           <p:nvPr>
             <p:ph type="title"/>
@@ -8537,7 +10114,11 @@
             </a:pPr>
             <a:r>
               <a:rPr lang="en"/>
-              <a:t>Course Goals</a:t>
+              <a:t>S</a:t>
+            </a:r>
+            <a:r>
+              <a:rPr lang="en"/>
+              <a:t>kills Required for Course</a:t>
             </a:r>
             <a:endParaRPr/>
           </a:p>
@@ -8545,7 +10126,7 @@
       </p:sp>
       <p:sp>
         <p:nvSpPr>
-          <p:cNvPr id="43" name="Google Shape;43;p9"/>
+          <p:cNvPr id="65" name="Google Shape;65;p10"/>
           <p:cNvSpPr txBox="1"/>
           <p:nvPr>
             <p:ph idx="1" type="body"/>
@@ -8577,7 +10158,7 @@
             </a:pPr>
             <a:r>
               <a:rPr lang="en"/>
-              <a:t>Learning objectives</a:t>
+              <a:t>Prerequisites</a:t>
             </a:r>
             <a:endParaRPr/>
           </a:p>
@@ -8594,74 +10175,23 @@
             </a:pPr>
             <a:r>
               <a:rPr lang="en"/>
-              <a:t>Learn to coach agile teams</a:t>
+              <a:t>Successful completion of a past AMOS Project</a:t>
             </a:r>
             <a:endParaRPr/>
           </a:p>
           <a:p>
-            <a:pPr indent="-317500" lvl="1" marL="914400" rtl="0" algn="l">
-              <a:spcBef>
-                <a:spcPts val="0"/>
-              </a:spcBef>
-              <a:spcAft>
-                <a:spcPts val="0"/>
-              </a:spcAft>
-              <a:buSzPts val="1400"/>
-              <a:buChar char="○"/>
+            <a:pPr indent="0" lvl="0" marL="0" rtl="0" algn="l">
+              <a:spcBef>
+                <a:spcPts val="1200"/>
+              </a:spcBef>
+              <a:spcAft>
+                <a:spcPts val="0"/>
+              </a:spcAft>
+              <a:buNone/>
             </a:pPr>
             <a:r>
               <a:rPr lang="en"/>
-              <a:t>Understand the role of the Scrum Master</a:t>
-            </a:r>
-            <a:endParaRPr/>
-          </a:p>
-          <a:p>
-            <a:pPr indent="-317500" lvl="1" marL="914400" rtl="0" algn="l">
-              <a:spcBef>
-                <a:spcPts val="0"/>
-              </a:spcBef>
-              <a:spcAft>
-                <a:spcPts val="0"/>
-              </a:spcAft>
-              <a:buSzPts val="1400"/>
-              <a:buChar char="○"/>
-            </a:pPr>
-            <a:r>
-              <a:rPr lang="en"/>
-              <a:t>Understand agile coaching</a:t>
-            </a:r>
-            <a:endParaRPr/>
-          </a:p>
-          <a:p>
-            <a:pPr indent="-317500" lvl="1" marL="914400" rtl="0" algn="l">
-              <a:spcBef>
-                <a:spcPts val="0"/>
-              </a:spcBef>
-              <a:spcAft>
-                <a:spcPts val="0"/>
-              </a:spcAft>
-              <a:buSzPts val="1400"/>
-              <a:buChar char="○"/>
-            </a:pPr>
-            <a:r>
-              <a:rPr lang="en"/>
-              <a:t>Understand coaching people and teams</a:t>
-            </a:r>
-            <a:endParaRPr/>
-          </a:p>
-          <a:p>
-            <a:pPr indent="0" lvl="0" marL="0" rtl="0" algn="l">
-              <a:spcBef>
-                <a:spcPts val="1200"/>
-              </a:spcBef>
-              <a:spcAft>
-                <a:spcPts val="0"/>
-              </a:spcAft>
-              <a:buNone/>
-            </a:pPr>
-            <a:r>
-              <a:rPr lang="en"/>
-              <a:t>Project objectives</a:t>
+              <a:t>Required skills</a:t>
             </a:r>
             <a:endParaRPr/>
           </a:p>
@@ -8678,7 +10208,74 @@
             </a:pPr>
             <a:r>
               <a:rPr lang="en"/>
-              <a:t>Help one AMOS project perform well</a:t>
+              <a:t>Willingness to apply social competence in project</a:t>
+            </a:r>
+            <a:endParaRPr/>
+          </a:p>
+          <a:p>
+            <a:pPr indent="-342900" lvl="0" marL="457200" rtl="0" algn="l">
+              <a:spcBef>
+                <a:spcPts val="0"/>
+              </a:spcBef>
+              <a:spcAft>
+                <a:spcPts val="0"/>
+              </a:spcAft>
+              <a:buSzPts val="1800"/>
+              <a:buChar char="●"/>
+            </a:pPr>
+            <a:r>
+              <a:rPr lang="en"/>
+              <a:t>Good in verbal and written communication</a:t>
+            </a:r>
+            <a:endParaRPr/>
+          </a:p>
+          <a:p>
+            <a:pPr indent="-342900" lvl="0" marL="457200" rtl="0" algn="l">
+              <a:spcBef>
+                <a:spcPts val="0"/>
+              </a:spcBef>
+              <a:spcAft>
+                <a:spcPts val="0"/>
+              </a:spcAft>
+              <a:buSzPts val="1800"/>
+              <a:buChar char="●"/>
+            </a:pPr>
+            <a:r>
+              <a:rPr lang="en"/>
+              <a:t>Ability to be observant and hands-off</a:t>
+            </a:r>
+            <a:endParaRPr/>
+          </a:p>
+          <a:p>
+            <a:pPr indent="-342900" lvl="0" marL="457200" rtl="0" algn="l">
+              <a:spcBef>
+                <a:spcPts val="0"/>
+              </a:spcBef>
+              <a:spcAft>
+                <a:spcPts val="0"/>
+              </a:spcAft>
+              <a:buSzPts val="1800"/>
+              <a:buChar char="●"/>
+            </a:pPr>
+            <a:r>
+              <a:rPr lang="en"/>
+              <a:t>Ability to be hands-on if necessary</a:t>
+            </a:r>
+            <a:endParaRPr/>
+          </a:p>
+          <a:p>
+            <a:pPr indent="0" lvl="0" marL="0" rtl="0" algn="l">
+              <a:spcBef>
+                <a:spcPts val="1200"/>
+              </a:spcBef>
+              <a:spcAft>
+                <a:spcPts val="1200"/>
+              </a:spcAft>
+              <a:buNone/>
+            </a:pPr>
+            <a:r>
+              <a:rPr lang="en"/>
+              <a:t>Be a servant-leader</a:t>
             </a:r>
             <a:endParaRPr/>
           </a:p>
@@ -8686,7 +10283,7 @@
       </p:sp>
       <p:sp>
         <p:nvSpPr>
-          <p:cNvPr id="44" name="Google Shape;44;p9"/>
+          <p:cNvPr id="66" name="Google Shape;66;p10"/>
           <p:cNvSpPr txBox="1"/>
           <p:nvPr>
             <p:ph idx="12" type="sldNum"/>
@@ -8739,7 +10336,7 @@
                 </a:solidFill>
                 <a:hlinkClick r:id="rId3"/>
               </a:rPr>
-              <a:t>https://profriehle.com</a:t>
+              <a:t>https://oss.cs.fau.de</a:t>
             </a:r>
             <a:r>
               <a:rPr b="0" lang="en" sz="900">
@@ -8749,7 +10346,11 @@
               </a:rPr>
               <a:t> </a:t>
             </a:r>
-            <a:endParaRPr/>
+            <a:endParaRPr b="0" sz="900">
+              <a:solidFill>
+                <a:schemeClr val="dk2"/>
+              </a:solidFill>
+            </a:endParaRPr>
           </a:p>
         </p:txBody>
       </p:sp>
@@ -8761,12 +10362,12 @@
 </p:sld>
 </file>
 
-<file path=ppt/slides/slide3.xml><?xml version="1.0" encoding="utf-8"?>
+<file path=ppt/slides/slide4.xml><?xml version="1.0" encoding="utf-8"?>
 <p:sld xmlns:a="http://schemas.openxmlformats.org/drawingml/2006/main" xmlns:r="http://schemas.openxmlformats.org/officeDocument/2006/relationships" xmlns:mc="http://schemas.openxmlformats.org/markup-compatibility/2006" xmlns:mv="urn:schemas-microsoft-com:mac:vml" xmlns:p="http://schemas.openxmlformats.org/presentationml/2006/main" xmlns:c="http://schemas.openxmlformats.org/drawingml/2006/chart" xmlns:dgm="http://schemas.openxmlformats.org/drawingml/2006/diagram" xmlns:o="urn:schemas-microsoft-com:office:office" xmlns:v="urn:schemas-microsoft-com:vml" xmlns:pvml="urn:schemas-microsoft-com:office:powerpoint" xmlns:com="http://schemas.openxmlformats.org/drawingml/2006/compatibility" xmlns:p14="http://schemas.microsoft.com/office/powerpoint/2010/main" xmlns:p15="http://schemas.microsoft.com/office/powerpoint/2012/main" xmlns:ahyp="http://schemas.microsoft.com/office/drawing/2018/hyperlinkcolor">
   <p:cSld>
     <p:spTree>
       <p:nvGrpSpPr>
-        <p:cNvPr id="48" name="Shape 48"/>
+        <p:cNvPr id="70" name="Shape 70"/>
         <p:cNvGrpSpPr/>
         <p:nvPr/>
       </p:nvGrpSpPr>
@@ -8780,7 +10381,7 @@
       </p:grpSpPr>
       <p:sp>
         <p:nvSpPr>
-          <p:cNvPr id="49" name="Google Shape;49;p10"/>
+          <p:cNvPr id="71" name="Google Shape;71;p11"/>
           <p:cNvSpPr txBox="1"/>
           <p:nvPr>
             <p:ph type="title"/>
@@ -8796,7 +10397,7 @@
           </a:prstGeom>
         </p:spPr>
         <p:txBody>
-          <a:bodyPr anchorCtr="0" anchor="ctr" bIns="91425" lIns="274300" spcFirstLastPara="1" rIns="91425" wrap="square" tIns="91425">
+          <a:bodyPr anchorCtr="0" anchor="ctr" bIns="0" lIns="274300" spcFirstLastPara="1" rIns="0" wrap="square" tIns="0">
             <a:noAutofit/>
           </a:bodyPr>
           <a:lstStyle/>
@@ -8812,11 +10413,7 @@
             </a:pPr>
             <a:r>
               <a:rPr lang="en"/>
-              <a:t>S</a:t>
-            </a:r>
-            <a:r>
-              <a:rPr lang="en"/>
-              <a:t>kills Required for Course</a:t>
+              <a:t>Course Position in Curriculum</a:t>
             </a:r>
             <a:endParaRPr/>
           </a:p>
@@ -8824,164 +10421,7 @@
       </p:sp>
       <p:sp>
         <p:nvSpPr>
-          <p:cNvPr id="50" name="Google Shape;50;p10"/>
-          <p:cNvSpPr txBox="1"/>
-          <p:nvPr>
-            <p:ph idx="1" type="body"/>
-          </p:nvPr>
-        </p:nvSpPr>
-        <p:spPr>
-          <a:xfrm>
-            <a:off x="274320" y="914400"/>
-            <a:ext cx="8595300" cy="4114800"/>
-          </a:xfrm>
-          <a:prstGeom prst="rect">
-            <a:avLst/>
-          </a:prstGeom>
-        </p:spPr>
-        <p:txBody>
-          <a:bodyPr anchorCtr="0" anchor="t" bIns="0" lIns="0" spcFirstLastPara="1" rIns="0" wrap="square" tIns="0">
-            <a:noAutofit/>
-          </a:bodyPr>
-          <a:lstStyle/>
-          <a:p>
-            <a:pPr indent="0" lvl="0" marL="0" rtl="0" algn="l">
-              <a:spcBef>
-                <a:spcPts val="0"/>
-              </a:spcBef>
-              <a:spcAft>
-                <a:spcPts val="0"/>
-              </a:spcAft>
-              <a:buNone/>
-            </a:pPr>
-            <a:r>
-              <a:rPr lang="en"/>
-              <a:t>Prerequisites</a:t>
-            </a:r>
-            <a:endParaRPr/>
-          </a:p>
-          <a:p>
-            <a:pPr indent="-342900" lvl="0" marL="457200" rtl="0" algn="l">
-              <a:spcBef>
-                <a:spcPts val="1200"/>
-              </a:spcBef>
-              <a:spcAft>
-                <a:spcPts val="0"/>
-              </a:spcAft>
-              <a:buSzPts val="1800"/>
-              <a:buChar char="●"/>
-            </a:pPr>
-            <a:r>
-              <a:rPr lang="en"/>
-              <a:t>Successful completion of a past AMOS Project</a:t>
-            </a:r>
-            <a:endParaRPr/>
-          </a:p>
-          <a:p>
-            <a:pPr indent="0" lvl="0" marL="0" rtl="0" algn="l">
-              <a:spcBef>
-                <a:spcPts val="1200"/>
-              </a:spcBef>
-              <a:spcAft>
-                <a:spcPts val="0"/>
-              </a:spcAft>
-              <a:buNone/>
-            </a:pPr>
-            <a:r>
-              <a:rPr lang="en"/>
-              <a:t>Required skills</a:t>
-            </a:r>
-            <a:endParaRPr/>
-          </a:p>
-          <a:p>
-            <a:pPr indent="-342900" lvl="0" marL="457200" rtl="0" algn="l">
-              <a:spcBef>
-                <a:spcPts val="1200"/>
-              </a:spcBef>
-              <a:spcAft>
-                <a:spcPts val="0"/>
-              </a:spcAft>
-              <a:buSzPts val="1800"/>
-              <a:buChar char="●"/>
-            </a:pPr>
-            <a:r>
-              <a:rPr lang="en"/>
-              <a:t>Willingness to apply social competence in project</a:t>
-            </a:r>
-            <a:endParaRPr/>
-          </a:p>
-          <a:p>
-            <a:pPr indent="-342900" lvl="0" marL="457200" rtl="0" algn="l">
-              <a:spcBef>
-                <a:spcPts val="0"/>
-              </a:spcBef>
-              <a:spcAft>
-                <a:spcPts val="0"/>
-              </a:spcAft>
-              <a:buSzPts val="1800"/>
-              <a:buChar char="●"/>
-            </a:pPr>
-            <a:r>
-              <a:rPr lang="en"/>
-              <a:t>Good in verbal and written communication</a:t>
-            </a:r>
-            <a:endParaRPr/>
-          </a:p>
-          <a:p>
-            <a:pPr indent="-342900" lvl="0" marL="457200" rtl="0" algn="l">
-              <a:spcBef>
-                <a:spcPts val="0"/>
-              </a:spcBef>
-              <a:spcAft>
-                <a:spcPts val="0"/>
-              </a:spcAft>
-              <a:buSzPts val="1800"/>
-              <a:buChar char="●"/>
-            </a:pPr>
-            <a:r>
-              <a:rPr lang="en"/>
-              <a:t>Ability to be observant and hands-off</a:t>
-            </a:r>
-            <a:endParaRPr/>
-          </a:p>
-          <a:p>
-            <a:pPr indent="-342900" lvl="0" marL="457200" rtl="0" algn="l">
-              <a:spcBef>
-                <a:spcPts val="0"/>
-              </a:spcBef>
-              <a:spcAft>
-                <a:spcPts val="0"/>
-              </a:spcAft>
-              <a:buSzPts val="1800"/>
-              <a:buChar char="●"/>
-            </a:pPr>
-            <a:r>
-              <a:rPr lang="en"/>
-              <a:t>Ability to be hands-on if necessary</a:t>
-            </a:r>
-            <a:endParaRPr/>
-          </a:p>
-          <a:p>
-            <a:pPr indent="0" lvl="0" marL="0" rtl="0" algn="l">
-              <a:spcBef>
-                <a:spcPts val="1200"/>
-              </a:spcBef>
-              <a:spcAft>
-                <a:spcPts val="1200"/>
-              </a:spcAft>
-              <a:buNone/>
-            </a:pPr>
-            <a:r>
-              <a:rPr lang="en"/>
-              <a:t>Be a servant-leader</a:t>
-            </a:r>
-            <a:endParaRPr/>
-          </a:p>
-        </p:txBody>
-      </p:sp>
-      <p:sp>
-        <p:nvSpPr>
-          <p:cNvPr id="51" name="Google Shape;51;p10"/>
+          <p:cNvPr id="72" name="Google Shape;72;p11"/>
           <p:cNvSpPr txBox="1"/>
           <p:nvPr>
             <p:ph idx="12" type="sldNum"/>
@@ -9034,7 +10474,7 @@
                 </a:solidFill>
                 <a:hlinkClick r:id="rId3"/>
               </a:rPr>
-              <a:t>https://profriehle.com</a:t>
+              <a:t>https://oss.cs.fau.de</a:t>
             </a:r>
             <a:r>
               <a:rPr b="0" lang="en" sz="900">
@@ -9044,147 +10484,17 @@
               </a:rPr>
               <a:t> </a:t>
             </a:r>
-            <a:endParaRPr/>
-          </a:p>
-        </p:txBody>
-      </p:sp>
-    </p:spTree>
-  </p:cSld>
-  <p:clrMapOvr>
-    <a:masterClrMapping/>
-  </p:clrMapOvr>
-</p:sld>
-</file>
-
-<file path=ppt/slides/slide4.xml><?xml version="1.0" encoding="utf-8"?>
-<p:sld xmlns:a="http://schemas.openxmlformats.org/drawingml/2006/main" xmlns:r="http://schemas.openxmlformats.org/officeDocument/2006/relationships" xmlns:mc="http://schemas.openxmlformats.org/markup-compatibility/2006" xmlns:mv="urn:schemas-microsoft-com:mac:vml" xmlns:p="http://schemas.openxmlformats.org/presentationml/2006/main" xmlns:c="http://schemas.openxmlformats.org/drawingml/2006/chart" xmlns:dgm="http://schemas.openxmlformats.org/drawingml/2006/diagram" xmlns:o="urn:schemas-microsoft-com:office:office" xmlns:v="urn:schemas-microsoft-com:vml" xmlns:pvml="urn:schemas-microsoft-com:office:powerpoint" xmlns:com="http://schemas.openxmlformats.org/drawingml/2006/compatibility" xmlns:p14="http://schemas.microsoft.com/office/powerpoint/2010/main" xmlns:p15="http://schemas.microsoft.com/office/powerpoint/2012/main" xmlns:ahyp="http://schemas.microsoft.com/office/drawing/2018/hyperlinkcolor">
-  <p:cSld>
-    <p:spTree>
-      <p:nvGrpSpPr>
-        <p:cNvPr id="55" name="Shape 55"/>
-        <p:cNvGrpSpPr/>
-        <p:nvPr/>
-      </p:nvGrpSpPr>
-      <p:grpSpPr>
-        <a:xfrm>
-          <a:off x="0" y="0"/>
-          <a:ext cx="0" cy="0"/>
-          <a:chOff x="0" y="0"/>
-          <a:chExt cx="0" cy="0"/>
-        </a:xfrm>
-      </p:grpSpPr>
-      <p:sp>
-        <p:nvSpPr>
-          <p:cNvPr id="56" name="Google Shape;56;p11"/>
-          <p:cNvSpPr txBox="1"/>
-          <p:nvPr>
-            <p:ph type="title"/>
-          </p:nvPr>
-        </p:nvSpPr>
-        <p:spPr>
-          <a:xfrm>
-            <a:off x="0" y="0"/>
-            <a:ext cx="9144000" cy="685800"/>
-          </a:xfrm>
-          <a:prstGeom prst="rect">
-            <a:avLst/>
-          </a:prstGeom>
-        </p:spPr>
-        <p:txBody>
-          <a:bodyPr anchorCtr="0" anchor="ctr" bIns="0" lIns="274300" spcFirstLastPara="1" rIns="0" wrap="square" tIns="0">
-            <a:noAutofit/>
-          </a:bodyPr>
-          <a:lstStyle/>
-          <a:p>
-            <a:pPr indent="0" lvl="0" marL="0" rtl="0" algn="l">
-              <a:spcBef>
-                <a:spcPts val="0"/>
-              </a:spcBef>
-              <a:spcAft>
-                <a:spcPts val="0"/>
-              </a:spcAft>
-              <a:buNone/>
-            </a:pPr>
-            <a:r>
-              <a:rPr lang="en"/>
-              <a:t>Course Position in Curriculum</a:t>
-            </a:r>
-            <a:endParaRPr/>
-          </a:p>
-        </p:txBody>
-      </p:sp>
-      <p:sp>
-        <p:nvSpPr>
-          <p:cNvPr id="57" name="Google Shape;57;p11"/>
-          <p:cNvSpPr txBox="1"/>
-          <p:nvPr>
-            <p:ph idx="12" type="sldNum"/>
-          </p:nvPr>
-        </p:nvSpPr>
-        <p:spPr>
-          <a:xfrm>
-            <a:off x="7315202" y="4416550"/>
-            <a:ext cx="1828800" cy="731400"/>
-          </a:xfrm>
-          <a:prstGeom prst="rect">
-            <a:avLst/>
-          </a:prstGeom>
-        </p:spPr>
-        <p:txBody>
-          <a:bodyPr anchorCtr="0" anchor="b" bIns="91425" lIns="91425" spcFirstLastPara="1" rIns="91425" wrap="square" tIns="91425">
-            <a:noAutofit/>
-          </a:bodyPr>
-          <a:lstStyle/>
-          <a:p>
-            <a:pPr indent="0" lvl="0" marL="0" rtl="0" algn="r">
-              <a:spcBef>
-                <a:spcPts val="0"/>
-              </a:spcBef>
-              <a:spcAft>
-                <a:spcPts val="0"/>
-              </a:spcAft>
-              <a:buNone/>
-            </a:pPr>
-            <a:fld id="{00000000-1234-1234-1234-123412341234}" type="slidenum">
-              <a:rPr lang="en"/>
-              <a:t>‹#›</a:t>
-            </a:fld>
-            <a:endParaRPr/>
-          </a:p>
-          <a:p>
-            <a:pPr indent="0" lvl="0" marL="0" rtl="0" algn="r">
-              <a:spcBef>
-                <a:spcPts val="0"/>
-              </a:spcBef>
-              <a:spcAft>
-                <a:spcPts val="0"/>
-              </a:spcAft>
-              <a:buNone/>
-            </a:pPr>
-            <a:r>
-              <a:rPr b="0" lang="en" sz="900" u="sng">
-                <a:solidFill>
-                  <a:schemeClr val="hlink"/>
-                </a:solidFill>
-                <a:hlinkClick r:id="rId3"/>
-              </a:rPr>
-              <a:t>https://profriehle.com</a:t>
-            </a:r>
-            <a:r>
-              <a:rPr b="0" lang="en" sz="900">
-                <a:solidFill>
-                  <a:schemeClr val="dk2"/>
-                </a:solidFill>
-              </a:rPr>
-              <a:t> </a:t>
-            </a:r>
-            <a:endParaRPr/>
+            <a:endParaRPr>
+              <a:solidFill>
+                <a:schemeClr val="dk2"/>
+              </a:solidFill>
+            </a:endParaRPr>
           </a:p>
         </p:txBody>
       </p:sp>
       <p:pic>
         <p:nvPicPr>
-          <p:cNvPr id="58" name="Google Shape;58;p11"/>
+          <p:cNvPr id="73" name="Google Shape;73;p11"/>
           <p:cNvPicPr preferRelativeResize="0"/>
           <p:nvPr/>
         </p:nvPicPr>
@@ -9199,7 +10509,7 @@
         <p:spPr>
           <a:xfrm>
             <a:off x="274320" y="914400"/>
-            <a:ext cx="8595358" cy="3613749"/>
+            <a:ext cx="8595360" cy="3502840"/>
           </a:xfrm>
           <a:prstGeom prst="rect">
             <a:avLst/>
@@ -9223,7 +10533,7 @@
   <p:cSld>
     <p:spTree>
       <p:nvGrpSpPr>
-        <p:cNvPr id="62" name="Shape 62"/>
+        <p:cNvPr id="77" name="Shape 77"/>
         <p:cNvGrpSpPr/>
         <p:nvPr/>
       </p:nvGrpSpPr>
@@ -9237,7 +10547,7 @@
       </p:grpSpPr>
       <p:sp>
         <p:nvSpPr>
-          <p:cNvPr id="63" name="Google Shape;63;p12"/>
+          <p:cNvPr id="78" name="Google Shape;78;p12"/>
           <p:cNvSpPr txBox="1"/>
           <p:nvPr>
             <p:ph type="title"/>
@@ -9277,7 +10587,7 @@
       </p:sp>
       <p:sp>
         <p:nvSpPr>
-          <p:cNvPr id="64" name="Google Shape;64;p12"/>
+          <p:cNvPr id="79" name="Google Shape;79;p12"/>
           <p:cNvSpPr txBox="1"/>
           <p:nvPr>
             <p:ph idx="12" type="sldNum"/>
@@ -9330,7 +10640,7 @@
                 </a:solidFill>
                 <a:hlinkClick r:id="rId3"/>
               </a:rPr>
-              <a:t>https://profriehle.com</a:t>
+              <a:t>https://oss.cs.fau.de</a:t>
             </a:r>
             <a:r>
               <a:rPr b="0" lang="en" sz="900">
@@ -9340,13 +10650,17 @@
               </a:rPr>
               <a:t> </a:t>
             </a:r>
-            <a:endParaRPr/>
+            <a:endParaRPr b="0" sz="900">
+              <a:solidFill>
+                <a:schemeClr val="dk2"/>
+              </a:solidFill>
+            </a:endParaRPr>
           </a:p>
         </p:txBody>
       </p:sp>
       <p:graphicFrame>
         <p:nvGraphicFramePr>
-          <p:cNvPr id="65" name="Google Shape;65;p12"/>
+          <p:cNvPr id="80" name="Google Shape;80;p12"/>
           <p:cNvGraphicFramePr/>
           <p:nvPr/>
         </p:nvGraphicFramePr>
@@ -9359,7 +10673,7 @@
             <a:tbl>
               <a:tblPr>
                 <a:noFill/>
-                <a:tableStyleId>{CCA6CEB4-5765-42C4-B45B-978D5D584A35}</a:tableStyleId>
+                <a:tableStyleId>{A70FF0FD-2C48-4F5F-9553-A755B41E33DC}</a:tableStyleId>
               </a:tblPr>
               <a:tblGrid>
                 <a:gridCol w="1432575"/>
@@ -11175,7 +12489,7 @@
   <p:cSld>
     <p:spTree>
       <p:nvGrpSpPr>
-        <p:cNvPr id="69" name="Shape 69"/>
+        <p:cNvPr id="84" name="Shape 84"/>
         <p:cNvGrpSpPr/>
         <p:nvPr/>
       </p:nvGrpSpPr>
@@ -11189,7 +12503,7 @@
       </p:grpSpPr>
       <p:sp>
         <p:nvSpPr>
-          <p:cNvPr id="70" name="Google Shape;70;p13"/>
+          <p:cNvPr id="85" name="Google Shape;85;p13"/>
           <p:cNvSpPr txBox="1"/>
           <p:nvPr>
             <p:ph type="title"/>
@@ -11229,7 +12543,7 @@
       </p:sp>
       <p:graphicFrame>
         <p:nvGraphicFramePr>
-          <p:cNvPr id="71" name="Google Shape;71;p13"/>
+          <p:cNvPr id="86" name="Google Shape;86;p13"/>
           <p:cNvGraphicFramePr/>
           <p:nvPr/>
         </p:nvGraphicFramePr>
@@ -11242,7 +12556,7 @@
             <a:tbl>
               <a:tblPr>
                 <a:noFill/>
-                <a:tableStyleId>{CCA6CEB4-5765-42C4-B45B-978D5D584A35}</a:tableStyleId>
+                <a:tableStyleId>{A70FF0FD-2C48-4F5F-9553-A755B41E33DC}</a:tableStyleId>
               </a:tblPr>
               <a:tblGrid>
                 <a:gridCol w="1432550"/>
@@ -13205,7 +14519,7 @@
       </p:graphicFrame>
       <p:sp>
         <p:nvSpPr>
-          <p:cNvPr id="72" name="Google Shape;72;p13"/>
+          <p:cNvPr id="87" name="Google Shape;87;p13"/>
           <p:cNvSpPr txBox="1"/>
           <p:nvPr>
             <p:ph idx="12" type="sldNum"/>
@@ -13258,7 +14572,7 @@
                 </a:solidFill>
                 <a:hlinkClick r:id="rId3"/>
               </a:rPr>
-              <a:t>https://profriehle.com</a:t>
+              <a:t>https://oss.cs.fau.de</a:t>
             </a:r>
             <a:r>
               <a:rPr b="0" lang="en" sz="900">
@@ -13268,13 +14582,17 @@
               </a:rPr>
               <a:t> </a:t>
             </a:r>
-            <a:endParaRPr/>
+            <a:endParaRPr>
+              <a:solidFill>
+                <a:schemeClr val="dk2"/>
+              </a:solidFill>
+            </a:endParaRPr>
           </a:p>
         </p:txBody>
       </p:sp>
       <p:sp>
         <p:nvSpPr>
-          <p:cNvPr id="73" name="Google Shape;73;p13"/>
+          <p:cNvPr id="88" name="Google Shape;88;p13"/>
           <p:cNvSpPr txBox="1"/>
           <p:nvPr/>
         </p:nvSpPr>
@@ -13343,7 +14661,7 @@
   <p:cSld>
     <p:spTree>
       <p:nvGrpSpPr>
-        <p:cNvPr id="77" name="Shape 77"/>
+        <p:cNvPr id="92" name="Shape 92"/>
         <p:cNvGrpSpPr/>
         <p:nvPr/>
       </p:nvGrpSpPr>
@@ -13357,7 +14675,7 @@
       </p:grpSpPr>
       <p:sp>
         <p:nvSpPr>
-          <p:cNvPr id="78" name="Google Shape;78;p14"/>
+          <p:cNvPr id="93" name="Google Shape;93;p14"/>
           <p:cNvSpPr txBox="1"/>
           <p:nvPr>
             <p:ph type="title"/>
@@ -13397,7 +14715,7 @@
       </p:sp>
       <p:sp>
         <p:nvSpPr>
-          <p:cNvPr id="79" name="Google Shape;79;p14"/>
+          <p:cNvPr id="94" name="Google Shape;94;p14"/>
           <p:cNvSpPr txBox="1"/>
           <p:nvPr>
             <p:ph idx="1" type="body"/>
@@ -13513,7 +14831,7 @@
       </p:sp>
       <p:sp>
         <p:nvSpPr>
-          <p:cNvPr id="80" name="Google Shape;80;p14"/>
+          <p:cNvPr id="95" name="Google Shape;95;p14"/>
           <p:cNvSpPr txBox="1"/>
           <p:nvPr>
             <p:ph idx="12" type="sldNum"/>
@@ -13566,7 +14884,7 @@
                 </a:solidFill>
                 <a:hlinkClick r:id="rId5"/>
               </a:rPr>
-              <a:t>https://profriehle.com</a:t>
+              <a:t>https://oss.cs.fau.de</a:t>
             </a:r>
             <a:r>
               <a:rPr b="0" lang="en" sz="900">
@@ -13576,7 +14894,11 @@
               </a:rPr>
               <a:t> </a:t>
             </a:r>
-            <a:endParaRPr/>
+            <a:endParaRPr b="0" sz="900">
+              <a:solidFill>
+                <a:schemeClr val="dk2"/>
+              </a:solidFill>
+            </a:endParaRPr>
           </a:p>
         </p:txBody>
       </p:sp>
@@ -13593,7 +14915,7 @@
   <p:cSld>
     <p:spTree>
       <p:nvGrpSpPr>
-        <p:cNvPr id="84" name="Shape 84"/>
+        <p:cNvPr id="99" name="Shape 99"/>
         <p:cNvGrpSpPr/>
         <p:nvPr/>
       </p:nvGrpSpPr>
@@ -13607,7 +14929,7 @@
       </p:grpSpPr>
       <p:sp>
         <p:nvSpPr>
-          <p:cNvPr id="85" name="Google Shape;85;p15"/>
+          <p:cNvPr id="100" name="Google Shape;100;p15"/>
           <p:cNvSpPr txBox="1"/>
           <p:nvPr>
             <p:ph type="title"/>
@@ -13647,7 +14969,7 @@
       </p:sp>
       <p:sp>
         <p:nvSpPr>
-          <p:cNvPr id="86" name="Google Shape;86;p15"/>
+          <p:cNvPr id="101" name="Google Shape;101;p15"/>
           <p:cNvSpPr txBox="1"/>
           <p:nvPr>
             <p:ph idx="1" type="body"/>
@@ -13720,7 +15042,7 @@
       </p:sp>
       <p:sp>
         <p:nvSpPr>
-          <p:cNvPr id="87" name="Google Shape;87;p15"/>
+          <p:cNvPr id="102" name="Google Shape;102;p15"/>
           <p:cNvSpPr txBox="1"/>
           <p:nvPr>
             <p:ph idx="12" type="sldNum"/>
@@ -13773,7 +15095,7 @@
                 </a:solidFill>
                 <a:hlinkClick r:id="rId3"/>
               </a:rPr>
-              <a:t>https://profriehle.com</a:t>
+              <a:t>https://oss.cs.fau.de</a:t>
             </a:r>
             <a:r>
               <a:rPr b="0" lang="en" sz="900">
@@ -13783,7 +15105,11 @@
               </a:rPr>
               <a:t> </a:t>
             </a:r>
-            <a:endParaRPr/>
+            <a:endParaRPr b="0" sz="900">
+              <a:solidFill>
+                <a:schemeClr val="dk2"/>
+              </a:solidFill>
+            </a:endParaRPr>
           </a:p>
         </p:txBody>
       </p:sp>
@@ -13800,7 +15126,7 @@
   <p:cSld>
     <p:spTree>
       <p:nvGrpSpPr>
-        <p:cNvPr id="91" name="Shape 91"/>
+        <p:cNvPr id="106" name="Shape 106"/>
         <p:cNvGrpSpPr/>
         <p:nvPr/>
       </p:nvGrpSpPr>
@@ -13814,7 +15140,7 @@
       </p:grpSpPr>
       <p:sp>
         <p:nvSpPr>
-          <p:cNvPr id="92" name="Google Shape;92;p16"/>
+          <p:cNvPr id="107" name="Google Shape;107;p16"/>
           <p:cNvSpPr txBox="1"/>
           <p:nvPr>
             <p:ph idx="1" type="body"/>
@@ -13845,10 +15171,10 @@
               <a:buNone/>
             </a:pPr>
             <a:r>
-              <a:rPr lang="en"/>
+              <a:rPr b="1" lang="en"/>
               <a:t>Scrum Master = 50% of grade</a:t>
             </a:r>
-            <a:endParaRPr/>
+            <a:endParaRPr b="1"/>
           </a:p>
           <a:p>
             <a:pPr indent="-342900" lvl="0" marL="457200" rtl="0" algn="l">
@@ -13914,7 +15240,7 @@
             </a:pPr>
             <a:r>
               <a:rPr lang="en"/>
-              <a:t>Independent work = 50%</a:t>
+              <a:t>Independent (“self-study”) work = 50%</a:t>
             </a:r>
             <a:endParaRPr/>
           </a:p>
@@ -13963,14 +15289,14 @@
               <a:buNone/>
             </a:pPr>
             <a:r>
-              <a:rPr lang="en"/>
+              <a:rPr b="1" lang="en"/>
               <a:t>Workshop facilitator</a:t>
             </a:r>
             <a:r>
-              <a:rPr lang="en"/>
+              <a:rPr b="1" lang="en"/>
               <a:t> = 50% of grade</a:t>
             </a:r>
-            <a:endParaRPr/>
+            <a:endParaRPr b="1"/>
           </a:p>
           <a:p>
             <a:pPr indent="-342900" lvl="0" marL="457200" rtl="0" algn="l">
@@ -14027,7 +15353,7 @@
       </p:sp>
       <p:sp>
         <p:nvSpPr>
-          <p:cNvPr id="93" name="Google Shape;93;p16"/>
+          <p:cNvPr id="108" name="Google Shape;108;p16"/>
           <p:cNvSpPr txBox="1"/>
           <p:nvPr>
             <p:ph type="title"/>
@@ -14059,7 +15385,7 @@
             </a:pPr>
             <a:r>
               <a:rPr lang="en"/>
-              <a:t>Course Grading</a:t>
+              <a:t>COACH-VUE Grading [1]</a:t>
             </a:r>
             <a:endParaRPr/>
           </a:p>
@@ -14067,7 +15393,7 @@
       </p:sp>
       <p:sp>
         <p:nvSpPr>
-          <p:cNvPr id="94" name="Google Shape;94;p16"/>
+          <p:cNvPr id="109" name="Google Shape;109;p16"/>
           <p:cNvSpPr txBox="1"/>
           <p:nvPr>
             <p:ph idx="12" type="sldNum"/>
@@ -14120,7 +15446,7 @@
                 </a:solidFill>
                 <a:hlinkClick r:id="rId3"/>
               </a:rPr>
-              <a:t>https://profriehle.com</a:t>
+              <a:t>https://oss.cs.fau.de</a:t>
             </a:r>
             <a:r>
               <a:rPr b="0" lang="en" sz="900">
@@ -14129,6 +15455,71 @@
                 </a:solidFill>
               </a:rPr>
               <a:t> </a:t>
+            </a:r>
+            <a:endParaRPr b="0" sz="900">
+              <a:solidFill>
+                <a:schemeClr val="dk2"/>
+              </a:solidFill>
+            </a:endParaRPr>
+          </a:p>
+        </p:txBody>
+      </p:sp>
+      <p:sp>
+        <p:nvSpPr>
+          <p:cNvPr id="110" name="Google Shape;110;p16"/>
+          <p:cNvSpPr txBox="1"/>
+          <p:nvPr/>
+        </p:nvSpPr>
+        <p:spPr>
+          <a:xfrm>
+            <a:off x="0" y="4233672"/>
+            <a:ext cx="7315200" cy="914400"/>
+          </a:xfrm>
+          <a:prstGeom prst="rect">
+            <a:avLst/>
+          </a:prstGeom>
+          <a:noFill/>
+          <a:ln>
+            <a:noFill/>
+          </a:ln>
+        </p:spPr>
+        <p:txBody>
+          <a:bodyPr anchorCtr="0" anchor="b" bIns="91425" lIns="91425" spcFirstLastPara="1" rIns="91425" wrap="square" tIns="91425">
+            <a:noAutofit/>
+          </a:bodyPr>
+          <a:lstStyle/>
+          <a:p>
+            <a:pPr indent="0" lvl="0" marL="0" rtl="0" algn="l">
+              <a:spcBef>
+                <a:spcPts val="0"/>
+              </a:spcBef>
+              <a:spcAft>
+                <a:spcPts val="0"/>
+              </a:spcAft>
+              <a:buNone/>
+            </a:pPr>
+            <a:r>
+              <a:rPr lang="en"/>
+              <a:t>[1] See </a:t>
+            </a:r>
+            <a:r>
+              <a:rPr lang="en" u="sng">
+                <a:solidFill>
+                  <a:srgbClr val="34A3C5"/>
+                </a:solidFill>
+                <a:hlinkClick r:id="rId4">
+                  <a:extLst>
+                    <a:ext uri="{A12FA001-AC4F-418D-AE19-62706E023703}">
+                      <ahyp:hlinkClr val="tx"/>
+                    </a:ext>
+                  </a:extLst>
+                </a:hlinkClick>
+              </a:rPr>
+              <a:t>https://oss.cs.fau.de/teaching/course-resources/grading-schemes-and-scales/</a:t>
+            </a:r>
+            <a:r>
+              <a:rPr lang="en"/>
+              <a:t>  </a:t>
             </a:r>
             <a:endParaRPr/>
           </a:p>
@@ -14143,285 +15534,6 @@
 </file>
 
 <file path=ppt/theme/theme1.xml><?xml version="1.0" encoding="utf-8"?>
-<a:theme xmlns:a="http://schemas.openxmlformats.org/drawingml/2006/main" xmlns:r="http://schemas.openxmlformats.org/officeDocument/2006/relationships" name="COACH Slides Template">
-  <a:themeElements>
-    <a:clrScheme name="Simple Light">
-      <a:dk1>
-        <a:srgbClr val="000000"/>
-      </a:dk1>
-      <a:lt1>
-        <a:srgbClr val="FFFFFF"/>
-      </a:lt1>
-      <a:dk2>
-        <a:srgbClr val="404040"/>
-      </a:dk2>
-      <a:lt2>
-        <a:srgbClr val="808080"/>
-      </a:lt2>
-      <a:accent1>
-        <a:srgbClr val="D0D0D0"/>
-      </a:accent1>
-      <a:accent2>
-        <a:srgbClr val="4169E1"/>
-      </a:accent2>
-      <a:accent3>
-        <a:srgbClr val="D50D01"/>
-      </a:accent3>
-      <a:accent4>
-        <a:srgbClr val="FEB612"/>
-      </a:accent4>
-      <a:accent5>
-        <a:srgbClr val="4CAF50"/>
-      </a:accent5>
-      <a:accent6>
-        <a:srgbClr val="8E44AD"/>
-      </a:accent6>
-      <a:hlink>
-        <a:srgbClr val="34A3C5"/>
-      </a:hlink>
-      <a:folHlink>
-        <a:srgbClr val="0097A7"/>
-      </a:folHlink>
-    </a:clrScheme>
-    <a:fontScheme name="Office">
-      <a:majorFont>
-        <a:latin typeface="Arial"/>
-        <a:ea typeface=""/>
-        <a:cs typeface=""/>
-        <a:font script="Jpan" typeface="ＭＳ Ｐゴシック"/>
-        <a:font script="Hang" typeface="맑은 고딕"/>
-        <a:font script="Hans" typeface="宋体"/>
-        <a:font script="Hant" typeface="新細明體"/>
-        <a:font script="Arab" typeface="Times New Roman"/>
-        <a:font script="Hebr" typeface="Times New Roman"/>
-        <a:font script="Thai" typeface="Angsana New"/>
-        <a:font script="Ethi" typeface="Nyala"/>
-        <a:font script="Beng" typeface="Vrinda"/>
-        <a:font script="Gujr" typeface="Shruti"/>
-        <a:font script="Khmr" typeface="MoolBoran"/>
-        <a:font script="Knda" typeface="Tunga"/>
-        <a:font script="Guru" typeface="Raavi"/>
-        <a:font script="Cans" typeface="Euphemia"/>
-        <a:font script="Cher" typeface="Plantagenet Cherokee"/>
-        <a:font script="Yiii" typeface="Microsoft Yi Baiti"/>
-        <a:font script="Tibt" typeface="Microsoft Himalaya"/>
-        <a:font script="Thaa" typeface="MV Boli"/>
-        <a:font script="Deva" typeface="Mangal"/>
-        <a:font script="Telu" typeface="Gautami"/>
-        <a:font script="Taml" typeface="Latha"/>
-        <a:font script="Syrc" typeface="Estrangelo Edessa"/>
-        <a:font script="Orya" typeface="Kalinga"/>
-        <a:font script="Mlym" typeface="Kartika"/>
-        <a:font script="Laoo" typeface="DokChampa"/>
-        <a:font script="Sinh" typeface="Iskoola Pota"/>
-        <a:font script="Mong" typeface="Mongolian Baiti"/>
-        <a:font script="Viet" typeface="Times New Roman"/>
-        <a:font script="Uigh" typeface="Microsoft Uighur"/>
-        <a:font script="Geor" typeface="Sylfaen"/>
-      </a:majorFont>
-      <a:minorFont>
-        <a:latin typeface="Arial"/>
-        <a:ea typeface=""/>
-        <a:cs typeface=""/>
-        <a:font script="Jpan" typeface="ＭＳ Ｐゴシック"/>
-        <a:font script="Hang" typeface="맑은 고딕"/>
-        <a:font script="Hans" typeface="宋体"/>
-        <a:font script="Hant" typeface="新細明體"/>
-        <a:font script="Arab" typeface="Arial"/>
-        <a:font script="Hebr" typeface="Arial"/>
-        <a:font script="Thai" typeface="Cordia New"/>
-        <a:font script="Ethi" typeface="Nyala"/>
-        <a:font script="Beng" typeface="Vrinda"/>
-        <a:font script="Gujr" typeface="Shruti"/>
-        <a:font script="Khmr" typeface="DaunPenh"/>
-        <a:font script="Knda" typeface="Tunga"/>
-        <a:font script="Guru" typeface="Raavi"/>
-        <a:font script="Cans" typeface="Euphemia"/>
-        <a:font script="Cher" typeface="Plantagenet Cherokee"/>
-        <a:font script="Yiii" typeface="Microsoft Yi Baiti"/>
-        <a:font script="Tibt" typeface="Microsoft Himalaya"/>
-        <a:font script="Thaa" typeface="MV Boli"/>
-        <a:font script="Deva" typeface="Mangal"/>
-        <a:font script="Telu" typeface="Gautami"/>
-        <a:font script="Taml" typeface="Latha"/>
-        <a:font script="Syrc" typeface="Estrangelo Edessa"/>
-        <a:font script="Orya" typeface="Kalinga"/>
-        <a:font script="Mlym" typeface="Kartika"/>
-        <a:font script="Laoo" typeface="DokChampa"/>
-        <a:font script="Sinh" typeface="Iskoola Pota"/>
-        <a:font script="Mong" typeface="Mongolian Baiti"/>
-        <a:font script="Viet" typeface="Arial"/>
-        <a:font script="Uigh" typeface="Microsoft Uighur"/>
-        <a:font script="Geor" typeface="Sylfaen"/>
-      </a:minorFont>
-    </a:fontScheme>
-    <a:fmtScheme name="Office">
-      <a:fillStyleLst>
-        <a:solidFill>
-          <a:schemeClr val="phClr"/>
-        </a:solidFill>
-        <a:gradFill rotWithShape="1">
-          <a:gsLst>
-            <a:gs pos="0">
-              <a:schemeClr val="phClr">
-                <a:tint val="50000"/>
-                <a:satMod val="300000"/>
-              </a:schemeClr>
-            </a:gs>
-            <a:gs pos="35000">
-              <a:schemeClr val="phClr">
-                <a:tint val="37000"/>
-                <a:satMod val="300000"/>
-              </a:schemeClr>
-            </a:gs>
-            <a:gs pos="100000">
-              <a:schemeClr val="phClr">
-                <a:tint val="15000"/>
-                <a:satMod val="350000"/>
-              </a:schemeClr>
-            </a:gs>
-          </a:gsLst>
-          <a:lin ang="16200000" scaled="1"/>
-        </a:gradFill>
-        <a:gradFill rotWithShape="1">
-          <a:gsLst>
-            <a:gs pos="0">
-              <a:schemeClr val="phClr">
-                <a:tint val="100000"/>
-                <a:shade val="100000"/>
-                <a:satMod val="130000"/>
-              </a:schemeClr>
-            </a:gs>
-            <a:gs pos="100000">
-              <a:schemeClr val="phClr">
-                <a:tint val="50000"/>
-                <a:shade val="100000"/>
-                <a:satMod val="350000"/>
-              </a:schemeClr>
-            </a:gs>
-          </a:gsLst>
-          <a:lin ang="16200000" scaled="0"/>
-        </a:gradFill>
-      </a:fillStyleLst>
-      <a:lnStyleLst>
-        <a:ln w="9525" cap="flat" cmpd="sng" algn="ctr">
-          <a:solidFill>
-            <a:schemeClr val="phClr">
-              <a:shade val="95000"/>
-              <a:satMod val="105000"/>
-            </a:schemeClr>
-          </a:solidFill>
-          <a:prstDash val="solid"/>
-        </a:ln>
-        <a:ln w="25400" cap="flat" cmpd="sng" algn="ctr">
-          <a:solidFill>
-            <a:schemeClr val="phClr"/>
-          </a:solidFill>
-          <a:prstDash val="solid"/>
-        </a:ln>
-        <a:ln w="38100" cap="flat" cmpd="sng" algn="ctr">
-          <a:solidFill>
-            <a:schemeClr val="phClr"/>
-          </a:solidFill>
-          <a:prstDash val="solid"/>
-        </a:ln>
-      </a:lnStyleLst>
-      <a:effectStyleLst>
-        <a:effectStyle>
-          <a:effectLst>
-            <a:outerShdw blurRad="40000" dist="20000" dir="5400000" rotWithShape="0">
-              <a:srgbClr val="000000">
-                <a:alpha val="38000"/>
-              </a:srgbClr>
-            </a:outerShdw>
-          </a:effectLst>
-        </a:effectStyle>
-        <a:effectStyle>
-          <a:effectLst>
-            <a:outerShdw blurRad="40000" dist="23000" dir="5400000" rotWithShape="0">
-              <a:srgbClr val="000000">
-                <a:alpha val="35000"/>
-              </a:srgbClr>
-            </a:outerShdw>
-          </a:effectLst>
-        </a:effectStyle>
-        <a:effectStyle>
-          <a:effectLst>
-            <a:outerShdw blurRad="40000" dist="23000" dir="5400000" rotWithShape="0">
-              <a:srgbClr val="000000">
-                <a:alpha val="35000"/>
-              </a:srgbClr>
-            </a:outerShdw>
-          </a:effectLst>
-          <a:scene3d>
-            <a:camera prst="orthographicFront">
-              <a:rot lat="0" lon="0" rev="0"/>
-            </a:camera>
-            <a:lightRig rig="threePt" dir="t">
-              <a:rot lat="0" lon="0" rev="1200000"/>
-            </a:lightRig>
-          </a:scene3d>
-          <a:sp3d>
-            <a:bevelT w="63500" h="25400"/>
-          </a:sp3d>
-        </a:effectStyle>
-      </a:effectStyleLst>
-      <a:bgFillStyleLst>
-        <a:solidFill>
-          <a:schemeClr val="phClr"/>
-        </a:solidFill>
-        <a:gradFill rotWithShape="1">
-          <a:gsLst>
-            <a:gs pos="0">
-              <a:schemeClr val="phClr">
-                <a:tint val="40000"/>
-                <a:satMod val="350000"/>
-              </a:schemeClr>
-            </a:gs>
-            <a:gs pos="40000">
-              <a:schemeClr val="phClr">
-                <a:tint val="45000"/>
-                <a:shade val="99000"/>
-                <a:satMod val="350000"/>
-              </a:schemeClr>
-            </a:gs>
-            <a:gs pos="100000">
-              <a:schemeClr val="phClr">
-                <a:shade val="20000"/>
-                <a:satMod val="255000"/>
-              </a:schemeClr>
-            </a:gs>
-          </a:gsLst>
-          <a:path path="circle">
-            <a:fillToRect l="50000" t="-80000" r="50000" b="180000"/>
-          </a:path>
-        </a:gradFill>
-        <a:gradFill rotWithShape="1">
-          <a:gsLst>
-            <a:gs pos="0">
-              <a:schemeClr val="phClr">
-                <a:tint val="80000"/>
-                <a:satMod val="300000"/>
-              </a:schemeClr>
-            </a:gs>
-            <a:gs pos="100000">
-              <a:schemeClr val="phClr">
-                <a:shade val="30000"/>
-                <a:satMod val="200000"/>
-              </a:schemeClr>
-            </a:gs>
-          </a:gsLst>
-          <a:path path="circle">
-            <a:fillToRect l="50000" t="50000" r="50000" b="50000"/>
-          </a:path>
-        </a:gradFill>
-      </a:bgFillStyleLst>
-    </a:fmtScheme>
-  </a:themeElements>
-</a:theme>
-</file>
-
-<file path=ppt/theme/theme2.xml><?xml version="1.0" encoding="utf-8"?>
 <a:theme xmlns:a="http://schemas.openxmlformats.org/drawingml/2006/main" xmlns:r="http://schemas.openxmlformats.org/officeDocument/2006/relationships">
   <a:themeElements>
     <a:clrScheme name="Default">
@@ -14698,4 +15810,283 @@
     </a:fmtScheme>
   </a:themeElements>
 </a:theme>
+</file>
+
+<file path=ppt/theme/theme2.xml><?xml version="1.0" encoding="utf-8"?>
+<a:theme xmlns:a="http://schemas.openxmlformats.org/drawingml/2006/main" xmlns:r="http://schemas.openxmlformats.org/officeDocument/2006/relationships" name="POSS Slides Template">
+  <a:themeElements>
+    <a:clrScheme name="Simple Light">
+      <a:dk1>
+        <a:srgbClr val="000000"/>
+      </a:dk1>
+      <a:lt1>
+        <a:srgbClr val="FFFFFF"/>
+      </a:lt1>
+      <a:dk2>
+        <a:srgbClr val="404040"/>
+      </a:dk2>
+      <a:lt2>
+        <a:srgbClr val="808080"/>
+      </a:lt2>
+      <a:accent1>
+        <a:srgbClr val="D0D0D0"/>
+      </a:accent1>
+      <a:accent2>
+        <a:srgbClr val="4169E1"/>
+      </a:accent2>
+      <a:accent3>
+        <a:srgbClr val="4CAF50"/>
+      </a:accent3>
+      <a:accent4>
+        <a:srgbClr val="FEB612"/>
+      </a:accent4>
+      <a:accent5>
+        <a:srgbClr val="F36838"/>
+      </a:accent5>
+      <a:accent6>
+        <a:srgbClr val="8E44AD"/>
+      </a:accent6>
+      <a:hlink>
+        <a:srgbClr val="1E90FF"/>
+      </a:hlink>
+      <a:folHlink>
+        <a:srgbClr val="0097A7"/>
+      </a:folHlink>
+    </a:clrScheme>
+    <a:fontScheme name="Office">
+      <a:majorFont>
+        <a:latin typeface="Arial"/>
+        <a:ea typeface=""/>
+        <a:cs typeface=""/>
+        <a:font script="Jpan" typeface="ＭＳ Ｐゴシック"/>
+        <a:font script="Hang" typeface="맑은 고딕"/>
+        <a:font script="Hans" typeface="宋体"/>
+        <a:font script="Hant" typeface="新細明體"/>
+        <a:font script="Arab" typeface="Times New Roman"/>
+        <a:font script="Hebr" typeface="Times New Roman"/>
+        <a:font script="Thai" typeface="Angsana New"/>
+        <a:font script="Ethi" typeface="Nyala"/>
+        <a:font script="Beng" typeface="Vrinda"/>
+        <a:font script="Gujr" typeface="Shruti"/>
+        <a:font script="Khmr" typeface="MoolBoran"/>
+        <a:font script="Knda" typeface="Tunga"/>
+        <a:font script="Guru" typeface="Raavi"/>
+        <a:font script="Cans" typeface="Euphemia"/>
+        <a:font script="Cher" typeface="Plantagenet Cherokee"/>
+        <a:font script="Yiii" typeface="Microsoft Yi Baiti"/>
+        <a:font script="Tibt" typeface="Microsoft Himalaya"/>
+        <a:font script="Thaa" typeface="MV Boli"/>
+        <a:font script="Deva" typeface="Mangal"/>
+        <a:font script="Telu" typeface="Gautami"/>
+        <a:font script="Taml" typeface="Latha"/>
+        <a:font script="Syrc" typeface="Estrangelo Edessa"/>
+        <a:font script="Orya" typeface="Kalinga"/>
+        <a:font script="Mlym" typeface="Kartika"/>
+        <a:font script="Laoo" typeface="DokChampa"/>
+        <a:font script="Sinh" typeface="Iskoola Pota"/>
+        <a:font script="Mong" typeface="Mongolian Baiti"/>
+        <a:font script="Viet" typeface="Times New Roman"/>
+        <a:font script="Uigh" typeface="Microsoft Uighur"/>
+        <a:font script="Geor" typeface="Sylfaen"/>
+      </a:majorFont>
+      <a:minorFont>
+        <a:latin typeface="Arial"/>
+        <a:ea typeface=""/>
+        <a:cs typeface=""/>
+        <a:font script="Jpan" typeface="ＭＳ Ｐゴシック"/>
+        <a:font script="Hang" typeface="맑은 고딕"/>
+        <a:font script="Hans" typeface="宋体"/>
+        <a:font script="Hant" typeface="新細明體"/>
+        <a:font script="Arab" typeface="Arial"/>
+        <a:font script="Hebr" typeface="Arial"/>
+        <a:font script="Thai" typeface="Cordia New"/>
+        <a:font script="Ethi" typeface="Nyala"/>
+        <a:font script="Beng" typeface="Vrinda"/>
+        <a:font script="Gujr" typeface="Shruti"/>
+        <a:font script="Khmr" typeface="DaunPenh"/>
+        <a:font script="Knda" typeface="Tunga"/>
+        <a:font script="Guru" typeface="Raavi"/>
+        <a:font script="Cans" typeface="Euphemia"/>
+        <a:font script="Cher" typeface="Plantagenet Cherokee"/>
+        <a:font script="Yiii" typeface="Microsoft Yi Baiti"/>
+        <a:font script="Tibt" typeface="Microsoft Himalaya"/>
+        <a:font script="Thaa" typeface="MV Boli"/>
+        <a:font script="Deva" typeface="Mangal"/>
+        <a:font script="Telu" typeface="Gautami"/>
+        <a:font script="Taml" typeface="Latha"/>
+        <a:font script="Syrc" typeface="Estrangelo Edessa"/>
+        <a:font script="Orya" typeface="Kalinga"/>
+        <a:font script="Mlym" typeface="Kartika"/>
+        <a:font script="Laoo" typeface="DokChampa"/>
+        <a:font script="Sinh" typeface="Iskoola Pota"/>
+        <a:font script="Mong" typeface="Mongolian Baiti"/>
+        <a:font script="Viet" typeface="Arial"/>
+        <a:font script="Uigh" typeface="Microsoft Uighur"/>
+        <a:font script="Geor" typeface="Sylfaen"/>
+      </a:minorFont>
+    </a:fontScheme>
+    <a:fmtScheme name="Office">
+      <a:fillStyleLst>
+        <a:solidFill>
+          <a:schemeClr val="phClr"/>
+        </a:solidFill>
+        <a:gradFill rotWithShape="1">
+          <a:gsLst>
+            <a:gs pos="0">
+              <a:schemeClr val="phClr">
+                <a:tint val="50000"/>
+                <a:satMod val="300000"/>
+              </a:schemeClr>
+            </a:gs>
+            <a:gs pos="35000">
+              <a:schemeClr val="phClr">
+                <a:tint val="37000"/>
+                <a:satMod val="300000"/>
+              </a:schemeClr>
+            </a:gs>
+            <a:gs pos="100000">
+              <a:schemeClr val="phClr">
+                <a:tint val="15000"/>
+                <a:satMod val="350000"/>
+              </a:schemeClr>
+            </a:gs>
+          </a:gsLst>
+          <a:lin ang="16200000" scaled="1"/>
+        </a:gradFill>
+        <a:gradFill rotWithShape="1">
+          <a:gsLst>
+            <a:gs pos="0">
+              <a:schemeClr val="phClr">
+                <a:tint val="100000"/>
+                <a:shade val="100000"/>
+                <a:satMod val="130000"/>
+              </a:schemeClr>
+            </a:gs>
+            <a:gs pos="100000">
+              <a:schemeClr val="phClr">
+                <a:tint val="50000"/>
+                <a:shade val="100000"/>
+                <a:satMod val="350000"/>
+              </a:schemeClr>
+            </a:gs>
+          </a:gsLst>
+          <a:lin ang="16200000" scaled="0"/>
+        </a:gradFill>
+      </a:fillStyleLst>
+      <a:lnStyleLst>
+        <a:ln w="9525" cap="flat" cmpd="sng" algn="ctr">
+          <a:solidFill>
+            <a:schemeClr val="phClr">
+              <a:shade val="95000"/>
+              <a:satMod val="105000"/>
+            </a:schemeClr>
+          </a:solidFill>
+          <a:prstDash val="solid"/>
+        </a:ln>
+        <a:ln w="25400" cap="flat" cmpd="sng" algn="ctr">
+          <a:solidFill>
+            <a:schemeClr val="phClr"/>
+          </a:solidFill>
+          <a:prstDash val="solid"/>
+        </a:ln>
+        <a:ln w="38100" cap="flat" cmpd="sng" algn="ctr">
+          <a:solidFill>
+            <a:schemeClr val="phClr"/>
+          </a:solidFill>
+          <a:prstDash val="solid"/>
+        </a:ln>
+      </a:lnStyleLst>
+      <a:effectStyleLst>
+        <a:effectStyle>
+          <a:effectLst>
+            <a:outerShdw blurRad="40000" dist="20000" dir="5400000" rotWithShape="0">
+              <a:srgbClr val="000000">
+                <a:alpha val="38000"/>
+              </a:srgbClr>
+            </a:outerShdw>
+          </a:effectLst>
+        </a:effectStyle>
+        <a:effectStyle>
+          <a:effectLst>
+            <a:outerShdw blurRad="40000" dist="23000" dir="5400000" rotWithShape="0">
+              <a:srgbClr val="000000">
+                <a:alpha val="35000"/>
+              </a:srgbClr>
+            </a:outerShdw>
+          </a:effectLst>
+        </a:effectStyle>
+        <a:effectStyle>
+          <a:effectLst>
+            <a:outerShdw blurRad="40000" dist="23000" dir="5400000" rotWithShape="0">
+              <a:srgbClr val="000000">
+                <a:alpha val="35000"/>
+              </a:srgbClr>
+            </a:outerShdw>
+          </a:effectLst>
+          <a:scene3d>
+            <a:camera prst="orthographicFront">
+              <a:rot lat="0" lon="0" rev="0"/>
+            </a:camera>
+            <a:lightRig rig="threePt" dir="t">
+              <a:rot lat="0" lon="0" rev="1200000"/>
+            </a:lightRig>
+          </a:scene3d>
+          <a:sp3d>
+            <a:bevelT w="63500" h="25400"/>
+          </a:sp3d>
+        </a:effectStyle>
+      </a:effectStyleLst>
+      <a:bgFillStyleLst>
+        <a:solidFill>
+          <a:schemeClr val="phClr"/>
+        </a:solidFill>
+        <a:gradFill rotWithShape="1">
+          <a:gsLst>
+            <a:gs pos="0">
+              <a:schemeClr val="phClr">
+                <a:tint val="40000"/>
+                <a:satMod val="350000"/>
+              </a:schemeClr>
+            </a:gs>
+            <a:gs pos="40000">
+              <a:schemeClr val="phClr">
+                <a:tint val="45000"/>
+                <a:shade val="99000"/>
+                <a:satMod val="350000"/>
+              </a:schemeClr>
+            </a:gs>
+            <a:gs pos="100000">
+              <a:schemeClr val="phClr">
+                <a:shade val="20000"/>
+                <a:satMod val="255000"/>
+              </a:schemeClr>
+            </a:gs>
+          </a:gsLst>
+          <a:path path="circle">
+            <a:fillToRect l="50000" t="-80000" r="50000" b="180000"/>
+          </a:path>
+        </a:gradFill>
+        <a:gradFill rotWithShape="1">
+          <a:gsLst>
+            <a:gs pos="0">
+              <a:schemeClr val="phClr">
+                <a:tint val="80000"/>
+                <a:satMod val="300000"/>
+              </a:schemeClr>
+            </a:gs>
+            <a:gs pos="100000">
+              <a:schemeClr val="phClr">
+                <a:shade val="30000"/>
+                <a:satMod val="200000"/>
+              </a:schemeClr>
+            </a:gs>
+          </a:gsLst>
+          <a:path path="circle">
+            <a:fillToRect l="50000" t="50000" r="50000" b="50000"/>
+          </a:path>
+        </a:gradFill>
+      </a:bgFillStyleLst>
+    </a:fmtScheme>
+  </a:themeElements>
+</a:theme>
 </file>
--- a/Lecture Slides/COACH A01 - Introduction.pptx
+++ b/Lecture Slides/COACH A01 - Introduction.pptx
@@ -810,7 +810,7 @@
   <p:cSld>
     <p:spTree>
       <p:nvGrpSpPr>
-        <p:cNvPr id="111" name="Shape 111"/>
+        <p:cNvPr id="112" name="Shape 112"/>
         <p:cNvGrpSpPr/>
         <p:nvPr/>
       </p:nvGrpSpPr>
@@ -824,7 +824,7 @@
       </p:grpSpPr>
       <p:sp>
         <p:nvSpPr>
-          <p:cNvPr id="112" name="Google Shape;112;g3850aa21cf1_0_0:notes"/>
+          <p:cNvPr id="113" name="Google Shape;113;g3850aa21cf1_0_0:notes"/>
           <p:cNvSpPr/>
           <p:nvPr>
             <p:ph idx="2" type="sldImg"/>
@@ -859,7 +859,7 @@
       </p:sp>
       <p:sp>
         <p:nvSpPr>
-          <p:cNvPr id="113" name="Google Shape;113;g3850aa21cf1_0_0:notes"/>
+          <p:cNvPr id="114" name="Google Shape;114;g3850aa21cf1_0_0:notes"/>
           <p:cNvSpPr txBox="1"/>
           <p:nvPr>
             <p:ph idx="1" type="body"/>
@@ -909,7 +909,7 @@
   <p:cSld>
     <p:spTree>
       <p:nvGrpSpPr>
-        <p:cNvPr id="118" name="Shape 118"/>
+        <p:cNvPr id="119" name="Shape 119"/>
         <p:cNvGrpSpPr/>
         <p:nvPr/>
       </p:nvGrpSpPr>
@@ -923,7 +923,7 @@
       </p:grpSpPr>
       <p:sp>
         <p:nvSpPr>
-          <p:cNvPr id="119" name="Google Shape;119;g36c5758db35_0_0:notes"/>
+          <p:cNvPr id="120" name="Google Shape;120;g36c5758db35_0_0:notes"/>
           <p:cNvSpPr/>
           <p:nvPr>
             <p:ph idx="2" type="sldImg"/>
@@ -958,7 +958,7 @@
       </p:sp>
       <p:sp>
         <p:nvSpPr>
-          <p:cNvPr id="120" name="Google Shape;120;g36c5758db35_0_0:notes"/>
+          <p:cNvPr id="121" name="Google Shape;121;g36c5758db35_0_0:notes"/>
           <p:cNvSpPr txBox="1"/>
           <p:nvPr>
             <p:ph idx="1" type="body"/>
@@ -1008,7 +1008,7 @@
   <p:cSld>
     <p:spTree>
       <p:nvGrpSpPr>
-        <p:cNvPr id="126" name="Shape 126"/>
+        <p:cNvPr id="127" name="Shape 127"/>
         <p:cNvGrpSpPr/>
         <p:nvPr/>
       </p:nvGrpSpPr>
@@ -1022,7 +1022,7 @@
       </p:grpSpPr>
       <p:sp>
         <p:nvSpPr>
-          <p:cNvPr id="127" name="Google Shape;127;g2a4cd9d8361_0_0:notes"/>
+          <p:cNvPr id="128" name="Google Shape;128;g2a4cd9d8361_0_0:notes"/>
           <p:cNvSpPr/>
           <p:nvPr>
             <p:ph idx="2" type="sldImg"/>
@@ -1057,7 +1057,7 @@
       </p:sp>
       <p:sp>
         <p:nvSpPr>
-          <p:cNvPr id="128" name="Google Shape;128;g2a4cd9d8361_0_0:notes"/>
+          <p:cNvPr id="129" name="Google Shape;129;g2a4cd9d8361_0_0:notes"/>
           <p:cNvSpPr txBox="1"/>
           <p:nvPr>
             <p:ph idx="1" type="body"/>
@@ -1107,7 +1107,7 @@
   <p:cSld>
     <p:spTree>
       <p:nvGrpSpPr>
-        <p:cNvPr id="133" name="Shape 133"/>
+        <p:cNvPr id="134" name="Shape 134"/>
         <p:cNvGrpSpPr/>
         <p:nvPr/>
       </p:nvGrpSpPr>
@@ -1121,7 +1121,7 @@
       </p:grpSpPr>
       <p:sp>
         <p:nvSpPr>
-          <p:cNvPr id="134" name="Google Shape;134;gdb5ccdfa64_0_0:notes"/>
+          <p:cNvPr id="135" name="Google Shape;135;gdb5ccdfa64_0_0:notes"/>
           <p:cNvSpPr/>
           <p:nvPr>
             <p:ph idx="2" type="sldImg"/>
@@ -1156,7 +1156,7 @@
       </p:sp>
       <p:sp>
         <p:nvSpPr>
-          <p:cNvPr id="135" name="Google Shape;135;gdb5ccdfa64_0_0:notes"/>
+          <p:cNvPr id="136" name="Google Shape;136;gdb5ccdfa64_0_0:notes"/>
           <p:cNvSpPr txBox="1"/>
           <p:nvPr>
             <p:ph idx="1" type="body"/>
@@ -1206,7 +1206,7 @@
   <p:cSld>
     <p:spTree>
       <p:nvGrpSpPr>
-        <p:cNvPr id="140" name="Shape 140"/>
+        <p:cNvPr id="141" name="Shape 141"/>
         <p:cNvGrpSpPr/>
         <p:nvPr/>
       </p:nvGrpSpPr>
@@ -1220,7 +1220,7 @@
       </p:grpSpPr>
       <p:sp>
         <p:nvSpPr>
-          <p:cNvPr id="141" name="Google Shape;141;gf157d98dbb_0_133:notes"/>
+          <p:cNvPr id="142" name="Google Shape;142;gf157d98dbb_0_133:notes"/>
           <p:cNvSpPr/>
           <p:nvPr>
             <p:ph idx="2" type="sldImg"/>
@@ -1255,7 +1255,7 @@
       </p:sp>
       <p:sp>
         <p:nvSpPr>
-          <p:cNvPr id="142" name="Google Shape;142;gf157d98dbb_0_133:notes"/>
+          <p:cNvPr id="143" name="Google Shape;143;gf157d98dbb_0_133:notes"/>
           <p:cNvSpPr txBox="1"/>
           <p:nvPr>
             <p:ph idx="1" type="body"/>
@@ -1305,7 +1305,7 @@
   <p:cSld>
     <p:spTree>
       <p:nvGrpSpPr>
-        <p:cNvPr id="148" name="Shape 148"/>
+        <p:cNvPr id="149" name="Shape 149"/>
         <p:cNvGrpSpPr/>
         <p:nvPr/>
       </p:nvGrpSpPr>
@@ -1319,7 +1319,7 @@
       </p:grpSpPr>
       <p:sp>
         <p:nvSpPr>
-          <p:cNvPr id="149" name="Google Shape;149;gf157d98dbb_1_0:notes"/>
+          <p:cNvPr id="150" name="Google Shape;150;gf157d98dbb_1_0:notes"/>
           <p:cNvSpPr/>
           <p:nvPr>
             <p:ph idx="2" type="sldImg"/>
@@ -1354,7 +1354,7 @@
       </p:sp>
       <p:sp>
         <p:nvSpPr>
-          <p:cNvPr id="150" name="Google Shape;150;gf157d98dbb_1_0:notes"/>
+          <p:cNvPr id="151" name="Google Shape;151;gf157d98dbb_1_0:notes"/>
           <p:cNvSpPr txBox="1"/>
           <p:nvPr>
             <p:ph idx="1" type="body"/>
@@ -1404,7 +1404,7 @@
   <p:cSld>
     <p:spTree>
       <p:nvGrpSpPr>
-        <p:cNvPr id="155" name="Shape 155"/>
+        <p:cNvPr id="156" name="Shape 156"/>
         <p:cNvGrpSpPr/>
         <p:nvPr/>
       </p:nvGrpSpPr>
@@ -1418,7 +1418,7 @@
       </p:grpSpPr>
       <p:sp>
         <p:nvSpPr>
-          <p:cNvPr id="156" name="Google Shape;156;gf157d98dbb_1_7:notes"/>
+          <p:cNvPr id="157" name="Google Shape;157;gf157d98dbb_1_7:notes"/>
           <p:cNvSpPr/>
           <p:nvPr>
             <p:ph idx="2" type="sldImg"/>
@@ -1453,7 +1453,7 @@
       </p:sp>
       <p:sp>
         <p:nvSpPr>
-          <p:cNvPr id="157" name="Google Shape;157;gf157d98dbb_1_7:notes"/>
+          <p:cNvPr id="158" name="Google Shape;158;gf157d98dbb_1_7:notes"/>
           <p:cNvSpPr txBox="1"/>
           <p:nvPr>
             <p:ph idx="1" type="body"/>
@@ -1503,7 +1503,7 @@
   <p:cSld>
     <p:spTree>
       <p:nvGrpSpPr>
-        <p:cNvPr id="162" name="Shape 162"/>
+        <p:cNvPr id="163" name="Shape 163"/>
         <p:cNvGrpSpPr/>
         <p:nvPr/>
       </p:nvGrpSpPr>
@@ -1517,7 +1517,7 @@
       </p:grpSpPr>
       <p:sp>
         <p:nvSpPr>
-          <p:cNvPr id="163" name="Google Shape;163;gf157d98dbb_1_14:notes"/>
+          <p:cNvPr id="164" name="Google Shape;164;gf157d98dbb_1_14:notes"/>
           <p:cNvSpPr/>
           <p:nvPr>
             <p:ph idx="2" type="sldImg"/>
@@ -1552,7 +1552,7 @@
       </p:sp>
       <p:sp>
         <p:nvSpPr>
-          <p:cNvPr id="164" name="Google Shape;164;gf157d98dbb_1_14:notes"/>
+          <p:cNvPr id="165" name="Google Shape;165;gf157d98dbb_1_14:notes"/>
           <p:cNvSpPr txBox="1"/>
           <p:nvPr>
             <p:ph idx="1" type="body"/>
@@ -1602,7 +1602,7 @@
   <p:cSld>
     <p:spTree>
       <p:nvGrpSpPr>
-        <p:cNvPr id="169" name="Shape 169"/>
+        <p:cNvPr id="170" name="Shape 170"/>
         <p:cNvGrpSpPr/>
         <p:nvPr/>
       </p:nvGrpSpPr>
@@ -1616,7 +1616,7 @@
       </p:grpSpPr>
       <p:sp>
         <p:nvSpPr>
-          <p:cNvPr id="170" name="Google Shape;170;gf157d98dbb_1_20:notes"/>
+          <p:cNvPr id="171" name="Google Shape;171;gf157d98dbb_1_20:notes"/>
           <p:cNvSpPr/>
           <p:nvPr>
             <p:ph idx="2" type="sldImg"/>
@@ -1651,7 +1651,7 @@
       </p:sp>
       <p:sp>
         <p:nvSpPr>
-          <p:cNvPr id="171" name="Google Shape;171;gf157d98dbb_1_20:notes"/>
+          <p:cNvPr id="172" name="Google Shape;172;gf157d98dbb_1_20:notes"/>
           <p:cNvSpPr txBox="1"/>
           <p:nvPr>
             <p:ph idx="1" type="body"/>
@@ -1701,7 +1701,7 @@
   <p:cSld>
     <p:spTree>
       <p:nvGrpSpPr>
-        <p:cNvPr id="176" name="Shape 176"/>
+        <p:cNvPr id="177" name="Shape 177"/>
         <p:cNvGrpSpPr/>
         <p:nvPr/>
       </p:nvGrpSpPr>
@@ -1715,7 +1715,7 @@
       </p:grpSpPr>
       <p:sp>
         <p:nvSpPr>
-          <p:cNvPr id="177" name="Google Shape;177;gf157d98dbb_1_32:notes"/>
+          <p:cNvPr id="178" name="Google Shape;178;gf157d98dbb_1_32:notes"/>
           <p:cNvSpPr/>
           <p:nvPr>
             <p:ph idx="2" type="sldImg"/>
@@ -1750,7 +1750,7 @@
       </p:sp>
       <p:sp>
         <p:nvSpPr>
-          <p:cNvPr id="178" name="Google Shape;178;gf157d98dbb_1_32:notes"/>
+          <p:cNvPr id="179" name="Google Shape;179;gf157d98dbb_1_32:notes"/>
           <p:cNvSpPr txBox="1"/>
           <p:nvPr>
             <p:ph idx="1" type="body"/>
@@ -1800,7 +1800,7 @@
   <p:cSld>
     <p:spTree>
       <p:nvGrpSpPr>
-        <p:cNvPr id="53" name="Shape 53"/>
+        <p:cNvPr id="54" name="Shape 54"/>
         <p:cNvGrpSpPr/>
         <p:nvPr/>
       </p:nvGrpSpPr>
@@ -1814,7 +1814,7 @@
       </p:grpSpPr>
       <p:sp>
         <p:nvSpPr>
-          <p:cNvPr id="54" name="Google Shape;54;gf157d98dbb_0_71:notes"/>
+          <p:cNvPr id="55" name="Google Shape;55;gf157d98dbb_0_71:notes"/>
           <p:cNvSpPr/>
           <p:nvPr>
             <p:ph idx="2" type="sldImg"/>
@@ -1849,7 +1849,7 @@
       </p:sp>
       <p:sp>
         <p:nvSpPr>
-          <p:cNvPr id="55" name="Google Shape;55;gf157d98dbb_0_71:notes"/>
+          <p:cNvPr id="56" name="Google Shape;56;gf157d98dbb_0_71:notes"/>
           <p:cNvSpPr txBox="1"/>
           <p:nvPr>
             <p:ph idx="1" type="body"/>
@@ -1899,7 +1899,7 @@
   <p:cSld>
     <p:spTree>
       <p:nvGrpSpPr>
-        <p:cNvPr id="183" name="Shape 183"/>
+        <p:cNvPr id="184" name="Shape 184"/>
         <p:cNvGrpSpPr/>
         <p:nvPr/>
       </p:nvGrpSpPr>
@@ -1913,7 +1913,7 @@
       </p:grpSpPr>
       <p:sp>
         <p:nvSpPr>
-          <p:cNvPr id="184" name="Google Shape;184;gf157d98db7_0_0:notes"/>
+          <p:cNvPr id="185" name="Google Shape;185;gf157d98db7_0_0:notes"/>
           <p:cNvSpPr/>
           <p:nvPr>
             <p:ph idx="2" type="sldImg"/>
@@ -1948,7 +1948,7 @@
       </p:sp>
       <p:sp>
         <p:nvSpPr>
-          <p:cNvPr id="185" name="Google Shape;185;gf157d98db7_0_0:notes"/>
+          <p:cNvPr id="186" name="Google Shape;186;gf157d98db7_0_0:notes"/>
           <p:cNvSpPr txBox="1"/>
           <p:nvPr>
             <p:ph idx="1" type="body"/>
@@ -1998,7 +1998,7 @@
   <p:cSld>
     <p:spTree>
       <p:nvGrpSpPr>
-        <p:cNvPr id="189" name="Shape 189"/>
+        <p:cNvPr id="190" name="Shape 190"/>
         <p:cNvGrpSpPr/>
         <p:nvPr/>
       </p:nvGrpSpPr>
@@ -2012,7 +2012,7 @@
       </p:grpSpPr>
       <p:sp>
         <p:nvSpPr>
-          <p:cNvPr id="190" name="Google Shape;190;gf157d98db7_0_5:notes"/>
+          <p:cNvPr id="191" name="Google Shape;191;gf157d98db7_0_5:notes"/>
           <p:cNvSpPr/>
           <p:nvPr>
             <p:ph idx="2" type="sldImg"/>
@@ -2047,7 +2047,7 @@
       </p:sp>
       <p:sp>
         <p:nvSpPr>
-          <p:cNvPr id="191" name="Google Shape;191;gf157d98db7_0_5:notes"/>
+          <p:cNvPr id="192" name="Google Shape;192;gf157d98db7_0_5:notes"/>
           <p:cNvSpPr txBox="1"/>
           <p:nvPr>
             <p:ph idx="1" type="body"/>
@@ -2097,7 +2097,7 @@
   <p:cSld>
     <p:spTree>
       <p:nvGrpSpPr>
-        <p:cNvPr id="60" name="Shape 60"/>
+        <p:cNvPr id="61" name="Shape 61"/>
         <p:cNvGrpSpPr/>
         <p:nvPr/>
       </p:nvGrpSpPr>
@@ -2111,7 +2111,7 @@
       </p:grpSpPr>
       <p:sp>
         <p:nvSpPr>
-          <p:cNvPr id="61" name="Google Shape;61;gf157d98dbb_0_77:notes"/>
+          <p:cNvPr id="62" name="Google Shape;62;gf157d98dbb_0_77:notes"/>
           <p:cNvSpPr/>
           <p:nvPr>
             <p:ph idx="2" type="sldImg"/>
@@ -2146,7 +2146,7 @@
       </p:sp>
       <p:sp>
         <p:nvSpPr>
-          <p:cNvPr id="62" name="Google Shape;62;gf157d98dbb_0_77:notes"/>
+          <p:cNvPr id="63" name="Google Shape;63;gf157d98dbb_0_77:notes"/>
           <p:cNvSpPr txBox="1"/>
           <p:nvPr>
             <p:ph idx="1" type="body"/>
@@ -2196,7 +2196,7 @@
   <p:cSld>
     <p:spTree>
       <p:nvGrpSpPr>
-        <p:cNvPr id="67" name="Shape 67"/>
+        <p:cNvPr id="68" name="Shape 68"/>
         <p:cNvGrpSpPr/>
         <p:nvPr/>
       </p:nvGrpSpPr>
@@ -2210,7 +2210,7 @@
       </p:grpSpPr>
       <p:sp>
         <p:nvSpPr>
-          <p:cNvPr id="68" name="Google Shape;68;g16318dae7dc_0_22:notes"/>
+          <p:cNvPr id="69" name="Google Shape;69;g38c8a0081f4_0_96:notes"/>
           <p:cNvSpPr/>
           <p:nvPr>
             <p:ph idx="2" type="sldImg"/>
@@ -2245,7 +2245,7 @@
       </p:sp>
       <p:sp>
         <p:nvSpPr>
-          <p:cNvPr id="69" name="Google Shape;69;g16318dae7dc_0_22:notes"/>
+          <p:cNvPr id="70" name="Google Shape;70;g38c8a0081f4_0_96:notes"/>
           <p:cNvSpPr txBox="1"/>
           <p:nvPr>
             <p:ph idx="1" type="body"/>
@@ -2295,7 +2295,7 @@
   <p:cSld>
     <p:spTree>
       <p:nvGrpSpPr>
-        <p:cNvPr id="74" name="Shape 74"/>
+        <p:cNvPr id="75" name="Shape 75"/>
         <p:cNvGrpSpPr/>
         <p:nvPr/>
       </p:nvGrpSpPr>
@@ -2309,7 +2309,7 @@
       </p:grpSpPr>
       <p:sp>
         <p:nvSpPr>
-          <p:cNvPr id="75" name="Google Shape;75;gf157d98dbb_0_83:notes"/>
+          <p:cNvPr id="76" name="Google Shape;76;gf157d98dbb_0_83:notes"/>
           <p:cNvSpPr/>
           <p:nvPr>
             <p:ph idx="2" type="sldImg"/>
@@ -2344,7 +2344,7 @@
       </p:sp>
       <p:sp>
         <p:nvSpPr>
-          <p:cNvPr id="76" name="Google Shape;76;gf157d98dbb_0_83:notes"/>
+          <p:cNvPr id="77" name="Google Shape;77;gf157d98dbb_0_83:notes"/>
           <p:cNvSpPr txBox="1"/>
           <p:nvPr>
             <p:ph idx="1" type="body"/>
@@ -2394,7 +2394,7 @@
   <p:cSld>
     <p:spTree>
       <p:nvGrpSpPr>
-        <p:cNvPr id="81" name="Shape 81"/>
+        <p:cNvPr id="82" name="Shape 82"/>
         <p:cNvGrpSpPr/>
         <p:nvPr/>
       </p:nvGrpSpPr>
@@ -2408,7 +2408,7 @@
       </p:grpSpPr>
       <p:sp>
         <p:nvSpPr>
-          <p:cNvPr id="82" name="Google Shape;82;g2902d17f377_0_0:notes"/>
+          <p:cNvPr id="83" name="Google Shape;83;g2902d17f377_0_0:notes"/>
           <p:cNvSpPr/>
           <p:nvPr>
             <p:ph idx="2" type="sldImg"/>
@@ -2443,7 +2443,7 @@
       </p:sp>
       <p:sp>
         <p:nvSpPr>
-          <p:cNvPr id="83" name="Google Shape;83;g2902d17f377_0_0:notes"/>
+          <p:cNvPr id="84" name="Google Shape;84;g2902d17f377_0_0:notes"/>
           <p:cNvSpPr txBox="1"/>
           <p:nvPr>
             <p:ph idx="1" type="body"/>
@@ -2493,7 +2493,7 @@
   <p:cSld>
     <p:spTree>
       <p:nvGrpSpPr>
-        <p:cNvPr id="89" name="Shape 89"/>
+        <p:cNvPr id="90" name="Shape 90"/>
         <p:cNvGrpSpPr/>
         <p:nvPr/>
       </p:nvGrpSpPr>
@@ -2507,7 +2507,7 @@
       </p:grpSpPr>
       <p:sp>
         <p:nvSpPr>
-          <p:cNvPr id="90" name="Google Shape;90;g11aa75bb97b_1_0:notes"/>
+          <p:cNvPr id="91" name="Google Shape;91;g11aa75bb97b_1_0:notes"/>
           <p:cNvSpPr/>
           <p:nvPr>
             <p:ph idx="2" type="sldImg"/>
@@ -2542,7 +2542,7 @@
       </p:sp>
       <p:sp>
         <p:nvSpPr>
-          <p:cNvPr id="91" name="Google Shape;91;g11aa75bb97b_1_0:notes"/>
+          <p:cNvPr id="92" name="Google Shape;92;g11aa75bb97b_1_0:notes"/>
           <p:cNvSpPr txBox="1"/>
           <p:nvPr>
             <p:ph idx="1" type="body"/>
@@ -2592,7 +2592,7 @@
   <p:cSld>
     <p:spTree>
       <p:nvGrpSpPr>
-        <p:cNvPr id="96" name="Shape 96"/>
+        <p:cNvPr id="97" name="Shape 97"/>
         <p:cNvGrpSpPr/>
         <p:nvPr/>
       </p:nvGrpSpPr>
@@ -2606,7 +2606,7 @@
       </p:grpSpPr>
       <p:sp>
         <p:nvSpPr>
-          <p:cNvPr id="97" name="Google Shape;97;g2e6d6088977_0_0:notes"/>
+          <p:cNvPr id="98" name="Google Shape;98;g2e6d6088977_0_0:notes"/>
           <p:cNvSpPr/>
           <p:nvPr>
             <p:ph idx="2" type="sldImg"/>
@@ -2641,7 +2641,7 @@
       </p:sp>
       <p:sp>
         <p:nvSpPr>
-          <p:cNvPr id="98" name="Google Shape;98;g2e6d6088977_0_0:notes"/>
+          <p:cNvPr id="99" name="Google Shape;99;g2e6d6088977_0_0:notes"/>
           <p:cNvSpPr txBox="1"/>
           <p:nvPr>
             <p:ph idx="1" type="body"/>
@@ -2691,7 +2691,7 @@
   <p:cSld>
     <p:spTree>
       <p:nvGrpSpPr>
-        <p:cNvPr id="103" name="Shape 103"/>
+        <p:cNvPr id="104" name="Shape 104"/>
         <p:cNvGrpSpPr/>
         <p:nvPr/>
       </p:nvGrpSpPr>
@@ -2705,7 +2705,7 @@
       </p:grpSpPr>
       <p:sp>
         <p:nvSpPr>
-          <p:cNvPr id="104" name="Google Shape;104;gf5a9b1405f_1_0:notes"/>
+          <p:cNvPr id="105" name="Google Shape;105;gf5a9b1405f_1_0:notes"/>
           <p:cNvSpPr/>
           <p:nvPr>
             <p:ph idx="2" type="sldImg"/>
@@ -2740,7 +2740,7 @@
       </p:sp>
       <p:sp>
         <p:nvSpPr>
-          <p:cNvPr id="105" name="Google Shape;105;gf5a9b1405f_1_0:notes"/>
+          <p:cNvPr id="106" name="Google Shape;106;gf5a9b1405f_1_0:notes"/>
           <p:cNvSpPr txBox="1"/>
           <p:nvPr>
             <p:ph idx="1" type="body"/>
@@ -6585,7 +6585,7 @@
             </a:pPr>
             <a:r>
               <a:rPr lang="en"/>
-              <a:t>Introduction to COACH</a:t>
+              <a:t>Introduction to COACH [1]</a:t>
             </a:r>
             <a:endParaRPr/>
           </a:p>
@@ -6702,6 +6702,48 @@
           </a:p>
         </p:txBody>
       </p:sp>
+      <p:sp>
+        <p:nvSpPr>
+          <p:cNvPr id="53" name="Google Shape;53;p8"/>
+          <p:cNvSpPr txBox="1"/>
+          <p:nvPr/>
+        </p:nvSpPr>
+        <p:spPr>
+          <a:xfrm>
+            <a:off x="0" y="4690872"/>
+            <a:ext cx="9144000" cy="457200"/>
+          </a:xfrm>
+          <a:prstGeom prst="rect">
+            <a:avLst/>
+          </a:prstGeom>
+          <a:noFill/>
+          <a:ln>
+            <a:noFill/>
+          </a:ln>
+        </p:spPr>
+        <p:txBody>
+          <a:bodyPr anchorCtr="0" anchor="b" bIns="91425" lIns="91425" spcFirstLastPara="1" rIns="91425" wrap="square" tIns="91425">
+            <a:noAutofit/>
+          </a:bodyPr>
+          <a:lstStyle/>
+          <a:p>
+            <a:pPr indent="0" lvl="0" marL="0" rtl="0" algn="l">
+              <a:spcBef>
+                <a:spcPts val="0"/>
+              </a:spcBef>
+              <a:spcAft>
+                <a:spcPts val="0"/>
+              </a:spcAft>
+              <a:buNone/>
+            </a:pPr>
+            <a:r>
+              <a:rPr lang="en"/>
+              <a:t>[1] Coaching Agile Teams</a:t>
+            </a:r>
+            <a:endParaRPr/>
+          </a:p>
+        </p:txBody>
+      </p:sp>
     </p:spTree>
   </p:cSld>
   <p:clrMapOvr>
@@ -6715,7 +6757,7 @@
   <p:cSld>
     <p:spTree>
       <p:nvGrpSpPr>
-        <p:cNvPr id="114" name="Shape 114"/>
+        <p:cNvPr id="115" name="Shape 115"/>
         <p:cNvGrpSpPr/>
         <p:nvPr/>
       </p:nvGrpSpPr>
@@ -6729,7 +6771,7 @@
       </p:grpSpPr>
       <p:sp>
         <p:nvSpPr>
-          <p:cNvPr id="115" name="Google Shape;115;p17"/>
+          <p:cNvPr id="116" name="Google Shape;116;p17"/>
           <p:cNvSpPr txBox="1"/>
           <p:nvPr>
             <p:ph type="title"/>
@@ -6769,7 +6811,7 @@
       </p:sp>
       <p:sp>
         <p:nvSpPr>
-          <p:cNvPr id="116" name="Google Shape;116;p17"/>
+          <p:cNvPr id="117" name="Google Shape;117;p17"/>
           <p:cNvSpPr txBox="1"/>
           <p:nvPr>
             <p:ph idx="1" type="body"/>
@@ -6841,6 +6883,23 @@
             <a:endParaRPr/>
           </a:p>
           <a:p>
+            <a:pPr indent="-342900" lvl="0" marL="457200" rtl="0" algn="l">
+              <a:spcBef>
+                <a:spcPts val="0"/>
+              </a:spcBef>
+              <a:spcAft>
+                <a:spcPts val="0"/>
+              </a:spcAft>
+              <a:buSzPts val="1800"/>
+              <a:buAutoNum type="arabicPeriod"/>
+            </a:pPr>
+            <a:r>
+              <a:rPr lang="en"/>
+              <a:t>Development velocity</a:t>
+            </a:r>
+            <a:endParaRPr/>
+          </a:p>
+          <a:p>
             <a:pPr indent="0" lvl="0" marL="0" rtl="0" algn="l">
               <a:spcBef>
                 <a:spcPts val="1200"/>
@@ -6865,7 +6924,7 @@
                 <a:spcPts val="0"/>
               </a:spcAft>
               <a:buSzPts val="1800"/>
-              <a:buAutoNum type="arabicPeriod" startAt="4"/>
+              <a:buAutoNum type="arabicPeriod" startAt="5"/>
             </a:pPr>
             <a:r>
               <a:rPr lang="en"/>
@@ -6874,19 +6933,17 @@
             <a:endParaRPr/>
           </a:p>
           <a:p>
-            <a:pPr indent="-342900" lvl="0" marL="457200" rtl="0" algn="l">
-              <a:spcBef>
-                <a:spcPts val="0"/>
-              </a:spcBef>
-              <a:spcAft>
-                <a:spcPts val="0"/>
-              </a:spcAft>
-              <a:buSzPts val="1800"/>
-              <a:buAutoNum type="arabicPeriod" startAt="4"/>
+            <a:pPr indent="0" lvl="0" marL="0" rtl="0" algn="l">
+              <a:spcBef>
+                <a:spcPts val="1200"/>
+              </a:spcBef>
+              <a:spcAft>
+                <a:spcPts val="1200"/>
+              </a:spcAft>
+              <a:buNone/>
             </a:pPr>
             <a:r>
-              <a:rPr lang="en"/>
-              <a:t>Development velocity</a:t>
+              <a:t/>
             </a:r>
             <a:endParaRPr/>
           </a:p>
@@ -6894,7 +6951,7 @@
       </p:sp>
       <p:sp>
         <p:nvSpPr>
-          <p:cNvPr id="117" name="Google Shape;117;p17"/>
+          <p:cNvPr id="118" name="Google Shape;118;p17"/>
           <p:cNvSpPr txBox="1"/>
           <p:nvPr>
             <p:ph idx="12" type="sldNum"/>
@@ -6978,7 +7035,7 @@
   <p:cSld>
     <p:spTree>
       <p:nvGrpSpPr>
-        <p:cNvPr id="121" name="Shape 121"/>
+        <p:cNvPr id="122" name="Shape 122"/>
         <p:cNvGrpSpPr/>
         <p:nvPr/>
       </p:nvGrpSpPr>
@@ -6992,7 +7049,7 @@
       </p:grpSpPr>
       <p:sp>
         <p:nvSpPr>
-          <p:cNvPr id="122" name="Google Shape;122;p18"/>
+          <p:cNvPr id="123" name="Google Shape;123;p18"/>
           <p:cNvSpPr txBox="1"/>
           <p:nvPr>
             <p:ph type="title"/>
@@ -7032,7 +7089,7 @@
       </p:sp>
       <p:sp>
         <p:nvSpPr>
-          <p:cNvPr id="123" name="Google Shape;123;p18"/>
+          <p:cNvPr id="124" name="Google Shape;124;p18"/>
           <p:cNvSpPr txBox="1"/>
           <p:nvPr>
             <p:ph idx="1" type="body"/>
@@ -7116,7 +7173,7 @@
       </p:sp>
       <p:sp>
         <p:nvSpPr>
-          <p:cNvPr id="124" name="Google Shape;124;p18"/>
+          <p:cNvPr id="125" name="Google Shape;125;p18"/>
           <p:cNvSpPr txBox="1"/>
           <p:nvPr>
             <p:ph idx="12" type="sldNum"/>
@@ -7189,7 +7246,7 @@
       </p:sp>
       <p:sp>
         <p:nvSpPr>
-          <p:cNvPr id="125" name="Google Shape;125;p18"/>
+          <p:cNvPr id="126" name="Google Shape;126;p18"/>
           <p:cNvSpPr txBox="1"/>
           <p:nvPr/>
         </p:nvSpPr>
@@ -7263,7 +7320,7 @@
   <p:cSld>
     <p:spTree>
       <p:nvGrpSpPr>
-        <p:cNvPr id="129" name="Shape 129"/>
+        <p:cNvPr id="130" name="Shape 130"/>
         <p:cNvGrpSpPr/>
         <p:nvPr/>
       </p:nvGrpSpPr>
@@ -7277,7 +7334,7 @@
       </p:grpSpPr>
       <p:sp>
         <p:nvSpPr>
-          <p:cNvPr id="130" name="Google Shape;130;p19"/>
+          <p:cNvPr id="131" name="Google Shape;131;p19"/>
           <p:cNvSpPr txBox="1"/>
           <p:nvPr>
             <p:ph type="title"/>
@@ -7317,7 +7374,7 @@
       </p:sp>
       <p:sp>
         <p:nvSpPr>
-          <p:cNvPr id="131" name="Google Shape;131;p19"/>
+          <p:cNvPr id="132" name="Google Shape;132;p19"/>
           <p:cNvSpPr txBox="1"/>
           <p:nvPr>
             <p:ph idx="1" type="body"/>
@@ -7427,7 +7484,7 @@
       </p:sp>
       <p:sp>
         <p:nvSpPr>
-          <p:cNvPr id="132" name="Google Shape;132;p19"/>
+          <p:cNvPr id="133" name="Google Shape;133;p19"/>
           <p:cNvSpPr txBox="1"/>
           <p:nvPr>
             <p:ph idx="12" type="sldNum"/>
@@ -7511,7 +7568,7 @@
   <p:cSld>
     <p:spTree>
       <p:nvGrpSpPr>
-        <p:cNvPr id="136" name="Shape 136"/>
+        <p:cNvPr id="137" name="Shape 137"/>
         <p:cNvGrpSpPr/>
         <p:nvPr/>
       </p:nvGrpSpPr>
@@ -7525,7 +7582,7 @@
       </p:grpSpPr>
       <p:sp>
         <p:nvSpPr>
-          <p:cNvPr id="137" name="Google Shape;137;p20"/>
+          <p:cNvPr id="138" name="Google Shape;138;p20"/>
           <p:cNvSpPr txBox="1"/>
           <p:nvPr>
             <p:ph type="title"/>
@@ -7565,7 +7622,7 @@
       </p:sp>
       <p:sp>
         <p:nvSpPr>
-          <p:cNvPr id="138" name="Google Shape;138;p20"/>
+          <p:cNvPr id="139" name="Google Shape;139;p20"/>
           <p:cNvSpPr txBox="1"/>
           <p:nvPr>
             <p:ph idx="1" type="body"/>
@@ -7718,7 +7775,7 @@
       </p:sp>
       <p:sp>
         <p:nvSpPr>
-          <p:cNvPr id="139" name="Google Shape;139;p20"/>
+          <p:cNvPr id="140" name="Google Shape;140;p20"/>
           <p:cNvSpPr txBox="1"/>
           <p:nvPr>
             <p:ph idx="12" type="sldNum"/>
@@ -7802,7 +7859,7 @@
   <p:cSld>
     <p:spTree>
       <p:nvGrpSpPr>
-        <p:cNvPr id="143" name="Shape 143"/>
+        <p:cNvPr id="144" name="Shape 144"/>
         <p:cNvGrpSpPr/>
         <p:nvPr/>
       </p:nvGrpSpPr>
@@ -7816,7 +7873,7 @@
       </p:grpSpPr>
       <p:sp>
         <p:nvSpPr>
-          <p:cNvPr id="144" name="Google Shape;144;p21"/>
+          <p:cNvPr id="145" name="Google Shape;145;p21"/>
           <p:cNvSpPr txBox="1"/>
           <p:nvPr>
             <p:ph type="title"/>
@@ -7856,7 +7913,7 @@
       </p:sp>
       <p:pic>
         <p:nvPicPr>
-          <p:cNvPr id="145" name="Google Shape;145;p21"/>
+          <p:cNvPr id="146" name="Google Shape;146;p21"/>
           <p:cNvPicPr preferRelativeResize="0"/>
           <p:nvPr/>
         </p:nvPicPr>
@@ -7884,7 +7941,7 @@
       </p:pic>
       <p:sp>
         <p:nvSpPr>
-          <p:cNvPr id="146" name="Google Shape;146;p21"/>
+          <p:cNvPr id="147" name="Google Shape;147;p21"/>
           <p:cNvSpPr txBox="1"/>
           <p:nvPr/>
         </p:nvSpPr>
@@ -7926,7 +7983,7 @@
       </p:sp>
       <p:sp>
         <p:nvSpPr>
-          <p:cNvPr id="147" name="Google Shape;147;p21"/>
+          <p:cNvPr id="148" name="Google Shape;148;p21"/>
           <p:cNvSpPr txBox="1"/>
           <p:nvPr>
             <p:ph idx="12" type="sldNum"/>
@@ -8010,7 +8067,7 @@
   <p:cSld>
     <p:spTree>
       <p:nvGrpSpPr>
-        <p:cNvPr id="151" name="Shape 151"/>
+        <p:cNvPr id="152" name="Shape 152"/>
         <p:cNvGrpSpPr/>
         <p:nvPr/>
       </p:nvGrpSpPr>
@@ -8024,7 +8081,7 @@
       </p:grpSpPr>
       <p:sp>
         <p:nvSpPr>
-          <p:cNvPr id="152" name="Google Shape;152;p22"/>
+          <p:cNvPr id="153" name="Google Shape;153;p22"/>
           <p:cNvSpPr txBox="1"/>
           <p:nvPr>
             <p:ph type="title"/>
@@ -8064,7 +8121,7 @@
       </p:sp>
       <p:sp>
         <p:nvSpPr>
-          <p:cNvPr id="153" name="Google Shape;153;p22"/>
+          <p:cNvPr id="154" name="Google Shape;154;p22"/>
           <p:cNvSpPr txBox="1"/>
           <p:nvPr>
             <p:ph idx="12" type="sldNum"/>
@@ -8137,7 +8194,7 @@
       </p:sp>
       <p:sp>
         <p:nvSpPr>
-          <p:cNvPr id="154" name="Google Shape;154;p22"/>
+          <p:cNvPr id="155" name="Google Shape;155;p22"/>
           <p:cNvSpPr txBox="1"/>
           <p:nvPr>
             <p:ph idx="1" type="body"/>
@@ -8297,7 +8354,7 @@
   <p:cSld>
     <p:spTree>
       <p:nvGrpSpPr>
-        <p:cNvPr id="158" name="Shape 158"/>
+        <p:cNvPr id="159" name="Shape 159"/>
         <p:cNvGrpSpPr/>
         <p:nvPr/>
       </p:nvGrpSpPr>
@@ -8311,7 +8368,7 @@
       </p:grpSpPr>
       <p:sp>
         <p:nvSpPr>
-          <p:cNvPr id="159" name="Google Shape;159;p23"/>
+          <p:cNvPr id="160" name="Google Shape;160;p23"/>
           <p:cNvSpPr txBox="1"/>
           <p:nvPr>
             <p:ph type="title"/>
@@ -8351,7 +8408,7 @@
       </p:sp>
       <p:sp>
         <p:nvSpPr>
-          <p:cNvPr id="160" name="Google Shape;160;p23"/>
+          <p:cNvPr id="161" name="Google Shape;161;p23"/>
           <p:cNvSpPr txBox="1"/>
           <p:nvPr>
             <p:ph idx="1" type="body"/>
@@ -8388,7 +8445,7 @@
             </a:pPr>
             <a:r>
               <a:rPr lang="en"/>
-              <a:t>Course organization</a:t>
+              <a:t>Course organization a.k.a. information index</a:t>
             </a:r>
             <a:endParaRPr/>
           </a:p>
@@ -8418,7 +8475,7 @@
             </a:r>
             <a:r>
               <a:rPr lang="en"/>
-              <a:t> </a:t>
+              <a:t>   </a:t>
             </a:r>
             <a:endParaRPr/>
           </a:p>
@@ -8457,6 +8514,26 @@
             <a:r>
               <a:rPr lang="en"/>
               <a:t>See Schedule tab on Course organization doc</a:t>
+            </a:r>
+            <a:endParaRPr/>
+          </a:p>
+          <a:p>
+            <a:pPr indent="0" lvl="0" marL="0" rtl="0" algn="l">
+              <a:spcBef>
+                <a:spcPts val="1200"/>
+              </a:spcBef>
+              <a:spcAft>
+                <a:spcPts val="0"/>
+              </a:spcAft>
+              <a:buClr>
+                <a:schemeClr val="dk1"/>
+              </a:buClr>
+              <a:buSzPts val="1100"/>
+              <a:buFont typeface="Arial"/>
+              <a:buNone/>
+            </a:pPr>
+            <a:r>
+              <a:t/>
             </a:r>
             <a:endParaRPr/>
           </a:p>
@@ -8479,7 +8556,7 @@
       </p:sp>
       <p:sp>
         <p:nvSpPr>
-          <p:cNvPr id="161" name="Google Shape;161;p23"/>
+          <p:cNvPr id="162" name="Google Shape;162;p23"/>
           <p:cNvSpPr txBox="1"/>
           <p:nvPr>
             <p:ph idx="12" type="sldNum"/>
@@ -8563,7 +8640,7 @@
   <p:cSld>
     <p:spTree>
       <p:nvGrpSpPr>
-        <p:cNvPr id="165" name="Shape 165"/>
+        <p:cNvPr id="166" name="Shape 166"/>
         <p:cNvGrpSpPr/>
         <p:nvPr/>
       </p:nvGrpSpPr>
@@ -8577,7 +8654,7 @@
       </p:grpSpPr>
       <p:sp>
         <p:nvSpPr>
-          <p:cNvPr id="166" name="Google Shape;166;p24"/>
+          <p:cNvPr id="167" name="Google Shape;167;p24"/>
           <p:cNvSpPr txBox="1"/>
           <p:nvPr>
             <p:ph type="title"/>
@@ -8617,7 +8694,7 @@
       </p:sp>
       <p:sp>
         <p:nvSpPr>
-          <p:cNvPr id="167" name="Google Shape;167;p24"/>
+          <p:cNvPr id="168" name="Google Shape;168;p24"/>
           <p:cNvSpPr txBox="1"/>
           <p:nvPr>
             <p:ph idx="1" type="body"/>
@@ -8720,7 +8797,7 @@
       </p:sp>
       <p:sp>
         <p:nvSpPr>
-          <p:cNvPr id="168" name="Google Shape;168;p24"/>
+          <p:cNvPr id="169" name="Google Shape;169;p24"/>
           <p:cNvSpPr txBox="1"/>
           <p:nvPr>
             <p:ph idx="12" type="sldNum"/>
@@ -8804,7 +8881,7 @@
   <p:cSld>
     <p:spTree>
       <p:nvGrpSpPr>
-        <p:cNvPr id="172" name="Shape 172"/>
+        <p:cNvPr id="173" name="Shape 173"/>
         <p:cNvGrpSpPr/>
         <p:nvPr/>
       </p:nvGrpSpPr>
@@ -8818,7 +8895,7 @@
       </p:grpSpPr>
       <p:sp>
         <p:nvSpPr>
-          <p:cNvPr id="173" name="Google Shape;173;p25"/>
+          <p:cNvPr id="174" name="Google Shape;174;p25"/>
           <p:cNvSpPr txBox="1"/>
           <p:nvPr>
             <p:ph type="title"/>
@@ -8858,7 +8935,7 @@
       </p:sp>
       <p:sp>
         <p:nvSpPr>
-          <p:cNvPr id="174" name="Google Shape;174;p25"/>
+          <p:cNvPr id="175" name="Google Shape;175;p25"/>
           <p:cNvSpPr txBox="1"/>
           <p:nvPr>
             <p:ph idx="12" type="sldNum"/>
@@ -8931,7 +9008,7 @@
       </p:sp>
       <p:sp>
         <p:nvSpPr>
-          <p:cNvPr id="175" name="Google Shape;175;p25"/>
+          <p:cNvPr id="176" name="Google Shape;176;p25"/>
           <p:cNvSpPr txBox="1"/>
           <p:nvPr>
             <p:ph idx="1" type="body"/>
@@ -9087,7 +9164,7 @@
   <p:cSld>
     <p:spTree>
       <p:nvGrpSpPr>
-        <p:cNvPr id="179" name="Shape 179"/>
+        <p:cNvPr id="180" name="Shape 180"/>
         <p:cNvGrpSpPr/>
         <p:nvPr/>
       </p:nvGrpSpPr>
@@ -9101,7 +9178,7 @@
       </p:grpSpPr>
       <p:sp>
         <p:nvSpPr>
-          <p:cNvPr id="180" name="Google Shape;180;p26"/>
+          <p:cNvPr id="181" name="Google Shape;181;p26"/>
           <p:cNvSpPr txBox="1"/>
           <p:nvPr>
             <p:ph type="title"/>
@@ -9141,7 +9218,7 @@
       </p:sp>
       <p:sp>
         <p:nvSpPr>
-          <p:cNvPr id="181" name="Google Shape;181;p26"/>
+          <p:cNvPr id="182" name="Google Shape;182;p26"/>
           <p:cNvSpPr txBox="1"/>
           <p:nvPr>
             <p:ph idx="1" type="body"/>
@@ -9265,7 +9342,7 @@
       </p:sp>
       <p:sp>
         <p:nvSpPr>
-          <p:cNvPr id="182" name="Google Shape;182;p26"/>
+          <p:cNvPr id="183" name="Google Shape;183;p26"/>
           <p:cNvSpPr txBox="1"/>
           <p:nvPr>
             <p:ph idx="12" type="sldNum"/>
@@ -9349,7 +9426,7 @@
   <p:cSld>
     <p:spTree>
       <p:nvGrpSpPr>
-        <p:cNvPr id="56" name="Shape 56"/>
+        <p:cNvPr id="57" name="Shape 57"/>
         <p:cNvGrpSpPr/>
         <p:nvPr/>
       </p:nvGrpSpPr>
@@ -9363,7 +9440,7 @@
       </p:grpSpPr>
       <p:sp>
         <p:nvSpPr>
-          <p:cNvPr id="57" name="Google Shape;57;p9"/>
+          <p:cNvPr id="58" name="Google Shape;58;p9"/>
           <p:cNvSpPr txBox="1"/>
           <p:nvPr>
             <p:ph type="title"/>
@@ -9403,7 +9480,7 @@
       </p:sp>
       <p:sp>
         <p:nvSpPr>
-          <p:cNvPr id="58" name="Google Shape;58;p9"/>
+          <p:cNvPr id="59" name="Google Shape;59;p9"/>
           <p:cNvSpPr txBox="1"/>
           <p:nvPr>
             <p:ph idx="1" type="body"/>
@@ -9544,7 +9621,7 @@
       </p:sp>
       <p:sp>
         <p:nvSpPr>
-          <p:cNvPr id="59" name="Google Shape;59;p9"/>
+          <p:cNvPr id="60" name="Google Shape;60;p9"/>
           <p:cNvSpPr txBox="1"/>
           <p:nvPr>
             <p:ph idx="12" type="sldNum"/>
@@ -9628,7 +9705,7 @@
   <p:cSld>
     <p:spTree>
       <p:nvGrpSpPr>
-        <p:cNvPr id="186" name="Shape 186"/>
+        <p:cNvPr id="187" name="Shape 187"/>
         <p:cNvGrpSpPr/>
         <p:nvPr/>
       </p:nvGrpSpPr>
@@ -9642,7 +9719,7 @@
       </p:grpSpPr>
       <p:sp>
         <p:nvSpPr>
-          <p:cNvPr id="187" name="Google Shape;187;p27"/>
+          <p:cNvPr id="188" name="Google Shape;188;p27"/>
           <p:cNvSpPr txBox="1"/>
           <p:nvPr>
             <p:ph type="ctrTitle"/>
@@ -9682,7 +9759,7 @@
       </p:sp>
       <p:sp>
         <p:nvSpPr>
-          <p:cNvPr id="188" name="Google Shape;188;p27"/>
+          <p:cNvPr id="189" name="Google Shape;189;p27"/>
           <p:cNvSpPr txBox="1"/>
           <p:nvPr>
             <p:ph idx="1" type="subTitle"/>
@@ -9812,7 +9889,7 @@
   <p:cSld>
     <p:spTree>
       <p:nvGrpSpPr>
-        <p:cNvPr id="192" name="Shape 192"/>
+        <p:cNvPr id="193" name="Shape 193"/>
         <p:cNvGrpSpPr/>
         <p:nvPr/>
       </p:nvGrpSpPr>
@@ -9826,7 +9903,7 @@
       </p:grpSpPr>
       <p:sp>
         <p:nvSpPr>
-          <p:cNvPr id="193" name="Google Shape;193;p28"/>
+          <p:cNvPr id="194" name="Google Shape;194;p28"/>
           <p:cNvSpPr txBox="1"/>
           <p:nvPr>
             <p:ph type="title"/>
@@ -9866,7 +9943,7 @@
       </p:sp>
       <p:sp>
         <p:nvSpPr>
-          <p:cNvPr id="194" name="Google Shape;194;p28"/>
+          <p:cNvPr id="195" name="Google Shape;195;p28"/>
           <p:cNvSpPr txBox="1"/>
           <p:nvPr>
             <p:ph idx="12" type="sldNum"/>
@@ -9939,7 +10016,7 @@
       </p:sp>
       <p:sp>
         <p:nvSpPr>
-          <p:cNvPr id="195" name="Google Shape;195;p28"/>
+          <p:cNvPr id="196" name="Google Shape;196;p28"/>
           <p:cNvSpPr txBox="1"/>
           <p:nvPr>
             <p:ph idx="1" type="body"/>
@@ -10068,7 +10145,7 @@
   <p:cSld>
     <p:spTree>
       <p:nvGrpSpPr>
-        <p:cNvPr id="63" name="Shape 63"/>
+        <p:cNvPr id="64" name="Shape 64"/>
         <p:cNvGrpSpPr/>
         <p:nvPr/>
       </p:nvGrpSpPr>
@@ -10082,7 +10159,7 @@
       </p:grpSpPr>
       <p:sp>
         <p:nvSpPr>
-          <p:cNvPr id="64" name="Google Shape;64;p10"/>
+          <p:cNvPr id="65" name="Google Shape;65;p10"/>
           <p:cNvSpPr txBox="1"/>
           <p:nvPr>
             <p:ph type="title"/>
@@ -10126,7 +10203,7 @@
       </p:sp>
       <p:sp>
         <p:nvSpPr>
-          <p:cNvPr id="65" name="Google Shape;65;p10"/>
+          <p:cNvPr id="66" name="Google Shape;66;p10"/>
           <p:cNvSpPr txBox="1"/>
           <p:nvPr>
             <p:ph idx="1" type="body"/>
@@ -10283,7 +10360,7 @@
       </p:sp>
       <p:sp>
         <p:nvSpPr>
-          <p:cNvPr id="66" name="Google Shape;66;p10"/>
+          <p:cNvPr id="67" name="Google Shape;67;p10"/>
           <p:cNvSpPr txBox="1"/>
           <p:nvPr>
             <p:ph idx="12" type="sldNum"/>
@@ -10367,7 +10444,7 @@
   <p:cSld>
     <p:spTree>
       <p:nvGrpSpPr>
-        <p:cNvPr id="70" name="Shape 70"/>
+        <p:cNvPr id="71" name="Shape 71"/>
         <p:cNvGrpSpPr/>
         <p:nvPr/>
       </p:nvGrpSpPr>
@@ -10381,7 +10458,7 @@
       </p:grpSpPr>
       <p:sp>
         <p:nvSpPr>
-          <p:cNvPr id="71" name="Google Shape;71;p11"/>
+          <p:cNvPr id="72" name="Google Shape;72;p11"/>
           <p:cNvSpPr txBox="1"/>
           <p:nvPr>
             <p:ph type="title"/>
@@ -10421,7 +10498,7 @@
       </p:sp>
       <p:sp>
         <p:nvSpPr>
-          <p:cNvPr id="72" name="Google Shape;72;p11"/>
+          <p:cNvPr id="73" name="Google Shape;73;p11"/>
           <p:cNvSpPr txBox="1"/>
           <p:nvPr>
             <p:ph idx="12" type="sldNum"/>
@@ -10492,34 +10569,4661 @@
           </a:p>
         </p:txBody>
       </p:sp>
-      <p:pic>
-        <p:nvPicPr>
-          <p:cNvPr id="73" name="Google Shape;73;p11"/>
-          <p:cNvPicPr preferRelativeResize="0"/>
+      <p:graphicFrame>
+        <p:nvGraphicFramePr>
+          <p:cNvPr id="74" name="Google Shape;74;p11"/>
+          <p:cNvGraphicFramePr/>
           <p:nvPr/>
-        </p:nvPicPr>
-        <p:blipFill>
-          <a:blip r:embed="rId4">
-            <a:alphaModFix/>
-          </a:blip>
-          <a:stretch>
-            <a:fillRect/>
-          </a:stretch>
-        </p:blipFill>
-        <p:spPr>
-          <a:xfrm>
-            <a:off x="274320" y="914400"/>
-            <a:ext cx="8595360" cy="3502840"/>
-          </a:xfrm>
-          <a:prstGeom prst="rect">
-            <a:avLst/>
-          </a:prstGeom>
-          <a:noFill/>
-          <a:ln>
-            <a:noFill/>
-          </a:ln>
-        </p:spPr>
-      </p:pic>
+        </p:nvGraphicFramePr>
+        <p:xfrm>
+          <a:off x="274320" y="914400"/>
+          <a:ext cx="3000000" cy="3000000"/>
+        </p:xfrm>
+        <a:graphic>
+          <a:graphicData uri="http://schemas.openxmlformats.org/drawingml/2006/table">
+            <a:tbl>
+              <a:tblPr>
+                <a:noFill/>
+                <a:tableStyleId>{6F647274-4A46-4406-86EE-207FD5B9EB88}</a:tableStyleId>
+              </a:tblPr>
+              <a:tblGrid>
+                <a:gridCol w="859550"/>
+                <a:gridCol w="859550"/>
+                <a:gridCol w="859550"/>
+                <a:gridCol w="859550"/>
+                <a:gridCol w="859550"/>
+                <a:gridCol w="859550"/>
+                <a:gridCol w="859550"/>
+                <a:gridCol w="859550"/>
+                <a:gridCol w="859550"/>
+                <a:gridCol w="859550"/>
+              </a:tblGrid>
+              <a:tr h="457200">
+                <a:tc gridSpan="6">
+                  <a:txBody>
+                    <a:bodyPr/>
+                    <a:lstStyle/>
+                    <a:p>
+                      <a:pPr indent="0" lvl="0" marL="0" rtl="0" algn="ctr">
+                        <a:spcBef>
+                          <a:spcPts val="0"/>
+                        </a:spcBef>
+                        <a:spcAft>
+                          <a:spcPts val="0"/>
+                        </a:spcAft>
+                        <a:buNone/>
+                      </a:pPr>
+                      <a:r>
+                        <a:rPr b="1" lang="en">
+                          <a:solidFill>
+                            <a:schemeClr val="lt1"/>
+                          </a:solidFill>
+                        </a:rPr>
+                        <a:t>Bachelor’s</a:t>
+                      </a:r>
+                      <a:endParaRPr b="1">
+                        <a:solidFill>
+                          <a:schemeClr val="lt1"/>
+                        </a:solidFill>
+                      </a:endParaRPr>
+                    </a:p>
+                  </a:txBody>
+                  <a:tcPr marT="91425" marB="91425" marR="91425" marL="91425" anchor="ctr">
+                    <a:lnL cap="flat" cmpd="sng" w="38100">
+                      <a:solidFill>
+                        <a:schemeClr val="lt1"/>
+                      </a:solidFill>
+                      <a:prstDash val="solid"/>
+                      <a:round/>
+                      <a:headEnd len="sm" w="sm" type="none"/>
+                      <a:tailEnd len="sm" w="sm" type="none"/>
+                    </a:lnL>
+                    <a:lnR cap="flat" cmpd="sng" w="38100">
+                      <a:solidFill>
+                        <a:schemeClr val="lt1"/>
+                      </a:solidFill>
+                      <a:prstDash val="solid"/>
+                      <a:round/>
+                      <a:headEnd len="sm" w="sm" type="none"/>
+                      <a:tailEnd len="sm" w="sm" type="none"/>
+                    </a:lnR>
+                    <a:lnT cap="flat" cmpd="sng" w="38100">
+                      <a:solidFill>
+                        <a:schemeClr val="lt1"/>
+                      </a:solidFill>
+                      <a:prstDash val="solid"/>
+                      <a:round/>
+                      <a:headEnd len="sm" w="sm" type="none"/>
+                      <a:tailEnd len="sm" w="sm" type="none"/>
+                    </a:lnT>
+                    <a:lnB cap="flat" cmpd="sng" w="38100">
+                      <a:solidFill>
+                        <a:schemeClr val="lt1"/>
+                      </a:solidFill>
+                      <a:prstDash val="solid"/>
+                      <a:round/>
+                      <a:headEnd len="sm" w="sm" type="none"/>
+                      <a:tailEnd len="sm" w="sm" type="none"/>
+                    </a:lnB>
+                    <a:solidFill>
+                      <a:schemeClr val="dk2"/>
+                    </a:solidFill>
+                  </a:tcPr>
+                </a:tc>
+                <a:tc hMerge="1"/>
+                <a:tc hMerge="1"/>
+                <a:tc hMerge="1"/>
+                <a:tc hMerge="1"/>
+                <a:tc hMerge="1"/>
+                <a:tc gridSpan="4">
+                  <a:txBody>
+                    <a:bodyPr/>
+                    <a:lstStyle/>
+                    <a:p>
+                      <a:pPr indent="0" lvl="0" marL="0" rtl="0" algn="ctr">
+                        <a:spcBef>
+                          <a:spcPts val="0"/>
+                        </a:spcBef>
+                        <a:spcAft>
+                          <a:spcPts val="0"/>
+                        </a:spcAft>
+                        <a:buNone/>
+                      </a:pPr>
+                      <a:r>
+                        <a:rPr b="1" lang="en">
+                          <a:solidFill>
+                            <a:schemeClr val="lt1"/>
+                          </a:solidFill>
+                        </a:rPr>
+                        <a:t>Master’s</a:t>
+                      </a:r>
+                      <a:endParaRPr b="1">
+                        <a:solidFill>
+                          <a:schemeClr val="lt1"/>
+                        </a:solidFill>
+                      </a:endParaRPr>
+                    </a:p>
+                  </a:txBody>
+                  <a:tcPr marT="91425" marB="91425" marR="91425" marL="91425" anchor="ctr">
+                    <a:lnL cap="flat" cmpd="sng" w="38100">
+                      <a:solidFill>
+                        <a:schemeClr val="lt1"/>
+                      </a:solidFill>
+                      <a:prstDash val="solid"/>
+                      <a:round/>
+                      <a:headEnd len="sm" w="sm" type="none"/>
+                      <a:tailEnd len="sm" w="sm" type="none"/>
+                    </a:lnL>
+                    <a:lnR cap="flat" cmpd="sng" w="38100">
+                      <a:solidFill>
+                        <a:schemeClr val="lt1"/>
+                      </a:solidFill>
+                      <a:prstDash val="solid"/>
+                      <a:round/>
+                      <a:headEnd len="sm" w="sm" type="none"/>
+                      <a:tailEnd len="sm" w="sm" type="none"/>
+                    </a:lnR>
+                    <a:lnT cap="flat" cmpd="sng" w="38100">
+                      <a:solidFill>
+                        <a:schemeClr val="lt1"/>
+                      </a:solidFill>
+                      <a:prstDash val="solid"/>
+                      <a:round/>
+                      <a:headEnd len="sm" w="sm" type="none"/>
+                      <a:tailEnd len="sm" w="sm" type="none"/>
+                    </a:lnT>
+                    <a:lnB cap="flat" cmpd="sng" w="38100">
+                      <a:solidFill>
+                        <a:schemeClr val="lt1"/>
+                      </a:solidFill>
+                      <a:prstDash val="solid"/>
+                      <a:round/>
+                      <a:headEnd len="sm" w="sm" type="none"/>
+                      <a:tailEnd len="sm" w="sm" type="none"/>
+                    </a:lnB>
+                    <a:solidFill>
+                      <a:schemeClr val="dk2"/>
+                    </a:solidFill>
+                  </a:tcPr>
+                </a:tc>
+                <a:tc hMerge="1"/>
+                <a:tc hMerge="1"/>
+                <a:tc hMerge="1"/>
+              </a:tr>
+              <a:tr h="457200">
+                <a:tc>
+                  <a:txBody>
+                    <a:bodyPr/>
+                    <a:lstStyle/>
+                    <a:p>
+                      <a:pPr indent="0" lvl="0" marL="0" rtl="0" algn="ctr">
+                        <a:spcBef>
+                          <a:spcPts val="0"/>
+                        </a:spcBef>
+                        <a:spcAft>
+                          <a:spcPts val="0"/>
+                        </a:spcAft>
+                        <a:buNone/>
+                      </a:pPr>
+                      <a:r>
+                        <a:rPr b="1" lang="en">
+                          <a:solidFill>
+                            <a:schemeClr val="lt1"/>
+                          </a:solidFill>
+                        </a:rPr>
+                        <a:t>1</a:t>
+                      </a:r>
+                      <a:endParaRPr b="1">
+                        <a:solidFill>
+                          <a:schemeClr val="lt1"/>
+                        </a:solidFill>
+                      </a:endParaRPr>
+                    </a:p>
+                  </a:txBody>
+                  <a:tcPr marT="91425" marB="91425" marR="91425" marL="91425" anchor="ctr">
+                    <a:lnL cap="flat" cmpd="sng" w="38100">
+                      <a:solidFill>
+                        <a:schemeClr val="lt1"/>
+                      </a:solidFill>
+                      <a:prstDash val="solid"/>
+                      <a:round/>
+                      <a:headEnd len="sm" w="sm" type="none"/>
+                      <a:tailEnd len="sm" w="sm" type="none"/>
+                    </a:lnL>
+                    <a:lnR cap="flat" cmpd="sng" w="38100">
+                      <a:solidFill>
+                        <a:schemeClr val="lt1"/>
+                      </a:solidFill>
+                      <a:prstDash val="solid"/>
+                      <a:round/>
+                      <a:headEnd len="sm" w="sm" type="none"/>
+                      <a:tailEnd len="sm" w="sm" type="none"/>
+                    </a:lnR>
+                    <a:lnT cap="flat" cmpd="sng" w="38100">
+                      <a:solidFill>
+                        <a:schemeClr val="lt1"/>
+                      </a:solidFill>
+                      <a:prstDash val="solid"/>
+                      <a:round/>
+                      <a:headEnd len="sm" w="sm" type="none"/>
+                      <a:tailEnd len="sm" w="sm" type="none"/>
+                    </a:lnT>
+                    <a:lnB cap="flat" cmpd="sng" w="38100">
+                      <a:solidFill>
+                        <a:schemeClr val="lt1"/>
+                      </a:solidFill>
+                      <a:prstDash val="solid"/>
+                      <a:round/>
+                      <a:headEnd len="sm" w="sm" type="none"/>
+                      <a:tailEnd len="sm" w="sm" type="none"/>
+                    </a:lnB>
+                    <a:solidFill>
+                      <a:schemeClr val="lt2"/>
+                    </a:solidFill>
+                  </a:tcPr>
+                </a:tc>
+                <a:tc>
+                  <a:txBody>
+                    <a:bodyPr/>
+                    <a:lstStyle/>
+                    <a:p>
+                      <a:pPr indent="0" lvl="0" marL="0" rtl="0" algn="ctr">
+                        <a:spcBef>
+                          <a:spcPts val="0"/>
+                        </a:spcBef>
+                        <a:spcAft>
+                          <a:spcPts val="0"/>
+                        </a:spcAft>
+                        <a:buNone/>
+                      </a:pPr>
+                      <a:r>
+                        <a:rPr b="1" lang="en">
+                          <a:solidFill>
+                            <a:schemeClr val="lt1"/>
+                          </a:solidFill>
+                        </a:rPr>
+                        <a:t>2</a:t>
+                      </a:r>
+                      <a:endParaRPr b="1">
+                        <a:solidFill>
+                          <a:schemeClr val="lt1"/>
+                        </a:solidFill>
+                      </a:endParaRPr>
+                    </a:p>
+                  </a:txBody>
+                  <a:tcPr marT="91425" marB="91425" marR="91425" marL="91425" anchor="ctr">
+                    <a:lnL cap="flat" cmpd="sng" w="38100">
+                      <a:solidFill>
+                        <a:schemeClr val="lt1"/>
+                      </a:solidFill>
+                      <a:prstDash val="solid"/>
+                      <a:round/>
+                      <a:headEnd len="sm" w="sm" type="none"/>
+                      <a:tailEnd len="sm" w="sm" type="none"/>
+                    </a:lnL>
+                    <a:lnR cap="flat" cmpd="sng" w="38100">
+                      <a:solidFill>
+                        <a:schemeClr val="lt1"/>
+                      </a:solidFill>
+                      <a:prstDash val="solid"/>
+                      <a:round/>
+                      <a:headEnd len="sm" w="sm" type="none"/>
+                      <a:tailEnd len="sm" w="sm" type="none"/>
+                    </a:lnR>
+                    <a:lnT cap="flat" cmpd="sng" w="38100">
+                      <a:solidFill>
+                        <a:schemeClr val="lt1"/>
+                      </a:solidFill>
+                      <a:prstDash val="solid"/>
+                      <a:round/>
+                      <a:headEnd len="sm" w="sm" type="none"/>
+                      <a:tailEnd len="sm" w="sm" type="none"/>
+                    </a:lnT>
+                    <a:lnB cap="flat" cmpd="sng" w="38100">
+                      <a:solidFill>
+                        <a:schemeClr val="lt1"/>
+                      </a:solidFill>
+                      <a:prstDash val="solid"/>
+                      <a:round/>
+                      <a:headEnd len="sm" w="sm" type="none"/>
+                      <a:tailEnd len="sm" w="sm" type="none"/>
+                    </a:lnB>
+                    <a:solidFill>
+                      <a:schemeClr val="lt2"/>
+                    </a:solidFill>
+                  </a:tcPr>
+                </a:tc>
+                <a:tc>
+                  <a:txBody>
+                    <a:bodyPr/>
+                    <a:lstStyle/>
+                    <a:p>
+                      <a:pPr indent="0" lvl="0" marL="0" rtl="0" algn="ctr">
+                        <a:spcBef>
+                          <a:spcPts val="0"/>
+                        </a:spcBef>
+                        <a:spcAft>
+                          <a:spcPts val="0"/>
+                        </a:spcAft>
+                        <a:buNone/>
+                      </a:pPr>
+                      <a:r>
+                        <a:rPr b="1" lang="en">
+                          <a:solidFill>
+                            <a:schemeClr val="lt1"/>
+                          </a:solidFill>
+                        </a:rPr>
+                        <a:t>3</a:t>
+                      </a:r>
+                      <a:endParaRPr b="1">
+                        <a:solidFill>
+                          <a:schemeClr val="lt1"/>
+                        </a:solidFill>
+                      </a:endParaRPr>
+                    </a:p>
+                  </a:txBody>
+                  <a:tcPr marT="91425" marB="91425" marR="91425" marL="91425" anchor="ctr">
+                    <a:lnL cap="flat" cmpd="sng" w="38100">
+                      <a:solidFill>
+                        <a:schemeClr val="lt1"/>
+                      </a:solidFill>
+                      <a:prstDash val="solid"/>
+                      <a:round/>
+                      <a:headEnd len="sm" w="sm" type="none"/>
+                      <a:tailEnd len="sm" w="sm" type="none"/>
+                    </a:lnL>
+                    <a:lnR cap="flat" cmpd="sng" w="38100">
+                      <a:solidFill>
+                        <a:schemeClr val="lt1"/>
+                      </a:solidFill>
+                      <a:prstDash val="solid"/>
+                      <a:round/>
+                      <a:headEnd len="sm" w="sm" type="none"/>
+                      <a:tailEnd len="sm" w="sm" type="none"/>
+                    </a:lnR>
+                    <a:lnT cap="flat" cmpd="sng" w="38100">
+                      <a:solidFill>
+                        <a:schemeClr val="lt1"/>
+                      </a:solidFill>
+                      <a:prstDash val="solid"/>
+                      <a:round/>
+                      <a:headEnd len="sm" w="sm" type="none"/>
+                      <a:tailEnd len="sm" w="sm" type="none"/>
+                    </a:lnT>
+                    <a:lnB cap="flat" cmpd="sng" w="38100">
+                      <a:solidFill>
+                        <a:schemeClr val="lt1"/>
+                      </a:solidFill>
+                      <a:prstDash val="solid"/>
+                      <a:round/>
+                      <a:headEnd len="sm" w="sm" type="none"/>
+                      <a:tailEnd len="sm" w="sm" type="none"/>
+                    </a:lnB>
+                    <a:solidFill>
+                      <a:schemeClr val="lt2"/>
+                    </a:solidFill>
+                  </a:tcPr>
+                </a:tc>
+                <a:tc>
+                  <a:txBody>
+                    <a:bodyPr/>
+                    <a:lstStyle/>
+                    <a:p>
+                      <a:pPr indent="0" lvl="0" marL="0" rtl="0" algn="ctr">
+                        <a:spcBef>
+                          <a:spcPts val="0"/>
+                        </a:spcBef>
+                        <a:spcAft>
+                          <a:spcPts val="0"/>
+                        </a:spcAft>
+                        <a:buNone/>
+                      </a:pPr>
+                      <a:r>
+                        <a:rPr b="1" lang="en">
+                          <a:solidFill>
+                            <a:schemeClr val="lt1"/>
+                          </a:solidFill>
+                        </a:rPr>
+                        <a:t>4</a:t>
+                      </a:r>
+                      <a:endParaRPr b="1">
+                        <a:solidFill>
+                          <a:schemeClr val="lt1"/>
+                        </a:solidFill>
+                      </a:endParaRPr>
+                    </a:p>
+                  </a:txBody>
+                  <a:tcPr marT="91425" marB="91425" marR="91425" marL="91425" anchor="ctr">
+                    <a:lnL cap="flat" cmpd="sng" w="38100">
+                      <a:solidFill>
+                        <a:schemeClr val="lt1"/>
+                      </a:solidFill>
+                      <a:prstDash val="solid"/>
+                      <a:round/>
+                      <a:headEnd len="sm" w="sm" type="none"/>
+                      <a:tailEnd len="sm" w="sm" type="none"/>
+                    </a:lnL>
+                    <a:lnR cap="flat" cmpd="sng" w="38100">
+                      <a:solidFill>
+                        <a:schemeClr val="lt1"/>
+                      </a:solidFill>
+                      <a:prstDash val="solid"/>
+                      <a:round/>
+                      <a:headEnd len="sm" w="sm" type="none"/>
+                      <a:tailEnd len="sm" w="sm" type="none"/>
+                    </a:lnR>
+                    <a:lnT cap="flat" cmpd="sng" w="38100">
+                      <a:solidFill>
+                        <a:schemeClr val="lt1"/>
+                      </a:solidFill>
+                      <a:prstDash val="solid"/>
+                      <a:round/>
+                      <a:headEnd len="sm" w="sm" type="none"/>
+                      <a:tailEnd len="sm" w="sm" type="none"/>
+                    </a:lnT>
+                    <a:lnB cap="flat" cmpd="sng" w="38100">
+                      <a:solidFill>
+                        <a:schemeClr val="lt1"/>
+                      </a:solidFill>
+                      <a:prstDash val="solid"/>
+                      <a:round/>
+                      <a:headEnd len="sm" w="sm" type="none"/>
+                      <a:tailEnd len="sm" w="sm" type="none"/>
+                    </a:lnB>
+                    <a:solidFill>
+                      <a:schemeClr val="lt2"/>
+                    </a:solidFill>
+                  </a:tcPr>
+                </a:tc>
+                <a:tc>
+                  <a:txBody>
+                    <a:bodyPr/>
+                    <a:lstStyle/>
+                    <a:p>
+                      <a:pPr indent="0" lvl="0" marL="0" rtl="0" algn="ctr">
+                        <a:spcBef>
+                          <a:spcPts val="0"/>
+                        </a:spcBef>
+                        <a:spcAft>
+                          <a:spcPts val="0"/>
+                        </a:spcAft>
+                        <a:buNone/>
+                      </a:pPr>
+                      <a:r>
+                        <a:rPr b="1" lang="en">
+                          <a:solidFill>
+                            <a:schemeClr val="lt1"/>
+                          </a:solidFill>
+                        </a:rPr>
+                        <a:t>5</a:t>
+                      </a:r>
+                      <a:endParaRPr b="1">
+                        <a:solidFill>
+                          <a:schemeClr val="lt1"/>
+                        </a:solidFill>
+                      </a:endParaRPr>
+                    </a:p>
+                  </a:txBody>
+                  <a:tcPr marT="91425" marB="91425" marR="91425" marL="91425" anchor="ctr">
+                    <a:lnL cap="flat" cmpd="sng" w="38100">
+                      <a:solidFill>
+                        <a:schemeClr val="lt1"/>
+                      </a:solidFill>
+                      <a:prstDash val="solid"/>
+                      <a:round/>
+                      <a:headEnd len="sm" w="sm" type="none"/>
+                      <a:tailEnd len="sm" w="sm" type="none"/>
+                    </a:lnL>
+                    <a:lnR cap="flat" cmpd="sng" w="38100">
+                      <a:solidFill>
+                        <a:schemeClr val="lt1"/>
+                      </a:solidFill>
+                      <a:prstDash val="solid"/>
+                      <a:round/>
+                      <a:headEnd len="sm" w="sm" type="none"/>
+                      <a:tailEnd len="sm" w="sm" type="none"/>
+                    </a:lnR>
+                    <a:lnT cap="flat" cmpd="sng" w="38100">
+                      <a:solidFill>
+                        <a:schemeClr val="lt1"/>
+                      </a:solidFill>
+                      <a:prstDash val="solid"/>
+                      <a:round/>
+                      <a:headEnd len="sm" w="sm" type="none"/>
+                      <a:tailEnd len="sm" w="sm" type="none"/>
+                    </a:lnT>
+                    <a:lnB cap="flat" cmpd="sng" w="38100">
+                      <a:solidFill>
+                        <a:schemeClr val="lt1"/>
+                      </a:solidFill>
+                      <a:prstDash val="solid"/>
+                      <a:round/>
+                      <a:headEnd len="sm" w="sm" type="none"/>
+                      <a:tailEnd len="sm" w="sm" type="none"/>
+                    </a:lnB>
+                    <a:solidFill>
+                      <a:schemeClr val="lt2"/>
+                    </a:solidFill>
+                  </a:tcPr>
+                </a:tc>
+                <a:tc>
+                  <a:txBody>
+                    <a:bodyPr/>
+                    <a:lstStyle/>
+                    <a:p>
+                      <a:pPr indent="0" lvl="0" marL="0" rtl="0" algn="ctr">
+                        <a:spcBef>
+                          <a:spcPts val="0"/>
+                        </a:spcBef>
+                        <a:spcAft>
+                          <a:spcPts val="0"/>
+                        </a:spcAft>
+                        <a:buNone/>
+                      </a:pPr>
+                      <a:r>
+                        <a:rPr b="1" lang="en">
+                          <a:solidFill>
+                            <a:schemeClr val="lt1"/>
+                          </a:solidFill>
+                        </a:rPr>
+                        <a:t>6</a:t>
+                      </a:r>
+                      <a:endParaRPr b="1">
+                        <a:solidFill>
+                          <a:schemeClr val="lt1"/>
+                        </a:solidFill>
+                      </a:endParaRPr>
+                    </a:p>
+                  </a:txBody>
+                  <a:tcPr marT="91425" marB="91425" marR="91425" marL="91425" anchor="ctr">
+                    <a:lnL cap="flat" cmpd="sng" w="38100">
+                      <a:solidFill>
+                        <a:schemeClr val="lt1"/>
+                      </a:solidFill>
+                      <a:prstDash val="solid"/>
+                      <a:round/>
+                      <a:headEnd len="sm" w="sm" type="none"/>
+                      <a:tailEnd len="sm" w="sm" type="none"/>
+                    </a:lnL>
+                    <a:lnR cap="flat" cmpd="sng" w="38100">
+                      <a:solidFill>
+                        <a:schemeClr val="lt1"/>
+                      </a:solidFill>
+                      <a:prstDash val="solid"/>
+                      <a:round/>
+                      <a:headEnd len="sm" w="sm" type="none"/>
+                      <a:tailEnd len="sm" w="sm" type="none"/>
+                    </a:lnR>
+                    <a:lnT cap="flat" cmpd="sng" w="38100">
+                      <a:solidFill>
+                        <a:schemeClr val="lt1"/>
+                      </a:solidFill>
+                      <a:prstDash val="solid"/>
+                      <a:round/>
+                      <a:headEnd len="sm" w="sm" type="none"/>
+                      <a:tailEnd len="sm" w="sm" type="none"/>
+                    </a:lnT>
+                    <a:lnB cap="flat" cmpd="sng" w="38100">
+                      <a:solidFill>
+                        <a:schemeClr val="lt1"/>
+                      </a:solidFill>
+                      <a:prstDash val="solid"/>
+                      <a:round/>
+                      <a:headEnd len="sm" w="sm" type="none"/>
+                      <a:tailEnd len="sm" w="sm" type="none"/>
+                    </a:lnB>
+                    <a:solidFill>
+                      <a:schemeClr val="lt2"/>
+                    </a:solidFill>
+                  </a:tcPr>
+                </a:tc>
+                <a:tc>
+                  <a:txBody>
+                    <a:bodyPr/>
+                    <a:lstStyle/>
+                    <a:p>
+                      <a:pPr indent="0" lvl="0" marL="0" rtl="0" algn="ctr">
+                        <a:spcBef>
+                          <a:spcPts val="0"/>
+                        </a:spcBef>
+                        <a:spcAft>
+                          <a:spcPts val="0"/>
+                        </a:spcAft>
+                        <a:buNone/>
+                      </a:pPr>
+                      <a:r>
+                        <a:rPr b="1" lang="en">
+                          <a:solidFill>
+                            <a:schemeClr val="lt1"/>
+                          </a:solidFill>
+                        </a:rPr>
+                        <a:t>1</a:t>
+                      </a:r>
+                      <a:endParaRPr b="1">
+                        <a:solidFill>
+                          <a:schemeClr val="lt1"/>
+                        </a:solidFill>
+                      </a:endParaRPr>
+                    </a:p>
+                  </a:txBody>
+                  <a:tcPr marT="91425" marB="91425" marR="91425" marL="91425" anchor="ctr">
+                    <a:lnL cap="flat" cmpd="sng" w="38100">
+                      <a:solidFill>
+                        <a:schemeClr val="lt1"/>
+                      </a:solidFill>
+                      <a:prstDash val="solid"/>
+                      <a:round/>
+                      <a:headEnd len="sm" w="sm" type="none"/>
+                      <a:tailEnd len="sm" w="sm" type="none"/>
+                    </a:lnL>
+                    <a:lnR cap="flat" cmpd="sng" w="38100">
+                      <a:solidFill>
+                        <a:schemeClr val="lt1"/>
+                      </a:solidFill>
+                      <a:prstDash val="solid"/>
+                      <a:round/>
+                      <a:headEnd len="sm" w="sm" type="none"/>
+                      <a:tailEnd len="sm" w="sm" type="none"/>
+                    </a:lnR>
+                    <a:lnT cap="flat" cmpd="sng" w="38100">
+                      <a:solidFill>
+                        <a:schemeClr val="lt1"/>
+                      </a:solidFill>
+                      <a:prstDash val="solid"/>
+                      <a:round/>
+                      <a:headEnd len="sm" w="sm" type="none"/>
+                      <a:tailEnd len="sm" w="sm" type="none"/>
+                    </a:lnT>
+                    <a:lnB cap="flat" cmpd="sng" w="38100">
+                      <a:solidFill>
+                        <a:schemeClr val="lt1"/>
+                      </a:solidFill>
+                      <a:prstDash val="solid"/>
+                      <a:round/>
+                      <a:headEnd len="sm" w="sm" type="none"/>
+                      <a:tailEnd len="sm" w="sm" type="none"/>
+                    </a:lnB>
+                    <a:solidFill>
+                      <a:schemeClr val="lt2"/>
+                    </a:solidFill>
+                  </a:tcPr>
+                </a:tc>
+                <a:tc>
+                  <a:txBody>
+                    <a:bodyPr/>
+                    <a:lstStyle/>
+                    <a:p>
+                      <a:pPr indent="0" lvl="0" marL="0" rtl="0" algn="ctr">
+                        <a:spcBef>
+                          <a:spcPts val="0"/>
+                        </a:spcBef>
+                        <a:spcAft>
+                          <a:spcPts val="0"/>
+                        </a:spcAft>
+                        <a:buNone/>
+                      </a:pPr>
+                      <a:r>
+                        <a:rPr b="1" lang="en">
+                          <a:solidFill>
+                            <a:schemeClr val="lt1"/>
+                          </a:solidFill>
+                        </a:rPr>
+                        <a:t>2</a:t>
+                      </a:r>
+                      <a:endParaRPr b="1">
+                        <a:solidFill>
+                          <a:schemeClr val="lt1"/>
+                        </a:solidFill>
+                      </a:endParaRPr>
+                    </a:p>
+                  </a:txBody>
+                  <a:tcPr marT="91425" marB="91425" marR="91425" marL="91425" anchor="ctr">
+                    <a:lnL cap="flat" cmpd="sng" w="38100">
+                      <a:solidFill>
+                        <a:schemeClr val="lt1"/>
+                      </a:solidFill>
+                      <a:prstDash val="solid"/>
+                      <a:round/>
+                      <a:headEnd len="sm" w="sm" type="none"/>
+                      <a:tailEnd len="sm" w="sm" type="none"/>
+                    </a:lnL>
+                    <a:lnR cap="flat" cmpd="sng" w="38100">
+                      <a:solidFill>
+                        <a:schemeClr val="lt1"/>
+                      </a:solidFill>
+                      <a:prstDash val="solid"/>
+                      <a:round/>
+                      <a:headEnd len="sm" w="sm" type="none"/>
+                      <a:tailEnd len="sm" w="sm" type="none"/>
+                    </a:lnR>
+                    <a:lnT cap="flat" cmpd="sng" w="38100">
+                      <a:solidFill>
+                        <a:schemeClr val="lt1"/>
+                      </a:solidFill>
+                      <a:prstDash val="solid"/>
+                      <a:round/>
+                      <a:headEnd len="sm" w="sm" type="none"/>
+                      <a:tailEnd len="sm" w="sm" type="none"/>
+                    </a:lnT>
+                    <a:lnB cap="flat" cmpd="sng" w="38100">
+                      <a:solidFill>
+                        <a:schemeClr val="lt1"/>
+                      </a:solidFill>
+                      <a:prstDash val="solid"/>
+                      <a:round/>
+                      <a:headEnd len="sm" w="sm" type="none"/>
+                      <a:tailEnd len="sm" w="sm" type="none"/>
+                    </a:lnB>
+                    <a:solidFill>
+                      <a:schemeClr val="lt2"/>
+                    </a:solidFill>
+                  </a:tcPr>
+                </a:tc>
+                <a:tc>
+                  <a:txBody>
+                    <a:bodyPr/>
+                    <a:lstStyle/>
+                    <a:p>
+                      <a:pPr indent="0" lvl="0" marL="0" rtl="0" algn="ctr">
+                        <a:spcBef>
+                          <a:spcPts val="0"/>
+                        </a:spcBef>
+                        <a:spcAft>
+                          <a:spcPts val="0"/>
+                        </a:spcAft>
+                        <a:buNone/>
+                      </a:pPr>
+                      <a:r>
+                        <a:rPr b="1" lang="en">
+                          <a:solidFill>
+                            <a:schemeClr val="lt1"/>
+                          </a:solidFill>
+                        </a:rPr>
+                        <a:t>3</a:t>
+                      </a:r>
+                      <a:endParaRPr b="1">
+                        <a:solidFill>
+                          <a:schemeClr val="lt1"/>
+                        </a:solidFill>
+                      </a:endParaRPr>
+                    </a:p>
+                  </a:txBody>
+                  <a:tcPr marT="91425" marB="91425" marR="91425" marL="91425" anchor="ctr">
+                    <a:lnL cap="flat" cmpd="sng" w="38100">
+                      <a:solidFill>
+                        <a:schemeClr val="lt1"/>
+                      </a:solidFill>
+                      <a:prstDash val="solid"/>
+                      <a:round/>
+                      <a:headEnd len="sm" w="sm" type="none"/>
+                      <a:tailEnd len="sm" w="sm" type="none"/>
+                    </a:lnL>
+                    <a:lnR cap="flat" cmpd="sng" w="38100">
+                      <a:solidFill>
+                        <a:schemeClr val="lt1"/>
+                      </a:solidFill>
+                      <a:prstDash val="solid"/>
+                      <a:round/>
+                      <a:headEnd len="sm" w="sm" type="none"/>
+                      <a:tailEnd len="sm" w="sm" type="none"/>
+                    </a:lnR>
+                    <a:lnT cap="flat" cmpd="sng" w="38100">
+                      <a:solidFill>
+                        <a:schemeClr val="lt1"/>
+                      </a:solidFill>
+                      <a:prstDash val="solid"/>
+                      <a:round/>
+                      <a:headEnd len="sm" w="sm" type="none"/>
+                      <a:tailEnd len="sm" w="sm" type="none"/>
+                    </a:lnT>
+                    <a:lnB cap="flat" cmpd="sng" w="38100">
+                      <a:solidFill>
+                        <a:schemeClr val="lt1"/>
+                      </a:solidFill>
+                      <a:prstDash val="solid"/>
+                      <a:round/>
+                      <a:headEnd len="sm" w="sm" type="none"/>
+                      <a:tailEnd len="sm" w="sm" type="none"/>
+                    </a:lnB>
+                    <a:solidFill>
+                      <a:schemeClr val="lt2"/>
+                    </a:solidFill>
+                  </a:tcPr>
+                </a:tc>
+                <a:tc>
+                  <a:txBody>
+                    <a:bodyPr/>
+                    <a:lstStyle/>
+                    <a:p>
+                      <a:pPr indent="0" lvl="0" marL="0" rtl="0" algn="ctr">
+                        <a:spcBef>
+                          <a:spcPts val="0"/>
+                        </a:spcBef>
+                        <a:spcAft>
+                          <a:spcPts val="0"/>
+                        </a:spcAft>
+                        <a:buNone/>
+                      </a:pPr>
+                      <a:r>
+                        <a:rPr b="1" lang="en">
+                          <a:solidFill>
+                            <a:schemeClr val="lt1"/>
+                          </a:solidFill>
+                        </a:rPr>
+                        <a:t>4</a:t>
+                      </a:r>
+                      <a:endParaRPr b="1">
+                        <a:solidFill>
+                          <a:schemeClr val="lt1"/>
+                        </a:solidFill>
+                      </a:endParaRPr>
+                    </a:p>
+                  </a:txBody>
+                  <a:tcPr marT="91425" marB="91425" marR="91425" marL="91425" anchor="ctr">
+                    <a:lnL cap="flat" cmpd="sng" w="38100">
+                      <a:solidFill>
+                        <a:schemeClr val="lt1"/>
+                      </a:solidFill>
+                      <a:prstDash val="solid"/>
+                      <a:round/>
+                      <a:headEnd len="sm" w="sm" type="none"/>
+                      <a:tailEnd len="sm" w="sm" type="none"/>
+                    </a:lnL>
+                    <a:lnR cap="flat" cmpd="sng" w="38100">
+                      <a:solidFill>
+                        <a:schemeClr val="lt1"/>
+                      </a:solidFill>
+                      <a:prstDash val="solid"/>
+                      <a:round/>
+                      <a:headEnd len="sm" w="sm" type="none"/>
+                      <a:tailEnd len="sm" w="sm" type="none"/>
+                    </a:lnR>
+                    <a:lnT cap="flat" cmpd="sng" w="38100">
+                      <a:solidFill>
+                        <a:schemeClr val="lt1"/>
+                      </a:solidFill>
+                      <a:prstDash val="solid"/>
+                      <a:round/>
+                      <a:headEnd len="sm" w="sm" type="none"/>
+                      <a:tailEnd len="sm" w="sm" type="none"/>
+                    </a:lnT>
+                    <a:lnB cap="flat" cmpd="sng" w="38100">
+                      <a:solidFill>
+                        <a:schemeClr val="lt1"/>
+                      </a:solidFill>
+                      <a:prstDash val="solid"/>
+                      <a:round/>
+                      <a:headEnd len="sm" w="sm" type="none"/>
+                      <a:tailEnd len="sm" w="sm" type="none"/>
+                    </a:lnB>
+                    <a:solidFill>
+                      <a:schemeClr val="lt2"/>
+                    </a:solidFill>
+                  </a:tcPr>
+                </a:tc>
+              </a:tr>
+              <a:tr h="457200">
+                <a:tc>
+                  <a:txBody>
+                    <a:bodyPr/>
+                    <a:lstStyle/>
+                    <a:p>
+                      <a:pPr indent="0" lvl="0" marL="0" rtl="0" algn="ctr">
+                        <a:spcBef>
+                          <a:spcPts val="0"/>
+                        </a:spcBef>
+                        <a:spcAft>
+                          <a:spcPts val="0"/>
+                        </a:spcAft>
+                        <a:buNone/>
+                      </a:pPr>
+                      <a:r>
+                        <a:t/>
+                      </a:r>
+                      <a:endParaRPr b="1">
+                        <a:solidFill>
+                          <a:schemeClr val="lt1"/>
+                        </a:solidFill>
+                      </a:endParaRPr>
+                    </a:p>
+                  </a:txBody>
+                  <a:tcPr marT="91425" marB="91425" marR="91425" marL="91425" anchor="ctr">
+                    <a:lnL cap="flat" cmpd="sng" w="38100">
+                      <a:solidFill>
+                        <a:schemeClr val="lt1"/>
+                      </a:solidFill>
+                      <a:prstDash val="solid"/>
+                      <a:round/>
+                      <a:headEnd len="sm" w="sm" type="none"/>
+                      <a:tailEnd len="sm" w="sm" type="none"/>
+                    </a:lnL>
+                    <a:lnR cap="flat" cmpd="sng" w="38100">
+                      <a:solidFill>
+                        <a:schemeClr val="lt1"/>
+                      </a:solidFill>
+                      <a:prstDash val="solid"/>
+                      <a:round/>
+                      <a:headEnd len="sm" w="sm" type="none"/>
+                      <a:tailEnd len="sm" w="sm" type="none"/>
+                    </a:lnR>
+                    <a:lnT cap="flat" cmpd="sng" w="38100">
+                      <a:solidFill>
+                        <a:schemeClr val="lt1"/>
+                      </a:solidFill>
+                      <a:prstDash val="solid"/>
+                      <a:round/>
+                      <a:headEnd len="sm" w="sm" type="none"/>
+                      <a:tailEnd len="sm" w="sm" type="none"/>
+                    </a:lnT>
+                    <a:lnB cap="flat" cmpd="sng" w="38100">
+                      <a:solidFill>
+                        <a:schemeClr val="lt1"/>
+                      </a:solidFill>
+                      <a:prstDash val="solid"/>
+                      <a:round/>
+                      <a:headEnd len="sm" w="sm" type="none"/>
+                      <a:tailEnd len="sm" w="sm" type="none"/>
+                    </a:lnB>
+                    <a:solidFill>
+                      <a:schemeClr val="accent1"/>
+                    </a:solidFill>
+                  </a:tcPr>
+                </a:tc>
+                <a:tc>
+                  <a:txBody>
+                    <a:bodyPr/>
+                    <a:lstStyle/>
+                    <a:p>
+                      <a:pPr indent="0" lvl="0" marL="0" rtl="0" algn="ctr">
+                        <a:spcBef>
+                          <a:spcPts val="0"/>
+                        </a:spcBef>
+                        <a:spcAft>
+                          <a:spcPts val="0"/>
+                        </a:spcAft>
+                        <a:buNone/>
+                      </a:pPr>
+                      <a:r>
+                        <a:t/>
+                      </a:r>
+                      <a:endParaRPr b="1">
+                        <a:solidFill>
+                          <a:schemeClr val="lt1"/>
+                        </a:solidFill>
+                      </a:endParaRPr>
+                    </a:p>
+                  </a:txBody>
+                  <a:tcPr marT="91425" marB="91425" marR="91425" marL="91425" anchor="ctr">
+                    <a:lnL cap="flat" cmpd="sng" w="38100">
+                      <a:solidFill>
+                        <a:schemeClr val="lt1"/>
+                      </a:solidFill>
+                      <a:prstDash val="solid"/>
+                      <a:round/>
+                      <a:headEnd len="sm" w="sm" type="none"/>
+                      <a:tailEnd len="sm" w="sm" type="none"/>
+                    </a:lnL>
+                    <a:lnR cap="flat" cmpd="sng" w="38100">
+                      <a:solidFill>
+                        <a:schemeClr val="lt1"/>
+                      </a:solidFill>
+                      <a:prstDash val="solid"/>
+                      <a:round/>
+                      <a:headEnd len="sm" w="sm" type="none"/>
+                      <a:tailEnd len="sm" w="sm" type="none"/>
+                    </a:lnR>
+                    <a:lnT cap="flat" cmpd="sng" w="38100">
+                      <a:solidFill>
+                        <a:schemeClr val="lt1"/>
+                      </a:solidFill>
+                      <a:prstDash val="solid"/>
+                      <a:round/>
+                      <a:headEnd len="sm" w="sm" type="none"/>
+                      <a:tailEnd len="sm" w="sm" type="none"/>
+                    </a:lnT>
+                    <a:lnB cap="flat" cmpd="sng" w="38100">
+                      <a:solidFill>
+                        <a:schemeClr val="lt1"/>
+                      </a:solidFill>
+                      <a:prstDash val="solid"/>
+                      <a:round/>
+                      <a:headEnd len="sm" w="sm" type="none"/>
+                      <a:tailEnd len="sm" w="sm" type="none"/>
+                    </a:lnB>
+                    <a:solidFill>
+                      <a:schemeClr val="accent1"/>
+                    </a:solidFill>
+                  </a:tcPr>
+                </a:tc>
+                <a:tc>
+                  <a:txBody>
+                    <a:bodyPr/>
+                    <a:lstStyle/>
+                    <a:p>
+                      <a:pPr indent="0" lvl="0" marL="0" rtl="0" algn="ctr">
+                        <a:spcBef>
+                          <a:spcPts val="0"/>
+                        </a:spcBef>
+                        <a:spcAft>
+                          <a:spcPts val="0"/>
+                        </a:spcAft>
+                        <a:buNone/>
+                      </a:pPr>
+                      <a:r>
+                        <a:t/>
+                      </a:r>
+                      <a:endParaRPr b="1">
+                        <a:solidFill>
+                          <a:schemeClr val="lt1"/>
+                        </a:solidFill>
+                      </a:endParaRPr>
+                    </a:p>
+                  </a:txBody>
+                  <a:tcPr marT="91425" marB="91425" marR="91425" marL="91425" anchor="ctr">
+                    <a:lnL cap="flat" cmpd="sng" w="38100">
+                      <a:solidFill>
+                        <a:schemeClr val="lt1"/>
+                      </a:solidFill>
+                      <a:prstDash val="solid"/>
+                      <a:round/>
+                      <a:headEnd len="sm" w="sm" type="none"/>
+                      <a:tailEnd len="sm" w="sm" type="none"/>
+                    </a:lnL>
+                    <a:lnR cap="flat" cmpd="sng" w="38100">
+                      <a:solidFill>
+                        <a:schemeClr val="lt1"/>
+                      </a:solidFill>
+                      <a:prstDash val="solid"/>
+                      <a:round/>
+                      <a:headEnd len="sm" w="sm" type="none"/>
+                      <a:tailEnd len="sm" w="sm" type="none"/>
+                    </a:lnR>
+                    <a:lnT cap="flat" cmpd="sng" w="38100">
+                      <a:solidFill>
+                        <a:schemeClr val="lt1"/>
+                      </a:solidFill>
+                      <a:prstDash val="solid"/>
+                      <a:round/>
+                      <a:headEnd len="sm" w="sm" type="none"/>
+                      <a:tailEnd len="sm" w="sm" type="none"/>
+                    </a:lnT>
+                    <a:lnB cap="flat" cmpd="sng" w="38100">
+                      <a:solidFill>
+                        <a:schemeClr val="lt1"/>
+                      </a:solidFill>
+                      <a:prstDash val="solid"/>
+                      <a:round/>
+                      <a:headEnd len="sm" w="sm" type="none"/>
+                      <a:tailEnd len="sm" w="sm" type="none"/>
+                    </a:lnB>
+                    <a:solidFill>
+                      <a:schemeClr val="accent1"/>
+                    </a:solidFill>
+                  </a:tcPr>
+                </a:tc>
+                <a:tc>
+                  <a:txBody>
+                    <a:bodyPr/>
+                    <a:lstStyle/>
+                    <a:p>
+                      <a:pPr indent="0" lvl="0" marL="0" rtl="0" algn="ctr">
+                        <a:spcBef>
+                          <a:spcPts val="0"/>
+                        </a:spcBef>
+                        <a:spcAft>
+                          <a:spcPts val="0"/>
+                        </a:spcAft>
+                        <a:buNone/>
+                      </a:pPr>
+                      <a:r>
+                        <a:t/>
+                      </a:r>
+                      <a:endParaRPr b="1">
+                        <a:solidFill>
+                          <a:schemeClr val="lt1"/>
+                        </a:solidFill>
+                      </a:endParaRPr>
+                    </a:p>
+                  </a:txBody>
+                  <a:tcPr marT="91425" marB="91425" marR="91425" marL="91425" anchor="ctr">
+                    <a:lnL cap="flat" cmpd="sng" w="38100">
+                      <a:solidFill>
+                        <a:schemeClr val="lt1"/>
+                      </a:solidFill>
+                      <a:prstDash val="solid"/>
+                      <a:round/>
+                      <a:headEnd len="sm" w="sm" type="none"/>
+                      <a:tailEnd len="sm" w="sm" type="none"/>
+                    </a:lnL>
+                    <a:lnR cap="flat" cmpd="sng" w="38100">
+                      <a:solidFill>
+                        <a:schemeClr val="lt1"/>
+                      </a:solidFill>
+                      <a:prstDash val="solid"/>
+                      <a:round/>
+                      <a:headEnd len="sm" w="sm" type="none"/>
+                      <a:tailEnd len="sm" w="sm" type="none"/>
+                    </a:lnR>
+                    <a:lnT cap="flat" cmpd="sng" w="38100">
+                      <a:solidFill>
+                        <a:schemeClr val="lt1"/>
+                      </a:solidFill>
+                      <a:prstDash val="solid"/>
+                      <a:round/>
+                      <a:headEnd len="sm" w="sm" type="none"/>
+                      <a:tailEnd len="sm" w="sm" type="none"/>
+                    </a:lnT>
+                    <a:lnB cap="flat" cmpd="sng" w="38100">
+                      <a:solidFill>
+                        <a:schemeClr val="lt1"/>
+                      </a:solidFill>
+                      <a:prstDash val="solid"/>
+                      <a:round/>
+                      <a:headEnd len="sm" w="sm" type="none"/>
+                      <a:tailEnd len="sm" w="sm" type="none"/>
+                    </a:lnB>
+                    <a:solidFill>
+                      <a:schemeClr val="accent1"/>
+                    </a:solidFill>
+                  </a:tcPr>
+                </a:tc>
+                <a:tc>
+                  <a:txBody>
+                    <a:bodyPr/>
+                    <a:lstStyle/>
+                    <a:p>
+                      <a:pPr indent="0" lvl="0" marL="0" rtl="0" algn="ctr">
+                        <a:spcBef>
+                          <a:spcPts val="0"/>
+                        </a:spcBef>
+                        <a:spcAft>
+                          <a:spcPts val="0"/>
+                        </a:spcAft>
+                        <a:buNone/>
+                      </a:pPr>
+                      <a:r>
+                        <a:rPr b="1" lang="en">
+                          <a:solidFill>
+                            <a:schemeClr val="lt1"/>
+                          </a:solidFill>
+                        </a:rPr>
+                        <a:t>ADAP</a:t>
+                      </a:r>
+                      <a:endParaRPr b="1">
+                        <a:solidFill>
+                          <a:schemeClr val="lt1"/>
+                        </a:solidFill>
+                      </a:endParaRPr>
+                    </a:p>
+                  </a:txBody>
+                  <a:tcPr marT="91425" marB="91425" marR="91425" marL="91425" anchor="ctr">
+                    <a:lnL cap="flat" cmpd="sng" w="38100">
+                      <a:solidFill>
+                        <a:schemeClr val="lt1"/>
+                      </a:solidFill>
+                      <a:prstDash val="solid"/>
+                      <a:round/>
+                      <a:headEnd len="sm" w="sm" type="none"/>
+                      <a:tailEnd len="sm" w="sm" type="none"/>
+                    </a:lnL>
+                    <a:lnR cap="flat" cmpd="sng" w="38100">
+                      <a:solidFill>
+                        <a:schemeClr val="lt1"/>
+                      </a:solidFill>
+                      <a:prstDash val="solid"/>
+                      <a:round/>
+                      <a:headEnd len="sm" w="sm" type="none"/>
+                      <a:tailEnd len="sm" w="sm" type="none"/>
+                    </a:lnR>
+                    <a:lnT cap="flat" cmpd="sng" w="38100">
+                      <a:solidFill>
+                        <a:schemeClr val="lt1"/>
+                      </a:solidFill>
+                      <a:prstDash val="solid"/>
+                      <a:round/>
+                      <a:headEnd len="sm" w="sm" type="none"/>
+                      <a:tailEnd len="sm" w="sm" type="none"/>
+                    </a:lnT>
+                    <a:lnB cap="flat" cmpd="sng" w="38100">
+                      <a:solidFill>
+                        <a:schemeClr val="lt1"/>
+                      </a:solidFill>
+                      <a:prstDash val="solid"/>
+                      <a:round/>
+                      <a:headEnd len="sm" w="sm" type="none"/>
+                      <a:tailEnd len="sm" w="sm" type="none"/>
+                    </a:lnB>
+                    <a:solidFill>
+                      <a:schemeClr val="accent5"/>
+                    </a:solidFill>
+                  </a:tcPr>
+                </a:tc>
+                <a:tc>
+                  <a:txBody>
+                    <a:bodyPr/>
+                    <a:lstStyle/>
+                    <a:p>
+                      <a:pPr indent="0" lvl="0" marL="0" rtl="0" algn="ctr">
+                        <a:spcBef>
+                          <a:spcPts val="0"/>
+                        </a:spcBef>
+                        <a:spcAft>
+                          <a:spcPts val="0"/>
+                        </a:spcAft>
+                        <a:buNone/>
+                      </a:pPr>
+                      <a:r>
+                        <a:rPr b="1" lang="en">
+                          <a:solidFill>
+                            <a:schemeClr val="lt1"/>
+                          </a:solidFill>
+                        </a:rPr>
+                        <a:t>NYT</a:t>
+                      </a:r>
+                      <a:endParaRPr b="1">
+                        <a:solidFill>
+                          <a:schemeClr val="lt1"/>
+                        </a:solidFill>
+                      </a:endParaRPr>
+                    </a:p>
+                  </a:txBody>
+                  <a:tcPr marT="91425" marB="91425" marR="91425" marL="91425" anchor="ctr">
+                    <a:lnL cap="flat" cmpd="sng" w="38100">
+                      <a:solidFill>
+                        <a:schemeClr val="lt1"/>
+                      </a:solidFill>
+                      <a:prstDash val="solid"/>
+                      <a:round/>
+                      <a:headEnd len="sm" w="sm" type="none"/>
+                      <a:tailEnd len="sm" w="sm" type="none"/>
+                    </a:lnL>
+                    <a:lnR cap="flat" cmpd="sng" w="38100">
+                      <a:solidFill>
+                        <a:schemeClr val="lt1"/>
+                      </a:solidFill>
+                      <a:prstDash val="solid"/>
+                      <a:round/>
+                      <a:headEnd len="sm" w="sm" type="none"/>
+                      <a:tailEnd len="sm" w="sm" type="none"/>
+                    </a:lnR>
+                    <a:lnT cap="flat" cmpd="sng" w="38100">
+                      <a:solidFill>
+                        <a:schemeClr val="lt1"/>
+                      </a:solidFill>
+                      <a:prstDash val="solid"/>
+                      <a:round/>
+                      <a:headEnd len="sm" w="sm" type="none"/>
+                      <a:tailEnd len="sm" w="sm" type="none"/>
+                    </a:lnT>
+                    <a:lnB cap="flat" cmpd="sng" w="38100">
+                      <a:solidFill>
+                        <a:schemeClr val="lt1"/>
+                      </a:solidFill>
+                      <a:prstDash val="solid"/>
+                      <a:round/>
+                      <a:headEnd len="sm" w="sm" type="none"/>
+                      <a:tailEnd len="sm" w="sm" type="none"/>
+                    </a:lnB>
+                    <a:solidFill>
+                      <a:schemeClr val="accent3"/>
+                    </a:solidFill>
+                  </a:tcPr>
+                </a:tc>
+                <a:tc>
+                  <a:txBody>
+                    <a:bodyPr/>
+                    <a:lstStyle/>
+                    <a:p>
+                      <a:pPr indent="0" lvl="0" marL="0" rtl="0" algn="ctr">
+                        <a:spcBef>
+                          <a:spcPts val="0"/>
+                        </a:spcBef>
+                        <a:spcAft>
+                          <a:spcPts val="0"/>
+                        </a:spcAft>
+                        <a:buNone/>
+                      </a:pPr>
+                      <a:r>
+                        <a:t/>
+                      </a:r>
+                      <a:endParaRPr b="1">
+                        <a:solidFill>
+                          <a:schemeClr val="lt1"/>
+                        </a:solidFill>
+                      </a:endParaRPr>
+                    </a:p>
+                  </a:txBody>
+                  <a:tcPr marT="91425" marB="91425" marR="91425" marL="91425" anchor="ctr">
+                    <a:lnL cap="flat" cmpd="sng" w="38100">
+                      <a:solidFill>
+                        <a:schemeClr val="lt1"/>
+                      </a:solidFill>
+                      <a:prstDash val="solid"/>
+                      <a:round/>
+                      <a:headEnd len="sm" w="sm" type="none"/>
+                      <a:tailEnd len="sm" w="sm" type="none"/>
+                    </a:lnL>
+                    <a:lnR cap="flat" cmpd="sng" w="38100">
+                      <a:solidFill>
+                        <a:schemeClr val="lt1"/>
+                      </a:solidFill>
+                      <a:prstDash val="solid"/>
+                      <a:round/>
+                      <a:headEnd len="sm" w="sm" type="none"/>
+                      <a:tailEnd len="sm" w="sm" type="none"/>
+                    </a:lnR>
+                    <a:lnT cap="flat" cmpd="sng" w="38100">
+                      <a:solidFill>
+                        <a:schemeClr val="lt1"/>
+                      </a:solidFill>
+                      <a:prstDash val="solid"/>
+                      <a:round/>
+                      <a:headEnd len="sm" w="sm" type="none"/>
+                      <a:tailEnd len="sm" w="sm" type="none"/>
+                    </a:lnT>
+                    <a:lnB cap="flat" cmpd="sng" w="38100">
+                      <a:solidFill>
+                        <a:schemeClr val="lt1"/>
+                      </a:solidFill>
+                      <a:prstDash val="solid"/>
+                      <a:round/>
+                      <a:headEnd len="sm" w="sm" type="none"/>
+                      <a:tailEnd len="sm" w="sm" type="none"/>
+                    </a:lnB>
+                    <a:solidFill>
+                      <a:schemeClr val="accent1"/>
+                    </a:solidFill>
+                  </a:tcPr>
+                </a:tc>
+                <a:tc>
+                  <a:txBody>
+                    <a:bodyPr/>
+                    <a:lstStyle/>
+                    <a:p>
+                      <a:pPr indent="0" lvl="0" marL="0" rtl="0" algn="ctr">
+                        <a:spcBef>
+                          <a:spcPts val="0"/>
+                        </a:spcBef>
+                        <a:spcAft>
+                          <a:spcPts val="0"/>
+                        </a:spcAft>
+                        <a:buNone/>
+                      </a:pPr>
+                      <a:r>
+                        <a:rPr b="1" lang="en">
+                          <a:solidFill>
+                            <a:schemeClr val="lt1"/>
+                          </a:solidFill>
+                        </a:rPr>
+                        <a:t>AMOS</a:t>
+                      </a:r>
+                      <a:endParaRPr b="1">
+                        <a:solidFill>
+                          <a:schemeClr val="lt1"/>
+                        </a:solidFill>
+                      </a:endParaRPr>
+                    </a:p>
+                  </a:txBody>
+                  <a:tcPr marT="91425" marB="91425" marR="91425" marL="91425" anchor="ctr">
+                    <a:lnL cap="flat" cmpd="sng" w="38100">
+                      <a:solidFill>
+                        <a:schemeClr val="lt1"/>
+                      </a:solidFill>
+                      <a:prstDash val="solid"/>
+                      <a:round/>
+                      <a:headEnd len="sm" w="sm" type="none"/>
+                      <a:tailEnd len="sm" w="sm" type="none"/>
+                    </a:lnL>
+                    <a:lnR cap="flat" cmpd="sng" w="38100">
+                      <a:solidFill>
+                        <a:schemeClr val="lt1"/>
+                      </a:solidFill>
+                      <a:prstDash val="solid"/>
+                      <a:round/>
+                      <a:headEnd len="sm" w="sm" type="none"/>
+                      <a:tailEnd len="sm" w="sm" type="none"/>
+                    </a:lnR>
+                    <a:lnT cap="flat" cmpd="sng" w="38100">
+                      <a:solidFill>
+                        <a:schemeClr val="lt1"/>
+                      </a:solidFill>
+                      <a:prstDash val="solid"/>
+                      <a:round/>
+                      <a:headEnd len="sm" w="sm" type="none"/>
+                      <a:tailEnd len="sm" w="sm" type="none"/>
+                    </a:lnT>
+                    <a:lnB cap="flat" cmpd="sng" w="38100">
+                      <a:solidFill>
+                        <a:schemeClr val="lt1"/>
+                      </a:solidFill>
+                      <a:prstDash val="solid"/>
+                      <a:round/>
+                      <a:headEnd len="sm" w="sm" type="none"/>
+                      <a:tailEnd len="sm" w="sm" type="none"/>
+                    </a:lnB>
+                    <a:solidFill>
+                      <a:schemeClr val="accent6"/>
+                    </a:solidFill>
+                  </a:tcPr>
+                </a:tc>
+                <a:tc>
+                  <a:txBody>
+                    <a:bodyPr/>
+                    <a:lstStyle/>
+                    <a:p>
+                      <a:pPr indent="0" lvl="0" marL="0" rtl="0" algn="ctr">
+                        <a:spcBef>
+                          <a:spcPts val="0"/>
+                        </a:spcBef>
+                        <a:spcAft>
+                          <a:spcPts val="0"/>
+                        </a:spcAft>
+                        <a:buNone/>
+                      </a:pPr>
+                      <a:r>
+                        <a:rPr b="1" lang="en">
+                          <a:solidFill>
+                            <a:schemeClr val="lt1"/>
+                          </a:solidFill>
+                        </a:rPr>
+                        <a:t>AMOS</a:t>
+                      </a:r>
+                      <a:endParaRPr b="1">
+                        <a:solidFill>
+                          <a:schemeClr val="lt1"/>
+                        </a:solidFill>
+                      </a:endParaRPr>
+                    </a:p>
+                  </a:txBody>
+                  <a:tcPr marT="91425" marB="91425" marR="91425" marL="91425" anchor="ctr">
+                    <a:lnL cap="flat" cmpd="sng" w="38100">
+                      <a:solidFill>
+                        <a:schemeClr val="lt1"/>
+                      </a:solidFill>
+                      <a:prstDash val="solid"/>
+                      <a:round/>
+                      <a:headEnd len="sm" w="sm" type="none"/>
+                      <a:tailEnd len="sm" w="sm" type="none"/>
+                    </a:lnL>
+                    <a:lnR cap="flat" cmpd="sng" w="38100">
+                      <a:solidFill>
+                        <a:schemeClr val="lt1"/>
+                      </a:solidFill>
+                      <a:prstDash val="solid"/>
+                      <a:round/>
+                      <a:headEnd len="sm" w="sm" type="none"/>
+                      <a:tailEnd len="sm" w="sm" type="none"/>
+                    </a:lnR>
+                    <a:lnT cap="flat" cmpd="sng" w="38100">
+                      <a:solidFill>
+                        <a:schemeClr val="lt1"/>
+                      </a:solidFill>
+                      <a:prstDash val="solid"/>
+                      <a:round/>
+                      <a:headEnd len="sm" w="sm" type="none"/>
+                      <a:tailEnd len="sm" w="sm" type="none"/>
+                    </a:lnT>
+                    <a:lnB cap="flat" cmpd="sng" w="38100">
+                      <a:solidFill>
+                        <a:schemeClr val="lt1"/>
+                      </a:solidFill>
+                      <a:prstDash val="solid"/>
+                      <a:round/>
+                      <a:headEnd len="sm" w="sm" type="none"/>
+                      <a:tailEnd len="sm" w="sm" type="none"/>
+                    </a:lnB>
+                    <a:solidFill>
+                      <a:schemeClr val="accent6"/>
+                    </a:solidFill>
+                  </a:tcPr>
+                </a:tc>
+                <a:tc rowSpan="5">
+                  <a:txBody>
+                    <a:bodyPr/>
+                    <a:lstStyle/>
+                    <a:p>
+                      <a:pPr indent="0" lvl="0" marL="0" rtl="0" algn="ctr">
+                        <a:spcBef>
+                          <a:spcPts val="0"/>
+                        </a:spcBef>
+                        <a:spcAft>
+                          <a:spcPts val="0"/>
+                        </a:spcAft>
+                        <a:buNone/>
+                      </a:pPr>
+                      <a:r>
+                        <a:rPr b="1" lang="en">
+                          <a:solidFill>
+                            <a:schemeClr val="lt1"/>
+                          </a:solidFill>
+                        </a:rPr>
+                        <a:t>MATH</a:t>
+                      </a:r>
+                      <a:endParaRPr b="1">
+                        <a:solidFill>
+                          <a:schemeClr val="lt1"/>
+                        </a:solidFill>
+                      </a:endParaRPr>
+                    </a:p>
+                  </a:txBody>
+                  <a:tcPr marT="91425" marB="91425" marR="91425" marL="91425" anchor="ctr">
+                    <a:lnL cap="flat" cmpd="sng" w="38100">
+                      <a:solidFill>
+                        <a:schemeClr val="lt1"/>
+                      </a:solidFill>
+                      <a:prstDash val="solid"/>
+                      <a:round/>
+                      <a:headEnd len="sm" w="sm" type="none"/>
+                      <a:tailEnd len="sm" w="sm" type="none"/>
+                    </a:lnL>
+                    <a:lnR cap="flat" cmpd="sng" w="38100">
+                      <a:solidFill>
+                        <a:schemeClr val="lt1"/>
+                      </a:solidFill>
+                      <a:prstDash val="solid"/>
+                      <a:round/>
+                      <a:headEnd len="sm" w="sm" type="none"/>
+                      <a:tailEnd len="sm" w="sm" type="none"/>
+                    </a:lnR>
+                    <a:lnT cap="flat" cmpd="sng" w="38100">
+                      <a:solidFill>
+                        <a:schemeClr val="lt1"/>
+                      </a:solidFill>
+                      <a:prstDash val="solid"/>
+                      <a:round/>
+                      <a:headEnd len="sm" w="sm" type="none"/>
+                      <a:tailEnd len="sm" w="sm" type="none"/>
+                    </a:lnT>
+                    <a:lnB cap="flat" cmpd="sng" w="38100">
+                      <a:solidFill>
+                        <a:schemeClr val="lt1"/>
+                      </a:solidFill>
+                      <a:prstDash val="solid"/>
+                      <a:round/>
+                      <a:headEnd len="sm" w="sm" type="none"/>
+                      <a:tailEnd len="sm" w="sm" type="none"/>
+                    </a:lnB>
+                    <a:solidFill>
+                      <a:schemeClr val="dk2"/>
+                    </a:solidFill>
+                  </a:tcPr>
+                </a:tc>
+              </a:tr>
+              <a:tr h="457200">
+                <a:tc>
+                  <a:txBody>
+                    <a:bodyPr/>
+                    <a:lstStyle/>
+                    <a:p>
+                      <a:pPr indent="0" lvl="0" marL="0" rtl="0" algn="ctr">
+                        <a:spcBef>
+                          <a:spcPts val="0"/>
+                        </a:spcBef>
+                        <a:spcAft>
+                          <a:spcPts val="0"/>
+                        </a:spcAft>
+                        <a:buNone/>
+                      </a:pPr>
+                      <a:r>
+                        <a:t/>
+                      </a:r>
+                      <a:endParaRPr b="1">
+                        <a:solidFill>
+                          <a:schemeClr val="lt1"/>
+                        </a:solidFill>
+                      </a:endParaRPr>
+                    </a:p>
+                  </a:txBody>
+                  <a:tcPr marT="91425" marB="91425" marR="91425" marL="91425" anchor="ctr">
+                    <a:lnL cap="flat" cmpd="sng" w="38100">
+                      <a:solidFill>
+                        <a:schemeClr val="lt1"/>
+                      </a:solidFill>
+                      <a:prstDash val="solid"/>
+                      <a:round/>
+                      <a:headEnd len="sm" w="sm" type="none"/>
+                      <a:tailEnd len="sm" w="sm" type="none"/>
+                    </a:lnL>
+                    <a:lnR cap="flat" cmpd="sng" w="38100">
+                      <a:solidFill>
+                        <a:schemeClr val="lt1"/>
+                      </a:solidFill>
+                      <a:prstDash val="solid"/>
+                      <a:round/>
+                      <a:headEnd len="sm" w="sm" type="none"/>
+                      <a:tailEnd len="sm" w="sm" type="none"/>
+                    </a:lnR>
+                    <a:lnT cap="flat" cmpd="sng" w="38100">
+                      <a:solidFill>
+                        <a:schemeClr val="lt1"/>
+                      </a:solidFill>
+                      <a:prstDash val="solid"/>
+                      <a:round/>
+                      <a:headEnd len="sm" w="sm" type="none"/>
+                      <a:tailEnd len="sm" w="sm" type="none"/>
+                    </a:lnT>
+                    <a:lnB cap="flat" cmpd="sng" w="38100">
+                      <a:solidFill>
+                        <a:schemeClr val="lt1"/>
+                      </a:solidFill>
+                      <a:prstDash val="solid"/>
+                      <a:round/>
+                      <a:headEnd len="sm" w="sm" type="none"/>
+                      <a:tailEnd len="sm" w="sm" type="none"/>
+                    </a:lnB>
+                    <a:solidFill>
+                      <a:schemeClr val="lt1"/>
+                    </a:solidFill>
+                  </a:tcPr>
+                </a:tc>
+                <a:tc>
+                  <a:txBody>
+                    <a:bodyPr/>
+                    <a:lstStyle/>
+                    <a:p>
+                      <a:pPr indent="0" lvl="0" marL="0" rtl="0" algn="ctr">
+                        <a:spcBef>
+                          <a:spcPts val="0"/>
+                        </a:spcBef>
+                        <a:spcAft>
+                          <a:spcPts val="0"/>
+                        </a:spcAft>
+                        <a:buNone/>
+                      </a:pPr>
+                      <a:r>
+                        <a:t/>
+                      </a:r>
+                      <a:endParaRPr b="1">
+                        <a:solidFill>
+                          <a:schemeClr val="lt1"/>
+                        </a:solidFill>
+                      </a:endParaRPr>
+                    </a:p>
+                  </a:txBody>
+                  <a:tcPr marT="91425" marB="91425" marR="91425" marL="91425" anchor="ctr">
+                    <a:lnL cap="flat" cmpd="sng" w="38100">
+                      <a:solidFill>
+                        <a:schemeClr val="lt1"/>
+                      </a:solidFill>
+                      <a:prstDash val="solid"/>
+                      <a:round/>
+                      <a:headEnd len="sm" w="sm" type="none"/>
+                      <a:tailEnd len="sm" w="sm" type="none"/>
+                    </a:lnL>
+                    <a:lnR cap="flat" cmpd="sng" w="38100">
+                      <a:solidFill>
+                        <a:schemeClr val="lt1"/>
+                      </a:solidFill>
+                      <a:prstDash val="solid"/>
+                      <a:round/>
+                      <a:headEnd len="sm" w="sm" type="none"/>
+                      <a:tailEnd len="sm" w="sm" type="none"/>
+                    </a:lnR>
+                    <a:lnT cap="flat" cmpd="sng" w="38100">
+                      <a:solidFill>
+                        <a:schemeClr val="lt1"/>
+                      </a:solidFill>
+                      <a:prstDash val="solid"/>
+                      <a:round/>
+                      <a:headEnd len="sm" w="sm" type="none"/>
+                      <a:tailEnd len="sm" w="sm" type="none"/>
+                    </a:lnT>
+                    <a:lnB cap="flat" cmpd="sng" w="38100">
+                      <a:solidFill>
+                        <a:schemeClr val="lt1"/>
+                      </a:solidFill>
+                      <a:prstDash val="solid"/>
+                      <a:round/>
+                      <a:headEnd len="sm" w="sm" type="none"/>
+                      <a:tailEnd len="sm" w="sm" type="none"/>
+                    </a:lnB>
+                    <a:solidFill>
+                      <a:schemeClr val="lt1"/>
+                    </a:solidFill>
+                  </a:tcPr>
+                </a:tc>
+                <a:tc>
+                  <a:txBody>
+                    <a:bodyPr/>
+                    <a:lstStyle/>
+                    <a:p>
+                      <a:pPr indent="0" lvl="0" marL="0" rtl="0" algn="ctr">
+                        <a:spcBef>
+                          <a:spcPts val="0"/>
+                        </a:spcBef>
+                        <a:spcAft>
+                          <a:spcPts val="0"/>
+                        </a:spcAft>
+                        <a:buNone/>
+                      </a:pPr>
+                      <a:r>
+                        <a:t/>
+                      </a:r>
+                      <a:endParaRPr b="1">
+                        <a:solidFill>
+                          <a:schemeClr val="lt1"/>
+                        </a:solidFill>
+                      </a:endParaRPr>
+                    </a:p>
+                  </a:txBody>
+                  <a:tcPr marT="91425" marB="91425" marR="91425" marL="91425" anchor="ctr">
+                    <a:lnL cap="flat" cmpd="sng" w="38100">
+                      <a:solidFill>
+                        <a:schemeClr val="lt1"/>
+                      </a:solidFill>
+                      <a:prstDash val="solid"/>
+                      <a:round/>
+                      <a:headEnd len="sm" w="sm" type="none"/>
+                      <a:tailEnd len="sm" w="sm" type="none"/>
+                    </a:lnL>
+                    <a:lnR cap="flat" cmpd="sng" w="38100">
+                      <a:solidFill>
+                        <a:schemeClr val="lt1"/>
+                      </a:solidFill>
+                      <a:prstDash val="solid"/>
+                      <a:round/>
+                      <a:headEnd len="sm" w="sm" type="none"/>
+                      <a:tailEnd len="sm" w="sm" type="none"/>
+                    </a:lnR>
+                    <a:lnT cap="flat" cmpd="sng" w="38100">
+                      <a:solidFill>
+                        <a:schemeClr val="lt1"/>
+                      </a:solidFill>
+                      <a:prstDash val="solid"/>
+                      <a:round/>
+                      <a:headEnd len="sm" w="sm" type="none"/>
+                      <a:tailEnd len="sm" w="sm" type="none"/>
+                    </a:lnT>
+                    <a:lnB cap="flat" cmpd="sng" w="38100">
+                      <a:solidFill>
+                        <a:schemeClr val="lt1"/>
+                      </a:solidFill>
+                      <a:prstDash val="solid"/>
+                      <a:round/>
+                      <a:headEnd len="sm" w="sm" type="none"/>
+                      <a:tailEnd len="sm" w="sm" type="none"/>
+                    </a:lnB>
+                    <a:solidFill>
+                      <a:schemeClr val="lt1"/>
+                    </a:solidFill>
+                  </a:tcPr>
+                </a:tc>
+                <a:tc>
+                  <a:txBody>
+                    <a:bodyPr/>
+                    <a:lstStyle/>
+                    <a:p>
+                      <a:pPr indent="0" lvl="0" marL="0" rtl="0" algn="ctr">
+                        <a:spcBef>
+                          <a:spcPts val="0"/>
+                        </a:spcBef>
+                        <a:spcAft>
+                          <a:spcPts val="0"/>
+                        </a:spcAft>
+                        <a:buNone/>
+                      </a:pPr>
+                      <a:r>
+                        <a:t/>
+                      </a:r>
+                      <a:endParaRPr b="1">
+                        <a:solidFill>
+                          <a:schemeClr val="lt1"/>
+                        </a:solidFill>
+                      </a:endParaRPr>
+                    </a:p>
+                  </a:txBody>
+                  <a:tcPr marT="91425" marB="91425" marR="91425" marL="91425" anchor="ctr">
+                    <a:lnL cap="flat" cmpd="sng" w="38100">
+                      <a:solidFill>
+                        <a:schemeClr val="lt1"/>
+                      </a:solidFill>
+                      <a:prstDash val="solid"/>
+                      <a:round/>
+                      <a:headEnd len="sm" w="sm" type="none"/>
+                      <a:tailEnd len="sm" w="sm" type="none"/>
+                    </a:lnL>
+                    <a:lnR cap="flat" cmpd="sng" w="38100">
+                      <a:solidFill>
+                        <a:schemeClr val="lt1"/>
+                      </a:solidFill>
+                      <a:prstDash val="solid"/>
+                      <a:round/>
+                      <a:headEnd len="sm" w="sm" type="none"/>
+                      <a:tailEnd len="sm" w="sm" type="none"/>
+                    </a:lnR>
+                    <a:lnT cap="flat" cmpd="sng" w="38100">
+                      <a:solidFill>
+                        <a:schemeClr val="lt1"/>
+                      </a:solidFill>
+                      <a:prstDash val="solid"/>
+                      <a:round/>
+                      <a:headEnd len="sm" w="sm" type="none"/>
+                      <a:tailEnd len="sm" w="sm" type="none"/>
+                    </a:lnT>
+                    <a:lnB cap="flat" cmpd="sng" w="38100">
+                      <a:solidFill>
+                        <a:schemeClr val="lt1"/>
+                      </a:solidFill>
+                      <a:prstDash val="solid"/>
+                      <a:round/>
+                      <a:headEnd len="sm" w="sm" type="none"/>
+                      <a:tailEnd len="sm" w="sm" type="none"/>
+                    </a:lnB>
+                    <a:solidFill>
+                      <a:schemeClr val="lt1"/>
+                    </a:solidFill>
+                  </a:tcPr>
+                </a:tc>
+                <a:tc>
+                  <a:txBody>
+                    <a:bodyPr/>
+                    <a:lstStyle/>
+                    <a:p>
+                      <a:pPr indent="0" lvl="0" marL="0" rtl="0" algn="ctr">
+                        <a:spcBef>
+                          <a:spcPts val="0"/>
+                        </a:spcBef>
+                        <a:spcAft>
+                          <a:spcPts val="0"/>
+                        </a:spcAft>
+                        <a:buNone/>
+                      </a:pPr>
+                      <a:r>
+                        <a:rPr b="1" lang="en">
+                          <a:solidFill>
+                            <a:schemeClr val="lt1"/>
+                          </a:solidFill>
+                        </a:rPr>
+                        <a:t>FOSS</a:t>
+                      </a:r>
+                      <a:endParaRPr b="1">
+                        <a:solidFill>
+                          <a:schemeClr val="lt1"/>
+                        </a:solidFill>
+                      </a:endParaRPr>
+                    </a:p>
+                  </a:txBody>
+                  <a:tcPr marT="91425" marB="91425" marR="91425" marL="91425" anchor="ctr">
+                    <a:lnL cap="flat" cmpd="sng" w="38100">
+                      <a:solidFill>
+                        <a:schemeClr val="lt1"/>
+                      </a:solidFill>
+                      <a:prstDash val="solid"/>
+                      <a:round/>
+                      <a:headEnd len="sm" w="sm" type="none"/>
+                      <a:tailEnd len="sm" w="sm" type="none"/>
+                    </a:lnL>
+                    <a:lnR cap="flat" cmpd="sng" w="38100">
+                      <a:solidFill>
+                        <a:schemeClr val="lt1"/>
+                      </a:solidFill>
+                      <a:prstDash val="solid"/>
+                      <a:round/>
+                      <a:headEnd len="sm" w="sm" type="none"/>
+                      <a:tailEnd len="sm" w="sm" type="none"/>
+                    </a:lnR>
+                    <a:lnT cap="flat" cmpd="sng" w="38100">
+                      <a:solidFill>
+                        <a:schemeClr val="lt1"/>
+                      </a:solidFill>
+                      <a:prstDash val="solid"/>
+                      <a:round/>
+                      <a:headEnd len="sm" w="sm" type="none"/>
+                      <a:tailEnd len="sm" w="sm" type="none"/>
+                    </a:lnT>
+                    <a:lnB cap="flat" cmpd="sng" w="38100">
+                      <a:solidFill>
+                        <a:schemeClr val="lt1"/>
+                      </a:solidFill>
+                      <a:prstDash val="solid"/>
+                      <a:round/>
+                      <a:headEnd len="sm" w="sm" type="none"/>
+                      <a:tailEnd len="sm" w="sm" type="none"/>
+                    </a:lnB>
+                    <a:solidFill>
+                      <a:schemeClr val="accent2"/>
+                    </a:solidFill>
+                  </a:tcPr>
+                </a:tc>
+                <a:tc>
+                  <a:txBody>
+                    <a:bodyPr/>
+                    <a:lstStyle/>
+                    <a:p>
+                      <a:pPr indent="0" lvl="0" marL="0" rtl="0" algn="ctr">
+                        <a:spcBef>
+                          <a:spcPts val="0"/>
+                        </a:spcBef>
+                        <a:spcAft>
+                          <a:spcPts val="0"/>
+                        </a:spcAft>
+                        <a:buNone/>
+                      </a:pPr>
+                      <a:r>
+                        <a:rPr b="1" lang="en">
+                          <a:solidFill>
+                            <a:schemeClr val="lt1"/>
+                          </a:solidFill>
+                        </a:rPr>
+                        <a:t>FOSS</a:t>
+                      </a:r>
+                      <a:endParaRPr b="1">
+                        <a:solidFill>
+                          <a:schemeClr val="lt1"/>
+                        </a:solidFill>
+                      </a:endParaRPr>
+                    </a:p>
+                  </a:txBody>
+                  <a:tcPr marT="91425" marB="91425" marR="91425" marL="91425" anchor="ctr">
+                    <a:lnL cap="flat" cmpd="sng" w="38100">
+                      <a:solidFill>
+                        <a:schemeClr val="lt1"/>
+                      </a:solidFill>
+                      <a:prstDash val="solid"/>
+                      <a:round/>
+                      <a:headEnd len="sm" w="sm" type="none"/>
+                      <a:tailEnd len="sm" w="sm" type="none"/>
+                    </a:lnL>
+                    <a:lnR cap="flat" cmpd="sng" w="38100">
+                      <a:solidFill>
+                        <a:schemeClr val="lt1"/>
+                      </a:solidFill>
+                      <a:prstDash val="solid"/>
+                      <a:round/>
+                      <a:headEnd len="sm" w="sm" type="none"/>
+                      <a:tailEnd len="sm" w="sm" type="none"/>
+                    </a:lnR>
+                    <a:lnT cap="flat" cmpd="sng" w="38100">
+                      <a:solidFill>
+                        <a:schemeClr val="lt1"/>
+                      </a:solidFill>
+                      <a:prstDash val="solid"/>
+                      <a:round/>
+                      <a:headEnd len="sm" w="sm" type="none"/>
+                      <a:tailEnd len="sm" w="sm" type="none"/>
+                    </a:lnT>
+                    <a:lnB cap="flat" cmpd="sng" w="38100">
+                      <a:solidFill>
+                        <a:schemeClr val="lt1"/>
+                      </a:solidFill>
+                      <a:prstDash val="solid"/>
+                      <a:round/>
+                      <a:headEnd len="sm" w="sm" type="none"/>
+                      <a:tailEnd len="sm" w="sm" type="none"/>
+                    </a:lnB>
+                    <a:solidFill>
+                      <a:schemeClr val="accent2"/>
+                    </a:solidFill>
+                  </a:tcPr>
+                </a:tc>
+                <a:tc>
+                  <a:txBody>
+                    <a:bodyPr/>
+                    <a:lstStyle/>
+                    <a:p>
+                      <a:pPr indent="0" lvl="0" marL="0" rtl="0" algn="ctr">
+                        <a:spcBef>
+                          <a:spcPts val="0"/>
+                        </a:spcBef>
+                        <a:spcAft>
+                          <a:spcPts val="0"/>
+                        </a:spcAft>
+                        <a:buNone/>
+                      </a:pPr>
+                      <a:r>
+                        <a:t/>
+                      </a:r>
+                      <a:endParaRPr b="1">
+                        <a:solidFill>
+                          <a:schemeClr val="lt1"/>
+                        </a:solidFill>
+                      </a:endParaRPr>
+                    </a:p>
+                  </a:txBody>
+                  <a:tcPr marT="91425" marB="91425" marR="91425" marL="91425" anchor="ctr">
+                    <a:lnL cap="flat" cmpd="sng" w="38100">
+                      <a:solidFill>
+                        <a:schemeClr val="lt1"/>
+                      </a:solidFill>
+                      <a:prstDash val="solid"/>
+                      <a:round/>
+                      <a:headEnd len="sm" w="sm" type="none"/>
+                      <a:tailEnd len="sm" w="sm" type="none"/>
+                    </a:lnL>
+                    <a:lnR cap="flat" cmpd="sng" w="38100">
+                      <a:solidFill>
+                        <a:schemeClr val="lt1"/>
+                      </a:solidFill>
+                      <a:prstDash val="solid"/>
+                      <a:round/>
+                      <a:headEnd len="sm" w="sm" type="none"/>
+                      <a:tailEnd len="sm" w="sm" type="none"/>
+                    </a:lnR>
+                    <a:lnT cap="flat" cmpd="sng" w="38100">
+                      <a:solidFill>
+                        <a:schemeClr val="lt1"/>
+                      </a:solidFill>
+                      <a:prstDash val="solid"/>
+                      <a:round/>
+                      <a:headEnd len="sm" w="sm" type="none"/>
+                      <a:tailEnd len="sm" w="sm" type="none"/>
+                    </a:lnT>
+                    <a:lnB cap="flat" cmpd="sng" w="38100">
+                      <a:solidFill>
+                        <a:schemeClr val="lt1"/>
+                      </a:solidFill>
+                      <a:prstDash val="solid"/>
+                      <a:round/>
+                      <a:headEnd len="sm" w="sm" type="none"/>
+                      <a:tailEnd len="sm" w="sm" type="none"/>
+                    </a:lnB>
+                    <a:solidFill>
+                      <a:schemeClr val="lt1"/>
+                    </a:solidFill>
+                  </a:tcPr>
+                </a:tc>
+                <a:tc>
+                  <a:txBody>
+                    <a:bodyPr/>
+                    <a:lstStyle/>
+                    <a:p>
+                      <a:pPr indent="0" lvl="0" marL="0" rtl="0" algn="ctr">
+                        <a:spcBef>
+                          <a:spcPts val="0"/>
+                        </a:spcBef>
+                        <a:spcAft>
+                          <a:spcPts val="0"/>
+                        </a:spcAft>
+                        <a:buNone/>
+                      </a:pPr>
+                      <a:r>
+                        <a:rPr b="1" lang="en">
+                          <a:solidFill>
+                            <a:schemeClr val="lt1"/>
+                          </a:solidFill>
+                        </a:rPr>
+                        <a:t>COACH</a:t>
+                      </a:r>
+                      <a:endParaRPr b="1">
+                        <a:solidFill>
+                          <a:schemeClr val="lt1"/>
+                        </a:solidFill>
+                      </a:endParaRPr>
+                    </a:p>
+                  </a:txBody>
+                  <a:tcPr marT="91425" marB="91425" marR="91425" marL="91425" anchor="ctr">
+                    <a:lnL cap="flat" cmpd="sng" w="38100">
+                      <a:solidFill>
+                        <a:schemeClr val="lt1"/>
+                      </a:solidFill>
+                      <a:prstDash val="solid"/>
+                      <a:round/>
+                      <a:headEnd len="sm" w="sm" type="none"/>
+                      <a:tailEnd len="sm" w="sm" type="none"/>
+                    </a:lnL>
+                    <a:lnR cap="flat" cmpd="sng" w="38100">
+                      <a:solidFill>
+                        <a:schemeClr val="lt1"/>
+                      </a:solidFill>
+                      <a:prstDash val="solid"/>
+                      <a:round/>
+                      <a:headEnd len="sm" w="sm" type="none"/>
+                      <a:tailEnd len="sm" w="sm" type="none"/>
+                    </a:lnR>
+                    <a:lnT cap="flat" cmpd="sng" w="38100">
+                      <a:solidFill>
+                        <a:schemeClr val="lt1"/>
+                      </a:solidFill>
+                      <a:prstDash val="solid"/>
+                      <a:round/>
+                      <a:headEnd len="sm" w="sm" type="none"/>
+                      <a:tailEnd len="sm" w="sm" type="none"/>
+                    </a:lnT>
+                    <a:lnB cap="flat" cmpd="sng" w="38100">
+                      <a:solidFill>
+                        <a:schemeClr val="lt1"/>
+                      </a:solidFill>
+                      <a:prstDash val="solid"/>
+                      <a:round/>
+                      <a:headEnd len="sm" w="sm" type="none"/>
+                      <a:tailEnd len="sm" w="sm" type="none"/>
+                    </a:lnB>
+                    <a:solidFill>
+                      <a:schemeClr val="accent4"/>
+                    </a:solidFill>
+                  </a:tcPr>
+                </a:tc>
+                <a:tc>
+                  <a:txBody>
+                    <a:bodyPr/>
+                    <a:lstStyle/>
+                    <a:p>
+                      <a:pPr indent="0" lvl="0" marL="0" rtl="0" algn="ctr">
+                        <a:spcBef>
+                          <a:spcPts val="0"/>
+                        </a:spcBef>
+                        <a:spcAft>
+                          <a:spcPts val="0"/>
+                        </a:spcAft>
+                        <a:buNone/>
+                      </a:pPr>
+                      <a:r>
+                        <a:rPr b="1" lang="en">
+                          <a:solidFill>
+                            <a:schemeClr val="lt1"/>
+                          </a:solidFill>
+                        </a:rPr>
+                        <a:t>COACH</a:t>
+                      </a:r>
+                      <a:endParaRPr b="1">
+                        <a:solidFill>
+                          <a:schemeClr val="lt1"/>
+                        </a:solidFill>
+                      </a:endParaRPr>
+                    </a:p>
+                  </a:txBody>
+                  <a:tcPr marT="91425" marB="91425" marR="91425" marL="91425" anchor="ctr">
+                    <a:lnL cap="flat" cmpd="sng" w="38100">
+                      <a:solidFill>
+                        <a:schemeClr val="lt1"/>
+                      </a:solidFill>
+                      <a:prstDash val="solid"/>
+                      <a:round/>
+                      <a:headEnd len="sm" w="sm" type="none"/>
+                      <a:tailEnd len="sm" w="sm" type="none"/>
+                    </a:lnL>
+                    <a:lnR cap="flat" cmpd="sng" w="38100">
+                      <a:solidFill>
+                        <a:schemeClr val="lt1"/>
+                      </a:solidFill>
+                      <a:prstDash val="solid"/>
+                      <a:round/>
+                      <a:headEnd len="sm" w="sm" type="none"/>
+                      <a:tailEnd len="sm" w="sm" type="none"/>
+                    </a:lnR>
+                    <a:lnT cap="flat" cmpd="sng" w="38100">
+                      <a:solidFill>
+                        <a:schemeClr val="lt1"/>
+                      </a:solidFill>
+                      <a:prstDash val="solid"/>
+                      <a:round/>
+                      <a:headEnd len="sm" w="sm" type="none"/>
+                      <a:tailEnd len="sm" w="sm" type="none"/>
+                    </a:lnT>
+                    <a:lnB cap="flat" cmpd="sng" w="38100">
+                      <a:solidFill>
+                        <a:schemeClr val="lt1"/>
+                      </a:solidFill>
+                      <a:prstDash val="solid"/>
+                      <a:round/>
+                      <a:headEnd len="sm" w="sm" type="none"/>
+                      <a:tailEnd len="sm" w="sm" type="none"/>
+                    </a:lnB>
+                    <a:solidFill>
+                      <a:schemeClr val="accent4"/>
+                    </a:solidFill>
+                  </a:tcPr>
+                </a:tc>
+                <a:tc vMerge="1"/>
+              </a:tr>
+              <a:tr h="457200">
+                <a:tc>
+                  <a:txBody>
+                    <a:bodyPr/>
+                    <a:lstStyle/>
+                    <a:p>
+                      <a:pPr indent="0" lvl="0" marL="0" rtl="0" algn="ctr">
+                        <a:spcBef>
+                          <a:spcPts val="0"/>
+                        </a:spcBef>
+                        <a:spcAft>
+                          <a:spcPts val="0"/>
+                        </a:spcAft>
+                        <a:buNone/>
+                      </a:pPr>
+                      <a:r>
+                        <a:t/>
+                      </a:r>
+                      <a:endParaRPr/>
+                    </a:p>
+                  </a:txBody>
+                  <a:tcPr marT="91425" marB="91425" marR="91425" marL="91425" anchor="ctr">
+                    <a:lnL cap="flat" cmpd="sng" w="38100">
+                      <a:solidFill>
+                        <a:schemeClr val="lt1"/>
+                      </a:solidFill>
+                      <a:prstDash val="solid"/>
+                      <a:round/>
+                      <a:headEnd len="sm" w="sm" type="none"/>
+                      <a:tailEnd len="sm" w="sm" type="none"/>
+                    </a:lnL>
+                    <a:lnR cap="flat" cmpd="sng" w="38100">
+                      <a:solidFill>
+                        <a:schemeClr val="lt1"/>
+                      </a:solidFill>
+                      <a:prstDash val="solid"/>
+                      <a:round/>
+                      <a:headEnd len="sm" w="sm" type="none"/>
+                      <a:tailEnd len="sm" w="sm" type="none"/>
+                    </a:lnR>
+                    <a:lnT cap="flat" cmpd="sng" w="38100">
+                      <a:solidFill>
+                        <a:schemeClr val="lt1"/>
+                      </a:solidFill>
+                      <a:prstDash val="solid"/>
+                      <a:round/>
+                      <a:headEnd len="sm" w="sm" type="none"/>
+                      <a:tailEnd len="sm" w="sm" type="none"/>
+                    </a:lnT>
+                    <a:lnB cap="flat" cmpd="sng" w="38100">
+                      <a:solidFill>
+                        <a:schemeClr val="lt1"/>
+                      </a:solidFill>
+                      <a:prstDash val="solid"/>
+                      <a:round/>
+                      <a:headEnd len="sm" w="sm" type="none"/>
+                      <a:tailEnd len="sm" w="sm" type="none"/>
+                    </a:lnB>
+                    <a:solidFill>
+                      <a:schemeClr val="accent1"/>
+                    </a:solidFill>
+                  </a:tcPr>
+                </a:tc>
+                <a:tc>
+                  <a:txBody>
+                    <a:bodyPr/>
+                    <a:lstStyle/>
+                    <a:p>
+                      <a:pPr indent="0" lvl="0" marL="0" rtl="0" algn="ctr">
+                        <a:spcBef>
+                          <a:spcPts val="0"/>
+                        </a:spcBef>
+                        <a:spcAft>
+                          <a:spcPts val="0"/>
+                        </a:spcAft>
+                        <a:buNone/>
+                      </a:pPr>
+                      <a:r>
+                        <a:t/>
+                      </a:r>
+                      <a:endParaRPr/>
+                    </a:p>
+                  </a:txBody>
+                  <a:tcPr marT="91425" marB="91425" marR="91425" marL="91425" anchor="ctr">
+                    <a:lnL cap="flat" cmpd="sng" w="38100">
+                      <a:solidFill>
+                        <a:schemeClr val="lt1"/>
+                      </a:solidFill>
+                      <a:prstDash val="solid"/>
+                      <a:round/>
+                      <a:headEnd len="sm" w="sm" type="none"/>
+                      <a:tailEnd len="sm" w="sm" type="none"/>
+                    </a:lnL>
+                    <a:lnR cap="flat" cmpd="sng" w="38100">
+                      <a:solidFill>
+                        <a:schemeClr val="lt1"/>
+                      </a:solidFill>
+                      <a:prstDash val="solid"/>
+                      <a:round/>
+                      <a:headEnd len="sm" w="sm" type="none"/>
+                      <a:tailEnd len="sm" w="sm" type="none"/>
+                    </a:lnR>
+                    <a:lnT cap="flat" cmpd="sng" w="38100">
+                      <a:solidFill>
+                        <a:schemeClr val="lt1"/>
+                      </a:solidFill>
+                      <a:prstDash val="solid"/>
+                      <a:round/>
+                      <a:headEnd len="sm" w="sm" type="none"/>
+                      <a:tailEnd len="sm" w="sm" type="none"/>
+                    </a:lnT>
+                    <a:lnB cap="flat" cmpd="sng" w="38100">
+                      <a:solidFill>
+                        <a:schemeClr val="lt1"/>
+                      </a:solidFill>
+                      <a:prstDash val="solid"/>
+                      <a:round/>
+                      <a:headEnd len="sm" w="sm" type="none"/>
+                      <a:tailEnd len="sm" w="sm" type="none"/>
+                    </a:lnB>
+                    <a:solidFill>
+                      <a:schemeClr val="accent1"/>
+                    </a:solidFill>
+                  </a:tcPr>
+                </a:tc>
+                <a:tc>
+                  <a:txBody>
+                    <a:bodyPr/>
+                    <a:lstStyle/>
+                    <a:p>
+                      <a:pPr indent="0" lvl="0" marL="0" rtl="0" algn="ctr">
+                        <a:spcBef>
+                          <a:spcPts val="0"/>
+                        </a:spcBef>
+                        <a:spcAft>
+                          <a:spcPts val="0"/>
+                        </a:spcAft>
+                        <a:buNone/>
+                      </a:pPr>
+                      <a:r>
+                        <a:t/>
+                      </a:r>
+                      <a:endParaRPr/>
+                    </a:p>
+                  </a:txBody>
+                  <a:tcPr marT="91425" marB="91425" marR="91425" marL="91425" anchor="ctr">
+                    <a:lnL cap="flat" cmpd="sng" w="38100">
+                      <a:solidFill>
+                        <a:schemeClr val="lt1"/>
+                      </a:solidFill>
+                      <a:prstDash val="solid"/>
+                      <a:round/>
+                      <a:headEnd len="sm" w="sm" type="none"/>
+                      <a:tailEnd len="sm" w="sm" type="none"/>
+                    </a:lnL>
+                    <a:lnR cap="flat" cmpd="sng" w="38100">
+                      <a:solidFill>
+                        <a:schemeClr val="lt1"/>
+                      </a:solidFill>
+                      <a:prstDash val="solid"/>
+                      <a:round/>
+                      <a:headEnd len="sm" w="sm" type="none"/>
+                      <a:tailEnd len="sm" w="sm" type="none"/>
+                    </a:lnR>
+                    <a:lnT cap="flat" cmpd="sng" w="38100">
+                      <a:solidFill>
+                        <a:schemeClr val="lt1"/>
+                      </a:solidFill>
+                      <a:prstDash val="solid"/>
+                      <a:round/>
+                      <a:headEnd len="sm" w="sm" type="none"/>
+                      <a:tailEnd len="sm" w="sm" type="none"/>
+                    </a:lnT>
+                    <a:lnB cap="flat" cmpd="sng" w="38100">
+                      <a:solidFill>
+                        <a:schemeClr val="lt1"/>
+                      </a:solidFill>
+                      <a:prstDash val="solid"/>
+                      <a:round/>
+                      <a:headEnd len="sm" w="sm" type="none"/>
+                      <a:tailEnd len="sm" w="sm" type="none"/>
+                    </a:lnB>
+                    <a:solidFill>
+                      <a:schemeClr val="accent1"/>
+                    </a:solidFill>
+                  </a:tcPr>
+                </a:tc>
+                <a:tc>
+                  <a:txBody>
+                    <a:bodyPr/>
+                    <a:lstStyle/>
+                    <a:p>
+                      <a:pPr indent="0" lvl="0" marL="0" rtl="0" algn="ctr">
+                        <a:spcBef>
+                          <a:spcPts val="0"/>
+                        </a:spcBef>
+                        <a:spcAft>
+                          <a:spcPts val="0"/>
+                        </a:spcAft>
+                        <a:buNone/>
+                      </a:pPr>
+                      <a:r>
+                        <a:t/>
+                      </a:r>
+                      <a:endParaRPr/>
+                    </a:p>
+                  </a:txBody>
+                  <a:tcPr marT="91425" marB="91425" marR="91425" marL="91425" anchor="ctr">
+                    <a:lnL cap="flat" cmpd="sng" w="38100">
+                      <a:solidFill>
+                        <a:schemeClr val="lt1"/>
+                      </a:solidFill>
+                      <a:prstDash val="solid"/>
+                      <a:round/>
+                      <a:headEnd len="sm" w="sm" type="none"/>
+                      <a:tailEnd len="sm" w="sm" type="none"/>
+                    </a:lnL>
+                    <a:lnR cap="flat" cmpd="sng" w="38100">
+                      <a:solidFill>
+                        <a:schemeClr val="lt1"/>
+                      </a:solidFill>
+                      <a:prstDash val="solid"/>
+                      <a:round/>
+                      <a:headEnd len="sm" w="sm" type="none"/>
+                      <a:tailEnd len="sm" w="sm" type="none"/>
+                    </a:lnR>
+                    <a:lnT cap="flat" cmpd="sng" w="38100">
+                      <a:solidFill>
+                        <a:schemeClr val="lt1"/>
+                      </a:solidFill>
+                      <a:prstDash val="solid"/>
+                      <a:round/>
+                      <a:headEnd len="sm" w="sm" type="none"/>
+                      <a:tailEnd len="sm" w="sm" type="none"/>
+                    </a:lnT>
+                    <a:lnB cap="flat" cmpd="sng" w="38100">
+                      <a:solidFill>
+                        <a:schemeClr val="lt1"/>
+                      </a:solidFill>
+                      <a:prstDash val="solid"/>
+                      <a:round/>
+                      <a:headEnd len="sm" w="sm" type="none"/>
+                      <a:tailEnd len="sm" w="sm" type="none"/>
+                    </a:lnB>
+                    <a:solidFill>
+                      <a:schemeClr val="accent1"/>
+                    </a:solidFill>
+                  </a:tcPr>
+                </a:tc>
+                <a:tc>
+                  <a:txBody>
+                    <a:bodyPr/>
+                    <a:lstStyle/>
+                    <a:p>
+                      <a:pPr indent="0" lvl="0" marL="0" rtl="0" algn="ctr">
+                        <a:spcBef>
+                          <a:spcPts val="0"/>
+                        </a:spcBef>
+                        <a:spcAft>
+                          <a:spcPts val="0"/>
+                        </a:spcAft>
+                        <a:buNone/>
+                      </a:pPr>
+                      <a:r>
+                        <a:rPr b="1" lang="en">
+                          <a:solidFill>
+                            <a:schemeClr val="lt1"/>
+                          </a:solidFill>
+                        </a:rPr>
+                        <a:t>SEMI</a:t>
+                      </a:r>
+                      <a:endParaRPr b="1">
+                        <a:solidFill>
+                          <a:schemeClr val="lt1"/>
+                        </a:solidFill>
+                      </a:endParaRPr>
+                    </a:p>
+                  </a:txBody>
+                  <a:tcPr marT="91425" marB="91425" marR="91425" marL="91425" anchor="ctr">
+                    <a:lnL cap="flat" cmpd="sng" w="38100">
+                      <a:solidFill>
+                        <a:schemeClr val="lt1"/>
+                      </a:solidFill>
+                      <a:prstDash val="solid"/>
+                      <a:round/>
+                      <a:headEnd len="sm" w="sm" type="none"/>
+                      <a:tailEnd len="sm" w="sm" type="none"/>
+                    </a:lnL>
+                    <a:lnR cap="flat" cmpd="sng" w="38100">
+                      <a:solidFill>
+                        <a:schemeClr val="lt1"/>
+                      </a:solidFill>
+                      <a:prstDash val="solid"/>
+                      <a:round/>
+                      <a:headEnd len="sm" w="sm" type="none"/>
+                      <a:tailEnd len="sm" w="sm" type="none"/>
+                    </a:lnR>
+                    <a:lnT cap="flat" cmpd="sng" w="38100">
+                      <a:solidFill>
+                        <a:schemeClr val="lt1"/>
+                      </a:solidFill>
+                      <a:prstDash val="solid"/>
+                      <a:round/>
+                      <a:headEnd len="sm" w="sm" type="none"/>
+                      <a:tailEnd len="sm" w="sm" type="none"/>
+                    </a:lnT>
+                    <a:lnB cap="flat" cmpd="sng" w="38100">
+                      <a:solidFill>
+                        <a:schemeClr val="lt1"/>
+                      </a:solidFill>
+                      <a:prstDash val="solid"/>
+                      <a:round/>
+                      <a:headEnd len="sm" w="sm" type="none"/>
+                      <a:tailEnd len="sm" w="sm" type="none"/>
+                    </a:lnB>
+                    <a:solidFill>
+                      <a:schemeClr val="dk2"/>
+                    </a:solidFill>
+                  </a:tcPr>
+                </a:tc>
+                <a:tc>
+                  <a:txBody>
+                    <a:bodyPr/>
+                    <a:lstStyle/>
+                    <a:p>
+                      <a:pPr indent="0" lvl="0" marL="0" rtl="0" algn="ctr">
+                        <a:spcBef>
+                          <a:spcPts val="0"/>
+                        </a:spcBef>
+                        <a:spcAft>
+                          <a:spcPts val="0"/>
+                        </a:spcAft>
+                        <a:buNone/>
+                      </a:pPr>
+                      <a:r>
+                        <a:rPr b="1" lang="en">
+                          <a:solidFill>
+                            <a:schemeClr val="lt1"/>
+                          </a:solidFill>
+                        </a:rPr>
+                        <a:t>SEMI</a:t>
+                      </a:r>
+                      <a:endParaRPr b="1">
+                        <a:solidFill>
+                          <a:schemeClr val="lt1"/>
+                        </a:solidFill>
+                      </a:endParaRPr>
+                    </a:p>
+                  </a:txBody>
+                  <a:tcPr marT="91425" marB="91425" marR="91425" marL="91425" anchor="ctr">
+                    <a:lnL cap="flat" cmpd="sng" w="38100">
+                      <a:solidFill>
+                        <a:schemeClr val="lt1"/>
+                      </a:solidFill>
+                      <a:prstDash val="solid"/>
+                      <a:round/>
+                      <a:headEnd len="sm" w="sm" type="none"/>
+                      <a:tailEnd len="sm" w="sm" type="none"/>
+                    </a:lnL>
+                    <a:lnR cap="flat" cmpd="sng" w="38100">
+                      <a:solidFill>
+                        <a:schemeClr val="lt1"/>
+                      </a:solidFill>
+                      <a:prstDash val="solid"/>
+                      <a:round/>
+                      <a:headEnd len="sm" w="sm" type="none"/>
+                      <a:tailEnd len="sm" w="sm" type="none"/>
+                    </a:lnR>
+                    <a:lnT cap="flat" cmpd="sng" w="38100">
+                      <a:solidFill>
+                        <a:schemeClr val="lt1"/>
+                      </a:solidFill>
+                      <a:prstDash val="solid"/>
+                      <a:round/>
+                      <a:headEnd len="sm" w="sm" type="none"/>
+                      <a:tailEnd len="sm" w="sm" type="none"/>
+                    </a:lnT>
+                    <a:lnB cap="flat" cmpd="sng" w="38100">
+                      <a:solidFill>
+                        <a:schemeClr val="lt1"/>
+                      </a:solidFill>
+                      <a:prstDash val="solid"/>
+                      <a:round/>
+                      <a:headEnd len="sm" w="sm" type="none"/>
+                      <a:tailEnd len="sm" w="sm" type="none"/>
+                    </a:lnB>
+                    <a:solidFill>
+                      <a:schemeClr val="dk2"/>
+                    </a:solidFill>
+                  </a:tcPr>
+                </a:tc>
+                <a:tc>
+                  <a:txBody>
+                    <a:bodyPr/>
+                    <a:lstStyle/>
+                    <a:p>
+                      <a:pPr indent="0" lvl="0" marL="0" rtl="0" algn="ctr">
+                        <a:spcBef>
+                          <a:spcPts val="0"/>
+                        </a:spcBef>
+                        <a:spcAft>
+                          <a:spcPts val="0"/>
+                        </a:spcAft>
+                        <a:buNone/>
+                      </a:pPr>
+                      <a:r>
+                        <a:rPr b="1" lang="en">
+                          <a:solidFill>
+                            <a:schemeClr val="lt1"/>
+                          </a:solidFill>
+                        </a:rPr>
+                        <a:t>SEMI</a:t>
+                      </a:r>
+                      <a:endParaRPr b="1">
+                        <a:solidFill>
+                          <a:schemeClr val="lt1"/>
+                        </a:solidFill>
+                      </a:endParaRPr>
+                    </a:p>
+                  </a:txBody>
+                  <a:tcPr marT="91425" marB="91425" marR="91425" marL="91425" anchor="ctr">
+                    <a:lnL cap="flat" cmpd="sng" w="38100">
+                      <a:solidFill>
+                        <a:schemeClr val="lt1"/>
+                      </a:solidFill>
+                      <a:prstDash val="solid"/>
+                      <a:round/>
+                      <a:headEnd len="sm" w="sm" type="none"/>
+                      <a:tailEnd len="sm" w="sm" type="none"/>
+                    </a:lnL>
+                    <a:lnR cap="flat" cmpd="sng" w="38100">
+                      <a:solidFill>
+                        <a:schemeClr val="lt1"/>
+                      </a:solidFill>
+                      <a:prstDash val="solid"/>
+                      <a:round/>
+                      <a:headEnd len="sm" w="sm" type="none"/>
+                      <a:tailEnd len="sm" w="sm" type="none"/>
+                    </a:lnR>
+                    <a:lnT cap="flat" cmpd="sng" w="38100">
+                      <a:solidFill>
+                        <a:schemeClr val="lt1"/>
+                      </a:solidFill>
+                      <a:prstDash val="solid"/>
+                      <a:round/>
+                      <a:headEnd len="sm" w="sm" type="none"/>
+                      <a:tailEnd len="sm" w="sm" type="none"/>
+                    </a:lnT>
+                    <a:lnB cap="flat" cmpd="sng" w="38100">
+                      <a:solidFill>
+                        <a:schemeClr val="lt1"/>
+                      </a:solidFill>
+                      <a:prstDash val="solid"/>
+                      <a:round/>
+                      <a:headEnd len="sm" w="sm" type="none"/>
+                      <a:tailEnd len="sm" w="sm" type="none"/>
+                    </a:lnB>
+                    <a:solidFill>
+                      <a:schemeClr val="dk2"/>
+                    </a:solidFill>
+                  </a:tcPr>
+                </a:tc>
+                <a:tc>
+                  <a:txBody>
+                    <a:bodyPr/>
+                    <a:lstStyle/>
+                    <a:p>
+                      <a:pPr indent="0" lvl="0" marL="0" rtl="0" algn="ctr">
+                        <a:spcBef>
+                          <a:spcPts val="0"/>
+                        </a:spcBef>
+                        <a:spcAft>
+                          <a:spcPts val="0"/>
+                        </a:spcAft>
+                        <a:buNone/>
+                      </a:pPr>
+                      <a:r>
+                        <a:rPr b="1" lang="en">
+                          <a:solidFill>
+                            <a:schemeClr val="lt1"/>
+                          </a:solidFill>
+                        </a:rPr>
+                        <a:t>SEMI</a:t>
+                      </a:r>
+                      <a:endParaRPr b="1">
+                        <a:solidFill>
+                          <a:schemeClr val="lt1"/>
+                        </a:solidFill>
+                      </a:endParaRPr>
+                    </a:p>
+                  </a:txBody>
+                  <a:tcPr marT="91425" marB="91425" marR="91425" marL="91425" anchor="ctr">
+                    <a:lnL cap="flat" cmpd="sng" w="38100">
+                      <a:solidFill>
+                        <a:schemeClr val="lt1"/>
+                      </a:solidFill>
+                      <a:prstDash val="solid"/>
+                      <a:round/>
+                      <a:headEnd len="sm" w="sm" type="none"/>
+                      <a:tailEnd len="sm" w="sm" type="none"/>
+                    </a:lnL>
+                    <a:lnR cap="flat" cmpd="sng" w="38100">
+                      <a:solidFill>
+                        <a:schemeClr val="lt1"/>
+                      </a:solidFill>
+                      <a:prstDash val="solid"/>
+                      <a:round/>
+                      <a:headEnd len="sm" w="sm" type="none"/>
+                      <a:tailEnd len="sm" w="sm" type="none"/>
+                    </a:lnR>
+                    <a:lnT cap="flat" cmpd="sng" w="38100">
+                      <a:solidFill>
+                        <a:schemeClr val="lt1"/>
+                      </a:solidFill>
+                      <a:prstDash val="solid"/>
+                      <a:round/>
+                      <a:headEnd len="sm" w="sm" type="none"/>
+                      <a:tailEnd len="sm" w="sm" type="none"/>
+                    </a:lnT>
+                    <a:lnB cap="flat" cmpd="sng" w="38100">
+                      <a:solidFill>
+                        <a:schemeClr val="lt1"/>
+                      </a:solidFill>
+                      <a:prstDash val="solid"/>
+                      <a:round/>
+                      <a:headEnd len="sm" w="sm" type="none"/>
+                      <a:tailEnd len="sm" w="sm" type="none"/>
+                    </a:lnB>
+                    <a:solidFill>
+                      <a:schemeClr val="dk2"/>
+                    </a:solidFill>
+                  </a:tcPr>
+                </a:tc>
+                <a:tc>
+                  <a:txBody>
+                    <a:bodyPr/>
+                    <a:lstStyle/>
+                    <a:p>
+                      <a:pPr indent="0" lvl="0" marL="0" rtl="0" algn="ctr">
+                        <a:spcBef>
+                          <a:spcPts val="0"/>
+                        </a:spcBef>
+                        <a:spcAft>
+                          <a:spcPts val="0"/>
+                        </a:spcAft>
+                        <a:buNone/>
+                      </a:pPr>
+                      <a:r>
+                        <a:rPr b="1" lang="en">
+                          <a:solidFill>
+                            <a:schemeClr val="lt1"/>
+                          </a:solidFill>
+                        </a:rPr>
+                        <a:t>SEMI</a:t>
+                      </a:r>
+                      <a:endParaRPr b="1">
+                        <a:solidFill>
+                          <a:schemeClr val="lt1"/>
+                        </a:solidFill>
+                      </a:endParaRPr>
+                    </a:p>
+                  </a:txBody>
+                  <a:tcPr marT="91425" marB="91425" marR="91425" marL="91425" anchor="ctr">
+                    <a:lnL cap="flat" cmpd="sng" w="38100">
+                      <a:solidFill>
+                        <a:schemeClr val="lt1"/>
+                      </a:solidFill>
+                      <a:prstDash val="solid"/>
+                      <a:round/>
+                      <a:headEnd len="sm" w="sm" type="none"/>
+                      <a:tailEnd len="sm" w="sm" type="none"/>
+                    </a:lnL>
+                    <a:lnR cap="flat" cmpd="sng" w="38100">
+                      <a:solidFill>
+                        <a:schemeClr val="lt1"/>
+                      </a:solidFill>
+                      <a:prstDash val="solid"/>
+                      <a:round/>
+                      <a:headEnd len="sm" w="sm" type="none"/>
+                      <a:tailEnd len="sm" w="sm" type="none"/>
+                    </a:lnR>
+                    <a:lnT cap="flat" cmpd="sng" w="38100">
+                      <a:solidFill>
+                        <a:schemeClr val="lt1"/>
+                      </a:solidFill>
+                      <a:prstDash val="solid"/>
+                      <a:round/>
+                      <a:headEnd len="sm" w="sm" type="none"/>
+                      <a:tailEnd len="sm" w="sm" type="none"/>
+                    </a:lnT>
+                    <a:lnB cap="flat" cmpd="sng" w="38100">
+                      <a:solidFill>
+                        <a:schemeClr val="lt1"/>
+                      </a:solidFill>
+                      <a:prstDash val="solid"/>
+                      <a:round/>
+                      <a:headEnd len="sm" w="sm" type="none"/>
+                      <a:tailEnd len="sm" w="sm" type="none"/>
+                    </a:lnB>
+                    <a:solidFill>
+                      <a:schemeClr val="dk2"/>
+                    </a:solidFill>
+                  </a:tcPr>
+                </a:tc>
+                <a:tc vMerge="1"/>
+              </a:tr>
+              <a:tr h="457200">
+                <a:tc>
+                  <a:txBody>
+                    <a:bodyPr/>
+                    <a:lstStyle/>
+                    <a:p>
+                      <a:pPr indent="0" lvl="0" marL="0" rtl="0" algn="ctr">
+                        <a:spcBef>
+                          <a:spcPts val="0"/>
+                        </a:spcBef>
+                        <a:spcAft>
+                          <a:spcPts val="0"/>
+                        </a:spcAft>
+                        <a:buNone/>
+                      </a:pPr>
+                      <a:r>
+                        <a:t/>
+                      </a:r>
+                      <a:endParaRPr/>
+                    </a:p>
+                  </a:txBody>
+                  <a:tcPr marT="91425" marB="91425" marR="91425" marL="91425" anchor="ctr">
+                    <a:lnL cap="flat" cmpd="sng" w="38100">
+                      <a:solidFill>
+                        <a:schemeClr val="lt1"/>
+                      </a:solidFill>
+                      <a:prstDash val="solid"/>
+                      <a:round/>
+                      <a:headEnd len="sm" w="sm" type="none"/>
+                      <a:tailEnd len="sm" w="sm" type="none"/>
+                    </a:lnL>
+                    <a:lnR cap="flat" cmpd="sng" w="38100">
+                      <a:solidFill>
+                        <a:schemeClr val="lt1"/>
+                      </a:solidFill>
+                      <a:prstDash val="solid"/>
+                      <a:round/>
+                      <a:headEnd len="sm" w="sm" type="none"/>
+                      <a:tailEnd len="sm" w="sm" type="none"/>
+                    </a:lnR>
+                    <a:lnT cap="flat" cmpd="sng" w="38100">
+                      <a:solidFill>
+                        <a:schemeClr val="lt1"/>
+                      </a:solidFill>
+                      <a:prstDash val="solid"/>
+                      <a:round/>
+                      <a:headEnd len="sm" w="sm" type="none"/>
+                      <a:tailEnd len="sm" w="sm" type="none"/>
+                    </a:lnT>
+                    <a:lnB cap="flat" cmpd="sng" w="38100">
+                      <a:solidFill>
+                        <a:schemeClr val="lt1"/>
+                      </a:solidFill>
+                      <a:prstDash val="solid"/>
+                      <a:round/>
+                      <a:headEnd len="sm" w="sm" type="none"/>
+                      <a:tailEnd len="sm" w="sm" type="none"/>
+                    </a:lnB>
+                    <a:solidFill>
+                      <a:schemeClr val="lt1"/>
+                    </a:solidFill>
+                  </a:tcPr>
+                </a:tc>
+                <a:tc>
+                  <a:txBody>
+                    <a:bodyPr/>
+                    <a:lstStyle/>
+                    <a:p>
+                      <a:pPr indent="0" lvl="0" marL="0" rtl="0" algn="ctr">
+                        <a:spcBef>
+                          <a:spcPts val="0"/>
+                        </a:spcBef>
+                        <a:spcAft>
+                          <a:spcPts val="0"/>
+                        </a:spcAft>
+                        <a:buNone/>
+                      </a:pPr>
+                      <a:r>
+                        <a:t/>
+                      </a:r>
+                      <a:endParaRPr/>
+                    </a:p>
+                  </a:txBody>
+                  <a:tcPr marT="91425" marB="91425" marR="91425" marL="91425" anchor="ctr">
+                    <a:lnL cap="flat" cmpd="sng" w="38100">
+                      <a:solidFill>
+                        <a:schemeClr val="lt1"/>
+                      </a:solidFill>
+                      <a:prstDash val="solid"/>
+                      <a:round/>
+                      <a:headEnd len="sm" w="sm" type="none"/>
+                      <a:tailEnd len="sm" w="sm" type="none"/>
+                    </a:lnL>
+                    <a:lnR cap="flat" cmpd="sng" w="38100">
+                      <a:solidFill>
+                        <a:schemeClr val="lt1"/>
+                      </a:solidFill>
+                      <a:prstDash val="solid"/>
+                      <a:round/>
+                      <a:headEnd len="sm" w="sm" type="none"/>
+                      <a:tailEnd len="sm" w="sm" type="none"/>
+                    </a:lnR>
+                    <a:lnT cap="flat" cmpd="sng" w="38100">
+                      <a:solidFill>
+                        <a:schemeClr val="lt1"/>
+                      </a:solidFill>
+                      <a:prstDash val="solid"/>
+                      <a:round/>
+                      <a:headEnd len="sm" w="sm" type="none"/>
+                      <a:tailEnd len="sm" w="sm" type="none"/>
+                    </a:lnT>
+                    <a:lnB cap="flat" cmpd="sng" w="38100">
+                      <a:solidFill>
+                        <a:schemeClr val="lt1"/>
+                      </a:solidFill>
+                      <a:prstDash val="solid"/>
+                      <a:round/>
+                      <a:headEnd len="sm" w="sm" type="none"/>
+                      <a:tailEnd len="sm" w="sm" type="none"/>
+                    </a:lnB>
+                    <a:solidFill>
+                      <a:schemeClr val="lt1"/>
+                    </a:solidFill>
+                  </a:tcPr>
+                </a:tc>
+                <a:tc>
+                  <a:txBody>
+                    <a:bodyPr/>
+                    <a:lstStyle/>
+                    <a:p>
+                      <a:pPr indent="0" lvl="0" marL="0" rtl="0" algn="ctr">
+                        <a:spcBef>
+                          <a:spcPts val="0"/>
+                        </a:spcBef>
+                        <a:spcAft>
+                          <a:spcPts val="0"/>
+                        </a:spcAft>
+                        <a:buNone/>
+                      </a:pPr>
+                      <a:r>
+                        <a:t/>
+                      </a:r>
+                      <a:endParaRPr/>
+                    </a:p>
+                  </a:txBody>
+                  <a:tcPr marT="91425" marB="91425" marR="91425" marL="91425" anchor="ctr">
+                    <a:lnL cap="flat" cmpd="sng" w="38100">
+                      <a:solidFill>
+                        <a:schemeClr val="lt1"/>
+                      </a:solidFill>
+                      <a:prstDash val="solid"/>
+                      <a:round/>
+                      <a:headEnd len="sm" w="sm" type="none"/>
+                      <a:tailEnd len="sm" w="sm" type="none"/>
+                    </a:lnL>
+                    <a:lnR cap="flat" cmpd="sng" w="38100">
+                      <a:solidFill>
+                        <a:schemeClr val="lt1"/>
+                      </a:solidFill>
+                      <a:prstDash val="solid"/>
+                      <a:round/>
+                      <a:headEnd len="sm" w="sm" type="none"/>
+                      <a:tailEnd len="sm" w="sm" type="none"/>
+                    </a:lnR>
+                    <a:lnT cap="flat" cmpd="sng" w="38100">
+                      <a:solidFill>
+                        <a:schemeClr val="lt1"/>
+                      </a:solidFill>
+                      <a:prstDash val="solid"/>
+                      <a:round/>
+                      <a:headEnd len="sm" w="sm" type="none"/>
+                      <a:tailEnd len="sm" w="sm" type="none"/>
+                    </a:lnT>
+                    <a:lnB cap="flat" cmpd="sng" w="38100">
+                      <a:solidFill>
+                        <a:schemeClr val="lt1"/>
+                      </a:solidFill>
+                      <a:prstDash val="solid"/>
+                      <a:round/>
+                      <a:headEnd len="sm" w="sm" type="none"/>
+                      <a:tailEnd len="sm" w="sm" type="none"/>
+                    </a:lnB>
+                    <a:solidFill>
+                      <a:schemeClr val="lt1"/>
+                    </a:solidFill>
+                  </a:tcPr>
+                </a:tc>
+                <a:tc>
+                  <a:txBody>
+                    <a:bodyPr/>
+                    <a:lstStyle/>
+                    <a:p>
+                      <a:pPr indent="0" lvl="0" marL="0" rtl="0" algn="ctr">
+                        <a:spcBef>
+                          <a:spcPts val="0"/>
+                        </a:spcBef>
+                        <a:spcAft>
+                          <a:spcPts val="0"/>
+                        </a:spcAft>
+                        <a:buNone/>
+                      </a:pPr>
+                      <a:r>
+                        <a:t/>
+                      </a:r>
+                      <a:endParaRPr/>
+                    </a:p>
+                  </a:txBody>
+                  <a:tcPr marT="91425" marB="91425" marR="91425" marL="91425" anchor="ctr">
+                    <a:lnL cap="flat" cmpd="sng" w="38100">
+                      <a:solidFill>
+                        <a:schemeClr val="lt1"/>
+                      </a:solidFill>
+                      <a:prstDash val="solid"/>
+                      <a:round/>
+                      <a:headEnd len="sm" w="sm" type="none"/>
+                      <a:tailEnd len="sm" w="sm" type="none"/>
+                    </a:lnL>
+                    <a:lnR cap="flat" cmpd="sng" w="38100">
+                      <a:solidFill>
+                        <a:schemeClr val="lt1"/>
+                      </a:solidFill>
+                      <a:prstDash val="solid"/>
+                      <a:round/>
+                      <a:headEnd len="sm" w="sm" type="none"/>
+                      <a:tailEnd len="sm" w="sm" type="none"/>
+                    </a:lnR>
+                    <a:lnT cap="flat" cmpd="sng" w="38100">
+                      <a:solidFill>
+                        <a:schemeClr val="lt1"/>
+                      </a:solidFill>
+                      <a:prstDash val="solid"/>
+                      <a:round/>
+                      <a:headEnd len="sm" w="sm" type="none"/>
+                      <a:tailEnd len="sm" w="sm" type="none"/>
+                    </a:lnT>
+                    <a:lnB cap="flat" cmpd="sng" w="38100">
+                      <a:solidFill>
+                        <a:schemeClr val="lt1"/>
+                      </a:solidFill>
+                      <a:prstDash val="solid"/>
+                      <a:round/>
+                      <a:headEnd len="sm" w="sm" type="none"/>
+                      <a:tailEnd len="sm" w="sm" type="none"/>
+                    </a:lnB>
+                    <a:solidFill>
+                      <a:schemeClr val="lt1"/>
+                    </a:solidFill>
+                  </a:tcPr>
+                </a:tc>
+                <a:tc>
+                  <a:txBody>
+                    <a:bodyPr/>
+                    <a:lstStyle/>
+                    <a:p>
+                      <a:pPr indent="0" lvl="0" marL="0" rtl="0" algn="ctr">
+                        <a:spcBef>
+                          <a:spcPts val="0"/>
+                        </a:spcBef>
+                        <a:spcAft>
+                          <a:spcPts val="0"/>
+                        </a:spcAft>
+                        <a:buNone/>
+                      </a:pPr>
+                      <a:r>
+                        <a:rPr b="1" lang="en">
+                          <a:solidFill>
+                            <a:schemeClr val="lt1"/>
+                          </a:solidFill>
+                        </a:rPr>
+                        <a:t>PRAK</a:t>
+                      </a:r>
+                      <a:endParaRPr b="1">
+                        <a:solidFill>
+                          <a:schemeClr val="lt1"/>
+                        </a:solidFill>
+                      </a:endParaRPr>
+                    </a:p>
+                  </a:txBody>
+                  <a:tcPr marT="91425" marB="91425" marR="91425" marL="91425" anchor="ctr">
+                    <a:lnL cap="flat" cmpd="sng" w="38100">
+                      <a:solidFill>
+                        <a:schemeClr val="lt1"/>
+                      </a:solidFill>
+                      <a:prstDash val="solid"/>
+                      <a:round/>
+                      <a:headEnd len="sm" w="sm" type="none"/>
+                      <a:tailEnd len="sm" w="sm" type="none"/>
+                    </a:lnL>
+                    <a:lnR cap="flat" cmpd="sng" w="38100">
+                      <a:solidFill>
+                        <a:schemeClr val="lt1"/>
+                      </a:solidFill>
+                      <a:prstDash val="solid"/>
+                      <a:round/>
+                      <a:headEnd len="sm" w="sm" type="none"/>
+                      <a:tailEnd len="sm" w="sm" type="none"/>
+                    </a:lnR>
+                    <a:lnT cap="flat" cmpd="sng" w="38100">
+                      <a:solidFill>
+                        <a:schemeClr val="lt1"/>
+                      </a:solidFill>
+                      <a:prstDash val="solid"/>
+                      <a:round/>
+                      <a:headEnd len="sm" w="sm" type="none"/>
+                      <a:tailEnd len="sm" w="sm" type="none"/>
+                    </a:lnT>
+                    <a:lnB cap="flat" cmpd="sng" w="38100">
+                      <a:solidFill>
+                        <a:schemeClr val="lt1"/>
+                      </a:solidFill>
+                      <a:prstDash val="solid"/>
+                      <a:round/>
+                      <a:headEnd len="sm" w="sm" type="none"/>
+                      <a:tailEnd len="sm" w="sm" type="none"/>
+                    </a:lnB>
+                    <a:solidFill>
+                      <a:schemeClr val="dk2"/>
+                    </a:solidFill>
+                  </a:tcPr>
+                </a:tc>
+                <a:tc>
+                  <a:txBody>
+                    <a:bodyPr/>
+                    <a:lstStyle/>
+                    <a:p>
+                      <a:pPr indent="0" lvl="0" marL="0" rtl="0" algn="ctr">
+                        <a:spcBef>
+                          <a:spcPts val="0"/>
+                        </a:spcBef>
+                        <a:spcAft>
+                          <a:spcPts val="0"/>
+                        </a:spcAft>
+                        <a:buNone/>
+                      </a:pPr>
+                      <a:r>
+                        <a:rPr b="1" lang="en">
+                          <a:solidFill>
+                            <a:schemeClr val="lt1"/>
+                          </a:solidFill>
+                        </a:rPr>
+                        <a:t>PRAK</a:t>
+                      </a:r>
+                      <a:endParaRPr b="1">
+                        <a:solidFill>
+                          <a:schemeClr val="lt1"/>
+                        </a:solidFill>
+                      </a:endParaRPr>
+                    </a:p>
+                  </a:txBody>
+                  <a:tcPr marT="91425" marB="91425" marR="91425" marL="91425" anchor="ctr">
+                    <a:lnL cap="flat" cmpd="sng" w="38100">
+                      <a:solidFill>
+                        <a:schemeClr val="lt1"/>
+                      </a:solidFill>
+                      <a:prstDash val="solid"/>
+                      <a:round/>
+                      <a:headEnd len="sm" w="sm" type="none"/>
+                      <a:tailEnd len="sm" w="sm" type="none"/>
+                    </a:lnL>
+                    <a:lnR cap="flat" cmpd="sng" w="38100">
+                      <a:solidFill>
+                        <a:schemeClr val="lt1"/>
+                      </a:solidFill>
+                      <a:prstDash val="solid"/>
+                      <a:round/>
+                      <a:headEnd len="sm" w="sm" type="none"/>
+                      <a:tailEnd len="sm" w="sm" type="none"/>
+                    </a:lnR>
+                    <a:lnT cap="flat" cmpd="sng" w="38100">
+                      <a:solidFill>
+                        <a:schemeClr val="lt1"/>
+                      </a:solidFill>
+                      <a:prstDash val="solid"/>
+                      <a:round/>
+                      <a:headEnd len="sm" w="sm" type="none"/>
+                      <a:tailEnd len="sm" w="sm" type="none"/>
+                    </a:lnT>
+                    <a:lnB cap="flat" cmpd="sng" w="38100">
+                      <a:solidFill>
+                        <a:schemeClr val="lt1"/>
+                      </a:solidFill>
+                      <a:prstDash val="solid"/>
+                      <a:round/>
+                      <a:headEnd len="sm" w="sm" type="none"/>
+                      <a:tailEnd len="sm" w="sm" type="none"/>
+                    </a:lnB>
+                    <a:solidFill>
+                      <a:schemeClr val="dk2"/>
+                    </a:solidFill>
+                  </a:tcPr>
+                </a:tc>
+                <a:tc>
+                  <a:txBody>
+                    <a:bodyPr/>
+                    <a:lstStyle/>
+                    <a:p>
+                      <a:pPr indent="0" lvl="0" marL="0" rtl="0" algn="ctr">
+                        <a:spcBef>
+                          <a:spcPts val="0"/>
+                        </a:spcBef>
+                        <a:spcAft>
+                          <a:spcPts val="0"/>
+                        </a:spcAft>
+                        <a:buNone/>
+                      </a:pPr>
+                      <a:r>
+                        <a:rPr b="1" lang="en">
+                          <a:solidFill>
+                            <a:schemeClr val="lt1"/>
+                          </a:solidFill>
+                        </a:rPr>
+                        <a:t>PRAK</a:t>
+                      </a:r>
+                      <a:endParaRPr b="1">
+                        <a:solidFill>
+                          <a:schemeClr val="lt1"/>
+                        </a:solidFill>
+                      </a:endParaRPr>
+                    </a:p>
+                  </a:txBody>
+                  <a:tcPr marT="91425" marB="91425" marR="91425" marL="91425" anchor="ctr">
+                    <a:lnL cap="flat" cmpd="sng" w="38100">
+                      <a:solidFill>
+                        <a:schemeClr val="lt1"/>
+                      </a:solidFill>
+                      <a:prstDash val="solid"/>
+                      <a:round/>
+                      <a:headEnd len="sm" w="sm" type="none"/>
+                      <a:tailEnd len="sm" w="sm" type="none"/>
+                    </a:lnL>
+                    <a:lnR cap="flat" cmpd="sng" w="38100">
+                      <a:solidFill>
+                        <a:schemeClr val="lt1"/>
+                      </a:solidFill>
+                      <a:prstDash val="solid"/>
+                      <a:round/>
+                      <a:headEnd len="sm" w="sm" type="none"/>
+                      <a:tailEnd len="sm" w="sm" type="none"/>
+                    </a:lnR>
+                    <a:lnT cap="flat" cmpd="sng" w="38100">
+                      <a:solidFill>
+                        <a:schemeClr val="lt1"/>
+                      </a:solidFill>
+                      <a:prstDash val="solid"/>
+                      <a:round/>
+                      <a:headEnd len="sm" w="sm" type="none"/>
+                      <a:tailEnd len="sm" w="sm" type="none"/>
+                    </a:lnT>
+                    <a:lnB cap="flat" cmpd="sng" w="38100">
+                      <a:solidFill>
+                        <a:schemeClr val="lt1"/>
+                      </a:solidFill>
+                      <a:prstDash val="solid"/>
+                      <a:round/>
+                      <a:headEnd len="sm" w="sm" type="none"/>
+                      <a:tailEnd len="sm" w="sm" type="none"/>
+                    </a:lnB>
+                    <a:solidFill>
+                      <a:schemeClr val="dk2"/>
+                    </a:solidFill>
+                  </a:tcPr>
+                </a:tc>
+                <a:tc>
+                  <a:txBody>
+                    <a:bodyPr/>
+                    <a:lstStyle/>
+                    <a:p>
+                      <a:pPr indent="0" lvl="0" marL="0" rtl="0" algn="ctr">
+                        <a:spcBef>
+                          <a:spcPts val="0"/>
+                        </a:spcBef>
+                        <a:spcAft>
+                          <a:spcPts val="0"/>
+                        </a:spcAft>
+                        <a:buNone/>
+                      </a:pPr>
+                      <a:r>
+                        <a:rPr b="1" lang="en">
+                          <a:solidFill>
+                            <a:schemeClr val="lt1"/>
+                          </a:solidFill>
+                        </a:rPr>
+                        <a:t>PRAK</a:t>
+                      </a:r>
+                      <a:endParaRPr b="1">
+                        <a:solidFill>
+                          <a:schemeClr val="lt1"/>
+                        </a:solidFill>
+                      </a:endParaRPr>
+                    </a:p>
+                  </a:txBody>
+                  <a:tcPr marT="91425" marB="91425" marR="91425" marL="91425" anchor="ctr">
+                    <a:lnL cap="flat" cmpd="sng" w="38100">
+                      <a:solidFill>
+                        <a:schemeClr val="lt1"/>
+                      </a:solidFill>
+                      <a:prstDash val="solid"/>
+                      <a:round/>
+                      <a:headEnd len="sm" w="sm" type="none"/>
+                      <a:tailEnd len="sm" w="sm" type="none"/>
+                    </a:lnL>
+                    <a:lnR cap="flat" cmpd="sng" w="38100">
+                      <a:solidFill>
+                        <a:schemeClr val="lt1"/>
+                      </a:solidFill>
+                      <a:prstDash val="solid"/>
+                      <a:round/>
+                      <a:headEnd len="sm" w="sm" type="none"/>
+                      <a:tailEnd len="sm" w="sm" type="none"/>
+                    </a:lnR>
+                    <a:lnT cap="flat" cmpd="sng" w="38100">
+                      <a:solidFill>
+                        <a:schemeClr val="lt1"/>
+                      </a:solidFill>
+                      <a:prstDash val="solid"/>
+                      <a:round/>
+                      <a:headEnd len="sm" w="sm" type="none"/>
+                      <a:tailEnd len="sm" w="sm" type="none"/>
+                    </a:lnT>
+                    <a:lnB cap="flat" cmpd="sng" w="38100">
+                      <a:solidFill>
+                        <a:schemeClr val="lt1"/>
+                      </a:solidFill>
+                      <a:prstDash val="solid"/>
+                      <a:round/>
+                      <a:headEnd len="sm" w="sm" type="none"/>
+                      <a:tailEnd len="sm" w="sm" type="none"/>
+                    </a:lnB>
+                    <a:solidFill>
+                      <a:schemeClr val="dk2"/>
+                    </a:solidFill>
+                  </a:tcPr>
+                </a:tc>
+                <a:tc>
+                  <a:txBody>
+                    <a:bodyPr/>
+                    <a:lstStyle/>
+                    <a:p>
+                      <a:pPr indent="0" lvl="0" marL="0" rtl="0" algn="ctr">
+                        <a:spcBef>
+                          <a:spcPts val="0"/>
+                        </a:spcBef>
+                        <a:spcAft>
+                          <a:spcPts val="0"/>
+                        </a:spcAft>
+                        <a:buNone/>
+                      </a:pPr>
+                      <a:r>
+                        <a:rPr b="1" lang="en">
+                          <a:solidFill>
+                            <a:schemeClr val="lt1"/>
+                          </a:solidFill>
+                        </a:rPr>
+                        <a:t>PRAK</a:t>
+                      </a:r>
+                      <a:endParaRPr b="1">
+                        <a:solidFill>
+                          <a:schemeClr val="lt1"/>
+                        </a:solidFill>
+                      </a:endParaRPr>
+                    </a:p>
+                  </a:txBody>
+                  <a:tcPr marT="91425" marB="91425" marR="91425" marL="91425" anchor="ctr">
+                    <a:lnL cap="flat" cmpd="sng" w="38100">
+                      <a:solidFill>
+                        <a:schemeClr val="lt1"/>
+                      </a:solidFill>
+                      <a:prstDash val="solid"/>
+                      <a:round/>
+                      <a:headEnd len="sm" w="sm" type="none"/>
+                      <a:tailEnd len="sm" w="sm" type="none"/>
+                    </a:lnL>
+                    <a:lnR cap="flat" cmpd="sng" w="38100">
+                      <a:solidFill>
+                        <a:schemeClr val="lt1"/>
+                      </a:solidFill>
+                      <a:prstDash val="solid"/>
+                      <a:round/>
+                      <a:headEnd len="sm" w="sm" type="none"/>
+                      <a:tailEnd len="sm" w="sm" type="none"/>
+                    </a:lnR>
+                    <a:lnT cap="flat" cmpd="sng" w="38100">
+                      <a:solidFill>
+                        <a:schemeClr val="lt1"/>
+                      </a:solidFill>
+                      <a:prstDash val="solid"/>
+                      <a:round/>
+                      <a:headEnd len="sm" w="sm" type="none"/>
+                      <a:tailEnd len="sm" w="sm" type="none"/>
+                    </a:lnT>
+                    <a:lnB cap="flat" cmpd="sng" w="38100">
+                      <a:solidFill>
+                        <a:schemeClr val="lt1"/>
+                      </a:solidFill>
+                      <a:prstDash val="solid"/>
+                      <a:round/>
+                      <a:headEnd len="sm" w="sm" type="none"/>
+                      <a:tailEnd len="sm" w="sm" type="none"/>
+                    </a:lnB>
+                    <a:solidFill>
+                      <a:schemeClr val="dk2"/>
+                    </a:solidFill>
+                  </a:tcPr>
+                </a:tc>
+                <a:tc vMerge="1"/>
+              </a:tr>
+              <a:tr h="457200">
+                <a:tc>
+                  <a:txBody>
+                    <a:bodyPr/>
+                    <a:lstStyle/>
+                    <a:p>
+                      <a:pPr indent="0" lvl="0" marL="0" rtl="0" algn="ctr">
+                        <a:spcBef>
+                          <a:spcPts val="0"/>
+                        </a:spcBef>
+                        <a:spcAft>
+                          <a:spcPts val="0"/>
+                        </a:spcAft>
+                        <a:buNone/>
+                      </a:pPr>
+                      <a:r>
+                        <a:t/>
+                      </a:r>
+                      <a:endParaRPr/>
+                    </a:p>
+                  </a:txBody>
+                  <a:tcPr marT="91425" marB="91425" marR="91425" marL="91425" anchor="ctr">
+                    <a:lnL cap="flat" cmpd="sng" w="38100">
+                      <a:solidFill>
+                        <a:schemeClr val="lt1"/>
+                      </a:solidFill>
+                      <a:prstDash val="solid"/>
+                      <a:round/>
+                      <a:headEnd len="sm" w="sm" type="none"/>
+                      <a:tailEnd len="sm" w="sm" type="none"/>
+                    </a:lnL>
+                    <a:lnR cap="flat" cmpd="sng" w="38100">
+                      <a:solidFill>
+                        <a:schemeClr val="lt1"/>
+                      </a:solidFill>
+                      <a:prstDash val="solid"/>
+                      <a:round/>
+                      <a:headEnd len="sm" w="sm" type="none"/>
+                      <a:tailEnd len="sm" w="sm" type="none"/>
+                    </a:lnR>
+                    <a:lnT cap="flat" cmpd="sng" w="38100">
+                      <a:solidFill>
+                        <a:schemeClr val="lt1"/>
+                      </a:solidFill>
+                      <a:prstDash val="solid"/>
+                      <a:round/>
+                      <a:headEnd len="sm" w="sm" type="none"/>
+                      <a:tailEnd len="sm" w="sm" type="none"/>
+                    </a:lnT>
+                    <a:lnB cap="flat" cmpd="sng" w="38100">
+                      <a:solidFill>
+                        <a:schemeClr val="lt1"/>
+                      </a:solidFill>
+                      <a:prstDash val="solid"/>
+                      <a:round/>
+                      <a:headEnd len="sm" w="sm" type="none"/>
+                      <a:tailEnd len="sm" w="sm" type="none"/>
+                    </a:lnB>
+                    <a:solidFill>
+                      <a:schemeClr val="accent1"/>
+                    </a:solidFill>
+                  </a:tcPr>
+                </a:tc>
+                <a:tc>
+                  <a:txBody>
+                    <a:bodyPr/>
+                    <a:lstStyle/>
+                    <a:p>
+                      <a:pPr indent="0" lvl="0" marL="0" rtl="0" algn="ctr">
+                        <a:spcBef>
+                          <a:spcPts val="0"/>
+                        </a:spcBef>
+                        <a:spcAft>
+                          <a:spcPts val="0"/>
+                        </a:spcAft>
+                        <a:buNone/>
+                      </a:pPr>
+                      <a:r>
+                        <a:t/>
+                      </a:r>
+                      <a:endParaRPr/>
+                    </a:p>
+                  </a:txBody>
+                  <a:tcPr marT="91425" marB="91425" marR="91425" marL="91425" anchor="ctr">
+                    <a:lnL cap="flat" cmpd="sng" w="38100">
+                      <a:solidFill>
+                        <a:schemeClr val="lt1"/>
+                      </a:solidFill>
+                      <a:prstDash val="solid"/>
+                      <a:round/>
+                      <a:headEnd len="sm" w="sm" type="none"/>
+                      <a:tailEnd len="sm" w="sm" type="none"/>
+                    </a:lnL>
+                    <a:lnR cap="flat" cmpd="sng" w="38100">
+                      <a:solidFill>
+                        <a:schemeClr val="lt1"/>
+                      </a:solidFill>
+                      <a:prstDash val="solid"/>
+                      <a:round/>
+                      <a:headEnd len="sm" w="sm" type="none"/>
+                      <a:tailEnd len="sm" w="sm" type="none"/>
+                    </a:lnR>
+                    <a:lnT cap="flat" cmpd="sng" w="38100">
+                      <a:solidFill>
+                        <a:schemeClr val="lt1"/>
+                      </a:solidFill>
+                      <a:prstDash val="solid"/>
+                      <a:round/>
+                      <a:headEnd len="sm" w="sm" type="none"/>
+                      <a:tailEnd len="sm" w="sm" type="none"/>
+                    </a:lnT>
+                    <a:lnB cap="flat" cmpd="sng" w="38100">
+                      <a:solidFill>
+                        <a:schemeClr val="lt1"/>
+                      </a:solidFill>
+                      <a:prstDash val="solid"/>
+                      <a:round/>
+                      <a:headEnd len="sm" w="sm" type="none"/>
+                      <a:tailEnd len="sm" w="sm" type="none"/>
+                    </a:lnB>
+                    <a:solidFill>
+                      <a:schemeClr val="accent1"/>
+                    </a:solidFill>
+                  </a:tcPr>
+                </a:tc>
+                <a:tc>
+                  <a:txBody>
+                    <a:bodyPr/>
+                    <a:lstStyle/>
+                    <a:p>
+                      <a:pPr indent="0" lvl="0" marL="0" rtl="0" algn="ctr">
+                        <a:spcBef>
+                          <a:spcPts val="0"/>
+                        </a:spcBef>
+                        <a:spcAft>
+                          <a:spcPts val="0"/>
+                        </a:spcAft>
+                        <a:buNone/>
+                      </a:pPr>
+                      <a:r>
+                        <a:t/>
+                      </a:r>
+                      <a:endParaRPr/>
+                    </a:p>
+                  </a:txBody>
+                  <a:tcPr marT="91425" marB="91425" marR="91425" marL="91425" anchor="ctr">
+                    <a:lnL cap="flat" cmpd="sng" w="38100">
+                      <a:solidFill>
+                        <a:schemeClr val="lt1"/>
+                      </a:solidFill>
+                      <a:prstDash val="solid"/>
+                      <a:round/>
+                      <a:headEnd len="sm" w="sm" type="none"/>
+                      <a:tailEnd len="sm" w="sm" type="none"/>
+                    </a:lnL>
+                    <a:lnR cap="flat" cmpd="sng" w="38100">
+                      <a:solidFill>
+                        <a:schemeClr val="lt1"/>
+                      </a:solidFill>
+                      <a:prstDash val="solid"/>
+                      <a:round/>
+                      <a:headEnd len="sm" w="sm" type="none"/>
+                      <a:tailEnd len="sm" w="sm" type="none"/>
+                    </a:lnR>
+                    <a:lnT cap="flat" cmpd="sng" w="38100">
+                      <a:solidFill>
+                        <a:schemeClr val="lt1"/>
+                      </a:solidFill>
+                      <a:prstDash val="solid"/>
+                      <a:round/>
+                      <a:headEnd len="sm" w="sm" type="none"/>
+                      <a:tailEnd len="sm" w="sm" type="none"/>
+                    </a:lnT>
+                    <a:lnB cap="flat" cmpd="sng" w="38100">
+                      <a:solidFill>
+                        <a:schemeClr val="lt1"/>
+                      </a:solidFill>
+                      <a:prstDash val="solid"/>
+                      <a:round/>
+                      <a:headEnd len="sm" w="sm" type="none"/>
+                      <a:tailEnd len="sm" w="sm" type="none"/>
+                    </a:lnB>
+                    <a:solidFill>
+                      <a:schemeClr val="accent1"/>
+                    </a:solidFill>
+                  </a:tcPr>
+                </a:tc>
+                <a:tc>
+                  <a:txBody>
+                    <a:bodyPr/>
+                    <a:lstStyle/>
+                    <a:p>
+                      <a:pPr indent="0" lvl="0" marL="0" rtl="0" algn="ctr">
+                        <a:spcBef>
+                          <a:spcPts val="0"/>
+                        </a:spcBef>
+                        <a:spcAft>
+                          <a:spcPts val="0"/>
+                        </a:spcAft>
+                        <a:buNone/>
+                      </a:pPr>
+                      <a:r>
+                        <a:t/>
+                      </a:r>
+                      <a:endParaRPr/>
+                    </a:p>
+                  </a:txBody>
+                  <a:tcPr marT="91425" marB="91425" marR="91425" marL="91425" anchor="ctr">
+                    <a:lnL cap="flat" cmpd="sng" w="38100">
+                      <a:solidFill>
+                        <a:schemeClr val="lt1"/>
+                      </a:solidFill>
+                      <a:prstDash val="solid"/>
+                      <a:round/>
+                      <a:headEnd len="sm" w="sm" type="none"/>
+                      <a:tailEnd len="sm" w="sm" type="none"/>
+                    </a:lnL>
+                    <a:lnR cap="flat" cmpd="sng" w="38100">
+                      <a:solidFill>
+                        <a:schemeClr val="lt1"/>
+                      </a:solidFill>
+                      <a:prstDash val="solid"/>
+                      <a:round/>
+                      <a:headEnd len="sm" w="sm" type="none"/>
+                      <a:tailEnd len="sm" w="sm" type="none"/>
+                    </a:lnR>
+                    <a:lnT cap="flat" cmpd="sng" w="38100">
+                      <a:solidFill>
+                        <a:schemeClr val="lt1"/>
+                      </a:solidFill>
+                      <a:prstDash val="solid"/>
+                      <a:round/>
+                      <a:headEnd len="sm" w="sm" type="none"/>
+                      <a:tailEnd len="sm" w="sm" type="none"/>
+                    </a:lnT>
+                    <a:lnB cap="flat" cmpd="sng" w="38100">
+                      <a:solidFill>
+                        <a:schemeClr val="lt1"/>
+                      </a:solidFill>
+                      <a:prstDash val="solid"/>
+                      <a:round/>
+                      <a:headEnd len="sm" w="sm" type="none"/>
+                      <a:tailEnd len="sm" w="sm" type="none"/>
+                    </a:lnB>
+                    <a:solidFill>
+                      <a:schemeClr val="accent1"/>
+                    </a:solidFill>
+                  </a:tcPr>
+                </a:tc>
+                <a:tc>
+                  <a:txBody>
+                    <a:bodyPr/>
+                    <a:lstStyle/>
+                    <a:p>
+                      <a:pPr indent="0" lvl="0" marL="0" rtl="0" algn="ctr">
+                        <a:spcBef>
+                          <a:spcPts val="0"/>
+                        </a:spcBef>
+                        <a:spcAft>
+                          <a:spcPts val="0"/>
+                        </a:spcAft>
+                        <a:buNone/>
+                      </a:pPr>
+                      <a:r>
+                        <a:t/>
+                      </a:r>
+                      <a:endParaRPr b="1">
+                        <a:solidFill>
+                          <a:schemeClr val="lt1"/>
+                        </a:solidFill>
+                      </a:endParaRPr>
+                    </a:p>
+                  </a:txBody>
+                  <a:tcPr marT="91425" marB="91425" marR="91425" marL="91425" anchor="ctr">
+                    <a:lnL cap="flat" cmpd="sng" w="38100">
+                      <a:solidFill>
+                        <a:schemeClr val="lt1"/>
+                      </a:solidFill>
+                      <a:prstDash val="solid"/>
+                      <a:round/>
+                      <a:headEnd len="sm" w="sm" type="none"/>
+                      <a:tailEnd len="sm" w="sm" type="none"/>
+                    </a:lnL>
+                    <a:lnR cap="flat" cmpd="sng" w="38100">
+                      <a:solidFill>
+                        <a:schemeClr val="lt1"/>
+                      </a:solidFill>
+                      <a:prstDash val="solid"/>
+                      <a:round/>
+                      <a:headEnd len="sm" w="sm" type="none"/>
+                      <a:tailEnd len="sm" w="sm" type="none"/>
+                    </a:lnR>
+                    <a:lnT cap="flat" cmpd="sng" w="38100">
+                      <a:solidFill>
+                        <a:schemeClr val="lt1"/>
+                      </a:solidFill>
+                      <a:prstDash val="solid"/>
+                      <a:round/>
+                      <a:headEnd len="sm" w="sm" type="none"/>
+                      <a:tailEnd len="sm" w="sm" type="none"/>
+                    </a:lnT>
+                    <a:lnB cap="flat" cmpd="sng" w="38100">
+                      <a:solidFill>
+                        <a:schemeClr val="lt1"/>
+                      </a:solidFill>
+                      <a:prstDash val="solid"/>
+                      <a:round/>
+                      <a:headEnd len="sm" w="sm" type="none"/>
+                      <a:tailEnd len="sm" w="sm" type="none"/>
+                    </a:lnB>
+                    <a:solidFill>
+                      <a:schemeClr val="accent1"/>
+                    </a:solidFill>
+                  </a:tcPr>
+                </a:tc>
+                <a:tc>
+                  <a:txBody>
+                    <a:bodyPr/>
+                    <a:lstStyle/>
+                    <a:p>
+                      <a:pPr indent="0" lvl="0" marL="0" rtl="0" algn="ctr">
+                        <a:spcBef>
+                          <a:spcPts val="0"/>
+                        </a:spcBef>
+                        <a:spcAft>
+                          <a:spcPts val="0"/>
+                        </a:spcAft>
+                        <a:buNone/>
+                      </a:pPr>
+                      <a:r>
+                        <a:rPr b="1" lang="en">
+                          <a:solidFill>
+                            <a:schemeClr val="lt1"/>
+                          </a:solidFill>
+                        </a:rPr>
+                        <a:t>BATH</a:t>
+                      </a:r>
+                      <a:endParaRPr b="1">
+                        <a:solidFill>
+                          <a:schemeClr val="lt1"/>
+                        </a:solidFill>
+                      </a:endParaRPr>
+                    </a:p>
+                  </a:txBody>
+                  <a:tcPr marT="91425" marB="91425" marR="91425" marL="91425" anchor="ctr">
+                    <a:lnL cap="flat" cmpd="sng" w="38100">
+                      <a:solidFill>
+                        <a:schemeClr val="lt1"/>
+                      </a:solidFill>
+                      <a:prstDash val="solid"/>
+                      <a:round/>
+                      <a:headEnd len="sm" w="sm" type="none"/>
+                      <a:tailEnd len="sm" w="sm" type="none"/>
+                    </a:lnL>
+                    <a:lnR cap="flat" cmpd="sng" w="38100">
+                      <a:solidFill>
+                        <a:schemeClr val="lt1"/>
+                      </a:solidFill>
+                      <a:prstDash val="solid"/>
+                      <a:round/>
+                      <a:headEnd len="sm" w="sm" type="none"/>
+                      <a:tailEnd len="sm" w="sm" type="none"/>
+                    </a:lnR>
+                    <a:lnT cap="flat" cmpd="sng" w="38100">
+                      <a:solidFill>
+                        <a:schemeClr val="lt1"/>
+                      </a:solidFill>
+                      <a:prstDash val="solid"/>
+                      <a:round/>
+                      <a:headEnd len="sm" w="sm" type="none"/>
+                      <a:tailEnd len="sm" w="sm" type="none"/>
+                    </a:lnT>
+                    <a:lnB cap="flat" cmpd="sng" w="38100">
+                      <a:solidFill>
+                        <a:schemeClr val="lt1"/>
+                      </a:solidFill>
+                      <a:prstDash val="solid"/>
+                      <a:round/>
+                      <a:headEnd len="sm" w="sm" type="none"/>
+                      <a:tailEnd len="sm" w="sm" type="none"/>
+                    </a:lnB>
+                    <a:solidFill>
+                      <a:schemeClr val="dk2"/>
+                    </a:solidFill>
+                  </a:tcPr>
+                </a:tc>
+                <a:tc>
+                  <a:txBody>
+                    <a:bodyPr/>
+                    <a:lstStyle/>
+                    <a:p>
+                      <a:pPr indent="0" lvl="0" marL="0" rtl="0" algn="ctr">
+                        <a:spcBef>
+                          <a:spcPts val="0"/>
+                        </a:spcBef>
+                        <a:spcAft>
+                          <a:spcPts val="0"/>
+                        </a:spcAft>
+                        <a:buNone/>
+                      </a:pPr>
+                      <a:r>
+                        <a:t/>
+                      </a:r>
+                      <a:endParaRPr b="1">
+                        <a:solidFill>
+                          <a:schemeClr val="lt1"/>
+                        </a:solidFill>
+                      </a:endParaRPr>
+                    </a:p>
+                  </a:txBody>
+                  <a:tcPr marT="91425" marB="91425" marR="91425" marL="91425" anchor="ctr">
+                    <a:lnL cap="flat" cmpd="sng" w="38100">
+                      <a:solidFill>
+                        <a:schemeClr val="lt1"/>
+                      </a:solidFill>
+                      <a:prstDash val="solid"/>
+                      <a:round/>
+                      <a:headEnd len="sm" w="sm" type="none"/>
+                      <a:tailEnd len="sm" w="sm" type="none"/>
+                    </a:lnL>
+                    <a:lnR cap="flat" cmpd="sng" w="38100">
+                      <a:solidFill>
+                        <a:schemeClr val="lt1"/>
+                      </a:solidFill>
+                      <a:prstDash val="solid"/>
+                      <a:round/>
+                      <a:headEnd len="sm" w="sm" type="none"/>
+                      <a:tailEnd len="sm" w="sm" type="none"/>
+                    </a:lnR>
+                    <a:lnT cap="flat" cmpd="sng" w="38100">
+                      <a:solidFill>
+                        <a:schemeClr val="lt1"/>
+                      </a:solidFill>
+                      <a:prstDash val="solid"/>
+                      <a:round/>
+                      <a:headEnd len="sm" w="sm" type="none"/>
+                      <a:tailEnd len="sm" w="sm" type="none"/>
+                    </a:lnT>
+                    <a:lnB cap="flat" cmpd="sng" w="38100">
+                      <a:solidFill>
+                        <a:schemeClr val="lt1"/>
+                      </a:solidFill>
+                      <a:prstDash val="solid"/>
+                      <a:round/>
+                      <a:headEnd len="sm" w="sm" type="none"/>
+                      <a:tailEnd len="sm" w="sm" type="none"/>
+                    </a:lnB>
+                    <a:solidFill>
+                      <a:schemeClr val="accent1"/>
+                    </a:solidFill>
+                  </a:tcPr>
+                </a:tc>
+                <a:tc>
+                  <a:txBody>
+                    <a:bodyPr/>
+                    <a:lstStyle/>
+                    <a:p>
+                      <a:pPr indent="0" lvl="0" marL="0" rtl="0" algn="ctr">
+                        <a:spcBef>
+                          <a:spcPts val="0"/>
+                        </a:spcBef>
+                        <a:spcAft>
+                          <a:spcPts val="0"/>
+                        </a:spcAft>
+                        <a:buNone/>
+                      </a:pPr>
+                      <a:r>
+                        <a:t/>
+                      </a:r>
+                      <a:endParaRPr b="1">
+                        <a:solidFill>
+                          <a:schemeClr val="lt1"/>
+                        </a:solidFill>
+                      </a:endParaRPr>
+                    </a:p>
+                  </a:txBody>
+                  <a:tcPr marT="91425" marB="91425" marR="91425" marL="91425" anchor="ctr">
+                    <a:lnL cap="flat" cmpd="sng" w="38100">
+                      <a:solidFill>
+                        <a:schemeClr val="lt1"/>
+                      </a:solidFill>
+                      <a:prstDash val="solid"/>
+                      <a:round/>
+                      <a:headEnd len="sm" w="sm" type="none"/>
+                      <a:tailEnd len="sm" w="sm" type="none"/>
+                    </a:lnL>
+                    <a:lnR cap="flat" cmpd="sng" w="38100">
+                      <a:solidFill>
+                        <a:schemeClr val="lt1"/>
+                      </a:solidFill>
+                      <a:prstDash val="solid"/>
+                      <a:round/>
+                      <a:headEnd len="sm" w="sm" type="none"/>
+                      <a:tailEnd len="sm" w="sm" type="none"/>
+                    </a:lnR>
+                    <a:lnT cap="flat" cmpd="sng" w="38100">
+                      <a:solidFill>
+                        <a:schemeClr val="lt1"/>
+                      </a:solidFill>
+                      <a:prstDash val="solid"/>
+                      <a:round/>
+                      <a:headEnd len="sm" w="sm" type="none"/>
+                      <a:tailEnd len="sm" w="sm" type="none"/>
+                    </a:lnT>
+                    <a:lnB cap="flat" cmpd="sng" w="38100">
+                      <a:solidFill>
+                        <a:schemeClr val="lt1"/>
+                      </a:solidFill>
+                      <a:prstDash val="solid"/>
+                      <a:round/>
+                      <a:headEnd len="sm" w="sm" type="none"/>
+                      <a:tailEnd len="sm" w="sm" type="none"/>
+                    </a:lnB>
+                    <a:solidFill>
+                      <a:schemeClr val="accent1"/>
+                    </a:solidFill>
+                  </a:tcPr>
+                </a:tc>
+                <a:tc>
+                  <a:txBody>
+                    <a:bodyPr/>
+                    <a:lstStyle/>
+                    <a:p>
+                      <a:pPr indent="0" lvl="0" marL="0" rtl="0" algn="ctr">
+                        <a:spcBef>
+                          <a:spcPts val="0"/>
+                        </a:spcBef>
+                        <a:spcAft>
+                          <a:spcPts val="0"/>
+                        </a:spcAft>
+                        <a:buNone/>
+                      </a:pPr>
+                      <a:r>
+                        <a:t/>
+                      </a:r>
+                      <a:endParaRPr b="1">
+                        <a:solidFill>
+                          <a:schemeClr val="lt1"/>
+                        </a:solidFill>
+                      </a:endParaRPr>
+                    </a:p>
+                  </a:txBody>
+                  <a:tcPr marT="91425" marB="91425" marR="91425" marL="91425" anchor="ctr">
+                    <a:lnL cap="flat" cmpd="sng" w="38100">
+                      <a:solidFill>
+                        <a:schemeClr val="lt1"/>
+                      </a:solidFill>
+                      <a:prstDash val="solid"/>
+                      <a:round/>
+                      <a:headEnd len="sm" w="sm" type="none"/>
+                      <a:tailEnd len="sm" w="sm" type="none"/>
+                    </a:lnL>
+                    <a:lnR cap="flat" cmpd="sng" w="38100">
+                      <a:solidFill>
+                        <a:schemeClr val="lt1"/>
+                      </a:solidFill>
+                      <a:prstDash val="solid"/>
+                      <a:round/>
+                      <a:headEnd len="sm" w="sm" type="none"/>
+                      <a:tailEnd len="sm" w="sm" type="none"/>
+                    </a:lnR>
+                    <a:lnT cap="flat" cmpd="sng" w="38100">
+                      <a:solidFill>
+                        <a:schemeClr val="lt1"/>
+                      </a:solidFill>
+                      <a:prstDash val="solid"/>
+                      <a:round/>
+                      <a:headEnd len="sm" w="sm" type="none"/>
+                      <a:tailEnd len="sm" w="sm" type="none"/>
+                    </a:lnT>
+                    <a:lnB cap="flat" cmpd="sng" w="38100">
+                      <a:solidFill>
+                        <a:schemeClr val="lt1"/>
+                      </a:solidFill>
+                      <a:prstDash val="solid"/>
+                      <a:round/>
+                      <a:headEnd len="sm" w="sm" type="none"/>
+                      <a:tailEnd len="sm" w="sm" type="none"/>
+                    </a:lnB>
+                    <a:solidFill>
+                      <a:schemeClr val="accent1"/>
+                    </a:solidFill>
+                  </a:tcPr>
+                </a:tc>
+                <a:tc vMerge="1"/>
+              </a:tr>
+              <a:tr h="457200">
+                <a:tc>
+                  <a:txBody>
+                    <a:bodyPr/>
+                    <a:lstStyle/>
+                    <a:p>
+                      <a:pPr indent="0" lvl="0" marL="0" rtl="0" algn="ctr">
+                        <a:spcBef>
+                          <a:spcPts val="0"/>
+                        </a:spcBef>
+                        <a:spcAft>
+                          <a:spcPts val="0"/>
+                        </a:spcAft>
+                        <a:buNone/>
+                      </a:pPr>
+                      <a:r>
+                        <a:t/>
+                      </a:r>
+                      <a:endParaRPr/>
+                    </a:p>
+                  </a:txBody>
+                  <a:tcPr marT="91425" marB="91425" marR="91425" marL="91425" anchor="ctr">
+                    <a:lnL cap="flat" cmpd="sng" w="38100">
+                      <a:solidFill>
+                        <a:schemeClr val="lt1"/>
+                      </a:solidFill>
+                      <a:prstDash val="solid"/>
+                      <a:round/>
+                      <a:headEnd len="sm" w="sm" type="none"/>
+                      <a:tailEnd len="sm" w="sm" type="none"/>
+                    </a:lnL>
+                    <a:lnR cap="flat" cmpd="sng" w="38100">
+                      <a:solidFill>
+                        <a:schemeClr val="lt1"/>
+                      </a:solidFill>
+                      <a:prstDash val="solid"/>
+                      <a:round/>
+                      <a:headEnd len="sm" w="sm" type="none"/>
+                      <a:tailEnd len="sm" w="sm" type="none"/>
+                    </a:lnR>
+                    <a:lnT cap="flat" cmpd="sng" w="38100">
+                      <a:solidFill>
+                        <a:schemeClr val="lt1"/>
+                      </a:solidFill>
+                      <a:prstDash val="solid"/>
+                      <a:round/>
+                      <a:headEnd len="sm" w="sm" type="none"/>
+                      <a:tailEnd len="sm" w="sm" type="none"/>
+                    </a:lnT>
+                    <a:lnB cap="flat" cmpd="sng" w="38100">
+                      <a:solidFill>
+                        <a:schemeClr val="lt1"/>
+                      </a:solidFill>
+                      <a:prstDash val="solid"/>
+                      <a:round/>
+                      <a:headEnd len="sm" w="sm" type="none"/>
+                      <a:tailEnd len="sm" w="sm" type="none"/>
+                    </a:lnB>
+                    <a:solidFill>
+                      <a:schemeClr val="lt1"/>
+                    </a:solidFill>
+                  </a:tcPr>
+                </a:tc>
+                <a:tc>
+                  <a:txBody>
+                    <a:bodyPr/>
+                    <a:lstStyle/>
+                    <a:p>
+                      <a:pPr indent="0" lvl="0" marL="0" rtl="0" algn="ctr">
+                        <a:spcBef>
+                          <a:spcPts val="0"/>
+                        </a:spcBef>
+                        <a:spcAft>
+                          <a:spcPts val="0"/>
+                        </a:spcAft>
+                        <a:buNone/>
+                      </a:pPr>
+                      <a:r>
+                        <a:t/>
+                      </a:r>
+                      <a:endParaRPr/>
+                    </a:p>
+                  </a:txBody>
+                  <a:tcPr marT="91425" marB="91425" marR="91425" marL="91425" anchor="ctr">
+                    <a:lnL cap="flat" cmpd="sng" w="38100">
+                      <a:solidFill>
+                        <a:schemeClr val="lt1"/>
+                      </a:solidFill>
+                      <a:prstDash val="solid"/>
+                      <a:round/>
+                      <a:headEnd len="sm" w="sm" type="none"/>
+                      <a:tailEnd len="sm" w="sm" type="none"/>
+                    </a:lnL>
+                    <a:lnR cap="flat" cmpd="sng" w="38100">
+                      <a:solidFill>
+                        <a:schemeClr val="lt1"/>
+                      </a:solidFill>
+                      <a:prstDash val="solid"/>
+                      <a:round/>
+                      <a:headEnd len="sm" w="sm" type="none"/>
+                      <a:tailEnd len="sm" w="sm" type="none"/>
+                    </a:lnR>
+                    <a:lnT cap="flat" cmpd="sng" w="38100">
+                      <a:solidFill>
+                        <a:schemeClr val="lt1"/>
+                      </a:solidFill>
+                      <a:prstDash val="solid"/>
+                      <a:round/>
+                      <a:headEnd len="sm" w="sm" type="none"/>
+                      <a:tailEnd len="sm" w="sm" type="none"/>
+                    </a:lnT>
+                    <a:lnB cap="flat" cmpd="sng" w="38100">
+                      <a:solidFill>
+                        <a:schemeClr val="lt1"/>
+                      </a:solidFill>
+                      <a:prstDash val="solid"/>
+                      <a:round/>
+                      <a:headEnd len="sm" w="sm" type="none"/>
+                      <a:tailEnd len="sm" w="sm" type="none"/>
+                    </a:lnB>
+                    <a:solidFill>
+                      <a:schemeClr val="lt1"/>
+                    </a:solidFill>
+                  </a:tcPr>
+                </a:tc>
+                <a:tc>
+                  <a:txBody>
+                    <a:bodyPr/>
+                    <a:lstStyle/>
+                    <a:p>
+                      <a:pPr indent="0" lvl="0" marL="0" rtl="0" algn="ctr">
+                        <a:spcBef>
+                          <a:spcPts val="0"/>
+                        </a:spcBef>
+                        <a:spcAft>
+                          <a:spcPts val="0"/>
+                        </a:spcAft>
+                        <a:buNone/>
+                      </a:pPr>
+                      <a:r>
+                        <a:t/>
+                      </a:r>
+                      <a:endParaRPr/>
+                    </a:p>
+                  </a:txBody>
+                  <a:tcPr marT="91425" marB="91425" marR="91425" marL="91425" anchor="ctr">
+                    <a:lnL cap="flat" cmpd="sng" w="38100">
+                      <a:solidFill>
+                        <a:schemeClr val="lt1"/>
+                      </a:solidFill>
+                      <a:prstDash val="solid"/>
+                      <a:round/>
+                      <a:headEnd len="sm" w="sm" type="none"/>
+                      <a:tailEnd len="sm" w="sm" type="none"/>
+                    </a:lnL>
+                    <a:lnR cap="flat" cmpd="sng" w="38100">
+                      <a:solidFill>
+                        <a:schemeClr val="lt1"/>
+                      </a:solidFill>
+                      <a:prstDash val="solid"/>
+                      <a:round/>
+                      <a:headEnd len="sm" w="sm" type="none"/>
+                      <a:tailEnd len="sm" w="sm" type="none"/>
+                    </a:lnR>
+                    <a:lnT cap="flat" cmpd="sng" w="38100">
+                      <a:solidFill>
+                        <a:schemeClr val="lt1"/>
+                      </a:solidFill>
+                      <a:prstDash val="solid"/>
+                      <a:round/>
+                      <a:headEnd len="sm" w="sm" type="none"/>
+                      <a:tailEnd len="sm" w="sm" type="none"/>
+                    </a:lnT>
+                    <a:lnB cap="flat" cmpd="sng" w="38100">
+                      <a:solidFill>
+                        <a:schemeClr val="lt1"/>
+                      </a:solidFill>
+                      <a:prstDash val="solid"/>
+                      <a:round/>
+                      <a:headEnd len="sm" w="sm" type="none"/>
+                      <a:tailEnd len="sm" w="sm" type="none"/>
+                    </a:lnB>
+                    <a:solidFill>
+                      <a:schemeClr val="lt1"/>
+                    </a:solidFill>
+                  </a:tcPr>
+                </a:tc>
+                <a:tc>
+                  <a:txBody>
+                    <a:bodyPr/>
+                    <a:lstStyle/>
+                    <a:p>
+                      <a:pPr indent="0" lvl="0" marL="0" rtl="0" algn="ctr">
+                        <a:spcBef>
+                          <a:spcPts val="0"/>
+                        </a:spcBef>
+                        <a:spcAft>
+                          <a:spcPts val="0"/>
+                        </a:spcAft>
+                        <a:buNone/>
+                      </a:pPr>
+                      <a:r>
+                        <a:t/>
+                      </a:r>
+                      <a:endParaRPr/>
+                    </a:p>
+                  </a:txBody>
+                  <a:tcPr marT="91425" marB="91425" marR="91425" marL="91425" anchor="ctr">
+                    <a:lnL cap="flat" cmpd="sng" w="38100">
+                      <a:solidFill>
+                        <a:schemeClr val="lt1"/>
+                      </a:solidFill>
+                      <a:prstDash val="solid"/>
+                      <a:round/>
+                      <a:headEnd len="sm" w="sm" type="none"/>
+                      <a:tailEnd len="sm" w="sm" type="none"/>
+                    </a:lnL>
+                    <a:lnR cap="flat" cmpd="sng" w="38100">
+                      <a:solidFill>
+                        <a:schemeClr val="lt1"/>
+                      </a:solidFill>
+                      <a:prstDash val="solid"/>
+                      <a:round/>
+                      <a:headEnd len="sm" w="sm" type="none"/>
+                      <a:tailEnd len="sm" w="sm" type="none"/>
+                    </a:lnR>
+                    <a:lnT cap="flat" cmpd="sng" w="38100">
+                      <a:solidFill>
+                        <a:schemeClr val="lt1"/>
+                      </a:solidFill>
+                      <a:prstDash val="solid"/>
+                      <a:round/>
+                      <a:headEnd len="sm" w="sm" type="none"/>
+                      <a:tailEnd len="sm" w="sm" type="none"/>
+                    </a:lnT>
+                    <a:lnB cap="flat" cmpd="sng" w="38100">
+                      <a:solidFill>
+                        <a:schemeClr val="lt1"/>
+                      </a:solidFill>
+                      <a:prstDash val="solid"/>
+                      <a:round/>
+                      <a:headEnd len="sm" w="sm" type="none"/>
+                      <a:tailEnd len="sm" w="sm" type="none"/>
+                    </a:lnB>
+                    <a:solidFill>
+                      <a:schemeClr val="lt1"/>
+                    </a:solidFill>
+                  </a:tcPr>
+                </a:tc>
+                <a:tc>
+                  <a:txBody>
+                    <a:bodyPr/>
+                    <a:lstStyle/>
+                    <a:p>
+                      <a:pPr indent="0" lvl="0" marL="0" rtl="0" algn="ctr">
+                        <a:spcBef>
+                          <a:spcPts val="0"/>
+                        </a:spcBef>
+                        <a:spcAft>
+                          <a:spcPts val="0"/>
+                        </a:spcAft>
+                        <a:buNone/>
+                      </a:pPr>
+                      <a:r>
+                        <a:t/>
+                      </a:r>
+                      <a:endParaRPr b="1">
+                        <a:solidFill>
+                          <a:schemeClr val="lt1"/>
+                        </a:solidFill>
+                      </a:endParaRPr>
+                    </a:p>
+                  </a:txBody>
+                  <a:tcPr marT="91425" marB="91425" marR="91425" marL="91425" anchor="ctr">
+                    <a:lnL cap="flat" cmpd="sng" w="38100">
+                      <a:solidFill>
+                        <a:schemeClr val="lt1"/>
+                      </a:solidFill>
+                      <a:prstDash val="solid"/>
+                      <a:round/>
+                      <a:headEnd len="sm" w="sm" type="none"/>
+                      <a:tailEnd len="sm" w="sm" type="none"/>
+                    </a:lnL>
+                    <a:lnR cap="flat" cmpd="sng" w="38100">
+                      <a:solidFill>
+                        <a:schemeClr val="lt1"/>
+                      </a:solidFill>
+                      <a:prstDash val="solid"/>
+                      <a:round/>
+                      <a:headEnd len="sm" w="sm" type="none"/>
+                      <a:tailEnd len="sm" w="sm" type="none"/>
+                    </a:lnR>
+                    <a:lnT cap="flat" cmpd="sng" w="38100">
+                      <a:solidFill>
+                        <a:schemeClr val="lt1"/>
+                      </a:solidFill>
+                      <a:prstDash val="solid"/>
+                      <a:round/>
+                      <a:headEnd len="sm" w="sm" type="none"/>
+                      <a:tailEnd len="sm" w="sm" type="none"/>
+                    </a:lnT>
+                    <a:lnB cap="flat" cmpd="sng" w="38100">
+                      <a:solidFill>
+                        <a:schemeClr val="lt1"/>
+                      </a:solidFill>
+                      <a:prstDash val="solid"/>
+                      <a:round/>
+                      <a:headEnd len="sm" w="sm" type="none"/>
+                      <a:tailEnd len="sm" w="sm" type="none"/>
+                    </a:lnB>
+                    <a:solidFill>
+                      <a:schemeClr val="lt1"/>
+                    </a:solidFill>
+                  </a:tcPr>
+                </a:tc>
+                <a:tc>
+                  <a:txBody>
+                    <a:bodyPr/>
+                    <a:lstStyle/>
+                    <a:p>
+                      <a:pPr indent="0" lvl="0" marL="0" rtl="0" algn="ctr">
+                        <a:spcBef>
+                          <a:spcPts val="0"/>
+                        </a:spcBef>
+                        <a:spcAft>
+                          <a:spcPts val="0"/>
+                        </a:spcAft>
+                        <a:buNone/>
+                      </a:pPr>
+                      <a:r>
+                        <a:rPr b="1" lang="en">
+                          <a:solidFill>
+                            <a:schemeClr val="lt1"/>
+                          </a:solidFill>
+                        </a:rPr>
+                        <a:t>KOLL</a:t>
+                      </a:r>
+                      <a:endParaRPr b="1">
+                        <a:solidFill>
+                          <a:schemeClr val="lt1"/>
+                        </a:solidFill>
+                      </a:endParaRPr>
+                    </a:p>
+                  </a:txBody>
+                  <a:tcPr marT="91425" marB="91425" marR="91425" marL="91425" anchor="ctr">
+                    <a:lnL cap="flat" cmpd="sng" w="38100">
+                      <a:solidFill>
+                        <a:schemeClr val="lt1"/>
+                      </a:solidFill>
+                      <a:prstDash val="solid"/>
+                      <a:round/>
+                      <a:headEnd len="sm" w="sm" type="none"/>
+                      <a:tailEnd len="sm" w="sm" type="none"/>
+                    </a:lnL>
+                    <a:lnR cap="flat" cmpd="sng" w="38100">
+                      <a:solidFill>
+                        <a:schemeClr val="lt1"/>
+                      </a:solidFill>
+                      <a:prstDash val="solid"/>
+                      <a:round/>
+                      <a:headEnd len="sm" w="sm" type="none"/>
+                      <a:tailEnd len="sm" w="sm" type="none"/>
+                    </a:lnR>
+                    <a:lnT cap="flat" cmpd="sng" w="38100">
+                      <a:solidFill>
+                        <a:schemeClr val="lt1"/>
+                      </a:solidFill>
+                      <a:prstDash val="solid"/>
+                      <a:round/>
+                      <a:headEnd len="sm" w="sm" type="none"/>
+                      <a:tailEnd len="sm" w="sm" type="none"/>
+                    </a:lnT>
+                    <a:lnB cap="flat" cmpd="sng" w="38100">
+                      <a:solidFill>
+                        <a:schemeClr val="lt1"/>
+                      </a:solidFill>
+                      <a:prstDash val="solid"/>
+                      <a:round/>
+                      <a:headEnd len="sm" w="sm" type="none"/>
+                      <a:tailEnd len="sm" w="sm" type="none"/>
+                    </a:lnB>
+                    <a:solidFill>
+                      <a:schemeClr val="dk2"/>
+                    </a:solidFill>
+                  </a:tcPr>
+                </a:tc>
+                <a:tc>
+                  <a:txBody>
+                    <a:bodyPr/>
+                    <a:lstStyle/>
+                    <a:p>
+                      <a:pPr indent="0" lvl="0" marL="0" rtl="0" algn="ctr">
+                        <a:spcBef>
+                          <a:spcPts val="0"/>
+                        </a:spcBef>
+                        <a:spcAft>
+                          <a:spcPts val="0"/>
+                        </a:spcAft>
+                        <a:buNone/>
+                      </a:pPr>
+                      <a:r>
+                        <a:t/>
+                      </a:r>
+                      <a:endParaRPr b="1">
+                        <a:solidFill>
+                          <a:schemeClr val="lt1"/>
+                        </a:solidFill>
+                      </a:endParaRPr>
+                    </a:p>
+                  </a:txBody>
+                  <a:tcPr marT="91425" marB="91425" marR="91425" marL="91425" anchor="ctr">
+                    <a:lnL cap="flat" cmpd="sng" w="38100">
+                      <a:solidFill>
+                        <a:schemeClr val="lt1"/>
+                      </a:solidFill>
+                      <a:prstDash val="solid"/>
+                      <a:round/>
+                      <a:headEnd len="sm" w="sm" type="none"/>
+                      <a:tailEnd len="sm" w="sm" type="none"/>
+                    </a:lnL>
+                    <a:lnR cap="flat" cmpd="sng" w="38100">
+                      <a:solidFill>
+                        <a:schemeClr val="lt1"/>
+                      </a:solidFill>
+                      <a:prstDash val="solid"/>
+                      <a:round/>
+                      <a:headEnd len="sm" w="sm" type="none"/>
+                      <a:tailEnd len="sm" w="sm" type="none"/>
+                    </a:lnR>
+                    <a:lnT cap="flat" cmpd="sng" w="38100">
+                      <a:solidFill>
+                        <a:schemeClr val="lt1"/>
+                      </a:solidFill>
+                      <a:prstDash val="solid"/>
+                      <a:round/>
+                      <a:headEnd len="sm" w="sm" type="none"/>
+                      <a:tailEnd len="sm" w="sm" type="none"/>
+                    </a:lnT>
+                    <a:lnB cap="flat" cmpd="sng" w="38100">
+                      <a:solidFill>
+                        <a:schemeClr val="lt1"/>
+                      </a:solidFill>
+                      <a:prstDash val="solid"/>
+                      <a:round/>
+                      <a:headEnd len="sm" w="sm" type="none"/>
+                      <a:tailEnd len="sm" w="sm" type="none"/>
+                    </a:lnB>
+                    <a:solidFill>
+                      <a:schemeClr val="lt1"/>
+                    </a:solidFill>
+                  </a:tcPr>
+                </a:tc>
+                <a:tc>
+                  <a:txBody>
+                    <a:bodyPr/>
+                    <a:lstStyle/>
+                    <a:p>
+                      <a:pPr indent="0" lvl="0" marL="0" rtl="0" algn="ctr">
+                        <a:spcBef>
+                          <a:spcPts val="0"/>
+                        </a:spcBef>
+                        <a:spcAft>
+                          <a:spcPts val="0"/>
+                        </a:spcAft>
+                        <a:buNone/>
+                      </a:pPr>
+                      <a:r>
+                        <a:t/>
+                      </a:r>
+                      <a:endParaRPr b="1">
+                        <a:solidFill>
+                          <a:schemeClr val="lt1"/>
+                        </a:solidFill>
+                      </a:endParaRPr>
+                    </a:p>
+                  </a:txBody>
+                  <a:tcPr marT="91425" marB="91425" marR="91425" marL="91425" anchor="ctr">
+                    <a:lnL cap="flat" cmpd="sng" w="38100">
+                      <a:solidFill>
+                        <a:schemeClr val="lt1"/>
+                      </a:solidFill>
+                      <a:prstDash val="solid"/>
+                      <a:round/>
+                      <a:headEnd len="sm" w="sm" type="none"/>
+                      <a:tailEnd len="sm" w="sm" type="none"/>
+                    </a:lnL>
+                    <a:lnR cap="flat" cmpd="sng" w="38100">
+                      <a:solidFill>
+                        <a:schemeClr val="lt1"/>
+                      </a:solidFill>
+                      <a:prstDash val="solid"/>
+                      <a:round/>
+                      <a:headEnd len="sm" w="sm" type="none"/>
+                      <a:tailEnd len="sm" w="sm" type="none"/>
+                    </a:lnR>
+                    <a:lnT cap="flat" cmpd="sng" w="38100">
+                      <a:solidFill>
+                        <a:schemeClr val="lt1"/>
+                      </a:solidFill>
+                      <a:prstDash val="solid"/>
+                      <a:round/>
+                      <a:headEnd len="sm" w="sm" type="none"/>
+                      <a:tailEnd len="sm" w="sm" type="none"/>
+                    </a:lnT>
+                    <a:lnB cap="flat" cmpd="sng" w="38100">
+                      <a:solidFill>
+                        <a:schemeClr val="lt1"/>
+                      </a:solidFill>
+                      <a:prstDash val="solid"/>
+                      <a:round/>
+                      <a:headEnd len="sm" w="sm" type="none"/>
+                      <a:tailEnd len="sm" w="sm" type="none"/>
+                    </a:lnB>
+                    <a:solidFill>
+                      <a:schemeClr val="lt1"/>
+                    </a:solidFill>
+                  </a:tcPr>
+                </a:tc>
+                <a:tc>
+                  <a:txBody>
+                    <a:bodyPr/>
+                    <a:lstStyle/>
+                    <a:p>
+                      <a:pPr indent="0" lvl="0" marL="0" rtl="0" algn="ctr">
+                        <a:spcBef>
+                          <a:spcPts val="0"/>
+                        </a:spcBef>
+                        <a:spcAft>
+                          <a:spcPts val="0"/>
+                        </a:spcAft>
+                        <a:buNone/>
+                      </a:pPr>
+                      <a:r>
+                        <a:t/>
+                      </a:r>
+                      <a:endParaRPr b="1">
+                        <a:solidFill>
+                          <a:schemeClr val="lt1"/>
+                        </a:solidFill>
+                      </a:endParaRPr>
+                    </a:p>
+                  </a:txBody>
+                  <a:tcPr marT="91425" marB="91425" marR="91425" marL="91425" anchor="ctr">
+                    <a:lnL cap="flat" cmpd="sng" w="38100">
+                      <a:solidFill>
+                        <a:schemeClr val="lt1"/>
+                      </a:solidFill>
+                      <a:prstDash val="solid"/>
+                      <a:round/>
+                      <a:headEnd len="sm" w="sm" type="none"/>
+                      <a:tailEnd len="sm" w="sm" type="none"/>
+                    </a:lnL>
+                    <a:lnR cap="flat" cmpd="sng" w="38100">
+                      <a:solidFill>
+                        <a:schemeClr val="lt1"/>
+                      </a:solidFill>
+                      <a:prstDash val="solid"/>
+                      <a:round/>
+                      <a:headEnd len="sm" w="sm" type="none"/>
+                      <a:tailEnd len="sm" w="sm" type="none"/>
+                    </a:lnR>
+                    <a:lnT cap="flat" cmpd="sng" w="38100">
+                      <a:solidFill>
+                        <a:schemeClr val="lt1"/>
+                      </a:solidFill>
+                      <a:prstDash val="solid"/>
+                      <a:round/>
+                      <a:headEnd len="sm" w="sm" type="none"/>
+                      <a:tailEnd len="sm" w="sm" type="none"/>
+                    </a:lnT>
+                    <a:lnB cap="flat" cmpd="sng" w="38100">
+                      <a:solidFill>
+                        <a:schemeClr val="lt1"/>
+                      </a:solidFill>
+                      <a:prstDash val="solid"/>
+                      <a:round/>
+                      <a:headEnd len="sm" w="sm" type="none"/>
+                      <a:tailEnd len="sm" w="sm" type="none"/>
+                    </a:lnB>
+                    <a:solidFill>
+                      <a:schemeClr val="lt1"/>
+                    </a:solidFill>
+                  </a:tcPr>
+                </a:tc>
+                <a:tc>
+                  <a:txBody>
+                    <a:bodyPr/>
+                    <a:lstStyle/>
+                    <a:p>
+                      <a:pPr indent="0" lvl="0" marL="0" rtl="0" algn="ctr">
+                        <a:spcBef>
+                          <a:spcPts val="0"/>
+                        </a:spcBef>
+                        <a:spcAft>
+                          <a:spcPts val="0"/>
+                        </a:spcAft>
+                        <a:buNone/>
+                      </a:pPr>
+                      <a:r>
+                        <a:rPr b="1" lang="en">
+                          <a:solidFill>
+                            <a:schemeClr val="lt1"/>
+                          </a:solidFill>
+                        </a:rPr>
+                        <a:t>KOLL</a:t>
+                      </a:r>
+                      <a:endParaRPr b="1">
+                        <a:solidFill>
+                          <a:schemeClr val="lt1"/>
+                        </a:solidFill>
+                      </a:endParaRPr>
+                    </a:p>
+                  </a:txBody>
+                  <a:tcPr marT="91425" marB="91425" marR="91425" marL="91425" anchor="ctr">
+                    <a:lnL cap="flat" cmpd="sng" w="38100">
+                      <a:solidFill>
+                        <a:schemeClr val="lt1"/>
+                      </a:solidFill>
+                      <a:prstDash val="solid"/>
+                      <a:round/>
+                      <a:headEnd len="sm" w="sm" type="none"/>
+                      <a:tailEnd len="sm" w="sm" type="none"/>
+                    </a:lnL>
+                    <a:lnR cap="flat" cmpd="sng" w="38100">
+                      <a:solidFill>
+                        <a:schemeClr val="lt1"/>
+                      </a:solidFill>
+                      <a:prstDash val="solid"/>
+                      <a:round/>
+                      <a:headEnd len="sm" w="sm" type="none"/>
+                      <a:tailEnd len="sm" w="sm" type="none"/>
+                    </a:lnR>
+                    <a:lnT cap="flat" cmpd="sng" w="38100">
+                      <a:solidFill>
+                        <a:schemeClr val="lt1"/>
+                      </a:solidFill>
+                      <a:prstDash val="solid"/>
+                      <a:round/>
+                      <a:headEnd len="sm" w="sm" type="none"/>
+                      <a:tailEnd len="sm" w="sm" type="none"/>
+                    </a:lnT>
+                    <a:lnB cap="flat" cmpd="sng" w="38100">
+                      <a:solidFill>
+                        <a:schemeClr val="lt1"/>
+                      </a:solidFill>
+                      <a:prstDash val="solid"/>
+                      <a:round/>
+                      <a:headEnd len="sm" w="sm" type="none"/>
+                      <a:tailEnd len="sm" w="sm" type="none"/>
+                    </a:lnB>
+                    <a:solidFill>
+                      <a:schemeClr val="dk2"/>
+                    </a:solidFill>
+                  </a:tcPr>
+                </a:tc>
+              </a:tr>
+            </a:tbl>
+          </a:graphicData>
+        </a:graphic>
+      </p:graphicFrame>
     </p:spTree>
   </p:cSld>
   <p:clrMapOvr>
@@ -10533,7 +15237,7 @@
   <p:cSld>
     <p:spTree>
       <p:nvGrpSpPr>
-        <p:cNvPr id="77" name="Shape 77"/>
+        <p:cNvPr id="78" name="Shape 78"/>
         <p:cNvGrpSpPr/>
         <p:nvPr/>
       </p:nvGrpSpPr>
@@ -10547,7 +15251,7 @@
       </p:grpSpPr>
       <p:sp>
         <p:nvSpPr>
-          <p:cNvPr id="78" name="Google Shape;78;p12"/>
+          <p:cNvPr id="79" name="Google Shape;79;p12"/>
           <p:cNvSpPr txBox="1"/>
           <p:nvPr>
             <p:ph type="title"/>
@@ -10587,7 +15291,7 @@
       </p:sp>
       <p:sp>
         <p:nvSpPr>
-          <p:cNvPr id="79" name="Google Shape;79;p12"/>
+          <p:cNvPr id="80" name="Google Shape;80;p12"/>
           <p:cNvSpPr txBox="1"/>
           <p:nvPr>
             <p:ph idx="12" type="sldNum"/>
@@ -10660,7 +15364,7 @@
       </p:sp>
       <p:graphicFrame>
         <p:nvGraphicFramePr>
-          <p:cNvPr id="80" name="Google Shape;80;p12"/>
+          <p:cNvPr id="81" name="Google Shape;81;p12"/>
           <p:cNvGraphicFramePr/>
           <p:nvPr/>
         </p:nvGraphicFramePr>
@@ -10673,7 +15377,7 @@
             <a:tbl>
               <a:tblPr>
                 <a:noFill/>
-                <a:tableStyleId>{A70FF0FD-2C48-4F5F-9553-A755B41E33DC}</a:tableStyleId>
+                <a:tableStyleId>{6F647274-4A46-4406-86EE-207FD5B9EB88}</a:tableStyleId>
               </a:tblPr>
               <a:tblGrid>
                 <a:gridCol w="1432575"/>
@@ -12489,7 +17193,7 @@
   <p:cSld>
     <p:spTree>
       <p:nvGrpSpPr>
-        <p:cNvPr id="84" name="Shape 84"/>
+        <p:cNvPr id="85" name="Shape 85"/>
         <p:cNvGrpSpPr/>
         <p:nvPr/>
       </p:nvGrpSpPr>
@@ -12503,7 +17207,7 @@
       </p:grpSpPr>
       <p:sp>
         <p:nvSpPr>
-          <p:cNvPr id="85" name="Google Shape;85;p13"/>
+          <p:cNvPr id="86" name="Google Shape;86;p13"/>
           <p:cNvSpPr txBox="1"/>
           <p:nvPr>
             <p:ph type="title"/>
@@ -12543,7 +17247,7 @@
       </p:sp>
       <p:graphicFrame>
         <p:nvGraphicFramePr>
-          <p:cNvPr id="86" name="Google Shape;86;p13"/>
+          <p:cNvPr id="87" name="Google Shape;87;p13"/>
           <p:cNvGraphicFramePr/>
           <p:nvPr/>
         </p:nvGraphicFramePr>
@@ -12556,7 +17260,7 @@
             <a:tbl>
               <a:tblPr>
                 <a:noFill/>
-                <a:tableStyleId>{A70FF0FD-2C48-4F5F-9553-A755B41E33DC}</a:tableStyleId>
+                <a:tableStyleId>{6F647274-4A46-4406-86EE-207FD5B9EB88}</a:tableStyleId>
               </a:tblPr>
               <a:tblGrid>
                 <a:gridCol w="1432550"/>
@@ -14519,7 +19223,7 @@
       </p:graphicFrame>
       <p:sp>
         <p:nvSpPr>
-          <p:cNvPr id="87" name="Google Shape;87;p13"/>
+          <p:cNvPr id="88" name="Google Shape;88;p13"/>
           <p:cNvSpPr txBox="1"/>
           <p:nvPr>
             <p:ph idx="12" type="sldNum"/>
@@ -14592,7 +19296,7 @@
       </p:sp>
       <p:sp>
         <p:nvSpPr>
-          <p:cNvPr id="88" name="Google Shape;88;p13"/>
+          <p:cNvPr id="89" name="Google Shape;89;p13"/>
           <p:cNvSpPr txBox="1"/>
           <p:nvPr/>
         </p:nvSpPr>
@@ -14661,7 +19365,7 @@
   <p:cSld>
     <p:spTree>
       <p:nvGrpSpPr>
-        <p:cNvPr id="92" name="Shape 92"/>
+        <p:cNvPr id="93" name="Shape 93"/>
         <p:cNvGrpSpPr/>
         <p:nvPr/>
       </p:nvGrpSpPr>
@@ -14675,7 +19379,7 @@
       </p:grpSpPr>
       <p:sp>
         <p:nvSpPr>
-          <p:cNvPr id="93" name="Google Shape;93;p14"/>
+          <p:cNvPr id="94" name="Google Shape;94;p14"/>
           <p:cNvSpPr txBox="1"/>
           <p:nvPr>
             <p:ph type="title"/>
@@ -14715,7 +19419,7 @@
       </p:sp>
       <p:sp>
         <p:nvSpPr>
-          <p:cNvPr id="94" name="Google Shape;94;p14"/>
+          <p:cNvPr id="95" name="Google Shape;95;p14"/>
           <p:cNvSpPr txBox="1"/>
           <p:nvPr>
             <p:ph idx="1" type="body"/>
@@ -14831,7 +19535,7 @@
       </p:sp>
       <p:sp>
         <p:nvSpPr>
-          <p:cNvPr id="95" name="Google Shape;95;p14"/>
+          <p:cNvPr id="96" name="Google Shape;96;p14"/>
           <p:cNvSpPr txBox="1"/>
           <p:nvPr>
             <p:ph idx="12" type="sldNum"/>
@@ -14915,7 +19619,7 @@
   <p:cSld>
     <p:spTree>
       <p:nvGrpSpPr>
-        <p:cNvPr id="99" name="Shape 99"/>
+        <p:cNvPr id="100" name="Shape 100"/>
         <p:cNvGrpSpPr/>
         <p:nvPr/>
       </p:nvGrpSpPr>
@@ -14929,7 +19633,7 @@
       </p:grpSpPr>
       <p:sp>
         <p:nvSpPr>
-          <p:cNvPr id="100" name="Google Shape;100;p15"/>
+          <p:cNvPr id="101" name="Google Shape;101;p15"/>
           <p:cNvSpPr txBox="1"/>
           <p:nvPr>
             <p:ph type="title"/>
@@ -14969,7 +19673,7 @@
       </p:sp>
       <p:sp>
         <p:nvSpPr>
-          <p:cNvPr id="101" name="Google Shape;101;p15"/>
+          <p:cNvPr id="102" name="Google Shape;102;p15"/>
           <p:cNvSpPr txBox="1"/>
           <p:nvPr>
             <p:ph idx="1" type="body"/>
@@ -15042,7 +19746,7 @@
       </p:sp>
       <p:sp>
         <p:nvSpPr>
-          <p:cNvPr id="102" name="Google Shape;102;p15"/>
+          <p:cNvPr id="103" name="Google Shape;103;p15"/>
           <p:cNvSpPr txBox="1"/>
           <p:nvPr>
             <p:ph idx="12" type="sldNum"/>
@@ -15126,7 +19830,7 @@
   <p:cSld>
     <p:spTree>
       <p:nvGrpSpPr>
-        <p:cNvPr id="106" name="Shape 106"/>
+        <p:cNvPr id="107" name="Shape 107"/>
         <p:cNvGrpSpPr/>
         <p:nvPr/>
       </p:nvGrpSpPr>
@@ -15140,7 +19844,7 @@
       </p:grpSpPr>
       <p:sp>
         <p:nvSpPr>
-          <p:cNvPr id="107" name="Google Shape;107;p16"/>
+          <p:cNvPr id="108" name="Google Shape;108;p16"/>
           <p:cNvSpPr txBox="1"/>
           <p:nvPr>
             <p:ph idx="1" type="body"/>
@@ -15353,7 +20057,7 @@
       </p:sp>
       <p:sp>
         <p:nvSpPr>
-          <p:cNvPr id="108" name="Google Shape;108;p16"/>
+          <p:cNvPr id="109" name="Google Shape;109;p16"/>
           <p:cNvSpPr txBox="1"/>
           <p:nvPr>
             <p:ph type="title"/>
@@ -15393,7 +20097,7 @@
       </p:sp>
       <p:sp>
         <p:nvSpPr>
-          <p:cNvPr id="109" name="Google Shape;109;p16"/>
+          <p:cNvPr id="110" name="Google Shape;110;p16"/>
           <p:cNvSpPr txBox="1"/>
           <p:nvPr>
             <p:ph idx="12" type="sldNum"/>
@@ -15466,7 +20170,7 @@
       </p:sp>
       <p:sp>
         <p:nvSpPr>
-          <p:cNvPr id="110" name="Google Shape;110;p16"/>
+          <p:cNvPr id="111" name="Google Shape;111;p16"/>
           <p:cNvSpPr txBox="1"/>
           <p:nvPr/>
         </p:nvSpPr>
